--- a/React 101.pptx
+++ b/React 101.pptx
@@ -24,6 +24,17 @@
     <p:sldId id="272" r:id="rId19"/>
     <p:sldId id="273" r:id="rId20"/>
     <p:sldId id="274" r:id="rId21"/>
+    <p:sldId id="275" r:id="rId22"/>
+    <p:sldId id="276" r:id="rId23"/>
+    <p:sldId id="277" r:id="rId24"/>
+    <p:sldId id="278" r:id="rId25"/>
+    <p:sldId id="279" r:id="rId26"/>
+    <p:sldId id="280" r:id="rId27"/>
+    <p:sldId id="281" r:id="rId28"/>
+    <p:sldId id="282" r:id="rId29"/>
+    <p:sldId id="283" r:id="rId30"/>
+    <p:sldId id="284" r:id="rId31"/>
+    <p:sldId id="285" r:id="rId32"/>
   </p:sldIdLst>
   <p:sldSz cx="10080625" cy="5670550"/>
   <p:notesSz cx="7772400" cy="10058400"/>
@@ -1902,7 +1913,7 @@
           </a:bodyPr>
           <a:p>
             <a:pPr algn="r"/>
-            <a:fld id="{2278584A-0570-480A-9CFA-8DF2E426C185}" type="slidenum">
+            <a:fld id="{8AA23FC5-348B-46F7-B358-86237F36B839}" type="slidenum">
               <a:rPr b="0" lang="en-US" sz="1400" spc="-1" strike="noStrike">
                 <a:latin typeface="Times New Roman"/>
               </a:rPr>
@@ -1963,7 +1974,7 @@
         </p:nvSpPr>
         <p:spPr>
           <a:xfrm>
-            <a:off x="504000" y="226080"/>
+            <a:off x="504000" y="1306080"/>
             <a:ext cx="9071640" cy="946440"/>
           </a:xfrm>
           <a:prstGeom prst="rect">
@@ -2025,7 +2036,7 @@
               <a:rPr b="0" lang="en-US" sz="2800" spc="-1" strike="noStrike">
                 <a:latin typeface="Arial"/>
               </a:rPr>
-              <a:t>Building React components with using LLM</a:t>
+              <a:t>Building React components using LLMs</a:t>
             </a:r>
             <a:endParaRPr b="0" lang="en-US" sz="2800" spc="-1" strike="noStrike">
               <a:latin typeface="Arial"/>
@@ -2112,8 +2123,8 @@
         </p:nvSpPr>
         <p:spPr>
           <a:xfrm>
-            <a:off x="1821960" y="1985760"/>
-            <a:ext cx="4121640" cy="818640"/>
+            <a:off x="914400" y="1172520"/>
+            <a:ext cx="8229600" cy="1370160"/>
           </a:xfrm>
           <a:prstGeom prst="rect">
             <a:avLst/>
@@ -2129,71 +2140,154 @@
           </a:bodyPr>
           <a:p>
             <a:r>
+              <a:rPr b="0" lang="en-US" sz="1400" spc="-1" strike="noStrike">
+                <a:latin typeface="Arial"/>
+              </a:rPr>
+              <a:t>In React, a </a:t>
+            </a:r>
+            <a:r>
+              <a:rPr b="1" lang="en-US" sz="1400" spc="-1" strike="noStrike">
+                <a:latin typeface="Arial"/>
+              </a:rPr>
+              <a:t>component</a:t>
+            </a:r>
+            <a:r>
+              <a:rPr b="0" lang="en-US" sz="1400" spc="-1" strike="noStrike">
+                <a:latin typeface="Arial"/>
+              </a:rPr>
+              <a:t> is a piece of reusable code that represents a part of a user interface. Components are used to </a:t>
+            </a:r>
+            <a:r>
+              <a:rPr b="0" lang="en-US" sz="1400" spc="-1" strike="noStrike" u="sng">
+                <a:uFillTx/>
+                <a:latin typeface="Arial"/>
+              </a:rPr>
+              <a:t>render, manage, and update the UI elements</a:t>
+            </a:r>
+            <a:r>
+              <a:rPr b="0" lang="en-US" sz="1400" spc="-1" strike="noStrike">
+                <a:latin typeface="Arial"/>
+              </a:rPr>
+              <a:t> in your application. Let’s look at the component line by line to see what’s going on:</a:t>
+            </a:r>
+            <a:endParaRPr b="0" lang="en-US" sz="1400" spc="-1" strike="noStrike">
+              <a:latin typeface="Arial"/>
+            </a:endParaRPr>
+          </a:p>
+        </p:txBody>
+      </p:sp>
+      <p:sp>
+        <p:nvSpPr>
+          <p:cNvPr id="67" name=""/>
+          <p:cNvSpPr txBox="1"/>
+          <p:nvPr/>
+        </p:nvSpPr>
+        <p:spPr>
+          <a:xfrm>
+            <a:off x="2286000" y="2838960"/>
+            <a:ext cx="3886200" cy="960120"/>
+          </a:xfrm>
+          <a:prstGeom prst="rect">
+            <a:avLst/>
+          </a:prstGeom>
+          <a:noFill/>
+          <a:ln w="0">
+            <a:noFill/>
+          </a:ln>
+        </p:spPr>
+        <p:txBody>
+          <a:bodyPr lIns="90000" rIns="90000" tIns="45000" bIns="45000" anchor="t">
+            <a:noAutofit/>
+          </a:bodyPr>
+          <a:p>
+            <a:r>
               <a:rPr b="0" lang="en-US" sz="1000" spc="-1" strike="noStrike">
                 <a:latin typeface="Arial"/>
               </a:rPr>
-              <a:t>function Square({ </a:t>
+              <a:t>export default </a:t>
+            </a:r>
+            <a:r>
+              <a:rPr b="1" lang="en-US" sz="1000" spc="-1" strike="noStrike">
+                <a:latin typeface="Arial"/>
+              </a:rPr>
+              <a:t>function Square()</a:t>
+            </a:r>
+            <a:r>
+              <a:rPr b="0" lang="en-US" sz="1000" spc="-1" strike="noStrike">
+                <a:latin typeface="Arial"/>
+              </a:rPr>
+              <a:t> {</a:t>
+            </a:r>
+            <a:endParaRPr b="0" lang="en-US" sz="1000" spc="-1" strike="noStrike">
+              <a:latin typeface="Arial"/>
+            </a:endParaRPr>
+          </a:p>
+          <a:p>
+            <a:r>
+              <a:rPr b="0" lang="en-US" sz="1000" spc="-1" strike="noStrike">
+                <a:latin typeface="Arial"/>
+              </a:rPr>
+              <a:t>  </a:t>
+            </a:r>
+            <a:r>
+              <a:rPr b="1" lang="en-US" sz="1000" spc="-1" strike="noStrike">
+                <a:latin typeface="Arial"/>
+              </a:rPr>
+              <a:t>return</a:t>
+            </a:r>
+            <a:r>
+              <a:rPr b="0" lang="en-US" sz="1000" spc="-1" strike="noStrike">
+                <a:latin typeface="Arial"/>
+              </a:rPr>
+              <a:t> </a:t>
             </a:r>
             <a:r>
               <a:rPr b="0" lang="en-US" sz="1000" spc="-1" strike="noStrike" u="sng">
                 <a:uFillTx/>
                 <a:latin typeface="Arial"/>
               </a:rPr>
-              <a:t>value</a:t>
-            </a:r>
+              <a:t>&lt;button className="square"&gt;X&lt;/button&gt;;</a:t>
+            </a:r>
+            <a:endParaRPr b="0" lang="en-US" sz="1000" spc="-1" strike="noStrike">
+              <a:latin typeface="Arial"/>
+            </a:endParaRPr>
+          </a:p>
+          <a:p>
             <a:r>
               <a:rPr b="0" lang="en-US" sz="1000" spc="-1" strike="noStrike">
                 <a:latin typeface="Arial"/>
               </a:rPr>
-              <a:t> }) {</a:t>
+              <a:t>}</a:t>
             </a:r>
             <a:endParaRPr b="0" lang="en-US" sz="1000" spc="-1" strike="noStrike">
               <a:latin typeface="Arial"/>
             </a:endParaRPr>
           </a:p>
-          <a:p>
-            <a:r>
-              <a:rPr b="0" lang="en-US" sz="1000" spc="-1" strike="noStrike">
-                <a:latin typeface="Arial"/>
-              </a:rPr>
-              <a:t>   </a:t>
-            </a:r>
-            <a:r>
-              <a:rPr b="0" lang="en-US" sz="1000" spc="-1" strike="noStrike">
-                <a:latin typeface="Arial"/>
-              </a:rPr>
-              <a:t>return &lt;button className="square"&gt;{</a:t>
-            </a:r>
-            <a:r>
-              <a:rPr b="0" lang="en-US" sz="1000" spc="-1" strike="noStrike" u="sng">
-                <a:uFillTx/>
-                <a:latin typeface="Arial"/>
-              </a:rPr>
-              <a:t>value</a:t>
-            </a:r>
-            <a:r>
-              <a:rPr b="0" lang="en-US" sz="1000" spc="-1" strike="noStrike">
-                <a:latin typeface="Arial"/>
-              </a:rPr>
-              <a:t>}&lt;/button&gt;;</a:t>
-            </a:r>
-            <a:endParaRPr b="0" lang="en-US" sz="1000" spc="-1" strike="noStrike">
-              <a:latin typeface="Arial"/>
-            </a:endParaRPr>
-          </a:p>
-          <a:p>
-            <a:r>
-              <a:rPr b="0" lang="en-US" sz="1000" spc="-1" strike="noStrike">
-                <a:latin typeface="Arial"/>
-              </a:rPr>
-              <a:t>}</a:t>
-            </a:r>
-            <a:endParaRPr b="0" lang="en-US" sz="1000" spc="-1" strike="noStrike">
-              <a:latin typeface="Arial"/>
-            </a:endParaRPr>
-          </a:p>
-        </p:txBody>
-      </p:sp>
+        </p:txBody>
+      </p:sp>
+      <p:pic>
+        <p:nvPicPr>
+          <p:cNvPr id="68" name="" descr=""/>
+          <p:cNvPicPr/>
+          <p:nvPr/>
+        </p:nvPicPr>
+        <p:blipFill>
+          <a:blip r:embed="rId1"/>
+          <a:stretch/>
+        </p:blipFill>
+        <p:spPr>
+          <a:xfrm>
+            <a:off x="7086600" y="2847960"/>
+            <a:ext cx="1038240" cy="1038240"/>
+          </a:xfrm>
+          <a:prstGeom prst="rect">
+            <a:avLst/>
+          </a:prstGeom>
+          <a:ln w="0">
+            <a:noFill/>
+          </a:ln>
+        </p:spPr>
+      </p:pic>
     </p:spTree>
   </p:cSld>
   <mc:AlternateContent>
@@ -2226,7 +2320,7 @@
       </p:grpSpPr>
       <p:sp>
         <p:nvSpPr>
-          <p:cNvPr id="67" name="PlaceHolder 1"/>
+          <p:cNvPr id="69" name="PlaceHolder 1"/>
           <p:cNvSpPr>
             <a:spLocks noGrp="1"/>
           </p:cNvSpPr>
@@ -2267,14 +2361,14 @@
       </p:sp>
       <p:sp>
         <p:nvSpPr>
-          <p:cNvPr id="68" name=""/>
+          <p:cNvPr id="70" name=""/>
           <p:cNvSpPr txBox="1"/>
           <p:nvPr/>
         </p:nvSpPr>
         <p:spPr>
           <a:xfrm>
-            <a:off x="1821960" y="2309760"/>
-            <a:ext cx="4121640" cy="818640"/>
+            <a:off x="1779840" y="2038680"/>
+            <a:ext cx="5112360" cy="2425320"/>
           </a:xfrm>
           <a:prstGeom prst="rect">
             <a:avLst/>
@@ -2293,20 +2387,18 @@
               <a:rPr b="0" lang="en-US" sz="1000" spc="-1" strike="noStrike">
                 <a:latin typeface="Arial"/>
               </a:rPr>
-              <a:t>function Square({ </a:t>
-            </a:r>
-            <a:r>
-              <a:rPr b="0" lang="en-US" sz="1000" spc="-1" strike="noStrike" u="sng">
-                <a:uFillTx/>
-                <a:latin typeface="Arial"/>
-              </a:rPr>
-              <a:t>value</a:t>
-            </a:r>
+              <a:t>export default function Square() {</a:t>
+            </a:r>
+            <a:endParaRPr b="0" lang="en-US" sz="1000" spc="-1" strike="noStrike">
+              <a:latin typeface="Arial"/>
+            </a:endParaRPr>
+          </a:p>
+          <a:p>
             <a:r>
               <a:rPr b="0" lang="en-US" sz="1000" spc="-1" strike="noStrike">
                 <a:latin typeface="Arial"/>
               </a:rPr>
-              <a:t> }) {</a:t>
+              <a:t>return (</a:t>
             </a:r>
             <a:endParaRPr b="0" lang="en-US" sz="1000" spc="-1" strike="noStrike">
               <a:latin typeface="Arial"/>
@@ -2317,26 +2409,81 @@
               <a:rPr b="0" lang="en-US" sz="1000" spc="-1" strike="noStrike">
                 <a:latin typeface="Arial"/>
               </a:rPr>
-              <a:t>   </a:t>
+              <a:t>     </a:t>
             </a:r>
             <a:r>
               <a:rPr b="0" lang="en-US" sz="1000" spc="-1" strike="noStrike">
                 <a:latin typeface="Arial"/>
               </a:rPr>
-              <a:t>return &lt;button className="square"&gt;{</a:t>
-            </a:r>
-            <a:r>
-              <a:rPr b="0" lang="en-US" sz="1000" spc="-1" strike="noStrike" u="sng">
-                <a:uFillTx/>
-                <a:latin typeface="Arial"/>
-              </a:rPr>
-              <a:t>value</a:t>
-            </a:r>
+              <a:t>&lt;&gt;</a:t>
+            </a:r>
+            <a:endParaRPr b="0" lang="en-US" sz="1000" spc="-1" strike="noStrike">
+              <a:latin typeface="Arial"/>
+            </a:endParaRPr>
+          </a:p>
+          <a:p>
             <a:r>
               <a:rPr b="0" lang="en-US" sz="1000" spc="-1" strike="noStrike">
                 <a:latin typeface="Arial"/>
               </a:rPr>
-              <a:t>}&lt;/button&gt;;</a:t>
+              <a:t>	</a:t>
+            </a:r>
+            <a:r>
+              <a:rPr b="0" lang="en-US" sz="1000" spc="-1" strike="noStrike">
+                <a:latin typeface="Arial"/>
+              </a:rPr>
+              <a:t>&lt;button className="square"&gt;X&lt;/button&gt;</a:t>
+            </a:r>
+            <a:endParaRPr b="0" lang="en-US" sz="1000" spc="-1" strike="noStrike">
+              <a:latin typeface="Arial"/>
+            </a:endParaRPr>
+          </a:p>
+          <a:p>
+            <a:r>
+              <a:rPr b="0" lang="en-US" sz="1000" spc="-1" strike="noStrike">
+                <a:latin typeface="Arial"/>
+              </a:rPr>
+              <a:t>             </a:t>
+            </a:r>
+            <a:r>
+              <a:rPr b="0" lang="en-US" sz="1000" spc="-1" strike="noStrike">
+                <a:latin typeface="Arial"/>
+              </a:rPr>
+              <a:t>&lt;button className="square"&gt;X&lt;/button&gt;</a:t>
+            </a:r>
+            <a:endParaRPr b="0" lang="en-US" sz="1000" spc="-1" strike="noStrike">
+              <a:latin typeface="Arial"/>
+            </a:endParaRPr>
+          </a:p>
+          <a:p>
+            <a:r>
+              <a:rPr b="0" lang="en-US" sz="1000" spc="-1" strike="noStrike">
+                <a:latin typeface="Arial"/>
+              </a:rPr>
+              <a:t>    </a:t>
+            </a:r>
+            <a:r>
+              <a:rPr b="0" lang="en-US" sz="1000" spc="-1" strike="noStrike">
+                <a:latin typeface="Arial"/>
+              </a:rPr>
+              <a:t>&lt;/&gt;</a:t>
+            </a:r>
+            <a:endParaRPr b="0" lang="en-US" sz="1000" spc="-1" strike="noStrike">
+              <a:latin typeface="Arial"/>
+            </a:endParaRPr>
+          </a:p>
+          <a:p>
+            <a:r>
+              <a:rPr b="0" lang="en-US" sz="1000" spc="-1" strike="noStrike">
+                <a:latin typeface="Arial"/>
+              </a:rPr>
+              <a:t> </a:t>
+            </a:r>
+            <a:r>
+              <a:rPr b="0" lang="en-US" sz="1000" spc="-1" strike="noStrike">
+                <a:latin typeface="Arial"/>
+              </a:rPr>
+              <a:t>);</a:t>
             </a:r>
             <a:endParaRPr b="0" lang="en-US" sz="1000" spc="-1" strike="noStrike">
               <a:latin typeface="Arial"/>
@@ -2357,7 +2504,7 @@
       </p:sp>
       <p:pic>
         <p:nvPicPr>
-          <p:cNvPr id="69" name="" descr=""/>
+          <p:cNvPr id="71" name="" descr=""/>
           <p:cNvPicPr/>
           <p:nvPr/>
         </p:nvPicPr>
@@ -2368,7 +2515,7 @@
         <p:spPr>
           <a:xfrm>
             <a:off x="6400800" y="2514600"/>
-            <a:ext cx="1947240" cy="1953720"/>
+            <a:ext cx="1738080" cy="993240"/>
           </a:xfrm>
           <a:prstGeom prst="rect">
             <a:avLst/>
@@ -2410,7 +2557,7 @@
       </p:grpSpPr>
       <p:sp>
         <p:nvSpPr>
-          <p:cNvPr id="70" name="PlaceHolder 1"/>
+          <p:cNvPr id="72" name="PlaceHolder 1"/>
           <p:cNvSpPr>
             <a:spLocks noGrp="1"/>
           </p:cNvSpPr>
@@ -2451,14 +2598,14 @@
       </p:sp>
       <p:sp>
         <p:nvSpPr>
-          <p:cNvPr id="71" name=""/>
+          <p:cNvPr id="73" name=""/>
           <p:cNvSpPr txBox="1"/>
           <p:nvPr/>
         </p:nvSpPr>
         <p:spPr>
           <a:xfrm>
-            <a:off x="1706040" y="1143000"/>
-            <a:ext cx="6294960" cy="8024760"/>
+            <a:off x="1782000" y="1924560"/>
+            <a:ext cx="4114800" cy="960120"/>
           </a:xfrm>
           <a:prstGeom prst="rect">
             <a:avLst/>
@@ -2474,608 +2621,81 @@
           </a:bodyPr>
           <a:p>
             <a:r>
-              <a:rPr b="0" lang="en-US" sz="1400" spc="-1" strike="noStrike">
-                <a:latin typeface="Arial"/>
-              </a:rPr>
-              <a:t>import { useState } from 'react';</a:t>
-            </a:r>
-            <a:endParaRPr b="0" lang="en-US" sz="1400" spc="-1" strike="noStrike">
-              <a:latin typeface="Arial"/>
-            </a:endParaRPr>
-          </a:p>
-          <a:p>
-            <a:endParaRPr b="0" lang="en-US" sz="1400" spc="-1" strike="noStrike">
-              <a:latin typeface="Arial"/>
-            </a:endParaRPr>
-          </a:p>
-          <a:p>
-            <a:r>
-              <a:rPr b="0" lang="en-US" sz="1400" spc="-1" strike="noStrike">
-                <a:latin typeface="Arial"/>
-              </a:rPr>
-              <a:t>function Square() {</a:t>
-            </a:r>
-            <a:endParaRPr b="0" lang="en-US" sz="1400" spc="-1" strike="noStrike">
-              <a:latin typeface="Arial"/>
-            </a:endParaRPr>
-          </a:p>
-          <a:p>
-            <a:r>
-              <a:rPr b="0" lang="en-US" sz="1400" spc="-1" strike="noStrike">
-                <a:latin typeface="Arial"/>
-              </a:rPr>
-              <a:t>  </a:t>
-            </a:r>
-            <a:r>
-              <a:rPr b="0" lang="en-US" sz="1400" spc="-1" strike="noStrike">
-                <a:latin typeface="Arial"/>
-              </a:rPr>
-              <a:t>const [value, setValue] = useState(null);</a:t>
-            </a:r>
-            <a:endParaRPr b="0" lang="en-US" sz="1400" spc="-1" strike="noStrike">
-              <a:latin typeface="Arial"/>
-            </a:endParaRPr>
-          </a:p>
-          <a:p>
-            <a:endParaRPr b="0" lang="en-US" sz="1400" spc="-1" strike="noStrike">
-              <a:latin typeface="Arial"/>
-            </a:endParaRPr>
-          </a:p>
-          <a:p>
-            <a:r>
-              <a:rPr b="0" lang="en-US" sz="1400" spc="-1" strike="noStrike">
-                <a:latin typeface="Arial"/>
-              </a:rPr>
-              <a:t>  </a:t>
-            </a:r>
-            <a:r>
-              <a:rPr b="0" lang="en-US" sz="1400" spc="-1" strike="noStrike">
-                <a:latin typeface="Arial"/>
-              </a:rPr>
-              <a:t>function handleClick() {</a:t>
-            </a:r>
-            <a:endParaRPr b="0" lang="en-US" sz="1400" spc="-1" strike="noStrike">
-              <a:latin typeface="Arial"/>
-            </a:endParaRPr>
-          </a:p>
-          <a:p>
-            <a:r>
-              <a:rPr b="0" lang="en-US" sz="1400" spc="-1" strike="noStrike">
-                <a:latin typeface="Arial"/>
-              </a:rPr>
-              <a:t>    </a:t>
-            </a:r>
-            <a:r>
-              <a:rPr b="0" lang="en-US" sz="1400" spc="-1" strike="noStrike">
-                <a:latin typeface="Arial"/>
-              </a:rPr>
-              <a:t>setValue('X');</a:t>
-            </a:r>
-            <a:endParaRPr b="0" lang="en-US" sz="1400" spc="-1" strike="noStrike">
-              <a:latin typeface="Arial"/>
-            </a:endParaRPr>
-          </a:p>
-          <a:p>
-            <a:r>
-              <a:rPr b="0" lang="en-US" sz="1400" spc="-1" strike="noStrike">
-                <a:latin typeface="Arial"/>
-              </a:rPr>
-              <a:t>  </a:t>
-            </a:r>
-            <a:r>
-              <a:rPr b="0" lang="en-US" sz="1400" spc="-1" strike="noStrike">
+              <a:rPr b="0" lang="en-US" sz="1000" spc="-1" strike="noStrike">
+                <a:latin typeface="Arial"/>
+              </a:rPr>
+              <a:t>function Square({ </a:t>
+            </a:r>
+            <a:r>
+              <a:rPr b="0" lang="en-US" sz="1000" spc="-1" strike="noStrike" u="sng">
+                <a:uFillTx/>
+                <a:latin typeface="Arial"/>
+              </a:rPr>
+              <a:t>value</a:t>
+            </a:r>
+            <a:r>
+              <a:rPr b="0" lang="en-US" sz="1000" spc="-1" strike="noStrike">
+                <a:latin typeface="Arial"/>
+              </a:rPr>
+              <a:t> }) {</a:t>
+            </a:r>
+            <a:endParaRPr b="0" lang="en-US" sz="1000" spc="-1" strike="noStrike">
+              <a:latin typeface="Arial"/>
+            </a:endParaRPr>
+          </a:p>
+          <a:p>
+            <a:r>
+              <a:rPr b="0" lang="en-US" sz="1000" spc="-1" strike="noStrike">
+                <a:latin typeface="Arial"/>
+              </a:rPr>
+              <a:t>   </a:t>
+            </a:r>
+            <a:r>
+              <a:rPr b="0" lang="en-US" sz="1000" spc="-1" strike="noStrike">
+                <a:latin typeface="Arial"/>
+              </a:rPr>
+              <a:t>return &lt;button className="square"&gt;value&lt;/button&gt;;</a:t>
+            </a:r>
+            <a:endParaRPr b="0" lang="en-US" sz="1000" spc="-1" strike="noStrike">
+              <a:latin typeface="Arial"/>
+            </a:endParaRPr>
+          </a:p>
+          <a:p>
+            <a:r>
+              <a:rPr b="0" lang="en-US" sz="1000" spc="-1" strike="noStrike">
                 <a:latin typeface="Arial"/>
               </a:rPr>
               <a:t>}</a:t>
             </a:r>
-            <a:endParaRPr b="0" lang="en-US" sz="1400" spc="-1" strike="noStrike">
-              <a:latin typeface="Arial"/>
-            </a:endParaRPr>
-          </a:p>
-          <a:p>
-            <a:endParaRPr b="0" lang="en-US" sz="1400" spc="-1" strike="noStrike">
-              <a:latin typeface="Arial"/>
-            </a:endParaRPr>
-          </a:p>
-          <a:p>
-            <a:r>
-              <a:rPr b="0" lang="en-US" sz="1400" spc="-1" strike="noStrike">
-                <a:latin typeface="Arial"/>
-              </a:rPr>
-              <a:t>  </a:t>
-            </a:r>
-            <a:r>
-              <a:rPr b="0" lang="en-US" sz="1400" spc="-1" strike="noStrike">
-                <a:latin typeface="Arial"/>
-              </a:rPr>
-              <a:t>return (</a:t>
-            </a:r>
-            <a:endParaRPr b="0" lang="en-US" sz="1400" spc="-1" strike="noStrike">
-              <a:latin typeface="Arial"/>
-            </a:endParaRPr>
-          </a:p>
-          <a:p>
-            <a:r>
-              <a:rPr b="0" lang="en-US" sz="1400" spc="-1" strike="noStrike">
-                <a:latin typeface="Arial"/>
-              </a:rPr>
-              <a:t>    </a:t>
-            </a:r>
-            <a:r>
-              <a:rPr b="0" lang="en-US" sz="1400" spc="-1" strike="noStrike">
-                <a:latin typeface="Arial"/>
-              </a:rPr>
-              <a:t>&lt;button</a:t>
-            </a:r>
-            <a:endParaRPr b="0" lang="en-US" sz="1400" spc="-1" strike="noStrike">
-              <a:latin typeface="Arial"/>
-            </a:endParaRPr>
-          </a:p>
-          <a:p>
-            <a:r>
-              <a:rPr b="0" lang="en-US" sz="1400" spc="-1" strike="noStrike">
-                <a:latin typeface="Arial"/>
-              </a:rPr>
-              <a:t>      </a:t>
-            </a:r>
-            <a:r>
-              <a:rPr b="0" lang="en-US" sz="1400" spc="-1" strike="noStrike">
-                <a:latin typeface="Arial"/>
-              </a:rPr>
-              <a:t>className="square"</a:t>
-            </a:r>
-            <a:endParaRPr b="0" lang="en-US" sz="1400" spc="-1" strike="noStrike">
-              <a:latin typeface="Arial"/>
-            </a:endParaRPr>
-          </a:p>
-          <a:p>
-            <a:r>
-              <a:rPr b="0" lang="en-US" sz="1400" spc="-1" strike="noStrike">
-                <a:latin typeface="Arial"/>
-              </a:rPr>
-              <a:t>      </a:t>
-            </a:r>
-            <a:r>
-              <a:rPr b="0" lang="en-US" sz="1400" spc="-1" strike="noStrike">
-                <a:latin typeface="Arial"/>
-              </a:rPr>
-              <a:t>onClick={handleClick}</a:t>
-            </a:r>
-            <a:endParaRPr b="0" lang="en-US" sz="1400" spc="-1" strike="noStrike">
-              <a:latin typeface="Arial"/>
-            </a:endParaRPr>
-          </a:p>
-          <a:p>
-            <a:r>
-              <a:rPr b="0" lang="en-US" sz="1400" spc="-1" strike="noStrike">
-                <a:latin typeface="Arial"/>
-              </a:rPr>
-              <a:t>    </a:t>
-            </a:r>
-            <a:r>
-              <a:rPr b="0" lang="en-US" sz="1400" spc="-1" strike="noStrike">
-                <a:latin typeface="Arial"/>
-              </a:rPr>
-              <a:t>&gt;</a:t>
-            </a:r>
-            <a:endParaRPr b="0" lang="en-US" sz="1400" spc="-1" strike="noStrike">
-              <a:latin typeface="Arial"/>
-            </a:endParaRPr>
-          </a:p>
-          <a:p>
-            <a:r>
-              <a:rPr b="0" lang="en-US" sz="1400" spc="-1" strike="noStrike">
-                <a:latin typeface="Arial"/>
-              </a:rPr>
-              <a:t>      </a:t>
-            </a:r>
-            <a:r>
-              <a:rPr b="0" lang="en-US" sz="1400" spc="-1" strike="noStrike">
-                <a:latin typeface="Arial"/>
-              </a:rPr>
-              <a:t>{value}</a:t>
-            </a:r>
-            <a:endParaRPr b="0" lang="en-US" sz="1400" spc="-1" strike="noStrike">
-              <a:latin typeface="Arial"/>
-            </a:endParaRPr>
-          </a:p>
-          <a:p>
-            <a:r>
-              <a:rPr b="0" lang="en-US" sz="1400" spc="-1" strike="noStrike">
-                <a:latin typeface="Arial"/>
-              </a:rPr>
-              <a:t>    </a:t>
-            </a:r>
-            <a:r>
-              <a:rPr b="0" lang="en-US" sz="1400" spc="-1" strike="noStrike">
-                <a:latin typeface="Arial"/>
-              </a:rPr>
-              <a:t>&lt;/button&gt;</a:t>
-            </a:r>
-            <a:endParaRPr b="0" lang="en-US" sz="1400" spc="-1" strike="noStrike">
-              <a:latin typeface="Arial"/>
-            </a:endParaRPr>
-          </a:p>
-          <a:p>
-            <a:r>
-              <a:rPr b="0" lang="en-US" sz="1400" spc="-1" strike="noStrike">
-                <a:latin typeface="Arial"/>
-              </a:rPr>
-              <a:t>  </a:t>
-            </a:r>
-            <a:r>
-              <a:rPr b="0" lang="en-US" sz="1400" spc="-1" strike="noStrike">
-                <a:latin typeface="Arial"/>
-              </a:rPr>
-              <a:t>);</a:t>
-            </a:r>
-            <a:endParaRPr b="0" lang="en-US" sz="1400" spc="-1" strike="noStrike">
-              <a:latin typeface="Arial"/>
-            </a:endParaRPr>
-          </a:p>
-          <a:p>
-            <a:r>
-              <a:rPr b="0" lang="en-US" sz="1400" spc="-1" strike="noStrike">
-                <a:latin typeface="Arial"/>
-              </a:rPr>
-              <a:t>}</a:t>
-            </a:r>
-            <a:endParaRPr b="0" lang="en-US" sz="1400" spc="-1" strike="noStrike">
-              <a:latin typeface="Arial"/>
-            </a:endParaRPr>
-          </a:p>
-          <a:p>
-            <a:endParaRPr b="0" lang="en-US" sz="1400" spc="-1" strike="noStrike">
-              <a:latin typeface="Arial"/>
-            </a:endParaRPr>
-          </a:p>
-          <a:p>
-            <a:r>
-              <a:rPr b="0" lang="en-US" sz="1400" spc="-1" strike="noStrike">
-                <a:latin typeface="Arial"/>
-              </a:rPr>
-              <a:t>export default function Board() {</a:t>
-            </a:r>
-            <a:endParaRPr b="0" lang="en-US" sz="1400" spc="-1" strike="noStrike">
-              <a:latin typeface="Arial"/>
-            </a:endParaRPr>
-          </a:p>
-          <a:p>
-            <a:r>
-              <a:rPr b="0" lang="en-US" sz="1400" spc="-1" strike="noStrike">
-                <a:latin typeface="Arial"/>
-              </a:rPr>
-              <a:t>  </a:t>
-            </a:r>
-            <a:r>
-              <a:rPr b="0" lang="en-US" sz="1400" spc="-1" strike="noStrike">
-                <a:latin typeface="Arial"/>
-              </a:rPr>
-              <a:t>return (</a:t>
-            </a:r>
-            <a:endParaRPr b="0" lang="en-US" sz="1400" spc="-1" strike="noStrike">
-              <a:latin typeface="Arial"/>
-            </a:endParaRPr>
-          </a:p>
-          <a:p>
-            <a:r>
-              <a:rPr b="0" lang="en-US" sz="1400" spc="-1" strike="noStrike">
-                <a:latin typeface="Arial"/>
-              </a:rPr>
-              <a:t>    </a:t>
-            </a:r>
-            <a:r>
-              <a:rPr b="0" lang="en-US" sz="1400" spc="-1" strike="noStrike">
-                <a:latin typeface="Arial"/>
-              </a:rPr>
-              <a:t>&lt;&gt;</a:t>
-            </a:r>
-            <a:endParaRPr b="0" lang="en-US" sz="1400" spc="-1" strike="noStrike">
-              <a:latin typeface="Arial"/>
-            </a:endParaRPr>
-          </a:p>
-          <a:p>
-            <a:r>
-              <a:rPr b="0" lang="en-US" sz="1400" spc="-1" strike="noStrike">
-                <a:latin typeface="Arial"/>
-              </a:rPr>
-              <a:t>      </a:t>
-            </a:r>
-            <a:r>
-              <a:rPr b="0" lang="en-US" sz="1400" spc="-1" strike="noStrike">
-                <a:latin typeface="Arial"/>
-              </a:rPr>
-              <a:t>&lt;div className="board-row"&gt;</a:t>
-            </a:r>
-            <a:endParaRPr b="0" lang="en-US" sz="1400" spc="-1" strike="noStrike">
-              <a:latin typeface="Arial"/>
-            </a:endParaRPr>
-          </a:p>
-          <a:p>
-            <a:r>
-              <a:rPr b="0" lang="en-US" sz="1400" spc="-1" strike="noStrike">
-                <a:latin typeface="Arial"/>
-              </a:rPr>
-              <a:t>        </a:t>
-            </a:r>
-            <a:r>
-              <a:rPr b="0" lang="en-US" sz="1400" spc="-1" strike="noStrike">
-                <a:latin typeface="Arial"/>
-              </a:rPr>
-              <a:t>&lt;Square /&gt;</a:t>
-            </a:r>
-            <a:endParaRPr b="0" lang="en-US" sz="1400" spc="-1" strike="noStrike">
-              <a:latin typeface="Arial"/>
-            </a:endParaRPr>
-          </a:p>
-          <a:p>
-            <a:r>
-              <a:rPr b="0" lang="en-US" sz="1400" spc="-1" strike="noStrike">
-                <a:latin typeface="Arial"/>
-              </a:rPr>
-              <a:t>        </a:t>
-            </a:r>
-            <a:r>
-              <a:rPr b="0" lang="en-US" sz="1400" spc="-1" strike="noStrike">
-                <a:latin typeface="Arial"/>
-              </a:rPr>
-              <a:t>&lt;Square /&gt;</a:t>
-            </a:r>
-            <a:endParaRPr b="0" lang="en-US" sz="1400" spc="-1" strike="noStrike">
-              <a:latin typeface="Arial"/>
-            </a:endParaRPr>
-          </a:p>
-          <a:p>
-            <a:r>
-              <a:rPr b="0" lang="en-US" sz="1400" spc="-1" strike="noStrike">
-                <a:latin typeface="Arial"/>
-              </a:rPr>
-              <a:t>        </a:t>
-            </a:r>
-            <a:r>
-              <a:rPr b="0" lang="en-US" sz="1400" spc="-1" strike="noStrike">
-                <a:latin typeface="Arial"/>
-              </a:rPr>
-              <a:t>&lt;Square /&gt;</a:t>
-            </a:r>
-            <a:endParaRPr b="0" lang="en-US" sz="1400" spc="-1" strike="noStrike">
-              <a:latin typeface="Arial"/>
-            </a:endParaRPr>
-          </a:p>
-          <a:p>
-            <a:r>
-              <a:rPr b="0" lang="en-US" sz="1400" spc="-1" strike="noStrike">
-                <a:latin typeface="Arial"/>
-              </a:rPr>
-              <a:t>      </a:t>
-            </a:r>
-            <a:r>
-              <a:rPr b="0" lang="en-US" sz="1400" spc="-1" strike="noStrike">
-                <a:latin typeface="Arial"/>
-              </a:rPr>
-              <a:t>&lt;/div&gt;</a:t>
-            </a:r>
-            <a:endParaRPr b="0" lang="en-US" sz="1400" spc="-1" strike="noStrike">
-              <a:latin typeface="Arial"/>
-            </a:endParaRPr>
-          </a:p>
-          <a:p>
-            <a:r>
-              <a:rPr b="0" lang="en-US" sz="1400" spc="-1" strike="noStrike">
-                <a:latin typeface="Arial"/>
-              </a:rPr>
-              <a:t>      </a:t>
-            </a:r>
-            <a:r>
-              <a:rPr b="0" lang="en-US" sz="1400" spc="-1" strike="noStrike">
-                <a:latin typeface="Arial"/>
-              </a:rPr>
-              <a:t>&lt;div className="board-row"&gt;</a:t>
-            </a:r>
-            <a:endParaRPr b="0" lang="en-US" sz="1400" spc="-1" strike="noStrike">
-              <a:latin typeface="Arial"/>
-            </a:endParaRPr>
-          </a:p>
-          <a:p>
-            <a:r>
-              <a:rPr b="0" lang="en-US" sz="1400" spc="-1" strike="noStrike">
-                <a:latin typeface="Arial"/>
-              </a:rPr>
-              <a:t>        </a:t>
-            </a:r>
-            <a:r>
-              <a:rPr b="0" lang="en-US" sz="1400" spc="-1" strike="noStrike">
-                <a:latin typeface="Arial"/>
-              </a:rPr>
-              <a:t>&lt;Square /&gt;</a:t>
-            </a:r>
-            <a:endParaRPr b="0" lang="en-US" sz="1400" spc="-1" strike="noStrike">
-              <a:latin typeface="Arial"/>
-            </a:endParaRPr>
-          </a:p>
-          <a:p>
-            <a:r>
-              <a:rPr b="0" lang="en-US" sz="1400" spc="-1" strike="noStrike">
-                <a:latin typeface="Arial"/>
-              </a:rPr>
-              <a:t>        </a:t>
-            </a:r>
-            <a:r>
-              <a:rPr b="0" lang="en-US" sz="1400" spc="-1" strike="noStrike">
-                <a:latin typeface="Arial"/>
-              </a:rPr>
-              <a:t>&lt;Square /&gt;</a:t>
-            </a:r>
-            <a:endParaRPr b="0" lang="en-US" sz="1400" spc="-1" strike="noStrike">
-              <a:latin typeface="Arial"/>
-            </a:endParaRPr>
-          </a:p>
-          <a:p>
-            <a:r>
-              <a:rPr b="0" lang="en-US" sz="1400" spc="-1" strike="noStrike">
-                <a:latin typeface="Arial"/>
-              </a:rPr>
-              <a:t>        </a:t>
-            </a:r>
-            <a:r>
-              <a:rPr b="0" lang="en-US" sz="1400" spc="-1" strike="noStrike">
-                <a:latin typeface="Arial"/>
-              </a:rPr>
-              <a:t>&lt;Square /&gt;</a:t>
-            </a:r>
-            <a:endParaRPr b="0" lang="en-US" sz="1400" spc="-1" strike="noStrike">
-              <a:latin typeface="Arial"/>
-            </a:endParaRPr>
-          </a:p>
-          <a:p>
-            <a:r>
-              <a:rPr b="0" lang="en-US" sz="1400" spc="-1" strike="noStrike">
-                <a:latin typeface="Arial"/>
-              </a:rPr>
-              <a:t>      </a:t>
-            </a:r>
-            <a:r>
-              <a:rPr b="0" lang="en-US" sz="1400" spc="-1" strike="noStrike">
-                <a:latin typeface="Arial"/>
-              </a:rPr>
-              <a:t>&lt;/div&gt;</a:t>
-            </a:r>
-            <a:endParaRPr b="0" lang="en-US" sz="1400" spc="-1" strike="noStrike">
-              <a:latin typeface="Arial"/>
-            </a:endParaRPr>
-          </a:p>
-          <a:p>
-            <a:r>
-              <a:rPr b="0" lang="en-US" sz="1400" spc="-1" strike="noStrike">
-                <a:latin typeface="Arial"/>
-              </a:rPr>
-              <a:t>      </a:t>
-            </a:r>
-            <a:r>
-              <a:rPr b="0" lang="en-US" sz="1400" spc="-1" strike="noStrike">
-                <a:latin typeface="Arial"/>
-              </a:rPr>
-              <a:t>&lt;div className="board-row"&gt;</a:t>
-            </a:r>
-            <a:endParaRPr b="0" lang="en-US" sz="1400" spc="-1" strike="noStrike">
-              <a:latin typeface="Arial"/>
-            </a:endParaRPr>
-          </a:p>
-          <a:p>
-            <a:r>
-              <a:rPr b="0" lang="en-US" sz="1400" spc="-1" strike="noStrike">
-                <a:latin typeface="Arial"/>
-              </a:rPr>
-              <a:t>        </a:t>
-            </a:r>
-            <a:r>
-              <a:rPr b="0" lang="en-US" sz="1400" spc="-1" strike="noStrike">
-                <a:latin typeface="Arial"/>
-              </a:rPr>
-              <a:t>&lt;Square /&gt;</a:t>
-            </a:r>
-            <a:endParaRPr b="0" lang="en-US" sz="1400" spc="-1" strike="noStrike">
-              <a:latin typeface="Arial"/>
-            </a:endParaRPr>
-          </a:p>
-          <a:p>
-            <a:r>
-              <a:rPr b="0" lang="en-US" sz="1400" spc="-1" strike="noStrike">
-                <a:latin typeface="Arial"/>
-              </a:rPr>
-              <a:t>        </a:t>
-            </a:r>
-            <a:r>
-              <a:rPr b="0" lang="en-US" sz="1400" spc="-1" strike="noStrike">
-                <a:latin typeface="Arial"/>
-              </a:rPr>
-              <a:t>&lt;Square /&gt;</a:t>
-            </a:r>
-            <a:endParaRPr b="0" lang="en-US" sz="1400" spc="-1" strike="noStrike">
-              <a:latin typeface="Arial"/>
-            </a:endParaRPr>
-          </a:p>
-          <a:p>
-            <a:r>
-              <a:rPr b="0" lang="en-US" sz="1400" spc="-1" strike="noStrike">
-                <a:latin typeface="Arial"/>
-              </a:rPr>
-              <a:t>        </a:t>
-            </a:r>
-            <a:r>
-              <a:rPr b="0" lang="en-US" sz="1400" spc="-1" strike="noStrike">
-                <a:latin typeface="Arial"/>
-              </a:rPr>
-              <a:t>&lt;Square /&gt;</a:t>
-            </a:r>
-            <a:endParaRPr b="0" lang="en-US" sz="1400" spc="-1" strike="noStrike">
-              <a:latin typeface="Arial"/>
-            </a:endParaRPr>
-          </a:p>
-          <a:p>
-            <a:r>
-              <a:rPr b="0" lang="en-US" sz="1400" spc="-1" strike="noStrike">
-                <a:latin typeface="Arial"/>
-              </a:rPr>
-              <a:t>      </a:t>
-            </a:r>
-            <a:r>
-              <a:rPr b="0" lang="en-US" sz="1400" spc="-1" strike="noStrike">
-                <a:latin typeface="Arial"/>
-              </a:rPr>
-              <a:t>&lt;/div&gt;</a:t>
-            </a:r>
-            <a:endParaRPr b="0" lang="en-US" sz="1400" spc="-1" strike="noStrike">
-              <a:latin typeface="Arial"/>
-            </a:endParaRPr>
-          </a:p>
-          <a:p>
-            <a:r>
-              <a:rPr b="0" lang="en-US" sz="1400" spc="-1" strike="noStrike">
-                <a:latin typeface="Arial"/>
-              </a:rPr>
-              <a:t>    </a:t>
-            </a:r>
-            <a:r>
-              <a:rPr b="0" lang="en-US" sz="1400" spc="-1" strike="noStrike">
-                <a:latin typeface="Arial"/>
-              </a:rPr>
-              <a:t>&lt;/&gt;</a:t>
-            </a:r>
-            <a:endParaRPr b="0" lang="en-US" sz="1400" spc="-1" strike="noStrike">
-              <a:latin typeface="Arial"/>
-            </a:endParaRPr>
-          </a:p>
-          <a:p>
-            <a:r>
-              <a:rPr b="0" lang="en-US" sz="1400" spc="-1" strike="noStrike">
-                <a:latin typeface="Arial"/>
-              </a:rPr>
-              <a:t>  </a:t>
-            </a:r>
-            <a:r>
-              <a:rPr b="0" lang="en-US" sz="1400" spc="-1" strike="noStrike">
-                <a:latin typeface="Arial"/>
-              </a:rPr>
-              <a:t>);</a:t>
-            </a:r>
-            <a:endParaRPr b="0" lang="en-US" sz="1400" spc="-1" strike="noStrike">
-              <a:latin typeface="Arial"/>
-            </a:endParaRPr>
-          </a:p>
-          <a:p>
-            <a:r>
-              <a:rPr b="0" lang="en-US" sz="1400" spc="-1" strike="noStrike">
-                <a:latin typeface="Arial"/>
-              </a:rPr>
-              <a:t>}</a:t>
-            </a:r>
-            <a:endParaRPr b="0" lang="en-US" sz="1400" spc="-1" strike="noStrike">
-              <a:latin typeface="Arial"/>
-            </a:endParaRPr>
-          </a:p>
-        </p:txBody>
-      </p:sp>
+            <a:endParaRPr b="0" lang="en-US" sz="1000" spc="-1" strike="noStrike">
+              <a:latin typeface="Arial"/>
+            </a:endParaRPr>
+          </a:p>
+        </p:txBody>
+      </p:sp>
+      <p:pic>
+        <p:nvPicPr>
+          <p:cNvPr id="74" name="" descr=""/>
+          <p:cNvPicPr/>
+          <p:nvPr/>
+        </p:nvPicPr>
+        <p:blipFill>
+          <a:blip r:embed="rId1"/>
+          <a:stretch/>
+        </p:blipFill>
+        <p:spPr>
+          <a:xfrm>
+            <a:off x="6510960" y="2300760"/>
+            <a:ext cx="1947240" cy="1585440"/>
+          </a:xfrm>
+          <a:prstGeom prst="rect">
+            <a:avLst/>
+          </a:prstGeom>
+          <a:ln w="0">
+            <a:noFill/>
+          </a:ln>
+        </p:spPr>
+      </p:pic>
     </p:spTree>
   </p:cSld>
   <mc:AlternateContent>
@@ -3108,7 +2728,7 @@
       </p:grpSpPr>
       <p:sp>
         <p:nvSpPr>
-          <p:cNvPr id="72" name="PlaceHolder 1"/>
+          <p:cNvPr id="75" name="PlaceHolder 1"/>
           <p:cNvSpPr>
             <a:spLocks noGrp="1"/>
           </p:cNvSpPr>
@@ -3149,14 +2769,14 @@
       </p:sp>
       <p:sp>
         <p:nvSpPr>
-          <p:cNvPr id="73" name=""/>
+          <p:cNvPr id="76" name=""/>
           <p:cNvSpPr txBox="1"/>
           <p:nvPr/>
         </p:nvSpPr>
         <p:spPr>
           <a:xfrm>
-            <a:off x="1706040" y="1143000"/>
-            <a:ext cx="6294960" cy="8024760"/>
+            <a:off x="1821960" y="2309760"/>
+            <a:ext cx="4121640" cy="818640"/>
           </a:xfrm>
           <a:prstGeom prst="rect">
             <a:avLst/>
@@ -3172,710 +2792,64 @@
           </a:bodyPr>
           <a:p>
             <a:r>
-              <a:rPr b="0" lang="en-US" sz="1400" spc="-1" strike="noStrike">
-                <a:latin typeface="Arial"/>
-              </a:rPr>
-              <a:t>import { useState } from 'react';</a:t>
-            </a:r>
-            <a:endParaRPr b="0" lang="en-US" sz="1400" spc="-1" strike="noStrike">
-              <a:latin typeface="Arial"/>
-            </a:endParaRPr>
-          </a:p>
-          <a:p>
-            <a:endParaRPr b="0" lang="en-US" sz="1400" spc="-1" strike="noStrike">
-              <a:latin typeface="Arial"/>
-            </a:endParaRPr>
-          </a:p>
-          <a:p>
-            <a:r>
-              <a:rPr b="0" lang="en-US" sz="1400" spc="-1" strike="noStrike">
-                <a:latin typeface="Arial"/>
-              </a:rPr>
-              <a:t>function </a:t>
-            </a:r>
-            <a:r>
-              <a:rPr b="1" lang="en-US" sz="1400" spc="-1" strike="noStrike">
-                <a:latin typeface="Arial"/>
-              </a:rPr>
-              <a:t>Square()</a:t>
-            </a:r>
-            <a:r>
-              <a:rPr b="0" lang="en-US" sz="1400" spc="-1" strike="noStrike">
-                <a:latin typeface="Arial"/>
-              </a:rPr>
-              <a:t> {</a:t>
-            </a:r>
-            <a:endParaRPr b="0" lang="en-US" sz="1400" spc="-1" strike="noStrike">
-              <a:latin typeface="Arial"/>
-            </a:endParaRPr>
-          </a:p>
-          <a:p>
-            <a:r>
-              <a:rPr b="0" lang="en-US" sz="1400" spc="-1" strike="noStrike">
-                <a:latin typeface="Arial"/>
-              </a:rPr>
-              <a:t>  </a:t>
-            </a:r>
-            <a:r>
-              <a:rPr b="0" lang="en-US" sz="1400" spc="-1" strike="noStrike">
-                <a:latin typeface="Arial"/>
-              </a:rPr>
-              <a:t>const [value, setValue] = useState(null);</a:t>
-            </a:r>
-            <a:endParaRPr b="0" lang="en-US" sz="1400" spc="-1" strike="noStrike">
-              <a:latin typeface="Arial"/>
-            </a:endParaRPr>
-          </a:p>
-          <a:p>
-            <a:endParaRPr b="0" lang="en-US" sz="1400" spc="-1" strike="noStrike">
-              <a:latin typeface="Arial"/>
-            </a:endParaRPr>
-          </a:p>
-          <a:p>
-            <a:r>
-              <a:rPr b="0" lang="en-US" sz="1400" spc="-1" strike="noStrike">
-                <a:latin typeface="Arial"/>
-              </a:rPr>
-              <a:t>  </a:t>
-            </a:r>
-            <a:r>
-              <a:rPr b="0" lang="en-US" sz="1400" spc="-1" strike="noStrike">
-                <a:latin typeface="Arial"/>
-              </a:rPr>
-              <a:t>function </a:t>
-            </a:r>
-            <a:r>
-              <a:rPr b="0" i="1" lang="en-US" sz="1400" spc="-1" strike="noStrike">
-                <a:latin typeface="Arial"/>
-              </a:rPr>
-              <a:t>handleClick</a:t>
-            </a:r>
-            <a:r>
-              <a:rPr b="0" lang="en-US" sz="1400" spc="-1" strike="noStrike">
-                <a:latin typeface="Arial"/>
-              </a:rPr>
-              <a:t>() {</a:t>
-            </a:r>
-            <a:endParaRPr b="0" lang="en-US" sz="1400" spc="-1" strike="noStrike">
-              <a:latin typeface="Arial"/>
-            </a:endParaRPr>
-          </a:p>
-          <a:p>
-            <a:r>
-              <a:rPr b="0" lang="en-US" sz="1400" spc="-1" strike="noStrike">
-                <a:latin typeface="Arial"/>
-              </a:rPr>
-              <a:t>    </a:t>
-            </a:r>
-            <a:r>
-              <a:rPr b="0" lang="en-US" sz="1400" spc="-1" strike="noStrike">
-                <a:latin typeface="Arial"/>
-              </a:rPr>
-              <a:t>setValue('X');</a:t>
-            </a:r>
-            <a:endParaRPr b="0" lang="en-US" sz="1400" spc="-1" strike="noStrike">
-              <a:latin typeface="Arial"/>
-            </a:endParaRPr>
-          </a:p>
-          <a:p>
-            <a:r>
-              <a:rPr b="0" lang="en-US" sz="1400" spc="-1" strike="noStrike">
-                <a:latin typeface="Arial"/>
-              </a:rPr>
-              <a:t>  </a:t>
-            </a:r>
-            <a:r>
-              <a:rPr b="0" lang="en-US" sz="1400" spc="-1" strike="noStrike">
+              <a:rPr b="0" lang="en-US" sz="1000" spc="-1" strike="noStrike">
+                <a:latin typeface="Arial"/>
+              </a:rPr>
+              <a:t>function Square({ </a:t>
+            </a:r>
+            <a:r>
+              <a:rPr b="0" lang="en-US" sz="1000" spc="-1" strike="noStrike" u="sng">
+                <a:uFillTx/>
+                <a:latin typeface="Arial"/>
+              </a:rPr>
+              <a:t>value</a:t>
+            </a:r>
+            <a:r>
+              <a:rPr b="0" lang="en-US" sz="1000" spc="-1" strike="noStrike">
+                <a:latin typeface="Arial"/>
+              </a:rPr>
+              <a:t> }) {</a:t>
+            </a:r>
+            <a:endParaRPr b="0" lang="en-US" sz="1000" spc="-1" strike="noStrike">
+              <a:latin typeface="Arial"/>
+            </a:endParaRPr>
+          </a:p>
+          <a:p>
+            <a:r>
+              <a:rPr b="0" lang="en-US" sz="1000" spc="-1" strike="noStrike">
+                <a:latin typeface="Arial"/>
+              </a:rPr>
+              <a:t>   </a:t>
+            </a:r>
+            <a:r>
+              <a:rPr b="0" lang="en-US" sz="1000" spc="-1" strike="noStrike">
+                <a:latin typeface="Arial"/>
+              </a:rPr>
+              <a:t>return &lt;button className="square"&gt;{</a:t>
+            </a:r>
+            <a:r>
+              <a:rPr b="0" lang="en-US" sz="1000" spc="-1" strike="noStrike" u="sng">
+                <a:uFillTx/>
+                <a:latin typeface="Arial"/>
+              </a:rPr>
+              <a:t>value</a:t>
+            </a:r>
+            <a:r>
+              <a:rPr b="0" lang="en-US" sz="1000" spc="-1" strike="noStrike">
+                <a:latin typeface="Arial"/>
+              </a:rPr>
+              <a:t>}&lt;/button&gt;;</a:t>
+            </a:r>
+            <a:endParaRPr b="0" lang="en-US" sz="1000" spc="-1" strike="noStrike">
+              <a:latin typeface="Arial"/>
+            </a:endParaRPr>
+          </a:p>
+          <a:p>
+            <a:r>
+              <a:rPr b="0" lang="en-US" sz="1000" spc="-1" strike="noStrike">
                 <a:latin typeface="Arial"/>
               </a:rPr>
               <a:t>}</a:t>
-            </a:r>
-            <a:endParaRPr b="0" lang="en-US" sz="1400" spc="-1" strike="noStrike">
-              <a:latin typeface="Arial"/>
-            </a:endParaRPr>
-          </a:p>
-          <a:p>
-            <a:endParaRPr b="0" lang="en-US" sz="1400" spc="-1" strike="noStrike">
-              <a:latin typeface="Arial"/>
-            </a:endParaRPr>
-          </a:p>
-          <a:p>
-            <a:r>
-              <a:rPr b="0" lang="en-US" sz="1400" spc="-1" strike="noStrike">
-                <a:latin typeface="Arial"/>
-              </a:rPr>
-              <a:t>  </a:t>
-            </a:r>
-            <a:r>
-              <a:rPr b="0" lang="en-US" sz="1400" spc="-1" strike="noStrike" u="sng">
-                <a:uFillTx/>
-                <a:latin typeface="Arial"/>
-              </a:rPr>
-              <a:t>return</a:t>
-            </a:r>
-            <a:r>
-              <a:rPr b="0" lang="en-US" sz="1400" spc="-1" strike="noStrike">
-                <a:latin typeface="Arial"/>
-              </a:rPr>
-              <a:t> (</a:t>
-            </a:r>
-            <a:endParaRPr b="0" lang="en-US" sz="1400" spc="-1" strike="noStrike">
-              <a:latin typeface="Arial"/>
-            </a:endParaRPr>
-          </a:p>
-          <a:p>
-            <a:r>
-              <a:rPr b="0" lang="en-US" sz="1400" spc="-1" strike="noStrike">
-                <a:latin typeface="Arial"/>
-              </a:rPr>
-              <a:t>    </a:t>
-            </a:r>
-            <a:r>
-              <a:rPr b="0" lang="en-US" sz="1400" spc="-1" strike="noStrike">
-                <a:latin typeface="Arial"/>
-              </a:rPr>
-              <a:t>&lt;button</a:t>
-            </a:r>
-            <a:endParaRPr b="0" lang="en-US" sz="1400" spc="-1" strike="noStrike">
-              <a:latin typeface="Arial"/>
-            </a:endParaRPr>
-          </a:p>
-          <a:p>
-            <a:r>
-              <a:rPr b="0" lang="en-US" sz="1400" spc="-1" strike="noStrike">
-                <a:latin typeface="Arial"/>
-              </a:rPr>
-              <a:t>      </a:t>
-            </a:r>
-            <a:r>
-              <a:rPr b="0" lang="en-US" sz="1400" spc="-1" strike="noStrike">
-                <a:latin typeface="Arial"/>
-              </a:rPr>
-              <a:t>className="square"</a:t>
-            </a:r>
-            <a:endParaRPr b="0" lang="en-US" sz="1400" spc="-1" strike="noStrike">
-              <a:latin typeface="Arial"/>
-            </a:endParaRPr>
-          </a:p>
-          <a:p>
-            <a:r>
-              <a:rPr b="0" lang="en-US" sz="1400" spc="-1" strike="noStrike">
-                <a:latin typeface="Arial"/>
-              </a:rPr>
-              <a:t>      </a:t>
-            </a:r>
-            <a:r>
-              <a:rPr b="0" lang="en-US" sz="1400" spc="-1" strike="noStrike">
-                <a:latin typeface="Arial"/>
-              </a:rPr>
-              <a:t>onClick={handleClick}</a:t>
-            </a:r>
-            <a:endParaRPr b="0" lang="en-US" sz="1400" spc="-1" strike="noStrike">
-              <a:latin typeface="Arial"/>
-            </a:endParaRPr>
-          </a:p>
-          <a:p>
-            <a:r>
-              <a:rPr b="0" lang="en-US" sz="1400" spc="-1" strike="noStrike">
-                <a:latin typeface="Arial"/>
-              </a:rPr>
-              <a:t>    </a:t>
-            </a:r>
-            <a:r>
-              <a:rPr b="0" lang="en-US" sz="1400" spc="-1" strike="noStrike">
-                <a:latin typeface="Arial"/>
-              </a:rPr>
-              <a:t>&gt;</a:t>
-            </a:r>
-            <a:endParaRPr b="0" lang="en-US" sz="1400" spc="-1" strike="noStrike">
-              <a:latin typeface="Arial"/>
-            </a:endParaRPr>
-          </a:p>
-          <a:p>
-            <a:r>
-              <a:rPr b="0" lang="en-US" sz="1400" spc="-1" strike="noStrike">
-                <a:latin typeface="Arial"/>
-              </a:rPr>
-              <a:t>      </a:t>
-            </a:r>
-            <a:r>
-              <a:rPr b="0" lang="en-US" sz="1400" spc="-1" strike="noStrike">
-                <a:latin typeface="Arial"/>
-              </a:rPr>
-              <a:t>{value}</a:t>
-            </a:r>
-            <a:endParaRPr b="0" lang="en-US" sz="1400" spc="-1" strike="noStrike">
-              <a:latin typeface="Arial"/>
-            </a:endParaRPr>
-          </a:p>
-          <a:p>
-            <a:r>
-              <a:rPr b="0" lang="en-US" sz="1400" spc="-1" strike="noStrike">
-                <a:latin typeface="Arial"/>
-              </a:rPr>
-              <a:t>    </a:t>
-            </a:r>
-            <a:r>
-              <a:rPr b="0" lang="en-US" sz="1400" spc="-1" strike="noStrike">
-                <a:latin typeface="Arial"/>
-              </a:rPr>
-              <a:t>&lt;/button&gt;</a:t>
-            </a:r>
-            <a:endParaRPr b="0" lang="en-US" sz="1400" spc="-1" strike="noStrike">
-              <a:latin typeface="Arial"/>
-            </a:endParaRPr>
-          </a:p>
-          <a:p>
-            <a:r>
-              <a:rPr b="0" lang="en-US" sz="1400" spc="-1" strike="noStrike">
-                <a:latin typeface="Arial"/>
-              </a:rPr>
-              <a:t>  </a:t>
-            </a:r>
-            <a:r>
-              <a:rPr b="0" lang="en-US" sz="1400" spc="-1" strike="noStrike">
-                <a:latin typeface="Arial"/>
-              </a:rPr>
-              <a:t>);</a:t>
-            </a:r>
-            <a:endParaRPr b="0" lang="en-US" sz="1400" spc="-1" strike="noStrike">
-              <a:latin typeface="Arial"/>
-            </a:endParaRPr>
-          </a:p>
-          <a:p>
-            <a:r>
-              <a:rPr b="0" lang="en-US" sz="1400" spc="-1" strike="noStrike">
-                <a:latin typeface="Arial"/>
-              </a:rPr>
-              <a:t>}</a:t>
-            </a:r>
-            <a:endParaRPr b="0" lang="en-US" sz="1400" spc="-1" strike="noStrike">
-              <a:latin typeface="Arial"/>
-            </a:endParaRPr>
-          </a:p>
-          <a:p>
-            <a:endParaRPr b="0" lang="en-US" sz="1400" spc="-1" strike="noStrike">
-              <a:latin typeface="Arial"/>
-            </a:endParaRPr>
-          </a:p>
-          <a:p>
-            <a:r>
-              <a:rPr b="0" lang="en-US" sz="1400" spc="-1" strike="noStrike">
-                <a:latin typeface="Arial"/>
-              </a:rPr>
-              <a:t>export default function </a:t>
-            </a:r>
-            <a:r>
-              <a:rPr b="1" lang="en-US" sz="1400" spc="-1" strike="noStrike">
-                <a:latin typeface="Arial"/>
-              </a:rPr>
-              <a:t>Board()</a:t>
-            </a:r>
-            <a:r>
-              <a:rPr b="0" lang="en-US" sz="1400" spc="-1" strike="noStrike">
-                <a:latin typeface="Arial"/>
-              </a:rPr>
-              <a:t> {</a:t>
-            </a:r>
-            <a:endParaRPr b="0" lang="en-US" sz="1400" spc="-1" strike="noStrike">
-              <a:latin typeface="Arial"/>
-            </a:endParaRPr>
-          </a:p>
-          <a:p>
-            <a:r>
-              <a:rPr b="0" lang="en-US" sz="1400" spc="-1" strike="noStrike">
-                <a:latin typeface="Arial"/>
-              </a:rPr>
-              <a:t>  </a:t>
-            </a:r>
-            <a:r>
-              <a:rPr b="0" lang="en-US" sz="1400" spc="-1" strike="noStrike" u="sng">
-                <a:uFillTx/>
-                <a:latin typeface="Arial"/>
-              </a:rPr>
-              <a:t>return</a:t>
-            </a:r>
-            <a:r>
-              <a:rPr b="0" lang="en-US" sz="1400" spc="-1" strike="noStrike">
-                <a:latin typeface="Arial"/>
-              </a:rPr>
-              <a:t> (</a:t>
-            </a:r>
-            <a:endParaRPr b="0" lang="en-US" sz="1400" spc="-1" strike="noStrike">
-              <a:latin typeface="Arial"/>
-            </a:endParaRPr>
-          </a:p>
-          <a:p>
-            <a:r>
-              <a:rPr b="0" lang="en-US" sz="1400" spc="-1" strike="noStrike">
-                <a:latin typeface="Arial"/>
-              </a:rPr>
-              <a:t>    </a:t>
-            </a:r>
-            <a:r>
-              <a:rPr b="0" lang="en-US" sz="1400" spc="-1" strike="noStrike">
-                <a:latin typeface="Arial"/>
-              </a:rPr>
-              <a:t>&lt;&gt;</a:t>
-            </a:r>
-            <a:endParaRPr b="0" lang="en-US" sz="1400" spc="-1" strike="noStrike">
-              <a:latin typeface="Arial"/>
-            </a:endParaRPr>
-          </a:p>
-          <a:p>
-            <a:r>
-              <a:rPr b="0" lang="en-US" sz="1400" spc="-1" strike="noStrike">
-                <a:latin typeface="Arial"/>
-              </a:rPr>
-              <a:t>      </a:t>
-            </a:r>
-            <a:r>
-              <a:rPr b="0" lang="en-US" sz="1400" spc="-1" strike="noStrike">
-                <a:latin typeface="Arial"/>
-              </a:rPr>
-              <a:t>&lt;div className="board-row"&gt;</a:t>
-            </a:r>
-            <a:endParaRPr b="0" lang="en-US" sz="1400" spc="-1" strike="noStrike">
-              <a:latin typeface="Arial"/>
-            </a:endParaRPr>
-          </a:p>
-          <a:p>
-            <a:r>
-              <a:rPr b="0" lang="en-US" sz="1400" spc="-1" strike="noStrike">
-                <a:latin typeface="Arial"/>
-              </a:rPr>
-              <a:t>        </a:t>
-            </a:r>
-            <a:r>
-              <a:rPr b="0" lang="en-US" sz="1400" spc="-1" strike="noStrike">
-                <a:latin typeface="Arial"/>
-              </a:rPr>
-              <a:t>&lt;Square /&gt;</a:t>
-            </a:r>
-            <a:endParaRPr b="0" lang="en-US" sz="1400" spc="-1" strike="noStrike">
-              <a:latin typeface="Arial"/>
-            </a:endParaRPr>
-          </a:p>
-          <a:p>
-            <a:r>
-              <a:rPr b="0" lang="en-US" sz="1400" spc="-1" strike="noStrike">
-                <a:latin typeface="Arial"/>
-              </a:rPr>
-              <a:t>        </a:t>
-            </a:r>
-            <a:r>
-              <a:rPr b="0" lang="en-US" sz="1400" spc="-1" strike="noStrike">
-                <a:latin typeface="Arial"/>
-              </a:rPr>
-              <a:t>&lt;Square /&gt;</a:t>
-            </a:r>
-            <a:endParaRPr b="0" lang="en-US" sz="1400" spc="-1" strike="noStrike">
-              <a:latin typeface="Arial"/>
-            </a:endParaRPr>
-          </a:p>
-          <a:p>
-            <a:r>
-              <a:rPr b="0" lang="en-US" sz="1400" spc="-1" strike="noStrike">
-                <a:latin typeface="Arial"/>
-              </a:rPr>
-              <a:t>        </a:t>
-            </a:r>
-            <a:r>
-              <a:rPr b="0" lang="en-US" sz="1400" spc="-1" strike="noStrike">
-                <a:latin typeface="Arial"/>
-              </a:rPr>
-              <a:t>&lt;Square /&gt;</a:t>
-            </a:r>
-            <a:endParaRPr b="0" lang="en-US" sz="1400" spc="-1" strike="noStrike">
-              <a:latin typeface="Arial"/>
-            </a:endParaRPr>
-          </a:p>
-          <a:p>
-            <a:r>
-              <a:rPr b="0" lang="en-US" sz="1400" spc="-1" strike="noStrike">
-                <a:latin typeface="Arial"/>
-              </a:rPr>
-              <a:t>      </a:t>
-            </a:r>
-            <a:r>
-              <a:rPr b="0" lang="en-US" sz="1400" spc="-1" strike="noStrike">
-                <a:latin typeface="Arial"/>
-              </a:rPr>
-              <a:t>&lt;/div&gt;</a:t>
-            </a:r>
-            <a:endParaRPr b="0" lang="en-US" sz="1400" spc="-1" strike="noStrike">
-              <a:latin typeface="Arial"/>
-            </a:endParaRPr>
-          </a:p>
-          <a:p>
-            <a:r>
-              <a:rPr b="0" lang="en-US" sz="1400" spc="-1" strike="noStrike">
-                <a:latin typeface="Arial"/>
-              </a:rPr>
-              <a:t>      </a:t>
-            </a:r>
-            <a:r>
-              <a:rPr b="0" lang="en-US" sz="1400" spc="-1" strike="noStrike">
-                <a:latin typeface="Arial"/>
-              </a:rPr>
-              <a:t>&lt;div className="board-row"&gt;</a:t>
-            </a:r>
-            <a:endParaRPr b="0" lang="en-US" sz="1400" spc="-1" strike="noStrike">
-              <a:latin typeface="Arial"/>
-            </a:endParaRPr>
-          </a:p>
-          <a:p>
-            <a:r>
-              <a:rPr b="0" lang="en-US" sz="1400" spc="-1" strike="noStrike">
-                <a:latin typeface="Arial"/>
-              </a:rPr>
-              <a:t>        </a:t>
-            </a:r>
-            <a:r>
-              <a:rPr b="0" lang="en-US" sz="1400" spc="-1" strike="noStrike">
-                <a:latin typeface="Arial"/>
-              </a:rPr>
-              <a:t>&lt;Square /&gt;</a:t>
-            </a:r>
-            <a:endParaRPr b="0" lang="en-US" sz="1400" spc="-1" strike="noStrike">
-              <a:latin typeface="Arial"/>
-            </a:endParaRPr>
-          </a:p>
-          <a:p>
-            <a:r>
-              <a:rPr b="0" lang="en-US" sz="1400" spc="-1" strike="noStrike">
-                <a:latin typeface="Arial"/>
-              </a:rPr>
-              <a:t>        </a:t>
-            </a:r>
-            <a:r>
-              <a:rPr b="0" lang="en-US" sz="1400" spc="-1" strike="noStrike">
-                <a:latin typeface="Arial"/>
-              </a:rPr>
-              <a:t>&lt;Square /&gt;</a:t>
-            </a:r>
-            <a:endParaRPr b="0" lang="en-US" sz="1400" spc="-1" strike="noStrike">
-              <a:latin typeface="Arial"/>
-            </a:endParaRPr>
-          </a:p>
-          <a:p>
-            <a:r>
-              <a:rPr b="0" lang="en-US" sz="1400" spc="-1" strike="noStrike">
-                <a:latin typeface="Arial"/>
-              </a:rPr>
-              <a:t>        </a:t>
-            </a:r>
-            <a:r>
-              <a:rPr b="0" lang="en-US" sz="1400" spc="-1" strike="noStrike">
-                <a:latin typeface="Arial"/>
-              </a:rPr>
-              <a:t>&lt;Square /&gt;</a:t>
-            </a:r>
-            <a:endParaRPr b="0" lang="en-US" sz="1400" spc="-1" strike="noStrike">
-              <a:latin typeface="Arial"/>
-            </a:endParaRPr>
-          </a:p>
-          <a:p>
-            <a:r>
-              <a:rPr b="0" lang="en-US" sz="1400" spc="-1" strike="noStrike">
-                <a:latin typeface="Arial"/>
-              </a:rPr>
-              <a:t>      </a:t>
-            </a:r>
-            <a:r>
-              <a:rPr b="0" lang="en-US" sz="1400" spc="-1" strike="noStrike">
-                <a:latin typeface="Arial"/>
-              </a:rPr>
-              <a:t>&lt;/div&gt;</a:t>
-            </a:r>
-            <a:endParaRPr b="0" lang="en-US" sz="1400" spc="-1" strike="noStrike">
-              <a:latin typeface="Arial"/>
-            </a:endParaRPr>
-          </a:p>
-          <a:p>
-            <a:r>
-              <a:rPr b="0" lang="en-US" sz="1400" spc="-1" strike="noStrike">
-                <a:latin typeface="Arial"/>
-              </a:rPr>
-              <a:t>      </a:t>
-            </a:r>
-            <a:r>
-              <a:rPr b="0" lang="en-US" sz="1400" spc="-1" strike="noStrike">
-                <a:latin typeface="Arial"/>
-              </a:rPr>
-              <a:t>&lt;div className="board-row"&gt;</a:t>
-            </a:r>
-            <a:endParaRPr b="0" lang="en-US" sz="1400" spc="-1" strike="noStrike">
-              <a:latin typeface="Arial"/>
-            </a:endParaRPr>
-          </a:p>
-          <a:p>
-            <a:r>
-              <a:rPr b="0" lang="en-US" sz="1400" spc="-1" strike="noStrike">
-                <a:latin typeface="Arial"/>
-              </a:rPr>
-              <a:t>        </a:t>
-            </a:r>
-            <a:r>
-              <a:rPr b="0" lang="en-US" sz="1400" spc="-1" strike="noStrike">
-                <a:latin typeface="Arial"/>
-              </a:rPr>
-              <a:t>&lt;Square /&gt;</a:t>
-            </a:r>
-            <a:endParaRPr b="0" lang="en-US" sz="1400" spc="-1" strike="noStrike">
-              <a:latin typeface="Arial"/>
-            </a:endParaRPr>
-          </a:p>
-          <a:p>
-            <a:r>
-              <a:rPr b="0" lang="en-US" sz="1400" spc="-1" strike="noStrike">
-                <a:latin typeface="Arial"/>
-              </a:rPr>
-              <a:t>        </a:t>
-            </a:r>
-            <a:r>
-              <a:rPr b="0" lang="en-US" sz="1400" spc="-1" strike="noStrike">
-                <a:latin typeface="Arial"/>
-              </a:rPr>
-              <a:t>&lt;Square /&gt;</a:t>
-            </a:r>
-            <a:endParaRPr b="0" lang="en-US" sz="1400" spc="-1" strike="noStrike">
-              <a:latin typeface="Arial"/>
-            </a:endParaRPr>
-          </a:p>
-          <a:p>
-            <a:r>
-              <a:rPr b="0" lang="en-US" sz="1400" spc="-1" strike="noStrike">
-                <a:latin typeface="Arial"/>
-              </a:rPr>
-              <a:t>        </a:t>
-            </a:r>
-            <a:r>
-              <a:rPr b="0" lang="en-US" sz="1400" spc="-1" strike="noStrike">
-                <a:latin typeface="Arial"/>
-              </a:rPr>
-              <a:t>&lt;Square /&gt;</a:t>
-            </a:r>
-            <a:endParaRPr b="0" lang="en-US" sz="1400" spc="-1" strike="noStrike">
-              <a:latin typeface="Arial"/>
-            </a:endParaRPr>
-          </a:p>
-          <a:p>
-            <a:r>
-              <a:rPr b="0" lang="en-US" sz="1400" spc="-1" strike="noStrike">
-                <a:latin typeface="Arial"/>
-              </a:rPr>
-              <a:t>      </a:t>
-            </a:r>
-            <a:r>
-              <a:rPr b="0" lang="en-US" sz="1400" spc="-1" strike="noStrike">
-                <a:latin typeface="Arial"/>
-              </a:rPr>
-              <a:t>&lt;/div&gt;</a:t>
-            </a:r>
-            <a:endParaRPr b="0" lang="en-US" sz="1400" spc="-1" strike="noStrike">
-              <a:latin typeface="Arial"/>
-            </a:endParaRPr>
-          </a:p>
-          <a:p>
-            <a:r>
-              <a:rPr b="0" lang="en-US" sz="1400" spc="-1" strike="noStrike">
-                <a:latin typeface="Arial"/>
-              </a:rPr>
-              <a:t>    </a:t>
-            </a:r>
-            <a:r>
-              <a:rPr b="0" lang="en-US" sz="1400" spc="-1" strike="noStrike">
-                <a:latin typeface="Arial"/>
-              </a:rPr>
-              <a:t>&lt;/&gt;</a:t>
-            </a:r>
-            <a:endParaRPr b="0" lang="en-US" sz="1400" spc="-1" strike="noStrike">
-              <a:latin typeface="Arial"/>
-            </a:endParaRPr>
-          </a:p>
-          <a:p>
-            <a:r>
-              <a:rPr b="0" lang="en-US" sz="1400" spc="-1" strike="noStrike">
-                <a:latin typeface="Arial"/>
-              </a:rPr>
-              <a:t>  </a:t>
-            </a:r>
-            <a:r>
-              <a:rPr b="0" lang="en-US" sz="1400" spc="-1" strike="noStrike">
-                <a:latin typeface="Arial"/>
-              </a:rPr>
-              <a:t>);</a:t>
-            </a:r>
-            <a:endParaRPr b="0" lang="en-US" sz="1400" spc="-1" strike="noStrike">
-              <a:latin typeface="Arial"/>
-            </a:endParaRPr>
-          </a:p>
-          <a:p>
-            <a:r>
-              <a:rPr b="0" lang="en-US" sz="1400" spc="-1" strike="noStrike">
-                <a:latin typeface="Arial"/>
-              </a:rPr>
-              <a:t>}</a:t>
-            </a:r>
-            <a:endParaRPr b="0" lang="en-US" sz="1400" spc="-1" strike="noStrike">
-              <a:latin typeface="Arial"/>
-            </a:endParaRPr>
-          </a:p>
-        </p:txBody>
-      </p:sp>
-      <p:pic>
-        <p:nvPicPr>
-          <p:cNvPr id="74" name="" descr=""/>
-          <p:cNvPicPr/>
-          <p:nvPr/>
-        </p:nvPicPr>
-        <p:blipFill>
-          <a:blip r:embed="rId1"/>
-          <a:stretch/>
-        </p:blipFill>
-        <p:spPr>
-          <a:xfrm>
-            <a:off x="5884560" y="1828800"/>
-            <a:ext cx="2573640" cy="2528280"/>
-          </a:xfrm>
-          <a:prstGeom prst="rect">
-            <a:avLst/>
-          </a:prstGeom>
-          <a:ln w="0">
-            <a:noFill/>
-          </a:ln>
-        </p:spPr>
-      </p:pic>
-      <p:sp>
-        <p:nvSpPr>
-          <p:cNvPr id="75" name=""/>
-          <p:cNvSpPr txBox="1"/>
-          <p:nvPr/>
-        </p:nvSpPr>
-        <p:spPr>
-          <a:xfrm>
-            <a:off x="5991480" y="1371600"/>
-            <a:ext cx="2238120" cy="232560"/>
-          </a:xfrm>
-          <a:prstGeom prst="rect">
-            <a:avLst/>
-          </a:prstGeom>
-          <a:noFill/>
-          <a:ln w="0">
-            <a:noFill/>
-          </a:ln>
-        </p:spPr>
-        <p:txBody>
-          <a:bodyPr lIns="90000" rIns="90000" tIns="45000" bIns="45000" anchor="t">
-            <a:noAutofit/>
-          </a:bodyPr>
-          <a:p>
-            <a:r>
-              <a:rPr b="0" lang="en-US" sz="1000" spc="-1" strike="noStrike">
-                <a:latin typeface="Arial"/>
-              </a:rPr>
-              <a:t>['O', null, 'X', 'X', 'X', 'O', 'O', null, null]</a:t>
             </a:r>
             <a:endParaRPr b="0" lang="en-US" sz="1000" spc="-1" strike="noStrike">
               <a:latin typeface="Arial"/>
@@ -3915,7 +2889,7 @@
       </p:grpSpPr>
       <p:sp>
         <p:nvSpPr>
-          <p:cNvPr id="76" name="PlaceHolder 1"/>
+          <p:cNvPr id="77" name="PlaceHolder 1"/>
           <p:cNvSpPr>
             <a:spLocks noGrp="1"/>
           </p:cNvSpPr>
@@ -3954,9 +2928,99 @@
           </a:p>
         </p:txBody>
       </p:sp>
+      <p:sp>
+        <p:nvSpPr>
+          <p:cNvPr id="78" name=""/>
+          <p:cNvSpPr txBox="1"/>
+          <p:nvPr/>
+        </p:nvSpPr>
+        <p:spPr>
+          <a:xfrm>
+            <a:off x="1821960" y="2309760"/>
+            <a:ext cx="4121640" cy="818640"/>
+          </a:xfrm>
+          <a:prstGeom prst="rect">
+            <a:avLst/>
+          </a:prstGeom>
+          <a:noFill/>
+          <a:ln w="0">
+            <a:noFill/>
+          </a:ln>
+        </p:spPr>
+        <p:txBody>
+          <a:bodyPr lIns="90000" rIns="90000" tIns="45000" bIns="45000" anchor="t">
+            <a:noAutofit/>
+          </a:bodyPr>
+          <a:p>
+            <a:r>
+              <a:rPr b="0" lang="en-US" sz="1000" spc="-1" strike="noStrike">
+                <a:latin typeface="Arial"/>
+              </a:rPr>
+              <a:t>function Square({ </a:t>
+            </a:r>
+            <a:r>
+              <a:rPr b="0" lang="en-US" sz="1000" spc="-1" strike="noStrike" u="sng">
+                <a:uFillTx/>
+                <a:latin typeface="Arial"/>
+              </a:rPr>
+              <a:t>value</a:t>
+            </a:r>
+            <a:r>
+              <a:rPr b="0" lang="en-US" sz="1000" spc="-1" strike="noStrike">
+                <a:latin typeface="Arial"/>
+              </a:rPr>
+              <a:t> }) {</a:t>
+            </a:r>
+            <a:endParaRPr b="0" lang="en-US" sz="1000" spc="-1" strike="noStrike">
+              <a:latin typeface="Arial"/>
+            </a:endParaRPr>
+          </a:p>
+          <a:p>
+            <a:r>
+              <a:rPr b="0" lang="en-US" sz="1000" spc="-1" strike="noStrike">
+                <a:latin typeface="Arial"/>
+              </a:rPr>
+              <a:t>   </a:t>
+            </a:r>
+            <a:r>
+              <a:rPr b="0" lang="en-US" sz="1000" spc="-1" strike="noStrike">
+                <a:latin typeface="Arial"/>
+              </a:rPr>
+              <a:t>return &lt;button className="square"&gt;{</a:t>
+            </a:r>
+            <a:r>
+              <a:rPr b="0" lang="en-US" sz="1000" spc="-1" strike="noStrike" u="sng">
+                <a:uFillTx/>
+                <a:latin typeface="Arial"/>
+              </a:rPr>
+              <a:t>value</a:t>
+            </a:r>
+            <a:r>
+              <a:rPr b="0" lang="en-US" sz="1000" spc="-1" strike="noStrike">
+                <a:latin typeface="Arial"/>
+              </a:rPr>
+              <a:t>}&lt;/button&gt;;</a:t>
+            </a:r>
+            <a:endParaRPr b="0" lang="en-US" sz="1000" spc="-1" strike="noStrike">
+              <a:latin typeface="Arial"/>
+            </a:endParaRPr>
+          </a:p>
+          <a:p>
+            <a:r>
+              <a:rPr b="0" lang="en-US" sz="1000" spc="-1" strike="noStrike">
+                <a:latin typeface="Arial"/>
+              </a:rPr>
+              <a:t>}</a:t>
+            </a:r>
+            <a:endParaRPr b="0" lang="en-US" sz="1000" spc="-1" strike="noStrike">
+              <a:latin typeface="Arial"/>
+            </a:endParaRPr>
+          </a:p>
+        </p:txBody>
+      </p:sp>
       <p:pic>
         <p:nvPicPr>
-          <p:cNvPr id="77" name="" descr=""/>
+          <p:cNvPr id="79" name="" descr=""/>
           <p:cNvPicPr/>
           <p:nvPr/>
         </p:nvPicPr>
@@ -3966,8 +3030,8 @@
         </p:blipFill>
         <p:spPr>
           <a:xfrm>
-            <a:off x="1456200" y="2178000"/>
-            <a:ext cx="7315200" cy="2016720"/>
+            <a:off x="6400800" y="2514600"/>
+            <a:ext cx="1947240" cy="1953720"/>
           </a:xfrm>
           <a:prstGeom prst="rect">
             <a:avLst/>
@@ -4009,7 +3073,7 @@
       </p:grpSpPr>
       <p:sp>
         <p:nvSpPr>
-          <p:cNvPr id="78" name="PlaceHolder 1"/>
+          <p:cNvPr id="80" name="PlaceHolder 1"/>
           <p:cNvSpPr>
             <a:spLocks noGrp="1"/>
           </p:cNvSpPr>
@@ -4040,114 +3104,9 @@
               <a:rPr b="0" lang="en-US" sz="4400" spc="-1" strike="noStrike">
                 <a:latin typeface="Arial"/>
               </a:rPr>
-              <a:t>React 101 – Component State</a:t>
+              <a:t>React 101 - Components</a:t>
             </a:r>
             <a:endParaRPr b="0" lang="en-US" sz="4400" spc="-1" strike="noStrike">
-              <a:latin typeface="Arial"/>
-            </a:endParaRPr>
-          </a:p>
-        </p:txBody>
-      </p:sp>
-      <p:sp>
-        <p:nvSpPr>
-          <p:cNvPr id="79" name="PlaceHolder 2"/>
-          <p:cNvSpPr>
-            <a:spLocks noGrp="1"/>
-          </p:cNvSpPr>
-          <p:nvPr>
-            <p:ph/>
-          </p:nvPr>
-        </p:nvSpPr>
-        <p:spPr>
-          <a:xfrm>
-            <a:off x="504000" y="1326600"/>
-            <a:ext cx="9071640" cy="3288240"/>
-          </a:xfrm>
-          <a:prstGeom prst="rect">
-            <a:avLst/>
-          </a:prstGeom>
-          <a:noFill/>
-          <a:ln w="0">
-            <a:noFill/>
-          </a:ln>
-        </p:spPr>
-        <p:txBody>
-          <a:bodyPr lIns="0" rIns="0" tIns="0" bIns="0" anchor="t">
-            <a:normAutofit/>
-          </a:bodyPr>
-          <a:p>
-            <a:pPr marL="432000" indent="-324000">
-              <a:spcBef>
-                <a:spcPts val="615"/>
-              </a:spcBef>
-              <a:buClr>
-                <a:srgbClr val="000000"/>
-              </a:buClr>
-              <a:buSzPct val="45000"/>
-              <a:buFont typeface="Wingdings" charset="2"/>
-              <a:buChar char=""/>
-              <a:tabLst>
-                <a:tab algn="l" pos="408240"/>
-              </a:tabLst>
-            </a:pPr>
-            <a:r>
-              <a:rPr b="0" lang="en-US" sz="1400" spc="-1" strike="noStrike">
-                <a:latin typeface="Arial"/>
-              </a:rPr>
-              <a:t>The handleClick function creates a copy of the squares array (nextSquares) with the JavaScript slice() Array method. Then, handleClick updates the nextSquares array to add X to the first ([0] index) square.</a:t>
-            </a:r>
-            <a:endParaRPr b="0" lang="en-US" sz="1400" spc="-1" strike="noStrike">
-              <a:latin typeface="Arial"/>
-            </a:endParaRPr>
-          </a:p>
-          <a:p>
-            <a:pPr marL="432000" indent="-324000">
-              <a:spcBef>
-                <a:spcPts val="615"/>
-              </a:spcBef>
-              <a:buClr>
-                <a:srgbClr val="000000"/>
-              </a:buClr>
-              <a:buSzPct val="45000"/>
-              <a:buFont typeface="Wingdings" charset="2"/>
-              <a:buChar char=""/>
-              <a:tabLst>
-                <a:tab algn="l" pos="408240"/>
-              </a:tabLst>
-            </a:pPr>
-            <a:r>
-              <a:rPr b="0" lang="en-US" sz="1400" spc="-1" strike="noStrike">
-                <a:latin typeface="Arial"/>
-              </a:rPr>
-              <a:t>Calling the setSquares function lets React know </a:t>
-            </a:r>
-            <a:r>
-              <a:rPr b="0" lang="en-US" sz="1400" spc="-1" strike="noStrike" u="sng">
-                <a:uFillTx/>
-                <a:latin typeface="Arial"/>
-              </a:rPr>
-              <a:t>the state of the component has changed</a:t>
-            </a:r>
-            <a:r>
-              <a:rPr b="0" lang="en-US" sz="1400" spc="-1" strike="noStrike">
-                <a:latin typeface="Arial"/>
-              </a:rPr>
-              <a:t>. This will trigger a </a:t>
-            </a:r>
-            <a:r>
-              <a:rPr b="1" lang="en-US" sz="1400" spc="-1" strike="noStrike" u="sng">
-                <a:uFillTx/>
-                <a:latin typeface="Arial"/>
-              </a:rPr>
-              <a:t>re-render of the components that use the squares state</a:t>
-            </a:r>
-            <a:r>
-              <a:rPr b="0" lang="en-US" sz="1400" spc="-1" strike="noStrike">
-                <a:latin typeface="Arial"/>
-              </a:rPr>
-              <a:t> (Board) as well as its child components (the Square components that make up the board).</a:t>
-            </a:r>
-            <a:endParaRPr b="0" lang="en-US" sz="1400" spc="-1" strike="noStrike">
               <a:latin typeface="Arial"/>
             </a:endParaRPr>
           </a:p>
@@ -4155,7 +3114,7 @@
       </p:sp>
       <p:pic>
         <p:nvPicPr>
-          <p:cNvPr id="80" name="" descr=""/>
+          <p:cNvPr id="81" name="" descr=""/>
           <p:cNvPicPr/>
           <p:nvPr/>
         </p:nvPicPr>
@@ -4165,8 +3124,31 @@
         </p:blipFill>
         <p:spPr>
           <a:xfrm>
-            <a:off x="1348200" y="2478600"/>
-            <a:ext cx="7772400" cy="2971800"/>
+            <a:off x="7228800" y="2298600"/>
+            <a:ext cx="1947240" cy="1953720"/>
+          </a:xfrm>
+          <a:prstGeom prst="rect">
+            <a:avLst/>
+          </a:prstGeom>
+          <a:ln w="0">
+            <a:noFill/>
+          </a:ln>
+        </p:spPr>
+      </p:pic>
+      <p:pic>
+        <p:nvPicPr>
+          <p:cNvPr id="82" name="" descr=""/>
+          <p:cNvPicPr/>
+          <p:nvPr/>
+        </p:nvPicPr>
+        <p:blipFill>
+          <a:blip r:embed="rId2"/>
+          <a:stretch/>
+        </p:blipFill>
+        <p:spPr>
+          <a:xfrm>
+            <a:off x="529200" y="1828800"/>
+            <a:ext cx="5943600" cy="2743200"/>
           </a:xfrm>
           <a:prstGeom prst="rect">
             <a:avLst/>
@@ -4208,7 +3190,7 @@
       </p:grpSpPr>
       <p:sp>
         <p:nvSpPr>
-          <p:cNvPr id="81" name="PlaceHolder 1"/>
+          <p:cNvPr id="83" name="PlaceHolder 1"/>
           <p:cNvSpPr>
             <a:spLocks noGrp="1"/>
           </p:cNvSpPr>
@@ -4239,114 +3221,9 @@
               <a:rPr b="0" lang="en-US" sz="4400" spc="-1" strike="noStrike">
                 <a:latin typeface="Arial"/>
               </a:rPr>
-              <a:t>React 101 – Component State</a:t>
+              <a:t>React 101 - Components</a:t>
             </a:r>
             <a:endParaRPr b="0" lang="en-US" sz="4400" spc="-1" strike="noStrike">
-              <a:latin typeface="Arial"/>
-            </a:endParaRPr>
-          </a:p>
-        </p:txBody>
-      </p:sp>
-      <p:sp>
-        <p:nvSpPr>
-          <p:cNvPr id="82" name="PlaceHolder 2"/>
-          <p:cNvSpPr>
-            <a:spLocks noGrp="1"/>
-          </p:cNvSpPr>
-          <p:nvPr>
-            <p:ph/>
-          </p:nvPr>
-        </p:nvSpPr>
-        <p:spPr>
-          <a:xfrm>
-            <a:off x="504000" y="1326600"/>
-            <a:ext cx="9071640" cy="3288240"/>
-          </a:xfrm>
-          <a:prstGeom prst="rect">
-            <a:avLst/>
-          </a:prstGeom>
-          <a:noFill/>
-          <a:ln w="0">
-            <a:noFill/>
-          </a:ln>
-        </p:spPr>
-        <p:txBody>
-          <a:bodyPr lIns="0" rIns="0" tIns="0" bIns="0" anchor="t">
-            <a:normAutofit/>
-          </a:bodyPr>
-          <a:p>
-            <a:pPr marL="432000" indent="-324000">
-              <a:spcBef>
-                <a:spcPts val="615"/>
-              </a:spcBef>
-              <a:buClr>
-                <a:srgbClr val="000000"/>
-              </a:buClr>
-              <a:buSzPct val="45000"/>
-              <a:buFont typeface="Wingdings" charset="2"/>
-              <a:buChar char=""/>
-              <a:tabLst>
-                <a:tab algn="l" pos="408240"/>
-              </a:tabLst>
-            </a:pPr>
-            <a:r>
-              <a:rPr b="0" lang="en-US" sz="1400" spc="-1" strike="noStrike">
-                <a:latin typeface="Arial"/>
-              </a:rPr>
-              <a:t>The handleClick function creates a copy of the squares array (nextSquares) with the JavaScript slice() Array method. Then, handleClick updates the nextSquares array to add X to the first ([0] index) square.</a:t>
-            </a:r>
-            <a:endParaRPr b="0" lang="en-US" sz="1400" spc="-1" strike="noStrike">
-              <a:latin typeface="Arial"/>
-            </a:endParaRPr>
-          </a:p>
-          <a:p>
-            <a:pPr marL="432000" indent="-324000">
-              <a:spcBef>
-                <a:spcPts val="615"/>
-              </a:spcBef>
-              <a:buClr>
-                <a:srgbClr val="000000"/>
-              </a:buClr>
-              <a:buSzPct val="45000"/>
-              <a:buFont typeface="Wingdings" charset="2"/>
-              <a:buChar char=""/>
-              <a:tabLst>
-                <a:tab algn="l" pos="408240"/>
-              </a:tabLst>
-            </a:pPr>
-            <a:r>
-              <a:rPr b="0" lang="en-US" sz="1400" spc="-1" strike="noStrike">
-                <a:latin typeface="Arial"/>
-              </a:rPr>
-              <a:t>Calling the setSquares function lets React know </a:t>
-            </a:r>
-            <a:r>
-              <a:rPr b="0" lang="en-US" sz="1400" spc="-1" strike="noStrike" u="sng">
-                <a:uFillTx/>
-                <a:latin typeface="Arial"/>
-              </a:rPr>
-              <a:t>the state of the component has changed</a:t>
-            </a:r>
-            <a:r>
-              <a:rPr b="0" lang="en-US" sz="1400" spc="-1" strike="noStrike">
-                <a:latin typeface="Arial"/>
-              </a:rPr>
-              <a:t>. This will trigger a </a:t>
-            </a:r>
-            <a:r>
-              <a:rPr b="1" lang="en-US" sz="1400" spc="-1" strike="noStrike" u="sng">
-                <a:uFillTx/>
-                <a:latin typeface="Arial"/>
-              </a:rPr>
-              <a:t>re-render of the components that use the squares state</a:t>
-            </a:r>
-            <a:r>
-              <a:rPr b="0" lang="en-US" sz="1400" spc="-1" strike="noStrike">
-                <a:latin typeface="Arial"/>
-              </a:rPr>
-              <a:t> (Board) as well as its child components (the Square components that make up the board).</a:t>
-            </a:r>
-            <a:endParaRPr b="0" lang="en-US" sz="1400" spc="-1" strike="noStrike">
               <a:latin typeface="Arial"/>
             </a:endParaRPr>
           </a:p>
@@ -4354,7 +3231,7 @@
       </p:sp>
       <p:pic>
         <p:nvPicPr>
-          <p:cNvPr id="83" name="" descr=""/>
+          <p:cNvPr id="84" name="" descr=""/>
           <p:cNvPicPr/>
           <p:nvPr/>
         </p:nvPicPr>
@@ -4364,8 +3241,67 @@
         </p:blipFill>
         <p:spPr>
           <a:xfrm>
-            <a:off x="1348200" y="2478600"/>
-            <a:ext cx="7772400" cy="2971800"/>
+            <a:off x="6316560" y="2008800"/>
+            <a:ext cx="2573640" cy="2528280"/>
+          </a:xfrm>
+          <a:prstGeom prst="rect">
+            <a:avLst/>
+          </a:prstGeom>
+          <a:ln w="0">
+            <a:noFill/>
+          </a:ln>
+        </p:spPr>
+      </p:pic>
+      <p:sp>
+        <p:nvSpPr>
+          <p:cNvPr id="85" name=""/>
+          <p:cNvSpPr txBox="1"/>
+          <p:nvPr/>
+        </p:nvSpPr>
+        <p:spPr>
+          <a:xfrm>
+            <a:off x="6448680" y="1596240"/>
+            <a:ext cx="2238120" cy="232560"/>
+          </a:xfrm>
+          <a:prstGeom prst="rect">
+            <a:avLst/>
+          </a:prstGeom>
+          <a:noFill/>
+          <a:ln w="0">
+            <a:noFill/>
+          </a:ln>
+        </p:spPr>
+        <p:txBody>
+          <a:bodyPr lIns="90000" rIns="90000" tIns="45000" bIns="45000" anchor="t">
+            <a:noAutofit/>
+          </a:bodyPr>
+          <a:p>
+            <a:r>
+              <a:rPr b="0" lang="en-US" sz="1000" spc="-1" strike="noStrike">
+                <a:latin typeface="Arial"/>
+              </a:rPr>
+              <a:t>['O', null, 'X', 'X', 'X', 'O', 'O', null, null]</a:t>
+            </a:r>
+            <a:endParaRPr b="0" lang="en-US" sz="1000" spc="-1" strike="noStrike">
+              <a:latin typeface="Arial"/>
+            </a:endParaRPr>
+          </a:p>
+        </p:txBody>
+      </p:sp>
+      <p:pic>
+        <p:nvPicPr>
+          <p:cNvPr id="86" name="" descr=""/>
+          <p:cNvPicPr/>
+          <p:nvPr/>
+        </p:nvPicPr>
+        <p:blipFill>
+          <a:blip r:embed="rId2"/>
+          <a:stretch/>
+        </p:blipFill>
+        <p:spPr>
+          <a:xfrm>
+            <a:off x="444600" y="1280520"/>
+            <a:ext cx="5486400" cy="3886200"/>
           </a:xfrm>
           <a:prstGeom prst="rect">
             <a:avLst/>
@@ -4407,7 +3343,7 @@
       </p:grpSpPr>
       <p:sp>
         <p:nvSpPr>
-          <p:cNvPr id="84" name="PlaceHolder 1"/>
+          <p:cNvPr id="87" name="PlaceHolder 1"/>
           <p:cNvSpPr>
             <a:spLocks noGrp="1"/>
           </p:cNvSpPr>
@@ -4438,7 +3374,7 @@
               <a:rPr b="0" lang="en-US" sz="4400" spc="-1" strike="noStrike">
                 <a:latin typeface="Arial"/>
               </a:rPr>
-              <a:t>React 101 – Component State</a:t>
+              <a:t>React 101 - Components</a:t>
             </a:r>
             <a:endParaRPr b="0" lang="en-US" sz="4400" spc="-1" strike="noStrike">
               <a:latin typeface="Arial"/>
@@ -4446,75 +3382,29 @@
           </a:p>
         </p:txBody>
       </p:sp>
-      <p:sp>
-        <p:nvSpPr>
-          <p:cNvPr id="85" name=""/>
-          <p:cNvSpPr txBox="1"/>
+      <p:pic>
+        <p:nvPicPr>
+          <p:cNvPr id="88" name="" descr=""/>
+          <p:cNvPicPr/>
           <p:nvPr/>
-        </p:nvSpPr>
-        <p:spPr>
-          <a:xfrm>
-            <a:off x="1143000" y="1947240"/>
-            <a:ext cx="7543800" cy="2847600"/>
-          </a:xfrm>
-          <a:prstGeom prst="rect">
-            <a:avLst/>
-          </a:prstGeom>
-          <a:noFill/>
-          <a:ln w="0">
-            <a:noFill/>
-          </a:ln>
-        </p:spPr>
-        <p:txBody>
-          <a:bodyPr lIns="90000" rIns="90000" tIns="45000" bIns="45000" anchor="t">
-            <a:noAutofit/>
-          </a:bodyPr>
-          <a:p>
-            <a:r>
-              <a:rPr b="0" lang="en-US" sz="1800" spc="-1" strike="noStrike">
-                <a:latin typeface="Arial"/>
-              </a:rPr>
-              <a:t>- Now that your state handling is in the Board component, the parent Board component passes props to the child Square components so that they can be displayed correctly. </a:t>
-            </a:r>
-            <a:endParaRPr b="0" lang="en-US" sz="1800" spc="-1" strike="noStrike">
-              <a:latin typeface="Arial"/>
-            </a:endParaRPr>
-          </a:p>
-          <a:p>
-            <a:r>
-              <a:rPr b="0" lang="en-US" sz="1800" spc="-1" strike="noStrike">
-                <a:latin typeface="Arial"/>
-              </a:rPr>
-              <a:t>- When clicking on a Square, the child Square component now asks the parent Board component to update the state of the board. </a:t>
-            </a:r>
-            <a:endParaRPr b="0" lang="en-US" sz="1800" spc="-1" strike="noStrike">
-              <a:latin typeface="Arial"/>
-            </a:endParaRPr>
-          </a:p>
-          <a:p>
-            <a:r>
-              <a:rPr b="0" lang="en-US" sz="1800" spc="-1" strike="noStrike">
-                <a:latin typeface="Arial"/>
-              </a:rPr>
-              <a:t>- When the Board’s state changes, both the Board component and every child Square re-renders automatically. </a:t>
-            </a:r>
-            <a:endParaRPr b="0" lang="en-US" sz="1800" spc="-1" strike="noStrike">
-              <a:latin typeface="Arial"/>
-            </a:endParaRPr>
-          </a:p>
-          <a:p>
-            <a:r>
-              <a:rPr b="0" lang="en-US" sz="1800" spc="-1" strike="noStrike">
-                <a:latin typeface="Arial"/>
-              </a:rPr>
-              <a:t>- Keeping the state of all squares in the Board component will allow it to determine the winner in the future.</a:t>
-            </a:r>
-            <a:endParaRPr b="0" lang="en-US" sz="1800" spc="-1" strike="noStrike">
-              <a:latin typeface="Arial"/>
-            </a:endParaRPr>
-          </a:p>
-        </p:txBody>
-      </p:sp>
+        </p:nvPicPr>
+        <p:blipFill>
+          <a:blip r:embed="rId1"/>
+          <a:stretch/>
+        </p:blipFill>
+        <p:spPr>
+          <a:xfrm>
+            <a:off x="1371600" y="1828800"/>
+            <a:ext cx="7276680" cy="940680"/>
+          </a:xfrm>
+          <a:prstGeom prst="rect">
+            <a:avLst/>
+          </a:prstGeom>
+          <a:ln w="0">
+            <a:noFill/>
+          </a:ln>
+        </p:spPr>
+      </p:pic>
     </p:spTree>
   </p:cSld>
   <mc:AlternateContent>
@@ -4547,7 +3437,7 @@
       </p:grpSpPr>
       <p:sp>
         <p:nvSpPr>
-          <p:cNvPr id="86" name="PlaceHolder 1"/>
+          <p:cNvPr id="89" name="PlaceHolder 1"/>
           <p:cNvSpPr>
             <a:spLocks noGrp="1"/>
           </p:cNvSpPr>
@@ -4578,7 +3468,7 @@
               <a:rPr b="0" lang="en-US" sz="4400" spc="-1" strike="noStrike">
                 <a:latin typeface="Arial"/>
               </a:rPr>
-              <a:t>React 101 – Component State</a:t>
+              <a:t>React 101 - Components</a:t>
             </a:r>
             <a:endParaRPr b="0" lang="en-US" sz="4400" spc="-1" strike="noStrike">
               <a:latin typeface="Arial"/>
@@ -4588,7 +3478,7 @@
       </p:sp>
       <p:pic>
         <p:nvPicPr>
-          <p:cNvPr id="87" name="" descr=""/>
+          <p:cNvPr id="90" name="" descr=""/>
           <p:cNvPicPr/>
           <p:nvPr/>
         </p:nvPicPr>
@@ -4598,8 +3488,31 @@
         </p:blipFill>
         <p:spPr>
           <a:xfrm>
-            <a:off x="2146680" y="1314720"/>
-            <a:ext cx="5168520" cy="3943080"/>
+            <a:off x="1403280" y="2990160"/>
+            <a:ext cx="7251480" cy="1949400"/>
+          </a:xfrm>
+          <a:prstGeom prst="rect">
+            <a:avLst/>
+          </a:prstGeom>
+          <a:ln w="0">
+            <a:noFill/>
+          </a:ln>
+        </p:spPr>
+      </p:pic>
+      <p:pic>
+        <p:nvPicPr>
+          <p:cNvPr id="91" name="" descr=""/>
+          <p:cNvPicPr/>
+          <p:nvPr/>
+        </p:nvPicPr>
+        <p:blipFill>
+          <a:blip r:embed="rId2"/>
+          <a:stretch/>
+        </p:blipFill>
+        <p:spPr>
+          <a:xfrm>
+            <a:off x="1371600" y="1828800"/>
+            <a:ext cx="7276680" cy="940680"/>
           </a:xfrm>
           <a:prstGeom prst="rect">
             <a:avLst/>
@@ -4641,7 +3554,7 @@
       </p:grpSpPr>
       <p:sp>
         <p:nvSpPr>
-          <p:cNvPr id="88" name="PlaceHolder 1"/>
+          <p:cNvPr id="92" name="PlaceHolder 1"/>
           <p:cNvSpPr>
             <a:spLocks noGrp="1"/>
           </p:cNvSpPr>
@@ -4672,7 +3585,7 @@
               <a:rPr b="0" lang="en-US" sz="4400" spc="-1" strike="noStrike">
                 <a:latin typeface="Arial"/>
               </a:rPr>
-              <a:t>React 101 – Component State</a:t>
+              <a:t>React 101 - Components</a:t>
             </a:r>
             <a:endParaRPr b="0" lang="en-US" sz="4400" spc="-1" strike="noStrike">
               <a:latin typeface="Arial"/>
@@ -4682,7 +3595,7 @@
       </p:sp>
       <p:pic>
         <p:nvPicPr>
-          <p:cNvPr id="89" name="" descr=""/>
+          <p:cNvPr id="93" name="" descr=""/>
           <p:cNvPicPr/>
           <p:nvPr/>
         </p:nvPicPr>
@@ -4692,8 +3605,31 @@
         </p:blipFill>
         <p:spPr>
           <a:xfrm>
-            <a:off x="1143000" y="1600200"/>
-            <a:ext cx="7793640" cy="3546000"/>
+            <a:off x="830880" y="1648800"/>
+            <a:ext cx="4920120" cy="3428280"/>
+          </a:xfrm>
+          <a:prstGeom prst="rect">
+            <a:avLst/>
+          </a:prstGeom>
+          <a:ln w="0">
+            <a:noFill/>
+          </a:ln>
+        </p:spPr>
+      </p:pic>
+      <p:pic>
+        <p:nvPicPr>
+          <p:cNvPr id="94" name="" descr=""/>
+          <p:cNvPicPr/>
+          <p:nvPr/>
+        </p:nvPicPr>
+        <p:blipFill>
+          <a:blip r:embed="rId2"/>
+          <a:stretch/>
+        </p:blipFill>
+        <p:spPr>
+          <a:xfrm>
+            <a:off x="6629400" y="2057400"/>
+            <a:ext cx="2709000" cy="2776680"/>
           </a:xfrm>
           <a:prstGeom prst="rect">
             <a:avLst/>
@@ -4882,6 +3818,2655 @@
 </p:sld>
 </file>
 
+<file path=ppt/slides/slide20.xml><?xml version="1.0" encoding="utf-8"?>
+<p:sld xmlns:a="http://schemas.openxmlformats.org/drawingml/2006/main" xmlns:p="http://schemas.openxmlformats.org/presentationml/2006/main" xmlns:r="http://schemas.openxmlformats.org/officeDocument/2006/relationships" xmlns:p14="http://schemas.microsoft.com/office/powerpoint/2010/main" xmlns:p15="http://schemas.microsoft.com/office/powerpoint/2012/main" xmlns:mc="http://schemas.openxmlformats.org/markup-compatibility/2006">
+  <p:cSld>
+    <p:spTree>
+      <p:nvGrpSpPr>
+        <p:cNvPr id="1" name=""/>
+        <p:cNvGrpSpPr/>
+        <p:nvPr/>
+      </p:nvGrpSpPr>
+      <p:grpSpPr>
+        <a:xfrm>
+          <a:off x="0" y="0"/>
+          <a:ext cx="0" cy="0"/>
+          <a:chOff x="0" y="0"/>
+          <a:chExt cx="0" cy="0"/>
+        </a:xfrm>
+      </p:grpSpPr>
+      <p:sp>
+        <p:nvSpPr>
+          <p:cNvPr id="95" name="PlaceHolder 1"/>
+          <p:cNvSpPr>
+            <a:spLocks noGrp="1"/>
+          </p:cNvSpPr>
+          <p:nvPr>
+            <p:ph type="title"/>
+          </p:nvPr>
+        </p:nvSpPr>
+        <p:spPr>
+          <a:xfrm>
+            <a:off x="504000" y="226080"/>
+            <a:ext cx="9071640" cy="946440"/>
+          </a:xfrm>
+          <a:prstGeom prst="rect">
+            <a:avLst/>
+          </a:prstGeom>
+          <a:noFill/>
+          <a:ln w="0">
+            <a:noFill/>
+          </a:ln>
+        </p:spPr>
+        <p:txBody>
+          <a:bodyPr lIns="0" rIns="0" tIns="0" bIns="0" anchor="ctr">
+            <a:noAutofit/>
+          </a:bodyPr>
+          <a:p>
+            <a:pPr algn="ctr"/>
+            <a:r>
+              <a:rPr b="0" lang="en-US" sz="4400" spc="-1" strike="noStrike">
+                <a:latin typeface="Arial"/>
+              </a:rPr>
+              <a:t>React 101 - Components</a:t>
+            </a:r>
+            <a:endParaRPr b="0" lang="en-US" sz="4400" spc="-1" strike="noStrike">
+              <a:latin typeface="Arial"/>
+            </a:endParaRPr>
+          </a:p>
+        </p:txBody>
+      </p:sp>
+      <p:pic>
+        <p:nvPicPr>
+          <p:cNvPr id="96" name="" descr=""/>
+          <p:cNvPicPr/>
+          <p:nvPr/>
+        </p:nvPicPr>
+        <p:blipFill>
+          <a:blip r:embed="rId1"/>
+          <a:stretch/>
+        </p:blipFill>
+        <p:spPr>
+          <a:xfrm>
+            <a:off x="6629400" y="2057400"/>
+            <a:ext cx="2709000" cy="2776680"/>
+          </a:xfrm>
+          <a:prstGeom prst="rect">
+            <a:avLst/>
+          </a:prstGeom>
+          <a:ln w="0">
+            <a:noFill/>
+          </a:ln>
+        </p:spPr>
+      </p:pic>
+      <p:pic>
+        <p:nvPicPr>
+          <p:cNvPr id="97" name="" descr=""/>
+          <p:cNvPicPr/>
+          <p:nvPr/>
+        </p:nvPicPr>
+        <p:blipFill>
+          <a:blip r:embed="rId2"/>
+          <a:stretch/>
+        </p:blipFill>
+        <p:spPr>
+          <a:xfrm>
+            <a:off x="645480" y="1399320"/>
+            <a:ext cx="5983920" cy="1406880"/>
+          </a:xfrm>
+          <a:prstGeom prst="rect">
+            <a:avLst/>
+          </a:prstGeom>
+          <a:ln w="0">
+            <a:noFill/>
+          </a:ln>
+        </p:spPr>
+      </p:pic>
+      <p:pic>
+        <p:nvPicPr>
+          <p:cNvPr id="98" name="" descr=""/>
+          <p:cNvPicPr/>
+          <p:nvPr/>
+        </p:nvPicPr>
+        <p:blipFill>
+          <a:blip r:embed="rId3"/>
+          <a:stretch/>
+        </p:blipFill>
+        <p:spPr>
+          <a:xfrm>
+            <a:off x="457200" y="3429000"/>
+            <a:ext cx="6193440" cy="1828800"/>
+          </a:xfrm>
+          <a:prstGeom prst="rect">
+            <a:avLst/>
+          </a:prstGeom>
+          <a:ln w="0">
+            <a:noFill/>
+          </a:ln>
+        </p:spPr>
+      </p:pic>
+    </p:spTree>
+  </p:cSld>
+  <mc:AlternateContent>
+    <mc:Choice Requires="p14">
+      <p:transition spd="slow" p14:dur="2000"/>
+    </mc:Choice>
+    <mc:Fallback>
+      <p:transition spd="slow"/>
+    </mc:Fallback>
+  </mc:AlternateContent>
+</p:sld>
+</file>
+
+<file path=ppt/slides/slide21.xml><?xml version="1.0" encoding="utf-8"?>
+<p:sld xmlns:a="http://schemas.openxmlformats.org/drawingml/2006/main" xmlns:p="http://schemas.openxmlformats.org/presentationml/2006/main" xmlns:r="http://schemas.openxmlformats.org/officeDocument/2006/relationships" xmlns:p14="http://schemas.microsoft.com/office/powerpoint/2010/main" xmlns:p15="http://schemas.microsoft.com/office/powerpoint/2012/main" xmlns:mc="http://schemas.openxmlformats.org/markup-compatibility/2006">
+  <p:cSld>
+    <p:spTree>
+      <p:nvGrpSpPr>
+        <p:cNvPr id="1" name=""/>
+        <p:cNvGrpSpPr/>
+        <p:nvPr/>
+      </p:nvGrpSpPr>
+      <p:grpSpPr>
+        <a:xfrm>
+          <a:off x="0" y="0"/>
+          <a:ext cx="0" cy="0"/>
+          <a:chOff x="0" y="0"/>
+          <a:chExt cx="0" cy="0"/>
+        </a:xfrm>
+      </p:grpSpPr>
+      <p:sp>
+        <p:nvSpPr>
+          <p:cNvPr id="99" name="PlaceHolder 1"/>
+          <p:cNvSpPr>
+            <a:spLocks noGrp="1"/>
+          </p:cNvSpPr>
+          <p:nvPr>
+            <p:ph type="title"/>
+          </p:nvPr>
+        </p:nvSpPr>
+        <p:spPr>
+          <a:xfrm>
+            <a:off x="504000" y="226080"/>
+            <a:ext cx="9071640" cy="946440"/>
+          </a:xfrm>
+          <a:prstGeom prst="rect">
+            <a:avLst/>
+          </a:prstGeom>
+          <a:noFill/>
+          <a:ln w="0">
+            <a:noFill/>
+          </a:ln>
+        </p:spPr>
+        <p:txBody>
+          <a:bodyPr lIns="0" rIns="0" tIns="0" bIns="0" anchor="ctr">
+            <a:noAutofit/>
+          </a:bodyPr>
+          <a:p>
+            <a:pPr algn="ctr"/>
+            <a:r>
+              <a:rPr b="0" lang="en-US" sz="4400" spc="-1" strike="noStrike">
+                <a:latin typeface="Arial"/>
+              </a:rPr>
+              <a:t>React 101 – Component State</a:t>
+            </a:r>
+            <a:endParaRPr b="0" lang="en-US" sz="4400" spc="-1" strike="noStrike">
+              <a:latin typeface="Arial"/>
+            </a:endParaRPr>
+          </a:p>
+        </p:txBody>
+      </p:sp>
+      <p:sp>
+        <p:nvSpPr>
+          <p:cNvPr id="100" name="PlaceHolder 2"/>
+          <p:cNvSpPr>
+            <a:spLocks noGrp="1"/>
+          </p:cNvSpPr>
+          <p:nvPr>
+            <p:ph/>
+          </p:nvPr>
+        </p:nvSpPr>
+        <p:spPr>
+          <a:xfrm>
+            <a:off x="504000" y="1326600"/>
+            <a:ext cx="9071640" cy="3288240"/>
+          </a:xfrm>
+          <a:prstGeom prst="rect">
+            <a:avLst/>
+          </a:prstGeom>
+          <a:noFill/>
+          <a:ln w="0">
+            <a:noFill/>
+          </a:ln>
+        </p:spPr>
+        <p:txBody>
+          <a:bodyPr lIns="0" rIns="0" tIns="0" bIns="0" anchor="t">
+            <a:normAutofit/>
+          </a:bodyPr>
+          <a:p>
+            <a:pPr marL="432000" indent="-324000">
+              <a:spcBef>
+                <a:spcPts val="615"/>
+              </a:spcBef>
+              <a:buClr>
+                <a:srgbClr val="000000"/>
+              </a:buClr>
+              <a:buSzPct val="45000"/>
+              <a:buFont typeface="Wingdings" charset="2"/>
+              <a:buChar char=""/>
+              <a:tabLst>
+                <a:tab algn="l" pos="408240"/>
+              </a:tabLst>
+            </a:pPr>
+            <a:r>
+              <a:rPr b="0" lang="en-US" sz="1400" spc="-1" strike="noStrike">
+                <a:latin typeface="Arial"/>
+              </a:rPr>
+              <a:t>The handleClick function creates a copy of the squares array (nextSquares) with the JavaScript slice() Array method. Then, handleClick updates the nextSquares array to add X to the first ([0] index) square.</a:t>
+            </a:r>
+            <a:endParaRPr b="0" lang="en-US" sz="1400" spc="-1" strike="noStrike">
+              <a:latin typeface="Arial"/>
+            </a:endParaRPr>
+          </a:p>
+          <a:p>
+            <a:pPr marL="432000" indent="-324000">
+              <a:spcBef>
+                <a:spcPts val="615"/>
+              </a:spcBef>
+              <a:buClr>
+                <a:srgbClr val="000000"/>
+              </a:buClr>
+              <a:buSzPct val="45000"/>
+              <a:buFont typeface="Wingdings" charset="2"/>
+              <a:buChar char=""/>
+              <a:tabLst>
+                <a:tab algn="l" pos="408240"/>
+              </a:tabLst>
+            </a:pPr>
+            <a:r>
+              <a:rPr b="0" lang="en-US" sz="1400" spc="-1" strike="noStrike">
+                <a:latin typeface="Arial"/>
+              </a:rPr>
+              <a:t>Calling the setSquares function lets React know </a:t>
+            </a:r>
+            <a:r>
+              <a:rPr b="0" lang="en-US" sz="1400" spc="-1" strike="noStrike" u="sng">
+                <a:uFillTx/>
+                <a:latin typeface="Arial"/>
+              </a:rPr>
+              <a:t>the state of the component has changed</a:t>
+            </a:r>
+            <a:r>
+              <a:rPr b="0" lang="en-US" sz="1400" spc="-1" strike="noStrike">
+                <a:latin typeface="Arial"/>
+              </a:rPr>
+              <a:t>. This will trigger a </a:t>
+            </a:r>
+            <a:r>
+              <a:rPr b="1" lang="en-US" sz="1400" spc="-1" strike="noStrike" u="sng">
+                <a:uFillTx/>
+                <a:latin typeface="Arial"/>
+              </a:rPr>
+              <a:t>re-render of the components that use the squares state</a:t>
+            </a:r>
+            <a:r>
+              <a:rPr b="0" lang="en-US" sz="1400" spc="-1" strike="noStrike">
+                <a:latin typeface="Arial"/>
+              </a:rPr>
+              <a:t> (Board) as well as its child components (the Square components that make up the board).</a:t>
+            </a:r>
+            <a:endParaRPr b="0" lang="en-US" sz="1400" spc="-1" strike="noStrike">
+              <a:latin typeface="Arial"/>
+            </a:endParaRPr>
+          </a:p>
+        </p:txBody>
+      </p:sp>
+      <p:pic>
+        <p:nvPicPr>
+          <p:cNvPr id="101" name="" descr=""/>
+          <p:cNvPicPr/>
+          <p:nvPr/>
+        </p:nvPicPr>
+        <p:blipFill>
+          <a:blip r:embed="rId1"/>
+          <a:stretch/>
+        </p:blipFill>
+        <p:spPr>
+          <a:xfrm>
+            <a:off x="1348200" y="2478600"/>
+            <a:ext cx="7772400" cy="2971800"/>
+          </a:xfrm>
+          <a:prstGeom prst="rect">
+            <a:avLst/>
+          </a:prstGeom>
+          <a:ln w="0">
+            <a:noFill/>
+          </a:ln>
+        </p:spPr>
+      </p:pic>
+    </p:spTree>
+  </p:cSld>
+  <mc:AlternateContent>
+    <mc:Choice Requires="p14">
+      <p:transition spd="slow" p14:dur="2000"/>
+    </mc:Choice>
+    <mc:Fallback>
+      <p:transition spd="slow"/>
+    </mc:Fallback>
+  </mc:AlternateContent>
+</p:sld>
+</file>
+
+<file path=ppt/slides/slide22.xml><?xml version="1.0" encoding="utf-8"?>
+<p:sld xmlns:a="http://schemas.openxmlformats.org/drawingml/2006/main" xmlns:p="http://schemas.openxmlformats.org/presentationml/2006/main" xmlns:r="http://schemas.openxmlformats.org/officeDocument/2006/relationships" xmlns:p14="http://schemas.microsoft.com/office/powerpoint/2010/main" xmlns:p15="http://schemas.microsoft.com/office/powerpoint/2012/main" xmlns:mc="http://schemas.openxmlformats.org/markup-compatibility/2006">
+  <p:cSld>
+    <p:spTree>
+      <p:nvGrpSpPr>
+        <p:cNvPr id="1" name=""/>
+        <p:cNvGrpSpPr/>
+        <p:nvPr/>
+      </p:nvGrpSpPr>
+      <p:grpSpPr>
+        <a:xfrm>
+          <a:off x="0" y="0"/>
+          <a:ext cx="0" cy="0"/>
+          <a:chOff x="0" y="0"/>
+          <a:chExt cx="0" cy="0"/>
+        </a:xfrm>
+      </p:grpSpPr>
+      <p:sp>
+        <p:nvSpPr>
+          <p:cNvPr id="102" name="PlaceHolder 1"/>
+          <p:cNvSpPr>
+            <a:spLocks noGrp="1"/>
+          </p:cNvSpPr>
+          <p:nvPr>
+            <p:ph type="title"/>
+          </p:nvPr>
+        </p:nvSpPr>
+        <p:spPr>
+          <a:xfrm>
+            <a:off x="504000" y="226080"/>
+            <a:ext cx="9071640" cy="946440"/>
+          </a:xfrm>
+          <a:prstGeom prst="rect">
+            <a:avLst/>
+          </a:prstGeom>
+          <a:noFill/>
+          <a:ln w="0">
+            <a:noFill/>
+          </a:ln>
+        </p:spPr>
+        <p:txBody>
+          <a:bodyPr lIns="0" rIns="0" tIns="0" bIns="0" anchor="ctr">
+            <a:noAutofit/>
+          </a:bodyPr>
+          <a:p>
+            <a:pPr algn="ctr"/>
+            <a:r>
+              <a:rPr b="0" lang="en-US" sz="4400" spc="-1" strike="noStrike">
+                <a:latin typeface="Arial"/>
+              </a:rPr>
+              <a:t>React 101 – Component State</a:t>
+            </a:r>
+            <a:endParaRPr b="0" lang="en-US" sz="4400" spc="-1" strike="noStrike">
+              <a:latin typeface="Arial"/>
+            </a:endParaRPr>
+          </a:p>
+        </p:txBody>
+      </p:sp>
+      <p:sp>
+        <p:nvSpPr>
+          <p:cNvPr id="103" name="PlaceHolder 2"/>
+          <p:cNvSpPr>
+            <a:spLocks noGrp="1"/>
+          </p:cNvSpPr>
+          <p:nvPr>
+            <p:ph/>
+          </p:nvPr>
+        </p:nvSpPr>
+        <p:spPr>
+          <a:xfrm>
+            <a:off x="504000" y="1326600"/>
+            <a:ext cx="9071640" cy="3288240"/>
+          </a:xfrm>
+          <a:prstGeom prst="rect">
+            <a:avLst/>
+          </a:prstGeom>
+          <a:noFill/>
+          <a:ln w="0">
+            <a:noFill/>
+          </a:ln>
+        </p:spPr>
+        <p:txBody>
+          <a:bodyPr lIns="0" rIns="0" tIns="0" bIns="0" anchor="t">
+            <a:normAutofit/>
+          </a:bodyPr>
+          <a:p>
+            <a:pPr marL="432000" indent="-324000">
+              <a:spcBef>
+                <a:spcPts val="615"/>
+              </a:spcBef>
+              <a:buClr>
+                <a:srgbClr val="000000"/>
+              </a:buClr>
+              <a:buSzPct val="45000"/>
+              <a:buFont typeface="Wingdings" charset="2"/>
+              <a:buChar char=""/>
+              <a:tabLst>
+                <a:tab algn="l" pos="408240"/>
+              </a:tabLst>
+            </a:pPr>
+            <a:r>
+              <a:rPr b="0" lang="en-US" sz="1400" spc="-1" strike="noStrike">
+                <a:latin typeface="Arial"/>
+              </a:rPr>
+              <a:t>The handleClick function creates a copy of the squares array (nextSquares) with the JavaScript slice() Array method. Then, handleClick updates the nextSquares array to add X to the first ([0] index) square.</a:t>
+            </a:r>
+            <a:endParaRPr b="0" lang="en-US" sz="1400" spc="-1" strike="noStrike">
+              <a:latin typeface="Arial"/>
+            </a:endParaRPr>
+          </a:p>
+          <a:p>
+            <a:pPr marL="432000" indent="-324000">
+              <a:spcBef>
+                <a:spcPts val="615"/>
+              </a:spcBef>
+              <a:buClr>
+                <a:srgbClr val="000000"/>
+              </a:buClr>
+              <a:buSzPct val="45000"/>
+              <a:buFont typeface="Wingdings" charset="2"/>
+              <a:buChar char=""/>
+              <a:tabLst>
+                <a:tab algn="l" pos="408240"/>
+              </a:tabLst>
+            </a:pPr>
+            <a:r>
+              <a:rPr b="0" lang="en-US" sz="1400" spc="-1" strike="noStrike">
+                <a:latin typeface="Arial"/>
+              </a:rPr>
+              <a:t>Calling the setSquares function lets React know </a:t>
+            </a:r>
+            <a:r>
+              <a:rPr b="0" lang="en-US" sz="1400" spc="-1" strike="noStrike" u="sng">
+                <a:uFillTx/>
+                <a:latin typeface="Arial"/>
+              </a:rPr>
+              <a:t>the state of the component has changed</a:t>
+            </a:r>
+            <a:r>
+              <a:rPr b="0" lang="en-US" sz="1400" spc="-1" strike="noStrike">
+                <a:latin typeface="Arial"/>
+              </a:rPr>
+              <a:t>. This will trigger a </a:t>
+            </a:r>
+            <a:r>
+              <a:rPr b="1" lang="en-US" sz="1400" spc="-1" strike="noStrike" u="sng">
+                <a:uFillTx/>
+                <a:latin typeface="Arial"/>
+              </a:rPr>
+              <a:t>re-render of the components that use the squares state</a:t>
+            </a:r>
+            <a:r>
+              <a:rPr b="0" lang="en-US" sz="1400" spc="-1" strike="noStrike">
+                <a:latin typeface="Arial"/>
+              </a:rPr>
+              <a:t> (Board) as well as its child components (the Square components that make up the board).</a:t>
+            </a:r>
+            <a:endParaRPr b="0" lang="en-US" sz="1400" spc="-1" strike="noStrike">
+              <a:latin typeface="Arial"/>
+            </a:endParaRPr>
+          </a:p>
+        </p:txBody>
+      </p:sp>
+      <p:pic>
+        <p:nvPicPr>
+          <p:cNvPr id="104" name="" descr=""/>
+          <p:cNvPicPr/>
+          <p:nvPr/>
+        </p:nvPicPr>
+        <p:blipFill>
+          <a:blip r:embed="rId1"/>
+          <a:stretch/>
+        </p:blipFill>
+        <p:spPr>
+          <a:xfrm>
+            <a:off x="1348200" y="2478600"/>
+            <a:ext cx="7772400" cy="2971800"/>
+          </a:xfrm>
+          <a:prstGeom prst="rect">
+            <a:avLst/>
+          </a:prstGeom>
+          <a:ln w="0">
+            <a:noFill/>
+          </a:ln>
+        </p:spPr>
+      </p:pic>
+    </p:spTree>
+  </p:cSld>
+  <mc:AlternateContent>
+    <mc:Choice Requires="p14">
+      <p:transition spd="slow" p14:dur="2000"/>
+    </mc:Choice>
+    <mc:Fallback>
+      <p:transition spd="slow"/>
+    </mc:Fallback>
+  </mc:AlternateContent>
+</p:sld>
+</file>
+
+<file path=ppt/slides/slide23.xml><?xml version="1.0" encoding="utf-8"?>
+<p:sld xmlns:a="http://schemas.openxmlformats.org/drawingml/2006/main" xmlns:p="http://schemas.openxmlformats.org/presentationml/2006/main" xmlns:r="http://schemas.openxmlformats.org/officeDocument/2006/relationships" xmlns:p14="http://schemas.microsoft.com/office/powerpoint/2010/main" xmlns:p15="http://schemas.microsoft.com/office/powerpoint/2012/main" xmlns:mc="http://schemas.openxmlformats.org/markup-compatibility/2006">
+  <p:cSld>
+    <p:spTree>
+      <p:nvGrpSpPr>
+        <p:cNvPr id="1" name=""/>
+        <p:cNvGrpSpPr/>
+        <p:nvPr/>
+      </p:nvGrpSpPr>
+      <p:grpSpPr>
+        <a:xfrm>
+          <a:off x="0" y="0"/>
+          <a:ext cx="0" cy="0"/>
+          <a:chOff x="0" y="0"/>
+          <a:chExt cx="0" cy="0"/>
+        </a:xfrm>
+      </p:grpSpPr>
+      <p:sp>
+        <p:nvSpPr>
+          <p:cNvPr id="105" name="PlaceHolder 1"/>
+          <p:cNvSpPr>
+            <a:spLocks noGrp="1"/>
+          </p:cNvSpPr>
+          <p:nvPr>
+            <p:ph type="title"/>
+          </p:nvPr>
+        </p:nvSpPr>
+        <p:spPr>
+          <a:xfrm>
+            <a:off x="504000" y="226080"/>
+            <a:ext cx="9071640" cy="946440"/>
+          </a:xfrm>
+          <a:prstGeom prst="rect">
+            <a:avLst/>
+          </a:prstGeom>
+          <a:noFill/>
+          <a:ln w="0">
+            <a:noFill/>
+          </a:ln>
+        </p:spPr>
+        <p:txBody>
+          <a:bodyPr lIns="0" rIns="0" tIns="0" bIns="0" anchor="ctr">
+            <a:noAutofit/>
+          </a:bodyPr>
+          <a:p>
+            <a:pPr algn="ctr"/>
+            <a:r>
+              <a:rPr b="0" lang="en-US" sz="4400" spc="-1" strike="noStrike">
+                <a:latin typeface="Arial"/>
+              </a:rPr>
+              <a:t>React 101 – Component State</a:t>
+            </a:r>
+            <a:endParaRPr b="0" lang="en-US" sz="4400" spc="-1" strike="noStrike">
+              <a:latin typeface="Arial"/>
+            </a:endParaRPr>
+          </a:p>
+        </p:txBody>
+      </p:sp>
+      <p:sp>
+        <p:nvSpPr>
+          <p:cNvPr id="106" name="PlaceHolder 2"/>
+          <p:cNvSpPr>
+            <a:spLocks noGrp="1"/>
+          </p:cNvSpPr>
+          <p:nvPr>
+            <p:ph/>
+          </p:nvPr>
+        </p:nvSpPr>
+        <p:spPr>
+          <a:xfrm>
+            <a:off x="504000" y="1326600"/>
+            <a:ext cx="9071640" cy="3288240"/>
+          </a:xfrm>
+          <a:prstGeom prst="rect">
+            <a:avLst/>
+          </a:prstGeom>
+          <a:noFill/>
+          <a:ln w="0">
+            <a:noFill/>
+          </a:ln>
+        </p:spPr>
+        <p:txBody>
+          <a:bodyPr lIns="0" rIns="0" tIns="0" bIns="0" anchor="t">
+            <a:normAutofit/>
+          </a:bodyPr>
+          <a:p>
+            <a:pPr marL="432000" indent="-324000">
+              <a:spcBef>
+                <a:spcPts val="615"/>
+              </a:spcBef>
+              <a:buClr>
+                <a:srgbClr val="000000"/>
+              </a:buClr>
+              <a:buSzPct val="45000"/>
+              <a:buFont typeface="Wingdings" charset="2"/>
+              <a:buChar char=""/>
+              <a:tabLst>
+                <a:tab algn="l" pos="408240"/>
+              </a:tabLst>
+            </a:pPr>
+            <a:r>
+              <a:rPr b="0" lang="en-US" sz="1400" spc="-1" strike="noStrike">
+                <a:latin typeface="Arial"/>
+              </a:rPr>
+              <a:t>The handleClick function creates a copy of the squares array (nextSquares) with the JavaScript slice() Array method. Then, handleClick updates the nextSquares array to add X to the first ([0] index) square.</a:t>
+            </a:r>
+            <a:endParaRPr b="0" lang="en-US" sz="1400" spc="-1" strike="noStrike">
+              <a:latin typeface="Arial"/>
+            </a:endParaRPr>
+          </a:p>
+          <a:p>
+            <a:pPr marL="432000" indent="-324000">
+              <a:spcBef>
+                <a:spcPts val="615"/>
+              </a:spcBef>
+              <a:buClr>
+                <a:srgbClr val="000000"/>
+              </a:buClr>
+              <a:buSzPct val="45000"/>
+              <a:buFont typeface="Wingdings" charset="2"/>
+              <a:buChar char=""/>
+              <a:tabLst>
+                <a:tab algn="l" pos="408240"/>
+              </a:tabLst>
+            </a:pPr>
+            <a:r>
+              <a:rPr b="0" lang="en-US" sz="1400" spc="-1" strike="noStrike">
+                <a:latin typeface="Arial"/>
+              </a:rPr>
+              <a:t>Calling the setSquares function lets React know </a:t>
+            </a:r>
+            <a:r>
+              <a:rPr b="0" lang="en-US" sz="1400" spc="-1" strike="noStrike" u="sng">
+                <a:uFillTx/>
+                <a:latin typeface="Arial"/>
+              </a:rPr>
+              <a:t>the state of the component has changed</a:t>
+            </a:r>
+            <a:r>
+              <a:rPr b="0" lang="en-US" sz="1400" spc="-1" strike="noStrike">
+                <a:latin typeface="Arial"/>
+              </a:rPr>
+              <a:t>. This will trigger a </a:t>
+            </a:r>
+            <a:r>
+              <a:rPr b="1" lang="en-US" sz="1400" spc="-1" strike="noStrike" u="sng">
+                <a:uFillTx/>
+                <a:latin typeface="Arial"/>
+              </a:rPr>
+              <a:t>re-render of the components that use the squares state</a:t>
+            </a:r>
+            <a:r>
+              <a:rPr b="0" lang="en-US" sz="1400" spc="-1" strike="noStrike">
+                <a:latin typeface="Arial"/>
+              </a:rPr>
+              <a:t> (Board) as well as its child components (the Square components that make up the board).</a:t>
+            </a:r>
+            <a:endParaRPr b="0" lang="en-US" sz="1400" spc="-1" strike="noStrike">
+              <a:latin typeface="Arial"/>
+            </a:endParaRPr>
+          </a:p>
+        </p:txBody>
+      </p:sp>
+      <p:pic>
+        <p:nvPicPr>
+          <p:cNvPr id="107" name="" descr=""/>
+          <p:cNvPicPr/>
+          <p:nvPr/>
+        </p:nvPicPr>
+        <p:blipFill>
+          <a:blip r:embed="rId1"/>
+          <a:stretch/>
+        </p:blipFill>
+        <p:spPr>
+          <a:xfrm>
+            <a:off x="1348200" y="2478600"/>
+            <a:ext cx="7772400" cy="2971800"/>
+          </a:xfrm>
+          <a:prstGeom prst="rect">
+            <a:avLst/>
+          </a:prstGeom>
+          <a:ln w="0">
+            <a:noFill/>
+          </a:ln>
+        </p:spPr>
+      </p:pic>
+    </p:spTree>
+  </p:cSld>
+  <mc:AlternateContent>
+    <mc:Choice Requires="p14">
+      <p:transition spd="slow" p14:dur="2000"/>
+    </mc:Choice>
+    <mc:Fallback>
+      <p:transition spd="slow"/>
+    </mc:Fallback>
+  </mc:AlternateContent>
+</p:sld>
+</file>
+
+<file path=ppt/slides/slide24.xml><?xml version="1.0" encoding="utf-8"?>
+<p:sld xmlns:a="http://schemas.openxmlformats.org/drawingml/2006/main" xmlns:p="http://schemas.openxmlformats.org/presentationml/2006/main" xmlns:r="http://schemas.openxmlformats.org/officeDocument/2006/relationships" xmlns:p14="http://schemas.microsoft.com/office/powerpoint/2010/main" xmlns:p15="http://schemas.microsoft.com/office/powerpoint/2012/main" xmlns:mc="http://schemas.openxmlformats.org/markup-compatibility/2006">
+  <p:cSld>
+    <p:spTree>
+      <p:nvGrpSpPr>
+        <p:cNvPr id="1" name=""/>
+        <p:cNvGrpSpPr/>
+        <p:nvPr/>
+      </p:nvGrpSpPr>
+      <p:grpSpPr>
+        <a:xfrm>
+          <a:off x="0" y="0"/>
+          <a:ext cx="0" cy="0"/>
+          <a:chOff x="0" y="0"/>
+          <a:chExt cx="0" cy="0"/>
+        </a:xfrm>
+      </p:grpSpPr>
+      <p:sp>
+        <p:nvSpPr>
+          <p:cNvPr id="108" name="PlaceHolder 1"/>
+          <p:cNvSpPr>
+            <a:spLocks noGrp="1"/>
+          </p:cNvSpPr>
+          <p:nvPr>
+            <p:ph type="title"/>
+          </p:nvPr>
+        </p:nvSpPr>
+        <p:spPr>
+          <a:xfrm>
+            <a:off x="504000" y="226080"/>
+            <a:ext cx="9071640" cy="946440"/>
+          </a:xfrm>
+          <a:prstGeom prst="rect">
+            <a:avLst/>
+          </a:prstGeom>
+          <a:noFill/>
+          <a:ln w="0">
+            <a:noFill/>
+          </a:ln>
+        </p:spPr>
+        <p:txBody>
+          <a:bodyPr lIns="0" rIns="0" tIns="0" bIns="0" anchor="ctr">
+            <a:noAutofit/>
+          </a:bodyPr>
+          <a:p>
+            <a:pPr algn="ctr"/>
+            <a:r>
+              <a:rPr b="0" lang="en-US" sz="4400" spc="-1" strike="noStrike">
+                <a:latin typeface="Arial"/>
+              </a:rPr>
+              <a:t>React 101 – Component State</a:t>
+            </a:r>
+            <a:endParaRPr b="0" lang="en-US" sz="4400" spc="-1" strike="noStrike">
+              <a:latin typeface="Arial"/>
+            </a:endParaRPr>
+          </a:p>
+        </p:txBody>
+      </p:sp>
+      <p:sp>
+        <p:nvSpPr>
+          <p:cNvPr id="109" name=""/>
+          <p:cNvSpPr txBox="1"/>
+          <p:nvPr/>
+        </p:nvSpPr>
+        <p:spPr>
+          <a:xfrm>
+            <a:off x="1143000" y="1371600"/>
+            <a:ext cx="5029200" cy="5919120"/>
+          </a:xfrm>
+          <a:prstGeom prst="rect">
+            <a:avLst/>
+          </a:prstGeom>
+          <a:noFill/>
+          <a:ln w="0">
+            <a:noFill/>
+          </a:ln>
+        </p:spPr>
+        <p:txBody>
+          <a:bodyPr lIns="90000" rIns="90000" tIns="45000" bIns="45000" anchor="t">
+            <a:noAutofit/>
+          </a:bodyPr>
+          <a:p>
+            <a:r>
+              <a:rPr b="0" lang="en-US" sz="1800" spc="-1" strike="noStrike">
+                <a:latin typeface="Arial"/>
+              </a:rPr>
+              <a:t>- Now that your state handling is in the Board component, the parent Board component passes props to the child Square components so that they can be displayed correctly. </a:t>
+            </a:r>
+            <a:endParaRPr b="0" lang="en-US" sz="1800" spc="-1" strike="noStrike">
+              <a:latin typeface="Arial"/>
+            </a:endParaRPr>
+          </a:p>
+          <a:p>
+            <a:endParaRPr b="0" lang="en-US" sz="1800" spc="-1" strike="noStrike">
+              <a:latin typeface="Arial"/>
+            </a:endParaRPr>
+          </a:p>
+        </p:txBody>
+      </p:sp>
+      <p:sp>
+        <p:nvSpPr>
+          <p:cNvPr id="110" name=""/>
+          <p:cNvSpPr/>
+          <p:nvPr/>
+        </p:nvSpPr>
+        <p:spPr>
+          <a:xfrm>
+            <a:off x="7880400" y="1864800"/>
+            <a:ext cx="685800" cy="685800"/>
+          </a:xfrm>
+          <a:prstGeom prst="ellipse">
+            <a:avLst/>
+          </a:prstGeom>
+          <a:solidFill>
+            <a:srgbClr val="729fcf"/>
+          </a:solidFill>
+          <a:ln w="0">
+            <a:solidFill>
+              <a:srgbClr val="3465a4"/>
+            </a:solidFill>
+          </a:ln>
+        </p:spPr>
+        <p:style>
+          <a:lnRef idx="0"/>
+          <a:fillRef idx="0"/>
+          <a:effectRef idx="0"/>
+          <a:fontRef idx="minor"/>
+        </p:style>
+      </p:sp>
+      <p:sp>
+        <p:nvSpPr>
+          <p:cNvPr id="111" name=""/>
+          <p:cNvSpPr/>
+          <p:nvPr/>
+        </p:nvSpPr>
+        <p:spPr>
+          <a:xfrm>
+            <a:off x="7086600" y="2971800"/>
+            <a:ext cx="685800" cy="685800"/>
+          </a:xfrm>
+          <a:prstGeom prst="ellipse">
+            <a:avLst/>
+          </a:prstGeom>
+          <a:solidFill>
+            <a:srgbClr val="729fcf"/>
+          </a:solidFill>
+          <a:ln w="0">
+            <a:solidFill>
+              <a:srgbClr val="3465a4"/>
+            </a:solidFill>
+          </a:ln>
+        </p:spPr>
+        <p:style>
+          <a:lnRef idx="0"/>
+          <a:fillRef idx="0"/>
+          <a:effectRef idx="0"/>
+          <a:fontRef idx="minor"/>
+        </p:style>
+      </p:sp>
+      <p:sp>
+        <p:nvSpPr>
+          <p:cNvPr id="112" name=""/>
+          <p:cNvSpPr/>
+          <p:nvPr/>
+        </p:nvSpPr>
+        <p:spPr>
+          <a:xfrm>
+            <a:off x="7914600" y="3007800"/>
+            <a:ext cx="685800" cy="685800"/>
+          </a:xfrm>
+          <a:prstGeom prst="ellipse">
+            <a:avLst/>
+          </a:prstGeom>
+          <a:solidFill>
+            <a:srgbClr val="729fcf"/>
+          </a:solidFill>
+          <a:ln w="0">
+            <a:solidFill>
+              <a:srgbClr val="3465a4"/>
+            </a:solidFill>
+          </a:ln>
+        </p:spPr>
+        <p:style>
+          <a:lnRef idx="0"/>
+          <a:fillRef idx="0"/>
+          <a:effectRef idx="0"/>
+          <a:fontRef idx="minor"/>
+        </p:style>
+      </p:sp>
+      <p:sp>
+        <p:nvSpPr>
+          <p:cNvPr id="113" name=""/>
+          <p:cNvSpPr/>
+          <p:nvPr/>
+        </p:nvSpPr>
+        <p:spPr>
+          <a:xfrm flipH="1">
+            <a:off x="7543800" y="2514600"/>
+            <a:ext cx="457200" cy="457200"/>
+          </a:xfrm>
+          <a:prstGeom prst="line">
+            <a:avLst/>
+          </a:prstGeom>
+          <a:ln w="0">
+            <a:solidFill>
+              <a:srgbClr val="3465a4"/>
+            </a:solidFill>
+          </a:ln>
+        </p:spPr>
+        <p:style>
+          <a:lnRef idx="0"/>
+          <a:fillRef idx="0"/>
+          <a:effectRef idx="0"/>
+          <a:fontRef idx="minor"/>
+        </p:style>
+      </p:sp>
+      <p:sp>
+        <p:nvSpPr>
+          <p:cNvPr id="114" name=""/>
+          <p:cNvSpPr/>
+          <p:nvPr/>
+        </p:nvSpPr>
+        <p:spPr>
+          <a:xfrm>
+            <a:off x="8229600" y="2550600"/>
+            <a:ext cx="0" cy="457200"/>
+          </a:xfrm>
+          <a:prstGeom prst="line">
+            <a:avLst/>
+          </a:prstGeom>
+          <a:ln w="0">
+            <a:solidFill>
+              <a:srgbClr val="3465a4"/>
+            </a:solidFill>
+          </a:ln>
+        </p:spPr>
+        <p:style>
+          <a:lnRef idx="0"/>
+          <a:fillRef idx="0"/>
+          <a:effectRef idx="0"/>
+          <a:fontRef idx="minor"/>
+        </p:style>
+      </p:sp>
+      <p:sp>
+        <p:nvSpPr>
+          <p:cNvPr id="115" name=""/>
+          <p:cNvSpPr txBox="1"/>
+          <p:nvPr/>
+        </p:nvSpPr>
+        <p:spPr>
+          <a:xfrm>
+            <a:off x="8915400" y="3200400"/>
+            <a:ext cx="1371600" cy="288720"/>
+          </a:xfrm>
+          <a:prstGeom prst="rect">
+            <a:avLst/>
+          </a:prstGeom>
+          <a:noFill/>
+          <a:ln w="0">
+            <a:noFill/>
+          </a:ln>
+        </p:spPr>
+        <p:txBody>
+          <a:bodyPr lIns="90000" rIns="90000" tIns="45000" bIns="45000" anchor="t">
+            <a:noAutofit/>
+          </a:bodyPr>
+          <a:p>
+            <a:r>
+              <a:rPr b="0" lang="en-US" sz="1400" spc="-1" strike="noStrike">
+                <a:latin typeface="Arial"/>
+              </a:rPr>
+              <a:t>...</a:t>
+            </a:r>
+            <a:endParaRPr b="0" lang="en-US" sz="1400" spc="-1" strike="noStrike">
+              <a:latin typeface="Arial"/>
+            </a:endParaRPr>
+          </a:p>
+        </p:txBody>
+      </p:sp>
+      <p:sp>
+        <p:nvSpPr>
+          <p:cNvPr id="116" name=""/>
+          <p:cNvSpPr/>
+          <p:nvPr/>
+        </p:nvSpPr>
+        <p:spPr>
+          <a:xfrm>
+            <a:off x="8458200" y="2514600"/>
+            <a:ext cx="457200" cy="685800"/>
+          </a:xfrm>
+          <a:prstGeom prst="line">
+            <a:avLst/>
+          </a:prstGeom>
+          <a:ln w="0">
+            <a:solidFill>
+              <a:srgbClr val="3465a4"/>
+            </a:solidFill>
+          </a:ln>
+        </p:spPr>
+        <p:style>
+          <a:lnRef idx="0"/>
+          <a:fillRef idx="0"/>
+          <a:effectRef idx="0"/>
+          <a:fontRef idx="minor"/>
+        </p:style>
+      </p:sp>
+      <p:sp>
+        <p:nvSpPr>
+          <p:cNvPr id="117" name=""/>
+          <p:cNvSpPr txBox="1"/>
+          <p:nvPr/>
+        </p:nvSpPr>
+        <p:spPr>
+          <a:xfrm>
+            <a:off x="8073000" y="2057400"/>
+            <a:ext cx="914400" cy="288720"/>
+          </a:xfrm>
+          <a:prstGeom prst="rect">
+            <a:avLst/>
+          </a:prstGeom>
+          <a:noFill/>
+          <a:ln w="0">
+            <a:noFill/>
+          </a:ln>
+        </p:spPr>
+        <p:txBody>
+          <a:bodyPr lIns="90000" rIns="90000" tIns="45000" bIns="45000" anchor="t">
+            <a:noAutofit/>
+          </a:bodyPr>
+          <a:p>
+            <a:r>
+              <a:rPr b="0" lang="en-US" sz="1400" spc="-1" strike="noStrike">
+                <a:latin typeface="Arial"/>
+              </a:rPr>
+              <a:t>B</a:t>
+            </a:r>
+            <a:endParaRPr b="0" lang="en-US" sz="1400" spc="-1" strike="noStrike">
+              <a:latin typeface="Arial"/>
+            </a:endParaRPr>
+          </a:p>
+        </p:txBody>
+      </p:sp>
+      <p:sp>
+        <p:nvSpPr>
+          <p:cNvPr id="118" name=""/>
+          <p:cNvSpPr txBox="1"/>
+          <p:nvPr/>
+        </p:nvSpPr>
+        <p:spPr>
+          <a:xfrm>
+            <a:off x="7243200" y="3176280"/>
+            <a:ext cx="914400" cy="288720"/>
+          </a:xfrm>
+          <a:prstGeom prst="rect">
+            <a:avLst/>
+          </a:prstGeom>
+          <a:noFill/>
+          <a:ln w="0">
+            <a:noFill/>
+          </a:ln>
+        </p:spPr>
+        <p:txBody>
+          <a:bodyPr lIns="90000" rIns="90000" tIns="45000" bIns="45000" anchor="t">
+            <a:noAutofit/>
+          </a:bodyPr>
+          <a:p>
+            <a:r>
+              <a:rPr b="0" lang="en-US" sz="1400" spc="-1" strike="noStrike">
+                <a:latin typeface="Arial"/>
+              </a:rPr>
+              <a:t>S1</a:t>
+            </a:r>
+            <a:endParaRPr b="0" lang="en-US" sz="1400" spc="-1" strike="noStrike">
+              <a:latin typeface="Arial"/>
+            </a:endParaRPr>
+          </a:p>
+        </p:txBody>
+      </p:sp>
+      <p:sp>
+        <p:nvSpPr>
+          <p:cNvPr id="119" name=""/>
+          <p:cNvSpPr txBox="1"/>
+          <p:nvPr/>
+        </p:nvSpPr>
+        <p:spPr>
+          <a:xfrm>
+            <a:off x="8071200" y="3176280"/>
+            <a:ext cx="914400" cy="288720"/>
+          </a:xfrm>
+          <a:prstGeom prst="rect">
+            <a:avLst/>
+          </a:prstGeom>
+          <a:noFill/>
+          <a:ln w="0">
+            <a:noFill/>
+          </a:ln>
+        </p:spPr>
+        <p:txBody>
+          <a:bodyPr lIns="90000" rIns="90000" tIns="45000" bIns="45000" anchor="t">
+            <a:noAutofit/>
+          </a:bodyPr>
+          <a:p>
+            <a:r>
+              <a:rPr b="0" lang="en-US" sz="1400" spc="-1" strike="noStrike">
+                <a:latin typeface="Arial"/>
+              </a:rPr>
+              <a:t>S2</a:t>
+            </a:r>
+            <a:endParaRPr b="0" lang="en-US" sz="1400" spc="-1" strike="noStrike">
+              <a:latin typeface="Arial"/>
+            </a:endParaRPr>
+          </a:p>
+        </p:txBody>
+      </p:sp>
+    </p:spTree>
+  </p:cSld>
+  <mc:AlternateContent>
+    <mc:Choice Requires="p14">
+      <p:transition spd="slow" p14:dur="2000"/>
+    </mc:Choice>
+    <mc:Fallback>
+      <p:transition spd="slow"/>
+    </mc:Fallback>
+  </mc:AlternateContent>
+</p:sld>
+</file>
+
+<file path=ppt/slides/slide25.xml><?xml version="1.0" encoding="utf-8"?>
+<p:sld xmlns:a="http://schemas.openxmlformats.org/drawingml/2006/main" xmlns:p="http://schemas.openxmlformats.org/presentationml/2006/main" xmlns:r="http://schemas.openxmlformats.org/officeDocument/2006/relationships" xmlns:p14="http://schemas.microsoft.com/office/powerpoint/2010/main" xmlns:p15="http://schemas.microsoft.com/office/powerpoint/2012/main" xmlns:mc="http://schemas.openxmlformats.org/markup-compatibility/2006">
+  <p:cSld>
+    <p:spTree>
+      <p:nvGrpSpPr>
+        <p:cNvPr id="1" name=""/>
+        <p:cNvGrpSpPr/>
+        <p:nvPr/>
+      </p:nvGrpSpPr>
+      <p:grpSpPr>
+        <a:xfrm>
+          <a:off x="0" y="0"/>
+          <a:ext cx="0" cy="0"/>
+          <a:chOff x="0" y="0"/>
+          <a:chExt cx="0" cy="0"/>
+        </a:xfrm>
+      </p:grpSpPr>
+      <p:sp>
+        <p:nvSpPr>
+          <p:cNvPr id="120" name="PlaceHolder 1"/>
+          <p:cNvSpPr>
+            <a:spLocks noGrp="1"/>
+          </p:cNvSpPr>
+          <p:nvPr>
+            <p:ph type="title"/>
+          </p:nvPr>
+        </p:nvSpPr>
+        <p:spPr>
+          <a:xfrm>
+            <a:off x="504000" y="226080"/>
+            <a:ext cx="9071640" cy="946440"/>
+          </a:xfrm>
+          <a:prstGeom prst="rect">
+            <a:avLst/>
+          </a:prstGeom>
+          <a:noFill/>
+          <a:ln w="0">
+            <a:noFill/>
+          </a:ln>
+        </p:spPr>
+        <p:txBody>
+          <a:bodyPr lIns="0" rIns="0" tIns="0" bIns="0" anchor="ctr">
+            <a:noAutofit/>
+          </a:bodyPr>
+          <a:p>
+            <a:pPr algn="ctr"/>
+            <a:r>
+              <a:rPr b="0" lang="en-US" sz="4400" spc="-1" strike="noStrike">
+                <a:latin typeface="Arial"/>
+              </a:rPr>
+              <a:t>React 101 – Component State</a:t>
+            </a:r>
+            <a:endParaRPr b="0" lang="en-US" sz="4400" spc="-1" strike="noStrike">
+              <a:latin typeface="Arial"/>
+            </a:endParaRPr>
+          </a:p>
+        </p:txBody>
+      </p:sp>
+      <p:sp>
+        <p:nvSpPr>
+          <p:cNvPr id="121" name=""/>
+          <p:cNvSpPr txBox="1"/>
+          <p:nvPr/>
+        </p:nvSpPr>
+        <p:spPr>
+          <a:xfrm>
+            <a:off x="1143000" y="1371600"/>
+            <a:ext cx="5029200" cy="5919120"/>
+          </a:xfrm>
+          <a:prstGeom prst="rect">
+            <a:avLst/>
+          </a:prstGeom>
+          <a:noFill/>
+          <a:ln w="0">
+            <a:noFill/>
+          </a:ln>
+        </p:spPr>
+        <p:txBody>
+          <a:bodyPr lIns="90000" rIns="90000" tIns="45000" bIns="45000" anchor="t">
+            <a:noAutofit/>
+          </a:bodyPr>
+          <a:p>
+            <a:r>
+              <a:rPr b="0" lang="en-US" sz="1800" spc="-1" strike="noStrike">
+                <a:latin typeface="Arial"/>
+              </a:rPr>
+              <a:t>- Now that your state handling is in the Board component, the parent Board component passes props to the child Square components so that they can be displayed correctly. </a:t>
+            </a:r>
+            <a:endParaRPr b="0" lang="en-US" sz="1800" spc="-1" strike="noStrike">
+              <a:latin typeface="Arial"/>
+            </a:endParaRPr>
+          </a:p>
+          <a:p>
+            <a:r>
+              <a:rPr b="0" lang="en-US" sz="1800" spc="-1" strike="noStrike">
+                <a:latin typeface="Arial"/>
+              </a:rPr>
+              <a:t>- When clicking on a Square, the child Square component now asks the parent Board component to update the state of the board. </a:t>
+            </a:r>
+            <a:endParaRPr b="0" lang="en-US" sz="1800" spc="-1" strike="noStrike">
+              <a:latin typeface="Arial"/>
+            </a:endParaRPr>
+          </a:p>
+          <a:p>
+            <a:endParaRPr b="0" lang="en-US" sz="1800" spc="-1" strike="noStrike">
+              <a:latin typeface="Arial"/>
+            </a:endParaRPr>
+          </a:p>
+        </p:txBody>
+      </p:sp>
+      <p:sp>
+        <p:nvSpPr>
+          <p:cNvPr id="122" name=""/>
+          <p:cNvSpPr/>
+          <p:nvPr/>
+        </p:nvSpPr>
+        <p:spPr>
+          <a:xfrm>
+            <a:off x="7880400" y="1864800"/>
+            <a:ext cx="685800" cy="685800"/>
+          </a:xfrm>
+          <a:prstGeom prst="ellipse">
+            <a:avLst/>
+          </a:prstGeom>
+          <a:solidFill>
+            <a:srgbClr val="729fcf"/>
+          </a:solidFill>
+          <a:ln w="0">
+            <a:solidFill>
+              <a:srgbClr val="3465a4"/>
+            </a:solidFill>
+          </a:ln>
+        </p:spPr>
+        <p:style>
+          <a:lnRef idx="0"/>
+          <a:fillRef idx="0"/>
+          <a:effectRef idx="0"/>
+          <a:fontRef idx="minor"/>
+        </p:style>
+      </p:sp>
+      <p:sp>
+        <p:nvSpPr>
+          <p:cNvPr id="123" name=""/>
+          <p:cNvSpPr/>
+          <p:nvPr/>
+        </p:nvSpPr>
+        <p:spPr>
+          <a:xfrm>
+            <a:off x="7086600" y="2971800"/>
+            <a:ext cx="685800" cy="685800"/>
+          </a:xfrm>
+          <a:prstGeom prst="ellipse">
+            <a:avLst/>
+          </a:prstGeom>
+          <a:solidFill>
+            <a:srgbClr val="729fcf"/>
+          </a:solidFill>
+          <a:ln w="0">
+            <a:solidFill>
+              <a:srgbClr val="3465a4"/>
+            </a:solidFill>
+          </a:ln>
+        </p:spPr>
+        <p:style>
+          <a:lnRef idx="0"/>
+          <a:fillRef idx="0"/>
+          <a:effectRef idx="0"/>
+          <a:fontRef idx="minor"/>
+        </p:style>
+      </p:sp>
+      <p:sp>
+        <p:nvSpPr>
+          <p:cNvPr id="124" name=""/>
+          <p:cNvSpPr/>
+          <p:nvPr/>
+        </p:nvSpPr>
+        <p:spPr>
+          <a:xfrm>
+            <a:off x="7914600" y="3007800"/>
+            <a:ext cx="685800" cy="685800"/>
+          </a:xfrm>
+          <a:prstGeom prst="ellipse">
+            <a:avLst/>
+          </a:prstGeom>
+          <a:solidFill>
+            <a:srgbClr val="ff0000"/>
+          </a:solidFill>
+          <a:ln w="0">
+            <a:solidFill>
+              <a:srgbClr val="3465a4"/>
+            </a:solidFill>
+          </a:ln>
+        </p:spPr>
+        <p:style>
+          <a:lnRef idx="0"/>
+          <a:fillRef idx="0"/>
+          <a:effectRef idx="0"/>
+          <a:fontRef idx="minor"/>
+        </p:style>
+      </p:sp>
+      <p:sp>
+        <p:nvSpPr>
+          <p:cNvPr id="125" name=""/>
+          <p:cNvSpPr/>
+          <p:nvPr/>
+        </p:nvSpPr>
+        <p:spPr>
+          <a:xfrm flipH="1">
+            <a:off x="7543800" y="2514600"/>
+            <a:ext cx="457200" cy="457200"/>
+          </a:xfrm>
+          <a:prstGeom prst="line">
+            <a:avLst/>
+          </a:prstGeom>
+          <a:ln w="0">
+            <a:solidFill>
+              <a:srgbClr val="3465a4"/>
+            </a:solidFill>
+          </a:ln>
+        </p:spPr>
+        <p:style>
+          <a:lnRef idx="0"/>
+          <a:fillRef idx="0"/>
+          <a:effectRef idx="0"/>
+          <a:fontRef idx="minor"/>
+        </p:style>
+      </p:sp>
+      <p:sp>
+        <p:nvSpPr>
+          <p:cNvPr id="126" name=""/>
+          <p:cNvSpPr/>
+          <p:nvPr/>
+        </p:nvSpPr>
+        <p:spPr>
+          <a:xfrm>
+            <a:off x="8229600" y="2550600"/>
+            <a:ext cx="0" cy="457200"/>
+          </a:xfrm>
+          <a:prstGeom prst="line">
+            <a:avLst/>
+          </a:prstGeom>
+          <a:ln w="0">
+            <a:solidFill>
+              <a:srgbClr val="3465a4"/>
+            </a:solidFill>
+            <a:prstDash val="sysDash"/>
+          </a:ln>
+        </p:spPr>
+        <p:style>
+          <a:lnRef idx="0"/>
+          <a:fillRef idx="0"/>
+          <a:effectRef idx="0"/>
+          <a:fontRef idx="minor"/>
+        </p:style>
+      </p:sp>
+      <p:sp>
+        <p:nvSpPr>
+          <p:cNvPr id="127" name=""/>
+          <p:cNvSpPr txBox="1"/>
+          <p:nvPr/>
+        </p:nvSpPr>
+        <p:spPr>
+          <a:xfrm>
+            <a:off x="8915400" y="3200400"/>
+            <a:ext cx="1371600" cy="288720"/>
+          </a:xfrm>
+          <a:prstGeom prst="rect">
+            <a:avLst/>
+          </a:prstGeom>
+          <a:noFill/>
+          <a:ln w="0">
+            <a:noFill/>
+          </a:ln>
+        </p:spPr>
+        <p:txBody>
+          <a:bodyPr lIns="90000" rIns="90000" tIns="45000" bIns="45000" anchor="t">
+            <a:noAutofit/>
+          </a:bodyPr>
+          <a:p>
+            <a:r>
+              <a:rPr b="0" lang="en-US" sz="1400" spc="-1" strike="noStrike">
+                <a:latin typeface="Arial"/>
+              </a:rPr>
+              <a:t>...</a:t>
+            </a:r>
+            <a:endParaRPr b="0" lang="en-US" sz="1400" spc="-1" strike="noStrike">
+              <a:latin typeface="Arial"/>
+            </a:endParaRPr>
+          </a:p>
+        </p:txBody>
+      </p:sp>
+      <p:sp>
+        <p:nvSpPr>
+          <p:cNvPr id="128" name=""/>
+          <p:cNvSpPr/>
+          <p:nvPr/>
+        </p:nvSpPr>
+        <p:spPr>
+          <a:xfrm>
+            <a:off x="8458200" y="2514600"/>
+            <a:ext cx="457200" cy="685800"/>
+          </a:xfrm>
+          <a:prstGeom prst="line">
+            <a:avLst/>
+          </a:prstGeom>
+          <a:ln w="0">
+            <a:solidFill>
+              <a:srgbClr val="3465a4"/>
+            </a:solidFill>
+          </a:ln>
+        </p:spPr>
+        <p:style>
+          <a:lnRef idx="0"/>
+          <a:fillRef idx="0"/>
+          <a:effectRef idx="0"/>
+          <a:fontRef idx="minor"/>
+        </p:style>
+      </p:sp>
+      <p:sp>
+        <p:nvSpPr>
+          <p:cNvPr id="129" name=""/>
+          <p:cNvSpPr txBox="1"/>
+          <p:nvPr/>
+        </p:nvSpPr>
+        <p:spPr>
+          <a:xfrm>
+            <a:off x="8073000" y="2057400"/>
+            <a:ext cx="914400" cy="288720"/>
+          </a:xfrm>
+          <a:prstGeom prst="rect">
+            <a:avLst/>
+          </a:prstGeom>
+          <a:noFill/>
+          <a:ln w="0">
+            <a:noFill/>
+          </a:ln>
+        </p:spPr>
+        <p:txBody>
+          <a:bodyPr lIns="90000" rIns="90000" tIns="45000" bIns="45000" anchor="t">
+            <a:noAutofit/>
+          </a:bodyPr>
+          <a:p>
+            <a:r>
+              <a:rPr b="0" lang="en-US" sz="1400" spc="-1" strike="noStrike">
+                <a:latin typeface="Arial"/>
+              </a:rPr>
+              <a:t>B</a:t>
+            </a:r>
+            <a:endParaRPr b="0" lang="en-US" sz="1400" spc="-1" strike="noStrike">
+              <a:latin typeface="Arial"/>
+            </a:endParaRPr>
+          </a:p>
+        </p:txBody>
+      </p:sp>
+      <p:sp>
+        <p:nvSpPr>
+          <p:cNvPr id="130" name=""/>
+          <p:cNvSpPr txBox="1"/>
+          <p:nvPr/>
+        </p:nvSpPr>
+        <p:spPr>
+          <a:xfrm>
+            <a:off x="7243200" y="3176280"/>
+            <a:ext cx="914400" cy="288720"/>
+          </a:xfrm>
+          <a:prstGeom prst="rect">
+            <a:avLst/>
+          </a:prstGeom>
+          <a:noFill/>
+          <a:ln w="0">
+            <a:noFill/>
+          </a:ln>
+        </p:spPr>
+        <p:txBody>
+          <a:bodyPr lIns="90000" rIns="90000" tIns="45000" bIns="45000" anchor="t">
+            <a:noAutofit/>
+          </a:bodyPr>
+          <a:p>
+            <a:r>
+              <a:rPr b="0" lang="en-US" sz="1400" spc="-1" strike="noStrike">
+                <a:latin typeface="Arial"/>
+              </a:rPr>
+              <a:t>S1</a:t>
+            </a:r>
+            <a:endParaRPr b="0" lang="en-US" sz="1400" spc="-1" strike="noStrike">
+              <a:latin typeface="Arial"/>
+            </a:endParaRPr>
+          </a:p>
+        </p:txBody>
+      </p:sp>
+      <p:sp>
+        <p:nvSpPr>
+          <p:cNvPr id="131" name=""/>
+          <p:cNvSpPr txBox="1"/>
+          <p:nvPr/>
+        </p:nvSpPr>
+        <p:spPr>
+          <a:xfrm>
+            <a:off x="8071200" y="3176280"/>
+            <a:ext cx="914400" cy="288720"/>
+          </a:xfrm>
+          <a:prstGeom prst="rect">
+            <a:avLst/>
+          </a:prstGeom>
+          <a:noFill/>
+          <a:ln w="0">
+            <a:noFill/>
+          </a:ln>
+        </p:spPr>
+        <p:txBody>
+          <a:bodyPr lIns="90000" rIns="90000" tIns="45000" bIns="45000" anchor="t">
+            <a:noAutofit/>
+          </a:bodyPr>
+          <a:p>
+            <a:r>
+              <a:rPr b="0" lang="en-US" sz="1400" spc="-1" strike="noStrike">
+                <a:latin typeface="Arial"/>
+              </a:rPr>
+              <a:t>S2</a:t>
+            </a:r>
+            <a:endParaRPr b="0" lang="en-US" sz="1400" spc="-1" strike="noStrike">
+              <a:latin typeface="Arial"/>
+            </a:endParaRPr>
+          </a:p>
+        </p:txBody>
+      </p:sp>
+    </p:spTree>
+  </p:cSld>
+  <mc:AlternateContent>
+    <mc:Choice Requires="p14">
+      <p:transition spd="slow" p14:dur="2000"/>
+    </mc:Choice>
+    <mc:Fallback>
+      <p:transition spd="slow"/>
+    </mc:Fallback>
+  </mc:AlternateContent>
+</p:sld>
+</file>
+
+<file path=ppt/slides/slide26.xml><?xml version="1.0" encoding="utf-8"?>
+<p:sld xmlns:a="http://schemas.openxmlformats.org/drawingml/2006/main" xmlns:p="http://schemas.openxmlformats.org/presentationml/2006/main" xmlns:r="http://schemas.openxmlformats.org/officeDocument/2006/relationships" xmlns:p14="http://schemas.microsoft.com/office/powerpoint/2010/main" xmlns:p15="http://schemas.microsoft.com/office/powerpoint/2012/main" xmlns:mc="http://schemas.openxmlformats.org/markup-compatibility/2006">
+  <p:cSld>
+    <p:spTree>
+      <p:nvGrpSpPr>
+        <p:cNvPr id="1" name=""/>
+        <p:cNvGrpSpPr/>
+        <p:nvPr/>
+      </p:nvGrpSpPr>
+      <p:grpSpPr>
+        <a:xfrm>
+          <a:off x="0" y="0"/>
+          <a:ext cx="0" cy="0"/>
+          <a:chOff x="0" y="0"/>
+          <a:chExt cx="0" cy="0"/>
+        </a:xfrm>
+      </p:grpSpPr>
+      <p:sp>
+        <p:nvSpPr>
+          <p:cNvPr id="132" name="PlaceHolder 1"/>
+          <p:cNvSpPr>
+            <a:spLocks noGrp="1"/>
+          </p:cNvSpPr>
+          <p:nvPr>
+            <p:ph type="title"/>
+          </p:nvPr>
+        </p:nvSpPr>
+        <p:spPr>
+          <a:xfrm>
+            <a:off x="504000" y="226080"/>
+            <a:ext cx="9071640" cy="946440"/>
+          </a:xfrm>
+          <a:prstGeom prst="rect">
+            <a:avLst/>
+          </a:prstGeom>
+          <a:noFill/>
+          <a:ln w="0">
+            <a:noFill/>
+          </a:ln>
+        </p:spPr>
+        <p:txBody>
+          <a:bodyPr lIns="0" rIns="0" tIns="0" bIns="0" anchor="ctr">
+            <a:noAutofit/>
+          </a:bodyPr>
+          <a:p>
+            <a:pPr algn="ctr"/>
+            <a:r>
+              <a:rPr b="0" lang="en-US" sz="4400" spc="-1" strike="noStrike">
+                <a:latin typeface="Arial"/>
+              </a:rPr>
+              <a:t>React 101 – Component State</a:t>
+            </a:r>
+            <a:endParaRPr b="0" lang="en-US" sz="4400" spc="-1" strike="noStrike">
+              <a:latin typeface="Arial"/>
+            </a:endParaRPr>
+          </a:p>
+        </p:txBody>
+      </p:sp>
+      <p:sp>
+        <p:nvSpPr>
+          <p:cNvPr id="133" name=""/>
+          <p:cNvSpPr txBox="1"/>
+          <p:nvPr/>
+        </p:nvSpPr>
+        <p:spPr>
+          <a:xfrm>
+            <a:off x="1143000" y="1371600"/>
+            <a:ext cx="5029200" cy="5919120"/>
+          </a:xfrm>
+          <a:prstGeom prst="rect">
+            <a:avLst/>
+          </a:prstGeom>
+          <a:noFill/>
+          <a:ln w="0">
+            <a:noFill/>
+          </a:ln>
+        </p:spPr>
+        <p:txBody>
+          <a:bodyPr lIns="90000" rIns="90000" tIns="45000" bIns="45000" anchor="t">
+            <a:noAutofit/>
+          </a:bodyPr>
+          <a:p>
+            <a:r>
+              <a:rPr b="0" lang="en-US" sz="1800" spc="-1" strike="noStrike">
+                <a:latin typeface="Arial"/>
+              </a:rPr>
+              <a:t>- Now that your state handling is in the Board component, the parent Board component passes props to the child Square components so that they can be displayed correctly. </a:t>
+            </a:r>
+            <a:endParaRPr b="0" lang="en-US" sz="1800" spc="-1" strike="noStrike">
+              <a:latin typeface="Arial"/>
+            </a:endParaRPr>
+          </a:p>
+          <a:p>
+            <a:r>
+              <a:rPr b="0" lang="en-US" sz="1800" spc="-1" strike="noStrike">
+                <a:latin typeface="Arial"/>
+              </a:rPr>
+              <a:t>- When clicking on a Square, the child Square component now asks the parent Board component to update the state of the board. </a:t>
+            </a:r>
+            <a:endParaRPr b="0" lang="en-US" sz="1800" spc="-1" strike="noStrike">
+              <a:latin typeface="Arial"/>
+            </a:endParaRPr>
+          </a:p>
+          <a:p>
+            <a:r>
+              <a:rPr b="0" lang="en-US" sz="1800" spc="-1" strike="noStrike">
+                <a:latin typeface="Arial"/>
+              </a:rPr>
+              <a:t>- When the Board’s state changes, both the Board component and every child Square re-renders automatically. </a:t>
+            </a:r>
+            <a:endParaRPr b="0" lang="en-US" sz="1800" spc="-1" strike="noStrike">
+              <a:latin typeface="Arial"/>
+            </a:endParaRPr>
+          </a:p>
+          <a:p>
+            <a:r>
+              <a:rPr b="0" lang="en-US" sz="1800" spc="-1" strike="noStrike">
+                <a:latin typeface="Arial"/>
+              </a:rPr>
+              <a:t>- Keeping the state of all squares in the Board component will allow it to determine the winner in the future.</a:t>
+            </a:r>
+            <a:endParaRPr b="0" lang="en-US" sz="1800" spc="-1" strike="noStrike">
+              <a:latin typeface="Arial"/>
+            </a:endParaRPr>
+          </a:p>
+        </p:txBody>
+      </p:sp>
+      <p:sp>
+        <p:nvSpPr>
+          <p:cNvPr id="134" name=""/>
+          <p:cNvSpPr/>
+          <p:nvPr/>
+        </p:nvSpPr>
+        <p:spPr>
+          <a:xfrm>
+            <a:off x="7880400" y="1864800"/>
+            <a:ext cx="685800" cy="685800"/>
+          </a:xfrm>
+          <a:prstGeom prst="ellipse">
+            <a:avLst/>
+          </a:prstGeom>
+          <a:solidFill>
+            <a:srgbClr val="ff0000"/>
+          </a:solidFill>
+          <a:ln w="0">
+            <a:solidFill>
+              <a:srgbClr val="3465a4"/>
+            </a:solidFill>
+          </a:ln>
+        </p:spPr>
+        <p:style>
+          <a:lnRef idx="0"/>
+          <a:fillRef idx="0"/>
+          <a:effectRef idx="0"/>
+          <a:fontRef idx="minor"/>
+        </p:style>
+      </p:sp>
+      <p:sp>
+        <p:nvSpPr>
+          <p:cNvPr id="135" name=""/>
+          <p:cNvSpPr/>
+          <p:nvPr/>
+        </p:nvSpPr>
+        <p:spPr>
+          <a:xfrm>
+            <a:off x="7086600" y="2971800"/>
+            <a:ext cx="685800" cy="685800"/>
+          </a:xfrm>
+          <a:prstGeom prst="ellipse">
+            <a:avLst/>
+          </a:prstGeom>
+          <a:solidFill>
+            <a:srgbClr val="ff0000"/>
+          </a:solidFill>
+          <a:ln w="0">
+            <a:solidFill>
+              <a:srgbClr val="3465a4"/>
+            </a:solidFill>
+          </a:ln>
+        </p:spPr>
+        <p:style>
+          <a:lnRef idx="0"/>
+          <a:fillRef idx="0"/>
+          <a:effectRef idx="0"/>
+          <a:fontRef idx="minor"/>
+        </p:style>
+      </p:sp>
+      <p:sp>
+        <p:nvSpPr>
+          <p:cNvPr id="136" name=""/>
+          <p:cNvSpPr/>
+          <p:nvPr/>
+        </p:nvSpPr>
+        <p:spPr>
+          <a:xfrm>
+            <a:off x="7914600" y="3007800"/>
+            <a:ext cx="685800" cy="685800"/>
+          </a:xfrm>
+          <a:prstGeom prst="ellipse">
+            <a:avLst/>
+          </a:prstGeom>
+          <a:solidFill>
+            <a:srgbClr val="ff0000"/>
+          </a:solidFill>
+          <a:ln w="0">
+            <a:solidFill>
+              <a:srgbClr val="3465a4"/>
+            </a:solidFill>
+          </a:ln>
+        </p:spPr>
+        <p:style>
+          <a:lnRef idx="0"/>
+          <a:fillRef idx="0"/>
+          <a:effectRef idx="0"/>
+          <a:fontRef idx="minor"/>
+        </p:style>
+      </p:sp>
+      <p:sp>
+        <p:nvSpPr>
+          <p:cNvPr id="137" name=""/>
+          <p:cNvSpPr/>
+          <p:nvPr/>
+        </p:nvSpPr>
+        <p:spPr>
+          <a:xfrm flipH="1">
+            <a:off x="7543800" y="2514600"/>
+            <a:ext cx="457200" cy="457200"/>
+          </a:xfrm>
+          <a:prstGeom prst="line">
+            <a:avLst/>
+          </a:prstGeom>
+          <a:ln w="0">
+            <a:solidFill>
+              <a:srgbClr val="3465a4"/>
+            </a:solidFill>
+          </a:ln>
+        </p:spPr>
+        <p:style>
+          <a:lnRef idx="0"/>
+          <a:fillRef idx="0"/>
+          <a:effectRef idx="0"/>
+          <a:fontRef idx="minor"/>
+        </p:style>
+      </p:sp>
+      <p:sp>
+        <p:nvSpPr>
+          <p:cNvPr id="138" name=""/>
+          <p:cNvSpPr/>
+          <p:nvPr/>
+        </p:nvSpPr>
+        <p:spPr>
+          <a:xfrm>
+            <a:off x="8229600" y="2550600"/>
+            <a:ext cx="0" cy="457200"/>
+          </a:xfrm>
+          <a:prstGeom prst="line">
+            <a:avLst/>
+          </a:prstGeom>
+          <a:ln w="0">
+            <a:solidFill>
+              <a:srgbClr val="3465a4"/>
+            </a:solidFill>
+          </a:ln>
+        </p:spPr>
+        <p:style>
+          <a:lnRef idx="0"/>
+          <a:fillRef idx="0"/>
+          <a:effectRef idx="0"/>
+          <a:fontRef idx="minor"/>
+        </p:style>
+      </p:sp>
+      <p:sp>
+        <p:nvSpPr>
+          <p:cNvPr id="139" name=""/>
+          <p:cNvSpPr txBox="1"/>
+          <p:nvPr/>
+        </p:nvSpPr>
+        <p:spPr>
+          <a:xfrm>
+            <a:off x="8915400" y="3200400"/>
+            <a:ext cx="1371600" cy="288720"/>
+          </a:xfrm>
+          <a:prstGeom prst="rect">
+            <a:avLst/>
+          </a:prstGeom>
+          <a:noFill/>
+          <a:ln w="0">
+            <a:noFill/>
+          </a:ln>
+        </p:spPr>
+        <p:txBody>
+          <a:bodyPr lIns="90000" rIns="90000" tIns="45000" bIns="45000" anchor="t">
+            <a:noAutofit/>
+          </a:bodyPr>
+          <a:p>
+            <a:r>
+              <a:rPr b="0" lang="en-US" sz="1400" spc="-1" strike="noStrike">
+                <a:latin typeface="Arial"/>
+              </a:rPr>
+              <a:t>...</a:t>
+            </a:r>
+            <a:endParaRPr b="0" lang="en-US" sz="1400" spc="-1" strike="noStrike">
+              <a:latin typeface="Arial"/>
+            </a:endParaRPr>
+          </a:p>
+        </p:txBody>
+      </p:sp>
+      <p:sp>
+        <p:nvSpPr>
+          <p:cNvPr id="140" name=""/>
+          <p:cNvSpPr/>
+          <p:nvPr/>
+        </p:nvSpPr>
+        <p:spPr>
+          <a:xfrm>
+            <a:off x="8458200" y="2514600"/>
+            <a:ext cx="457200" cy="685800"/>
+          </a:xfrm>
+          <a:prstGeom prst="line">
+            <a:avLst/>
+          </a:prstGeom>
+          <a:ln w="0">
+            <a:solidFill>
+              <a:srgbClr val="3465a4"/>
+            </a:solidFill>
+          </a:ln>
+        </p:spPr>
+        <p:style>
+          <a:lnRef idx="0"/>
+          <a:fillRef idx="0"/>
+          <a:effectRef idx="0"/>
+          <a:fontRef idx="minor"/>
+        </p:style>
+      </p:sp>
+      <p:sp>
+        <p:nvSpPr>
+          <p:cNvPr id="141" name=""/>
+          <p:cNvSpPr txBox="1"/>
+          <p:nvPr/>
+        </p:nvSpPr>
+        <p:spPr>
+          <a:xfrm>
+            <a:off x="8073000" y="2057400"/>
+            <a:ext cx="914400" cy="288720"/>
+          </a:xfrm>
+          <a:prstGeom prst="rect">
+            <a:avLst/>
+          </a:prstGeom>
+          <a:noFill/>
+          <a:ln w="0">
+            <a:noFill/>
+          </a:ln>
+        </p:spPr>
+        <p:txBody>
+          <a:bodyPr lIns="90000" rIns="90000" tIns="45000" bIns="45000" anchor="t">
+            <a:noAutofit/>
+          </a:bodyPr>
+          <a:p>
+            <a:r>
+              <a:rPr b="0" lang="en-US" sz="1400" spc="-1" strike="noStrike">
+                <a:latin typeface="Arial"/>
+              </a:rPr>
+              <a:t>B</a:t>
+            </a:r>
+            <a:endParaRPr b="0" lang="en-US" sz="1400" spc="-1" strike="noStrike">
+              <a:latin typeface="Arial"/>
+            </a:endParaRPr>
+          </a:p>
+        </p:txBody>
+      </p:sp>
+      <p:sp>
+        <p:nvSpPr>
+          <p:cNvPr id="142" name=""/>
+          <p:cNvSpPr txBox="1"/>
+          <p:nvPr/>
+        </p:nvSpPr>
+        <p:spPr>
+          <a:xfrm>
+            <a:off x="7243200" y="3176280"/>
+            <a:ext cx="914400" cy="288720"/>
+          </a:xfrm>
+          <a:prstGeom prst="rect">
+            <a:avLst/>
+          </a:prstGeom>
+          <a:noFill/>
+          <a:ln w="0">
+            <a:noFill/>
+          </a:ln>
+        </p:spPr>
+        <p:txBody>
+          <a:bodyPr lIns="90000" rIns="90000" tIns="45000" bIns="45000" anchor="t">
+            <a:noAutofit/>
+          </a:bodyPr>
+          <a:p>
+            <a:r>
+              <a:rPr b="0" lang="en-US" sz="1400" spc="-1" strike="noStrike">
+                <a:latin typeface="Arial"/>
+              </a:rPr>
+              <a:t>S1</a:t>
+            </a:r>
+            <a:endParaRPr b="0" lang="en-US" sz="1400" spc="-1" strike="noStrike">
+              <a:latin typeface="Arial"/>
+            </a:endParaRPr>
+          </a:p>
+        </p:txBody>
+      </p:sp>
+      <p:sp>
+        <p:nvSpPr>
+          <p:cNvPr id="143" name=""/>
+          <p:cNvSpPr txBox="1"/>
+          <p:nvPr/>
+        </p:nvSpPr>
+        <p:spPr>
+          <a:xfrm>
+            <a:off x="8071200" y="3176280"/>
+            <a:ext cx="914400" cy="288720"/>
+          </a:xfrm>
+          <a:prstGeom prst="rect">
+            <a:avLst/>
+          </a:prstGeom>
+          <a:noFill/>
+          <a:ln w="0">
+            <a:noFill/>
+          </a:ln>
+        </p:spPr>
+        <p:txBody>
+          <a:bodyPr lIns="90000" rIns="90000" tIns="45000" bIns="45000" anchor="t">
+            <a:noAutofit/>
+          </a:bodyPr>
+          <a:p>
+            <a:r>
+              <a:rPr b="0" lang="en-US" sz="1400" spc="-1" strike="noStrike">
+                <a:latin typeface="Arial"/>
+              </a:rPr>
+              <a:t>S2</a:t>
+            </a:r>
+            <a:endParaRPr b="0" lang="en-US" sz="1400" spc="-1" strike="noStrike">
+              <a:latin typeface="Arial"/>
+            </a:endParaRPr>
+          </a:p>
+        </p:txBody>
+      </p:sp>
+    </p:spTree>
+  </p:cSld>
+  <mc:AlternateContent>
+    <mc:Choice Requires="p14">
+      <p:transition spd="slow" p14:dur="2000"/>
+    </mc:Choice>
+    <mc:Fallback>
+      <p:transition spd="slow"/>
+    </mc:Fallback>
+  </mc:AlternateContent>
+</p:sld>
+</file>
+
+<file path=ppt/slides/slide27.xml><?xml version="1.0" encoding="utf-8"?>
+<p:sld xmlns:a="http://schemas.openxmlformats.org/drawingml/2006/main" xmlns:p="http://schemas.openxmlformats.org/presentationml/2006/main" xmlns:r="http://schemas.openxmlformats.org/officeDocument/2006/relationships" xmlns:p14="http://schemas.microsoft.com/office/powerpoint/2010/main" xmlns:p15="http://schemas.microsoft.com/office/powerpoint/2012/main" xmlns:mc="http://schemas.openxmlformats.org/markup-compatibility/2006">
+  <p:cSld>
+    <p:spTree>
+      <p:nvGrpSpPr>
+        <p:cNvPr id="1" name=""/>
+        <p:cNvGrpSpPr/>
+        <p:nvPr/>
+      </p:nvGrpSpPr>
+      <p:grpSpPr>
+        <a:xfrm>
+          <a:off x="0" y="0"/>
+          <a:ext cx="0" cy="0"/>
+          <a:chOff x="0" y="0"/>
+          <a:chExt cx="0" cy="0"/>
+        </a:xfrm>
+      </p:grpSpPr>
+      <p:sp>
+        <p:nvSpPr>
+          <p:cNvPr id="144" name="PlaceHolder 1"/>
+          <p:cNvSpPr>
+            <a:spLocks noGrp="1"/>
+          </p:cNvSpPr>
+          <p:nvPr>
+            <p:ph type="title"/>
+          </p:nvPr>
+        </p:nvSpPr>
+        <p:spPr>
+          <a:xfrm>
+            <a:off x="504000" y="226080"/>
+            <a:ext cx="9071640" cy="946440"/>
+          </a:xfrm>
+          <a:prstGeom prst="rect">
+            <a:avLst/>
+          </a:prstGeom>
+          <a:noFill/>
+          <a:ln w="0">
+            <a:noFill/>
+          </a:ln>
+        </p:spPr>
+        <p:txBody>
+          <a:bodyPr lIns="0" rIns="0" tIns="0" bIns="0" anchor="ctr">
+            <a:noAutofit/>
+          </a:bodyPr>
+          <a:p>
+            <a:pPr algn="ctr"/>
+            <a:r>
+              <a:rPr b="0" lang="en-US" sz="4400" spc="-1" strike="noStrike">
+                <a:latin typeface="Arial"/>
+              </a:rPr>
+              <a:t>React 101 – Immutability</a:t>
+            </a:r>
+            <a:endParaRPr b="0" lang="en-US" sz="4400" spc="-1" strike="noStrike">
+              <a:latin typeface="Arial"/>
+            </a:endParaRPr>
+          </a:p>
+        </p:txBody>
+      </p:sp>
+      <p:sp>
+        <p:nvSpPr>
+          <p:cNvPr id="145" name="PlaceHolder 2"/>
+          <p:cNvSpPr>
+            <a:spLocks noGrp="1"/>
+          </p:cNvSpPr>
+          <p:nvPr>
+            <p:ph/>
+          </p:nvPr>
+        </p:nvSpPr>
+        <p:spPr>
+          <a:xfrm>
+            <a:off x="504000" y="1326600"/>
+            <a:ext cx="9325800" cy="3702600"/>
+          </a:xfrm>
+          <a:prstGeom prst="rect">
+            <a:avLst/>
+          </a:prstGeom>
+          <a:noFill/>
+          <a:ln w="0">
+            <a:noFill/>
+          </a:ln>
+        </p:spPr>
+        <p:txBody>
+          <a:bodyPr lIns="0" rIns="0" tIns="0" bIns="0" anchor="t">
+            <a:normAutofit fontScale="77000"/>
+          </a:bodyPr>
+          <a:p>
+            <a:pPr marL="432000" indent="-324000">
+              <a:spcBef>
+                <a:spcPts val="615"/>
+              </a:spcBef>
+              <a:buClr>
+                <a:srgbClr val="000000"/>
+              </a:buClr>
+              <a:buSzPct val="45000"/>
+              <a:buFont typeface="Wingdings" charset="2"/>
+              <a:buChar char=""/>
+              <a:tabLst>
+                <a:tab algn="l" pos="408240"/>
+              </a:tabLst>
+            </a:pPr>
+            <a:r>
+              <a:rPr b="0" lang="en-US" sz="1400" spc="-1" strike="noStrike">
+                <a:latin typeface="Arial"/>
+              </a:rPr>
+              <a:t>There are generally two approaches to changing data. </a:t>
+            </a:r>
+            <a:endParaRPr b="0" lang="en-US" sz="1400" spc="-1" strike="noStrike">
+              <a:latin typeface="Arial"/>
+            </a:endParaRPr>
+          </a:p>
+          <a:p>
+            <a:pPr marL="432000" indent="-324000">
+              <a:spcBef>
+                <a:spcPts val="615"/>
+              </a:spcBef>
+              <a:buClr>
+                <a:srgbClr val="000000"/>
+              </a:buClr>
+              <a:buSzPct val="45000"/>
+              <a:buFont typeface="Wingdings" charset="2"/>
+              <a:buChar char=""/>
+              <a:tabLst>
+                <a:tab algn="l" pos="408240"/>
+              </a:tabLst>
+            </a:pPr>
+            <a:r>
+              <a:rPr b="0" lang="en-US" sz="1400" spc="-1" strike="noStrike">
+                <a:latin typeface="Arial"/>
+              </a:rPr>
+              <a:t>The first approach is to mutate the data by directly changing the data’s values. </a:t>
+            </a:r>
+            <a:endParaRPr b="0" lang="en-US" sz="1400" spc="-1" strike="noStrike">
+              <a:latin typeface="Arial"/>
+            </a:endParaRPr>
+          </a:p>
+          <a:p>
+            <a:pPr lvl="1" marL="864000" indent="-324000">
+              <a:spcBef>
+                <a:spcPts val="1134"/>
+              </a:spcBef>
+              <a:buClr>
+                <a:srgbClr val="000000"/>
+              </a:buClr>
+              <a:buSzPct val="75000"/>
+              <a:buFont typeface="Symbol" charset="2"/>
+              <a:buChar char=""/>
+              <a:tabLst>
+                <a:tab algn="l" pos="408240"/>
+              </a:tabLst>
+            </a:pPr>
+            <a:r>
+              <a:rPr b="0" lang="en-US" sz="2800" spc="-1" strike="noStrike">
+                <a:latin typeface="Arial"/>
+                <a:ea typeface="PingFang SC"/>
+              </a:rPr>
+              <a:t>const squares = [null, null, null, </a:t>
+            </a:r>
+            <a:r>
+              <a:rPr b="0" lang="en-US" sz="2800" spc="-1" strike="noStrike">
+                <a:latin typeface="Arial"/>
+              </a:rPr>
+              <a:t>null, null, null … ];</a:t>
+            </a:r>
+            <a:endParaRPr b="0" lang="en-US" sz="2800" spc="-1" strike="noStrike">
+              <a:latin typeface="Arial"/>
+            </a:endParaRPr>
+          </a:p>
+          <a:p>
+            <a:pPr lvl="1" marL="864000" indent="-324000">
+              <a:spcBef>
+                <a:spcPts val="1134"/>
+              </a:spcBef>
+              <a:buClr>
+                <a:srgbClr val="000000"/>
+              </a:buClr>
+              <a:buSzPct val="75000"/>
+              <a:buFont typeface="Symbol" charset="2"/>
+              <a:buChar char=""/>
+              <a:tabLst>
+                <a:tab algn="l" pos="408240"/>
+              </a:tabLst>
+            </a:pPr>
+            <a:r>
+              <a:rPr b="0" lang="en-US" sz="2800" spc="-1" strike="noStrike">
+                <a:latin typeface="Arial"/>
+              </a:rPr>
+              <a:t>squares[0] = ‘X’; </a:t>
+            </a:r>
+            <a:endParaRPr b="0" lang="en-US" sz="2800" spc="-1" strike="noStrike">
+              <a:latin typeface="Arial"/>
+            </a:endParaRPr>
+          </a:p>
+          <a:p>
+            <a:pPr marL="432000" indent="-324000">
+              <a:spcBef>
+                <a:spcPts val="615"/>
+              </a:spcBef>
+              <a:buClr>
+                <a:srgbClr val="000000"/>
+              </a:buClr>
+              <a:buSzPct val="45000"/>
+              <a:buFont typeface="Wingdings" charset="2"/>
+              <a:buChar char=""/>
+              <a:tabLst>
+                <a:tab algn="l" pos="408240"/>
+              </a:tabLst>
+            </a:pPr>
+            <a:endParaRPr b="0" lang="en-US" sz="2800" spc="-1" strike="noStrike">
+              <a:latin typeface="Arial"/>
+            </a:endParaRPr>
+          </a:p>
+          <a:p>
+            <a:pPr marL="432000" indent="-324000">
+              <a:spcBef>
+                <a:spcPts val="615"/>
+              </a:spcBef>
+              <a:buClr>
+                <a:srgbClr val="000000"/>
+              </a:buClr>
+              <a:buSzPct val="45000"/>
+              <a:buFont typeface="Wingdings" charset="2"/>
+              <a:buChar char=""/>
+              <a:tabLst>
+                <a:tab algn="l" pos="408240"/>
+              </a:tabLst>
+            </a:pPr>
+            <a:r>
+              <a:rPr b="0" lang="en-US" sz="1400" spc="-1" strike="noStrike">
+                <a:latin typeface="Arial"/>
+              </a:rPr>
+              <a:t>The second approach is to replace the data with a new copy which has the desired changes. Here is what it would look like if you mutated the squares array:</a:t>
+            </a:r>
+            <a:endParaRPr b="0" lang="en-US" sz="1400" spc="-1" strike="noStrike">
+              <a:latin typeface="Arial"/>
+            </a:endParaRPr>
+          </a:p>
+          <a:p>
+            <a:pPr lvl="1" marL="864000" indent="-324000">
+              <a:spcBef>
+                <a:spcPts val="1134"/>
+              </a:spcBef>
+              <a:buClr>
+                <a:srgbClr val="000000"/>
+              </a:buClr>
+              <a:buSzPct val="75000"/>
+              <a:buFont typeface="Symbol" charset="2"/>
+              <a:buChar char=""/>
+            </a:pPr>
+            <a:r>
+              <a:rPr b="0" lang="en-US" sz="2800" spc="-1" strike="noStrike">
+                <a:latin typeface="Arial"/>
+                <a:ea typeface="PingFang SC"/>
+              </a:rPr>
+              <a:t>const squares = [null, null, null, </a:t>
+            </a:r>
+            <a:r>
+              <a:rPr b="0" lang="en-US" sz="2800" spc="-1" strike="noStrike">
+                <a:latin typeface="Arial"/>
+              </a:rPr>
+              <a:t>null, null, null … ];</a:t>
+            </a:r>
+            <a:endParaRPr b="0" lang="en-US" sz="2800" spc="-1" strike="noStrike">
+              <a:latin typeface="Arial"/>
+            </a:endParaRPr>
+          </a:p>
+          <a:p>
+            <a:pPr lvl="1" marL="864000" indent="-324000">
+              <a:spcBef>
+                <a:spcPts val="1134"/>
+              </a:spcBef>
+              <a:buClr>
+                <a:srgbClr val="000000"/>
+              </a:buClr>
+              <a:buSzPct val="75000"/>
+              <a:buFont typeface="Symbol" charset="2"/>
+              <a:buChar char=""/>
+            </a:pPr>
+            <a:r>
+              <a:rPr b="0" lang="en-US" sz="2800" spc="-1" strike="noStrike">
+                <a:latin typeface="Arial"/>
+                <a:ea typeface="PingFang SC"/>
+              </a:rPr>
+              <a:t>const nextSquares = [‘X’, null, null, </a:t>
+            </a:r>
+            <a:r>
+              <a:rPr b="0" lang="en-US" sz="2800" spc="-1" strike="noStrike">
+                <a:latin typeface="Arial"/>
+              </a:rPr>
+              <a:t>null, null, null … ]; </a:t>
+            </a:r>
+            <a:endParaRPr b="0" lang="en-US" sz="2800" spc="-1" strike="noStrike">
+              <a:latin typeface="Arial"/>
+            </a:endParaRPr>
+          </a:p>
+          <a:p>
+            <a:pPr marL="432000" indent="-324000">
+              <a:spcBef>
+                <a:spcPts val="615"/>
+              </a:spcBef>
+              <a:buClr>
+                <a:srgbClr val="000000"/>
+              </a:buClr>
+              <a:buSzPct val="45000"/>
+              <a:buFont typeface="Wingdings" charset="2"/>
+              <a:buChar char=""/>
+              <a:tabLst>
+                <a:tab algn="l" pos="408240"/>
+              </a:tabLst>
+            </a:pPr>
+            <a:endParaRPr b="0" lang="en-US" sz="2800" spc="-1" strike="noStrike">
+              <a:latin typeface="Arial"/>
+            </a:endParaRPr>
+          </a:p>
+          <a:p>
+            <a:pPr marL="432000" indent="-324000">
+              <a:spcBef>
+                <a:spcPts val="615"/>
+              </a:spcBef>
+              <a:buClr>
+                <a:srgbClr val="000000"/>
+              </a:buClr>
+              <a:buSzPct val="45000"/>
+              <a:buFont typeface="Wingdings" charset="2"/>
+              <a:buChar char=""/>
+              <a:tabLst>
+                <a:tab algn="l" pos="408240"/>
+              </a:tabLst>
+            </a:pPr>
+            <a:r>
+              <a:rPr b="0" lang="en-US" sz="1400" spc="-1" strike="noStrike">
+                <a:latin typeface="Arial"/>
+              </a:rPr>
+              <a:t>There is also another benefit of immutability: By default, all child components re-render automatically when the state of a parent component changes. </a:t>
+            </a:r>
+            <a:endParaRPr b="0" lang="en-US" sz="1400" spc="-1" strike="noStrike">
+              <a:latin typeface="Arial"/>
+            </a:endParaRPr>
+          </a:p>
+          <a:p>
+            <a:pPr marL="432000" indent="-324000">
+              <a:spcBef>
+                <a:spcPts val="615"/>
+              </a:spcBef>
+              <a:buClr>
+                <a:srgbClr val="000000"/>
+              </a:buClr>
+              <a:buSzPct val="45000"/>
+              <a:buFont typeface="Wingdings" charset="2"/>
+              <a:buChar char=""/>
+              <a:tabLst>
+                <a:tab algn="l" pos="408240"/>
+              </a:tabLst>
+            </a:pPr>
+            <a:r>
+              <a:rPr b="0" lang="en-US" sz="1400" spc="-1" strike="noStrike">
+                <a:latin typeface="Arial"/>
+              </a:rPr>
+              <a:t>This includes even the child components that weren’t affected by the change. Although re-rendering is not by itself noticeable to the user (you shouldn’t actively try to avoid it!), you might want to skip re-rendering a part of the tree that clearly wasn’t affected by it for performance reasons. </a:t>
+            </a:r>
+            <a:endParaRPr b="0" lang="en-US" sz="1400" spc="-1" strike="noStrike">
+              <a:latin typeface="Arial"/>
+            </a:endParaRPr>
+          </a:p>
+          <a:p>
+            <a:pPr marL="432000" indent="-324000">
+              <a:spcBef>
+                <a:spcPts val="615"/>
+              </a:spcBef>
+              <a:buClr>
+                <a:srgbClr val="000000"/>
+              </a:buClr>
+              <a:buSzPct val="45000"/>
+              <a:buFont typeface="Wingdings" charset="2"/>
+              <a:buChar char=""/>
+              <a:tabLst>
+                <a:tab algn="l" pos="408240"/>
+              </a:tabLst>
+            </a:pPr>
+            <a:r>
+              <a:rPr b="0" lang="en-US" sz="1400" spc="-1" strike="noStrike">
+                <a:latin typeface="Arial"/>
+              </a:rPr>
+              <a:t>Immutability makes it very cheap for components to compare whether their data has changed or not. </a:t>
+            </a:r>
+            <a:endParaRPr b="0" lang="en-US" sz="1400" spc="-1" strike="noStrike">
+              <a:latin typeface="Arial"/>
+            </a:endParaRPr>
+          </a:p>
+        </p:txBody>
+      </p:sp>
+    </p:spTree>
+  </p:cSld>
+  <mc:AlternateContent>
+    <mc:Choice Requires="p14">
+      <p:transition spd="slow" p14:dur="2000"/>
+    </mc:Choice>
+    <mc:Fallback>
+      <p:transition spd="slow"/>
+    </mc:Fallback>
+  </mc:AlternateContent>
+</p:sld>
+</file>
+
+<file path=ppt/slides/slide28.xml><?xml version="1.0" encoding="utf-8"?>
+<p:sld xmlns:a="http://schemas.openxmlformats.org/drawingml/2006/main" xmlns:p="http://schemas.openxmlformats.org/presentationml/2006/main" xmlns:r="http://schemas.openxmlformats.org/officeDocument/2006/relationships" xmlns:p14="http://schemas.microsoft.com/office/powerpoint/2010/main" xmlns:p15="http://schemas.microsoft.com/office/powerpoint/2012/main" xmlns:mc="http://schemas.openxmlformats.org/markup-compatibility/2006">
+  <p:cSld>
+    <p:spTree>
+      <p:nvGrpSpPr>
+        <p:cNvPr id="1" name=""/>
+        <p:cNvGrpSpPr/>
+        <p:nvPr/>
+      </p:nvGrpSpPr>
+      <p:grpSpPr>
+        <a:xfrm>
+          <a:off x="0" y="0"/>
+          <a:ext cx="0" cy="0"/>
+          <a:chOff x="0" y="0"/>
+          <a:chExt cx="0" cy="0"/>
+        </a:xfrm>
+      </p:grpSpPr>
+      <p:sp>
+        <p:nvSpPr>
+          <p:cNvPr id="146" name="PlaceHolder 1"/>
+          <p:cNvSpPr>
+            <a:spLocks noGrp="1"/>
+          </p:cNvSpPr>
+          <p:nvPr>
+            <p:ph type="title"/>
+          </p:nvPr>
+        </p:nvSpPr>
+        <p:spPr>
+          <a:xfrm>
+            <a:off x="504000" y="226080"/>
+            <a:ext cx="9071640" cy="946440"/>
+          </a:xfrm>
+          <a:prstGeom prst="rect">
+            <a:avLst/>
+          </a:prstGeom>
+          <a:noFill/>
+          <a:ln w="0">
+            <a:noFill/>
+          </a:ln>
+        </p:spPr>
+        <p:txBody>
+          <a:bodyPr lIns="0" rIns="0" tIns="0" bIns="0" anchor="ctr">
+            <a:noAutofit/>
+          </a:bodyPr>
+          <a:p>
+            <a:pPr algn="ctr"/>
+            <a:r>
+              <a:rPr b="0" lang="en-US" sz="4400" spc="-1" strike="noStrike">
+                <a:latin typeface="Arial"/>
+              </a:rPr>
+              <a:t>React 101 – Component State</a:t>
+            </a:r>
+            <a:endParaRPr b="0" lang="en-US" sz="4400" spc="-1" strike="noStrike">
+              <a:latin typeface="Arial"/>
+            </a:endParaRPr>
+          </a:p>
+        </p:txBody>
+      </p:sp>
+      <p:pic>
+        <p:nvPicPr>
+          <p:cNvPr id="147" name="" descr=""/>
+          <p:cNvPicPr/>
+          <p:nvPr/>
+        </p:nvPicPr>
+        <p:blipFill>
+          <a:blip r:embed="rId1"/>
+          <a:stretch/>
+        </p:blipFill>
+        <p:spPr>
+          <a:xfrm>
+            <a:off x="1323000" y="1179000"/>
+            <a:ext cx="7315200" cy="4114800"/>
+          </a:xfrm>
+          <a:prstGeom prst="rect">
+            <a:avLst/>
+          </a:prstGeom>
+          <a:ln w="0">
+            <a:noFill/>
+          </a:ln>
+        </p:spPr>
+      </p:pic>
+    </p:spTree>
+  </p:cSld>
+  <mc:AlternateContent>
+    <mc:Choice Requires="p14">
+      <p:transition spd="slow" p14:dur="2000"/>
+    </mc:Choice>
+    <mc:Fallback>
+      <p:transition spd="slow"/>
+    </mc:Fallback>
+  </mc:AlternateContent>
+</p:sld>
+</file>
+
+<file path=ppt/slides/slide29.xml><?xml version="1.0" encoding="utf-8"?>
+<p:sld xmlns:a="http://schemas.openxmlformats.org/drawingml/2006/main" xmlns:p="http://schemas.openxmlformats.org/presentationml/2006/main" xmlns:r="http://schemas.openxmlformats.org/officeDocument/2006/relationships" xmlns:p14="http://schemas.microsoft.com/office/powerpoint/2010/main" xmlns:p15="http://schemas.microsoft.com/office/powerpoint/2012/main" xmlns:mc="http://schemas.openxmlformats.org/markup-compatibility/2006">
+  <p:cSld>
+    <p:spTree>
+      <p:nvGrpSpPr>
+        <p:cNvPr id="1" name=""/>
+        <p:cNvGrpSpPr/>
+        <p:nvPr/>
+      </p:nvGrpSpPr>
+      <p:grpSpPr>
+        <a:xfrm>
+          <a:off x="0" y="0"/>
+          <a:ext cx="0" cy="0"/>
+          <a:chOff x="0" y="0"/>
+          <a:chExt cx="0" cy="0"/>
+        </a:xfrm>
+      </p:grpSpPr>
+      <p:sp>
+        <p:nvSpPr>
+          <p:cNvPr id="148" name="PlaceHolder 1"/>
+          <p:cNvSpPr>
+            <a:spLocks noGrp="1"/>
+          </p:cNvSpPr>
+          <p:nvPr>
+            <p:ph type="title"/>
+          </p:nvPr>
+        </p:nvSpPr>
+        <p:spPr>
+          <a:xfrm>
+            <a:off x="504000" y="226080"/>
+            <a:ext cx="9071640" cy="946440"/>
+          </a:xfrm>
+          <a:prstGeom prst="rect">
+            <a:avLst/>
+          </a:prstGeom>
+          <a:noFill/>
+          <a:ln w="0">
+            <a:noFill/>
+          </a:ln>
+        </p:spPr>
+        <p:txBody>
+          <a:bodyPr lIns="0" rIns="0" tIns="0" bIns="0" anchor="ctr">
+            <a:noAutofit/>
+          </a:bodyPr>
+          <a:p>
+            <a:pPr algn="ctr"/>
+            <a:r>
+              <a:rPr b="0" lang="en-US" sz="4400" spc="-1" strike="noStrike">
+                <a:latin typeface="Arial"/>
+              </a:rPr>
+              <a:t>React 101 – Component State</a:t>
+            </a:r>
+            <a:endParaRPr b="0" lang="en-US" sz="4400" spc="-1" strike="noStrike">
+              <a:latin typeface="Arial"/>
+            </a:endParaRPr>
+          </a:p>
+        </p:txBody>
+      </p:sp>
+      <p:pic>
+        <p:nvPicPr>
+          <p:cNvPr id="149" name="" descr=""/>
+          <p:cNvPicPr/>
+          <p:nvPr/>
+        </p:nvPicPr>
+        <p:blipFill>
+          <a:blip r:embed="rId1"/>
+          <a:stretch/>
+        </p:blipFill>
+        <p:spPr>
+          <a:xfrm>
+            <a:off x="2146680" y="1314720"/>
+            <a:ext cx="5168520" cy="3943080"/>
+          </a:xfrm>
+          <a:prstGeom prst="rect">
+            <a:avLst/>
+          </a:prstGeom>
+          <a:ln w="0">
+            <a:noFill/>
+          </a:ln>
+        </p:spPr>
+      </p:pic>
+    </p:spTree>
+  </p:cSld>
+  <mc:AlternateContent>
+    <mc:Choice Requires="p14">
+      <p:transition spd="slow" p14:dur="2000"/>
+    </mc:Choice>
+    <mc:Fallback>
+      <p:transition spd="slow"/>
+    </mc:Fallback>
+  </mc:AlternateContent>
+</p:sld>
+</file>
+
 <file path=ppt/slides/slide3.xml><?xml version="1.0" encoding="utf-8"?>
 <p:sld xmlns:a="http://schemas.openxmlformats.org/drawingml/2006/main" xmlns:p="http://schemas.openxmlformats.org/presentationml/2006/main" xmlns:r="http://schemas.openxmlformats.org/officeDocument/2006/relationships" xmlns:p14="http://schemas.microsoft.com/office/powerpoint/2010/main" xmlns:p15="http://schemas.microsoft.com/office/powerpoint/2012/main" xmlns:mc="http://schemas.openxmlformats.org/markup-compatibility/2006">
   <p:cSld>
@@ -5088,6 +6673,100 @@
           </a:p>
         </p:txBody>
       </p:sp>
+    </p:spTree>
+  </p:cSld>
+  <mc:AlternateContent>
+    <mc:Choice Requires="p14">
+      <p:transition spd="slow" p14:dur="2000"/>
+    </mc:Choice>
+    <mc:Fallback>
+      <p:transition spd="slow"/>
+    </mc:Fallback>
+  </mc:AlternateContent>
+</p:sld>
+</file>
+
+<file path=ppt/slides/slide30.xml><?xml version="1.0" encoding="utf-8"?>
+<p:sld xmlns:a="http://schemas.openxmlformats.org/drawingml/2006/main" xmlns:p="http://schemas.openxmlformats.org/presentationml/2006/main" xmlns:r="http://schemas.openxmlformats.org/officeDocument/2006/relationships" xmlns:p14="http://schemas.microsoft.com/office/powerpoint/2010/main" xmlns:p15="http://schemas.microsoft.com/office/powerpoint/2012/main" xmlns:mc="http://schemas.openxmlformats.org/markup-compatibility/2006">
+  <p:cSld>
+    <p:spTree>
+      <p:nvGrpSpPr>
+        <p:cNvPr id="1" name=""/>
+        <p:cNvGrpSpPr/>
+        <p:nvPr/>
+      </p:nvGrpSpPr>
+      <p:grpSpPr>
+        <a:xfrm>
+          <a:off x="0" y="0"/>
+          <a:ext cx="0" cy="0"/>
+          <a:chOff x="0" y="0"/>
+          <a:chExt cx="0" cy="0"/>
+        </a:xfrm>
+      </p:grpSpPr>
+      <p:sp>
+        <p:nvSpPr>
+          <p:cNvPr id="150" name="PlaceHolder 1"/>
+          <p:cNvSpPr>
+            <a:spLocks noGrp="1"/>
+          </p:cNvSpPr>
+          <p:nvPr>
+            <p:ph type="title"/>
+          </p:nvPr>
+        </p:nvSpPr>
+        <p:spPr>
+          <a:xfrm>
+            <a:off x="504000" y="226080"/>
+            <a:ext cx="9071640" cy="946440"/>
+          </a:xfrm>
+          <a:prstGeom prst="rect">
+            <a:avLst/>
+          </a:prstGeom>
+          <a:noFill/>
+          <a:ln w="0">
+            <a:noFill/>
+          </a:ln>
+        </p:spPr>
+        <p:txBody>
+          <a:bodyPr lIns="0" rIns="0" tIns="0" bIns="0" anchor="ctr">
+            <a:noAutofit/>
+          </a:bodyPr>
+          <a:p>
+            <a:pPr algn="ctr"/>
+            <a:r>
+              <a:rPr b="0" lang="en-US" sz="4400" spc="-1" strike="noStrike">
+                <a:latin typeface="Arial"/>
+              </a:rPr>
+              <a:t>React 101 – Component State</a:t>
+            </a:r>
+            <a:endParaRPr b="0" lang="en-US" sz="4400" spc="-1" strike="noStrike">
+              <a:latin typeface="Arial"/>
+            </a:endParaRPr>
+          </a:p>
+        </p:txBody>
+      </p:sp>
+      <p:pic>
+        <p:nvPicPr>
+          <p:cNvPr id="151" name="" descr=""/>
+          <p:cNvPicPr/>
+          <p:nvPr/>
+        </p:nvPicPr>
+        <p:blipFill>
+          <a:blip r:embed="rId1"/>
+          <a:stretch/>
+        </p:blipFill>
+        <p:spPr>
+          <a:xfrm>
+            <a:off x="1143000" y="1600200"/>
+            <a:ext cx="7793640" cy="3546000"/>
+          </a:xfrm>
+          <a:prstGeom prst="rect">
+            <a:avLst/>
+          </a:prstGeom>
+          <a:ln w="0">
+            <a:noFill/>
+          </a:ln>
+        </p:spPr>
+      </p:pic>
     </p:spTree>
   </p:cSld>
   <mc:AlternateContent>
@@ -5151,7 +6830,7 @@
               <a:rPr b="0" lang="en-US" sz="4400" spc="-1" strike="noStrike">
                 <a:latin typeface="Arial"/>
               </a:rPr>
-              <a:t>React 101</a:t>
+              <a:t>Functional Programming (FP)</a:t>
             </a:r>
             <a:endParaRPr b="0" lang="en-US" sz="4400" spc="-1" strike="noStrike">
               <a:latin typeface="Arial"/>
@@ -5159,128 +6838,102 @@
           </a:p>
         </p:txBody>
       </p:sp>
-      <p:sp>
-        <p:nvSpPr>
-          <p:cNvPr id="48" name="PlaceHolder 2"/>
-          <p:cNvSpPr>
-            <a:spLocks noGrp="1"/>
-          </p:cNvSpPr>
-          <p:nvPr>
-            <p:ph/>
-          </p:nvPr>
-        </p:nvSpPr>
-        <p:spPr>
-          <a:xfrm>
-            <a:off x="504000" y="1326600"/>
-            <a:ext cx="9071640" cy="3288240"/>
-          </a:xfrm>
-          <a:prstGeom prst="rect">
-            <a:avLst/>
-          </a:prstGeom>
-          <a:noFill/>
-          <a:ln w="0">
-            <a:noFill/>
-          </a:ln>
-        </p:spPr>
-        <p:txBody>
-          <a:bodyPr lIns="0" rIns="0" tIns="0" bIns="0" anchor="t">
-            <a:normAutofit/>
-          </a:bodyPr>
-          <a:p>
-            <a:pPr marL="432000" indent="-324000">
-              <a:spcBef>
-                <a:spcPts val="615"/>
-              </a:spcBef>
-              <a:buClr>
-                <a:srgbClr val="000000"/>
-              </a:buClr>
-              <a:buSzPct val="45000"/>
-              <a:buFont typeface="Wingdings" charset="2"/>
-              <a:buChar char=""/>
-              <a:tabLst>
-                <a:tab algn="l" pos="408240"/>
-              </a:tabLst>
-            </a:pPr>
+      <p:pic>
+        <p:nvPicPr>
+          <p:cNvPr id="48" name="" descr=""/>
+          <p:cNvPicPr/>
+          <p:nvPr/>
+        </p:nvPicPr>
+        <p:blipFill>
+          <a:blip r:embed="rId1"/>
+          <a:stretch/>
+        </p:blipFill>
+        <p:spPr>
+          <a:xfrm>
+            <a:off x="5943600" y="2102760"/>
+            <a:ext cx="3200400" cy="2697840"/>
+          </a:xfrm>
+          <a:prstGeom prst="rect">
+            <a:avLst/>
+          </a:prstGeom>
+          <a:ln w="0">
+            <a:noFill/>
+          </a:ln>
+        </p:spPr>
+      </p:pic>
+      <p:sp>
+        <p:nvSpPr>
+          <p:cNvPr id="49" name=""/>
+          <p:cNvSpPr txBox="1"/>
+          <p:nvPr/>
+        </p:nvSpPr>
+        <p:spPr>
+          <a:xfrm>
+            <a:off x="1371600" y="2057400"/>
+            <a:ext cx="3886200" cy="1478520"/>
+          </a:xfrm>
+          <a:prstGeom prst="rect">
+            <a:avLst/>
+          </a:prstGeom>
+          <a:noFill/>
+          <a:ln w="0">
+            <a:noFill/>
+          </a:ln>
+        </p:spPr>
+        <p:txBody>
+          <a:bodyPr lIns="90000" rIns="90000" tIns="45000" bIns="45000" anchor="t">
+            <a:noAutofit/>
+          </a:bodyPr>
+          <a:p>
             <a:r>
               <a:rPr b="0" lang="en-US" sz="1400" spc="-1" strike="noStrike">
                 <a:latin typeface="Arial"/>
               </a:rPr>
-              <a:t>Setup </a:t>
+              <a:t>- Lambda Calculus   (Church 1930)</a:t>
             </a:r>
             <a:endParaRPr b="0" lang="en-US" sz="1400" spc="-1" strike="noStrike">
               <a:latin typeface="Arial"/>
             </a:endParaRPr>
           </a:p>
           <a:p>
-            <a:pPr marL="432000" indent="-324000">
-              <a:spcBef>
-                <a:spcPts val="615"/>
-              </a:spcBef>
-              <a:buClr>
-                <a:srgbClr val="000000"/>
-              </a:buClr>
-              <a:buSzPct val="45000"/>
-              <a:buFont typeface="Wingdings" charset="2"/>
-              <a:buChar char=""/>
-              <a:tabLst>
-                <a:tab algn="l" pos="408240"/>
-              </a:tabLst>
-            </a:pPr>
+            <a:br/>
             <a:r>
               <a:rPr b="0" lang="en-US" sz="1400" spc="-1" strike="noStrike">
                 <a:latin typeface="Arial"/>
               </a:rPr>
-              <a:t>Ensure you have installed and setup a proper JS runtime environment with node and npm</a:t>
+              <a:t>- LISP                       (McCarthy 1959)</a:t>
             </a:r>
             <a:endParaRPr b="0" lang="en-US" sz="1400" spc="-1" strike="noStrike">
               <a:latin typeface="Arial"/>
             </a:endParaRPr>
           </a:p>
           <a:p>
-            <a:pPr marL="432000" indent="-324000">
-              <a:spcBef>
-                <a:spcPts val="615"/>
-              </a:spcBef>
-              <a:buClr>
-                <a:srgbClr val="000000"/>
-              </a:buClr>
-              <a:buSzPct val="45000"/>
-              <a:buFont typeface="Wingdings" charset="2"/>
-              <a:buChar char=""/>
-              <a:tabLst>
-                <a:tab algn="l" pos="408240"/>
-              </a:tabLst>
-            </a:pPr>
+            <a:endParaRPr b="0" lang="en-US" sz="1400" spc="-1" strike="noStrike">
+              <a:latin typeface="Arial"/>
+            </a:endParaRPr>
+          </a:p>
+          <a:p>
             <a:r>
               <a:rPr b="0" lang="en-US" sz="1400" spc="-1" strike="noStrike">
                 <a:latin typeface="Arial"/>
               </a:rPr>
-              <a:t>Copy the Github source code onto your machine: </a:t>
+              <a:t>- Scheme                  (Sussman Steele 1975)</a:t>
             </a:r>
             <a:endParaRPr b="0" lang="en-US" sz="1400" spc="-1" strike="noStrike">
               <a:latin typeface="Arial"/>
             </a:endParaRPr>
           </a:p>
           <a:p>
-            <a:pPr marL="432000" indent="-324000">
-              <a:spcBef>
-                <a:spcPts val="615"/>
-              </a:spcBef>
-              <a:buClr>
-                <a:srgbClr val="000000"/>
-              </a:buClr>
-              <a:buSzPct val="45000"/>
-              <a:buFont typeface="Wingdings" charset="2"/>
-              <a:buChar char=""/>
-              <a:tabLst>
-                <a:tab algn="l" pos="408240"/>
-              </a:tabLst>
-            </a:pPr>
+            <a:endParaRPr b="0" lang="en-US" sz="1400" spc="-1" strike="noStrike">
+              <a:latin typeface="Arial"/>
+            </a:endParaRPr>
+          </a:p>
+          <a:p>
             <a:r>
               <a:rPr b="0" lang="en-US" sz="1400" spc="-1" strike="noStrike">
                 <a:latin typeface="Arial"/>
               </a:rPr>
-              <a:t>https://github.com/marcus-yeagle/react-tutorial</a:t>
+              <a:t>- LiveScript               (Eich 1995) </a:t>
             </a:r>
             <a:endParaRPr b="0" lang="en-US" sz="1400" spc="-1" strike="noStrike">
               <a:latin typeface="Arial"/>
@@ -5320,7 +6973,7 @@
       </p:grpSpPr>
       <p:sp>
         <p:nvSpPr>
-          <p:cNvPr id="49" name="PlaceHolder 1"/>
+          <p:cNvPr id="50" name="PlaceHolder 1"/>
           <p:cNvSpPr>
             <a:spLocks noGrp="1"/>
           </p:cNvSpPr>
@@ -5351,7 +7004,7 @@
               <a:rPr b="0" lang="en-US" sz="4400" spc="-1" strike="noStrike">
                 <a:latin typeface="Arial"/>
               </a:rPr>
-              <a:t>Demo</a:t>
+              <a:t>Functional Programming (FP)</a:t>
             </a:r>
             <a:endParaRPr b="0" lang="en-US" sz="4400" spc="-1" strike="noStrike">
               <a:latin typeface="Arial"/>
@@ -5361,38 +7014,159 @@
       </p:sp>
       <p:sp>
         <p:nvSpPr>
-          <p:cNvPr id="50" name="PlaceHolder 2"/>
-          <p:cNvSpPr>
-            <a:spLocks noGrp="1"/>
-          </p:cNvSpPr>
-          <p:nvPr>
-            <p:ph/>
-          </p:nvPr>
-        </p:nvSpPr>
-        <p:spPr>
-          <a:xfrm>
-            <a:off x="504000" y="1326600"/>
-            <a:ext cx="9071640" cy="3288240"/>
-          </a:xfrm>
-          <a:prstGeom prst="rect">
-            <a:avLst/>
-          </a:prstGeom>
-          <a:noFill/>
-          <a:ln w="0">
-            <a:noFill/>
-          </a:ln>
-        </p:spPr>
-        <p:txBody>
-          <a:bodyPr lIns="0" rIns="0" tIns="0" bIns="0" anchor="t">
-            <a:normAutofit/>
-          </a:bodyPr>
-          <a:p>
+          <p:cNvPr id="51" name=""/>
+          <p:cNvSpPr txBox="1"/>
+          <p:nvPr/>
+        </p:nvSpPr>
+        <p:spPr>
+          <a:xfrm>
+            <a:off x="1371600" y="1146240"/>
+            <a:ext cx="3886200" cy="1677240"/>
+          </a:xfrm>
+          <a:prstGeom prst="rect">
+            <a:avLst/>
+          </a:prstGeom>
+          <a:noFill/>
+          <a:ln w="0">
+            <a:noFill/>
+          </a:ln>
+        </p:spPr>
+        <p:txBody>
+          <a:bodyPr lIns="90000" rIns="90000" tIns="45000" bIns="45000" anchor="t">
+            <a:noAutofit/>
+          </a:bodyPr>
+          <a:p>
+            <a:r>
+              <a:rPr b="0" lang="en-US" sz="1400" spc="-1" strike="noStrike">
+                <a:latin typeface="Arial"/>
+              </a:rPr>
+              <a:t>- Applying and Composing Functions</a:t>
+            </a:r>
             <a:endParaRPr b="0" lang="en-US" sz="1400" spc="-1" strike="noStrike">
               <a:latin typeface="Arial"/>
             </a:endParaRPr>
           </a:p>
-        </p:txBody>
-      </p:sp>
+          <a:p>
+            <a:r>
+              <a:rPr b="0" lang="en-US" sz="1400" spc="-1" strike="noStrike">
+                <a:latin typeface="Arial"/>
+              </a:rPr>
+              <a:t> </a:t>
+            </a:r>
+            <a:br/>
+            <a:r>
+              <a:rPr b="0" lang="en-US" sz="1400" spc="-1" strike="noStrike">
+                <a:latin typeface="Arial"/>
+              </a:rPr>
+              <a:t>- Trees of Expressions</a:t>
+            </a:r>
+            <a:endParaRPr b="0" lang="en-US" sz="1400" spc="-1" strike="noStrike">
+              <a:latin typeface="Arial"/>
+            </a:endParaRPr>
+          </a:p>
+          <a:p>
+            <a:endParaRPr b="0" lang="en-US" sz="1400" spc="-1" strike="noStrike">
+              <a:latin typeface="Arial"/>
+            </a:endParaRPr>
+          </a:p>
+          <a:p>
+            <a:r>
+              <a:rPr b="0" lang="en-US" sz="1400" spc="-1" strike="noStrike">
+                <a:latin typeface="Arial"/>
+              </a:rPr>
+              <a:t>- Map values to values instead of sequence of imperative statements updating the state</a:t>
+            </a:r>
+            <a:endParaRPr b="0" lang="en-US" sz="1400" spc="-1" strike="noStrike">
+              <a:latin typeface="Arial"/>
+            </a:endParaRPr>
+          </a:p>
+          <a:p>
+            <a:endParaRPr b="0" lang="en-US" sz="1400" spc="-1" strike="noStrike">
+              <a:latin typeface="Arial"/>
+            </a:endParaRPr>
+          </a:p>
+          <a:p>
+            <a:r>
+              <a:rPr b="0" lang="en-US" sz="1400" spc="-1" strike="noStrike">
+                <a:latin typeface="Arial"/>
+              </a:rPr>
+              <a:t>- First-class Functions (functions as values) </a:t>
+            </a:r>
+            <a:endParaRPr b="0" lang="en-US" sz="1400" spc="-1" strike="noStrike">
+              <a:latin typeface="Arial"/>
+            </a:endParaRPr>
+          </a:p>
+        </p:txBody>
+      </p:sp>
+      <p:pic>
+        <p:nvPicPr>
+          <p:cNvPr id="52" name="" descr=""/>
+          <p:cNvPicPr/>
+          <p:nvPr/>
+        </p:nvPicPr>
+        <p:blipFill>
+          <a:blip r:embed="rId1"/>
+          <a:stretch/>
+        </p:blipFill>
+        <p:spPr>
+          <a:xfrm>
+            <a:off x="6629400" y="1617480"/>
+            <a:ext cx="2208600" cy="897120"/>
+          </a:xfrm>
+          <a:prstGeom prst="rect">
+            <a:avLst/>
+          </a:prstGeom>
+          <a:ln w="0">
+            <a:noFill/>
+          </a:ln>
+        </p:spPr>
+      </p:pic>
+      <p:pic>
+        <p:nvPicPr>
+          <p:cNvPr id="53" name="" descr=""/>
+          <p:cNvPicPr/>
+          <p:nvPr/>
+        </p:nvPicPr>
+        <p:blipFill>
+          <a:blip r:embed="rId2"/>
+          <a:stretch/>
+        </p:blipFill>
+        <p:spPr>
+          <a:xfrm>
+            <a:off x="6132600" y="3090600"/>
+            <a:ext cx="2514600" cy="1828800"/>
+          </a:xfrm>
+          <a:prstGeom prst="rect">
+            <a:avLst/>
+          </a:prstGeom>
+          <a:ln w="0">
+            <a:noFill/>
+          </a:ln>
+        </p:spPr>
+      </p:pic>
+      <p:pic>
+        <p:nvPicPr>
+          <p:cNvPr id="54" name="" descr=""/>
+          <p:cNvPicPr/>
+          <p:nvPr/>
+        </p:nvPicPr>
+        <p:blipFill>
+          <a:blip r:embed="rId3"/>
+          <a:stretch/>
+        </p:blipFill>
+        <p:spPr>
+          <a:xfrm>
+            <a:off x="1828800" y="2971800"/>
+            <a:ext cx="2971800" cy="2358000"/>
+          </a:xfrm>
+          <a:prstGeom prst="rect">
+            <a:avLst/>
+          </a:prstGeom>
+          <a:ln w="0">
+            <a:noFill/>
+          </a:ln>
+        </p:spPr>
+      </p:pic>
     </p:spTree>
   </p:cSld>
   <mc:AlternateContent>
@@ -5425,7 +7199,7 @@
       </p:grpSpPr>
       <p:sp>
         <p:nvSpPr>
-          <p:cNvPr id="51" name="PlaceHolder 1"/>
+          <p:cNvPr id="55" name="PlaceHolder 1"/>
           <p:cNvSpPr>
             <a:spLocks noGrp="1"/>
           </p:cNvSpPr>
@@ -5455,15 +7229,8 @@
             <a:r>
               <a:rPr b="0" lang="en-US" sz="4400" spc="-1" strike="noStrike">
                 <a:latin typeface="Arial"/>
-                <a:ea typeface="PingFang SC"/>
-              </a:rPr>
-              <a:t>React 101 </a:t>
-            </a:r>
-            <a:r>
-              <a:rPr b="0" lang="en-US" sz="4400" spc="-1" strike="noStrike">
-                <a:latin typeface="Arial"/>
-              </a:rPr>
-              <a:t>- Components</a:t>
+              </a:rPr>
+              <a:t>JavaScript (TS) refresher</a:t>
             </a:r>
             <a:endParaRPr b="0" lang="en-US" sz="4400" spc="-1" strike="noStrike">
               <a:latin typeface="Arial"/>
@@ -5473,176 +7240,233 @@
       </p:sp>
       <p:sp>
         <p:nvSpPr>
-          <p:cNvPr id="52" name=""/>
-          <p:cNvSpPr txBox="1"/>
-          <p:nvPr/>
-        </p:nvSpPr>
-        <p:spPr>
-          <a:xfrm>
-            <a:off x="914400" y="1172520"/>
-            <a:ext cx="8229600" cy="1370160"/>
-          </a:xfrm>
-          <a:prstGeom prst="rect">
-            <a:avLst/>
-          </a:prstGeom>
-          <a:noFill/>
-          <a:ln w="0">
-            <a:noFill/>
-          </a:ln>
-        </p:spPr>
-        <p:txBody>
-          <a:bodyPr lIns="90000" rIns="90000" tIns="45000" bIns="45000" anchor="t">
-            <a:noAutofit/>
-          </a:bodyPr>
-          <a:p>
+          <p:cNvPr id="56" name="PlaceHolder 2"/>
+          <p:cNvSpPr>
+            <a:spLocks noGrp="1"/>
+          </p:cNvSpPr>
+          <p:nvPr>
+            <p:ph/>
+          </p:nvPr>
+        </p:nvSpPr>
+        <p:spPr>
+          <a:xfrm>
+            <a:off x="504000" y="1326600"/>
+            <a:ext cx="9071640" cy="3288240"/>
+          </a:xfrm>
+          <a:prstGeom prst="rect">
+            <a:avLst/>
+          </a:prstGeom>
+          <a:noFill/>
+          <a:ln w="0">
+            <a:noFill/>
+          </a:ln>
+        </p:spPr>
+        <p:txBody>
+          <a:bodyPr lIns="0" rIns="0" tIns="0" bIns="0" anchor="t">
+            <a:normAutofit fontScale="95000"/>
+          </a:bodyPr>
+          <a:p>
+            <a:pPr marL="432000" indent="-324000">
+              <a:spcBef>
+                <a:spcPts val="615"/>
+              </a:spcBef>
+              <a:buClr>
+                <a:srgbClr val="000000"/>
+              </a:buClr>
+              <a:buSzPct val="45000"/>
+              <a:buFont typeface="Wingdings" charset="2"/>
+              <a:buChar char=""/>
+              <a:tabLst>
+                <a:tab algn="l" pos="408240"/>
+              </a:tabLst>
+            </a:pPr>
             <a:r>
               <a:rPr b="0" lang="en-US" sz="1400" spc="-1" strike="noStrike">
                 <a:latin typeface="Arial"/>
               </a:rPr>
-              <a:t>The code in App.js creates a component. In React, a </a:t>
-            </a:r>
-            <a:r>
-              <a:rPr b="1" lang="en-US" sz="1400" spc="-1" strike="noStrike">
-                <a:latin typeface="Arial"/>
-              </a:rPr>
-              <a:t>component</a:t>
-            </a:r>
+              <a:t>Object Literals </a:t>
+            </a:r>
+            <a:endParaRPr b="0" lang="en-US" sz="1400" spc="-1" strike="noStrike">
+              <a:latin typeface="Arial"/>
+            </a:endParaRPr>
+          </a:p>
+          <a:p>
+            <a:pPr lvl="1" marL="864000" indent="-324000">
+              <a:spcBef>
+                <a:spcPts val="1134"/>
+              </a:spcBef>
+              <a:buClr>
+                <a:srgbClr val="000000"/>
+              </a:buClr>
+              <a:buSzPct val="75000"/>
+              <a:buFont typeface="Symbol" charset="2"/>
+              <a:buChar char=""/>
+              <a:tabLst>
+                <a:tab algn="l" pos="408240"/>
+              </a:tabLst>
+            </a:pPr>
+            <a:r>
+              <a:rPr b="0" lang="en-US" sz="2800" spc="-1" strike="noStrike">
+                <a:latin typeface="Arial"/>
+              </a:rPr>
+              <a:t>{foo: ‘bar’, bin: 42}</a:t>
+            </a:r>
+            <a:endParaRPr b="0" lang="en-US" sz="2800" spc="-1" strike="noStrike">
+              <a:latin typeface="Arial"/>
+            </a:endParaRPr>
+          </a:p>
+          <a:p>
+            <a:pPr marL="432000" indent="-324000">
+              <a:spcBef>
+                <a:spcPts val="615"/>
+              </a:spcBef>
+              <a:buClr>
+                <a:srgbClr val="000000"/>
+              </a:buClr>
+              <a:buSzPct val="45000"/>
+              <a:buFont typeface="Wingdings" charset="2"/>
+              <a:buChar char=""/>
+              <a:tabLst>
+                <a:tab algn="l" pos="408240"/>
+              </a:tabLst>
+            </a:pPr>
             <a:r>
               <a:rPr b="0" lang="en-US" sz="1400" spc="-1" strike="noStrike">
                 <a:latin typeface="Arial"/>
               </a:rPr>
-              <a:t> is a piece of reusable code that represents a part of a user interface. Components are used to </a:t>
-            </a:r>
-            <a:r>
-              <a:rPr b="0" lang="en-US" sz="1400" spc="-1" strike="noStrike" u="sng">
-                <a:uFillTx/>
-                <a:latin typeface="Arial"/>
-              </a:rPr>
-              <a:t>render, manage, and update the UI elements</a:t>
-            </a:r>
+              <a:t>Array Literals</a:t>
+            </a:r>
+            <a:endParaRPr b="0" lang="en-US" sz="1400" spc="-1" strike="noStrike">
+              <a:latin typeface="Arial"/>
+            </a:endParaRPr>
+          </a:p>
+          <a:p>
+            <a:pPr lvl="1" marL="864000" indent="-324000">
+              <a:spcBef>
+                <a:spcPts val="1134"/>
+              </a:spcBef>
+              <a:buClr>
+                <a:srgbClr val="000000"/>
+              </a:buClr>
+              <a:buSzPct val="75000"/>
+              <a:buFont typeface="Symbol" charset="2"/>
+              <a:buChar char=""/>
+              <a:tabLst>
+                <a:tab algn="l" pos="408240"/>
+              </a:tabLst>
+            </a:pPr>
+            <a:r>
+              <a:rPr b="0" lang="en-US" sz="2800" spc="-1" strike="noStrike">
+                <a:latin typeface="Arial"/>
+              </a:rPr>
+              <a:t>[[2, 3, 5], [‘foo’, ‘four’, ‘five’], [1, true, ‘false’]]</a:t>
+            </a:r>
+            <a:endParaRPr b="0" lang="en-US" sz="2800" spc="-1" strike="noStrike">
+              <a:latin typeface="Arial"/>
+            </a:endParaRPr>
+          </a:p>
+          <a:p>
+            <a:pPr marL="432000" indent="-324000">
+              <a:spcBef>
+                <a:spcPts val="615"/>
+              </a:spcBef>
+              <a:buClr>
+                <a:srgbClr val="000000"/>
+              </a:buClr>
+              <a:buSzPct val="45000"/>
+              <a:buFont typeface="Wingdings" charset="2"/>
+              <a:buChar char=""/>
+              <a:tabLst>
+                <a:tab algn="l" pos="408240"/>
+              </a:tabLst>
+            </a:pPr>
             <a:r>
               <a:rPr b="0" lang="en-US" sz="1400" spc="-1" strike="noStrike">
                 <a:latin typeface="Arial"/>
               </a:rPr>
-              <a:t> in your application. Let’s look at the component line by line to see what’s going on:</a:t>
+              <a:t>Functions Literals</a:t>
             </a:r>
             <a:endParaRPr b="0" lang="en-US" sz="1400" spc="-1" strike="noStrike">
               <a:latin typeface="Arial"/>
             </a:endParaRPr>
           </a:p>
-        </p:txBody>
-      </p:sp>
-      <p:sp>
-        <p:nvSpPr>
-          <p:cNvPr id="53" name=""/>
-          <p:cNvSpPr txBox="1"/>
-          <p:nvPr/>
-        </p:nvSpPr>
-        <p:spPr>
-          <a:xfrm>
-            <a:off x="2286000" y="2838960"/>
-            <a:ext cx="3886200" cy="960120"/>
-          </a:xfrm>
-          <a:prstGeom prst="rect">
-            <a:avLst/>
-          </a:prstGeom>
-          <a:noFill/>
-          <a:ln w="0">
-            <a:noFill/>
-          </a:ln>
-        </p:spPr>
-        <p:txBody>
-          <a:bodyPr lIns="90000" rIns="90000" tIns="45000" bIns="45000" anchor="t">
-            <a:noAutofit/>
-          </a:bodyPr>
-          <a:p>
-            <a:r>
-              <a:rPr b="0" lang="en-US" sz="1000" spc="-1" strike="noStrike">
-                <a:latin typeface="Arial"/>
-              </a:rPr>
-              <a:t>export default </a:t>
-            </a:r>
-            <a:r>
-              <a:rPr b="0" lang="en-US" sz="1000" spc="-1" strike="noStrike">
-                <a:latin typeface="Arial"/>
-              </a:rPr>
-              <a:t>function Square()</a:t>
-            </a:r>
-            <a:r>
-              <a:rPr b="0" lang="en-US" sz="1000" spc="-1" strike="noStrike">
-                <a:latin typeface="Arial"/>
-              </a:rPr>
-              <a:t> {</a:t>
-            </a:r>
-            <a:endParaRPr b="0" lang="en-US" sz="1000" spc="-1" strike="noStrike">
-              <a:latin typeface="Arial"/>
-            </a:endParaRPr>
-          </a:p>
-          <a:p>
-            <a:r>
-              <a:rPr b="0" lang="en-US" sz="1000" spc="-1" strike="noStrike">
-                <a:latin typeface="Arial"/>
-              </a:rPr>
-              <a:t>  </a:t>
-            </a:r>
-            <a:r>
-              <a:rPr b="0" lang="en-US" sz="1000" spc="-1" strike="noStrike">
-                <a:latin typeface="Arial"/>
-              </a:rPr>
-              <a:t>return</a:t>
-            </a:r>
-            <a:r>
-              <a:rPr b="0" lang="en-US" sz="1000" spc="-1" strike="noStrike">
-                <a:latin typeface="Arial"/>
-              </a:rPr>
-              <a:t> </a:t>
-            </a:r>
-            <a:r>
-              <a:rPr b="0" lang="en-US" sz="1000" spc="-1" strike="noStrike">
-                <a:latin typeface="Arial"/>
-              </a:rPr>
-              <a:t>&lt;button className="square"&gt;X&lt;/button&gt;;</a:t>
-            </a:r>
-            <a:endParaRPr b="0" lang="en-US" sz="1000" spc="-1" strike="noStrike">
-              <a:latin typeface="Arial"/>
-            </a:endParaRPr>
-          </a:p>
-          <a:p>
-            <a:r>
-              <a:rPr b="0" lang="en-US" sz="1000" spc="-1" strike="noStrike">
-                <a:latin typeface="Arial"/>
-              </a:rPr>
-              <a:t>}</a:t>
-            </a:r>
-            <a:endParaRPr b="0" lang="en-US" sz="1000" spc="-1" strike="noStrike">
-              <a:latin typeface="Arial"/>
-            </a:endParaRPr>
-          </a:p>
-        </p:txBody>
-      </p:sp>
-      <p:pic>
-        <p:nvPicPr>
-          <p:cNvPr id="54" name="" descr=""/>
-          <p:cNvPicPr/>
-          <p:nvPr/>
-        </p:nvPicPr>
-        <p:blipFill>
-          <a:blip r:embed="rId1"/>
-          <a:stretch/>
-        </p:blipFill>
-        <p:spPr>
-          <a:xfrm>
-            <a:off x="7088400" y="2851200"/>
-            <a:ext cx="1038240" cy="1038240"/>
-          </a:xfrm>
-          <a:prstGeom prst="rect">
-            <a:avLst/>
-          </a:prstGeom>
-          <a:ln w="0">
-            <a:noFill/>
-          </a:ln>
-        </p:spPr>
-      </p:pic>
+          <a:p>
+            <a:pPr lvl="1" marL="864000" indent="-324000">
+              <a:spcBef>
+                <a:spcPts val="1134"/>
+              </a:spcBef>
+              <a:buClr>
+                <a:srgbClr val="000000"/>
+              </a:buClr>
+              <a:buSzPct val="75000"/>
+              <a:buFont typeface="Symbol" charset="2"/>
+              <a:buChar char=""/>
+              <a:tabLst>
+                <a:tab algn="l" pos="408240"/>
+              </a:tabLst>
+            </a:pPr>
+            <a:r>
+              <a:rPr b="0" lang="en-US" sz="2800" spc="-1" strike="noStrike">
+                <a:latin typeface="Arial"/>
+              </a:rPr>
+              <a:t>() =&gt; { console.log(42) }    (anonymous lambda) </a:t>
+            </a:r>
+            <a:endParaRPr b="0" lang="en-US" sz="2800" spc="-1" strike="noStrike">
+              <a:latin typeface="Arial"/>
+            </a:endParaRPr>
+          </a:p>
+          <a:p>
+            <a:pPr lvl="1" marL="864000" indent="-324000">
+              <a:spcBef>
+                <a:spcPts val="1134"/>
+              </a:spcBef>
+              <a:buClr>
+                <a:srgbClr val="000000"/>
+              </a:buClr>
+              <a:buSzPct val="75000"/>
+              <a:buFont typeface="Symbol" charset="2"/>
+              <a:buChar char=""/>
+              <a:tabLst>
+                <a:tab algn="l" pos="408240"/>
+              </a:tabLst>
+            </a:pPr>
+            <a:r>
+              <a:rPr b="0" lang="en-US" sz="2800" spc="-1" strike="noStrike">
+                <a:latin typeface="Arial"/>
+              </a:rPr>
+              <a:t>((n) =&gt; n+1)(3)                  (IIFE)</a:t>
+            </a:r>
+            <a:endParaRPr b="0" lang="en-US" sz="2800" spc="-1" strike="noStrike">
+              <a:latin typeface="Arial"/>
+            </a:endParaRPr>
+          </a:p>
+          <a:p>
+            <a:pPr lvl="1" marL="864000" indent="-324000">
+              <a:spcBef>
+                <a:spcPts val="1134"/>
+              </a:spcBef>
+              <a:buClr>
+                <a:srgbClr val="000000"/>
+              </a:buClr>
+              <a:buSzPct val="75000"/>
+              <a:buFont typeface="Symbol" charset="2"/>
+              <a:buChar char=""/>
+              <a:tabLst>
+                <a:tab algn="l" pos="408240"/>
+              </a:tabLst>
+            </a:pPr>
+            <a:r>
+              <a:rPr b="0" lang="en-US" sz="2800" spc="-1" strike="noStrike">
+                <a:latin typeface="Arial"/>
+              </a:rPr>
+              <a:t>function foo() { … }            (classical) </a:t>
+            </a:r>
+            <a:endParaRPr b="0" lang="en-US" sz="2800" spc="-1" strike="noStrike">
+              <a:latin typeface="Arial"/>
+            </a:endParaRPr>
+          </a:p>
+        </p:txBody>
+      </p:sp>
     </p:spTree>
   </p:cSld>
   <mc:AlternateContent>
@@ -5675,7 +7499,7 @@
       </p:grpSpPr>
       <p:sp>
         <p:nvSpPr>
-          <p:cNvPr id="55" name="PlaceHolder 1"/>
+          <p:cNvPr id="57" name="PlaceHolder 1"/>
           <p:cNvSpPr>
             <a:spLocks noGrp="1"/>
           </p:cNvSpPr>
@@ -5706,7 +7530,7 @@
               <a:rPr b="0" lang="en-US" sz="4400" spc="-1" strike="noStrike">
                 <a:latin typeface="Arial"/>
               </a:rPr>
-              <a:t>React 101 - Components</a:t>
+              <a:t>React 101</a:t>
             </a:r>
             <a:endParaRPr b="0" lang="en-US" sz="4400" spc="-1" strike="noStrike">
               <a:latin typeface="Arial"/>
@@ -5716,177 +7540,133 @@
       </p:sp>
       <p:sp>
         <p:nvSpPr>
-          <p:cNvPr id="56" name=""/>
-          <p:cNvSpPr txBox="1"/>
-          <p:nvPr/>
-        </p:nvSpPr>
-        <p:spPr>
-          <a:xfrm>
-            <a:off x="914400" y="1172520"/>
-            <a:ext cx="8229600" cy="1370160"/>
-          </a:xfrm>
-          <a:prstGeom prst="rect">
-            <a:avLst/>
-          </a:prstGeom>
-          <a:noFill/>
-          <a:ln w="0">
-            <a:noFill/>
-          </a:ln>
-        </p:spPr>
-        <p:txBody>
-          <a:bodyPr lIns="90000" rIns="90000" tIns="45000" bIns="45000" anchor="t">
-            <a:noAutofit/>
-          </a:bodyPr>
-          <a:p>
+          <p:cNvPr id="58" name="PlaceHolder 2"/>
+          <p:cNvSpPr>
+            <a:spLocks noGrp="1"/>
+          </p:cNvSpPr>
+          <p:nvPr>
+            <p:ph/>
+          </p:nvPr>
+        </p:nvSpPr>
+        <p:spPr>
+          <a:xfrm>
+            <a:off x="504000" y="1326600"/>
+            <a:ext cx="9071640" cy="3288240"/>
+          </a:xfrm>
+          <a:prstGeom prst="rect">
+            <a:avLst/>
+          </a:prstGeom>
+          <a:noFill/>
+          <a:ln w="0">
+            <a:noFill/>
+          </a:ln>
+        </p:spPr>
+        <p:txBody>
+          <a:bodyPr lIns="0" rIns="0" tIns="0" bIns="0" anchor="t">
+            <a:normAutofit/>
+          </a:bodyPr>
+          <a:p>
+            <a:pPr marL="432000" indent="-324000">
+              <a:spcBef>
+                <a:spcPts val="615"/>
+              </a:spcBef>
+              <a:buClr>
+                <a:srgbClr val="000000"/>
+              </a:buClr>
+              <a:buSzPct val="45000"/>
+              <a:buFont typeface="Wingdings" charset="2"/>
+              <a:buChar char=""/>
+              <a:tabLst>
+                <a:tab algn="l" pos="408240"/>
+              </a:tabLst>
+            </a:pPr>
             <a:r>
               <a:rPr b="0" lang="en-US" sz="1400" spc="-1" strike="noStrike">
                 <a:latin typeface="Arial"/>
               </a:rPr>
-              <a:t>The code in App.js creates a component. In React, a </a:t>
-            </a:r>
-            <a:r>
-              <a:rPr b="1" lang="en-US" sz="1400" spc="-1" strike="noStrike">
-                <a:latin typeface="Arial"/>
-              </a:rPr>
-              <a:t>component</a:t>
-            </a:r>
+              <a:t>Setup </a:t>
+            </a:r>
+            <a:endParaRPr b="0" lang="en-US" sz="1400" spc="-1" strike="noStrike">
+              <a:latin typeface="Arial"/>
+            </a:endParaRPr>
+          </a:p>
+          <a:p>
+            <a:pPr marL="432000" indent="-324000">
+              <a:spcBef>
+                <a:spcPts val="615"/>
+              </a:spcBef>
+              <a:buClr>
+                <a:srgbClr val="000000"/>
+              </a:buClr>
+              <a:buSzPct val="45000"/>
+              <a:buFont typeface="Wingdings" charset="2"/>
+              <a:buChar char=""/>
+              <a:tabLst>
+                <a:tab algn="l" pos="408240"/>
+              </a:tabLst>
+            </a:pPr>
             <a:r>
               <a:rPr b="0" lang="en-US" sz="1400" spc="-1" strike="noStrike">
                 <a:latin typeface="Arial"/>
               </a:rPr>
-              <a:t> is a piece of reusable code that represents a part of a user interface. Components are used to </a:t>
-            </a:r>
-            <a:r>
-              <a:rPr b="0" lang="en-US" sz="1400" spc="-1" strike="noStrike" u="sng">
-                <a:uFillTx/>
-                <a:latin typeface="Arial"/>
-              </a:rPr>
-              <a:t>render, manage, and update the UI elements</a:t>
-            </a:r>
+              <a:t>Ensure you have installed and setup a proper JS runtime environment with node and npm</a:t>
+            </a:r>
+            <a:endParaRPr b="0" lang="en-US" sz="1400" spc="-1" strike="noStrike">
+              <a:latin typeface="Arial"/>
+            </a:endParaRPr>
+          </a:p>
+          <a:p>
+            <a:pPr marL="432000" indent="-324000">
+              <a:spcBef>
+                <a:spcPts val="615"/>
+              </a:spcBef>
+              <a:buClr>
+                <a:srgbClr val="000000"/>
+              </a:buClr>
+              <a:buSzPct val="45000"/>
+              <a:buFont typeface="Wingdings" charset="2"/>
+              <a:buChar char=""/>
+              <a:tabLst>
+                <a:tab algn="l" pos="408240"/>
+              </a:tabLst>
+            </a:pPr>
             <a:r>
               <a:rPr b="0" lang="en-US" sz="1400" spc="-1" strike="noStrike">
                 <a:latin typeface="Arial"/>
               </a:rPr>
-              <a:t> in your application. Let’s look at the component line by line to see what’s going on:</a:t>
+              <a:t>Copy the Github source code onto your machine: </a:t>
             </a:r>
             <a:endParaRPr b="0" lang="en-US" sz="1400" spc="-1" strike="noStrike">
               <a:latin typeface="Arial"/>
             </a:endParaRPr>
           </a:p>
-        </p:txBody>
-      </p:sp>
-      <p:sp>
-        <p:nvSpPr>
-          <p:cNvPr id="57" name=""/>
-          <p:cNvSpPr txBox="1"/>
-          <p:nvPr/>
-        </p:nvSpPr>
-        <p:spPr>
-          <a:xfrm>
-            <a:off x="2286000" y="2838960"/>
-            <a:ext cx="3886200" cy="960120"/>
-          </a:xfrm>
-          <a:prstGeom prst="rect">
-            <a:avLst/>
-          </a:prstGeom>
-          <a:noFill/>
-          <a:ln w="0">
-            <a:noFill/>
-          </a:ln>
-        </p:spPr>
-        <p:txBody>
-          <a:bodyPr lIns="90000" rIns="90000" tIns="45000" bIns="45000" anchor="t">
-            <a:noAutofit/>
-          </a:bodyPr>
-          <a:p>
-            <a:r>
-              <a:rPr b="0" lang="en-US" sz="1000" spc="-1" strike="noStrike">
-                <a:latin typeface="Arial"/>
-              </a:rPr>
-              <a:t>export default </a:t>
-            </a:r>
-            <a:r>
-              <a:rPr b="1" lang="en-US" sz="1000" spc="-1" strike="noStrike">
-                <a:latin typeface="Arial"/>
-              </a:rPr>
-              <a:t>function Square()</a:t>
-            </a:r>
-            <a:r>
-              <a:rPr b="0" lang="en-US" sz="1000" spc="-1" strike="noStrike">
-                <a:latin typeface="Arial"/>
-              </a:rPr>
-              <a:t> {</a:t>
-            </a:r>
-            <a:endParaRPr b="0" lang="en-US" sz="1000" spc="-1" strike="noStrike">
-              <a:latin typeface="Arial"/>
-            </a:endParaRPr>
-          </a:p>
-          <a:p>
-            <a:r>
-              <a:rPr b="0" lang="en-US" sz="1000" spc="-1" strike="noStrike">
-                <a:latin typeface="Arial"/>
-              </a:rPr>
-              <a:t>  </a:t>
-            </a:r>
-            <a:r>
-              <a:rPr b="1" lang="en-US" sz="1000" spc="-1" strike="noStrike">
-                <a:latin typeface="Arial"/>
-              </a:rPr>
-              <a:t>return</a:t>
-            </a:r>
-            <a:r>
-              <a:rPr b="0" lang="en-US" sz="1000" spc="-1" strike="noStrike">
-                <a:latin typeface="Arial"/>
-              </a:rPr>
-              <a:t> </a:t>
-            </a:r>
-            <a:r>
-              <a:rPr b="0" lang="en-US" sz="1000" spc="-1" strike="noStrike" u="sng">
-                <a:uFillTx/>
-                <a:latin typeface="Arial"/>
-              </a:rPr>
-              <a:t>&lt;button className="square"&gt;X&lt;/button&gt;;</a:t>
-            </a:r>
-            <a:endParaRPr b="0" lang="en-US" sz="1000" spc="-1" strike="noStrike">
-              <a:latin typeface="Arial"/>
-            </a:endParaRPr>
-          </a:p>
-          <a:p>
-            <a:r>
-              <a:rPr b="0" lang="en-US" sz="1000" spc="-1" strike="noStrike">
-                <a:latin typeface="Arial"/>
-              </a:rPr>
-              <a:t>}</a:t>
-            </a:r>
-            <a:endParaRPr b="0" lang="en-US" sz="1000" spc="-1" strike="noStrike">
-              <a:latin typeface="Arial"/>
-            </a:endParaRPr>
-          </a:p>
-        </p:txBody>
-      </p:sp>
-      <p:pic>
-        <p:nvPicPr>
-          <p:cNvPr id="58" name="" descr=""/>
-          <p:cNvPicPr/>
-          <p:nvPr/>
-        </p:nvPicPr>
-        <p:blipFill>
-          <a:blip r:embed="rId1"/>
-          <a:stretch/>
-        </p:blipFill>
-        <p:spPr>
-          <a:xfrm>
-            <a:off x="7086600" y="2847960"/>
-            <a:ext cx="1038240" cy="1038240"/>
-          </a:xfrm>
-          <a:prstGeom prst="rect">
-            <a:avLst/>
-          </a:prstGeom>
-          <a:ln w="0">
-            <a:noFill/>
-          </a:ln>
-        </p:spPr>
-      </p:pic>
+          <a:p>
+            <a:pPr marL="432000" indent="-324000">
+              <a:spcBef>
+                <a:spcPts val="615"/>
+              </a:spcBef>
+              <a:buClr>
+                <a:srgbClr val="000000"/>
+              </a:buClr>
+              <a:buSzPct val="45000"/>
+              <a:buFont typeface="Wingdings" charset="2"/>
+              <a:buChar char=""/>
+              <a:tabLst>
+                <a:tab algn="l" pos="408240"/>
+              </a:tabLst>
+            </a:pPr>
+            <a:r>
+              <a:rPr b="0" lang="en-US" sz="1400" spc="-1" strike="noStrike">
+                <a:latin typeface="Arial"/>
+              </a:rPr>
+              <a:t>https://github.com/marcus-yeagle/react-tutorial</a:t>
+            </a:r>
+            <a:endParaRPr b="0" lang="en-US" sz="1400" spc="-1" strike="noStrike">
+              <a:latin typeface="Arial"/>
+            </a:endParaRPr>
+          </a:p>
+        </p:txBody>
+      </p:sp>
     </p:spTree>
   </p:cSld>
   <mc:AlternateContent>
@@ -5950,7 +7730,7 @@
               <a:rPr b="0" lang="en-US" sz="4400" spc="-1" strike="noStrike">
                 <a:latin typeface="Arial"/>
               </a:rPr>
-              <a:t>React 101 - Components</a:t>
+              <a:t>Demo</a:t>
             </a:r>
             <a:endParaRPr b="0" lang="en-US" sz="4400" spc="-1" strike="noStrike">
               <a:latin typeface="Arial"/>
@@ -5960,170 +7740,38 @@
       </p:sp>
       <p:sp>
         <p:nvSpPr>
-          <p:cNvPr id="60" name=""/>
-          <p:cNvSpPr txBox="1"/>
-          <p:nvPr/>
-        </p:nvSpPr>
-        <p:spPr>
-          <a:xfrm>
-            <a:off x="1779840" y="2038680"/>
-            <a:ext cx="5112360" cy="2425320"/>
-          </a:xfrm>
-          <a:prstGeom prst="rect">
-            <a:avLst/>
-          </a:prstGeom>
-          <a:noFill/>
-          <a:ln w="0">
-            <a:noFill/>
-          </a:ln>
-        </p:spPr>
-        <p:txBody>
-          <a:bodyPr lIns="90000" rIns="90000" tIns="45000" bIns="45000" anchor="t">
-            <a:noAutofit/>
-          </a:bodyPr>
-          <a:p>
-            <a:r>
-              <a:rPr b="0" lang="en-US" sz="1000" spc="-1" strike="noStrike">
-                <a:latin typeface="Arial"/>
-              </a:rPr>
-              <a:t>export default function Square() {</a:t>
-            </a:r>
-            <a:endParaRPr b="0" lang="en-US" sz="1000" spc="-1" strike="noStrike">
-              <a:latin typeface="Arial"/>
-            </a:endParaRPr>
-          </a:p>
-          <a:p>
-            <a:r>
-              <a:rPr b="0" lang="en-US" sz="1000" spc="-1" strike="noStrike">
-                <a:latin typeface="Arial"/>
-              </a:rPr>
-              <a:t>return (</a:t>
-            </a:r>
-            <a:endParaRPr b="0" lang="en-US" sz="1000" spc="-1" strike="noStrike">
-              <a:latin typeface="Arial"/>
-            </a:endParaRPr>
-          </a:p>
-          <a:p>
-            <a:r>
-              <a:rPr b="0" lang="en-US" sz="1000" spc="-1" strike="noStrike">
-                <a:latin typeface="Arial"/>
-              </a:rPr>
-              <a:t>     </a:t>
-            </a:r>
-            <a:r>
-              <a:rPr b="0" lang="en-US" sz="1000" spc="-1" strike="noStrike">
-                <a:latin typeface="Arial"/>
-              </a:rPr>
-              <a:t>&lt;&gt;</a:t>
-            </a:r>
-            <a:endParaRPr b="0" lang="en-US" sz="1000" spc="-1" strike="noStrike">
-              <a:latin typeface="Arial"/>
-            </a:endParaRPr>
-          </a:p>
-          <a:p>
-            <a:r>
-              <a:rPr b="0" lang="en-US" sz="1000" spc="-1" strike="noStrike">
-                <a:latin typeface="Arial"/>
-              </a:rPr>
-              <a:t>	</a:t>
-            </a:r>
-            <a:r>
-              <a:rPr b="0" lang="en-US" sz="1000" spc="-1" strike="noStrike">
-                <a:latin typeface="Arial"/>
-              </a:rPr>
-              <a:t>&lt;button className="square"&gt;X&lt;/button&gt;</a:t>
-            </a:r>
-            <a:endParaRPr b="0" lang="en-US" sz="1000" spc="-1" strike="noStrike">
-              <a:latin typeface="Arial"/>
-            </a:endParaRPr>
-          </a:p>
-          <a:p>
-            <a:r>
-              <a:rPr b="0" lang="en-US" sz="1000" spc="-1" strike="noStrike">
-                <a:latin typeface="Arial"/>
-              </a:rPr>
-              <a:t>             </a:t>
-            </a:r>
-            <a:r>
-              <a:rPr b="0" lang="en-US" sz="1000" spc="-1" strike="noStrike">
-                <a:latin typeface="Arial"/>
-              </a:rPr>
-              <a:t>&lt;button className="square"&gt;X&lt;/button&gt;</a:t>
-            </a:r>
-            <a:endParaRPr b="0" lang="en-US" sz="1000" spc="-1" strike="noStrike">
-              <a:latin typeface="Arial"/>
-            </a:endParaRPr>
-          </a:p>
-          <a:p>
-            <a:r>
-              <a:rPr b="0" lang="en-US" sz="1000" spc="-1" strike="noStrike">
-                <a:latin typeface="Arial"/>
-              </a:rPr>
-              <a:t>    </a:t>
-            </a:r>
-            <a:r>
-              <a:rPr b="0" lang="en-US" sz="1000" spc="-1" strike="noStrike">
-                <a:latin typeface="Arial"/>
-              </a:rPr>
-              <a:t>&lt;/&gt;</a:t>
-            </a:r>
-            <a:endParaRPr b="0" lang="en-US" sz="1000" spc="-1" strike="noStrike">
-              <a:latin typeface="Arial"/>
-            </a:endParaRPr>
-          </a:p>
-          <a:p>
-            <a:r>
-              <a:rPr b="0" lang="en-US" sz="1000" spc="-1" strike="noStrike">
-                <a:latin typeface="Arial"/>
-              </a:rPr>
-              <a:t> </a:t>
-            </a:r>
-            <a:r>
-              <a:rPr b="0" lang="en-US" sz="1000" spc="-1" strike="noStrike">
-                <a:latin typeface="Arial"/>
-              </a:rPr>
-              <a:t>);</a:t>
-            </a:r>
-            <a:endParaRPr b="0" lang="en-US" sz="1000" spc="-1" strike="noStrike">
-              <a:latin typeface="Arial"/>
-            </a:endParaRPr>
-          </a:p>
-          <a:p>
-            <a:r>
-              <a:rPr b="0" lang="en-US" sz="1000" spc="-1" strike="noStrike">
-                <a:latin typeface="Arial"/>
-              </a:rPr>
-              <a:t>}</a:t>
-            </a:r>
-            <a:endParaRPr b="0" lang="en-US" sz="1000" spc="-1" strike="noStrike">
-              <a:latin typeface="Arial"/>
-            </a:endParaRPr>
-          </a:p>
-        </p:txBody>
-      </p:sp>
-      <p:pic>
-        <p:nvPicPr>
-          <p:cNvPr id="61" name="" descr=""/>
-          <p:cNvPicPr/>
-          <p:nvPr/>
-        </p:nvPicPr>
-        <p:blipFill>
-          <a:blip r:embed="rId1"/>
-          <a:stretch/>
-        </p:blipFill>
-        <p:spPr>
-          <a:xfrm>
-            <a:off x="6400800" y="2514600"/>
-            <a:ext cx="1738080" cy="993240"/>
-          </a:xfrm>
-          <a:prstGeom prst="rect">
-            <a:avLst/>
-          </a:prstGeom>
-          <a:ln w="0">
-            <a:noFill/>
-          </a:ln>
-        </p:spPr>
-      </p:pic>
+          <p:cNvPr id="60" name="PlaceHolder 2"/>
+          <p:cNvSpPr>
+            <a:spLocks noGrp="1"/>
+          </p:cNvSpPr>
+          <p:nvPr>
+            <p:ph/>
+          </p:nvPr>
+        </p:nvSpPr>
+        <p:spPr>
+          <a:xfrm>
+            <a:off x="504000" y="1326600"/>
+            <a:ext cx="9071640" cy="3288240"/>
+          </a:xfrm>
+          <a:prstGeom prst="rect">
+            <a:avLst/>
+          </a:prstGeom>
+          <a:noFill/>
+          <a:ln w="0">
+            <a:noFill/>
+          </a:ln>
+        </p:spPr>
+        <p:txBody>
+          <a:bodyPr lIns="0" rIns="0" tIns="0" bIns="0" anchor="t">
+            <a:normAutofit/>
+          </a:bodyPr>
+          <a:p>
+            <a:endParaRPr b="0" lang="en-US" sz="1400" spc="-1" strike="noStrike">
+              <a:latin typeface="Arial"/>
+            </a:endParaRPr>
+          </a:p>
+        </p:txBody>
+      </p:sp>
     </p:spTree>
   </p:cSld>
   <mc:AlternateContent>
@@ -6156,7 +7804,7 @@
       </p:grpSpPr>
       <p:sp>
         <p:nvSpPr>
-          <p:cNvPr id="62" name="PlaceHolder 1"/>
+          <p:cNvPr id="61" name="PlaceHolder 1"/>
           <p:cNvSpPr>
             <a:spLocks noGrp="1"/>
           </p:cNvSpPr>
@@ -6186,10 +7834,78 @@
             <a:r>
               <a:rPr b="0" lang="en-US" sz="4400" spc="-1" strike="noStrike">
                 <a:latin typeface="Arial"/>
-              </a:rPr>
-              <a:t>React 101 - Components</a:t>
+                <a:ea typeface="PingFang SC"/>
+              </a:rPr>
+              <a:t>React 101 </a:t>
+            </a:r>
+            <a:r>
+              <a:rPr b="0" lang="en-US" sz="4400" spc="-1" strike="noStrike">
+                <a:latin typeface="Arial"/>
+              </a:rPr>
+              <a:t>- Components</a:t>
             </a:r>
             <a:endParaRPr b="0" lang="en-US" sz="4400" spc="-1" strike="noStrike">
+              <a:latin typeface="Arial"/>
+            </a:endParaRPr>
+          </a:p>
+        </p:txBody>
+      </p:sp>
+      <p:sp>
+        <p:nvSpPr>
+          <p:cNvPr id="62" name=""/>
+          <p:cNvSpPr txBox="1"/>
+          <p:nvPr/>
+        </p:nvSpPr>
+        <p:spPr>
+          <a:xfrm>
+            <a:off x="914400" y="1172520"/>
+            <a:ext cx="8229600" cy="1370160"/>
+          </a:xfrm>
+          <a:prstGeom prst="rect">
+            <a:avLst/>
+          </a:prstGeom>
+          <a:noFill/>
+          <a:ln w="0">
+            <a:noFill/>
+          </a:ln>
+        </p:spPr>
+        <p:txBody>
+          <a:bodyPr lIns="90000" rIns="90000" tIns="45000" bIns="45000" anchor="t">
+            <a:noAutofit/>
+          </a:bodyPr>
+          <a:p>
+            <a:r>
+              <a:rPr b="0" lang="en-US" sz="1400" spc="-1" strike="noStrike">
+                <a:latin typeface="Arial"/>
+              </a:rPr>
+              <a:t>In React, a </a:t>
+            </a:r>
+            <a:r>
+              <a:rPr b="1" lang="en-US" sz="1400" spc="-1" strike="noStrike">
+                <a:latin typeface="Arial"/>
+              </a:rPr>
+              <a:t>component</a:t>
+            </a:r>
+            <a:r>
+              <a:rPr b="0" lang="en-US" sz="1400" spc="-1" strike="noStrike">
+                <a:latin typeface="Arial"/>
+              </a:rPr>
+              <a:t> is a piece of reusable code that represents a part of a user interface. Components are used to </a:t>
+            </a:r>
+            <a:r>
+              <a:rPr b="0" lang="en-US" sz="1400" spc="-1" strike="noStrike" u="sng">
+                <a:uFillTx/>
+                <a:latin typeface="Arial"/>
+              </a:rPr>
+              <a:t>render, manage, and update the UI elements</a:t>
+            </a:r>
+            <a:r>
+              <a:rPr b="0" lang="en-US" sz="1400" spc="-1" strike="noStrike">
+                <a:latin typeface="Arial"/>
+              </a:rPr>
+              <a:t> in your application. Let’s look at the component line by line to see what’s going on:</a:t>
+            </a:r>
+            <a:endParaRPr b="0" lang="en-US" sz="1400" spc="-1" strike="noStrike">
               <a:latin typeface="Arial"/>
             </a:endParaRPr>
           </a:p>
@@ -6203,8 +7919,8 @@
         </p:nvSpPr>
         <p:spPr>
           <a:xfrm>
-            <a:off x="1782000" y="1924560"/>
-            <a:ext cx="4114800" cy="960120"/>
+            <a:off x="2286000" y="2838960"/>
+            <a:ext cx="3886200" cy="960120"/>
           </a:xfrm>
           <a:prstGeom prst="rect">
             <a:avLst/>
@@ -6223,20 +7939,19 @@
               <a:rPr b="0" lang="en-US" sz="1000" spc="-1" strike="noStrike">
                 <a:latin typeface="Arial"/>
               </a:rPr>
-              <a:t>function Square({ </a:t>
-            </a:r>
-            <a:r>
-              <a:rPr b="0" lang="en-US" sz="1000" spc="-1" strike="noStrike" u="sng">
-                <a:uFillTx/>
-                <a:latin typeface="Arial"/>
-              </a:rPr>
-              <a:t>value</a:t>
+              <a:t>export default </a:t>
             </a:r>
             <a:r>
               <a:rPr b="0" lang="en-US" sz="1000" spc="-1" strike="noStrike">
                 <a:latin typeface="Arial"/>
               </a:rPr>
-              <a:t> }) {</a:t>
+              <a:t>function Square()</a:t>
+            </a:r>
+            <a:r>
+              <a:rPr b="0" lang="en-US" sz="1000" spc="-1" strike="noStrike">
+                <a:latin typeface="Arial"/>
+              </a:rPr>
+              <a:t> {</a:t>
             </a:r>
             <a:endParaRPr b="0" lang="en-US" sz="1000" spc="-1" strike="noStrike">
               <a:latin typeface="Arial"/>
@@ -6247,13 +7962,25 @@
               <a:rPr b="0" lang="en-US" sz="1000" spc="-1" strike="noStrike">
                 <a:latin typeface="Arial"/>
               </a:rPr>
-              <a:t>   </a:t>
+              <a:t>  </a:t>
             </a:r>
             <a:r>
               <a:rPr b="0" lang="en-US" sz="1000" spc="-1" strike="noStrike">
                 <a:latin typeface="Arial"/>
               </a:rPr>
-              <a:t>return &lt;button className="square"&gt;value&lt;/button&gt;;</a:t>
+              <a:t>return</a:t>
+            </a:r>
+            <a:r>
+              <a:rPr b="0" lang="en-US" sz="1000" spc="-1" strike="noStrike">
+                <a:latin typeface="Arial"/>
+              </a:rPr>
+              <a:t> </a:t>
+            </a:r>
+            <a:r>
+              <a:rPr b="0" lang="en-US" sz="1000" spc="-1" strike="noStrike">
+                <a:latin typeface="Arial"/>
+              </a:rPr>
+              <a:t>&lt;button className="square"&gt;X&lt;/button&gt;;</a:t>
             </a:r>
             <a:endParaRPr b="0" lang="en-US" sz="1000" spc="-1" strike="noStrike">
               <a:latin typeface="Arial"/>
@@ -6284,8 +8011,8 @@
         </p:blipFill>
         <p:spPr>
           <a:xfrm>
-            <a:off x="6510960" y="2300760"/>
-            <a:ext cx="1947240" cy="1585440"/>
+            <a:off x="7088400" y="2851200"/>
+            <a:ext cx="1038240" cy="1038240"/>
           </a:xfrm>
           <a:prstGeom prst="rect">
             <a:avLst/>

--- a/React 101.pptx
+++ b/React 101.pptx
@@ -34,7 +34,6 @@
     <p:sldId id="282" r:id="rId29"/>
     <p:sldId id="283" r:id="rId30"/>
     <p:sldId id="284" r:id="rId31"/>
-    <p:sldId id="285" r:id="rId32"/>
   </p:sldIdLst>
   <p:sldSz cx="10080625" cy="5670550"/>
   <p:notesSz cx="7772400" cy="10058400"/>
@@ -1913,7 +1912,7 @@
           </a:bodyPr>
           <a:p>
             <a:pPr algn="r"/>
-            <a:fld id="{8AA23FC5-348B-46F7-B358-86237F36B839}" type="slidenum">
+            <a:fld id="{A47B1FCF-0853-485E-8364-91D48C199518}" type="slidenum">
               <a:rPr b="0" lang="en-US" sz="1400" spc="-1" strike="noStrike">
                 <a:latin typeface="Times New Roman"/>
               </a:rPr>
@@ -3934,8 +3933,8 @@
         </p:blipFill>
         <p:spPr>
           <a:xfrm>
-            <a:off x="457200" y="3429000"/>
-            <a:ext cx="6193440" cy="1828800"/>
+            <a:off x="457200" y="3200400"/>
+            <a:ext cx="6193440" cy="2057400"/>
           </a:xfrm>
           <a:prstGeom prst="rect">
             <a:avLst/>
@@ -4416,102 +4415,353 @@
       </p:sp>
       <p:sp>
         <p:nvSpPr>
-          <p:cNvPr id="106" name="PlaceHolder 2"/>
-          <p:cNvSpPr>
-            <a:spLocks noGrp="1"/>
-          </p:cNvSpPr>
-          <p:nvPr>
-            <p:ph/>
-          </p:nvPr>
-        </p:nvSpPr>
-        <p:spPr>
-          <a:xfrm>
-            <a:off x="504000" y="1326600"/>
-            <a:ext cx="9071640" cy="3288240"/>
-          </a:xfrm>
-          <a:prstGeom prst="rect">
-            <a:avLst/>
-          </a:prstGeom>
-          <a:noFill/>
-          <a:ln w="0">
-            <a:noFill/>
-          </a:ln>
-        </p:spPr>
-        <p:txBody>
-          <a:bodyPr lIns="0" rIns="0" tIns="0" bIns="0" anchor="t">
-            <a:normAutofit/>
-          </a:bodyPr>
-          <a:p>
-            <a:pPr marL="432000" indent="-324000">
-              <a:spcBef>
-                <a:spcPts val="615"/>
-              </a:spcBef>
-              <a:buClr>
-                <a:srgbClr val="000000"/>
-              </a:buClr>
-              <a:buSzPct val="45000"/>
-              <a:buFont typeface="Wingdings" charset="2"/>
-              <a:buChar char=""/>
-              <a:tabLst>
-                <a:tab algn="l" pos="408240"/>
-              </a:tabLst>
-            </a:pPr>
+          <p:cNvPr id="106" name=""/>
+          <p:cNvSpPr txBox="1"/>
+          <p:nvPr/>
+        </p:nvSpPr>
+        <p:spPr>
+          <a:xfrm>
+            <a:off x="1143000" y="1371600"/>
+            <a:ext cx="5029200" cy="5919120"/>
+          </a:xfrm>
+          <a:prstGeom prst="rect">
+            <a:avLst/>
+          </a:prstGeom>
+          <a:noFill/>
+          <a:ln w="0">
+            <a:noFill/>
+          </a:ln>
+        </p:spPr>
+        <p:txBody>
+          <a:bodyPr lIns="90000" rIns="90000" tIns="45000" bIns="45000" anchor="t">
+            <a:noAutofit/>
+          </a:bodyPr>
+          <a:p>
+            <a:r>
+              <a:rPr b="0" lang="en-US" sz="1800" spc="-1" strike="noStrike">
+                <a:latin typeface="Arial"/>
+              </a:rPr>
+              <a:t>- Now that your state handling is in the Board component, the parent Board component passes props to the child Square components so that they can be displayed correctly. </a:t>
+            </a:r>
+            <a:endParaRPr b="0" lang="en-US" sz="1800" spc="-1" strike="noStrike">
+              <a:latin typeface="Arial"/>
+            </a:endParaRPr>
+          </a:p>
+          <a:p>
+            <a:endParaRPr b="0" lang="en-US" sz="1800" spc="-1" strike="noStrike">
+              <a:latin typeface="Arial"/>
+            </a:endParaRPr>
+          </a:p>
+        </p:txBody>
+      </p:sp>
+      <p:sp>
+        <p:nvSpPr>
+          <p:cNvPr id="107" name=""/>
+          <p:cNvSpPr/>
+          <p:nvPr/>
+        </p:nvSpPr>
+        <p:spPr>
+          <a:xfrm>
+            <a:off x="7880400" y="1864800"/>
+            <a:ext cx="685800" cy="685800"/>
+          </a:xfrm>
+          <a:prstGeom prst="ellipse">
+            <a:avLst/>
+          </a:prstGeom>
+          <a:solidFill>
+            <a:srgbClr val="729fcf"/>
+          </a:solidFill>
+          <a:ln w="0">
+            <a:solidFill>
+              <a:srgbClr val="3465a4"/>
+            </a:solidFill>
+          </a:ln>
+        </p:spPr>
+        <p:style>
+          <a:lnRef idx="0"/>
+          <a:fillRef idx="0"/>
+          <a:effectRef idx="0"/>
+          <a:fontRef idx="minor"/>
+        </p:style>
+      </p:sp>
+      <p:sp>
+        <p:nvSpPr>
+          <p:cNvPr id="108" name=""/>
+          <p:cNvSpPr/>
+          <p:nvPr/>
+        </p:nvSpPr>
+        <p:spPr>
+          <a:xfrm>
+            <a:off x="7086600" y="2971800"/>
+            <a:ext cx="685800" cy="685800"/>
+          </a:xfrm>
+          <a:prstGeom prst="ellipse">
+            <a:avLst/>
+          </a:prstGeom>
+          <a:solidFill>
+            <a:srgbClr val="729fcf"/>
+          </a:solidFill>
+          <a:ln w="0">
+            <a:solidFill>
+              <a:srgbClr val="3465a4"/>
+            </a:solidFill>
+          </a:ln>
+        </p:spPr>
+        <p:style>
+          <a:lnRef idx="0"/>
+          <a:fillRef idx="0"/>
+          <a:effectRef idx="0"/>
+          <a:fontRef idx="minor"/>
+        </p:style>
+      </p:sp>
+      <p:sp>
+        <p:nvSpPr>
+          <p:cNvPr id="109" name=""/>
+          <p:cNvSpPr/>
+          <p:nvPr/>
+        </p:nvSpPr>
+        <p:spPr>
+          <a:xfrm>
+            <a:off x="7914600" y="3007800"/>
+            <a:ext cx="685800" cy="685800"/>
+          </a:xfrm>
+          <a:prstGeom prst="ellipse">
+            <a:avLst/>
+          </a:prstGeom>
+          <a:solidFill>
+            <a:srgbClr val="729fcf"/>
+          </a:solidFill>
+          <a:ln w="0">
+            <a:solidFill>
+              <a:srgbClr val="3465a4"/>
+            </a:solidFill>
+          </a:ln>
+        </p:spPr>
+        <p:style>
+          <a:lnRef idx="0"/>
+          <a:fillRef idx="0"/>
+          <a:effectRef idx="0"/>
+          <a:fontRef idx="minor"/>
+        </p:style>
+      </p:sp>
+      <p:sp>
+        <p:nvSpPr>
+          <p:cNvPr id="110" name=""/>
+          <p:cNvSpPr/>
+          <p:nvPr/>
+        </p:nvSpPr>
+        <p:spPr>
+          <a:xfrm flipH="1">
+            <a:off x="7543800" y="2514600"/>
+            <a:ext cx="457200" cy="457200"/>
+          </a:xfrm>
+          <a:prstGeom prst="line">
+            <a:avLst/>
+          </a:prstGeom>
+          <a:ln w="0">
+            <a:solidFill>
+              <a:srgbClr val="3465a4"/>
+            </a:solidFill>
+          </a:ln>
+        </p:spPr>
+        <p:style>
+          <a:lnRef idx="0"/>
+          <a:fillRef idx="0"/>
+          <a:effectRef idx="0"/>
+          <a:fontRef idx="minor"/>
+        </p:style>
+      </p:sp>
+      <p:sp>
+        <p:nvSpPr>
+          <p:cNvPr id="111" name=""/>
+          <p:cNvSpPr/>
+          <p:nvPr/>
+        </p:nvSpPr>
+        <p:spPr>
+          <a:xfrm>
+            <a:off x="8229600" y="2550600"/>
+            <a:ext cx="0" cy="457200"/>
+          </a:xfrm>
+          <a:prstGeom prst="line">
+            <a:avLst/>
+          </a:prstGeom>
+          <a:ln w="0">
+            <a:solidFill>
+              <a:srgbClr val="3465a4"/>
+            </a:solidFill>
+          </a:ln>
+        </p:spPr>
+        <p:style>
+          <a:lnRef idx="0"/>
+          <a:fillRef idx="0"/>
+          <a:effectRef idx="0"/>
+          <a:fontRef idx="minor"/>
+        </p:style>
+      </p:sp>
+      <p:sp>
+        <p:nvSpPr>
+          <p:cNvPr id="112" name=""/>
+          <p:cNvSpPr txBox="1"/>
+          <p:nvPr/>
+        </p:nvSpPr>
+        <p:spPr>
+          <a:xfrm>
+            <a:off x="8915400" y="3200400"/>
+            <a:ext cx="1371600" cy="288720"/>
+          </a:xfrm>
+          <a:prstGeom prst="rect">
+            <a:avLst/>
+          </a:prstGeom>
+          <a:noFill/>
+          <a:ln w="0">
+            <a:noFill/>
+          </a:ln>
+        </p:spPr>
+        <p:txBody>
+          <a:bodyPr lIns="90000" rIns="90000" tIns="45000" bIns="45000" anchor="t">
+            <a:noAutofit/>
+          </a:bodyPr>
+          <a:p>
             <a:r>
               <a:rPr b="0" lang="en-US" sz="1400" spc="-1" strike="noStrike">
                 <a:latin typeface="Arial"/>
               </a:rPr>
-              <a:t>The handleClick function creates a copy of the squares array (nextSquares) with the JavaScript slice() Array method. Then, handleClick updates the nextSquares array to add X to the first ([0] index) square.</a:t>
+              <a:t>...</a:t>
             </a:r>
             <a:endParaRPr b="0" lang="en-US" sz="1400" spc="-1" strike="noStrike">
               <a:latin typeface="Arial"/>
             </a:endParaRPr>
           </a:p>
-          <a:p>
-            <a:pPr marL="432000" indent="-324000">
-              <a:spcBef>
-                <a:spcPts val="615"/>
-              </a:spcBef>
-              <a:buClr>
-                <a:srgbClr val="000000"/>
-              </a:buClr>
-              <a:buSzPct val="45000"/>
-              <a:buFont typeface="Wingdings" charset="2"/>
-              <a:buChar char=""/>
-              <a:tabLst>
-                <a:tab algn="l" pos="408240"/>
-              </a:tabLst>
-            </a:pPr>
+        </p:txBody>
+      </p:sp>
+      <p:sp>
+        <p:nvSpPr>
+          <p:cNvPr id="113" name=""/>
+          <p:cNvSpPr/>
+          <p:nvPr/>
+        </p:nvSpPr>
+        <p:spPr>
+          <a:xfrm>
+            <a:off x="8458200" y="2514600"/>
+            <a:ext cx="457200" cy="685800"/>
+          </a:xfrm>
+          <a:prstGeom prst="line">
+            <a:avLst/>
+          </a:prstGeom>
+          <a:ln w="0">
+            <a:solidFill>
+              <a:srgbClr val="3465a4"/>
+            </a:solidFill>
+          </a:ln>
+        </p:spPr>
+        <p:style>
+          <a:lnRef idx="0"/>
+          <a:fillRef idx="0"/>
+          <a:effectRef idx="0"/>
+          <a:fontRef idx="minor"/>
+        </p:style>
+      </p:sp>
+      <p:sp>
+        <p:nvSpPr>
+          <p:cNvPr id="114" name=""/>
+          <p:cNvSpPr txBox="1"/>
+          <p:nvPr/>
+        </p:nvSpPr>
+        <p:spPr>
+          <a:xfrm>
+            <a:off x="8073000" y="2057400"/>
+            <a:ext cx="914400" cy="288720"/>
+          </a:xfrm>
+          <a:prstGeom prst="rect">
+            <a:avLst/>
+          </a:prstGeom>
+          <a:noFill/>
+          <a:ln w="0">
+            <a:noFill/>
+          </a:ln>
+        </p:spPr>
+        <p:txBody>
+          <a:bodyPr lIns="90000" rIns="90000" tIns="45000" bIns="45000" anchor="t">
+            <a:noAutofit/>
+          </a:bodyPr>
+          <a:p>
             <a:r>
               <a:rPr b="0" lang="en-US" sz="1400" spc="-1" strike="noStrike">
                 <a:latin typeface="Arial"/>
               </a:rPr>
-              <a:t>Calling the setSquares function lets React know </a:t>
-            </a:r>
-            <a:r>
-              <a:rPr b="0" lang="en-US" sz="1400" spc="-1" strike="noStrike" u="sng">
-                <a:uFillTx/>
-                <a:latin typeface="Arial"/>
-              </a:rPr>
-              <a:t>the state of the component has changed</a:t>
-            </a:r>
+              <a:t>B</a:t>
+            </a:r>
+            <a:endParaRPr b="0" lang="en-US" sz="1400" spc="-1" strike="noStrike">
+              <a:latin typeface="Arial"/>
+            </a:endParaRPr>
+          </a:p>
+        </p:txBody>
+      </p:sp>
+      <p:sp>
+        <p:nvSpPr>
+          <p:cNvPr id="115" name=""/>
+          <p:cNvSpPr txBox="1"/>
+          <p:nvPr/>
+        </p:nvSpPr>
+        <p:spPr>
+          <a:xfrm>
+            <a:off x="7243200" y="3176280"/>
+            <a:ext cx="914400" cy="288720"/>
+          </a:xfrm>
+          <a:prstGeom prst="rect">
+            <a:avLst/>
+          </a:prstGeom>
+          <a:noFill/>
+          <a:ln w="0">
+            <a:noFill/>
+          </a:ln>
+        </p:spPr>
+        <p:txBody>
+          <a:bodyPr lIns="90000" rIns="90000" tIns="45000" bIns="45000" anchor="t">
+            <a:noAutofit/>
+          </a:bodyPr>
+          <a:p>
             <a:r>
               <a:rPr b="0" lang="en-US" sz="1400" spc="-1" strike="noStrike">
                 <a:latin typeface="Arial"/>
               </a:rPr>
-              <a:t>. This will trigger a </a:t>
-            </a:r>
-            <a:r>
-              <a:rPr b="1" lang="en-US" sz="1400" spc="-1" strike="noStrike" u="sng">
-                <a:uFillTx/>
-                <a:latin typeface="Arial"/>
-              </a:rPr>
-              <a:t>re-render of the components that use the squares state</a:t>
-            </a:r>
+              <a:t>S1</a:t>
+            </a:r>
+            <a:endParaRPr b="0" lang="en-US" sz="1400" spc="-1" strike="noStrike">
+              <a:latin typeface="Arial"/>
+            </a:endParaRPr>
+          </a:p>
+        </p:txBody>
+      </p:sp>
+      <p:sp>
+        <p:nvSpPr>
+          <p:cNvPr id="116" name=""/>
+          <p:cNvSpPr txBox="1"/>
+          <p:nvPr/>
+        </p:nvSpPr>
+        <p:spPr>
+          <a:xfrm>
+            <a:off x="8071200" y="3176280"/>
+            <a:ext cx="914400" cy="288720"/>
+          </a:xfrm>
+          <a:prstGeom prst="rect">
+            <a:avLst/>
+          </a:prstGeom>
+          <a:noFill/>
+          <a:ln w="0">
+            <a:noFill/>
+          </a:ln>
+        </p:spPr>
+        <p:txBody>
+          <a:bodyPr lIns="90000" rIns="90000" tIns="45000" bIns="45000" anchor="t">
+            <a:noAutofit/>
+          </a:bodyPr>
+          <a:p>
             <a:r>
               <a:rPr b="0" lang="en-US" sz="1400" spc="-1" strike="noStrike">
                 <a:latin typeface="Arial"/>
               </a:rPr>
-              <a:t> (Board) as well as its child components (the Square components that make up the board).</a:t>
+              <a:t>S2</a:t>
             </a:r>
             <a:endParaRPr b="0" lang="en-US" sz="1400" spc="-1" strike="noStrike">
               <a:latin typeface="Arial"/>
@@ -4519,29 +4769,6 @@
           </a:p>
         </p:txBody>
       </p:sp>
-      <p:pic>
-        <p:nvPicPr>
-          <p:cNvPr id="107" name="" descr=""/>
-          <p:cNvPicPr/>
-          <p:nvPr/>
-        </p:nvPicPr>
-        <p:blipFill>
-          <a:blip r:embed="rId1"/>
-          <a:stretch/>
-        </p:blipFill>
-        <p:spPr>
-          <a:xfrm>
-            <a:off x="1348200" y="2478600"/>
-            <a:ext cx="7772400" cy="2971800"/>
-          </a:xfrm>
-          <a:prstGeom prst="rect">
-            <a:avLst/>
-          </a:prstGeom>
-          <a:ln w="0">
-            <a:noFill/>
-          </a:ln>
-        </p:spPr>
-      </p:pic>
     </p:spTree>
   </p:cSld>
   <mc:AlternateContent>
@@ -4574,7 +4801,7 @@
       </p:grpSpPr>
       <p:sp>
         <p:nvSpPr>
-          <p:cNvPr id="108" name="PlaceHolder 1"/>
+          <p:cNvPr id="117" name="PlaceHolder 1"/>
           <p:cNvSpPr>
             <a:spLocks noGrp="1"/>
           </p:cNvSpPr>
@@ -4615,7 +4842,7 @@
       </p:sp>
       <p:sp>
         <p:nvSpPr>
-          <p:cNvPr id="109" name=""/>
+          <p:cNvPr id="118" name=""/>
           <p:cNvSpPr txBox="1"/>
           <p:nvPr/>
         </p:nvSpPr>
@@ -4648,15 +4875,26 @@
             </a:endParaRPr>
           </a:p>
           <a:p>
+            <a:r>
+              <a:rPr b="0" lang="en-US" sz="1800" spc="-1" strike="noStrike">
+                <a:latin typeface="Arial"/>
+              </a:rPr>
+              <a:t>- When clicking on a Square, the child Square component now asks the parent Board component to update the state of the board. </a:t>
+            </a:r>
             <a:endParaRPr b="0" lang="en-US" sz="1800" spc="-1" strike="noStrike">
               <a:latin typeface="Arial"/>
             </a:endParaRPr>
           </a:p>
-        </p:txBody>
-      </p:sp>
-      <p:sp>
-        <p:nvSpPr>
-          <p:cNvPr id="110" name=""/>
+          <a:p>
+            <a:endParaRPr b="0" lang="en-US" sz="1800" spc="-1" strike="noStrike">
+              <a:latin typeface="Arial"/>
+            </a:endParaRPr>
+          </a:p>
+        </p:txBody>
+      </p:sp>
+      <p:sp>
+        <p:nvSpPr>
+          <p:cNvPr id="119" name=""/>
           <p:cNvSpPr/>
           <p:nvPr/>
         </p:nvSpPr>
@@ -4686,7 +4924,7 @@
       </p:sp>
       <p:sp>
         <p:nvSpPr>
-          <p:cNvPr id="111" name=""/>
+          <p:cNvPr id="120" name=""/>
           <p:cNvSpPr/>
           <p:nvPr/>
         </p:nvSpPr>
@@ -4716,7 +4954,7 @@
       </p:sp>
       <p:sp>
         <p:nvSpPr>
-          <p:cNvPr id="112" name=""/>
+          <p:cNvPr id="121" name=""/>
           <p:cNvSpPr/>
           <p:nvPr/>
         </p:nvSpPr>
@@ -4729,7 +4967,7 @@
             <a:avLst/>
           </a:prstGeom>
           <a:solidFill>
-            <a:srgbClr val="729fcf"/>
+            <a:srgbClr val="ff0000"/>
           </a:solidFill>
           <a:ln w="0">
             <a:solidFill>
@@ -4746,7 +4984,7 @@
       </p:sp>
       <p:sp>
         <p:nvSpPr>
-          <p:cNvPr id="113" name=""/>
+          <p:cNvPr id="122" name=""/>
           <p:cNvSpPr/>
           <p:nvPr/>
         </p:nvSpPr>
@@ -4773,7 +5011,7 @@
       </p:sp>
       <p:sp>
         <p:nvSpPr>
-          <p:cNvPr id="114" name=""/>
+          <p:cNvPr id="123" name=""/>
           <p:cNvSpPr/>
           <p:nvPr/>
         </p:nvSpPr>
@@ -4789,6 +5027,7 @@
             <a:solidFill>
               <a:srgbClr val="3465a4"/>
             </a:solidFill>
+            <a:prstDash val="sysDash"/>
           </a:ln>
         </p:spPr>
         <p:style>
@@ -4800,7 +5039,7 @@
       </p:sp>
       <p:sp>
         <p:nvSpPr>
-          <p:cNvPr id="115" name=""/>
+          <p:cNvPr id="124" name=""/>
           <p:cNvSpPr txBox="1"/>
           <p:nvPr/>
         </p:nvSpPr>
@@ -4836,7 +5075,7 @@
       </p:sp>
       <p:sp>
         <p:nvSpPr>
-          <p:cNvPr id="116" name=""/>
+          <p:cNvPr id="125" name=""/>
           <p:cNvSpPr/>
           <p:nvPr/>
         </p:nvSpPr>
@@ -4863,7 +5102,7 @@
       </p:sp>
       <p:sp>
         <p:nvSpPr>
-          <p:cNvPr id="117" name=""/>
+          <p:cNvPr id="126" name=""/>
           <p:cNvSpPr txBox="1"/>
           <p:nvPr/>
         </p:nvSpPr>
@@ -4899,7 +5138,7 @@
       </p:sp>
       <p:sp>
         <p:nvSpPr>
-          <p:cNvPr id="118" name=""/>
+          <p:cNvPr id="127" name=""/>
           <p:cNvSpPr txBox="1"/>
           <p:nvPr/>
         </p:nvSpPr>
@@ -4935,7 +5174,7 @@
       </p:sp>
       <p:sp>
         <p:nvSpPr>
-          <p:cNvPr id="119" name=""/>
+          <p:cNvPr id="128" name=""/>
           <p:cNvSpPr txBox="1"/>
           <p:nvPr/>
         </p:nvSpPr>
@@ -5001,7 +5240,7 @@
       </p:grpSpPr>
       <p:sp>
         <p:nvSpPr>
-          <p:cNvPr id="120" name="PlaceHolder 1"/>
+          <p:cNvPr id="129" name="PlaceHolder 1"/>
           <p:cNvSpPr>
             <a:spLocks noGrp="1"/>
           </p:cNvSpPr>
@@ -5042,7 +5281,7 @@
       </p:sp>
       <p:sp>
         <p:nvSpPr>
-          <p:cNvPr id="121" name=""/>
+          <p:cNvPr id="130" name=""/>
           <p:cNvSpPr txBox="1"/>
           <p:nvPr/>
         </p:nvSpPr>
@@ -5086,15 +5325,32 @@
             </a:endParaRPr>
           </a:p>
           <a:p>
+            <a:r>
+              <a:rPr b="0" lang="en-US" sz="1800" spc="-1" strike="noStrike">
+                <a:latin typeface="Arial"/>
+              </a:rPr>
+              <a:t>- When the Board’s state changes, both the Board component and every child Square re-renders automatically. </a:t>
+            </a:r>
             <a:endParaRPr b="0" lang="en-US" sz="1800" spc="-1" strike="noStrike">
               <a:latin typeface="Arial"/>
             </a:endParaRPr>
           </a:p>
-        </p:txBody>
-      </p:sp>
-      <p:sp>
-        <p:nvSpPr>
-          <p:cNvPr id="122" name=""/>
+          <a:p>
+            <a:r>
+              <a:rPr b="0" lang="en-US" sz="1800" spc="-1" strike="noStrike">
+                <a:latin typeface="Arial"/>
+              </a:rPr>
+              <a:t>- Keeping the state of all squares in the Board component will allow it to determine the winner in the future.</a:t>
+            </a:r>
+            <a:endParaRPr b="0" lang="en-US" sz="1800" spc="-1" strike="noStrike">
+              <a:latin typeface="Arial"/>
+            </a:endParaRPr>
+          </a:p>
+        </p:txBody>
+      </p:sp>
+      <p:sp>
+        <p:nvSpPr>
+          <p:cNvPr id="131" name=""/>
           <p:cNvSpPr/>
           <p:nvPr/>
         </p:nvSpPr>
@@ -5107,7 +5363,7 @@
             <a:avLst/>
           </a:prstGeom>
           <a:solidFill>
-            <a:srgbClr val="729fcf"/>
+            <a:srgbClr val="ff0000"/>
           </a:solidFill>
           <a:ln w="0">
             <a:solidFill>
@@ -5124,7 +5380,7 @@
       </p:sp>
       <p:sp>
         <p:nvSpPr>
-          <p:cNvPr id="123" name=""/>
+          <p:cNvPr id="132" name=""/>
           <p:cNvSpPr/>
           <p:nvPr/>
         </p:nvSpPr>
@@ -5137,7 +5393,7 @@
             <a:avLst/>
           </a:prstGeom>
           <a:solidFill>
-            <a:srgbClr val="729fcf"/>
+            <a:srgbClr val="ff0000"/>
           </a:solidFill>
           <a:ln w="0">
             <a:solidFill>
@@ -5154,7 +5410,7 @@
       </p:sp>
       <p:sp>
         <p:nvSpPr>
-          <p:cNvPr id="124" name=""/>
+          <p:cNvPr id="133" name=""/>
           <p:cNvSpPr/>
           <p:nvPr/>
         </p:nvSpPr>
@@ -5184,7 +5440,7 @@
       </p:sp>
       <p:sp>
         <p:nvSpPr>
-          <p:cNvPr id="125" name=""/>
+          <p:cNvPr id="134" name=""/>
           <p:cNvSpPr/>
           <p:nvPr/>
         </p:nvSpPr>
@@ -5211,7 +5467,7 @@
       </p:sp>
       <p:sp>
         <p:nvSpPr>
-          <p:cNvPr id="126" name=""/>
+          <p:cNvPr id="135" name=""/>
           <p:cNvSpPr/>
           <p:nvPr/>
         </p:nvSpPr>
@@ -5227,7 +5483,6 @@
             <a:solidFill>
               <a:srgbClr val="3465a4"/>
             </a:solidFill>
-            <a:prstDash val="sysDash"/>
           </a:ln>
         </p:spPr>
         <p:style>
@@ -5239,7 +5494,7 @@
       </p:sp>
       <p:sp>
         <p:nvSpPr>
-          <p:cNvPr id="127" name=""/>
+          <p:cNvPr id="136" name=""/>
           <p:cNvSpPr txBox="1"/>
           <p:nvPr/>
         </p:nvSpPr>
@@ -5275,7 +5530,7 @@
       </p:sp>
       <p:sp>
         <p:nvSpPr>
-          <p:cNvPr id="128" name=""/>
+          <p:cNvPr id="137" name=""/>
           <p:cNvSpPr/>
           <p:nvPr/>
         </p:nvSpPr>
@@ -5302,7 +5557,7 @@
       </p:sp>
       <p:sp>
         <p:nvSpPr>
-          <p:cNvPr id="129" name=""/>
+          <p:cNvPr id="138" name=""/>
           <p:cNvSpPr txBox="1"/>
           <p:nvPr/>
         </p:nvSpPr>
@@ -5338,7 +5593,7 @@
       </p:sp>
       <p:sp>
         <p:nvSpPr>
-          <p:cNvPr id="130" name=""/>
+          <p:cNvPr id="139" name=""/>
           <p:cNvSpPr txBox="1"/>
           <p:nvPr/>
         </p:nvSpPr>
@@ -5374,7 +5629,7 @@
       </p:sp>
       <p:sp>
         <p:nvSpPr>
-          <p:cNvPr id="131" name=""/>
+          <p:cNvPr id="140" name=""/>
           <p:cNvSpPr txBox="1"/>
           <p:nvPr/>
         </p:nvSpPr>
@@ -5440,7 +5695,7 @@
       </p:grpSpPr>
       <p:sp>
         <p:nvSpPr>
-          <p:cNvPr id="132" name="PlaceHolder 1"/>
+          <p:cNvPr id="141" name="PlaceHolder 1"/>
           <p:cNvSpPr>
             <a:spLocks noGrp="1"/>
           </p:cNvSpPr>
@@ -5471,7 +5726,7 @@
               <a:rPr b="0" lang="en-US" sz="4400" spc="-1" strike="noStrike">
                 <a:latin typeface="Arial"/>
               </a:rPr>
-              <a:t>React 101 – Component State</a:t>
+              <a:t>React 101 – Immutability</a:t>
             </a:r>
             <a:endParaRPr b="0" lang="en-US" sz="4400" spc="-1" strike="noStrike">
               <a:latin typeface="Arial"/>
@@ -5481,381 +5736,329 @@
       </p:sp>
       <p:sp>
         <p:nvSpPr>
-          <p:cNvPr id="133" name=""/>
-          <p:cNvSpPr txBox="1"/>
-          <p:nvPr/>
-        </p:nvSpPr>
-        <p:spPr>
-          <a:xfrm>
-            <a:off x="1143000" y="1371600"/>
-            <a:ext cx="5029200" cy="5919120"/>
-          </a:xfrm>
-          <a:prstGeom prst="rect">
-            <a:avLst/>
-          </a:prstGeom>
-          <a:noFill/>
-          <a:ln w="0">
-            <a:noFill/>
-          </a:ln>
-        </p:spPr>
-        <p:txBody>
-          <a:bodyPr lIns="90000" rIns="90000" tIns="45000" bIns="45000" anchor="t">
-            <a:noAutofit/>
-          </a:bodyPr>
-          <a:p>
-            <a:r>
-              <a:rPr b="0" lang="en-US" sz="1800" spc="-1" strike="noStrike">
-                <a:latin typeface="Arial"/>
-              </a:rPr>
-              <a:t>- Now that your state handling is in the Board component, the parent Board component passes props to the child Square components so that they can be displayed correctly. </a:t>
-            </a:r>
-            <a:endParaRPr b="0" lang="en-US" sz="1800" spc="-1" strike="noStrike">
-              <a:latin typeface="Arial"/>
-            </a:endParaRPr>
-          </a:p>
-          <a:p>
-            <a:r>
-              <a:rPr b="0" lang="en-US" sz="1800" spc="-1" strike="noStrike">
-                <a:latin typeface="Arial"/>
-              </a:rPr>
-              <a:t>- When clicking on a Square, the child Square component now asks the parent Board component to update the state of the board. </a:t>
-            </a:r>
-            <a:endParaRPr b="0" lang="en-US" sz="1800" spc="-1" strike="noStrike">
-              <a:latin typeface="Arial"/>
-            </a:endParaRPr>
-          </a:p>
-          <a:p>
-            <a:r>
-              <a:rPr b="0" lang="en-US" sz="1800" spc="-1" strike="noStrike">
-                <a:latin typeface="Arial"/>
-              </a:rPr>
-              <a:t>- When the Board’s state changes, both the Board component and every child Square re-renders automatically. </a:t>
-            </a:r>
-            <a:endParaRPr b="0" lang="en-US" sz="1800" spc="-1" strike="noStrike">
-              <a:latin typeface="Arial"/>
-            </a:endParaRPr>
-          </a:p>
-          <a:p>
-            <a:r>
-              <a:rPr b="0" lang="en-US" sz="1800" spc="-1" strike="noStrike">
-                <a:latin typeface="Arial"/>
-              </a:rPr>
-              <a:t>- Keeping the state of all squares in the Board component will allow it to determine the winner in the future.</a:t>
-            </a:r>
-            <a:endParaRPr b="0" lang="en-US" sz="1800" spc="-1" strike="noStrike">
-              <a:latin typeface="Arial"/>
-            </a:endParaRPr>
-          </a:p>
-        </p:txBody>
-      </p:sp>
-      <p:sp>
-        <p:nvSpPr>
-          <p:cNvPr id="134" name=""/>
-          <p:cNvSpPr/>
-          <p:nvPr/>
-        </p:nvSpPr>
-        <p:spPr>
-          <a:xfrm>
-            <a:off x="7880400" y="1864800"/>
-            <a:ext cx="685800" cy="685800"/>
-          </a:xfrm>
-          <a:prstGeom prst="ellipse">
-            <a:avLst/>
-          </a:prstGeom>
-          <a:solidFill>
-            <a:srgbClr val="ff0000"/>
-          </a:solidFill>
-          <a:ln w="0">
-            <a:solidFill>
-              <a:srgbClr val="3465a4"/>
-            </a:solidFill>
-          </a:ln>
-        </p:spPr>
-        <p:style>
-          <a:lnRef idx="0"/>
-          <a:fillRef idx="0"/>
-          <a:effectRef idx="0"/>
-          <a:fontRef idx="minor"/>
-        </p:style>
-      </p:sp>
-      <p:sp>
-        <p:nvSpPr>
-          <p:cNvPr id="135" name=""/>
-          <p:cNvSpPr/>
-          <p:nvPr/>
-        </p:nvSpPr>
-        <p:spPr>
-          <a:xfrm>
-            <a:off x="7086600" y="2971800"/>
-            <a:ext cx="685800" cy="685800"/>
-          </a:xfrm>
-          <a:prstGeom prst="ellipse">
-            <a:avLst/>
-          </a:prstGeom>
-          <a:solidFill>
-            <a:srgbClr val="ff0000"/>
-          </a:solidFill>
-          <a:ln w="0">
-            <a:solidFill>
-              <a:srgbClr val="3465a4"/>
-            </a:solidFill>
-          </a:ln>
-        </p:spPr>
-        <p:style>
-          <a:lnRef idx="0"/>
-          <a:fillRef idx="0"/>
-          <a:effectRef idx="0"/>
-          <a:fontRef idx="minor"/>
-        </p:style>
-      </p:sp>
-      <p:sp>
-        <p:nvSpPr>
-          <p:cNvPr id="136" name=""/>
-          <p:cNvSpPr/>
-          <p:nvPr/>
-        </p:nvSpPr>
-        <p:spPr>
-          <a:xfrm>
-            <a:off x="7914600" y="3007800"/>
-            <a:ext cx="685800" cy="685800"/>
-          </a:xfrm>
-          <a:prstGeom prst="ellipse">
-            <a:avLst/>
-          </a:prstGeom>
-          <a:solidFill>
-            <a:srgbClr val="ff0000"/>
-          </a:solidFill>
-          <a:ln w="0">
-            <a:solidFill>
-              <a:srgbClr val="3465a4"/>
-            </a:solidFill>
-          </a:ln>
-        </p:spPr>
-        <p:style>
-          <a:lnRef idx="0"/>
-          <a:fillRef idx="0"/>
-          <a:effectRef idx="0"/>
-          <a:fontRef idx="minor"/>
-        </p:style>
-      </p:sp>
-      <p:sp>
-        <p:nvSpPr>
-          <p:cNvPr id="137" name=""/>
-          <p:cNvSpPr/>
-          <p:nvPr/>
-        </p:nvSpPr>
-        <p:spPr>
-          <a:xfrm flipH="1">
-            <a:off x="7543800" y="2514600"/>
-            <a:ext cx="457200" cy="457200"/>
-          </a:xfrm>
-          <a:prstGeom prst="line">
-            <a:avLst/>
-          </a:prstGeom>
-          <a:ln w="0">
-            <a:solidFill>
-              <a:srgbClr val="3465a4"/>
-            </a:solidFill>
-          </a:ln>
-        </p:spPr>
-        <p:style>
-          <a:lnRef idx="0"/>
-          <a:fillRef idx="0"/>
-          <a:effectRef idx="0"/>
-          <a:fontRef idx="minor"/>
-        </p:style>
-      </p:sp>
-      <p:sp>
-        <p:nvSpPr>
-          <p:cNvPr id="138" name=""/>
-          <p:cNvSpPr/>
-          <p:nvPr/>
-        </p:nvSpPr>
-        <p:spPr>
-          <a:xfrm>
-            <a:off x="8229600" y="2550600"/>
-            <a:ext cx="0" cy="457200"/>
-          </a:xfrm>
-          <a:prstGeom prst="line">
-            <a:avLst/>
-          </a:prstGeom>
-          <a:ln w="0">
-            <a:solidFill>
-              <a:srgbClr val="3465a4"/>
-            </a:solidFill>
-          </a:ln>
-        </p:spPr>
-        <p:style>
-          <a:lnRef idx="0"/>
-          <a:fillRef idx="0"/>
-          <a:effectRef idx="0"/>
-          <a:fontRef idx="minor"/>
-        </p:style>
-      </p:sp>
-      <p:sp>
-        <p:nvSpPr>
-          <p:cNvPr id="139" name=""/>
-          <p:cNvSpPr txBox="1"/>
-          <p:nvPr/>
-        </p:nvSpPr>
-        <p:spPr>
-          <a:xfrm>
-            <a:off x="8915400" y="3200400"/>
-            <a:ext cx="1371600" cy="288720"/>
-          </a:xfrm>
-          <a:prstGeom prst="rect">
-            <a:avLst/>
-          </a:prstGeom>
-          <a:noFill/>
-          <a:ln w="0">
-            <a:noFill/>
-          </a:ln>
-        </p:spPr>
-        <p:txBody>
-          <a:bodyPr lIns="90000" rIns="90000" tIns="45000" bIns="45000" anchor="t">
-            <a:noAutofit/>
-          </a:bodyPr>
-          <a:p>
+          <p:cNvPr id="142" name="PlaceHolder 2"/>
+          <p:cNvSpPr>
+            <a:spLocks noGrp="1"/>
+          </p:cNvSpPr>
+          <p:nvPr>
+            <p:ph/>
+          </p:nvPr>
+        </p:nvSpPr>
+        <p:spPr>
+          <a:xfrm>
+            <a:off x="504000" y="1326600"/>
+            <a:ext cx="9325800" cy="3702600"/>
+          </a:xfrm>
+          <a:prstGeom prst="rect">
+            <a:avLst/>
+          </a:prstGeom>
+          <a:noFill/>
+          <a:ln w="0">
+            <a:noFill/>
+          </a:ln>
+        </p:spPr>
+        <p:txBody>
+          <a:bodyPr lIns="0" rIns="0" tIns="0" bIns="0" anchor="t">
+            <a:normAutofit fontScale="77000"/>
+          </a:bodyPr>
+          <a:p>
+            <a:pPr marL="432000" indent="-324000">
+              <a:spcBef>
+                <a:spcPts val="615"/>
+              </a:spcBef>
+              <a:buClr>
+                <a:srgbClr val="000000"/>
+              </a:buClr>
+              <a:buSzPct val="45000"/>
+              <a:buFont typeface="Wingdings" charset="2"/>
+              <a:buChar char=""/>
+              <a:tabLst>
+                <a:tab algn="l" pos="408240"/>
+              </a:tabLst>
+            </a:pPr>
             <a:r>
               <a:rPr b="0" lang="en-US" sz="1400" spc="-1" strike="noStrike">
                 <a:latin typeface="Arial"/>
               </a:rPr>
-              <a:t>...</a:t>
+              <a:t>There are generally two approaches to changing data. </a:t>
             </a:r>
             <a:endParaRPr b="0" lang="en-US" sz="1400" spc="-1" strike="noStrike">
               <a:latin typeface="Arial"/>
             </a:endParaRPr>
           </a:p>
-        </p:txBody>
-      </p:sp>
-      <p:sp>
-        <p:nvSpPr>
-          <p:cNvPr id="140" name=""/>
-          <p:cNvSpPr/>
-          <p:nvPr/>
-        </p:nvSpPr>
-        <p:spPr>
-          <a:xfrm>
-            <a:off x="8458200" y="2514600"/>
-            <a:ext cx="457200" cy="685800"/>
-          </a:xfrm>
-          <a:prstGeom prst="line">
-            <a:avLst/>
-          </a:prstGeom>
-          <a:ln w="0">
-            <a:solidFill>
-              <a:srgbClr val="3465a4"/>
-            </a:solidFill>
-          </a:ln>
-        </p:spPr>
-        <p:style>
-          <a:lnRef idx="0"/>
-          <a:fillRef idx="0"/>
-          <a:effectRef idx="0"/>
-          <a:fontRef idx="minor"/>
-        </p:style>
-      </p:sp>
-      <p:sp>
-        <p:nvSpPr>
-          <p:cNvPr id="141" name=""/>
-          <p:cNvSpPr txBox="1"/>
-          <p:nvPr/>
-        </p:nvSpPr>
-        <p:spPr>
-          <a:xfrm>
-            <a:off x="8073000" y="2057400"/>
-            <a:ext cx="914400" cy="288720"/>
-          </a:xfrm>
-          <a:prstGeom prst="rect">
-            <a:avLst/>
-          </a:prstGeom>
-          <a:noFill/>
-          <a:ln w="0">
-            <a:noFill/>
-          </a:ln>
-        </p:spPr>
-        <p:txBody>
-          <a:bodyPr lIns="90000" rIns="90000" tIns="45000" bIns="45000" anchor="t">
-            <a:noAutofit/>
-          </a:bodyPr>
-          <a:p>
+          <a:p>
+            <a:pPr marL="432000" indent="-324000">
+              <a:spcBef>
+                <a:spcPts val="615"/>
+              </a:spcBef>
+              <a:buClr>
+                <a:srgbClr val="000000"/>
+              </a:buClr>
+              <a:buSzPct val="45000"/>
+              <a:buFont typeface="Wingdings" charset="2"/>
+              <a:buChar char=""/>
+              <a:tabLst>
+                <a:tab algn="l" pos="408240"/>
+              </a:tabLst>
+            </a:pPr>
             <a:r>
               <a:rPr b="0" lang="en-US" sz="1400" spc="-1" strike="noStrike">
                 <a:latin typeface="Arial"/>
               </a:rPr>
-              <a:t>B</a:t>
+              <a:t>The first approach is to mutate the data by directly changing the data’s values. </a:t>
             </a:r>
             <a:endParaRPr b="0" lang="en-US" sz="1400" spc="-1" strike="noStrike">
               <a:latin typeface="Arial"/>
             </a:endParaRPr>
           </a:p>
-        </p:txBody>
-      </p:sp>
-      <p:sp>
-        <p:nvSpPr>
-          <p:cNvPr id="142" name=""/>
-          <p:cNvSpPr txBox="1"/>
-          <p:nvPr/>
-        </p:nvSpPr>
-        <p:spPr>
-          <a:xfrm>
-            <a:off x="7243200" y="3176280"/>
-            <a:ext cx="914400" cy="288720"/>
-          </a:xfrm>
-          <a:prstGeom prst="rect">
-            <a:avLst/>
-          </a:prstGeom>
-          <a:noFill/>
-          <a:ln w="0">
-            <a:noFill/>
-          </a:ln>
-        </p:spPr>
-        <p:txBody>
-          <a:bodyPr lIns="90000" rIns="90000" tIns="45000" bIns="45000" anchor="t">
-            <a:noAutofit/>
-          </a:bodyPr>
-          <a:p>
+          <a:p>
+            <a:pPr lvl="1" marL="864000" indent="-324000">
+              <a:spcBef>
+                <a:spcPts val="1134"/>
+              </a:spcBef>
+              <a:buClr>
+                <a:srgbClr val="000000"/>
+              </a:buClr>
+              <a:buSzPct val="75000"/>
+              <a:buFont typeface="Symbol" charset="2"/>
+              <a:buChar char=""/>
+              <a:tabLst>
+                <a:tab algn="l" pos="408240"/>
+              </a:tabLst>
+            </a:pPr>
+            <a:r>
+              <a:rPr b="0" lang="en-US" sz="2800" spc="-1" strike="noStrike">
+                <a:latin typeface="Arial"/>
+                <a:ea typeface="PingFang SC"/>
+              </a:rPr>
+              <a:t>const squares = [null, null, null, </a:t>
+            </a:r>
+            <a:r>
+              <a:rPr b="0" lang="en-US" sz="2800" spc="-1" strike="noStrike">
+                <a:latin typeface="Arial"/>
+              </a:rPr>
+              <a:t>null, null, null … ];</a:t>
+            </a:r>
+            <a:endParaRPr b="0" lang="en-US" sz="2800" spc="-1" strike="noStrike">
+              <a:latin typeface="Arial"/>
+            </a:endParaRPr>
+          </a:p>
+          <a:p>
+            <a:pPr lvl="1" marL="864000" indent="-324000">
+              <a:spcBef>
+                <a:spcPts val="1134"/>
+              </a:spcBef>
+              <a:buClr>
+                <a:srgbClr val="000000"/>
+              </a:buClr>
+              <a:buSzPct val="75000"/>
+              <a:buFont typeface="Symbol" charset="2"/>
+              <a:buChar char=""/>
+              <a:tabLst>
+                <a:tab algn="l" pos="408240"/>
+              </a:tabLst>
+            </a:pPr>
+            <a:r>
+              <a:rPr b="0" lang="en-US" sz="2800" spc="-1" strike="noStrike">
+                <a:latin typeface="Arial"/>
+              </a:rPr>
+              <a:t>squares[0] = ‘X’; </a:t>
+            </a:r>
+            <a:endParaRPr b="0" lang="en-US" sz="2800" spc="-1" strike="noStrike">
+              <a:latin typeface="Arial"/>
+            </a:endParaRPr>
+          </a:p>
+          <a:p>
+            <a:pPr marL="432000" indent="-324000">
+              <a:spcBef>
+                <a:spcPts val="615"/>
+              </a:spcBef>
+              <a:buClr>
+                <a:srgbClr val="000000"/>
+              </a:buClr>
+              <a:buSzPct val="45000"/>
+              <a:buFont typeface="Wingdings" charset="2"/>
+              <a:buChar char=""/>
+              <a:tabLst>
+                <a:tab algn="l" pos="408240"/>
+              </a:tabLst>
+            </a:pPr>
+            <a:endParaRPr b="0" lang="en-US" sz="2800" spc="-1" strike="noStrike">
+              <a:latin typeface="Arial"/>
+            </a:endParaRPr>
+          </a:p>
+          <a:p>
+            <a:pPr marL="432000" indent="-324000">
+              <a:spcBef>
+                <a:spcPts val="615"/>
+              </a:spcBef>
+              <a:buClr>
+                <a:srgbClr val="000000"/>
+              </a:buClr>
+              <a:buSzPct val="45000"/>
+              <a:buFont typeface="Wingdings" charset="2"/>
+              <a:buChar char=""/>
+              <a:tabLst>
+                <a:tab algn="l" pos="408240"/>
+              </a:tabLst>
+            </a:pPr>
             <a:r>
               <a:rPr b="0" lang="en-US" sz="1400" spc="-1" strike="noStrike">
                 <a:latin typeface="Arial"/>
               </a:rPr>
-              <a:t>S1</a:t>
+              <a:t>The second approach is to replace the data with a new copy which has the desired changes. Here is what it would look like if you mutated the squares array:</a:t>
             </a:r>
             <a:endParaRPr b="0" lang="en-US" sz="1400" spc="-1" strike="noStrike">
               <a:latin typeface="Arial"/>
             </a:endParaRPr>
           </a:p>
-        </p:txBody>
-      </p:sp>
-      <p:sp>
-        <p:nvSpPr>
-          <p:cNvPr id="143" name=""/>
-          <p:cNvSpPr txBox="1"/>
-          <p:nvPr/>
-        </p:nvSpPr>
-        <p:spPr>
-          <a:xfrm>
-            <a:off x="8071200" y="3176280"/>
-            <a:ext cx="914400" cy="288720"/>
-          </a:xfrm>
-          <a:prstGeom prst="rect">
-            <a:avLst/>
-          </a:prstGeom>
-          <a:noFill/>
-          <a:ln w="0">
-            <a:noFill/>
-          </a:ln>
-        </p:spPr>
-        <p:txBody>
-          <a:bodyPr lIns="90000" rIns="90000" tIns="45000" bIns="45000" anchor="t">
-            <a:noAutofit/>
-          </a:bodyPr>
-          <a:p>
+          <a:p>
+            <a:pPr lvl="1" marL="864000" indent="-324000">
+              <a:spcBef>
+                <a:spcPts val="1134"/>
+              </a:spcBef>
+              <a:buClr>
+                <a:srgbClr val="000000"/>
+              </a:buClr>
+              <a:buSzPct val="75000"/>
+              <a:buFont typeface="Symbol" charset="2"/>
+              <a:buChar char=""/>
+            </a:pPr>
+            <a:r>
+              <a:rPr b="0" lang="en-US" sz="2800" spc="-1" strike="noStrike">
+                <a:latin typeface="Arial"/>
+                <a:ea typeface="PingFang SC"/>
+              </a:rPr>
+              <a:t>const squares = [null, null, null, </a:t>
+            </a:r>
+            <a:r>
+              <a:rPr b="0" lang="en-US" sz="2800" spc="-1" strike="noStrike">
+                <a:latin typeface="Arial"/>
+              </a:rPr>
+              <a:t>null, null, null … ];</a:t>
+            </a:r>
+            <a:endParaRPr b="0" lang="en-US" sz="2800" spc="-1" strike="noStrike">
+              <a:latin typeface="Arial"/>
+            </a:endParaRPr>
+          </a:p>
+          <a:p>
+            <a:pPr lvl="1" marL="864000" indent="-324000">
+              <a:spcBef>
+                <a:spcPts val="1134"/>
+              </a:spcBef>
+              <a:buClr>
+                <a:srgbClr val="000000"/>
+              </a:buClr>
+              <a:buSzPct val="75000"/>
+              <a:buFont typeface="Symbol" charset="2"/>
+              <a:buChar char=""/>
+            </a:pPr>
+            <a:r>
+              <a:rPr b="0" lang="en-US" sz="2800" spc="-1" strike="noStrike">
+                <a:latin typeface="Arial"/>
+                <a:ea typeface="PingFang SC"/>
+              </a:rPr>
+              <a:t>const nextSquares = [‘X’, null, null, </a:t>
+            </a:r>
+            <a:r>
+              <a:rPr b="0" lang="en-US" sz="2800" spc="-1" strike="noStrike">
+                <a:latin typeface="Arial"/>
+              </a:rPr>
+              <a:t>null, null, null … ]; </a:t>
+            </a:r>
+            <a:endParaRPr b="0" lang="en-US" sz="2800" spc="-1" strike="noStrike">
+              <a:latin typeface="Arial"/>
+            </a:endParaRPr>
+          </a:p>
+          <a:p>
+            <a:pPr marL="432000" indent="-324000">
+              <a:spcBef>
+                <a:spcPts val="615"/>
+              </a:spcBef>
+              <a:buClr>
+                <a:srgbClr val="000000"/>
+              </a:buClr>
+              <a:buSzPct val="45000"/>
+              <a:buFont typeface="Wingdings" charset="2"/>
+              <a:buChar char=""/>
+              <a:tabLst>
+                <a:tab algn="l" pos="408240"/>
+              </a:tabLst>
+            </a:pPr>
+            <a:endParaRPr b="0" lang="en-US" sz="2800" spc="-1" strike="noStrike">
+              <a:latin typeface="Arial"/>
+            </a:endParaRPr>
+          </a:p>
+          <a:p>
+            <a:pPr marL="432000" indent="-324000">
+              <a:spcBef>
+                <a:spcPts val="615"/>
+              </a:spcBef>
+              <a:buClr>
+                <a:srgbClr val="000000"/>
+              </a:buClr>
+              <a:buSzPct val="45000"/>
+              <a:buFont typeface="Wingdings" charset="2"/>
+              <a:buChar char=""/>
+              <a:tabLst>
+                <a:tab algn="l" pos="408240"/>
+              </a:tabLst>
+            </a:pPr>
             <a:r>
               <a:rPr b="0" lang="en-US" sz="1400" spc="-1" strike="noStrike">
                 <a:latin typeface="Arial"/>
               </a:rPr>
-              <a:t>S2</a:t>
+              <a:t>There is also another benefit of immutability: By default, all child components re-render automatically when the state of a parent component changes. </a:t>
+            </a:r>
+            <a:endParaRPr b="0" lang="en-US" sz="1400" spc="-1" strike="noStrike">
+              <a:latin typeface="Arial"/>
+            </a:endParaRPr>
+          </a:p>
+          <a:p>
+            <a:pPr marL="432000" indent="-324000">
+              <a:spcBef>
+                <a:spcPts val="615"/>
+              </a:spcBef>
+              <a:buClr>
+                <a:srgbClr val="000000"/>
+              </a:buClr>
+              <a:buSzPct val="45000"/>
+              <a:buFont typeface="Wingdings" charset="2"/>
+              <a:buChar char=""/>
+              <a:tabLst>
+                <a:tab algn="l" pos="408240"/>
+              </a:tabLst>
+            </a:pPr>
+            <a:r>
+              <a:rPr b="0" lang="en-US" sz="1400" spc="-1" strike="noStrike">
+                <a:latin typeface="Arial"/>
+              </a:rPr>
+              <a:t>This includes even the child components that weren’t affected by the change. Although re-rendering is not by itself noticeable to the user (you shouldn’t actively try to avoid it!), you might want to skip re-rendering a part of the tree that clearly wasn’t affected by it for performance reasons. </a:t>
+            </a:r>
+            <a:endParaRPr b="0" lang="en-US" sz="1400" spc="-1" strike="noStrike">
+              <a:latin typeface="Arial"/>
+            </a:endParaRPr>
+          </a:p>
+          <a:p>
+            <a:pPr marL="432000" indent="-324000">
+              <a:spcBef>
+                <a:spcPts val="615"/>
+              </a:spcBef>
+              <a:buClr>
+                <a:srgbClr val="000000"/>
+              </a:buClr>
+              <a:buSzPct val="45000"/>
+              <a:buFont typeface="Wingdings" charset="2"/>
+              <a:buChar char=""/>
+              <a:tabLst>
+                <a:tab algn="l" pos="408240"/>
+              </a:tabLst>
+            </a:pPr>
+            <a:r>
+              <a:rPr b="0" lang="en-US" sz="1400" spc="-1" strike="noStrike">
+                <a:latin typeface="Arial"/>
+              </a:rPr>
+              <a:t>Immutability makes it very cheap for components to compare whether their data has changed or not. </a:t>
             </a:r>
             <a:endParaRPr b="0" lang="en-US" sz="1400" spc="-1" strike="noStrike">
               <a:latin typeface="Arial"/>
@@ -5895,7 +6098,7 @@
       </p:grpSpPr>
       <p:sp>
         <p:nvSpPr>
-          <p:cNvPr id="144" name="PlaceHolder 1"/>
+          <p:cNvPr id="143" name="PlaceHolder 1"/>
           <p:cNvSpPr>
             <a:spLocks noGrp="1"/>
           </p:cNvSpPr>
@@ -5926,7 +6129,7 @@
               <a:rPr b="0" lang="en-US" sz="4400" spc="-1" strike="noStrike">
                 <a:latin typeface="Arial"/>
               </a:rPr>
-              <a:t>React 101 – Immutability</a:t>
+              <a:t>React 101 – Component Logic</a:t>
             </a:r>
             <a:endParaRPr b="0" lang="en-US" sz="4400" spc="-1" strike="noStrike">
               <a:latin typeface="Arial"/>
@@ -5934,338 +6137,29 @@
           </a:p>
         </p:txBody>
       </p:sp>
-      <p:sp>
-        <p:nvSpPr>
-          <p:cNvPr id="145" name="PlaceHolder 2"/>
-          <p:cNvSpPr>
-            <a:spLocks noGrp="1"/>
-          </p:cNvSpPr>
-          <p:nvPr>
-            <p:ph/>
-          </p:nvPr>
-        </p:nvSpPr>
-        <p:spPr>
-          <a:xfrm>
-            <a:off x="504000" y="1326600"/>
-            <a:ext cx="9325800" cy="3702600"/>
-          </a:xfrm>
-          <a:prstGeom prst="rect">
-            <a:avLst/>
-          </a:prstGeom>
-          <a:noFill/>
-          <a:ln w="0">
-            <a:noFill/>
-          </a:ln>
-        </p:spPr>
-        <p:txBody>
-          <a:bodyPr lIns="0" rIns="0" tIns="0" bIns="0" anchor="t">
-            <a:normAutofit fontScale="77000"/>
-          </a:bodyPr>
-          <a:p>
-            <a:pPr marL="432000" indent="-324000">
-              <a:spcBef>
-                <a:spcPts val="615"/>
-              </a:spcBef>
-              <a:buClr>
-                <a:srgbClr val="000000"/>
-              </a:buClr>
-              <a:buSzPct val="45000"/>
-              <a:buFont typeface="Wingdings" charset="2"/>
-              <a:buChar char=""/>
-              <a:tabLst>
-                <a:tab algn="l" pos="408240"/>
-              </a:tabLst>
-            </a:pPr>
-            <a:r>
-              <a:rPr b="0" lang="en-US" sz="1400" spc="-1" strike="noStrike">
-                <a:latin typeface="Arial"/>
-              </a:rPr>
-              <a:t>There are generally two approaches to changing data. </a:t>
-            </a:r>
-            <a:endParaRPr b="0" lang="en-US" sz="1400" spc="-1" strike="noStrike">
-              <a:latin typeface="Arial"/>
-            </a:endParaRPr>
-          </a:p>
-          <a:p>
-            <a:pPr marL="432000" indent="-324000">
-              <a:spcBef>
-                <a:spcPts val="615"/>
-              </a:spcBef>
-              <a:buClr>
-                <a:srgbClr val="000000"/>
-              </a:buClr>
-              <a:buSzPct val="45000"/>
-              <a:buFont typeface="Wingdings" charset="2"/>
-              <a:buChar char=""/>
-              <a:tabLst>
-                <a:tab algn="l" pos="408240"/>
-              </a:tabLst>
-            </a:pPr>
-            <a:r>
-              <a:rPr b="0" lang="en-US" sz="1400" spc="-1" strike="noStrike">
-                <a:latin typeface="Arial"/>
-              </a:rPr>
-              <a:t>The first approach is to mutate the data by directly changing the data’s values. </a:t>
-            </a:r>
-            <a:endParaRPr b="0" lang="en-US" sz="1400" spc="-1" strike="noStrike">
-              <a:latin typeface="Arial"/>
-            </a:endParaRPr>
-          </a:p>
-          <a:p>
-            <a:pPr lvl="1" marL="864000" indent="-324000">
-              <a:spcBef>
-                <a:spcPts val="1134"/>
-              </a:spcBef>
-              <a:buClr>
-                <a:srgbClr val="000000"/>
-              </a:buClr>
-              <a:buSzPct val="75000"/>
-              <a:buFont typeface="Symbol" charset="2"/>
-              <a:buChar char=""/>
-              <a:tabLst>
-                <a:tab algn="l" pos="408240"/>
-              </a:tabLst>
-            </a:pPr>
-            <a:r>
-              <a:rPr b="0" lang="en-US" sz="2800" spc="-1" strike="noStrike">
-                <a:latin typeface="Arial"/>
-                <a:ea typeface="PingFang SC"/>
-              </a:rPr>
-              <a:t>const squares = [null, null, null, </a:t>
-            </a:r>
-            <a:r>
-              <a:rPr b="0" lang="en-US" sz="2800" spc="-1" strike="noStrike">
-                <a:latin typeface="Arial"/>
-              </a:rPr>
-              <a:t>null, null, null … ];</a:t>
-            </a:r>
-            <a:endParaRPr b="0" lang="en-US" sz="2800" spc="-1" strike="noStrike">
-              <a:latin typeface="Arial"/>
-            </a:endParaRPr>
-          </a:p>
-          <a:p>
-            <a:pPr lvl="1" marL="864000" indent="-324000">
-              <a:spcBef>
-                <a:spcPts val="1134"/>
-              </a:spcBef>
-              <a:buClr>
-                <a:srgbClr val="000000"/>
-              </a:buClr>
-              <a:buSzPct val="75000"/>
-              <a:buFont typeface="Symbol" charset="2"/>
-              <a:buChar char=""/>
-              <a:tabLst>
-                <a:tab algn="l" pos="408240"/>
-              </a:tabLst>
-            </a:pPr>
-            <a:r>
-              <a:rPr b="0" lang="en-US" sz="2800" spc="-1" strike="noStrike">
-                <a:latin typeface="Arial"/>
-              </a:rPr>
-              <a:t>squares[0] = ‘X’; </a:t>
-            </a:r>
-            <a:endParaRPr b="0" lang="en-US" sz="2800" spc="-1" strike="noStrike">
-              <a:latin typeface="Arial"/>
-            </a:endParaRPr>
-          </a:p>
-          <a:p>
-            <a:pPr marL="432000" indent="-324000">
-              <a:spcBef>
-                <a:spcPts val="615"/>
-              </a:spcBef>
-              <a:buClr>
-                <a:srgbClr val="000000"/>
-              </a:buClr>
-              <a:buSzPct val="45000"/>
-              <a:buFont typeface="Wingdings" charset="2"/>
-              <a:buChar char=""/>
-              <a:tabLst>
-                <a:tab algn="l" pos="408240"/>
-              </a:tabLst>
-            </a:pPr>
-            <a:endParaRPr b="0" lang="en-US" sz="2800" spc="-1" strike="noStrike">
-              <a:latin typeface="Arial"/>
-            </a:endParaRPr>
-          </a:p>
-          <a:p>
-            <a:pPr marL="432000" indent="-324000">
-              <a:spcBef>
-                <a:spcPts val="615"/>
-              </a:spcBef>
-              <a:buClr>
-                <a:srgbClr val="000000"/>
-              </a:buClr>
-              <a:buSzPct val="45000"/>
-              <a:buFont typeface="Wingdings" charset="2"/>
-              <a:buChar char=""/>
-              <a:tabLst>
-                <a:tab algn="l" pos="408240"/>
-              </a:tabLst>
-            </a:pPr>
-            <a:r>
-              <a:rPr b="0" lang="en-US" sz="1400" spc="-1" strike="noStrike">
-                <a:latin typeface="Arial"/>
-              </a:rPr>
-              <a:t>The second approach is to replace the data with a new copy which has the desired changes. Here is what it would look like if you mutated the squares array:</a:t>
-            </a:r>
-            <a:endParaRPr b="0" lang="en-US" sz="1400" spc="-1" strike="noStrike">
-              <a:latin typeface="Arial"/>
-            </a:endParaRPr>
-          </a:p>
-          <a:p>
-            <a:pPr lvl="1" marL="864000" indent="-324000">
-              <a:spcBef>
-                <a:spcPts val="1134"/>
-              </a:spcBef>
-              <a:buClr>
-                <a:srgbClr val="000000"/>
-              </a:buClr>
-              <a:buSzPct val="75000"/>
-              <a:buFont typeface="Symbol" charset="2"/>
-              <a:buChar char=""/>
-            </a:pPr>
-            <a:r>
-              <a:rPr b="0" lang="en-US" sz="2800" spc="-1" strike="noStrike">
-                <a:latin typeface="Arial"/>
-                <a:ea typeface="PingFang SC"/>
-              </a:rPr>
-              <a:t>const squares = [null, null, null, </a:t>
-            </a:r>
-            <a:r>
-              <a:rPr b="0" lang="en-US" sz="2800" spc="-1" strike="noStrike">
-                <a:latin typeface="Arial"/>
-              </a:rPr>
-              <a:t>null, null, null … ];</a:t>
-            </a:r>
-            <a:endParaRPr b="0" lang="en-US" sz="2800" spc="-1" strike="noStrike">
-              <a:latin typeface="Arial"/>
-            </a:endParaRPr>
-          </a:p>
-          <a:p>
-            <a:pPr lvl="1" marL="864000" indent="-324000">
-              <a:spcBef>
-                <a:spcPts val="1134"/>
-              </a:spcBef>
-              <a:buClr>
-                <a:srgbClr val="000000"/>
-              </a:buClr>
-              <a:buSzPct val="75000"/>
-              <a:buFont typeface="Symbol" charset="2"/>
-              <a:buChar char=""/>
-            </a:pPr>
-            <a:r>
-              <a:rPr b="0" lang="en-US" sz="2800" spc="-1" strike="noStrike">
-                <a:latin typeface="Arial"/>
-                <a:ea typeface="PingFang SC"/>
-              </a:rPr>
-              <a:t>const nextSquares = [‘X’, null, null, </a:t>
-            </a:r>
-            <a:r>
-              <a:rPr b="0" lang="en-US" sz="2800" spc="-1" strike="noStrike">
-                <a:latin typeface="Arial"/>
-              </a:rPr>
-              <a:t>null, null, null … ]; </a:t>
-            </a:r>
-            <a:endParaRPr b="0" lang="en-US" sz="2800" spc="-1" strike="noStrike">
-              <a:latin typeface="Arial"/>
-            </a:endParaRPr>
-          </a:p>
-          <a:p>
-            <a:pPr marL="432000" indent="-324000">
-              <a:spcBef>
-                <a:spcPts val="615"/>
-              </a:spcBef>
-              <a:buClr>
-                <a:srgbClr val="000000"/>
-              </a:buClr>
-              <a:buSzPct val="45000"/>
-              <a:buFont typeface="Wingdings" charset="2"/>
-              <a:buChar char=""/>
-              <a:tabLst>
-                <a:tab algn="l" pos="408240"/>
-              </a:tabLst>
-            </a:pPr>
-            <a:endParaRPr b="0" lang="en-US" sz="2800" spc="-1" strike="noStrike">
-              <a:latin typeface="Arial"/>
-            </a:endParaRPr>
-          </a:p>
-          <a:p>
-            <a:pPr marL="432000" indent="-324000">
-              <a:spcBef>
-                <a:spcPts val="615"/>
-              </a:spcBef>
-              <a:buClr>
-                <a:srgbClr val="000000"/>
-              </a:buClr>
-              <a:buSzPct val="45000"/>
-              <a:buFont typeface="Wingdings" charset="2"/>
-              <a:buChar char=""/>
-              <a:tabLst>
-                <a:tab algn="l" pos="408240"/>
-              </a:tabLst>
-            </a:pPr>
-            <a:r>
-              <a:rPr b="0" lang="en-US" sz="1400" spc="-1" strike="noStrike">
-                <a:latin typeface="Arial"/>
-              </a:rPr>
-              <a:t>There is also another benefit of immutability: By default, all child components re-render automatically when the state of a parent component changes. </a:t>
-            </a:r>
-            <a:endParaRPr b="0" lang="en-US" sz="1400" spc="-1" strike="noStrike">
-              <a:latin typeface="Arial"/>
-            </a:endParaRPr>
-          </a:p>
-          <a:p>
-            <a:pPr marL="432000" indent="-324000">
-              <a:spcBef>
-                <a:spcPts val="615"/>
-              </a:spcBef>
-              <a:buClr>
-                <a:srgbClr val="000000"/>
-              </a:buClr>
-              <a:buSzPct val="45000"/>
-              <a:buFont typeface="Wingdings" charset="2"/>
-              <a:buChar char=""/>
-              <a:tabLst>
-                <a:tab algn="l" pos="408240"/>
-              </a:tabLst>
-            </a:pPr>
-            <a:r>
-              <a:rPr b="0" lang="en-US" sz="1400" spc="-1" strike="noStrike">
-                <a:latin typeface="Arial"/>
-              </a:rPr>
-              <a:t>This includes even the child components that weren’t affected by the change. Although re-rendering is not by itself noticeable to the user (you shouldn’t actively try to avoid it!), you might want to skip re-rendering a part of the tree that clearly wasn’t affected by it for performance reasons. </a:t>
-            </a:r>
-            <a:endParaRPr b="0" lang="en-US" sz="1400" spc="-1" strike="noStrike">
-              <a:latin typeface="Arial"/>
-            </a:endParaRPr>
-          </a:p>
-          <a:p>
-            <a:pPr marL="432000" indent="-324000">
-              <a:spcBef>
-                <a:spcPts val="615"/>
-              </a:spcBef>
-              <a:buClr>
-                <a:srgbClr val="000000"/>
-              </a:buClr>
-              <a:buSzPct val="45000"/>
-              <a:buFont typeface="Wingdings" charset="2"/>
-              <a:buChar char=""/>
-              <a:tabLst>
-                <a:tab algn="l" pos="408240"/>
-              </a:tabLst>
-            </a:pPr>
-            <a:r>
-              <a:rPr b="0" lang="en-US" sz="1400" spc="-1" strike="noStrike">
-                <a:latin typeface="Arial"/>
-              </a:rPr>
-              <a:t>Immutability makes it very cheap for components to compare whether their data has changed or not. </a:t>
-            </a:r>
-            <a:endParaRPr b="0" lang="en-US" sz="1400" spc="-1" strike="noStrike">
-              <a:latin typeface="Arial"/>
-            </a:endParaRPr>
-          </a:p>
-        </p:txBody>
-      </p:sp>
+      <p:pic>
+        <p:nvPicPr>
+          <p:cNvPr id="144" name="" descr=""/>
+          <p:cNvPicPr/>
+          <p:nvPr/>
+        </p:nvPicPr>
+        <p:blipFill>
+          <a:blip r:embed="rId1"/>
+          <a:stretch/>
+        </p:blipFill>
+        <p:spPr>
+          <a:xfrm>
+            <a:off x="1323000" y="1179000"/>
+            <a:ext cx="7315200" cy="4114800"/>
+          </a:xfrm>
+          <a:prstGeom prst="rect">
+            <a:avLst/>
+          </a:prstGeom>
+          <a:ln w="0">
+            <a:noFill/>
+          </a:ln>
+        </p:spPr>
+      </p:pic>
     </p:spTree>
   </p:cSld>
   <mc:AlternateContent>
@@ -6298,7 +6192,7 @@
       </p:grpSpPr>
       <p:sp>
         <p:nvSpPr>
-          <p:cNvPr id="146" name="PlaceHolder 1"/>
+          <p:cNvPr id="145" name="PlaceHolder 1"/>
           <p:cNvSpPr>
             <a:spLocks noGrp="1"/>
           </p:cNvSpPr>
@@ -6329,7 +6223,7 @@
               <a:rPr b="0" lang="en-US" sz="4400" spc="-1" strike="noStrike">
                 <a:latin typeface="Arial"/>
               </a:rPr>
-              <a:t>React 101 – Component State</a:t>
+              <a:t>React 101 – Component Logic</a:t>
             </a:r>
             <a:endParaRPr b="0" lang="en-US" sz="4400" spc="-1" strike="noStrike">
               <a:latin typeface="Arial"/>
@@ -6339,7 +6233,7 @@
       </p:sp>
       <p:pic>
         <p:nvPicPr>
-          <p:cNvPr id="147" name="" descr=""/>
+          <p:cNvPr id="146" name="" descr=""/>
           <p:cNvPicPr/>
           <p:nvPr/>
         </p:nvPicPr>
@@ -6349,8 +6243,8 @@
         </p:blipFill>
         <p:spPr>
           <a:xfrm>
-            <a:off x="1323000" y="1179000"/>
-            <a:ext cx="7315200" cy="4114800"/>
+            <a:off x="1695600" y="1073880"/>
+            <a:ext cx="6540120" cy="4291920"/>
           </a:xfrm>
           <a:prstGeom prst="rect">
             <a:avLst/>
@@ -6392,7 +6286,7 @@
       </p:grpSpPr>
       <p:sp>
         <p:nvSpPr>
-          <p:cNvPr id="148" name="PlaceHolder 1"/>
+          <p:cNvPr id="147" name="PlaceHolder 1"/>
           <p:cNvSpPr>
             <a:spLocks noGrp="1"/>
           </p:cNvSpPr>
@@ -6423,7 +6317,7 @@
               <a:rPr b="0" lang="en-US" sz="4400" spc="-1" strike="noStrike">
                 <a:latin typeface="Arial"/>
               </a:rPr>
-              <a:t>React 101 – Component State</a:t>
+              <a:t>React 101 – Component Logic</a:t>
             </a:r>
             <a:endParaRPr b="0" lang="en-US" sz="4400" spc="-1" strike="noStrike">
               <a:latin typeface="Arial"/>
@@ -6433,7 +6327,7 @@
       </p:sp>
       <p:pic>
         <p:nvPicPr>
-          <p:cNvPr id="149" name="" descr=""/>
+          <p:cNvPr id="148" name="" descr=""/>
           <p:cNvPicPr/>
           <p:nvPr/>
         </p:nvPicPr>
@@ -6443,8 +6337,8 @@
         </p:blipFill>
         <p:spPr>
           <a:xfrm>
-            <a:off x="2146680" y="1314720"/>
-            <a:ext cx="5168520" cy="3943080"/>
+            <a:off x="1143000" y="1600200"/>
+            <a:ext cx="7793640" cy="3546000"/>
           </a:xfrm>
           <a:prstGeom prst="rect">
             <a:avLst/>
@@ -6673,100 +6567,6 @@
           </a:p>
         </p:txBody>
       </p:sp>
-    </p:spTree>
-  </p:cSld>
-  <mc:AlternateContent>
-    <mc:Choice Requires="p14">
-      <p:transition spd="slow" p14:dur="2000"/>
-    </mc:Choice>
-    <mc:Fallback>
-      <p:transition spd="slow"/>
-    </mc:Fallback>
-  </mc:AlternateContent>
-</p:sld>
-</file>
-
-<file path=ppt/slides/slide30.xml><?xml version="1.0" encoding="utf-8"?>
-<p:sld xmlns:a="http://schemas.openxmlformats.org/drawingml/2006/main" xmlns:p="http://schemas.openxmlformats.org/presentationml/2006/main" xmlns:r="http://schemas.openxmlformats.org/officeDocument/2006/relationships" xmlns:p14="http://schemas.microsoft.com/office/powerpoint/2010/main" xmlns:p15="http://schemas.microsoft.com/office/powerpoint/2012/main" xmlns:mc="http://schemas.openxmlformats.org/markup-compatibility/2006">
-  <p:cSld>
-    <p:spTree>
-      <p:nvGrpSpPr>
-        <p:cNvPr id="1" name=""/>
-        <p:cNvGrpSpPr/>
-        <p:nvPr/>
-      </p:nvGrpSpPr>
-      <p:grpSpPr>
-        <a:xfrm>
-          <a:off x="0" y="0"/>
-          <a:ext cx="0" cy="0"/>
-          <a:chOff x="0" y="0"/>
-          <a:chExt cx="0" cy="0"/>
-        </a:xfrm>
-      </p:grpSpPr>
-      <p:sp>
-        <p:nvSpPr>
-          <p:cNvPr id="150" name="PlaceHolder 1"/>
-          <p:cNvSpPr>
-            <a:spLocks noGrp="1"/>
-          </p:cNvSpPr>
-          <p:nvPr>
-            <p:ph type="title"/>
-          </p:nvPr>
-        </p:nvSpPr>
-        <p:spPr>
-          <a:xfrm>
-            <a:off x="504000" y="226080"/>
-            <a:ext cx="9071640" cy="946440"/>
-          </a:xfrm>
-          <a:prstGeom prst="rect">
-            <a:avLst/>
-          </a:prstGeom>
-          <a:noFill/>
-          <a:ln w="0">
-            <a:noFill/>
-          </a:ln>
-        </p:spPr>
-        <p:txBody>
-          <a:bodyPr lIns="0" rIns="0" tIns="0" bIns="0" anchor="ctr">
-            <a:noAutofit/>
-          </a:bodyPr>
-          <a:p>
-            <a:pPr algn="ctr"/>
-            <a:r>
-              <a:rPr b="0" lang="en-US" sz="4400" spc="-1" strike="noStrike">
-                <a:latin typeface="Arial"/>
-              </a:rPr>
-              <a:t>React 101 – Component State</a:t>
-            </a:r>
-            <a:endParaRPr b="0" lang="en-US" sz="4400" spc="-1" strike="noStrike">
-              <a:latin typeface="Arial"/>
-            </a:endParaRPr>
-          </a:p>
-        </p:txBody>
-      </p:sp>
-      <p:pic>
-        <p:nvPicPr>
-          <p:cNvPr id="151" name="" descr=""/>
-          <p:cNvPicPr/>
-          <p:nvPr/>
-        </p:nvPicPr>
-        <p:blipFill>
-          <a:blip r:embed="rId1"/>
-          <a:stretch/>
-        </p:blipFill>
-        <p:spPr>
-          <a:xfrm>
-            <a:off x="1143000" y="1600200"/>
-            <a:ext cx="7793640" cy="3546000"/>
-          </a:xfrm>
-          <a:prstGeom prst="rect">
-            <a:avLst/>
-          </a:prstGeom>
-          <a:ln w="0">
-            <a:noFill/>
-          </a:ln>
-        </p:spPr>
-      </p:pic>
     </p:spTree>
   </p:cSld>
   <mc:AlternateContent>

--- a/React 101.pptx
+++ b/React 101.pptx
@@ -36,6 +36,7 @@
     <p:sldId id="283" r:id="rId31"/>
     <p:sldId id="284" r:id="rId32"/>
     <p:sldId id="285" r:id="rId33"/>
+    <p:sldId id="286" r:id="rId34"/>
   </p:sldIdLst>
   <p:sldSz cx="10080625" cy="5670550"/>
   <p:notesSz cx="7772400" cy="10058400"/>
@@ -3636,7 +3637,7 @@
         </p:nvSpPr>
         <p:spPr>
           <a:xfrm>
-            <a:off x="504000" y="1283760"/>
+            <a:off x="504000" y="1284120"/>
             <a:ext cx="9071280" cy="3287880"/>
           </a:xfrm>
           <a:prstGeom prst="rect">
@@ -3669,6 +3670,52 @@
           </a:p>
         </p:txBody>
       </p:sp>
+      <p:pic>
+        <p:nvPicPr>
+          <p:cNvPr id="78" name="" descr=""/>
+          <p:cNvPicPr/>
+          <p:nvPr/>
+        </p:nvPicPr>
+        <p:blipFill>
+          <a:blip r:embed="rId1"/>
+          <a:stretch/>
+        </p:blipFill>
+        <p:spPr>
+          <a:xfrm>
+            <a:off x="2514600" y="3405600"/>
+            <a:ext cx="2514600" cy="1600200"/>
+          </a:xfrm>
+          <a:prstGeom prst="rect">
+            <a:avLst/>
+          </a:prstGeom>
+          <a:ln w="0">
+            <a:noFill/>
+          </a:ln>
+        </p:spPr>
+      </p:pic>
+      <p:pic>
+        <p:nvPicPr>
+          <p:cNvPr id="79" name="" descr=""/>
+          <p:cNvPicPr/>
+          <p:nvPr/>
+        </p:nvPicPr>
+        <p:blipFill>
+          <a:blip r:embed="rId2"/>
+          <a:stretch/>
+        </p:blipFill>
+        <p:spPr>
+          <a:xfrm>
+            <a:off x="4221000" y="3079800"/>
+            <a:ext cx="3886200" cy="2286000"/>
+          </a:xfrm>
+          <a:prstGeom prst="rect">
+            <a:avLst/>
+          </a:prstGeom>
+          <a:ln w="0">
+            <a:noFill/>
+          </a:ln>
+        </p:spPr>
+      </p:pic>
     </p:spTree>
   </p:cSld>
   <mc:AlternateContent>
@@ -3701,7 +3748,7 @@
       </p:grpSpPr>
       <p:sp>
         <p:nvSpPr>
-          <p:cNvPr id="100" name="PlaceHolder 1"/>
+          <p:cNvPr id="102" name="PlaceHolder 1"/>
           <p:cNvSpPr>
             <a:spLocks noGrp="1"/>
           </p:cNvSpPr>
@@ -3747,7 +3794,7 @@
       </p:sp>
       <p:sp>
         <p:nvSpPr>
-          <p:cNvPr id="101" name=""/>
+          <p:cNvPr id="103" name=""/>
           <p:cNvSpPr/>
           <p:nvPr/>
         </p:nvSpPr>
@@ -3819,7 +3866,7 @@
       </p:sp>
       <p:sp>
         <p:nvSpPr>
-          <p:cNvPr id="102" name=""/>
+          <p:cNvPr id="104" name=""/>
           <p:cNvSpPr/>
           <p:nvPr/>
         </p:nvSpPr>
@@ -3904,7 +3951,7 @@
       </p:sp>
       <p:pic>
         <p:nvPicPr>
-          <p:cNvPr id="103" name="" descr=""/>
+          <p:cNvPr id="105" name="" descr=""/>
           <p:cNvPicPr/>
           <p:nvPr/>
         </p:nvPicPr>
@@ -3957,7 +4004,7 @@
       </p:grpSpPr>
       <p:sp>
         <p:nvSpPr>
-          <p:cNvPr id="104" name="PlaceHolder 1"/>
+          <p:cNvPr id="106" name="PlaceHolder 1"/>
           <p:cNvSpPr>
             <a:spLocks noGrp="1"/>
           </p:cNvSpPr>
@@ -4002,7 +4049,7 @@
       </p:sp>
       <p:sp>
         <p:nvSpPr>
-          <p:cNvPr id="105" name=""/>
+          <p:cNvPr id="107" name=""/>
           <p:cNvSpPr/>
           <p:nvPr/>
         </p:nvSpPr>
@@ -4074,7 +4121,7 @@
       </p:sp>
       <p:sp>
         <p:nvSpPr>
-          <p:cNvPr id="106" name=""/>
+          <p:cNvPr id="108" name=""/>
           <p:cNvSpPr/>
           <p:nvPr/>
         </p:nvSpPr>
@@ -4184,7 +4231,7 @@
       </p:sp>
       <p:pic>
         <p:nvPicPr>
-          <p:cNvPr id="107" name="" descr=""/>
+          <p:cNvPr id="109" name="" descr=""/>
           <p:cNvPicPr/>
           <p:nvPr/>
         </p:nvPicPr>
@@ -4237,7 +4284,7 @@
       </p:grpSpPr>
       <p:sp>
         <p:nvSpPr>
-          <p:cNvPr id="108" name="PlaceHolder 1"/>
+          <p:cNvPr id="110" name="PlaceHolder 1"/>
           <p:cNvSpPr>
             <a:spLocks noGrp="1"/>
           </p:cNvSpPr>
@@ -4282,7 +4329,7 @@
       </p:sp>
       <p:sp>
         <p:nvSpPr>
-          <p:cNvPr id="109" name=""/>
+          <p:cNvPr id="111" name=""/>
           <p:cNvSpPr/>
           <p:nvPr/>
         </p:nvSpPr>
@@ -4471,7 +4518,7 @@
       </p:sp>
       <p:pic>
         <p:nvPicPr>
-          <p:cNvPr id="110" name="" descr=""/>
+          <p:cNvPr id="112" name="" descr=""/>
           <p:cNvPicPr/>
           <p:nvPr/>
         </p:nvPicPr>
@@ -4524,7 +4571,7 @@
       </p:grpSpPr>
       <p:sp>
         <p:nvSpPr>
-          <p:cNvPr id="111" name="PlaceHolder 1"/>
+          <p:cNvPr id="113" name="PlaceHolder 1"/>
           <p:cNvSpPr>
             <a:spLocks noGrp="1"/>
           </p:cNvSpPr>
@@ -4569,7 +4616,7 @@
       </p:sp>
       <p:sp>
         <p:nvSpPr>
-          <p:cNvPr id="112" name=""/>
+          <p:cNvPr id="114" name=""/>
           <p:cNvSpPr/>
           <p:nvPr/>
         </p:nvSpPr>
@@ -4667,7 +4714,7 @@
       </p:sp>
       <p:pic>
         <p:nvPicPr>
-          <p:cNvPr id="113" name="" descr=""/>
+          <p:cNvPr id="115" name="" descr=""/>
           <p:cNvPicPr/>
           <p:nvPr/>
         </p:nvPicPr>
@@ -4720,7 +4767,7 @@
       </p:grpSpPr>
       <p:sp>
         <p:nvSpPr>
-          <p:cNvPr id="114" name="PlaceHolder 1"/>
+          <p:cNvPr id="116" name="PlaceHolder 1"/>
           <p:cNvSpPr>
             <a:spLocks noGrp="1"/>
           </p:cNvSpPr>
@@ -4765,7 +4812,7 @@
       </p:sp>
       <p:sp>
         <p:nvSpPr>
-          <p:cNvPr id="115" name=""/>
+          <p:cNvPr id="117" name=""/>
           <p:cNvSpPr/>
           <p:nvPr/>
         </p:nvSpPr>
@@ -4906,7 +4953,7 @@
       </p:grpSpPr>
       <p:sp>
         <p:nvSpPr>
-          <p:cNvPr id="116" name="PlaceHolder 1"/>
+          <p:cNvPr id="118" name="PlaceHolder 1"/>
           <p:cNvSpPr>
             <a:spLocks noGrp="1"/>
           </p:cNvSpPr>
@@ -4951,7 +4998,7 @@
       </p:sp>
       <p:sp>
         <p:nvSpPr>
-          <p:cNvPr id="117" name=""/>
+          <p:cNvPr id="119" name=""/>
           <p:cNvSpPr/>
           <p:nvPr/>
         </p:nvSpPr>
@@ -5062,7 +5109,7 @@
       </p:sp>
       <p:pic>
         <p:nvPicPr>
-          <p:cNvPr id="118" name="" descr=""/>
+          <p:cNvPr id="120" name="" descr=""/>
           <p:cNvPicPr/>
           <p:nvPr/>
         </p:nvPicPr>
@@ -5115,7 +5162,7 @@
       </p:grpSpPr>
       <p:sp>
         <p:nvSpPr>
-          <p:cNvPr id="119" name="PlaceHolder 1"/>
+          <p:cNvPr id="121" name="PlaceHolder 1"/>
           <p:cNvSpPr>
             <a:spLocks noGrp="1"/>
           </p:cNvSpPr>
@@ -5160,7 +5207,7 @@
       </p:sp>
       <p:pic>
         <p:nvPicPr>
-          <p:cNvPr id="120" name="" descr=""/>
+          <p:cNvPr id="122" name="" descr=""/>
           <p:cNvPicPr/>
           <p:nvPr/>
         </p:nvPicPr>
@@ -5183,7 +5230,7 @@
       </p:pic>
       <p:pic>
         <p:nvPicPr>
-          <p:cNvPr id="121" name="" descr=""/>
+          <p:cNvPr id="123" name="" descr=""/>
           <p:cNvPicPr/>
           <p:nvPr/>
         </p:nvPicPr>
@@ -5236,7 +5283,7 @@
       </p:grpSpPr>
       <p:sp>
         <p:nvSpPr>
-          <p:cNvPr id="122" name="PlaceHolder 1"/>
+          <p:cNvPr id="124" name="PlaceHolder 1"/>
           <p:cNvSpPr>
             <a:spLocks noGrp="1"/>
           </p:cNvSpPr>
@@ -5281,7 +5328,7 @@
       </p:sp>
       <p:pic>
         <p:nvPicPr>
-          <p:cNvPr id="123" name="" descr=""/>
+          <p:cNvPr id="125" name="" descr=""/>
           <p:cNvPicPr/>
           <p:nvPr/>
         </p:nvPicPr>
@@ -5304,7 +5351,7 @@
       </p:pic>
       <p:sp>
         <p:nvSpPr>
-          <p:cNvPr id="124" name=""/>
+          <p:cNvPr id="126" name=""/>
           <p:cNvSpPr/>
           <p:nvPr/>
         </p:nvSpPr>
@@ -5351,7 +5398,7 @@
       </p:sp>
       <p:pic>
         <p:nvPicPr>
-          <p:cNvPr id="125" name="" descr=""/>
+          <p:cNvPr id="127" name="" descr=""/>
           <p:cNvPicPr/>
           <p:nvPr/>
         </p:nvPicPr>
@@ -5404,7 +5451,7 @@
       </p:grpSpPr>
       <p:sp>
         <p:nvSpPr>
-          <p:cNvPr id="126" name="PlaceHolder 1"/>
+          <p:cNvPr id="128" name="PlaceHolder 1"/>
           <p:cNvSpPr>
             <a:spLocks noGrp="1"/>
           </p:cNvSpPr>
@@ -5449,7 +5496,7 @@
       </p:sp>
       <p:pic>
         <p:nvPicPr>
-          <p:cNvPr id="127" name="" descr=""/>
+          <p:cNvPr id="129" name="" descr=""/>
           <p:cNvPicPr/>
           <p:nvPr/>
         </p:nvPicPr>
@@ -5502,7 +5549,7 @@
       </p:grpSpPr>
       <p:sp>
         <p:nvSpPr>
-          <p:cNvPr id="128" name="PlaceHolder 1"/>
+          <p:cNvPr id="130" name="PlaceHolder 1"/>
           <p:cNvSpPr>
             <a:spLocks noGrp="1"/>
           </p:cNvSpPr>
@@ -5547,7 +5594,7 @@
       </p:sp>
       <p:pic>
         <p:nvPicPr>
-          <p:cNvPr id="129" name="" descr=""/>
+          <p:cNvPr id="131" name="" descr=""/>
           <p:cNvPicPr/>
           <p:nvPr/>
         </p:nvPicPr>
@@ -5570,7 +5617,7 @@
       </p:pic>
       <p:pic>
         <p:nvPicPr>
-          <p:cNvPr id="130" name="" descr=""/>
+          <p:cNvPr id="132" name="" descr=""/>
           <p:cNvPicPr/>
           <p:nvPr/>
         </p:nvPicPr>
@@ -5623,7 +5670,7 @@
       </p:grpSpPr>
       <p:sp>
         <p:nvSpPr>
-          <p:cNvPr id="78" name="PlaceHolder 1"/>
+          <p:cNvPr id="80" name="PlaceHolder 1"/>
           <p:cNvSpPr>
             <a:spLocks noGrp="1"/>
           </p:cNvSpPr>
@@ -5668,7 +5715,7 @@
       </p:sp>
       <p:sp>
         <p:nvSpPr>
-          <p:cNvPr id="79" name="PlaceHolder 2"/>
+          <p:cNvPr id="81" name="PlaceHolder 2"/>
           <p:cNvSpPr>
             <a:spLocks noGrp="1"/>
           </p:cNvSpPr>
@@ -5813,7 +5860,7 @@
       </p:grpSpPr>
       <p:sp>
         <p:nvSpPr>
-          <p:cNvPr id="131" name="PlaceHolder 1"/>
+          <p:cNvPr id="133" name="PlaceHolder 1"/>
           <p:cNvSpPr>
             <a:spLocks noGrp="1"/>
           </p:cNvSpPr>
@@ -5858,7 +5905,7 @@
       </p:sp>
       <p:pic>
         <p:nvPicPr>
-          <p:cNvPr id="132" name="" descr=""/>
+          <p:cNvPr id="134" name="" descr=""/>
           <p:cNvPicPr/>
           <p:nvPr/>
         </p:nvPicPr>
@@ -5881,7 +5928,7 @@
       </p:pic>
       <p:pic>
         <p:nvPicPr>
-          <p:cNvPr id="133" name="" descr=""/>
+          <p:cNvPr id="135" name="" descr=""/>
           <p:cNvPicPr/>
           <p:nvPr/>
         </p:nvPicPr>
@@ -5934,7 +5981,7 @@
       </p:grpSpPr>
       <p:sp>
         <p:nvSpPr>
-          <p:cNvPr id="134" name="PlaceHolder 1"/>
+          <p:cNvPr id="136" name="PlaceHolder 1"/>
           <p:cNvSpPr>
             <a:spLocks noGrp="1"/>
           </p:cNvSpPr>
@@ -5979,7 +6026,7 @@
       </p:sp>
       <p:pic>
         <p:nvPicPr>
-          <p:cNvPr id="135" name="" descr=""/>
+          <p:cNvPr id="137" name="" descr=""/>
           <p:cNvPicPr/>
           <p:nvPr/>
         </p:nvPicPr>
@@ -6002,7 +6049,7 @@
       </p:pic>
       <p:pic>
         <p:nvPicPr>
-          <p:cNvPr id="136" name="" descr=""/>
+          <p:cNvPr id="138" name="" descr=""/>
           <p:cNvPicPr/>
           <p:nvPr/>
         </p:nvPicPr>
@@ -6025,7 +6072,7 @@
       </p:pic>
       <p:pic>
         <p:nvPicPr>
-          <p:cNvPr id="137" name="" descr=""/>
+          <p:cNvPr id="139" name="" descr=""/>
           <p:cNvPicPr/>
           <p:nvPr/>
         </p:nvPicPr>
@@ -6078,7 +6125,7 @@
       </p:grpSpPr>
       <p:sp>
         <p:nvSpPr>
-          <p:cNvPr id="138" name="PlaceHolder 1"/>
+          <p:cNvPr id="140" name="PlaceHolder 1"/>
           <p:cNvSpPr>
             <a:spLocks noGrp="1"/>
           </p:cNvSpPr>
@@ -6123,7 +6170,7 @@
       </p:sp>
       <p:sp>
         <p:nvSpPr>
-          <p:cNvPr id="139" name="PlaceHolder 2"/>
+          <p:cNvPr id="141" name="PlaceHolder 2"/>
           <p:cNvSpPr>
             <a:spLocks noGrp="1"/>
           </p:cNvSpPr>
@@ -6234,7 +6281,7 @@
       </p:sp>
       <p:pic>
         <p:nvPicPr>
-          <p:cNvPr id="140" name="" descr=""/>
+          <p:cNvPr id="142" name="" descr=""/>
           <p:cNvPicPr/>
           <p:nvPr/>
         </p:nvPicPr>
@@ -6287,7 +6334,7 @@
       </p:grpSpPr>
       <p:sp>
         <p:nvSpPr>
-          <p:cNvPr id="141" name="PlaceHolder 1"/>
+          <p:cNvPr id="143" name="PlaceHolder 1"/>
           <p:cNvSpPr>
             <a:spLocks noGrp="1"/>
           </p:cNvSpPr>
@@ -6332,7 +6379,7 @@
       </p:sp>
       <p:sp>
         <p:nvSpPr>
-          <p:cNvPr id="142" name="PlaceHolder 2"/>
+          <p:cNvPr id="144" name="PlaceHolder 2"/>
           <p:cNvSpPr>
             <a:spLocks noGrp="1"/>
           </p:cNvSpPr>
@@ -6443,7 +6490,7 @@
       </p:sp>
       <p:pic>
         <p:nvPicPr>
-          <p:cNvPr id="143" name="" descr=""/>
+          <p:cNvPr id="145" name="" descr=""/>
           <p:cNvPicPr/>
           <p:nvPr/>
         </p:nvPicPr>
@@ -6496,7 +6543,7 @@
       </p:grpSpPr>
       <p:sp>
         <p:nvSpPr>
-          <p:cNvPr id="144" name="PlaceHolder 1"/>
+          <p:cNvPr id="146" name="PlaceHolder 1"/>
           <p:cNvSpPr>
             <a:spLocks noGrp="1"/>
           </p:cNvSpPr>
@@ -6541,7 +6588,7 @@
       </p:sp>
       <p:sp>
         <p:nvSpPr>
-          <p:cNvPr id="145" name=""/>
+          <p:cNvPr id="147" name=""/>
           <p:cNvSpPr/>
           <p:nvPr/>
         </p:nvSpPr>
@@ -6598,7 +6645,7 @@
       </p:sp>
       <p:sp>
         <p:nvSpPr>
-          <p:cNvPr id="146" name=""/>
+          <p:cNvPr id="148" name=""/>
           <p:cNvSpPr/>
           <p:nvPr/>
         </p:nvSpPr>
@@ -6628,7 +6675,7 @@
       </p:sp>
       <p:sp>
         <p:nvSpPr>
-          <p:cNvPr id="147" name=""/>
+          <p:cNvPr id="149" name=""/>
           <p:cNvSpPr/>
           <p:nvPr/>
         </p:nvSpPr>
@@ -6658,7 +6705,7 @@
       </p:sp>
       <p:sp>
         <p:nvSpPr>
-          <p:cNvPr id="148" name=""/>
+          <p:cNvPr id="150" name=""/>
           <p:cNvSpPr/>
           <p:nvPr/>
         </p:nvSpPr>
@@ -6688,7 +6735,7 @@
       </p:sp>
       <p:sp>
         <p:nvSpPr>
-          <p:cNvPr id="149" name=""/>
+          <p:cNvPr id="151" name=""/>
           <p:cNvSpPr/>
           <p:nvPr/>
         </p:nvSpPr>
@@ -6715,7 +6762,7 @@
       </p:sp>
       <p:sp>
         <p:nvSpPr>
-          <p:cNvPr id="150" name=""/>
+          <p:cNvPr id="152" name=""/>
           <p:cNvSpPr/>
           <p:nvPr/>
         </p:nvSpPr>
@@ -6742,7 +6789,7 @@
       </p:sp>
       <p:sp>
         <p:nvSpPr>
-          <p:cNvPr id="151" name=""/>
+          <p:cNvPr id="153" name=""/>
           <p:cNvSpPr/>
           <p:nvPr/>
         </p:nvSpPr>
@@ -6789,7 +6836,7 @@
       </p:sp>
       <p:sp>
         <p:nvSpPr>
-          <p:cNvPr id="152" name=""/>
+          <p:cNvPr id="154" name=""/>
           <p:cNvSpPr/>
           <p:nvPr/>
         </p:nvSpPr>
@@ -6816,7 +6863,7 @@
       </p:sp>
       <p:sp>
         <p:nvSpPr>
-          <p:cNvPr id="153" name=""/>
+          <p:cNvPr id="155" name=""/>
           <p:cNvSpPr/>
           <p:nvPr/>
         </p:nvSpPr>
@@ -6863,7 +6910,7 @@
       </p:sp>
       <p:sp>
         <p:nvSpPr>
-          <p:cNvPr id="154" name=""/>
+          <p:cNvPr id="156" name=""/>
           <p:cNvSpPr/>
           <p:nvPr/>
         </p:nvSpPr>
@@ -6910,7 +6957,7 @@
       </p:sp>
       <p:sp>
         <p:nvSpPr>
-          <p:cNvPr id="155" name=""/>
+          <p:cNvPr id="157" name=""/>
           <p:cNvSpPr/>
           <p:nvPr/>
         </p:nvSpPr>
@@ -6948,6 +6995,284 @@
                 <a:latin typeface="Arial"/>
               </a:rPr>
               <a:t>S2</a:t>
+            </a:r>
+            <a:endParaRPr b="0" lang="en-US" sz="1400" spc="-1" strike="noStrike">
+              <a:latin typeface="Arial"/>
+            </a:endParaRPr>
+          </a:p>
+        </p:txBody>
+      </p:sp>
+      <p:sp>
+        <p:nvSpPr>
+          <p:cNvPr id="158" name=""/>
+          <p:cNvSpPr/>
+          <p:nvPr/>
+        </p:nvSpPr>
+        <p:spPr>
+          <a:xfrm>
+            <a:off x="7315200" y="3814200"/>
+            <a:ext cx="1686600" cy="1686600"/>
+          </a:xfrm>
+          <a:prstGeom prst="ellipse">
+            <a:avLst/>
+          </a:prstGeom>
+          <a:solidFill>
+            <a:srgbClr val="729fcf"/>
+          </a:solidFill>
+          <a:ln w="0">
+            <a:solidFill>
+              <a:srgbClr val="3465a4"/>
+            </a:solidFill>
+          </a:ln>
+        </p:spPr>
+        <p:style>
+          <a:lnRef idx="0"/>
+          <a:fillRef idx="0"/>
+          <a:effectRef idx="0"/>
+          <a:fontRef idx="minor"/>
+        </p:style>
+      </p:sp>
+      <p:sp>
+        <p:nvSpPr>
+          <p:cNvPr id="159" name=""/>
+          <p:cNvSpPr/>
+          <p:nvPr/>
+        </p:nvSpPr>
+        <p:spPr>
+          <a:xfrm>
+            <a:off x="7459560" y="4187160"/>
+            <a:ext cx="685440" cy="685440"/>
+          </a:xfrm>
+          <a:prstGeom prst="ellipse">
+            <a:avLst/>
+          </a:prstGeom>
+          <a:solidFill>
+            <a:srgbClr val="729fcf"/>
+          </a:solidFill>
+          <a:ln w="0">
+            <a:solidFill>
+              <a:srgbClr val="3465a4"/>
+            </a:solidFill>
+          </a:ln>
+        </p:spPr>
+        <p:style>
+          <a:lnRef idx="0"/>
+          <a:fillRef idx="0"/>
+          <a:effectRef idx="0"/>
+          <a:fontRef idx="minor"/>
+        </p:style>
+      </p:sp>
+      <p:sp>
+        <p:nvSpPr>
+          <p:cNvPr id="160" name=""/>
+          <p:cNvSpPr/>
+          <p:nvPr/>
+        </p:nvSpPr>
+        <p:spPr>
+          <a:xfrm>
+            <a:off x="8157960" y="4536000"/>
+            <a:ext cx="685440" cy="685440"/>
+          </a:xfrm>
+          <a:prstGeom prst="ellipse">
+            <a:avLst/>
+          </a:prstGeom>
+          <a:solidFill>
+            <a:srgbClr val="729fcf"/>
+          </a:solidFill>
+          <a:ln w="0">
+            <a:solidFill>
+              <a:srgbClr val="3465a4"/>
+            </a:solidFill>
+          </a:ln>
+        </p:spPr>
+        <p:style>
+          <a:lnRef idx="0"/>
+          <a:fillRef idx="0"/>
+          <a:effectRef idx="0"/>
+          <a:fontRef idx="minor"/>
+        </p:style>
+      </p:sp>
+      <p:sp>
+        <p:nvSpPr>
+          <p:cNvPr id="161" name=""/>
+          <p:cNvSpPr/>
+          <p:nvPr/>
+        </p:nvSpPr>
+        <p:spPr>
+          <a:xfrm>
+            <a:off x="7616160" y="4379400"/>
+            <a:ext cx="914040" cy="288360"/>
+          </a:xfrm>
+          <a:prstGeom prst="rect">
+            <a:avLst/>
+          </a:prstGeom>
+          <a:noFill/>
+          <a:ln w="0">
+            <a:noFill/>
+          </a:ln>
+        </p:spPr>
+        <p:style>
+          <a:lnRef idx="0"/>
+          <a:fillRef idx="0"/>
+          <a:effectRef idx="0"/>
+          <a:fontRef idx="minor"/>
+        </p:style>
+        <p:txBody>
+          <a:bodyPr lIns="90000" rIns="90000" tIns="45000" bIns="45000" anchor="t">
+            <a:noAutofit/>
+          </a:bodyPr>
+          <a:p>
+            <a:pPr>
+              <a:lnSpc>
+                <a:spcPct val="100000"/>
+              </a:lnSpc>
+            </a:pPr>
+            <a:r>
+              <a:rPr b="0" lang="en-US" sz="1400" spc="-1" strike="noStrike">
+                <a:latin typeface="Arial"/>
+              </a:rPr>
+              <a:t>S1</a:t>
+            </a:r>
+            <a:endParaRPr b="0" lang="en-US" sz="1400" spc="-1" strike="noStrike">
+              <a:latin typeface="Arial"/>
+            </a:endParaRPr>
+          </a:p>
+        </p:txBody>
+      </p:sp>
+      <p:sp>
+        <p:nvSpPr>
+          <p:cNvPr id="162" name=""/>
+          <p:cNvSpPr/>
+          <p:nvPr/>
+        </p:nvSpPr>
+        <p:spPr>
+          <a:xfrm>
+            <a:off x="8071200" y="3176280"/>
+            <a:ext cx="914040" cy="288360"/>
+          </a:xfrm>
+          <a:prstGeom prst="rect">
+            <a:avLst/>
+          </a:prstGeom>
+          <a:noFill/>
+          <a:ln w="0">
+            <a:noFill/>
+          </a:ln>
+        </p:spPr>
+        <p:style>
+          <a:lnRef idx="0"/>
+          <a:fillRef idx="0"/>
+          <a:effectRef idx="0"/>
+          <a:fontRef idx="minor"/>
+        </p:style>
+        <p:txBody>
+          <a:bodyPr lIns="90000" rIns="90000" tIns="45000" bIns="45000" anchor="t">
+            <a:noAutofit/>
+          </a:bodyPr>
+          <a:p>
+            <a:pPr>
+              <a:lnSpc>
+                <a:spcPct val="100000"/>
+              </a:lnSpc>
+            </a:pPr>
+            <a:r>
+              <a:rPr b="0" lang="en-US" sz="1400" spc="-1" strike="noStrike">
+                <a:latin typeface="Arial"/>
+              </a:rPr>
+              <a:t>S2</a:t>
+            </a:r>
+            <a:endParaRPr b="0" lang="en-US" sz="1400" spc="-1" strike="noStrike">
+              <a:latin typeface="Arial"/>
+            </a:endParaRPr>
+          </a:p>
+        </p:txBody>
+      </p:sp>
+      <p:sp>
+        <p:nvSpPr>
+          <p:cNvPr id="163" name=""/>
+          <p:cNvSpPr/>
+          <p:nvPr/>
+        </p:nvSpPr>
+        <p:spPr>
+          <a:xfrm>
+            <a:off x="8323200" y="4724280"/>
+            <a:ext cx="914040" cy="288360"/>
+          </a:xfrm>
+          <a:prstGeom prst="rect">
+            <a:avLst/>
+          </a:prstGeom>
+          <a:noFill/>
+          <a:ln w="0">
+            <a:noFill/>
+          </a:ln>
+        </p:spPr>
+        <p:style>
+          <a:lnRef idx="0"/>
+          <a:fillRef idx="0"/>
+          <a:effectRef idx="0"/>
+          <a:fontRef idx="minor"/>
+        </p:style>
+        <p:txBody>
+          <a:bodyPr lIns="90000" rIns="90000" tIns="45000" bIns="45000" anchor="t">
+            <a:noAutofit/>
+          </a:bodyPr>
+          <a:p>
+            <a:pPr>
+              <a:lnSpc>
+                <a:spcPct val="100000"/>
+              </a:lnSpc>
+            </a:pPr>
+            <a:r>
+              <a:rPr b="0" lang="en-US" sz="1400" spc="-1" strike="noStrike">
+                <a:latin typeface="Arial"/>
+              </a:rPr>
+              <a:t>S2</a:t>
+            </a:r>
+            <a:endParaRPr b="0" lang="en-US" sz="1400" spc="-1" strike="noStrike">
+              <a:latin typeface="Arial"/>
+            </a:endParaRPr>
+          </a:p>
+        </p:txBody>
+      </p:sp>
+      <p:sp>
+        <p:nvSpPr>
+          <p:cNvPr id="164" name=""/>
+          <p:cNvSpPr/>
+          <p:nvPr/>
+        </p:nvSpPr>
+        <p:spPr>
+          <a:xfrm>
+            <a:off x="8289000" y="4001400"/>
+            <a:ext cx="914040" cy="288360"/>
+          </a:xfrm>
+          <a:prstGeom prst="rect">
+            <a:avLst/>
+          </a:prstGeom>
+          <a:noFill/>
+          <a:ln w="0">
+            <a:noFill/>
+          </a:ln>
+        </p:spPr>
+        <p:style>
+          <a:lnRef idx="0"/>
+          <a:fillRef idx="0"/>
+          <a:effectRef idx="0"/>
+          <a:fontRef idx="minor"/>
+        </p:style>
+        <p:txBody>
+          <a:bodyPr lIns="90000" rIns="90000" tIns="45000" bIns="45000" anchor="t">
+            <a:noAutofit/>
+          </a:bodyPr>
+          <a:p>
+            <a:pPr>
+              <a:lnSpc>
+                <a:spcPct val="100000"/>
+              </a:lnSpc>
+            </a:pPr>
+            <a:r>
+              <a:rPr b="0" lang="en-US" sz="1400" spc="-1" strike="noStrike">
+                <a:latin typeface="Arial"/>
+              </a:rPr>
+              <a:t>B</a:t>
             </a:r>
             <a:endParaRPr b="0" lang="en-US" sz="1400" spc="-1" strike="noStrike">
               <a:latin typeface="Arial"/>
@@ -6987,7 +7312,7 @@
       </p:grpSpPr>
       <p:sp>
         <p:nvSpPr>
-          <p:cNvPr id="156" name="PlaceHolder 1"/>
+          <p:cNvPr id="165" name="PlaceHolder 1"/>
           <p:cNvSpPr>
             <a:spLocks noGrp="1"/>
           </p:cNvSpPr>
@@ -7032,7 +7357,7 @@
       </p:sp>
       <p:sp>
         <p:nvSpPr>
-          <p:cNvPr id="157" name=""/>
+          <p:cNvPr id="166" name=""/>
           <p:cNvSpPr/>
           <p:nvPr/>
         </p:nvSpPr>
@@ -7105,7 +7430,7 @@
       </p:sp>
       <p:sp>
         <p:nvSpPr>
-          <p:cNvPr id="158" name=""/>
+          <p:cNvPr id="167" name=""/>
           <p:cNvSpPr/>
           <p:nvPr/>
         </p:nvSpPr>
@@ -7135,7 +7460,7 @@
       </p:sp>
       <p:sp>
         <p:nvSpPr>
-          <p:cNvPr id="159" name=""/>
+          <p:cNvPr id="168" name=""/>
           <p:cNvSpPr/>
           <p:nvPr/>
         </p:nvSpPr>
@@ -7165,7 +7490,7 @@
       </p:sp>
       <p:sp>
         <p:nvSpPr>
-          <p:cNvPr id="160" name=""/>
+          <p:cNvPr id="169" name=""/>
           <p:cNvSpPr/>
           <p:nvPr/>
         </p:nvSpPr>
@@ -7195,7 +7520,7 @@
       </p:sp>
       <p:sp>
         <p:nvSpPr>
-          <p:cNvPr id="161" name=""/>
+          <p:cNvPr id="170" name=""/>
           <p:cNvSpPr/>
           <p:nvPr/>
         </p:nvSpPr>
@@ -7222,7 +7547,7 @@
       </p:sp>
       <p:sp>
         <p:nvSpPr>
-          <p:cNvPr id="162" name=""/>
+          <p:cNvPr id="171" name=""/>
           <p:cNvSpPr/>
           <p:nvPr/>
         </p:nvSpPr>
@@ -7250,7 +7575,7 @@
       </p:sp>
       <p:sp>
         <p:nvSpPr>
-          <p:cNvPr id="163" name=""/>
+          <p:cNvPr id="172" name=""/>
           <p:cNvSpPr/>
           <p:nvPr/>
         </p:nvSpPr>
@@ -7297,7 +7622,7 @@
       </p:sp>
       <p:sp>
         <p:nvSpPr>
-          <p:cNvPr id="164" name=""/>
+          <p:cNvPr id="173" name=""/>
           <p:cNvSpPr/>
           <p:nvPr/>
         </p:nvSpPr>
@@ -7324,7 +7649,7 @@
       </p:sp>
       <p:sp>
         <p:nvSpPr>
-          <p:cNvPr id="165" name=""/>
+          <p:cNvPr id="174" name=""/>
           <p:cNvSpPr/>
           <p:nvPr/>
         </p:nvSpPr>
@@ -7371,7 +7696,7 @@
       </p:sp>
       <p:sp>
         <p:nvSpPr>
-          <p:cNvPr id="166" name=""/>
+          <p:cNvPr id="175" name=""/>
           <p:cNvSpPr/>
           <p:nvPr/>
         </p:nvSpPr>
@@ -7418,7 +7743,7 @@
       </p:sp>
       <p:sp>
         <p:nvSpPr>
-          <p:cNvPr id="167" name=""/>
+          <p:cNvPr id="176" name=""/>
           <p:cNvSpPr/>
           <p:nvPr/>
         </p:nvSpPr>
@@ -7456,6 +7781,237 @@
                 <a:latin typeface="Arial"/>
               </a:rPr>
               <a:t>S2</a:t>
+            </a:r>
+            <a:endParaRPr b="0" lang="en-US" sz="1400" spc="-1" strike="noStrike">
+              <a:latin typeface="Arial"/>
+            </a:endParaRPr>
+          </a:p>
+        </p:txBody>
+      </p:sp>
+      <p:sp>
+        <p:nvSpPr>
+          <p:cNvPr id="177" name=""/>
+          <p:cNvSpPr/>
+          <p:nvPr/>
+        </p:nvSpPr>
+        <p:spPr>
+          <a:xfrm>
+            <a:off x="7314840" y="3814200"/>
+            <a:ext cx="1686600" cy="1686600"/>
+          </a:xfrm>
+          <a:prstGeom prst="ellipse">
+            <a:avLst/>
+          </a:prstGeom>
+          <a:solidFill>
+            <a:srgbClr val="729fcf"/>
+          </a:solidFill>
+          <a:ln w="0">
+            <a:solidFill>
+              <a:srgbClr val="3465a4"/>
+            </a:solidFill>
+          </a:ln>
+        </p:spPr>
+        <p:style>
+          <a:lnRef idx="0"/>
+          <a:fillRef idx="0"/>
+          <a:effectRef idx="0"/>
+          <a:fontRef idx="minor"/>
+        </p:style>
+      </p:sp>
+      <p:sp>
+        <p:nvSpPr>
+          <p:cNvPr id="178" name=""/>
+          <p:cNvSpPr/>
+          <p:nvPr/>
+        </p:nvSpPr>
+        <p:spPr>
+          <a:xfrm>
+            <a:off x="7459200" y="4187160"/>
+            <a:ext cx="685440" cy="685440"/>
+          </a:xfrm>
+          <a:prstGeom prst="ellipse">
+            <a:avLst/>
+          </a:prstGeom>
+          <a:solidFill>
+            <a:srgbClr val="729fcf"/>
+          </a:solidFill>
+          <a:ln w="0">
+            <a:solidFill>
+              <a:srgbClr val="3465a4"/>
+            </a:solidFill>
+          </a:ln>
+        </p:spPr>
+        <p:style>
+          <a:lnRef idx="0"/>
+          <a:fillRef idx="0"/>
+          <a:effectRef idx="0"/>
+          <a:fontRef idx="minor"/>
+        </p:style>
+      </p:sp>
+      <p:sp>
+        <p:nvSpPr>
+          <p:cNvPr id="179" name=""/>
+          <p:cNvSpPr/>
+          <p:nvPr/>
+        </p:nvSpPr>
+        <p:spPr>
+          <a:xfrm>
+            <a:off x="8157600" y="4536000"/>
+            <a:ext cx="685440" cy="685440"/>
+          </a:xfrm>
+          <a:prstGeom prst="ellipse">
+            <a:avLst/>
+          </a:prstGeom>
+          <a:solidFill>
+            <a:srgbClr val="ff0000"/>
+          </a:solidFill>
+          <a:ln w="0">
+            <a:solidFill>
+              <a:srgbClr val="3465a4"/>
+            </a:solidFill>
+          </a:ln>
+        </p:spPr>
+        <p:style>
+          <a:lnRef idx="0"/>
+          <a:fillRef idx="0"/>
+          <a:effectRef idx="0"/>
+          <a:fontRef idx="minor"/>
+        </p:style>
+      </p:sp>
+      <p:sp>
+        <p:nvSpPr>
+          <p:cNvPr id="180" name=""/>
+          <p:cNvSpPr/>
+          <p:nvPr/>
+        </p:nvSpPr>
+        <p:spPr>
+          <a:xfrm>
+            <a:off x="7615800" y="4379400"/>
+            <a:ext cx="914040" cy="288360"/>
+          </a:xfrm>
+          <a:prstGeom prst="rect">
+            <a:avLst/>
+          </a:prstGeom>
+          <a:noFill/>
+          <a:ln w="0">
+            <a:noFill/>
+          </a:ln>
+        </p:spPr>
+        <p:style>
+          <a:lnRef idx="0"/>
+          <a:fillRef idx="0"/>
+          <a:effectRef idx="0"/>
+          <a:fontRef idx="minor"/>
+        </p:style>
+        <p:txBody>
+          <a:bodyPr lIns="90000" rIns="90000" tIns="45000" bIns="45000" anchor="t">
+            <a:noAutofit/>
+          </a:bodyPr>
+          <a:p>
+            <a:pPr>
+              <a:lnSpc>
+                <a:spcPct val="100000"/>
+              </a:lnSpc>
+            </a:pPr>
+            <a:r>
+              <a:rPr b="0" lang="en-US" sz="1400" spc="-1" strike="noStrike">
+                <a:latin typeface="Arial"/>
+              </a:rPr>
+              <a:t>S1</a:t>
+            </a:r>
+            <a:endParaRPr b="0" lang="en-US" sz="1400" spc="-1" strike="noStrike">
+              <a:latin typeface="Arial"/>
+            </a:endParaRPr>
+          </a:p>
+        </p:txBody>
+      </p:sp>
+      <p:sp>
+        <p:nvSpPr>
+          <p:cNvPr id="181" name=""/>
+          <p:cNvSpPr/>
+          <p:nvPr/>
+        </p:nvSpPr>
+        <p:spPr>
+          <a:xfrm>
+            <a:off x="8322840" y="4724280"/>
+            <a:ext cx="914040" cy="288360"/>
+          </a:xfrm>
+          <a:prstGeom prst="rect">
+            <a:avLst/>
+          </a:prstGeom>
+          <a:noFill/>
+          <a:ln w="0">
+            <a:noFill/>
+          </a:ln>
+        </p:spPr>
+        <p:style>
+          <a:lnRef idx="0"/>
+          <a:fillRef idx="0"/>
+          <a:effectRef idx="0"/>
+          <a:fontRef idx="minor"/>
+        </p:style>
+        <p:txBody>
+          <a:bodyPr lIns="90000" rIns="90000" tIns="45000" bIns="45000" anchor="t">
+            <a:noAutofit/>
+          </a:bodyPr>
+          <a:p>
+            <a:pPr>
+              <a:lnSpc>
+                <a:spcPct val="100000"/>
+              </a:lnSpc>
+            </a:pPr>
+            <a:r>
+              <a:rPr b="0" lang="en-US" sz="1400" spc="-1" strike="noStrike">
+                <a:latin typeface="Arial"/>
+              </a:rPr>
+              <a:t>S2</a:t>
+            </a:r>
+            <a:endParaRPr b="0" lang="en-US" sz="1400" spc="-1" strike="noStrike">
+              <a:latin typeface="Arial"/>
+            </a:endParaRPr>
+          </a:p>
+        </p:txBody>
+      </p:sp>
+      <p:sp>
+        <p:nvSpPr>
+          <p:cNvPr id="182" name=""/>
+          <p:cNvSpPr/>
+          <p:nvPr/>
+        </p:nvSpPr>
+        <p:spPr>
+          <a:xfrm>
+            <a:off x="8288640" y="4001400"/>
+            <a:ext cx="914040" cy="288360"/>
+          </a:xfrm>
+          <a:prstGeom prst="rect">
+            <a:avLst/>
+          </a:prstGeom>
+          <a:noFill/>
+          <a:ln w="0">
+            <a:noFill/>
+          </a:ln>
+        </p:spPr>
+        <p:style>
+          <a:lnRef idx="0"/>
+          <a:fillRef idx="0"/>
+          <a:effectRef idx="0"/>
+          <a:fontRef idx="minor"/>
+        </p:style>
+        <p:txBody>
+          <a:bodyPr lIns="90000" rIns="90000" tIns="45000" bIns="45000" anchor="t">
+            <a:noAutofit/>
+          </a:bodyPr>
+          <a:p>
+            <a:pPr>
+              <a:lnSpc>
+                <a:spcPct val="100000"/>
+              </a:lnSpc>
+            </a:pPr>
+            <a:r>
+              <a:rPr b="0" lang="en-US" sz="1400" spc="-1" strike="noStrike">
+                <a:latin typeface="Arial"/>
+              </a:rPr>
+              <a:t>B</a:t>
             </a:r>
             <a:endParaRPr b="0" lang="en-US" sz="1400" spc="-1" strike="noStrike">
               <a:latin typeface="Arial"/>
@@ -7495,7 +8051,7 @@
       </p:grpSpPr>
       <p:sp>
         <p:nvSpPr>
-          <p:cNvPr id="168" name="PlaceHolder 1"/>
+          <p:cNvPr id="183" name="PlaceHolder 1"/>
           <p:cNvSpPr>
             <a:spLocks noGrp="1"/>
           </p:cNvSpPr>
@@ -7540,7 +8096,7 @@
       </p:sp>
       <p:sp>
         <p:nvSpPr>
-          <p:cNvPr id="169" name=""/>
+          <p:cNvPr id="184" name=""/>
           <p:cNvSpPr/>
           <p:nvPr/>
         </p:nvSpPr>
@@ -7635,7 +8191,7 @@
       </p:sp>
       <p:sp>
         <p:nvSpPr>
-          <p:cNvPr id="170" name=""/>
+          <p:cNvPr id="185" name=""/>
           <p:cNvSpPr/>
           <p:nvPr/>
         </p:nvSpPr>
@@ -7665,7 +8221,7 @@
       </p:sp>
       <p:sp>
         <p:nvSpPr>
-          <p:cNvPr id="171" name=""/>
+          <p:cNvPr id="186" name=""/>
           <p:cNvSpPr/>
           <p:nvPr/>
         </p:nvSpPr>
@@ -7695,7 +8251,7 @@
       </p:sp>
       <p:sp>
         <p:nvSpPr>
-          <p:cNvPr id="172" name=""/>
+          <p:cNvPr id="187" name=""/>
           <p:cNvSpPr/>
           <p:nvPr/>
         </p:nvSpPr>
@@ -7725,7 +8281,7 @@
       </p:sp>
       <p:sp>
         <p:nvSpPr>
-          <p:cNvPr id="173" name=""/>
+          <p:cNvPr id="188" name=""/>
           <p:cNvSpPr/>
           <p:nvPr/>
         </p:nvSpPr>
@@ -7752,7 +8308,7 @@
       </p:sp>
       <p:sp>
         <p:nvSpPr>
-          <p:cNvPr id="174" name=""/>
+          <p:cNvPr id="189" name=""/>
           <p:cNvSpPr/>
           <p:nvPr/>
         </p:nvSpPr>
@@ -7779,7 +8335,7 @@
       </p:sp>
       <p:sp>
         <p:nvSpPr>
-          <p:cNvPr id="175" name=""/>
+          <p:cNvPr id="190" name=""/>
           <p:cNvSpPr/>
           <p:nvPr/>
         </p:nvSpPr>
@@ -7826,7 +8382,7 @@
       </p:sp>
       <p:sp>
         <p:nvSpPr>
-          <p:cNvPr id="176" name=""/>
+          <p:cNvPr id="191" name=""/>
           <p:cNvSpPr/>
           <p:nvPr/>
         </p:nvSpPr>
@@ -7853,7 +8409,7 @@
       </p:sp>
       <p:sp>
         <p:nvSpPr>
-          <p:cNvPr id="177" name=""/>
+          <p:cNvPr id="192" name=""/>
           <p:cNvSpPr/>
           <p:nvPr/>
         </p:nvSpPr>
@@ -7900,7 +8456,7 @@
       </p:sp>
       <p:sp>
         <p:nvSpPr>
-          <p:cNvPr id="178" name=""/>
+          <p:cNvPr id="193" name=""/>
           <p:cNvSpPr/>
           <p:nvPr/>
         </p:nvSpPr>
@@ -7947,7 +8503,7 @@
       </p:sp>
       <p:sp>
         <p:nvSpPr>
-          <p:cNvPr id="179" name=""/>
+          <p:cNvPr id="194" name=""/>
           <p:cNvSpPr/>
           <p:nvPr/>
         </p:nvSpPr>
@@ -7985,6 +8541,237 @@
                 <a:latin typeface="Arial"/>
               </a:rPr>
               <a:t>S2</a:t>
+            </a:r>
+            <a:endParaRPr b="0" lang="en-US" sz="1400" spc="-1" strike="noStrike">
+              <a:latin typeface="Arial"/>
+            </a:endParaRPr>
+          </a:p>
+        </p:txBody>
+      </p:sp>
+      <p:sp>
+        <p:nvSpPr>
+          <p:cNvPr id="195" name=""/>
+          <p:cNvSpPr/>
+          <p:nvPr/>
+        </p:nvSpPr>
+        <p:spPr>
+          <a:xfrm>
+            <a:off x="7314840" y="3814200"/>
+            <a:ext cx="1686600" cy="1686600"/>
+          </a:xfrm>
+          <a:prstGeom prst="ellipse">
+            <a:avLst/>
+          </a:prstGeom>
+          <a:solidFill>
+            <a:srgbClr val="ff0000"/>
+          </a:solidFill>
+          <a:ln w="0">
+            <a:solidFill>
+              <a:srgbClr val="3465a4"/>
+            </a:solidFill>
+          </a:ln>
+        </p:spPr>
+        <p:style>
+          <a:lnRef idx="0"/>
+          <a:fillRef idx="0"/>
+          <a:effectRef idx="0"/>
+          <a:fontRef idx="minor"/>
+        </p:style>
+      </p:sp>
+      <p:sp>
+        <p:nvSpPr>
+          <p:cNvPr id="196" name=""/>
+          <p:cNvSpPr/>
+          <p:nvPr/>
+        </p:nvSpPr>
+        <p:spPr>
+          <a:xfrm>
+            <a:off x="7459200" y="4187160"/>
+            <a:ext cx="685440" cy="685440"/>
+          </a:xfrm>
+          <a:prstGeom prst="ellipse">
+            <a:avLst/>
+          </a:prstGeom>
+          <a:solidFill>
+            <a:srgbClr val="ff0000"/>
+          </a:solidFill>
+          <a:ln w="0">
+            <a:solidFill>
+              <a:srgbClr val="3465a4"/>
+            </a:solidFill>
+          </a:ln>
+        </p:spPr>
+        <p:style>
+          <a:lnRef idx="0"/>
+          <a:fillRef idx="0"/>
+          <a:effectRef idx="0"/>
+          <a:fontRef idx="minor"/>
+        </p:style>
+      </p:sp>
+      <p:sp>
+        <p:nvSpPr>
+          <p:cNvPr id="197" name=""/>
+          <p:cNvSpPr/>
+          <p:nvPr/>
+        </p:nvSpPr>
+        <p:spPr>
+          <a:xfrm>
+            <a:off x="8157600" y="4536000"/>
+            <a:ext cx="685440" cy="685440"/>
+          </a:xfrm>
+          <a:prstGeom prst="ellipse">
+            <a:avLst/>
+          </a:prstGeom>
+          <a:solidFill>
+            <a:srgbClr val="ff0000"/>
+          </a:solidFill>
+          <a:ln w="0">
+            <a:solidFill>
+              <a:srgbClr val="3465a4"/>
+            </a:solidFill>
+          </a:ln>
+        </p:spPr>
+        <p:style>
+          <a:lnRef idx="0"/>
+          <a:fillRef idx="0"/>
+          <a:effectRef idx="0"/>
+          <a:fontRef idx="minor"/>
+        </p:style>
+      </p:sp>
+      <p:sp>
+        <p:nvSpPr>
+          <p:cNvPr id="198" name=""/>
+          <p:cNvSpPr/>
+          <p:nvPr/>
+        </p:nvSpPr>
+        <p:spPr>
+          <a:xfrm>
+            <a:off x="7615800" y="4379400"/>
+            <a:ext cx="914040" cy="288360"/>
+          </a:xfrm>
+          <a:prstGeom prst="rect">
+            <a:avLst/>
+          </a:prstGeom>
+          <a:noFill/>
+          <a:ln w="0">
+            <a:noFill/>
+          </a:ln>
+        </p:spPr>
+        <p:style>
+          <a:lnRef idx="0"/>
+          <a:fillRef idx="0"/>
+          <a:effectRef idx="0"/>
+          <a:fontRef idx="minor"/>
+        </p:style>
+        <p:txBody>
+          <a:bodyPr lIns="90000" rIns="90000" tIns="45000" bIns="45000" anchor="t">
+            <a:noAutofit/>
+          </a:bodyPr>
+          <a:p>
+            <a:pPr>
+              <a:lnSpc>
+                <a:spcPct val="100000"/>
+              </a:lnSpc>
+            </a:pPr>
+            <a:r>
+              <a:rPr b="0" lang="en-US" sz="1400" spc="-1" strike="noStrike">
+                <a:latin typeface="Arial"/>
+              </a:rPr>
+              <a:t>S1</a:t>
+            </a:r>
+            <a:endParaRPr b="0" lang="en-US" sz="1400" spc="-1" strike="noStrike">
+              <a:latin typeface="Arial"/>
+            </a:endParaRPr>
+          </a:p>
+        </p:txBody>
+      </p:sp>
+      <p:sp>
+        <p:nvSpPr>
+          <p:cNvPr id="199" name=""/>
+          <p:cNvSpPr/>
+          <p:nvPr/>
+        </p:nvSpPr>
+        <p:spPr>
+          <a:xfrm>
+            <a:off x="8322840" y="4724280"/>
+            <a:ext cx="914040" cy="288360"/>
+          </a:xfrm>
+          <a:prstGeom prst="rect">
+            <a:avLst/>
+          </a:prstGeom>
+          <a:noFill/>
+          <a:ln w="0">
+            <a:noFill/>
+          </a:ln>
+        </p:spPr>
+        <p:style>
+          <a:lnRef idx="0"/>
+          <a:fillRef idx="0"/>
+          <a:effectRef idx="0"/>
+          <a:fontRef idx="minor"/>
+        </p:style>
+        <p:txBody>
+          <a:bodyPr lIns="90000" rIns="90000" tIns="45000" bIns="45000" anchor="t">
+            <a:noAutofit/>
+          </a:bodyPr>
+          <a:p>
+            <a:pPr>
+              <a:lnSpc>
+                <a:spcPct val="100000"/>
+              </a:lnSpc>
+            </a:pPr>
+            <a:r>
+              <a:rPr b="0" lang="en-US" sz="1400" spc="-1" strike="noStrike">
+                <a:latin typeface="Arial"/>
+              </a:rPr>
+              <a:t>S2</a:t>
+            </a:r>
+            <a:endParaRPr b="0" lang="en-US" sz="1400" spc="-1" strike="noStrike">
+              <a:latin typeface="Arial"/>
+            </a:endParaRPr>
+          </a:p>
+        </p:txBody>
+      </p:sp>
+      <p:sp>
+        <p:nvSpPr>
+          <p:cNvPr id="200" name=""/>
+          <p:cNvSpPr/>
+          <p:nvPr/>
+        </p:nvSpPr>
+        <p:spPr>
+          <a:xfrm>
+            <a:off x="8288640" y="4001400"/>
+            <a:ext cx="914040" cy="288360"/>
+          </a:xfrm>
+          <a:prstGeom prst="rect">
+            <a:avLst/>
+          </a:prstGeom>
+          <a:noFill/>
+          <a:ln w="0">
+            <a:noFill/>
+          </a:ln>
+        </p:spPr>
+        <p:style>
+          <a:lnRef idx="0"/>
+          <a:fillRef idx="0"/>
+          <a:effectRef idx="0"/>
+          <a:fontRef idx="minor"/>
+        </p:style>
+        <p:txBody>
+          <a:bodyPr lIns="90000" rIns="90000" tIns="45000" bIns="45000" anchor="t">
+            <a:noAutofit/>
+          </a:bodyPr>
+          <a:p>
+            <a:pPr>
+              <a:lnSpc>
+                <a:spcPct val="100000"/>
+              </a:lnSpc>
+            </a:pPr>
+            <a:r>
+              <a:rPr b="0" lang="en-US" sz="1400" spc="-1" strike="noStrike">
+                <a:latin typeface="Arial"/>
+              </a:rPr>
+              <a:t>B</a:t>
             </a:r>
             <a:endParaRPr b="0" lang="en-US" sz="1400" spc="-1" strike="noStrike">
               <a:latin typeface="Arial"/>
@@ -8024,7 +8811,7 @@
       </p:grpSpPr>
       <p:sp>
         <p:nvSpPr>
-          <p:cNvPr id="180" name="PlaceHolder 1"/>
+          <p:cNvPr id="201" name="PlaceHolder 1"/>
           <p:cNvSpPr>
             <a:spLocks noGrp="1"/>
           </p:cNvSpPr>
@@ -8069,7 +8856,7 @@
       </p:sp>
       <p:sp>
         <p:nvSpPr>
-          <p:cNvPr id="181" name="PlaceHolder 2"/>
+          <p:cNvPr id="202" name="PlaceHolder 2"/>
           <p:cNvSpPr>
             <a:spLocks noGrp="1"/>
           </p:cNvSpPr>
@@ -8448,7 +9235,7 @@
       </p:grpSpPr>
       <p:sp>
         <p:nvSpPr>
-          <p:cNvPr id="182" name="PlaceHolder 1"/>
+          <p:cNvPr id="203" name="PlaceHolder 1"/>
           <p:cNvSpPr>
             <a:spLocks noGrp="1"/>
           </p:cNvSpPr>
@@ -8493,7 +9280,7 @@
       </p:sp>
       <p:pic>
         <p:nvPicPr>
-          <p:cNvPr id="183" name="" descr=""/>
+          <p:cNvPr id="204" name="" descr=""/>
           <p:cNvPicPr/>
           <p:nvPr/>
         </p:nvPicPr>
@@ -8546,7 +9333,7 @@
       </p:grpSpPr>
       <p:sp>
         <p:nvSpPr>
-          <p:cNvPr id="184" name="PlaceHolder 1"/>
+          <p:cNvPr id="205" name="PlaceHolder 1"/>
           <p:cNvSpPr>
             <a:spLocks noGrp="1"/>
           </p:cNvSpPr>
@@ -8591,7 +9378,7 @@
       </p:sp>
       <p:pic>
         <p:nvPicPr>
-          <p:cNvPr id="185" name="" descr=""/>
+          <p:cNvPr id="206" name="" descr=""/>
           <p:cNvPicPr/>
           <p:nvPr/>
         </p:nvPicPr>
@@ -8644,7 +9431,7 @@
       </p:grpSpPr>
       <p:sp>
         <p:nvSpPr>
-          <p:cNvPr id="80" name="PlaceHolder 1"/>
+          <p:cNvPr id="82" name="PlaceHolder 1"/>
           <p:cNvSpPr>
             <a:spLocks noGrp="1"/>
           </p:cNvSpPr>
@@ -8689,7 +9476,7 @@
       </p:sp>
       <p:sp>
         <p:nvSpPr>
-          <p:cNvPr id="81" name=""/>
+          <p:cNvPr id="83" name=""/>
           <p:cNvSpPr/>
           <p:nvPr/>
         </p:nvSpPr>
@@ -8885,7 +9672,7 @@
       </p:grpSpPr>
       <p:sp>
         <p:nvSpPr>
-          <p:cNvPr id="186" name="PlaceHolder 1"/>
+          <p:cNvPr id="207" name="PlaceHolder 1"/>
           <p:cNvSpPr>
             <a:spLocks noGrp="1"/>
           </p:cNvSpPr>
@@ -8930,7 +9717,7 @@
       </p:sp>
       <p:pic>
         <p:nvPicPr>
-          <p:cNvPr id="187" name="" descr=""/>
+          <p:cNvPr id="208" name="" descr=""/>
           <p:cNvPicPr/>
           <p:nvPr/>
         </p:nvPicPr>
@@ -8951,6 +9738,83 @@
           </a:ln>
         </p:spPr>
       </p:pic>
+    </p:spTree>
+  </p:cSld>
+  <mc:AlternateContent>
+    <mc:Choice Requires="p14">
+      <p:transition spd="slow" p14:dur="2000"/>
+    </mc:Choice>
+    <mc:Fallback>
+      <p:transition spd="slow"/>
+    </mc:Fallback>
+  </mc:AlternateContent>
+</p:sld>
+</file>
+
+<file path=ppt/slides/slide31.xml><?xml version="1.0" encoding="utf-8"?>
+<p:sld xmlns:a="http://schemas.openxmlformats.org/drawingml/2006/main" xmlns:p="http://schemas.openxmlformats.org/presentationml/2006/main" xmlns:r="http://schemas.openxmlformats.org/officeDocument/2006/relationships" xmlns:p14="http://schemas.microsoft.com/office/powerpoint/2010/main" xmlns:p15="http://schemas.microsoft.com/office/powerpoint/2012/main" xmlns:mc="http://schemas.openxmlformats.org/markup-compatibility/2006">
+  <p:cSld>
+    <p:spTree>
+      <p:nvGrpSpPr>
+        <p:cNvPr id="1" name=""/>
+        <p:cNvGrpSpPr/>
+        <p:nvPr/>
+      </p:nvGrpSpPr>
+      <p:grpSpPr>
+        <a:xfrm>
+          <a:off x="0" y="0"/>
+          <a:ext cx="0" cy="0"/>
+          <a:chOff x="0" y="0"/>
+          <a:chExt cx="0" cy="0"/>
+        </a:xfrm>
+      </p:grpSpPr>
+      <p:sp>
+        <p:nvSpPr>
+          <p:cNvPr id="209" name="PlaceHolder 1"/>
+          <p:cNvSpPr>
+            <a:spLocks noGrp="1"/>
+          </p:cNvSpPr>
+          <p:nvPr>
+            <p:ph type="title"/>
+          </p:nvPr>
+        </p:nvSpPr>
+        <p:spPr>
+          <a:xfrm>
+            <a:off x="504000" y="226080"/>
+            <a:ext cx="9071280" cy="946080"/>
+          </a:xfrm>
+          <a:prstGeom prst="rect">
+            <a:avLst/>
+          </a:prstGeom>
+          <a:noFill/>
+          <a:ln w="0">
+            <a:noFill/>
+          </a:ln>
+        </p:spPr>
+        <p:txBody>
+          <a:bodyPr lIns="0" rIns="0" tIns="0" bIns="0" anchor="ctr">
+            <a:noAutofit/>
+          </a:bodyPr>
+          <a:p>
+            <a:pPr algn="ctr"/>
+            <a:r>
+              <a:rPr b="0" lang="en-US" sz="4400" spc="-1" strike="noStrike">
+                <a:latin typeface="Arial"/>
+              </a:rPr>
+              <a:t>A.I. Development – </a:t>
+            </a:r>
+            <a:r>
+              <a:rPr b="0" lang="en-US" sz="4400" spc="-1" strike="noStrike">
+                <a:latin typeface="Arial"/>
+              </a:rPr>
+              <a:t>GPT</a:t>
+            </a:r>
+            <a:endParaRPr b="0" lang="en-US" sz="4400" spc="-1" strike="noStrike">
+              <a:latin typeface="Arial"/>
+            </a:endParaRPr>
+          </a:p>
+        </p:txBody>
+      </p:sp>
     </p:spTree>
   </p:cSld>
   <mc:AlternateContent>
@@ -8983,7 +9847,7 @@
       </p:grpSpPr>
       <p:sp>
         <p:nvSpPr>
-          <p:cNvPr id="82" name="PlaceHolder 1"/>
+          <p:cNvPr id="84" name="PlaceHolder 1"/>
           <p:cNvSpPr>
             <a:spLocks noGrp="1"/>
           </p:cNvSpPr>
@@ -9028,7 +9892,7 @@
       </p:sp>
       <p:sp>
         <p:nvSpPr>
-          <p:cNvPr id="83" name=""/>
+          <p:cNvPr id="85" name=""/>
           <p:cNvSpPr/>
           <p:nvPr/>
         </p:nvSpPr>
@@ -9194,7 +10058,7 @@
       </p:sp>
       <p:sp>
         <p:nvSpPr>
-          <p:cNvPr id="84" name=""/>
+          <p:cNvPr id="86" name=""/>
           <p:cNvSpPr/>
           <p:nvPr/>
         </p:nvSpPr>
@@ -9221,7 +10085,7 @@
       </p:sp>
       <p:sp>
         <p:nvSpPr>
-          <p:cNvPr id="85" name=""/>
+          <p:cNvPr id="87" name=""/>
           <p:cNvSpPr/>
           <p:nvPr/>
         </p:nvSpPr>
@@ -9278,7 +10142,7 @@
       </p:grpSpPr>
       <p:sp>
         <p:nvSpPr>
-          <p:cNvPr id="86" name="PlaceHolder 1"/>
+          <p:cNvPr id="88" name="PlaceHolder 1"/>
           <p:cNvSpPr>
             <a:spLocks noGrp="1"/>
           </p:cNvSpPr>
@@ -9323,7 +10187,7 @@
       </p:sp>
       <p:pic>
         <p:nvPicPr>
-          <p:cNvPr id="87" name="" descr=""/>
+          <p:cNvPr id="89" name="" descr=""/>
           <p:cNvPicPr/>
           <p:nvPr/>
         </p:nvPicPr>
@@ -9346,7 +10210,7 @@
       </p:pic>
       <p:sp>
         <p:nvSpPr>
-          <p:cNvPr id="88" name=""/>
+          <p:cNvPr id="90" name=""/>
           <p:cNvSpPr/>
           <p:nvPr/>
         </p:nvSpPr>
@@ -9492,7 +10356,7 @@
       </p:grpSpPr>
       <p:sp>
         <p:nvSpPr>
-          <p:cNvPr id="89" name="PlaceHolder 1"/>
+          <p:cNvPr id="91" name="PlaceHolder 1"/>
           <p:cNvSpPr>
             <a:spLocks noGrp="1"/>
           </p:cNvSpPr>
@@ -9537,7 +10401,7 @@
       </p:sp>
       <p:sp>
         <p:nvSpPr>
-          <p:cNvPr id="90" name=""/>
+          <p:cNvPr id="92" name=""/>
           <p:cNvSpPr/>
           <p:nvPr/>
         </p:nvSpPr>
@@ -9659,7 +10523,7 @@
       </p:sp>
       <p:pic>
         <p:nvPicPr>
-          <p:cNvPr id="91" name="" descr=""/>
+          <p:cNvPr id="93" name="" descr=""/>
           <p:cNvPicPr/>
           <p:nvPr/>
         </p:nvPicPr>
@@ -9682,7 +10546,7 @@
       </p:pic>
       <p:pic>
         <p:nvPicPr>
-          <p:cNvPr id="92" name="" descr=""/>
+          <p:cNvPr id="94" name="" descr=""/>
           <p:cNvPicPr/>
           <p:nvPr/>
         </p:nvPicPr>
@@ -9705,7 +10569,7 @@
       </p:pic>
       <p:pic>
         <p:nvPicPr>
-          <p:cNvPr id="93" name="" descr=""/>
+          <p:cNvPr id="95" name="" descr=""/>
           <p:cNvPicPr/>
           <p:nvPr/>
         </p:nvPicPr>
@@ -9758,7 +10622,7 @@
       </p:grpSpPr>
       <p:sp>
         <p:nvSpPr>
-          <p:cNvPr id="94" name="PlaceHolder 1"/>
+          <p:cNvPr id="96" name="PlaceHolder 1"/>
           <p:cNvSpPr>
             <a:spLocks noGrp="1"/>
           </p:cNvSpPr>
@@ -9803,7 +10667,7 @@
       </p:sp>
       <p:sp>
         <p:nvSpPr>
-          <p:cNvPr id="95" name="PlaceHolder 2"/>
+          <p:cNvPr id="97" name="PlaceHolder 2"/>
           <p:cNvSpPr>
             <a:spLocks noGrp="1"/>
           </p:cNvSpPr>
@@ -10086,7 +10950,7 @@
       </p:grpSpPr>
       <p:sp>
         <p:nvSpPr>
-          <p:cNvPr id="96" name="PlaceHolder 1"/>
+          <p:cNvPr id="98" name="PlaceHolder 1"/>
           <p:cNvSpPr>
             <a:spLocks noGrp="1"/>
           </p:cNvSpPr>
@@ -10131,7 +10995,7 @@
       </p:sp>
       <p:sp>
         <p:nvSpPr>
-          <p:cNvPr id="97" name="PlaceHolder 2"/>
+          <p:cNvPr id="99" name="PlaceHolder 2"/>
           <p:cNvSpPr>
             <a:spLocks noGrp="1"/>
           </p:cNvSpPr>
@@ -10302,7 +11166,7 @@
       </p:grpSpPr>
       <p:sp>
         <p:nvSpPr>
-          <p:cNvPr id="98" name="PlaceHolder 1"/>
+          <p:cNvPr id="100" name="PlaceHolder 1"/>
           <p:cNvSpPr>
             <a:spLocks noGrp="1"/>
           </p:cNvSpPr>
@@ -10347,7 +11211,7 @@
       </p:sp>
       <p:sp>
         <p:nvSpPr>
-          <p:cNvPr id="99" name="PlaceHolder 2"/>
+          <p:cNvPr id="101" name="PlaceHolder 2"/>
           <p:cNvSpPr>
             <a:spLocks noGrp="1"/>
           </p:cNvSpPr>

--- a/React 101.pptx
+++ b/React 101.pptx
@@ -3592,7 +3592,7 @@
         </p:nvSpPr>
         <p:spPr>
           <a:xfrm>
-            <a:off x="504000" y="1306080"/>
+            <a:off x="576000" y="1990080"/>
             <a:ext cx="9071280" cy="946080"/>
           </a:xfrm>
           <a:prstGeom prst="rect">
@@ -3637,7 +3637,7 @@
         </p:nvSpPr>
         <p:spPr>
           <a:xfrm>
-            <a:off x="504000" y="1284120"/>
+            <a:off x="504000" y="2040120"/>
             <a:ext cx="9071280" cy="3287880"/>
           </a:xfrm>
           <a:prstGeom prst="rect">
@@ -3682,8 +3682,8 @@
         </p:blipFill>
         <p:spPr>
           <a:xfrm>
-            <a:off x="2514600" y="3405600"/>
-            <a:ext cx="2514600" cy="1600200"/>
+            <a:off x="1119600" y="1818000"/>
+            <a:ext cx="2057400" cy="1344600"/>
           </a:xfrm>
           <a:prstGeom prst="rect">
             <a:avLst/>
@@ -3705,8 +3705,8 @@
         </p:blipFill>
         <p:spPr>
           <a:xfrm>
-            <a:off x="4221000" y="3079800"/>
-            <a:ext cx="3886200" cy="2286000"/>
+            <a:off x="6919200" y="1639800"/>
+            <a:ext cx="2592000" cy="1656360"/>
           </a:xfrm>
           <a:prstGeom prst="rect">
             <a:avLst/>

--- a/React 101.pptx
+++ b/React 101.pptx
@@ -3682,8 +3682,8 @@
         </p:blipFill>
         <p:spPr>
           <a:xfrm>
-            <a:off x="1119600" y="1818000"/>
-            <a:ext cx="2057400" cy="1344600"/>
+            <a:off x="1143000" y="1818000"/>
+            <a:ext cx="2034000" cy="1344600"/>
           </a:xfrm>
           <a:prstGeom prst="rect">
             <a:avLst/>
@@ -3705,8 +3705,8 @@
         </p:blipFill>
         <p:spPr>
           <a:xfrm>
-            <a:off x="6919200" y="1639800"/>
-            <a:ext cx="2592000" cy="1656360"/>
+            <a:off x="6919200" y="1711800"/>
+            <a:ext cx="2592000" cy="1560600"/>
           </a:xfrm>
           <a:prstGeom prst="rect">
             <a:avLst/>

--- a/React 101.pptx
+++ b/React 101.pptx
@@ -37,6 +37,8 @@
     <p:sldId id="284" r:id="rId32"/>
     <p:sldId id="285" r:id="rId33"/>
     <p:sldId id="286" r:id="rId34"/>
+    <p:sldId id="287" r:id="rId35"/>
+    <p:sldId id="288" r:id="rId36"/>
   </p:sldIdLst>
   <p:sldSz cx="10080625" cy="5670550"/>
   <p:notesSz cx="7772400" cy="10058400"/>
@@ -95,7 +97,7 @@
         <p:spPr>
           <a:xfrm>
             <a:off x="504000" y="226080"/>
-            <a:ext cx="9071280" cy="946080"/>
+            <a:ext cx="9072000" cy="946440"/>
           </a:xfrm>
           <a:prstGeom prst="rect">
             <a:avLst/>
@@ -130,7 +132,7 @@
         <p:spPr>
           <a:xfrm>
             <a:off x="504000" y="1326600"/>
-            <a:ext cx="9071280" cy="1568160"/>
+            <a:ext cx="9072000" cy="1568520"/>
           </a:xfrm>
           <a:prstGeom prst="rect">
             <a:avLst/>
@@ -163,8 +165,8 @@
         </p:nvSpPr>
         <p:spPr>
           <a:xfrm>
-            <a:off x="504000" y="3044160"/>
-            <a:ext cx="9071280" cy="1568160"/>
+            <a:off x="504000" y="3044520"/>
+            <a:ext cx="9072000" cy="1568520"/>
           </a:xfrm>
           <a:prstGeom prst="rect">
             <a:avLst/>
@@ -220,7 +222,7 @@
         <p:spPr>
           <a:xfrm>
             <a:off x="504000" y="226080"/>
-            <a:ext cx="9071280" cy="946080"/>
+            <a:ext cx="9072000" cy="946440"/>
           </a:xfrm>
           <a:prstGeom prst="rect">
             <a:avLst/>
@@ -255,7 +257,7 @@
         <p:spPr>
           <a:xfrm>
             <a:off x="504000" y="1326600"/>
-            <a:ext cx="4426560" cy="1568160"/>
+            <a:ext cx="4426920" cy="1568520"/>
           </a:xfrm>
           <a:prstGeom prst="rect">
             <a:avLst/>
@@ -288,8 +290,8 @@
         </p:nvSpPr>
         <p:spPr>
           <a:xfrm>
-            <a:off x="5152320" y="1326600"/>
-            <a:ext cx="4426560" cy="1568160"/>
+            <a:off x="5152680" y="1326600"/>
+            <a:ext cx="4426920" cy="1568520"/>
           </a:xfrm>
           <a:prstGeom prst="rect">
             <a:avLst/>
@@ -322,8 +324,8 @@
         </p:nvSpPr>
         <p:spPr>
           <a:xfrm>
-            <a:off x="504000" y="3044160"/>
-            <a:ext cx="4426560" cy="1568160"/>
+            <a:off x="504000" y="3044520"/>
+            <a:ext cx="4426920" cy="1568520"/>
           </a:xfrm>
           <a:prstGeom prst="rect">
             <a:avLst/>
@@ -356,8 +358,8 @@
         </p:nvSpPr>
         <p:spPr>
           <a:xfrm>
-            <a:off x="5152320" y="3044160"/>
-            <a:ext cx="4426560" cy="1568160"/>
+            <a:off x="5152680" y="3044520"/>
+            <a:ext cx="4426920" cy="1568520"/>
           </a:xfrm>
           <a:prstGeom prst="rect">
             <a:avLst/>
@@ -413,7 +415,7 @@
         <p:spPr>
           <a:xfrm>
             <a:off x="504000" y="226080"/>
-            <a:ext cx="9071280" cy="946080"/>
+            <a:ext cx="9072000" cy="946440"/>
           </a:xfrm>
           <a:prstGeom prst="rect">
             <a:avLst/>
@@ -448,7 +450,7 @@
         <p:spPr>
           <a:xfrm>
             <a:off x="504000" y="1326600"/>
-            <a:ext cx="2920680" cy="1568160"/>
+            <a:ext cx="2921040" cy="1568520"/>
           </a:xfrm>
           <a:prstGeom prst="rect">
             <a:avLst/>
@@ -481,8 +483,8 @@
         </p:nvSpPr>
         <p:spPr>
           <a:xfrm>
-            <a:off x="3571200" y="1326600"/>
-            <a:ext cx="2920680" cy="1568160"/>
+            <a:off x="3571560" y="1326600"/>
+            <a:ext cx="2921040" cy="1568520"/>
           </a:xfrm>
           <a:prstGeom prst="rect">
             <a:avLst/>
@@ -515,8 +517,8 @@
         </p:nvSpPr>
         <p:spPr>
           <a:xfrm>
-            <a:off x="6638040" y="1326600"/>
-            <a:ext cx="2920680" cy="1568160"/>
+            <a:off x="6639120" y="1326600"/>
+            <a:ext cx="2921040" cy="1568520"/>
           </a:xfrm>
           <a:prstGeom prst="rect">
             <a:avLst/>
@@ -549,8 +551,8 @@
         </p:nvSpPr>
         <p:spPr>
           <a:xfrm>
-            <a:off x="504000" y="3044160"/>
-            <a:ext cx="2920680" cy="1568160"/>
+            <a:off x="504000" y="3044520"/>
+            <a:ext cx="2921040" cy="1568520"/>
           </a:xfrm>
           <a:prstGeom prst="rect">
             <a:avLst/>
@@ -583,8 +585,8 @@
         </p:nvSpPr>
         <p:spPr>
           <a:xfrm>
-            <a:off x="3571200" y="3044160"/>
-            <a:ext cx="2920680" cy="1568160"/>
+            <a:off x="3571560" y="3044520"/>
+            <a:ext cx="2921040" cy="1568520"/>
           </a:xfrm>
           <a:prstGeom prst="rect">
             <a:avLst/>
@@ -617,8 +619,8 @@
         </p:nvSpPr>
         <p:spPr>
           <a:xfrm>
-            <a:off x="6638040" y="3044160"/>
-            <a:ext cx="2920680" cy="1568160"/>
+            <a:off x="6639120" y="3044520"/>
+            <a:ext cx="2921040" cy="1568520"/>
           </a:xfrm>
           <a:prstGeom prst="rect">
             <a:avLst/>
@@ -696,7 +698,7 @@
         <p:spPr>
           <a:xfrm>
             <a:off x="504000" y="226080"/>
-            <a:ext cx="9071280" cy="946080"/>
+            <a:ext cx="9072000" cy="946440"/>
           </a:xfrm>
           <a:prstGeom prst="rect">
             <a:avLst/>
@@ -731,7 +733,7 @@
         <p:spPr>
           <a:xfrm>
             <a:off x="504000" y="1326600"/>
-            <a:ext cx="9071280" cy="3287880"/>
+            <a:ext cx="9072000" cy="3288600"/>
           </a:xfrm>
           <a:prstGeom prst="rect">
             <a:avLst/>
@@ -788,7 +790,7 @@
         <p:spPr>
           <a:xfrm>
             <a:off x="504000" y="226080"/>
-            <a:ext cx="9071280" cy="946080"/>
+            <a:ext cx="9072000" cy="946440"/>
           </a:xfrm>
           <a:prstGeom prst="rect">
             <a:avLst/>
@@ -823,7 +825,7 @@
         <p:spPr>
           <a:xfrm>
             <a:off x="504000" y="1326600"/>
-            <a:ext cx="9071280" cy="3287880"/>
+            <a:ext cx="9072000" cy="3288600"/>
           </a:xfrm>
           <a:prstGeom prst="rect">
             <a:avLst/>
@@ -879,7 +881,7 @@
         <p:spPr>
           <a:xfrm>
             <a:off x="504000" y="226080"/>
-            <a:ext cx="9071280" cy="946080"/>
+            <a:ext cx="9072000" cy="946440"/>
           </a:xfrm>
           <a:prstGeom prst="rect">
             <a:avLst/>
@@ -914,7 +916,7 @@
         <p:spPr>
           <a:xfrm>
             <a:off x="504000" y="1326600"/>
-            <a:ext cx="4426560" cy="3287880"/>
+            <a:ext cx="4426920" cy="3288600"/>
           </a:xfrm>
           <a:prstGeom prst="rect">
             <a:avLst/>
@@ -947,8 +949,8 @@
         </p:nvSpPr>
         <p:spPr>
           <a:xfrm>
-            <a:off x="5152320" y="1326600"/>
-            <a:ext cx="4426560" cy="3287880"/>
+            <a:off x="5152680" y="1326600"/>
+            <a:ext cx="4426920" cy="3288600"/>
           </a:xfrm>
           <a:prstGeom prst="rect">
             <a:avLst/>
@@ -1004,7 +1006,7 @@
         <p:spPr>
           <a:xfrm>
             <a:off x="504000" y="226080"/>
-            <a:ext cx="9071280" cy="946080"/>
+            <a:ext cx="9072000" cy="946440"/>
           </a:xfrm>
           <a:prstGeom prst="rect">
             <a:avLst/>
@@ -1061,7 +1063,7 @@
         <p:spPr>
           <a:xfrm>
             <a:off x="504000" y="226080"/>
-            <a:ext cx="9071280" cy="4386600"/>
+            <a:ext cx="9072000" cy="4388400"/>
           </a:xfrm>
           <a:prstGeom prst="rect">
             <a:avLst/>
@@ -1118,7 +1120,7 @@
         <p:spPr>
           <a:xfrm>
             <a:off x="504000" y="226080"/>
-            <a:ext cx="9071280" cy="946080"/>
+            <a:ext cx="9072000" cy="946440"/>
           </a:xfrm>
           <a:prstGeom prst="rect">
             <a:avLst/>
@@ -1153,7 +1155,7 @@
         <p:spPr>
           <a:xfrm>
             <a:off x="504000" y="1326600"/>
-            <a:ext cx="4426560" cy="1568160"/>
+            <a:ext cx="4426920" cy="1568520"/>
           </a:xfrm>
           <a:prstGeom prst="rect">
             <a:avLst/>
@@ -1186,8 +1188,8 @@
         </p:nvSpPr>
         <p:spPr>
           <a:xfrm>
-            <a:off x="5152320" y="1326600"/>
-            <a:ext cx="4426560" cy="3287880"/>
+            <a:off x="5152680" y="1326600"/>
+            <a:ext cx="4426920" cy="3288600"/>
           </a:xfrm>
           <a:prstGeom prst="rect">
             <a:avLst/>
@@ -1220,8 +1222,8 @@
         </p:nvSpPr>
         <p:spPr>
           <a:xfrm>
-            <a:off x="504000" y="3044160"/>
-            <a:ext cx="4426560" cy="1568160"/>
+            <a:off x="504000" y="3044520"/>
+            <a:ext cx="4426920" cy="1568520"/>
           </a:xfrm>
           <a:prstGeom prst="rect">
             <a:avLst/>
@@ -1277,7 +1279,7 @@
         <p:spPr>
           <a:xfrm>
             <a:off x="504000" y="226080"/>
-            <a:ext cx="9071280" cy="946080"/>
+            <a:ext cx="9072000" cy="946440"/>
           </a:xfrm>
           <a:prstGeom prst="rect">
             <a:avLst/>
@@ -1312,7 +1314,7 @@
         <p:spPr>
           <a:xfrm>
             <a:off x="504000" y="1326600"/>
-            <a:ext cx="9071280" cy="3287880"/>
+            <a:ext cx="9072000" cy="3288600"/>
           </a:xfrm>
           <a:prstGeom prst="rect">
             <a:avLst/>
@@ -1369,7 +1371,7 @@
         <p:spPr>
           <a:xfrm>
             <a:off x="504000" y="226080"/>
-            <a:ext cx="9071280" cy="946080"/>
+            <a:ext cx="9072000" cy="946440"/>
           </a:xfrm>
           <a:prstGeom prst="rect">
             <a:avLst/>
@@ -1404,7 +1406,7 @@
         <p:spPr>
           <a:xfrm>
             <a:off x="504000" y="1326600"/>
-            <a:ext cx="4426560" cy="3287880"/>
+            <a:ext cx="4426920" cy="3288600"/>
           </a:xfrm>
           <a:prstGeom prst="rect">
             <a:avLst/>
@@ -1437,8 +1439,8 @@
         </p:nvSpPr>
         <p:spPr>
           <a:xfrm>
-            <a:off x="5152320" y="1326600"/>
-            <a:ext cx="4426560" cy="1568160"/>
+            <a:off x="5152680" y="1326600"/>
+            <a:ext cx="4426920" cy="1568520"/>
           </a:xfrm>
           <a:prstGeom prst="rect">
             <a:avLst/>
@@ -1471,8 +1473,8 @@
         </p:nvSpPr>
         <p:spPr>
           <a:xfrm>
-            <a:off x="5152320" y="3044160"/>
-            <a:ext cx="4426560" cy="1568160"/>
+            <a:off x="5152680" y="3044520"/>
+            <a:ext cx="4426920" cy="1568520"/>
           </a:xfrm>
           <a:prstGeom prst="rect">
             <a:avLst/>
@@ -1528,7 +1530,7 @@
         <p:spPr>
           <a:xfrm>
             <a:off x="504000" y="226080"/>
-            <a:ext cx="9071280" cy="946080"/>
+            <a:ext cx="9072000" cy="946440"/>
           </a:xfrm>
           <a:prstGeom prst="rect">
             <a:avLst/>
@@ -1563,7 +1565,7 @@
         <p:spPr>
           <a:xfrm>
             <a:off x="504000" y="1326600"/>
-            <a:ext cx="4426560" cy="1568160"/>
+            <a:ext cx="4426920" cy="1568520"/>
           </a:xfrm>
           <a:prstGeom prst="rect">
             <a:avLst/>
@@ -1596,8 +1598,8 @@
         </p:nvSpPr>
         <p:spPr>
           <a:xfrm>
-            <a:off x="5152320" y="1326600"/>
-            <a:ext cx="4426560" cy="1568160"/>
+            <a:off x="5152680" y="1326600"/>
+            <a:ext cx="4426920" cy="1568520"/>
           </a:xfrm>
           <a:prstGeom prst="rect">
             <a:avLst/>
@@ -1630,8 +1632,8 @@
         </p:nvSpPr>
         <p:spPr>
           <a:xfrm>
-            <a:off x="504000" y="3044160"/>
-            <a:ext cx="9071280" cy="1568160"/>
+            <a:off x="504000" y="3044520"/>
+            <a:ext cx="9072000" cy="1568520"/>
           </a:xfrm>
           <a:prstGeom prst="rect">
             <a:avLst/>
@@ -1687,7 +1689,7 @@
         <p:spPr>
           <a:xfrm>
             <a:off x="504000" y="226080"/>
-            <a:ext cx="9071280" cy="946080"/>
+            <a:ext cx="9072000" cy="946440"/>
           </a:xfrm>
           <a:prstGeom prst="rect">
             <a:avLst/>
@@ -1722,7 +1724,7 @@
         <p:spPr>
           <a:xfrm>
             <a:off x="504000" y="1326600"/>
-            <a:ext cx="9071280" cy="1568160"/>
+            <a:ext cx="9072000" cy="1568520"/>
           </a:xfrm>
           <a:prstGeom prst="rect">
             <a:avLst/>
@@ -1755,8 +1757,8 @@
         </p:nvSpPr>
         <p:spPr>
           <a:xfrm>
-            <a:off x="504000" y="3044160"/>
-            <a:ext cx="9071280" cy="1568160"/>
+            <a:off x="504000" y="3044520"/>
+            <a:ext cx="9072000" cy="1568520"/>
           </a:xfrm>
           <a:prstGeom prst="rect">
             <a:avLst/>
@@ -1812,7 +1814,7 @@
         <p:spPr>
           <a:xfrm>
             <a:off x="504000" y="226080"/>
-            <a:ext cx="9071280" cy="946080"/>
+            <a:ext cx="9072000" cy="946440"/>
           </a:xfrm>
           <a:prstGeom prst="rect">
             <a:avLst/>
@@ -1847,7 +1849,7 @@
         <p:spPr>
           <a:xfrm>
             <a:off x="504000" y="1326600"/>
-            <a:ext cx="4426560" cy="1568160"/>
+            <a:ext cx="4426920" cy="1568520"/>
           </a:xfrm>
           <a:prstGeom prst="rect">
             <a:avLst/>
@@ -1880,8 +1882,8 @@
         </p:nvSpPr>
         <p:spPr>
           <a:xfrm>
-            <a:off x="5152320" y="1326600"/>
-            <a:ext cx="4426560" cy="1568160"/>
+            <a:off x="5152680" y="1326600"/>
+            <a:ext cx="4426920" cy="1568520"/>
           </a:xfrm>
           <a:prstGeom prst="rect">
             <a:avLst/>
@@ -1914,8 +1916,8 @@
         </p:nvSpPr>
         <p:spPr>
           <a:xfrm>
-            <a:off x="504000" y="3044160"/>
-            <a:ext cx="4426560" cy="1568160"/>
+            <a:off x="504000" y="3044520"/>
+            <a:ext cx="4426920" cy="1568520"/>
           </a:xfrm>
           <a:prstGeom prst="rect">
             <a:avLst/>
@@ -1948,8 +1950,8 @@
         </p:nvSpPr>
         <p:spPr>
           <a:xfrm>
-            <a:off x="5152320" y="3044160"/>
-            <a:ext cx="4426560" cy="1568160"/>
+            <a:off x="5152680" y="3044520"/>
+            <a:ext cx="4426920" cy="1568520"/>
           </a:xfrm>
           <a:prstGeom prst="rect">
             <a:avLst/>
@@ -2005,7 +2007,7 @@
         <p:spPr>
           <a:xfrm>
             <a:off x="504000" y="226080"/>
-            <a:ext cx="9071280" cy="946080"/>
+            <a:ext cx="9072000" cy="946440"/>
           </a:xfrm>
           <a:prstGeom prst="rect">
             <a:avLst/>
@@ -2040,7 +2042,7 @@
         <p:spPr>
           <a:xfrm>
             <a:off x="504000" y="1326600"/>
-            <a:ext cx="2920680" cy="1568160"/>
+            <a:ext cx="2921040" cy="1568520"/>
           </a:xfrm>
           <a:prstGeom prst="rect">
             <a:avLst/>
@@ -2073,8 +2075,8 @@
         </p:nvSpPr>
         <p:spPr>
           <a:xfrm>
-            <a:off x="3571200" y="1326600"/>
-            <a:ext cx="2920680" cy="1568160"/>
+            <a:off x="3571560" y="1326600"/>
+            <a:ext cx="2921040" cy="1568520"/>
           </a:xfrm>
           <a:prstGeom prst="rect">
             <a:avLst/>
@@ -2107,8 +2109,8 @@
         </p:nvSpPr>
         <p:spPr>
           <a:xfrm>
-            <a:off x="6638040" y="1326600"/>
-            <a:ext cx="2920680" cy="1568160"/>
+            <a:off x="6639120" y="1326600"/>
+            <a:ext cx="2921040" cy="1568520"/>
           </a:xfrm>
           <a:prstGeom prst="rect">
             <a:avLst/>
@@ -2141,8 +2143,8 @@
         </p:nvSpPr>
         <p:spPr>
           <a:xfrm>
-            <a:off x="504000" y="3044160"/>
-            <a:ext cx="2920680" cy="1568160"/>
+            <a:off x="504000" y="3044520"/>
+            <a:ext cx="2921040" cy="1568520"/>
           </a:xfrm>
           <a:prstGeom prst="rect">
             <a:avLst/>
@@ -2175,8 +2177,8 @@
         </p:nvSpPr>
         <p:spPr>
           <a:xfrm>
-            <a:off x="3571200" y="3044160"/>
-            <a:ext cx="2920680" cy="1568160"/>
+            <a:off x="3571560" y="3044520"/>
+            <a:ext cx="2921040" cy="1568520"/>
           </a:xfrm>
           <a:prstGeom prst="rect">
             <a:avLst/>
@@ -2209,8 +2211,8 @@
         </p:nvSpPr>
         <p:spPr>
           <a:xfrm>
-            <a:off x="6638040" y="3044160"/>
-            <a:ext cx="2920680" cy="1568160"/>
+            <a:off x="6639120" y="3044520"/>
+            <a:ext cx="2921040" cy="1568520"/>
           </a:xfrm>
           <a:prstGeom prst="rect">
             <a:avLst/>
@@ -2266,7 +2268,7 @@
         <p:spPr>
           <a:xfrm>
             <a:off x="504000" y="226080"/>
-            <a:ext cx="9071280" cy="946080"/>
+            <a:ext cx="9072000" cy="946440"/>
           </a:xfrm>
           <a:prstGeom prst="rect">
             <a:avLst/>
@@ -2301,7 +2303,7 @@
         <p:spPr>
           <a:xfrm>
             <a:off x="504000" y="1326600"/>
-            <a:ext cx="9071280" cy="3287880"/>
+            <a:ext cx="9072000" cy="3288600"/>
           </a:xfrm>
           <a:prstGeom prst="rect">
             <a:avLst/>
@@ -2357,7 +2359,7 @@
         <p:spPr>
           <a:xfrm>
             <a:off x="504000" y="226080"/>
-            <a:ext cx="9071280" cy="946080"/>
+            <a:ext cx="9072000" cy="946440"/>
           </a:xfrm>
           <a:prstGeom prst="rect">
             <a:avLst/>
@@ -2392,7 +2394,7 @@
         <p:spPr>
           <a:xfrm>
             <a:off x="504000" y="1326600"/>
-            <a:ext cx="4426560" cy="3287880"/>
+            <a:ext cx="4426920" cy="3288600"/>
           </a:xfrm>
           <a:prstGeom prst="rect">
             <a:avLst/>
@@ -2425,8 +2427,8 @@
         </p:nvSpPr>
         <p:spPr>
           <a:xfrm>
-            <a:off x="5152320" y="1326600"/>
-            <a:ext cx="4426560" cy="3287880"/>
+            <a:off x="5152680" y="1326600"/>
+            <a:ext cx="4426920" cy="3288600"/>
           </a:xfrm>
           <a:prstGeom prst="rect">
             <a:avLst/>
@@ -2482,7 +2484,7 @@
         <p:spPr>
           <a:xfrm>
             <a:off x="504000" y="226080"/>
-            <a:ext cx="9071280" cy="946080"/>
+            <a:ext cx="9072000" cy="946440"/>
           </a:xfrm>
           <a:prstGeom prst="rect">
             <a:avLst/>
@@ -2539,7 +2541,7 @@
         <p:spPr>
           <a:xfrm>
             <a:off x="504000" y="226080"/>
-            <a:ext cx="9071280" cy="4386600"/>
+            <a:ext cx="9072000" cy="4388400"/>
           </a:xfrm>
           <a:prstGeom prst="rect">
             <a:avLst/>
@@ -2596,7 +2598,7 @@
         <p:spPr>
           <a:xfrm>
             <a:off x="504000" y="226080"/>
-            <a:ext cx="9071280" cy="946080"/>
+            <a:ext cx="9072000" cy="946440"/>
           </a:xfrm>
           <a:prstGeom prst="rect">
             <a:avLst/>
@@ -2631,7 +2633,7 @@
         <p:spPr>
           <a:xfrm>
             <a:off x="504000" y="1326600"/>
-            <a:ext cx="4426560" cy="1568160"/>
+            <a:ext cx="4426920" cy="1568520"/>
           </a:xfrm>
           <a:prstGeom prst="rect">
             <a:avLst/>
@@ -2664,8 +2666,8 @@
         </p:nvSpPr>
         <p:spPr>
           <a:xfrm>
-            <a:off x="5152320" y="1326600"/>
-            <a:ext cx="4426560" cy="3287880"/>
+            <a:off x="5152680" y="1326600"/>
+            <a:ext cx="4426920" cy="3288600"/>
           </a:xfrm>
           <a:prstGeom prst="rect">
             <a:avLst/>
@@ -2698,8 +2700,8 @@
         </p:nvSpPr>
         <p:spPr>
           <a:xfrm>
-            <a:off x="504000" y="3044160"/>
-            <a:ext cx="4426560" cy="1568160"/>
+            <a:off x="504000" y="3044520"/>
+            <a:ext cx="4426920" cy="1568520"/>
           </a:xfrm>
           <a:prstGeom prst="rect">
             <a:avLst/>
@@ -2755,7 +2757,7 @@
         <p:spPr>
           <a:xfrm>
             <a:off x="504000" y="226080"/>
-            <a:ext cx="9071280" cy="946080"/>
+            <a:ext cx="9072000" cy="946440"/>
           </a:xfrm>
           <a:prstGeom prst="rect">
             <a:avLst/>
@@ -2790,7 +2792,7 @@
         <p:spPr>
           <a:xfrm>
             <a:off x="504000" y="1326600"/>
-            <a:ext cx="4426560" cy="3287880"/>
+            <a:ext cx="4426920" cy="3288600"/>
           </a:xfrm>
           <a:prstGeom prst="rect">
             <a:avLst/>
@@ -2823,8 +2825,8 @@
         </p:nvSpPr>
         <p:spPr>
           <a:xfrm>
-            <a:off x="5152320" y="1326600"/>
-            <a:ext cx="4426560" cy="1568160"/>
+            <a:off x="5152680" y="1326600"/>
+            <a:ext cx="4426920" cy="1568520"/>
           </a:xfrm>
           <a:prstGeom prst="rect">
             <a:avLst/>
@@ -2857,8 +2859,8 @@
         </p:nvSpPr>
         <p:spPr>
           <a:xfrm>
-            <a:off x="5152320" y="3044160"/>
-            <a:ext cx="4426560" cy="1568160"/>
+            <a:off x="5152680" y="3044520"/>
+            <a:ext cx="4426920" cy="1568520"/>
           </a:xfrm>
           <a:prstGeom prst="rect">
             <a:avLst/>
@@ -2914,7 +2916,7 @@
         <p:spPr>
           <a:xfrm>
             <a:off x="504000" y="226080"/>
-            <a:ext cx="9071280" cy="946080"/>
+            <a:ext cx="9072000" cy="946440"/>
           </a:xfrm>
           <a:prstGeom prst="rect">
             <a:avLst/>
@@ -2949,7 +2951,7 @@
         <p:spPr>
           <a:xfrm>
             <a:off x="504000" y="1326600"/>
-            <a:ext cx="4426560" cy="1568160"/>
+            <a:ext cx="4426920" cy="1568520"/>
           </a:xfrm>
           <a:prstGeom prst="rect">
             <a:avLst/>
@@ -2982,8 +2984,8 @@
         </p:nvSpPr>
         <p:spPr>
           <a:xfrm>
-            <a:off x="5152320" y="1326600"/>
-            <a:ext cx="4426560" cy="1568160"/>
+            <a:off x="5152680" y="1326600"/>
+            <a:ext cx="4426920" cy="1568520"/>
           </a:xfrm>
           <a:prstGeom prst="rect">
             <a:avLst/>
@@ -3016,8 +3018,8 @@
         </p:nvSpPr>
         <p:spPr>
           <a:xfrm>
-            <a:off x="504000" y="3044160"/>
-            <a:ext cx="9071280" cy="1568160"/>
+            <a:off x="504000" y="3044520"/>
+            <a:ext cx="9072000" cy="1568520"/>
           </a:xfrm>
           <a:prstGeom prst="rect">
             <a:avLst/>
@@ -3073,7 +3075,7 @@
         <p:spPr>
           <a:xfrm>
             <a:off x="504000" y="226080"/>
-            <a:ext cx="9071280" cy="946080"/>
+            <a:ext cx="9070920" cy="945720"/>
           </a:xfrm>
           <a:prstGeom prst="rect">
             <a:avLst/>
@@ -3113,7 +3115,7 @@
         <p:spPr>
           <a:xfrm>
             <a:off x="504000" y="1326600"/>
-            <a:ext cx="9072000" cy="3288600"/>
+            <a:ext cx="9070920" cy="3287520"/>
           </a:xfrm>
           <a:prstGeom prst="rect">
             <a:avLst/>
@@ -3140,12 +3142,12 @@
               <a:buChar char=""/>
             </a:pPr>
             <a:r>
-              <a:rPr b="0" lang="en-US" sz="3200" spc="-1" strike="noStrike">
+              <a:rPr b="0" lang="en-US" sz="1800" spc="-1" strike="noStrike">
                 <a:latin typeface="Arial"/>
               </a:rPr>
               <a:t>Click to edit the outline text format</a:t>
             </a:r>
-            <a:endParaRPr b="0" lang="en-US" sz="3200" spc="-1" strike="noStrike">
+            <a:endParaRPr b="0" lang="en-US" sz="1800" spc="-1" strike="noStrike">
               <a:latin typeface="Arial"/>
             </a:endParaRPr>
           </a:p>
@@ -3162,12 +3164,12 @@
               <a:buChar char=""/>
             </a:pPr>
             <a:r>
-              <a:rPr b="0" lang="en-US" sz="2800" spc="-1" strike="noStrike">
+              <a:rPr b="0" lang="en-US" sz="1800" spc="-1" strike="noStrike">
                 <a:latin typeface="Arial"/>
               </a:rPr>
               <a:t>Second Outline Level</a:t>
             </a:r>
-            <a:endParaRPr b="0" lang="en-US" sz="2800" spc="-1" strike="noStrike">
+            <a:endParaRPr b="0" lang="en-US" sz="1800" spc="-1" strike="noStrike">
               <a:latin typeface="Arial"/>
             </a:endParaRPr>
           </a:p>
@@ -3184,12 +3186,12 @@
               <a:buChar char=""/>
             </a:pPr>
             <a:r>
-              <a:rPr b="0" lang="en-US" sz="2400" spc="-1" strike="noStrike">
+              <a:rPr b="0" lang="en-US" sz="1800" spc="-1" strike="noStrike">
                 <a:latin typeface="Arial"/>
               </a:rPr>
               <a:t>Third Outline Level</a:t>
             </a:r>
-            <a:endParaRPr b="0" lang="en-US" sz="2400" spc="-1" strike="noStrike">
+            <a:endParaRPr b="0" lang="en-US" sz="1800" spc="-1" strike="noStrike">
               <a:latin typeface="Arial"/>
             </a:endParaRPr>
           </a:p>
@@ -3206,12 +3208,12 @@
               <a:buChar char=""/>
             </a:pPr>
             <a:r>
-              <a:rPr b="0" lang="en-US" sz="2000" spc="-1" strike="noStrike">
+              <a:rPr b="0" lang="en-US" sz="1800" spc="-1" strike="noStrike">
                 <a:latin typeface="Arial"/>
               </a:rPr>
               <a:t>Fourth Outline Level</a:t>
             </a:r>
-            <a:endParaRPr b="0" lang="en-US" sz="2000" spc="-1" strike="noStrike">
+            <a:endParaRPr b="0" lang="en-US" sz="1800" spc="-1" strike="noStrike">
               <a:latin typeface="Arial"/>
             </a:endParaRPr>
           </a:p>
@@ -3228,12 +3230,12 @@
               <a:buChar char=""/>
             </a:pPr>
             <a:r>
-              <a:rPr b="0" lang="en-US" sz="2000" spc="-1" strike="noStrike">
+              <a:rPr b="0" lang="en-US" sz="1800" spc="-1" strike="noStrike">
                 <a:latin typeface="Arial"/>
               </a:rPr>
               <a:t>Fifth Outline Level</a:t>
             </a:r>
-            <a:endParaRPr b="0" lang="en-US" sz="2000" spc="-1" strike="noStrike">
+            <a:endParaRPr b="0" lang="en-US" sz="1800" spc="-1" strike="noStrike">
               <a:latin typeface="Arial"/>
             </a:endParaRPr>
           </a:p>
@@ -3250,12 +3252,12 @@
               <a:buChar char=""/>
             </a:pPr>
             <a:r>
-              <a:rPr b="0" lang="en-US" sz="2000" spc="-1" strike="noStrike">
+              <a:rPr b="0" lang="en-US" sz="1800" spc="-1" strike="noStrike">
                 <a:latin typeface="Arial"/>
               </a:rPr>
               <a:t>Sixth Outline Level</a:t>
             </a:r>
-            <a:endParaRPr b="0" lang="en-US" sz="2000" spc="-1" strike="noStrike">
+            <a:endParaRPr b="0" lang="en-US" sz="1800" spc="-1" strike="noStrike">
               <a:latin typeface="Arial"/>
             </a:endParaRPr>
           </a:p>
@@ -3272,12 +3274,12 @@
               <a:buChar char=""/>
             </a:pPr>
             <a:r>
-              <a:rPr b="0" lang="en-US" sz="2000" spc="-1" strike="noStrike">
+              <a:rPr b="0" lang="en-US" sz="1800" spc="-1" strike="noStrike">
                 <a:latin typeface="Arial"/>
               </a:rPr>
               <a:t>Seventh Outline Level</a:t>
             </a:r>
-            <a:endParaRPr b="0" lang="en-US" sz="2000" spc="-1" strike="noStrike">
+            <a:endParaRPr b="0" lang="en-US" sz="1800" spc="-1" strike="noStrike">
               <a:latin typeface="Arial"/>
             </a:endParaRPr>
           </a:p>
@@ -3333,7 +3335,7 @@
         <p:spPr>
           <a:xfrm>
             <a:off x="504000" y="226080"/>
-            <a:ext cx="9071280" cy="946080"/>
+            <a:ext cx="9072000" cy="946440"/>
           </a:xfrm>
           <a:prstGeom prst="rect">
             <a:avLst/>
@@ -3348,13 +3350,14 @@
             <a:noAutofit/>
           </a:bodyPr>
           <a:p>
-            <a:r>
-              <a:rPr b="0" lang="en-US" sz="1800" spc="-1" strike="noStrike">
+            <a:pPr algn="ctr"/>
+            <a:r>
+              <a:rPr b="0" lang="en-US" sz="4400" spc="-1" strike="noStrike">
                 <a:latin typeface="Arial"/>
               </a:rPr>
               <a:t>Click to edit the title text format</a:t>
             </a:r>
-            <a:endParaRPr b="0" lang="en-US" sz="1800" spc="-1" strike="noStrike">
+            <a:endParaRPr b="0" lang="en-US" sz="4400" spc="-1" strike="noStrike">
               <a:latin typeface="Arial"/>
             </a:endParaRPr>
           </a:p>
@@ -3373,7 +3376,7 @@
         <p:spPr>
           <a:xfrm>
             <a:off x="504000" y="1326600"/>
-            <a:ext cx="9071280" cy="3287880"/>
+            <a:ext cx="9072000" cy="3288600"/>
           </a:xfrm>
           <a:prstGeom prst="rect">
             <a:avLst/>
@@ -3400,12 +3403,12 @@
               <a:buChar char=""/>
             </a:pPr>
             <a:r>
-              <a:rPr b="0" lang="en-US" sz="1800" spc="-1" strike="noStrike">
+              <a:rPr b="0" lang="en-US" sz="3200" spc="-1" strike="noStrike">
                 <a:latin typeface="Arial"/>
               </a:rPr>
               <a:t>Click to edit the outline text format</a:t>
             </a:r>
-            <a:endParaRPr b="0" lang="en-US" sz="1800" spc="-1" strike="noStrike">
+            <a:endParaRPr b="0" lang="en-US" sz="3200" spc="-1" strike="noStrike">
               <a:latin typeface="Arial"/>
             </a:endParaRPr>
           </a:p>
@@ -3422,12 +3425,12 @@
               <a:buChar char=""/>
             </a:pPr>
             <a:r>
-              <a:rPr b="0" lang="en-US" sz="1800" spc="-1" strike="noStrike">
+              <a:rPr b="0" lang="en-US" sz="2800" spc="-1" strike="noStrike">
                 <a:latin typeface="Arial"/>
               </a:rPr>
               <a:t>Second Outline Level</a:t>
             </a:r>
-            <a:endParaRPr b="0" lang="en-US" sz="1800" spc="-1" strike="noStrike">
+            <a:endParaRPr b="0" lang="en-US" sz="2800" spc="-1" strike="noStrike">
               <a:latin typeface="Arial"/>
             </a:endParaRPr>
           </a:p>
@@ -3444,12 +3447,12 @@
               <a:buChar char=""/>
             </a:pPr>
             <a:r>
-              <a:rPr b="0" lang="en-US" sz="1800" spc="-1" strike="noStrike">
+              <a:rPr b="0" lang="en-US" sz="2400" spc="-1" strike="noStrike">
                 <a:latin typeface="Arial"/>
               </a:rPr>
               <a:t>Third Outline Level</a:t>
             </a:r>
-            <a:endParaRPr b="0" lang="en-US" sz="1800" spc="-1" strike="noStrike">
+            <a:endParaRPr b="0" lang="en-US" sz="2400" spc="-1" strike="noStrike">
               <a:latin typeface="Arial"/>
             </a:endParaRPr>
           </a:p>
@@ -3466,12 +3469,12 @@
               <a:buChar char=""/>
             </a:pPr>
             <a:r>
-              <a:rPr b="0" lang="en-US" sz="1800" spc="-1" strike="noStrike">
+              <a:rPr b="0" lang="en-US" sz="2000" spc="-1" strike="noStrike">
                 <a:latin typeface="Arial"/>
               </a:rPr>
               <a:t>Fourth Outline Level</a:t>
             </a:r>
-            <a:endParaRPr b="0" lang="en-US" sz="1800" spc="-1" strike="noStrike">
+            <a:endParaRPr b="0" lang="en-US" sz="2000" spc="-1" strike="noStrike">
               <a:latin typeface="Arial"/>
             </a:endParaRPr>
           </a:p>
@@ -3488,12 +3491,12 @@
               <a:buChar char=""/>
             </a:pPr>
             <a:r>
-              <a:rPr b="0" lang="en-US" sz="1800" spc="-1" strike="noStrike">
+              <a:rPr b="0" lang="en-US" sz="2000" spc="-1" strike="noStrike">
                 <a:latin typeface="Arial"/>
               </a:rPr>
               <a:t>Fifth Outline Level</a:t>
             </a:r>
-            <a:endParaRPr b="0" lang="en-US" sz="1800" spc="-1" strike="noStrike">
+            <a:endParaRPr b="0" lang="en-US" sz="2000" spc="-1" strike="noStrike">
               <a:latin typeface="Arial"/>
             </a:endParaRPr>
           </a:p>
@@ -3510,12 +3513,12 @@
               <a:buChar char=""/>
             </a:pPr>
             <a:r>
-              <a:rPr b="0" lang="en-US" sz="1800" spc="-1" strike="noStrike">
+              <a:rPr b="0" lang="en-US" sz="2000" spc="-1" strike="noStrike">
                 <a:latin typeface="Arial"/>
               </a:rPr>
               <a:t>Sixth Outline Level</a:t>
             </a:r>
-            <a:endParaRPr b="0" lang="en-US" sz="1800" spc="-1" strike="noStrike">
+            <a:endParaRPr b="0" lang="en-US" sz="2000" spc="-1" strike="noStrike">
               <a:latin typeface="Arial"/>
             </a:endParaRPr>
           </a:p>
@@ -3532,12 +3535,12 @@
               <a:buChar char=""/>
             </a:pPr>
             <a:r>
-              <a:rPr b="0" lang="en-US" sz="1800" spc="-1" strike="noStrike">
+              <a:rPr b="0" lang="en-US" sz="2000" spc="-1" strike="noStrike">
                 <a:latin typeface="Arial"/>
               </a:rPr>
               <a:t>Seventh Outline Level</a:t>
             </a:r>
-            <a:endParaRPr b="0" lang="en-US" sz="1800" spc="-1" strike="noStrike">
+            <a:endParaRPr b="0" lang="en-US" sz="2000" spc="-1" strike="noStrike">
               <a:latin typeface="Arial"/>
             </a:endParaRPr>
           </a:p>
@@ -3593,7 +3596,7 @@
         <p:spPr>
           <a:xfrm>
             <a:off x="576000" y="1990080"/>
-            <a:ext cx="9071280" cy="946080"/>
+            <a:ext cx="9070920" cy="945720"/>
           </a:xfrm>
           <a:prstGeom prst="rect">
             <a:avLst/>
@@ -3638,7 +3641,7 @@
         <p:spPr>
           <a:xfrm>
             <a:off x="504000" y="2040120"/>
-            <a:ext cx="9071280" cy="3287880"/>
+            <a:ext cx="9070920" cy="3287520"/>
           </a:xfrm>
           <a:prstGeom prst="rect">
             <a:avLst/>
@@ -3683,7 +3686,7 @@
         <p:spPr>
           <a:xfrm>
             <a:off x="1143000" y="1818000"/>
-            <a:ext cx="2034000" cy="1344600"/>
+            <a:ext cx="2033640" cy="1344240"/>
           </a:xfrm>
           <a:prstGeom prst="rect">
             <a:avLst/>
@@ -3705,8 +3708,8 @@
         </p:blipFill>
         <p:spPr>
           <a:xfrm>
-            <a:off x="6919200" y="1711800"/>
-            <a:ext cx="2592000" cy="1560600"/>
+            <a:off x="6631200" y="1711800"/>
+            <a:ext cx="2591640" cy="1560240"/>
           </a:xfrm>
           <a:prstGeom prst="rect">
             <a:avLst/>
@@ -3759,7 +3762,7 @@
         <p:spPr>
           <a:xfrm>
             <a:off x="504000" y="226080"/>
-            <a:ext cx="9071280" cy="946080"/>
+            <a:ext cx="9070920" cy="945720"/>
           </a:xfrm>
           <a:prstGeom prst="rect">
             <a:avLst/>
@@ -3801,7 +3804,7 @@
         <p:spPr>
           <a:xfrm>
             <a:off x="914400" y="1172520"/>
-            <a:ext cx="8229240" cy="1369800"/>
+            <a:ext cx="8228880" cy="1369440"/>
           </a:xfrm>
           <a:prstGeom prst="rect">
             <a:avLst/>
@@ -3829,32 +3832,52 @@
             </a:pPr>
             <a:r>
               <a:rPr b="0" lang="en-US" sz="1400" spc="-1" strike="noStrike">
-                <a:latin typeface="Arial"/>
+                <a:solidFill>
+                  <a:srgbClr val="000000"/>
+                </a:solidFill>
+                <a:latin typeface="Arial"/>
+                <a:ea typeface="DejaVu Sans"/>
               </a:rPr>
               <a:t>In React, a </a:t>
             </a:r>
             <a:r>
               <a:rPr b="1" lang="en-US" sz="1400" spc="-1" strike="noStrike">
-                <a:latin typeface="Arial"/>
+                <a:solidFill>
+                  <a:srgbClr val="000000"/>
+                </a:solidFill>
+                <a:latin typeface="Arial"/>
+                <a:ea typeface="DejaVu Sans"/>
               </a:rPr>
               <a:t>component</a:t>
             </a:r>
             <a:r>
               <a:rPr b="0" lang="en-US" sz="1400" spc="-1" strike="noStrike">
-                <a:latin typeface="Arial"/>
+                <a:solidFill>
+                  <a:srgbClr val="000000"/>
+                </a:solidFill>
+                <a:latin typeface="Arial"/>
+                <a:ea typeface="DejaVu Sans"/>
               </a:rPr>
               <a:t> is a piece of reusable code that represents a part of a user interface. Components are used to </a:t>
             </a:r>
             <a:r>
               <a:rPr b="0" lang="en-US" sz="1400" spc="-1" strike="noStrike" u="sng">
+                <a:solidFill>
+                  <a:srgbClr val="000000"/>
+                </a:solidFill>
                 <a:uFillTx/>
                 <a:latin typeface="Arial"/>
+                <a:ea typeface="DejaVu Sans"/>
               </a:rPr>
               <a:t>render, manage, and update the UI elements</a:t>
             </a:r>
             <a:r>
               <a:rPr b="0" lang="en-US" sz="1400" spc="-1" strike="noStrike">
-                <a:latin typeface="Arial"/>
+                <a:solidFill>
+                  <a:srgbClr val="000000"/>
+                </a:solidFill>
+                <a:latin typeface="Arial"/>
+                <a:ea typeface="DejaVu Sans"/>
               </a:rPr>
               <a:t> in your application. Let’s look at the component line by line to see what’s going on:</a:t>
             </a:r>
@@ -3873,7 +3896,7 @@
         <p:spPr>
           <a:xfrm>
             <a:off x="2286000" y="2838960"/>
-            <a:ext cx="3885840" cy="959760"/>
+            <a:ext cx="3885480" cy="959400"/>
           </a:xfrm>
           <a:prstGeom prst="rect">
             <a:avLst/>
@@ -3901,7 +3924,11 @@
             </a:pPr>
             <a:r>
               <a:rPr b="0" lang="en-US" sz="1000" spc="-1" strike="noStrike">
-                <a:latin typeface="Arial"/>
+                <a:solidFill>
+                  <a:srgbClr val="000000"/>
+                </a:solidFill>
+                <a:latin typeface="Arial"/>
+                <a:ea typeface="DejaVu Sans"/>
               </a:rPr>
               <a:t>export default function Square() {</a:t>
             </a:r>
@@ -3917,13 +3944,21 @@
             </a:pPr>
             <a:r>
               <a:rPr b="0" lang="en-US" sz="1000" spc="-1" strike="noStrike">
-                <a:latin typeface="Arial"/>
+                <a:solidFill>
+                  <a:srgbClr val="000000"/>
+                </a:solidFill>
+                <a:latin typeface="Arial"/>
+                <a:ea typeface="DejaVu Sans"/>
               </a:rPr>
               <a:t>  </a:t>
             </a:r>
             <a:r>
               <a:rPr b="0" lang="en-US" sz="1000" spc="-1" strike="noStrike">
-                <a:latin typeface="Arial"/>
+                <a:solidFill>
+                  <a:srgbClr val="000000"/>
+                </a:solidFill>
+                <a:latin typeface="Arial"/>
+                <a:ea typeface="DejaVu Sans"/>
               </a:rPr>
               <a:t>return &lt;button className="square"&gt;X&lt;/button&gt;;</a:t>
             </a:r>
@@ -3939,7 +3974,11 @@
             </a:pPr>
             <a:r>
               <a:rPr b="0" lang="en-US" sz="1000" spc="-1" strike="noStrike">
-                <a:latin typeface="Arial"/>
+                <a:solidFill>
+                  <a:srgbClr val="000000"/>
+                </a:solidFill>
+                <a:latin typeface="Arial"/>
+                <a:ea typeface="DejaVu Sans"/>
               </a:rPr>
               <a:t>}</a:t>
             </a:r>
@@ -3962,7 +4001,7 @@
         <p:spPr>
           <a:xfrm>
             <a:off x="7088400" y="2851200"/>
-            <a:ext cx="1037880" cy="1037880"/>
+            <a:ext cx="1037520" cy="1037520"/>
           </a:xfrm>
           <a:prstGeom prst="rect">
             <a:avLst/>
@@ -4015,7 +4054,7 @@
         <p:spPr>
           <a:xfrm>
             <a:off x="504000" y="226080"/>
-            <a:ext cx="9071280" cy="946080"/>
+            <a:ext cx="9070920" cy="945720"/>
           </a:xfrm>
           <a:prstGeom prst="rect">
             <a:avLst/>
@@ -4056,7 +4095,7 @@
         <p:spPr>
           <a:xfrm>
             <a:off x="914400" y="1172520"/>
-            <a:ext cx="8229240" cy="1369800"/>
+            <a:ext cx="8228880" cy="1369440"/>
           </a:xfrm>
           <a:prstGeom prst="rect">
             <a:avLst/>
@@ -4084,32 +4123,52 @@
             </a:pPr>
             <a:r>
               <a:rPr b="0" lang="en-US" sz="1400" spc="-1" strike="noStrike">
-                <a:latin typeface="Arial"/>
+                <a:solidFill>
+                  <a:srgbClr val="000000"/>
+                </a:solidFill>
+                <a:latin typeface="Arial"/>
+                <a:ea typeface="DejaVu Sans"/>
               </a:rPr>
               <a:t>In React, a </a:t>
             </a:r>
             <a:r>
               <a:rPr b="1" lang="en-US" sz="1400" spc="-1" strike="noStrike">
-                <a:latin typeface="Arial"/>
+                <a:solidFill>
+                  <a:srgbClr val="000000"/>
+                </a:solidFill>
+                <a:latin typeface="Arial"/>
+                <a:ea typeface="DejaVu Sans"/>
               </a:rPr>
               <a:t>component</a:t>
             </a:r>
             <a:r>
               <a:rPr b="0" lang="en-US" sz="1400" spc="-1" strike="noStrike">
-                <a:latin typeface="Arial"/>
+                <a:solidFill>
+                  <a:srgbClr val="000000"/>
+                </a:solidFill>
+                <a:latin typeface="Arial"/>
+                <a:ea typeface="DejaVu Sans"/>
               </a:rPr>
               <a:t> is a piece of reusable code that represents a part of a user interface. Components are used to </a:t>
             </a:r>
             <a:r>
               <a:rPr b="0" lang="en-US" sz="1400" spc="-1" strike="noStrike" u="sng">
+                <a:solidFill>
+                  <a:srgbClr val="000000"/>
+                </a:solidFill>
                 <a:uFillTx/>
                 <a:latin typeface="Arial"/>
+                <a:ea typeface="DejaVu Sans"/>
               </a:rPr>
               <a:t>render, manage, and update the UI elements</a:t>
             </a:r>
             <a:r>
               <a:rPr b="0" lang="en-US" sz="1400" spc="-1" strike="noStrike">
-                <a:latin typeface="Arial"/>
+                <a:solidFill>
+                  <a:srgbClr val="000000"/>
+                </a:solidFill>
+                <a:latin typeface="Arial"/>
+                <a:ea typeface="DejaVu Sans"/>
               </a:rPr>
               <a:t> in your application. Let’s look at the component line by line to see what’s going on:</a:t>
             </a:r>
@@ -4128,7 +4187,7 @@
         <p:spPr>
           <a:xfrm>
             <a:off x="2286000" y="2838960"/>
-            <a:ext cx="3885840" cy="959760"/>
+            <a:ext cx="3885480" cy="959400"/>
           </a:xfrm>
           <a:prstGeom prst="rect">
             <a:avLst/>
@@ -4156,19 +4215,31 @@
             </a:pPr>
             <a:r>
               <a:rPr b="0" lang="en-US" sz="1000" spc="-1" strike="noStrike">
-                <a:latin typeface="Arial"/>
+                <a:solidFill>
+                  <a:srgbClr val="000000"/>
+                </a:solidFill>
+                <a:latin typeface="Arial"/>
+                <a:ea typeface="DejaVu Sans"/>
               </a:rPr>
               <a:t>export default </a:t>
             </a:r>
             <a:r>
               <a:rPr b="1" lang="en-US" sz="1000" spc="-1" strike="noStrike">
-                <a:latin typeface="Arial"/>
+                <a:solidFill>
+                  <a:srgbClr val="000000"/>
+                </a:solidFill>
+                <a:latin typeface="Arial"/>
+                <a:ea typeface="DejaVu Sans"/>
               </a:rPr>
               <a:t>function Square()</a:t>
             </a:r>
             <a:r>
               <a:rPr b="0" lang="en-US" sz="1000" spc="-1" strike="noStrike">
-                <a:latin typeface="Arial"/>
+                <a:solidFill>
+                  <a:srgbClr val="000000"/>
+                </a:solidFill>
+                <a:latin typeface="Arial"/>
+                <a:ea typeface="DejaVu Sans"/>
               </a:rPr>
               <a:t> {</a:t>
             </a:r>
@@ -4184,26 +4255,42 @@
             </a:pPr>
             <a:r>
               <a:rPr b="0" lang="en-US" sz="1000" spc="-1" strike="noStrike">
-                <a:latin typeface="Arial"/>
+                <a:solidFill>
+                  <a:srgbClr val="000000"/>
+                </a:solidFill>
+                <a:latin typeface="Arial"/>
+                <a:ea typeface="DejaVu Sans"/>
               </a:rPr>
               <a:t>  </a:t>
             </a:r>
             <a:r>
               <a:rPr b="1" lang="en-US" sz="1000" spc="-1" strike="noStrike">
-                <a:latin typeface="Arial"/>
+                <a:solidFill>
+                  <a:srgbClr val="000000"/>
+                </a:solidFill>
+                <a:latin typeface="Arial"/>
+                <a:ea typeface="DejaVu Sans"/>
               </a:rPr>
               <a:t>return</a:t>
             </a:r>
             <a:r>
               <a:rPr b="0" lang="en-US" sz="1000" spc="-1" strike="noStrike">
-                <a:latin typeface="Arial"/>
+                <a:solidFill>
+                  <a:srgbClr val="000000"/>
+                </a:solidFill>
+                <a:latin typeface="Arial"/>
+                <a:ea typeface="DejaVu Sans"/>
               </a:rPr>
               <a:t> </a:t>
             </a:r>
             <a:r>
               <a:rPr b="0" lang="en-US" sz="1000" spc="-1" strike="noStrike" u="sng">
+                <a:solidFill>
+                  <a:srgbClr val="000000"/>
+                </a:solidFill>
                 <a:uFillTx/>
                 <a:latin typeface="Arial"/>
+                <a:ea typeface="DejaVu Sans"/>
               </a:rPr>
               <a:t>&lt;button className="square"&gt;X&lt;/button&gt;;</a:t>
             </a:r>
@@ -4219,7 +4306,11 @@
             </a:pPr>
             <a:r>
               <a:rPr b="0" lang="en-US" sz="1000" spc="-1" strike="noStrike">
-                <a:latin typeface="Arial"/>
+                <a:solidFill>
+                  <a:srgbClr val="000000"/>
+                </a:solidFill>
+                <a:latin typeface="Arial"/>
+                <a:ea typeface="DejaVu Sans"/>
               </a:rPr>
               <a:t>}</a:t>
             </a:r>
@@ -4242,7 +4333,7 @@
         <p:spPr>
           <a:xfrm>
             <a:off x="7086600" y="2847960"/>
-            <a:ext cx="1037880" cy="1037880"/>
+            <a:ext cx="1037520" cy="1037520"/>
           </a:xfrm>
           <a:prstGeom prst="rect">
             <a:avLst/>
@@ -4295,7 +4386,7 @@
         <p:spPr>
           <a:xfrm>
             <a:off x="504000" y="226080"/>
-            <a:ext cx="9071280" cy="946080"/>
+            <a:ext cx="9070920" cy="945720"/>
           </a:xfrm>
           <a:prstGeom prst="rect">
             <a:avLst/>
@@ -4336,7 +4427,7 @@
         <p:spPr>
           <a:xfrm>
             <a:off x="1779840" y="2038680"/>
-            <a:ext cx="5112000" cy="2424960"/>
+            <a:ext cx="5111640" cy="2424600"/>
           </a:xfrm>
           <a:prstGeom prst="rect">
             <a:avLst/>
@@ -4364,7 +4455,11 @@
             </a:pPr>
             <a:r>
               <a:rPr b="0" lang="en-US" sz="1000" spc="-1" strike="noStrike">
-                <a:latin typeface="Arial"/>
+                <a:solidFill>
+                  <a:srgbClr val="000000"/>
+                </a:solidFill>
+                <a:latin typeface="Arial"/>
+                <a:ea typeface="DejaVu Sans"/>
               </a:rPr>
               <a:t>export default function Square() {</a:t>
             </a:r>
@@ -4380,7 +4475,11 @@
             </a:pPr>
             <a:r>
               <a:rPr b="0" lang="en-US" sz="1000" spc="-1" strike="noStrike">
-                <a:latin typeface="Arial"/>
+                <a:solidFill>
+                  <a:srgbClr val="000000"/>
+                </a:solidFill>
+                <a:latin typeface="Arial"/>
+                <a:ea typeface="DejaVu Sans"/>
               </a:rPr>
               <a:t>return (</a:t>
             </a:r>
@@ -4396,13 +4495,21 @@
             </a:pPr>
             <a:r>
               <a:rPr b="0" lang="en-US" sz="1000" spc="-1" strike="noStrike">
-                <a:latin typeface="Arial"/>
+                <a:solidFill>
+                  <a:srgbClr val="000000"/>
+                </a:solidFill>
+                <a:latin typeface="Arial"/>
+                <a:ea typeface="DejaVu Sans"/>
               </a:rPr>
               <a:t>     </a:t>
             </a:r>
             <a:r>
               <a:rPr b="0" lang="en-US" sz="1000" spc="-1" strike="noStrike">
-                <a:latin typeface="Arial"/>
+                <a:solidFill>
+                  <a:srgbClr val="000000"/>
+                </a:solidFill>
+                <a:latin typeface="Arial"/>
+                <a:ea typeface="DejaVu Sans"/>
               </a:rPr>
               <a:t>&lt;&gt;</a:t>
             </a:r>
@@ -4418,13 +4525,21 @@
             </a:pPr>
             <a:r>
               <a:rPr b="0" lang="en-US" sz="1000" spc="-1" strike="noStrike">
-                <a:latin typeface="Arial"/>
+                <a:solidFill>
+                  <a:srgbClr val="000000"/>
+                </a:solidFill>
+                <a:latin typeface="Arial"/>
+                <a:ea typeface="DejaVu Sans"/>
               </a:rPr>
               <a:t>	</a:t>
             </a:r>
             <a:r>
               <a:rPr b="0" lang="en-US" sz="1000" spc="-1" strike="noStrike">
-                <a:latin typeface="Arial"/>
+                <a:solidFill>
+                  <a:srgbClr val="000000"/>
+                </a:solidFill>
+                <a:latin typeface="Arial"/>
+                <a:ea typeface="DejaVu Sans"/>
               </a:rPr>
               <a:t>&lt;button className="square"&gt;X&lt;/button&gt;</a:t>
             </a:r>
@@ -4440,13 +4555,21 @@
             </a:pPr>
             <a:r>
               <a:rPr b="0" lang="en-US" sz="1000" spc="-1" strike="noStrike">
-                <a:latin typeface="Arial"/>
+                <a:solidFill>
+                  <a:srgbClr val="000000"/>
+                </a:solidFill>
+                <a:latin typeface="Arial"/>
+                <a:ea typeface="DejaVu Sans"/>
               </a:rPr>
               <a:t>             </a:t>
             </a:r>
             <a:r>
               <a:rPr b="0" lang="en-US" sz="1000" spc="-1" strike="noStrike">
-                <a:latin typeface="Arial"/>
+                <a:solidFill>
+                  <a:srgbClr val="000000"/>
+                </a:solidFill>
+                <a:latin typeface="Arial"/>
+                <a:ea typeface="DejaVu Sans"/>
               </a:rPr>
               <a:t>&lt;button className="square"&gt;X&lt;/button&gt;</a:t>
             </a:r>
@@ -4462,13 +4585,21 @@
             </a:pPr>
             <a:r>
               <a:rPr b="0" lang="en-US" sz="1000" spc="-1" strike="noStrike">
-                <a:latin typeface="Arial"/>
+                <a:solidFill>
+                  <a:srgbClr val="000000"/>
+                </a:solidFill>
+                <a:latin typeface="Arial"/>
+                <a:ea typeface="DejaVu Sans"/>
               </a:rPr>
               <a:t>    </a:t>
             </a:r>
             <a:r>
               <a:rPr b="0" lang="en-US" sz="1000" spc="-1" strike="noStrike">
-                <a:latin typeface="Arial"/>
+                <a:solidFill>
+                  <a:srgbClr val="000000"/>
+                </a:solidFill>
+                <a:latin typeface="Arial"/>
+                <a:ea typeface="DejaVu Sans"/>
               </a:rPr>
               <a:t>&lt;/&gt;</a:t>
             </a:r>
@@ -4484,13 +4615,21 @@
             </a:pPr>
             <a:r>
               <a:rPr b="0" lang="en-US" sz="1000" spc="-1" strike="noStrike">
-                <a:latin typeface="Arial"/>
+                <a:solidFill>
+                  <a:srgbClr val="000000"/>
+                </a:solidFill>
+                <a:latin typeface="Arial"/>
+                <a:ea typeface="DejaVu Sans"/>
               </a:rPr>
               <a:t> </a:t>
             </a:r>
             <a:r>
               <a:rPr b="0" lang="en-US" sz="1000" spc="-1" strike="noStrike">
-                <a:latin typeface="Arial"/>
+                <a:solidFill>
+                  <a:srgbClr val="000000"/>
+                </a:solidFill>
+                <a:latin typeface="Arial"/>
+                <a:ea typeface="DejaVu Sans"/>
               </a:rPr>
               <a:t>);</a:t>
             </a:r>
@@ -4506,7 +4645,11 @@
             </a:pPr>
             <a:r>
               <a:rPr b="0" lang="en-US" sz="1000" spc="-1" strike="noStrike">
-                <a:latin typeface="Arial"/>
+                <a:solidFill>
+                  <a:srgbClr val="000000"/>
+                </a:solidFill>
+                <a:latin typeface="Arial"/>
+                <a:ea typeface="DejaVu Sans"/>
               </a:rPr>
               <a:t>}</a:t>
             </a:r>
@@ -4529,7 +4672,7 @@
         <p:spPr>
           <a:xfrm>
             <a:off x="6400800" y="2514600"/>
-            <a:ext cx="1737720" cy="992880"/>
+            <a:ext cx="1737360" cy="992520"/>
           </a:xfrm>
           <a:prstGeom prst="rect">
             <a:avLst/>
@@ -4582,7 +4725,7 @@
         <p:spPr>
           <a:xfrm>
             <a:off x="504000" y="226080"/>
-            <a:ext cx="9071280" cy="946080"/>
+            <a:ext cx="9070920" cy="945720"/>
           </a:xfrm>
           <a:prstGeom prst="rect">
             <a:avLst/>
@@ -4623,7 +4766,7 @@
         <p:spPr>
           <a:xfrm>
             <a:off x="1782000" y="1924560"/>
-            <a:ext cx="4114440" cy="959760"/>
+            <a:ext cx="4114080" cy="959400"/>
           </a:xfrm>
           <a:prstGeom prst="rect">
             <a:avLst/>
@@ -4651,20 +4794,32 @@
             </a:pPr>
             <a:r>
               <a:rPr b="0" lang="en-US" sz="1000" spc="-1" strike="noStrike">
-                <a:latin typeface="Arial"/>
+                <a:solidFill>
+                  <a:srgbClr val="000000"/>
+                </a:solidFill>
+                <a:latin typeface="Arial"/>
+                <a:ea typeface="DejaVu Sans"/>
               </a:rPr>
               <a:t>function Square({ </a:t>
             </a:r>
             <a:r>
               <a:rPr b="0" lang="en-US" sz="1000" spc="-1" strike="noStrike" u="sng">
+                <a:solidFill>
+                  <a:srgbClr val="000000"/>
+                </a:solidFill>
                 <a:uFillTx/>
                 <a:latin typeface="Arial"/>
+                <a:ea typeface="DejaVu Sans"/>
               </a:rPr>
               <a:t>value</a:t>
             </a:r>
             <a:r>
               <a:rPr b="0" lang="en-US" sz="1000" spc="-1" strike="noStrike">
-                <a:latin typeface="Arial"/>
+                <a:solidFill>
+                  <a:srgbClr val="000000"/>
+                </a:solidFill>
+                <a:latin typeface="Arial"/>
+                <a:ea typeface="DejaVu Sans"/>
               </a:rPr>
               <a:t> }) {</a:t>
             </a:r>
@@ -4680,13 +4835,21 @@
             </a:pPr>
             <a:r>
               <a:rPr b="0" lang="en-US" sz="1000" spc="-1" strike="noStrike">
-                <a:latin typeface="Arial"/>
+                <a:solidFill>
+                  <a:srgbClr val="000000"/>
+                </a:solidFill>
+                <a:latin typeface="Arial"/>
+                <a:ea typeface="DejaVu Sans"/>
               </a:rPr>
               <a:t>   </a:t>
             </a:r>
             <a:r>
               <a:rPr b="0" lang="en-US" sz="1000" spc="-1" strike="noStrike">
-                <a:latin typeface="Arial"/>
+                <a:solidFill>
+                  <a:srgbClr val="000000"/>
+                </a:solidFill>
+                <a:latin typeface="Arial"/>
+                <a:ea typeface="DejaVu Sans"/>
               </a:rPr>
               <a:t>return &lt;button className="square"&gt;value&lt;/button&gt;;</a:t>
             </a:r>
@@ -4702,7 +4865,11 @@
             </a:pPr>
             <a:r>
               <a:rPr b="0" lang="en-US" sz="1000" spc="-1" strike="noStrike">
-                <a:latin typeface="Arial"/>
+                <a:solidFill>
+                  <a:srgbClr val="000000"/>
+                </a:solidFill>
+                <a:latin typeface="Arial"/>
+                <a:ea typeface="DejaVu Sans"/>
               </a:rPr>
               <a:t>}</a:t>
             </a:r>
@@ -4725,7 +4892,7 @@
         <p:spPr>
           <a:xfrm>
             <a:off x="6510960" y="2300760"/>
-            <a:ext cx="1946880" cy="1585080"/>
+            <a:ext cx="1946520" cy="1584720"/>
           </a:xfrm>
           <a:prstGeom prst="rect">
             <a:avLst/>
@@ -4778,7 +4945,7 @@
         <p:spPr>
           <a:xfrm>
             <a:off x="504000" y="226080"/>
-            <a:ext cx="9071280" cy="946080"/>
+            <a:ext cx="9070920" cy="945720"/>
           </a:xfrm>
           <a:prstGeom prst="rect">
             <a:avLst/>
@@ -4819,7 +4986,7 @@
         <p:spPr>
           <a:xfrm>
             <a:off x="1821960" y="2309760"/>
-            <a:ext cx="4121280" cy="818280"/>
+            <a:ext cx="4120920" cy="817920"/>
           </a:xfrm>
           <a:prstGeom prst="rect">
             <a:avLst/>
@@ -4847,20 +5014,32 @@
             </a:pPr>
             <a:r>
               <a:rPr b="0" lang="en-US" sz="1000" spc="-1" strike="noStrike">
-                <a:latin typeface="Arial"/>
+                <a:solidFill>
+                  <a:srgbClr val="000000"/>
+                </a:solidFill>
+                <a:latin typeface="Arial"/>
+                <a:ea typeface="DejaVu Sans"/>
               </a:rPr>
               <a:t>function Square({ </a:t>
             </a:r>
             <a:r>
               <a:rPr b="0" lang="en-US" sz="1000" spc="-1" strike="noStrike" u="sng">
+                <a:solidFill>
+                  <a:srgbClr val="000000"/>
+                </a:solidFill>
                 <a:uFillTx/>
                 <a:latin typeface="Arial"/>
+                <a:ea typeface="DejaVu Sans"/>
               </a:rPr>
               <a:t>value</a:t>
             </a:r>
             <a:r>
               <a:rPr b="0" lang="en-US" sz="1000" spc="-1" strike="noStrike">
-                <a:latin typeface="Arial"/>
+                <a:solidFill>
+                  <a:srgbClr val="000000"/>
+                </a:solidFill>
+                <a:latin typeface="Arial"/>
+                <a:ea typeface="DejaVu Sans"/>
               </a:rPr>
               <a:t> }) {</a:t>
             </a:r>
@@ -4876,26 +5055,42 @@
             </a:pPr>
             <a:r>
               <a:rPr b="0" lang="en-US" sz="1000" spc="-1" strike="noStrike">
-                <a:latin typeface="Arial"/>
+                <a:solidFill>
+                  <a:srgbClr val="000000"/>
+                </a:solidFill>
+                <a:latin typeface="Arial"/>
+                <a:ea typeface="DejaVu Sans"/>
               </a:rPr>
               <a:t>   </a:t>
             </a:r>
             <a:r>
               <a:rPr b="0" lang="en-US" sz="1000" spc="-1" strike="noStrike">
-                <a:latin typeface="Arial"/>
+                <a:solidFill>
+                  <a:srgbClr val="000000"/>
+                </a:solidFill>
+                <a:latin typeface="Arial"/>
+                <a:ea typeface="DejaVu Sans"/>
               </a:rPr>
               <a:t>return &lt;button className="square"&gt;{</a:t>
             </a:r>
             <a:r>
               <a:rPr b="0" lang="en-US" sz="1000" spc="-1" strike="noStrike" u="sng">
+                <a:solidFill>
+                  <a:srgbClr val="000000"/>
+                </a:solidFill>
                 <a:uFillTx/>
                 <a:latin typeface="Arial"/>
+                <a:ea typeface="DejaVu Sans"/>
               </a:rPr>
               <a:t>value</a:t>
             </a:r>
             <a:r>
               <a:rPr b="0" lang="en-US" sz="1000" spc="-1" strike="noStrike">
-                <a:latin typeface="Arial"/>
+                <a:solidFill>
+                  <a:srgbClr val="000000"/>
+                </a:solidFill>
+                <a:latin typeface="Arial"/>
+                <a:ea typeface="DejaVu Sans"/>
               </a:rPr>
               <a:t>}&lt;/button&gt;;</a:t>
             </a:r>
@@ -4911,7 +5106,11 @@
             </a:pPr>
             <a:r>
               <a:rPr b="0" lang="en-US" sz="1000" spc="-1" strike="noStrike">
-                <a:latin typeface="Arial"/>
+                <a:solidFill>
+                  <a:srgbClr val="000000"/>
+                </a:solidFill>
+                <a:latin typeface="Arial"/>
+                <a:ea typeface="DejaVu Sans"/>
               </a:rPr>
               <a:t>}</a:t>
             </a:r>
@@ -4964,7 +5163,7 @@
         <p:spPr>
           <a:xfrm>
             <a:off x="504000" y="226080"/>
-            <a:ext cx="9071280" cy="946080"/>
+            <a:ext cx="9070920" cy="945720"/>
           </a:xfrm>
           <a:prstGeom prst="rect">
             <a:avLst/>
@@ -5005,7 +5204,7 @@
         <p:spPr>
           <a:xfrm>
             <a:off x="1821960" y="2309760"/>
-            <a:ext cx="4121280" cy="818280"/>
+            <a:ext cx="4120920" cy="817920"/>
           </a:xfrm>
           <a:prstGeom prst="rect">
             <a:avLst/>
@@ -5033,20 +5232,32 @@
             </a:pPr>
             <a:r>
               <a:rPr b="0" lang="en-US" sz="1000" spc="-1" strike="noStrike">
-                <a:latin typeface="Arial"/>
+                <a:solidFill>
+                  <a:srgbClr val="000000"/>
+                </a:solidFill>
+                <a:latin typeface="Arial"/>
+                <a:ea typeface="DejaVu Sans"/>
               </a:rPr>
               <a:t>function Square({ </a:t>
             </a:r>
             <a:r>
               <a:rPr b="0" lang="en-US" sz="1000" spc="-1" strike="noStrike" u="sng">
+                <a:solidFill>
+                  <a:srgbClr val="000000"/>
+                </a:solidFill>
                 <a:uFillTx/>
                 <a:latin typeface="Arial"/>
+                <a:ea typeface="DejaVu Sans"/>
               </a:rPr>
               <a:t>value</a:t>
             </a:r>
             <a:r>
               <a:rPr b="0" lang="en-US" sz="1000" spc="-1" strike="noStrike">
-                <a:latin typeface="Arial"/>
+                <a:solidFill>
+                  <a:srgbClr val="000000"/>
+                </a:solidFill>
+                <a:latin typeface="Arial"/>
+                <a:ea typeface="DejaVu Sans"/>
               </a:rPr>
               <a:t> }) {</a:t>
             </a:r>
@@ -5062,26 +5273,42 @@
             </a:pPr>
             <a:r>
               <a:rPr b="0" lang="en-US" sz="1000" spc="-1" strike="noStrike">
-                <a:latin typeface="Arial"/>
+                <a:solidFill>
+                  <a:srgbClr val="000000"/>
+                </a:solidFill>
+                <a:latin typeface="Arial"/>
+                <a:ea typeface="DejaVu Sans"/>
               </a:rPr>
               <a:t>   </a:t>
             </a:r>
             <a:r>
               <a:rPr b="0" lang="en-US" sz="1000" spc="-1" strike="noStrike">
-                <a:latin typeface="Arial"/>
+                <a:solidFill>
+                  <a:srgbClr val="000000"/>
+                </a:solidFill>
+                <a:latin typeface="Arial"/>
+                <a:ea typeface="DejaVu Sans"/>
               </a:rPr>
               <a:t>return &lt;button className="square"&gt;{</a:t>
             </a:r>
             <a:r>
               <a:rPr b="0" lang="en-US" sz="1000" spc="-1" strike="noStrike" u="sng">
+                <a:solidFill>
+                  <a:srgbClr val="000000"/>
+                </a:solidFill>
                 <a:uFillTx/>
                 <a:latin typeface="Arial"/>
+                <a:ea typeface="DejaVu Sans"/>
               </a:rPr>
               <a:t>value</a:t>
             </a:r>
             <a:r>
               <a:rPr b="0" lang="en-US" sz="1000" spc="-1" strike="noStrike">
-                <a:latin typeface="Arial"/>
+                <a:solidFill>
+                  <a:srgbClr val="000000"/>
+                </a:solidFill>
+                <a:latin typeface="Arial"/>
+                <a:ea typeface="DejaVu Sans"/>
               </a:rPr>
               <a:t>}&lt;/button&gt;;</a:t>
             </a:r>
@@ -5097,7 +5324,11 @@
             </a:pPr>
             <a:r>
               <a:rPr b="0" lang="en-US" sz="1000" spc="-1" strike="noStrike">
-                <a:latin typeface="Arial"/>
+                <a:solidFill>
+                  <a:srgbClr val="000000"/>
+                </a:solidFill>
+                <a:latin typeface="Arial"/>
+                <a:ea typeface="DejaVu Sans"/>
               </a:rPr>
               <a:t>}</a:t>
             </a:r>
@@ -5120,7 +5351,7 @@
         <p:spPr>
           <a:xfrm>
             <a:off x="6400800" y="2514600"/>
-            <a:ext cx="1946880" cy="1953360"/>
+            <a:ext cx="1946520" cy="1953000"/>
           </a:xfrm>
           <a:prstGeom prst="rect">
             <a:avLst/>
@@ -5173,7 +5404,7 @@
         <p:spPr>
           <a:xfrm>
             <a:off x="504000" y="226080"/>
-            <a:ext cx="9071280" cy="946080"/>
+            <a:ext cx="9070920" cy="945720"/>
           </a:xfrm>
           <a:prstGeom prst="rect">
             <a:avLst/>
@@ -5218,7 +5449,7 @@
         <p:spPr>
           <a:xfrm>
             <a:off x="7228800" y="2298600"/>
-            <a:ext cx="1946880" cy="1953360"/>
+            <a:ext cx="1946520" cy="1953000"/>
           </a:xfrm>
           <a:prstGeom prst="rect">
             <a:avLst/>
@@ -5241,7 +5472,7 @@
         <p:spPr>
           <a:xfrm>
             <a:off x="529200" y="1828800"/>
-            <a:ext cx="5943240" cy="2742840"/>
+            <a:ext cx="5942880" cy="2742480"/>
           </a:xfrm>
           <a:prstGeom prst="rect">
             <a:avLst/>
@@ -5294,7 +5525,7 @@
         <p:spPr>
           <a:xfrm>
             <a:off x="504000" y="226080"/>
-            <a:ext cx="9071280" cy="946080"/>
+            <a:ext cx="9070920" cy="945720"/>
           </a:xfrm>
           <a:prstGeom prst="rect">
             <a:avLst/>
@@ -5339,7 +5570,7 @@
         <p:spPr>
           <a:xfrm>
             <a:off x="6316560" y="2008800"/>
-            <a:ext cx="2573280" cy="2527920"/>
+            <a:ext cx="2572920" cy="2527560"/>
           </a:xfrm>
           <a:prstGeom prst="rect">
             <a:avLst/>
@@ -5358,7 +5589,7 @@
         <p:spPr>
           <a:xfrm>
             <a:off x="6448680" y="1596240"/>
-            <a:ext cx="2237760" cy="232200"/>
+            <a:ext cx="2237400" cy="231840"/>
           </a:xfrm>
           <a:prstGeom prst="rect">
             <a:avLst/>
@@ -5386,7 +5617,11 @@
             </a:pPr>
             <a:r>
               <a:rPr b="0" lang="en-US" sz="1000" spc="-1" strike="noStrike">
-                <a:latin typeface="Arial"/>
+                <a:solidFill>
+                  <a:srgbClr val="000000"/>
+                </a:solidFill>
+                <a:latin typeface="Arial"/>
+                <a:ea typeface="DejaVu Sans"/>
               </a:rPr>
               <a:t>['O', null, 'X', 'X', 'X', 'O', 'O', null, null]</a:t>
             </a:r>
@@ -5409,7 +5644,7 @@
         <p:spPr>
           <a:xfrm>
             <a:off x="444600" y="1280520"/>
-            <a:ext cx="5486040" cy="3885840"/>
+            <a:ext cx="5485680" cy="3885480"/>
           </a:xfrm>
           <a:prstGeom prst="rect">
             <a:avLst/>
@@ -5462,7 +5697,7 @@
         <p:spPr>
           <a:xfrm>
             <a:off x="504000" y="226080"/>
-            <a:ext cx="9071280" cy="946080"/>
+            <a:ext cx="9070920" cy="945720"/>
           </a:xfrm>
           <a:prstGeom prst="rect">
             <a:avLst/>
@@ -5507,7 +5742,7 @@
         <p:spPr>
           <a:xfrm>
             <a:off x="1371600" y="1828800"/>
-            <a:ext cx="7276320" cy="940320"/>
+            <a:ext cx="7275960" cy="939960"/>
           </a:xfrm>
           <a:prstGeom prst="rect">
             <a:avLst/>
@@ -5560,7 +5795,7 @@
         <p:spPr>
           <a:xfrm>
             <a:off x="504000" y="226080"/>
-            <a:ext cx="9071280" cy="946080"/>
+            <a:ext cx="9070920" cy="945720"/>
           </a:xfrm>
           <a:prstGeom prst="rect">
             <a:avLst/>
@@ -5605,7 +5840,7 @@
         <p:spPr>
           <a:xfrm>
             <a:off x="1403280" y="2990160"/>
-            <a:ext cx="7251120" cy="1949040"/>
+            <a:ext cx="7250760" cy="1948680"/>
           </a:xfrm>
           <a:prstGeom prst="rect">
             <a:avLst/>
@@ -5628,7 +5863,7 @@
         <p:spPr>
           <a:xfrm>
             <a:off x="1371600" y="1828800"/>
-            <a:ext cx="7276320" cy="940320"/>
+            <a:ext cx="7275960" cy="939960"/>
           </a:xfrm>
           <a:prstGeom prst="rect">
             <a:avLst/>
@@ -5681,7 +5916,7 @@
         <p:spPr>
           <a:xfrm>
             <a:off x="504000" y="226080"/>
-            <a:ext cx="9071280" cy="946080"/>
+            <a:ext cx="9070920" cy="945720"/>
           </a:xfrm>
           <a:prstGeom prst="rect">
             <a:avLst/>
@@ -5726,7 +5961,7 @@
         <p:spPr>
           <a:xfrm>
             <a:off x="504000" y="2057400"/>
-            <a:ext cx="9071280" cy="2514240"/>
+            <a:ext cx="9070920" cy="2513880"/>
           </a:xfrm>
           <a:prstGeom prst="rect">
             <a:avLst/>
@@ -5871,7 +6106,7 @@
         <p:spPr>
           <a:xfrm>
             <a:off x="504000" y="226080"/>
-            <a:ext cx="9071280" cy="946080"/>
+            <a:ext cx="9070920" cy="945720"/>
           </a:xfrm>
           <a:prstGeom prst="rect">
             <a:avLst/>
@@ -5916,7 +6151,7 @@
         <p:spPr>
           <a:xfrm>
             <a:off x="830880" y="1648800"/>
-            <a:ext cx="4919760" cy="3427920"/>
+            <a:ext cx="4919400" cy="3427560"/>
           </a:xfrm>
           <a:prstGeom prst="rect">
             <a:avLst/>
@@ -5939,7 +6174,7 @@
         <p:spPr>
           <a:xfrm>
             <a:off x="6629400" y="2057400"/>
-            <a:ext cx="2708640" cy="2776320"/>
+            <a:ext cx="2708280" cy="2775960"/>
           </a:xfrm>
           <a:prstGeom prst="rect">
             <a:avLst/>
@@ -5992,7 +6227,7 @@
         <p:spPr>
           <a:xfrm>
             <a:off x="504000" y="226080"/>
-            <a:ext cx="9071280" cy="946080"/>
+            <a:ext cx="9070920" cy="945720"/>
           </a:xfrm>
           <a:prstGeom prst="rect">
             <a:avLst/>
@@ -6037,7 +6272,7 @@
         <p:spPr>
           <a:xfrm>
             <a:off x="6629400" y="2057400"/>
-            <a:ext cx="2708640" cy="2776320"/>
+            <a:ext cx="2708280" cy="2775960"/>
           </a:xfrm>
           <a:prstGeom prst="rect">
             <a:avLst/>
@@ -6060,7 +6295,7 @@
         <p:spPr>
           <a:xfrm>
             <a:off x="645480" y="1399320"/>
-            <a:ext cx="5983560" cy="1406520"/>
+            <a:ext cx="5983200" cy="1406160"/>
           </a:xfrm>
           <a:prstGeom prst="rect">
             <a:avLst/>
@@ -6083,7 +6318,7 @@
         <p:spPr>
           <a:xfrm>
             <a:off x="457200" y="3200400"/>
-            <a:ext cx="6193080" cy="2057040"/>
+            <a:ext cx="6192720" cy="2056680"/>
           </a:xfrm>
           <a:prstGeom prst="rect">
             <a:avLst/>
@@ -6136,7 +6371,7 @@
         <p:spPr>
           <a:xfrm>
             <a:off x="504000" y="226080"/>
-            <a:ext cx="9071280" cy="946080"/>
+            <a:ext cx="9070920" cy="945720"/>
           </a:xfrm>
           <a:prstGeom prst="rect">
             <a:avLst/>
@@ -6181,7 +6416,7 @@
         <p:spPr>
           <a:xfrm>
             <a:off x="504000" y="1326600"/>
-            <a:ext cx="9071280" cy="3287880"/>
+            <a:ext cx="9070920" cy="3287520"/>
           </a:xfrm>
           <a:prstGeom prst="rect">
             <a:avLst/>
@@ -6292,7 +6527,7 @@
         <p:spPr>
           <a:xfrm>
             <a:off x="1348200" y="2478600"/>
-            <a:ext cx="7772040" cy="2971440"/>
+            <a:ext cx="7771680" cy="2971080"/>
           </a:xfrm>
           <a:prstGeom prst="rect">
             <a:avLst/>
@@ -6345,7 +6580,7 @@
         <p:spPr>
           <a:xfrm>
             <a:off x="504000" y="226080"/>
-            <a:ext cx="9071280" cy="946080"/>
+            <a:ext cx="9070920" cy="945720"/>
           </a:xfrm>
           <a:prstGeom prst="rect">
             <a:avLst/>
@@ -6390,7 +6625,7 @@
         <p:spPr>
           <a:xfrm>
             <a:off x="504000" y="1326600"/>
-            <a:ext cx="9071280" cy="3287880"/>
+            <a:ext cx="9070920" cy="3287520"/>
           </a:xfrm>
           <a:prstGeom prst="rect">
             <a:avLst/>
@@ -6501,7 +6736,7 @@
         <p:spPr>
           <a:xfrm>
             <a:off x="1348200" y="2478600"/>
-            <a:ext cx="7772040" cy="2971440"/>
+            <a:ext cx="7771680" cy="2971080"/>
           </a:xfrm>
           <a:prstGeom prst="rect">
             <a:avLst/>
@@ -6554,7 +6789,7 @@
         <p:spPr>
           <a:xfrm>
             <a:off x="504000" y="226080"/>
-            <a:ext cx="9071280" cy="946080"/>
+            <a:ext cx="9070920" cy="945720"/>
           </a:xfrm>
           <a:prstGeom prst="rect">
             <a:avLst/>
@@ -6595,7 +6830,7 @@
         <p:spPr>
           <a:xfrm>
             <a:off x="1143000" y="1371600"/>
-            <a:ext cx="5028840" cy="5918760"/>
+            <a:ext cx="5028480" cy="5918400"/>
           </a:xfrm>
           <a:prstGeom prst="rect">
             <a:avLst/>
@@ -6623,7 +6858,11 @@
             </a:pPr>
             <a:r>
               <a:rPr b="0" lang="en-US" sz="1800" spc="-1" strike="noStrike">
-                <a:latin typeface="Arial"/>
+                <a:solidFill>
+                  <a:srgbClr val="000000"/>
+                </a:solidFill>
+                <a:latin typeface="Arial"/>
+                <a:ea typeface="DejaVu Sans"/>
               </a:rPr>
               <a:t>- Now that your state handling is in the Board component, the parent Board component passes props to the child Square components so that they can be displayed correctly. </a:t>
             </a:r>
@@ -6652,7 +6891,7 @@
         <p:spPr>
           <a:xfrm>
             <a:off x="7880400" y="1864800"/>
-            <a:ext cx="685440" cy="685440"/>
+            <a:ext cx="685080" cy="685080"/>
           </a:xfrm>
           <a:prstGeom prst="ellipse">
             <a:avLst/>
@@ -6682,7 +6921,7 @@
         <p:spPr>
           <a:xfrm>
             <a:off x="7086600" y="2971800"/>
-            <a:ext cx="685440" cy="685440"/>
+            <a:ext cx="685080" cy="685080"/>
           </a:xfrm>
           <a:prstGeom prst="ellipse">
             <a:avLst/>
@@ -6712,7 +6951,7 @@
         <p:spPr>
           <a:xfrm>
             <a:off x="7914600" y="3007800"/>
-            <a:ext cx="685440" cy="685440"/>
+            <a:ext cx="685080" cy="685080"/>
           </a:xfrm>
           <a:prstGeom prst="ellipse">
             <a:avLst/>
@@ -6796,7 +7035,7 @@
         <p:spPr>
           <a:xfrm>
             <a:off x="8915400" y="3200400"/>
-            <a:ext cx="1371240" cy="288360"/>
+            <a:ext cx="1370880" cy="288000"/>
           </a:xfrm>
           <a:prstGeom prst="rect">
             <a:avLst/>
@@ -6824,7 +7063,11 @@
             </a:pPr>
             <a:r>
               <a:rPr b="0" lang="en-US" sz="1400" spc="-1" strike="noStrike">
-                <a:latin typeface="Arial"/>
+                <a:solidFill>
+                  <a:srgbClr val="000000"/>
+                </a:solidFill>
+                <a:latin typeface="Arial"/>
+                <a:ea typeface="DejaVu Sans"/>
               </a:rPr>
               <a:t>...</a:t>
             </a:r>
@@ -6870,7 +7113,7 @@
         <p:spPr>
           <a:xfrm>
             <a:off x="8073000" y="2057400"/>
-            <a:ext cx="914040" cy="288360"/>
+            <a:ext cx="913680" cy="288000"/>
           </a:xfrm>
           <a:prstGeom prst="rect">
             <a:avLst/>
@@ -6898,7 +7141,11 @@
             </a:pPr>
             <a:r>
               <a:rPr b="0" lang="en-US" sz="1400" spc="-1" strike="noStrike">
-                <a:latin typeface="Arial"/>
+                <a:solidFill>
+                  <a:srgbClr val="000000"/>
+                </a:solidFill>
+                <a:latin typeface="Arial"/>
+                <a:ea typeface="DejaVu Sans"/>
               </a:rPr>
               <a:t>B</a:t>
             </a:r>
@@ -6917,7 +7164,7 @@
         <p:spPr>
           <a:xfrm>
             <a:off x="7243200" y="3176280"/>
-            <a:ext cx="914040" cy="288360"/>
+            <a:ext cx="913680" cy="288000"/>
           </a:xfrm>
           <a:prstGeom prst="rect">
             <a:avLst/>
@@ -6945,7 +7192,11 @@
             </a:pPr>
             <a:r>
               <a:rPr b="0" lang="en-US" sz="1400" spc="-1" strike="noStrike">
-                <a:latin typeface="Arial"/>
+                <a:solidFill>
+                  <a:srgbClr val="000000"/>
+                </a:solidFill>
+                <a:latin typeface="Arial"/>
+                <a:ea typeface="DejaVu Sans"/>
               </a:rPr>
               <a:t>S1</a:t>
             </a:r>
@@ -6964,7 +7215,7 @@
         <p:spPr>
           <a:xfrm>
             <a:off x="8071200" y="3176280"/>
-            <a:ext cx="914040" cy="288360"/>
+            <a:ext cx="913680" cy="288000"/>
           </a:xfrm>
           <a:prstGeom prst="rect">
             <a:avLst/>
@@ -6992,7 +7243,11 @@
             </a:pPr>
             <a:r>
               <a:rPr b="0" lang="en-US" sz="1400" spc="-1" strike="noStrike">
-                <a:latin typeface="Arial"/>
+                <a:solidFill>
+                  <a:srgbClr val="000000"/>
+                </a:solidFill>
+                <a:latin typeface="Arial"/>
+                <a:ea typeface="DejaVu Sans"/>
               </a:rPr>
               <a:t>S2</a:t>
             </a:r>
@@ -7011,7 +7266,7 @@
         <p:spPr>
           <a:xfrm>
             <a:off x="7315200" y="3814200"/>
-            <a:ext cx="1686600" cy="1686600"/>
+            <a:ext cx="1686240" cy="1686240"/>
           </a:xfrm>
           <a:prstGeom prst="ellipse">
             <a:avLst/>
@@ -7041,7 +7296,7 @@
         <p:spPr>
           <a:xfrm>
             <a:off x="7459560" y="4187160"/>
-            <a:ext cx="685440" cy="685440"/>
+            <a:ext cx="685080" cy="685080"/>
           </a:xfrm>
           <a:prstGeom prst="ellipse">
             <a:avLst/>
@@ -7071,7 +7326,7 @@
         <p:spPr>
           <a:xfrm>
             <a:off x="8157960" y="4536000"/>
-            <a:ext cx="685440" cy="685440"/>
+            <a:ext cx="685080" cy="685080"/>
           </a:xfrm>
           <a:prstGeom prst="ellipse">
             <a:avLst/>
@@ -7101,7 +7356,7 @@
         <p:spPr>
           <a:xfrm>
             <a:off x="7616160" y="4379400"/>
-            <a:ext cx="914040" cy="288360"/>
+            <a:ext cx="913680" cy="288000"/>
           </a:xfrm>
           <a:prstGeom prst="rect">
             <a:avLst/>
@@ -7129,7 +7384,11 @@
             </a:pPr>
             <a:r>
               <a:rPr b="0" lang="en-US" sz="1400" spc="-1" strike="noStrike">
-                <a:latin typeface="Arial"/>
+                <a:solidFill>
+                  <a:srgbClr val="000000"/>
+                </a:solidFill>
+                <a:latin typeface="Arial"/>
+                <a:ea typeface="DejaVu Sans"/>
               </a:rPr>
               <a:t>S1</a:t>
             </a:r>
@@ -7148,7 +7407,7 @@
         <p:spPr>
           <a:xfrm>
             <a:off x="8071200" y="3176280"/>
-            <a:ext cx="914040" cy="288360"/>
+            <a:ext cx="913680" cy="288000"/>
           </a:xfrm>
           <a:prstGeom prst="rect">
             <a:avLst/>
@@ -7176,7 +7435,11 @@
             </a:pPr>
             <a:r>
               <a:rPr b="0" lang="en-US" sz="1400" spc="-1" strike="noStrike">
-                <a:latin typeface="Arial"/>
+                <a:solidFill>
+                  <a:srgbClr val="000000"/>
+                </a:solidFill>
+                <a:latin typeface="Arial"/>
+                <a:ea typeface="DejaVu Sans"/>
               </a:rPr>
               <a:t>S2</a:t>
             </a:r>
@@ -7195,7 +7458,7 @@
         <p:spPr>
           <a:xfrm>
             <a:off x="8323200" y="4724280"/>
-            <a:ext cx="914040" cy="288360"/>
+            <a:ext cx="913680" cy="288000"/>
           </a:xfrm>
           <a:prstGeom prst="rect">
             <a:avLst/>
@@ -7223,7 +7486,11 @@
             </a:pPr>
             <a:r>
               <a:rPr b="0" lang="en-US" sz="1400" spc="-1" strike="noStrike">
-                <a:latin typeface="Arial"/>
+                <a:solidFill>
+                  <a:srgbClr val="000000"/>
+                </a:solidFill>
+                <a:latin typeface="Arial"/>
+                <a:ea typeface="DejaVu Sans"/>
               </a:rPr>
               <a:t>S2</a:t>
             </a:r>
@@ -7242,7 +7509,7 @@
         <p:spPr>
           <a:xfrm>
             <a:off x="8289000" y="4001400"/>
-            <a:ext cx="914040" cy="288360"/>
+            <a:ext cx="913680" cy="288000"/>
           </a:xfrm>
           <a:prstGeom prst="rect">
             <a:avLst/>
@@ -7270,7 +7537,11 @@
             </a:pPr>
             <a:r>
               <a:rPr b="0" lang="en-US" sz="1400" spc="-1" strike="noStrike">
-                <a:latin typeface="Arial"/>
+                <a:solidFill>
+                  <a:srgbClr val="000000"/>
+                </a:solidFill>
+                <a:latin typeface="Arial"/>
+                <a:ea typeface="DejaVu Sans"/>
               </a:rPr>
               <a:t>B</a:t>
             </a:r>
@@ -7323,7 +7594,7 @@
         <p:spPr>
           <a:xfrm>
             <a:off x="504000" y="226080"/>
-            <a:ext cx="9071280" cy="946080"/>
+            <a:ext cx="9070920" cy="945720"/>
           </a:xfrm>
           <a:prstGeom prst="rect">
             <a:avLst/>
@@ -7364,7 +7635,7 @@
         <p:spPr>
           <a:xfrm>
             <a:off x="1143000" y="1371600"/>
-            <a:ext cx="5028840" cy="5918760"/>
+            <a:ext cx="5028480" cy="5918400"/>
           </a:xfrm>
           <a:prstGeom prst="rect">
             <a:avLst/>
@@ -7392,7 +7663,11 @@
             </a:pPr>
             <a:r>
               <a:rPr b="0" lang="en-US" sz="1800" spc="-1" strike="noStrike">
-                <a:latin typeface="Arial"/>
+                <a:solidFill>
+                  <a:srgbClr val="000000"/>
+                </a:solidFill>
+                <a:latin typeface="Arial"/>
+                <a:ea typeface="DejaVu Sans"/>
               </a:rPr>
               <a:t>- Now that your state handling is in the Board component, the parent Board component passes props to the child Square components so that they can be displayed correctly. </a:t>
             </a:r>
@@ -7408,7 +7683,11 @@
             </a:pPr>
             <a:r>
               <a:rPr b="0" lang="en-US" sz="1800" spc="-1" strike="noStrike">
-                <a:latin typeface="Arial"/>
+                <a:solidFill>
+                  <a:srgbClr val="000000"/>
+                </a:solidFill>
+                <a:latin typeface="Arial"/>
+                <a:ea typeface="DejaVu Sans"/>
               </a:rPr>
               <a:t>- When clicking on a Square, the child Square component now asks the parent Board component to update the state of the board. </a:t>
             </a:r>
@@ -7437,7 +7716,7 @@
         <p:spPr>
           <a:xfrm>
             <a:off x="7880400" y="1864800"/>
-            <a:ext cx="685440" cy="685440"/>
+            <a:ext cx="685080" cy="685080"/>
           </a:xfrm>
           <a:prstGeom prst="ellipse">
             <a:avLst/>
@@ -7467,7 +7746,7 @@
         <p:spPr>
           <a:xfrm>
             <a:off x="7086600" y="2971800"/>
-            <a:ext cx="685440" cy="685440"/>
+            <a:ext cx="685080" cy="685080"/>
           </a:xfrm>
           <a:prstGeom prst="ellipse">
             <a:avLst/>
@@ -7497,7 +7776,7 @@
         <p:spPr>
           <a:xfrm>
             <a:off x="7914600" y="3007800"/>
-            <a:ext cx="685440" cy="685440"/>
+            <a:ext cx="685080" cy="685080"/>
           </a:xfrm>
           <a:prstGeom prst="ellipse">
             <a:avLst/>
@@ -7582,7 +7861,7 @@
         <p:spPr>
           <a:xfrm>
             <a:off x="8915400" y="3200400"/>
-            <a:ext cx="1371240" cy="288360"/>
+            <a:ext cx="1370880" cy="288000"/>
           </a:xfrm>
           <a:prstGeom prst="rect">
             <a:avLst/>
@@ -7610,7 +7889,11 @@
             </a:pPr>
             <a:r>
               <a:rPr b="0" lang="en-US" sz="1400" spc="-1" strike="noStrike">
-                <a:latin typeface="Arial"/>
+                <a:solidFill>
+                  <a:srgbClr val="000000"/>
+                </a:solidFill>
+                <a:latin typeface="Arial"/>
+                <a:ea typeface="DejaVu Sans"/>
               </a:rPr>
               <a:t>...</a:t>
             </a:r>
@@ -7656,7 +7939,7 @@
         <p:spPr>
           <a:xfrm>
             <a:off x="8073000" y="2057400"/>
-            <a:ext cx="914040" cy="288360"/>
+            <a:ext cx="913680" cy="288000"/>
           </a:xfrm>
           <a:prstGeom prst="rect">
             <a:avLst/>
@@ -7684,7 +7967,11 @@
             </a:pPr>
             <a:r>
               <a:rPr b="0" lang="en-US" sz="1400" spc="-1" strike="noStrike">
-                <a:latin typeface="Arial"/>
+                <a:solidFill>
+                  <a:srgbClr val="000000"/>
+                </a:solidFill>
+                <a:latin typeface="Arial"/>
+                <a:ea typeface="DejaVu Sans"/>
               </a:rPr>
               <a:t>B</a:t>
             </a:r>
@@ -7703,7 +7990,7 @@
         <p:spPr>
           <a:xfrm>
             <a:off x="7243200" y="3176280"/>
-            <a:ext cx="914040" cy="288360"/>
+            <a:ext cx="913680" cy="288000"/>
           </a:xfrm>
           <a:prstGeom prst="rect">
             <a:avLst/>
@@ -7731,7 +8018,11 @@
             </a:pPr>
             <a:r>
               <a:rPr b="0" lang="en-US" sz="1400" spc="-1" strike="noStrike">
-                <a:latin typeface="Arial"/>
+                <a:solidFill>
+                  <a:srgbClr val="000000"/>
+                </a:solidFill>
+                <a:latin typeface="Arial"/>
+                <a:ea typeface="DejaVu Sans"/>
               </a:rPr>
               <a:t>S1</a:t>
             </a:r>
@@ -7750,7 +8041,7 @@
         <p:spPr>
           <a:xfrm>
             <a:off x="8071200" y="3176280"/>
-            <a:ext cx="914040" cy="288360"/>
+            <a:ext cx="913680" cy="288000"/>
           </a:xfrm>
           <a:prstGeom prst="rect">
             <a:avLst/>
@@ -7778,7 +8069,11 @@
             </a:pPr>
             <a:r>
               <a:rPr b="0" lang="en-US" sz="1400" spc="-1" strike="noStrike">
-                <a:latin typeface="Arial"/>
+                <a:solidFill>
+                  <a:srgbClr val="000000"/>
+                </a:solidFill>
+                <a:latin typeface="Arial"/>
+                <a:ea typeface="DejaVu Sans"/>
               </a:rPr>
               <a:t>S2</a:t>
             </a:r>
@@ -7797,7 +8092,7 @@
         <p:spPr>
           <a:xfrm>
             <a:off x="7314840" y="3814200"/>
-            <a:ext cx="1686600" cy="1686600"/>
+            <a:ext cx="1686240" cy="1686240"/>
           </a:xfrm>
           <a:prstGeom prst="ellipse">
             <a:avLst/>
@@ -7827,7 +8122,7 @@
         <p:spPr>
           <a:xfrm>
             <a:off x="7459200" y="4187160"/>
-            <a:ext cx="685440" cy="685440"/>
+            <a:ext cx="685080" cy="685080"/>
           </a:xfrm>
           <a:prstGeom prst="ellipse">
             <a:avLst/>
@@ -7857,7 +8152,7 @@
         <p:spPr>
           <a:xfrm>
             <a:off x="8157600" y="4536000"/>
-            <a:ext cx="685440" cy="685440"/>
+            <a:ext cx="685080" cy="685080"/>
           </a:xfrm>
           <a:prstGeom prst="ellipse">
             <a:avLst/>
@@ -7887,7 +8182,7 @@
         <p:spPr>
           <a:xfrm>
             <a:off x="7615800" y="4379400"/>
-            <a:ext cx="914040" cy="288360"/>
+            <a:ext cx="913680" cy="288000"/>
           </a:xfrm>
           <a:prstGeom prst="rect">
             <a:avLst/>
@@ -7915,7 +8210,11 @@
             </a:pPr>
             <a:r>
               <a:rPr b="0" lang="en-US" sz="1400" spc="-1" strike="noStrike">
-                <a:latin typeface="Arial"/>
+                <a:solidFill>
+                  <a:srgbClr val="000000"/>
+                </a:solidFill>
+                <a:latin typeface="Arial"/>
+                <a:ea typeface="DejaVu Sans"/>
               </a:rPr>
               <a:t>S1</a:t>
             </a:r>
@@ -7934,7 +8233,7 @@
         <p:spPr>
           <a:xfrm>
             <a:off x="8322840" y="4724280"/>
-            <a:ext cx="914040" cy="288360"/>
+            <a:ext cx="913680" cy="288000"/>
           </a:xfrm>
           <a:prstGeom prst="rect">
             <a:avLst/>
@@ -7962,7 +8261,11 @@
             </a:pPr>
             <a:r>
               <a:rPr b="0" lang="en-US" sz="1400" spc="-1" strike="noStrike">
-                <a:latin typeface="Arial"/>
+                <a:solidFill>
+                  <a:srgbClr val="000000"/>
+                </a:solidFill>
+                <a:latin typeface="Arial"/>
+                <a:ea typeface="DejaVu Sans"/>
               </a:rPr>
               <a:t>S2</a:t>
             </a:r>
@@ -7981,7 +8284,7 @@
         <p:spPr>
           <a:xfrm>
             <a:off x="8288640" y="4001400"/>
-            <a:ext cx="914040" cy="288360"/>
+            <a:ext cx="913680" cy="288000"/>
           </a:xfrm>
           <a:prstGeom prst="rect">
             <a:avLst/>
@@ -8009,7 +8312,11 @@
             </a:pPr>
             <a:r>
               <a:rPr b="0" lang="en-US" sz="1400" spc="-1" strike="noStrike">
-                <a:latin typeface="Arial"/>
+                <a:solidFill>
+                  <a:srgbClr val="000000"/>
+                </a:solidFill>
+                <a:latin typeface="Arial"/>
+                <a:ea typeface="DejaVu Sans"/>
               </a:rPr>
               <a:t>B</a:t>
             </a:r>
@@ -8062,7 +8369,7 @@
         <p:spPr>
           <a:xfrm>
             <a:off x="504000" y="226080"/>
-            <a:ext cx="9071280" cy="946080"/>
+            <a:ext cx="9070920" cy="945720"/>
           </a:xfrm>
           <a:prstGeom prst="rect">
             <a:avLst/>
@@ -8103,7 +8410,7 @@
         <p:spPr>
           <a:xfrm>
             <a:off x="1143000" y="1371600"/>
-            <a:ext cx="5028840" cy="5918760"/>
+            <a:ext cx="5028480" cy="5918400"/>
           </a:xfrm>
           <a:prstGeom prst="rect">
             <a:avLst/>
@@ -8131,7 +8438,11 @@
             </a:pPr>
             <a:r>
               <a:rPr b="0" lang="en-US" sz="1800" spc="-1" strike="noStrike">
-                <a:latin typeface="Arial"/>
+                <a:solidFill>
+                  <a:srgbClr val="000000"/>
+                </a:solidFill>
+                <a:latin typeface="Arial"/>
+                <a:ea typeface="DejaVu Sans"/>
               </a:rPr>
               <a:t>- Now that your state handling is in the Board component, the parent Board component passes props to the child Square components so that they can be displayed correctly. </a:t>
             </a:r>
@@ -8147,7 +8458,11 @@
             </a:pPr>
             <a:r>
               <a:rPr b="0" lang="en-US" sz="1800" spc="-1" strike="noStrike">
-                <a:latin typeface="Arial"/>
+                <a:solidFill>
+                  <a:srgbClr val="000000"/>
+                </a:solidFill>
+                <a:latin typeface="Arial"/>
+                <a:ea typeface="DejaVu Sans"/>
               </a:rPr>
               <a:t>- When clicking on a Square, the child Square component now asks the parent Board component to update the state of the board. </a:t>
             </a:r>
@@ -8163,7 +8478,11 @@
             </a:pPr>
             <a:r>
               <a:rPr b="0" lang="en-US" sz="1800" spc="-1" strike="noStrike">
-                <a:latin typeface="Arial"/>
+                <a:solidFill>
+                  <a:srgbClr val="000000"/>
+                </a:solidFill>
+                <a:latin typeface="Arial"/>
+                <a:ea typeface="DejaVu Sans"/>
               </a:rPr>
               <a:t>- When the Board’s state changes, both the Board component and every child Square re-renders automatically. </a:t>
             </a:r>
@@ -8179,7 +8498,11 @@
             </a:pPr>
             <a:r>
               <a:rPr b="0" lang="en-US" sz="1800" spc="-1" strike="noStrike">
-                <a:latin typeface="Arial"/>
+                <a:solidFill>
+                  <a:srgbClr val="000000"/>
+                </a:solidFill>
+                <a:latin typeface="Arial"/>
+                <a:ea typeface="DejaVu Sans"/>
               </a:rPr>
               <a:t>- Keeping the state of all squares in the Board component will allow it to determine the winner in the future.</a:t>
             </a:r>
@@ -8198,7 +8521,7 @@
         <p:spPr>
           <a:xfrm>
             <a:off x="7880400" y="1864800"/>
-            <a:ext cx="685440" cy="685440"/>
+            <a:ext cx="685080" cy="685080"/>
           </a:xfrm>
           <a:prstGeom prst="ellipse">
             <a:avLst/>
@@ -8228,7 +8551,7 @@
         <p:spPr>
           <a:xfrm>
             <a:off x="7086600" y="2971800"/>
-            <a:ext cx="685440" cy="685440"/>
+            <a:ext cx="685080" cy="685080"/>
           </a:xfrm>
           <a:prstGeom prst="ellipse">
             <a:avLst/>
@@ -8258,7 +8581,7 @@
         <p:spPr>
           <a:xfrm>
             <a:off x="7914600" y="3007800"/>
-            <a:ext cx="685440" cy="685440"/>
+            <a:ext cx="685080" cy="685080"/>
           </a:xfrm>
           <a:prstGeom prst="ellipse">
             <a:avLst/>
@@ -8342,7 +8665,7 @@
         <p:spPr>
           <a:xfrm>
             <a:off x="8915400" y="3200400"/>
-            <a:ext cx="1371240" cy="288360"/>
+            <a:ext cx="1370880" cy="288000"/>
           </a:xfrm>
           <a:prstGeom prst="rect">
             <a:avLst/>
@@ -8370,7 +8693,11 @@
             </a:pPr>
             <a:r>
               <a:rPr b="0" lang="en-US" sz="1400" spc="-1" strike="noStrike">
-                <a:latin typeface="Arial"/>
+                <a:solidFill>
+                  <a:srgbClr val="000000"/>
+                </a:solidFill>
+                <a:latin typeface="Arial"/>
+                <a:ea typeface="DejaVu Sans"/>
               </a:rPr>
               <a:t>...</a:t>
             </a:r>
@@ -8416,7 +8743,7 @@
         <p:spPr>
           <a:xfrm>
             <a:off x="8073000" y="2057400"/>
-            <a:ext cx="914040" cy="288360"/>
+            <a:ext cx="913680" cy="288000"/>
           </a:xfrm>
           <a:prstGeom prst="rect">
             <a:avLst/>
@@ -8444,7 +8771,11 @@
             </a:pPr>
             <a:r>
               <a:rPr b="0" lang="en-US" sz="1400" spc="-1" strike="noStrike">
-                <a:latin typeface="Arial"/>
+                <a:solidFill>
+                  <a:srgbClr val="000000"/>
+                </a:solidFill>
+                <a:latin typeface="Arial"/>
+                <a:ea typeface="DejaVu Sans"/>
               </a:rPr>
               <a:t>B</a:t>
             </a:r>
@@ -8463,7 +8794,7 @@
         <p:spPr>
           <a:xfrm>
             <a:off x="7243200" y="3176280"/>
-            <a:ext cx="914040" cy="288360"/>
+            <a:ext cx="913680" cy="288000"/>
           </a:xfrm>
           <a:prstGeom prst="rect">
             <a:avLst/>
@@ -8491,7 +8822,11 @@
             </a:pPr>
             <a:r>
               <a:rPr b="0" lang="en-US" sz="1400" spc="-1" strike="noStrike">
-                <a:latin typeface="Arial"/>
+                <a:solidFill>
+                  <a:srgbClr val="000000"/>
+                </a:solidFill>
+                <a:latin typeface="Arial"/>
+                <a:ea typeface="DejaVu Sans"/>
               </a:rPr>
               <a:t>S1</a:t>
             </a:r>
@@ -8510,7 +8845,7 @@
         <p:spPr>
           <a:xfrm>
             <a:off x="8071200" y="3176280"/>
-            <a:ext cx="914040" cy="288360"/>
+            <a:ext cx="913680" cy="288000"/>
           </a:xfrm>
           <a:prstGeom prst="rect">
             <a:avLst/>
@@ -8538,7 +8873,11 @@
             </a:pPr>
             <a:r>
               <a:rPr b="0" lang="en-US" sz="1400" spc="-1" strike="noStrike">
-                <a:latin typeface="Arial"/>
+                <a:solidFill>
+                  <a:srgbClr val="000000"/>
+                </a:solidFill>
+                <a:latin typeface="Arial"/>
+                <a:ea typeface="DejaVu Sans"/>
               </a:rPr>
               <a:t>S2</a:t>
             </a:r>
@@ -8557,7 +8896,7 @@
         <p:spPr>
           <a:xfrm>
             <a:off x="7314840" y="3814200"/>
-            <a:ext cx="1686600" cy="1686600"/>
+            <a:ext cx="1686240" cy="1686240"/>
           </a:xfrm>
           <a:prstGeom prst="ellipse">
             <a:avLst/>
@@ -8587,7 +8926,7 @@
         <p:spPr>
           <a:xfrm>
             <a:off x="7459200" y="4187160"/>
-            <a:ext cx="685440" cy="685440"/>
+            <a:ext cx="685080" cy="685080"/>
           </a:xfrm>
           <a:prstGeom prst="ellipse">
             <a:avLst/>
@@ -8617,7 +8956,7 @@
         <p:spPr>
           <a:xfrm>
             <a:off x="8157600" y="4536000"/>
-            <a:ext cx="685440" cy="685440"/>
+            <a:ext cx="685080" cy="685080"/>
           </a:xfrm>
           <a:prstGeom prst="ellipse">
             <a:avLst/>
@@ -8647,7 +8986,7 @@
         <p:spPr>
           <a:xfrm>
             <a:off x="7615800" y="4379400"/>
-            <a:ext cx="914040" cy="288360"/>
+            <a:ext cx="913680" cy="288000"/>
           </a:xfrm>
           <a:prstGeom prst="rect">
             <a:avLst/>
@@ -8675,7 +9014,11 @@
             </a:pPr>
             <a:r>
               <a:rPr b="0" lang="en-US" sz="1400" spc="-1" strike="noStrike">
-                <a:latin typeface="Arial"/>
+                <a:solidFill>
+                  <a:srgbClr val="000000"/>
+                </a:solidFill>
+                <a:latin typeface="Arial"/>
+                <a:ea typeface="DejaVu Sans"/>
               </a:rPr>
               <a:t>S1</a:t>
             </a:r>
@@ -8694,7 +9037,7 @@
         <p:spPr>
           <a:xfrm>
             <a:off x="8322840" y="4724280"/>
-            <a:ext cx="914040" cy="288360"/>
+            <a:ext cx="913680" cy="288000"/>
           </a:xfrm>
           <a:prstGeom prst="rect">
             <a:avLst/>
@@ -8722,7 +9065,11 @@
             </a:pPr>
             <a:r>
               <a:rPr b="0" lang="en-US" sz="1400" spc="-1" strike="noStrike">
-                <a:latin typeface="Arial"/>
+                <a:solidFill>
+                  <a:srgbClr val="000000"/>
+                </a:solidFill>
+                <a:latin typeface="Arial"/>
+                <a:ea typeface="DejaVu Sans"/>
               </a:rPr>
               <a:t>S2</a:t>
             </a:r>
@@ -8741,7 +9088,7 @@
         <p:spPr>
           <a:xfrm>
             <a:off x="8288640" y="4001400"/>
-            <a:ext cx="914040" cy="288360"/>
+            <a:ext cx="913680" cy="288000"/>
           </a:xfrm>
           <a:prstGeom prst="rect">
             <a:avLst/>
@@ -8769,7 +9116,11 @@
             </a:pPr>
             <a:r>
               <a:rPr b="0" lang="en-US" sz="1400" spc="-1" strike="noStrike">
-                <a:latin typeface="Arial"/>
+                <a:solidFill>
+                  <a:srgbClr val="000000"/>
+                </a:solidFill>
+                <a:latin typeface="Arial"/>
+                <a:ea typeface="DejaVu Sans"/>
               </a:rPr>
               <a:t>B</a:t>
             </a:r>
@@ -8822,7 +9173,7 @@
         <p:spPr>
           <a:xfrm>
             <a:off x="504000" y="226080"/>
-            <a:ext cx="9071280" cy="946080"/>
+            <a:ext cx="9070920" cy="945720"/>
           </a:xfrm>
           <a:prstGeom prst="rect">
             <a:avLst/>
@@ -8867,7 +9218,7 @@
         <p:spPr>
           <a:xfrm>
             <a:off x="504000" y="1326600"/>
-            <a:ext cx="9325440" cy="3702240"/>
+            <a:ext cx="9325080" cy="3701880"/>
           </a:xfrm>
           <a:prstGeom prst="rect">
             <a:avLst/>
@@ -9246,7 +9597,7 @@
         <p:spPr>
           <a:xfrm>
             <a:off x="504000" y="226080"/>
-            <a:ext cx="9071280" cy="946080"/>
+            <a:ext cx="9070920" cy="945720"/>
           </a:xfrm>
           <a:prstGeom prst="rect">
             <a:avLst/>
@@ -9291,7 +9642,7 @@
         <p:spPr>
           <a:xfrm>
             <a:off x="1323000" y="1179000"/>
-            <a:ext cx="7314840" cy="4114440"/>
+            <a:ext cx="7314480" cy="4114080"/>
           </a:xfrm>
           <a:prstGeom prst="rect">
             <a:avLst/>
@@ -9344,7 +9695,7 @@
         <p:spPr>
           <a:xfrm>
             <a:off x="504000" y="226080"/>
-            <a:ext cx="9071280" cy="946080"/>
+            <a:ext cx="9070920" cy="945720"/>
           </a:xfrm>
           <a:prstGeom prst="rect">
             <a:avLst/>
@@ -9389,7 +9740,7 @@
         <p:spPr>
           <a:xfrm>
             <a:off x="1695600" y="1073880"/>
-            <a:ext cx="6539760" cy="4291560"/>
+            <a:ext cx="6539400" cy="4291200"/>
           </a:xfrm>
           <a:prstGeom prst="rect">
             <a:avLst/>
@@ -9442,7 +9793,7 @@
         <p:spPr>
           <a:xfrm>
             <a:off x="504000" y="226080"/>
-            <a:ext cx="9071280" cy="946080"/>
+            <a:ext cx="9070920" cy="945720"/>
           </a:xfrm>
           <a:prstGeom prst="rect">
             <a:avLst/>
@@ -9483,7 +9834,7 @@
         <p:spPr>
           <a:xfrm>
             <a:off x="2355480" y="1992240"/>
-            <a:ext cx="5398560" cy="1697400"/>
+            <a:ext cx="5398200" cy="1697040"/>
           </a:xfrm>
           <a:prstGeom prst="rect">
             <a:avLst/>
@@ -9522,7 +9873,11 @@
             </a:pPr>
             <a:r>
               <a:rPr b="0" lang="en-US" sz="1000" spc="-1" strike="noStrike">
-                <a:latin typeface="Arial"/>
+                <a:solidFill>
+                  <a:srgbClr val="000000"/>
+                </a:solidFill>
+                <a:latin typeface="Arial"/>
+                <a:ea typeface="DejaVu Sans"/>
               </a:rPr>
               <a:t>Setup - will give you a starting point to follow the tutorial.</a:t>
             </a:r>
@@ -9549,7 +9904,11 @@
             </a:pPr>
             <a:r>
               <a:rPr b="0" lang="en-US" sz="1000" spc="-1" strike="noStrike">
-                <a:latin typeface="Arial"/>
+                <a:solidFill>
+                  <a:srgbClr val="000000"/>
+                </a:solidFill>
+                <a:latin typeface="Arial"/>
+                <a:ea typeface="DejaVu Sans"/>
               </a:rPr>
               <a:t>Overview will teach you the fundamentals of React: components, props, and state.</a:t>
             </a:r>
@@ -9576,7 +9935,11 @@
             </a:pPr>
             <a:r>
               <a:rPr b="0" lang="en-US" sz="1000" spc="-1" strike="noStrike">
-                <a:latin typeface="Arial"/>
+                <a:solidFill>
+                  <a:srgbClr val="000000"/>
+                </a:solidFill>
+                <a:latin typeface="Arial"/>
+                <a:ea typeface="DejaVu Sans"/>
               </a:rPr>
               <a:t>Completing the game - will teach you the most common techniques in React development.</a:t>
             </a:r>
@@ -9603,7 +9966,11 @@
             </a:pPr>
             <a:r>
               <a:rPr b="0" lang="en-US" sz="1000" spc="-1" strike="noStrike">
-                <a:latin typeface="Arial"/>
+                <a:solidFill>
+                  <a:srgbClr val="000000"/>
+                </a:solidFill>
+                <a:latin typeface="Arial"/>
+                <a:ea typeface="DejaVu Sans"/>
               </a:rPr>
               <a:t>Adding Time Travel - will give you a deeper insight into the unique strengths of React.</a:t>
             </a:r>
@@ -9630,7 +9997,11 @@
             </a:pPr>
             <a:r>
               <a:rPr b="0" lang="en-US" sz="1000" spc="-1" strike="noStrike">
-                <a:latin typeface="Arial"/>
+                <a:solidFill>
+                  <a:srgbClr val="000000"/>
+                </a:solidFill>
+                <a:latin typeface="Arial"/>
+                <a:ea typeface="DejaVu Sans"/>
               </a:rPr>
               <a:t>Finally - Make A.I. do all the work </a:t>
             </a:r>
@@ -9683,7 +10054,7 @@
         <p:spPr>
           <a:xfrm>
             <a:off x="504000" y="226080"/>
-            <a:ext cx="9071280" cy="946080"/>
+            <a:ext cx="9070920" cy="945720"/>
           </a:xfrm>
           <a:prstGeom prst="rect">
             <a:avLst/>
@@ -9728,7 +10099,7 @@
         <p:spPr>
           <a:xfrm>
             <a:off x="1143000" y="1600200"/>
-            <a:ext cx="7793280" cy="3545640"/>
+            <a:ext cx="7792920" cy="3545280"/>
           </a:xfrm>
           <a:prstGeom prst="rect">
             <a:avLst/>
@@ -9781,7 +10152,7 @@
         <p:spPr>
           <a:xfrm>
             <a:off x="504000" y="226080"/>
-            <a:ext cx="9071280" cy="946080"/>
+            <a:ext cx="9070920" cy="945720"/>
           </a:xfrm>
           <a:prstGeom prst="rect">
             <a:avLst/>
@@ -9796,18 +10167,97 @@
             <a:noAutofit/>
           </a:bodyPr>
           <a:p>
-            <a:pPr algn="ctr"/>
+            <a:pPr algn="ctr">
+              <a:lnSpc>
+                <a:spcPct val="100000"/>
+              </a:lnSpc>
+            </a:pPr>
             <a:r>
               <a:rPr b="0" lang="en-US" sz="4400" spc="-1" strike="noStrike">
                 <a:latin typeface="Arial"/>
               </a:rPr>
-              <a:t>A.I. Development – </a:t>
-            </a:r>
+              <a:t>A.I. Development – GPT</a:t>
+            </a:r>
+            <a:endParaRPr b="0" lang="en-US" sz="4400" spc="-1" strike="noStrike">
+              <a:latin typeface="Arial"/>
+            </a:endParaRPr>
+          </a:p>
+        </p:txBody>
+      </p:sp>
+    </p:spTree>
+  </p:cSld>
+  <mc:AlternateContent>
+    <mc:Choice Requires="p14">
+      <p:transition spd="slow" p14:dur="2000"/>
+    </mc:Choice>
+    <mc:Fallback>
+      <p:transition spd="slow"/>
+    </mc:Fallback>
+  </mc:AlternateContent>
+</p:sld>
+</file>
+
+<file path=ppt/slides/slide32.xml><?xml version="1.0" encoding="utf-8"?>
+<p:sld xmlns:a="http://schemas.openxmlformats.org/drawingml/2006/main" xmlns:p="http://schemas.openxmlformats.org/presentationml/2006/main" xmlns:r="http://schemas.openxmlformats.org/officeDocument/2006/relationships" xmlns:p14="http://schemas.microsoft.com/office/powerpoint/2010/main" xmlns:p15="http://schemas.microsoft.com/office/powerpoint/2012/main" xmlns:mc="http://schemas.openxmlformats.org/markup-compatibility/2006">
+  <p:cSld>
+    <p:spTree>
+      <p:nvGrpSpPr>
+        <p:cNvPr id="1" name=""/>
+        <p:cNvGrpSpPr/>
+        <p:nvPr/>
+      </p:nvGrpSpPr>
+      <p:grpSpPr>
+        <a:xfrm>
+          <a:off x="0" y="0"/>
+          <a:ext cx="0" cy="0"/>
+          <a:chOff x="0" y="0"/>
+          <a:chExt cx="0" cy="0"/>
+        </a:xfrm>
+      </p:grpSpPr>
+      <p:sp>
+        <p:nvSpPr>
+          <p:cNvPr id="210" name="PlaceHolder 1"/>
+          <p:cNvSpPr>
+            <a:spLocks noGrp="1"/>
+          </p:cNvSpPr>
+          <p:nvPr>
+            <p:ph type="title"/>
+          </p:nvPr>
+        </p:nvSpPr>
+        <p:spPr>
+          <a:xfrm>
+            <a:off x="504000" y="226080"/>
+            <a:ext cx="9070920" cy="945720"/>
+          </a:xfrm>
+          <a:prstGeom prst="rect">
+            <a:avLst/>
+          </a:prstGeom>
+          <a:noFill/>
+          <a:ln w="0">
+            <a:noFill/>
+          </a:ln>
+        </p:spPr>
+        <p:txBody>
+          <a:bodyPr lIns="0" rIns="0" tIns="0" bIns="0" anchor="ctr">
+            <a:noAutofit/>
+          </a:bodyPr>
+          <a:p>
+            <a:pPr algn="ctr">
+              <a:lnSpc>
+                <a:spcPct val="100000"/>
+              </a:lnSpc>
+            </a:pPr>
             <a:r>
               <a:rPr b="0" lang="en-US" sz="4400" spc="-1" strike="noStrike">
                 <a:latin typeface="Arial"/>
               </a:rPr>
-              <a:t>GPT</a:t>
+              <a:t>Further Learning – Resources</a:t>
+            </a:r>
+            <a:r>
+              <a:rPr b="0" lang="en-US" sz="4400" spc="-1" strike="noStrike">
+                <a:latin typeface="Arial"/>
+              </a:rPr>
+              <a:t>	</a:t>
             </a:r>
             <a:endParaRPr b="0" lang="en-US" sz="4400" spc="-1" strike="noStrike">
               <a:latin typeface="Arial"/>
@@ -9815,6 +10265,151 @@
           </a:p>
         </p:txBody>
       </p:sp>
+      <p:sp>
+        <p:nvSpPr>
+          <p:cNvPr id="211" name=""/>
+          <p:cNvSpPr txBox="1"/>
+          <p:nvPr/>
+        </p:nvSpPr>
+        <p:spPr>
+          <a:xfrm>
+            <a:off x="1143000" y="1318320"/>
+            <a:ext cx="8458200" cy="2905920"/>
+          </a:xfrm>
+          <a:prstGeom prst="rect">
+            <a:avLst/>
+          </a:prstGeom>
+          <a:noFill/>
+          <a:ln w="0">
+            <a:noFill/>
+          </a:ln>
+        </p:spPr>
+        <p:txBody>
+          <a:bodyPr lIns="90000" rIns="90000" tIns="45000" bIns="45000" anchor="t">
+            <a:noAutofit/>
+          </a:bodyPr>
+          <a:p>
+            <a:r>
+              <a:rPr b="0" lang="en-US" sz="1800" spc="-1" strike="noStrike">
+                <a:latin typeface="Arial"/>
+              </a:rPr>
+              <a:t>Books </a:t>
+            </a:r>
+            <a:endParaRPr b="0" lang="en-US" sz="1800" spc="-1" strike="noStrike">
+              <a:latin typeface="Arial"/>
+            </a:endParaRPr>
+          </a:p>
+          <a:p>
+            <a:r>
+              <a:rPr b="0" lang="en-US" sz="1800" spc="-1" strike="noStrike">
+                <a:latin typeface="Arial"/>
+              </a:rPr>
+              <a:t>- Structure and Interpretation of Computer Programs (SCIP) </a:t>
+            </a:r>
+            <a:endParaRPr b="0" lang="en-US" sz="1800" spc="-1" strike="noStrike">
+              <a:latin typeface="Arial"/>
+            </a:endParaRPr>
+          </a:p>
+          <a:p>
+            <a:br/>
+            <a:r>
+              <a:rPr b="0" lang="en-US" sz="1800" spc="-1" strike="noStrike">
+                <a:latin typeface="Arial"/>
+              </a:rPr>
+              <a:t>- Paradigms of Artificial Intelligence  Programming: Case studies in Common Lisp</a:t>
+            </a:r>
+            <a:endParaRPr b="0" lang="en-US" sz="1800" spc="-1" strike="noStrike">
+              <a:latin typeface="Arial"/>
+            </a:endParaRPr>
+          </a:p>
+          <a:p>
+            <a:r>
+              <a:rPr b="0" lang="en-US" sz="1800" spc="-1" strike="noStrike">
+                <a:latin typeface="Arial"/>
+              </a:rPr>
+              <a:t>  </a:t>
+            </a:r>
+            <a:r>
+              <a:rPr b="0" lang="en-US" sz="1800" spc="-1" strike="noStrike">
+                <a:latin typeface="Arial"/>
+              </a:rPr>
+              <a:t>(PAIP)</a:t>
+            </a:r>
+            <a:endParaRPr b="0" lang="en-US" sz="1800" spc="-1" strike="noStrike">
+              <a:latin typeface="Arial"/>
+            </a:endParaRPr>
+          </a:p>
+          <a:p>
+            <a:endParaRPr b="0" lang="en-US" sz="1800" spc="-1" strike="noStrike">
+              <a:latin typeface="Arial"/>
+            </a:endParaRPr>
+          </a:p>
+          <a:p>
+            <a:r>
+              <a:rPr b="0" lang="en-US" sz="1800" spc="-1" strike="noStrike">
+                <a:latin typeface="Arial"/>
+              </a:rPr>
+              <a:t>Videos</a:t>
+            </a:r>
+            <a:endParaRPr b="0" lang="en-US" sz="1800" spc="-1" strike="noStrike">
+              <a:latin typeface="Arial"/>
+            </a:endParaRPr>
+          </a:p>
+          <a:p>
+            <a:r>
+              <a:rPr b="0" lang="en-US" sz="1800" spc="-1" strike="noStrike">
+                <a:latin typeface="Arial"/>
+              </a:rPr>
+              <a:t>- Learning Functional Programming with JavaScript - Anjana Vakil - JSUnconf</a:t>
+            </a:r>
+            <a:endParaRPr b="0" lang="en-US" sz="1800" spc="-1" strike="noStrike">
+              <a:latin typeface="Arial"/>
+            </a:endParaRPr>
+          </a:p>
+          <a:p>
+            <a:br/>
+            <a:r>
+              <a:rPr b="0" lang="en-US" sz="1800" spc="-1" strike="noStrike">
+                <a:latin typeface="Arial"/>
+              </a:rPr>
+              <a:t>- A Flock of Functions: Lambda Calculus and Combinatory Logic in JavaScript | Gabriel Lebec @ DevTalks  </a:t>
+            </a:r>
+            <a:endParaRPr b="0" lang="en-US" sz="1800" spc="-1" strike="noStrike">
+              <a:latin typeface="Arial"/>
+            </a:endParaRPr>
+          </a:p>
+        </p:txBody>
+      </p:sp>
+    </p:spTree>
+  </p:cSld>
+  <mc:AlternateContent>
+    <mc:Choice Requires="p14">
+      <p:transition spd="slow" p14:dur="2000"/>
+    </mc:Choice>
+    <mc:Fallback>
+      <p:transition spd="slow"/>
+    </mc:Fallback>
+  </mc:AlternateContent>
+</p:sld>
+</file>
+
+<file path=ppt/slides/slide33.xml><?xml version="1.0" encoding="utf-8"?>
+<p:sld xmlns:a="http://schemas.openxmlformats.org/drawingml/2006/main" xmlns:p="http://schemas.openxmlformats.org/presentationml/2006/main" xmlns:r="http://schemas.openxmlformats.org/officeDocument/2006/relationships" xmlns:p14="http://schemas.microsoft.com/office/powerpoint/2010/main" xmlns:p15="http://schemas.microsoft.com/office/powerpoint/2012/main" xmlns:mc="http://schemas.openxmlformats.org/markup-compatibility/2006">
+  <p:cSld>
+    <p:spTree>
+      <p:nvGrpSpPr>
+        <p:cNvPr id="1" name=""/>
+        <p:cNvGrpSpPr/>
+        <p:nvPr/>
+      </p:nvGrpSpPr>
+      <p:grpSpPr>
+        <a:xfrm>
+          <a:off x="0" y="0"/>
+          <a:ext cx="0" cy="0"/>
+          <a:chOff x="0" y="0"/>
+          <a:chExt cx="0" cy="0"/>
+        </a:xfrm>
+      </p:grpSpPr>
     </p:spTree>
   </p:cSld>
   <mc:AlternateContent>
@@ -9858,7 +10453,7 @@
         <p:spPr>
           <a:xfrm>
             <a:off x="504000" y="226080"/>
-            <a:ext cx="9071280" cy="946080"/>
+            <a:ext cx="9070920" cy="945720"/>
           </a:xfrm>
           <a:prstGeom prst="rect">
             <a:avLst/>
@@ -9899,7 +10494,7 @@
         <p:spPr>
           <a:xfrm>
             <a:off x="2355480" y="1992240"/>
-            <a:ext cx="5398560" cy="1697400"/>
+            <a:ext cx="5398200" cy="1697040"/>
           </a:xfrm>
           <a:prstGeom prst="rect">
             <a:avLst/>
@@ -9938,7 +10533,11 @@
             </a:pPr>
             <a:r>
               <a:rPr b="0" lang="en-US" sz="1000" spc="-1" strike="noStrike">
-                <a:latin typeface="Arial"/>
+                <a:solidFill>
+                  <a:srgbClr val="000000"/>
+                </a:solidFill>
+                <a:latin typeface="Arial"/>
+                <a:ea typeface="DejaVu Sans"/>
               </a:rPr>
               <a:t>Setup - will give you a starting point to follow the tutorial.</a:t>
             </a:r>
@@ -9965,7 +10564,11 @@
             </a:pPr>
             <a:r>
               <a:rPr b="0" lang="en-US" sz="1000" spc="-1" strike="noStrike">
-                <a:latin typeface="Arial"/>
+                <a:solidFill>
+                  <a:srgbClr val="000000"/>
+                </a:solidFill>
+                <a:latin typeface="Arial"/>
+                <a:ea typeface="DejaVu Sans"/>
               </a:rPr>
               <a:t>Overview will teach you the fundamentals of React: components, props, and state.</a:t>
             </a:r>
@@ -9992,7 +10595,11 @@
             </a:pPr>
             <a:r>
               <a:rPr b="0" lang="en-US" sz="1000" spc="-1" strike="noStrike">
-                <a:latin typeface="Arial"/>
+                <a:solidFill>
+                  <a:srgbClr val="000000"/>
+                </a:solidFill>
+                <a:latin typeface="Arial"/>
+                <a:ea typeface="DejaVu Sans"/>
               </a:rPr>
               <a:t>Completing the game - will teach you the most common techniques in React development.</a:t>
             </a:r>
@@ -10019,7 +10626,11 @@
             </a:pPr>
             <a:r>
               <a:rPr b="0" lang="en-US" sz="1000" spc="-1" strike="noStrike">
-                <a:latin typeface="Arial"/>
+                <a:solidFill>
+                  <a:srgbClr val="000000"/>
+                </a:solidFill>
+                <a:latin typeface="Arial"/>
+                <a:ea typeface="DejaVu Sans"/>
               </a:rPr>
               <a:t>Adding Time Travel - will give you a deeper insight into the unique strengths of React.</a:t>
             </a:r>
@@ -10046,7 +10657,11 @@
             </a:pPr>
             <a:r>
               <a:rPr b="0" lang="en-US" sz="1000" spc="-1" strike="noStrike">
-                <a:latin typeface="Arial"/>
+                <a:solidFill>
+                  <a:srgbClr val="000000"/>
+                </a:solidFill>
+                <a:latin typeface="Arial"/>
+                <a:ea typeface="DejaVu Sans"/>
               </a:rPr>
               <a:t>Finally - Make A.I. do all the work </a:t>
             </a:r>
@@ -10065,7 +10680,7 @@
         <p:spPr>
           <a:xfrm>
             <a:off x="2286000" y="2129400"/>
-            <a:ext cx="4114800" cy="0"/>
+            <a:ext cx="4114800" cy="360"/>
           </a:xfrm>
           <a:prstGeom prst="line">
             <a:avLst/>
@@ -10092,7 +10707,7 @@
         <p:spPr>
           <a:xfrm>
             <a:off x="2286000" y="3569400"/>
-            <a:ext cx="5257800" cy="0"/>
+            <a:ext cx="5257800" cy="360"/>
           </a:xfrm>
           <a:prstGeom prst="line">
             <a:avLst/>
@@ -10153,7 +10768,7 @@
         <p:spPr>
           <a:xfrm>
             <a:off x="504000" y="226080"/>
-            <a:ext cx="9071280" cy="946080"/>
+            <a:ext cx="9070920" cy="945720"/>
           </a:xfrm>
           <a:prstGeom prst="rect">
             <a:avLst/>
@@ -10198,7 +10813,7 @@
         <p:spPr>
           <a:xfrm>
             <a:off x="5943600" y="2102760"/>
-            <a:ext cx="3200040" cy="2697480"/>
+            <a:ext cx="3199680" cy="2697120"/>
           </a:xfrm>
           <a:prstGeom prst="rect">
             <a:avLst/>
@@ -10217,7 +10832,7 @@
         <p:spPr>
           <a:xfrm>
             <a:off x="1371600" y="2057400"/>
-            <a:ext cx="4343400" cy="1478160"/>
+            <a:ext cx="4343040" cy="1477800"/>
           </a:xfrm>
           <a:prstGeom prst="rect">
             <a:avLst/>
@@ -10245,7 +10860,11 @@
             </a:pPr>
             <a:r>
               <a:rPr b="0" lang="en-US" sz="1400" spc="-1" strike="noStrike">
-                <a:latin typeface="Arial"/>
+                <a:solidFill>
+                  <a:srgbClr val="000000"/>
+                </a:solidFill>
+                <a:latin typeface="Arial"/>
+                <a:ea typeface="DejaVu Sans"/>
               </a:rPr>
               <a:t>- Lambda Calculus   (Church, Princeton 1930)</a:t>
             </a:r>
@@ -10262,7 +10881,11 @@
             <a:br/>
             <a:r>
               <a:rPr b="0" lang="en-US" sz="1400" spc="-1" strike="noStrike">
-                <a:latin typeface="Arial"/>
+                <a:solidFill>
+                  <a:srgbClr val="000000"/>
+                </a:solidFill>
+                <a:latin typeface="Arial"/>
+                <a:ea typeface="DejaVu Sans"/>
               </a:rPr>
               <a:t>- LISP                       (McCarthy, Caltech 1959)</a:t>
             </a:r>
@@ -10288,7 +10911,11 @@
             </a:pPr>
             <a:r>
               <a:rPr b="0" lang="en-US" sz="1400" spc="-1" strike="noStrike">
-                <a:latin typeface="Arial"/>
+                <a:solidFill>
+                  <a:srgbClr val="000000"/>
+                </a:solidFill>
+                <a:latin typeface="Arial"/>
+                <a:ea typeface="DejaVu Sans"/>
               </a:rPr>
               <a:t>- Scheme                  (Sussman/Steele, M.I.T. 1975)</a:t>
             </a:r>
@@ -10314,7 +10941,11 @@
             </a:pPr>
             <a:r>
               <a:rPr b="0" lang="en-US" sz="1400" spc="-1" strike="noStrike">
-                <a:latin typeface="Arial"/>
+                <a:solidFill>
+                  <a:srgbClr val="000000"/>
+                </a:solidFill>
+                <a:latin typeface="Arial"/>
+                <a:ea typeface="DejaVu Sans"/>
               </a:rPr>
               <a:t>- LiveScript               (Eich, NetScape 1995) </a:t>
             </a:r>
@@ -10367,7 +10998,7 @@
         <p:spPr>
           <a:xfrm>
             <a:off x="504000" y="226080"/>
-            <a:ext cx="9071280" cy="946080"/>
+            <a:ext cx="9070920" cy="945720"/>
           </a:xfrm>
           <a:prstGeom prst="rect">
             <a:avLst/>
@@ -10408,7 +11039,7 @@
         <p:spPr>
           <a:xfrm>
             <a:off x="1371600" y="1146240"/>
-            <a:ext cx="3885840" cy="1676880"/>
+            <a:ext cx="3885480" cy="1676520"/>
           </a:xfrm>
           <a:prstGeom prst="rect">
             <a:avLst/>
@@ -10436,7 +11067,11 @@
             </a:pPr>
             <a:r>
               <a:rPr b="0" lang="en-US" sz="1400" spc="-1" strike="noStrike">
-                <a:latin typeface="Arial"/>
+                <a:solidFill>
+                  <a:srgbClr val="000000"/>
+                </a:solidFill>
+                <a:latin typeface="Arial"/>
+                <a:ea typeface="DejaVu Sans"/>
               </a:rPr>
               <a:t>- Applying and Composing Functions</a:t>
             </a:r>
@@ -10452,14 +11087,22 @@
             </a:pPr>
             <a:r>
               <a:rPr b="0" lang="en-US" sz="1400" spc="-1" strike="noStrike">
-                <a:latin typeface="Arial"/>
+                <a:solidFill>
+                  <a:srgbClr val="000000"/>
+                </a:solidFill>
+                <a:latin typeface="Arial"/>
+                <a:ea typeface="DejaVu Sans"/>
               </a:rPr>
               <a:t> </a:t>
             </a:r>
             <a:br/>
             <a:r>
               <a:rPr b="0" lang="en-US" sz="1400" spc="-1" strike="noStrike">
-                <a:latin typeface="Arial"/>
+                <a:solidFill>
+                  <a:srgbClr val="000000"/>
+                </a:solidFill>
+                <a:latin typeface="Arial"/>
+                <a:ea typeface="DejaVu Sans"/>
               </a:rPr>
               <a:t>- Trees of Expressions</a:t>
             </a:r>
@@ -10485,7 +11128,11 @@
             </a:pPr>
             <a:r>
               <a:rPr b="0" lang="en-US" sz="1400" spc="-1" strike="noStrike">
-                <a:latin typeface="Arial"/>
+                <a:solidFill>
+                  <a:srgbClr val="000000"/>
+                </a:solidFill>
+                <a:latin typeface="Arial"/>
+                <a:ea typeface="DejaVu Sans"/>
               </a:rPr>
               <a:t>- Map values to values instead of sequence of imperative statements updating the state</a:t>
             </a:r>
@@ -10511,7 +11158,11 @@
             </a:pPr>
             <a:r>
               <a:rPr b="0" lang="en-US" sz="1400" spc="-1" strike="noStrike">
-                <a:latin typeface="Arial"/>
+                <a:solidFill>
+                  <a:srgbClr val="000000"/>
+                </a:solidFill>
+                <a:latin typeface="Arial"/>
+                <a:ea typeface="DejaVu Sans"/>
               </a:rPr>
               <a:t>- First-class Functions (functions as values) </a:t>
             </a:r>
@@ -10534,7 +11185,7 @@
         <p:spPr>
           <a:xfrm>
             <a:off x="6629400" y="1617480"/>
-            <a:ext cx="2208240" cy="896760"/>
+            <a:ext cx="2207880" cy="896400"/>
           </a:xfrm>
           <a:prstGeom prst="rect">
             <a:avLst/>
@@ -10557,7 +11208,7 @@
         <p:spPr>
           <a:xfrm>
             <a:off x="6132600" y="3090600"/>
-            <a:ext cx="2514240" cy="1828440"/>
+            <a:ext cx="2513880" cy="1828080"/>
           </a:xfrm>
           <a:prstGeom prst="rect">
             <a:avLst/>
@@ -10580,7 +11231,7 @@
         <p:spPr>
           <a:xfrm>
             <a:off x="1828800" y="2971800"/>
-            <a:ext cx="2971440" cy="2357640"/>
+            <a:ext cx="2971080" cy="2357280"/>
           </a:xfrm>
           <a:prstGeom prst="rect">
             <a:avLst/>
@@ -10633,7 +11284,7 @@
         <p:spPr>
           <a:xfrm>
             <a:off x="504000" y="226080"/>
-            <a:ext cx="9071280" cy="946080"/>
+            <a:ext cx="9070920" cy="945720"/>
           </a:xfrm>
           <a:prstGeom prst="rect">
             <a:avLst/>
@@ -10678,7 +11329,7 @@
         <p:spPr>
           <a:xfrm>
             <a:off x="504000" y="1326600"/>
-            <a:ext cx="9071280" cy="3287880"/>
+            <a:ext cx="9070920" cy="3287520"/>
           </a:xfrm>
           <a:prstGeom prst="rect">
             <a:avLst/>
@@ -10961,7 +11612,7 @@
         <p:spPr>
           <a:xfrm>
             <a:off x="504000" y="226080"/>
-            <a:ext cx="9071280" cy="946080"/>
+            <a:ext cx="9070920" cy="945720"/>
           </a:xfrm>
           <a:prstGeom prst="rect">
             <a:avLst/>
@@ -11006,7 +11657,7 @@
         <p:spPr>
           <a:xfrm>
             <a:off x="504000" y="1326600"/>
-            <a:ext cx="9071280" cy="3287880"/>
+            <a:ext cx="9070920" cy="3287520"/>
           </a:xfrm>
           <a:prstGeom prst="rect">
             <a:avLst/>
@@ -11177,7 +11828,7 @@
         <p:spPr>
           <a:xfrm>
             <a:off x="504000" y="226080"/>
-            <a:ext cx="9071280" cy="946080"/>
+            <a:ext cx="9070920" cy="945720"/>
           </a:xfrm>
           <a:prstGeom prst="rect">
             <a:avLst/>
@@ -11222,7 +11873,7 @@
         <p:spPr>
           <a:xfrm>
             <a:off x="504000" y="1326600"/>
-            <a:ext cx="9071280" cy="3287880"/>
+            <a:ext cx="9070920" cy="3287520"/>
           </a:xfrm>
           <a:prstGeom prst="rect">
             <a:avLst/>

--- a/React 101.pptx
+++ b/React 101.pptx
@@ -10273,7 +10273,7 @@
         </p:nvSpPr>
         <p:spPr>
           <a:xfrm>
-            <a:off x="1143000" y="1318320"/>
+            <a:off x="1503000" y="1318320"/>
             <a:ext cx="8458200" cy="2905920"/>
           </a:xfrm>
           <a:prstGeom prst="rect">
@@ -10304,7 +10304,7 @@
               <a:rPr b="0" lang="en-US" sz="1800" spc="-1" strike="noStrike">
                 <a:latin typeface="Arial"/>
               </a:rPr>
-              <a:t>- Structure and Interpretation of Computer Programs (SCIP) </a:t>
+              <a:t>- Structure and Interpretation of Computer Programs (SICP) </a:t>
             </a:r>
             <a:endParaRPr b="0" lang="en-US" sz="1800" spc="-1" strike="noStrike">
               <a:latin typeface="Arial"/>
@@ -10380,6 +10380,52 @@
           </a:p>
         </p:txBody>
       </p:sp>
+      <p:pic>
+        <p:nvPicPr>
+          <p:cNvPr id="212" name="" descr=""/>
+          <p:cNvPicPr/>
+          <p:nvPr/>
+        </p:nvPicPr>
+        <p:blipFill>
+          <a:blip r:embed="rId1"/>
+          <a:stretch/>
+        </p:blipFill>
+        <p:spPr>
+          <a:xfrm>
+            <a:off x="444600" y="1371600"/>
+            <a:ext cx="927000" cy="1335600"/>
+          </a:xfrm>
+          <a:prstGeom prst="rect">
+            <a:avLst/>
+          </a:prstGeom>
+          <a:ln w="0">
+            <a:noFill/>
+          </a:ln>
+        </p:spPr>
+      </p:pic>
+      <p:pic>
+        <p:nvPicPr>
+          <p:cNvPr id="213" name="" descr=""/>
+          <p:cNvPicPr/>
+          <p:nvPr/>
+        </p:nvPicPr>
+        <p:blipFill>
+          <a:blip r:embed="rId2"/>
+          <a:stretch/>
+        </p:blipFill>
+        <p:spPr>
+          <a:xfrm>
+            <a:off x="4644360" y="4237920"/>
+            <a:ext cx="1419840" cy="863280"/>
+          </a:xfrm>
+          <a:prstGeom prst="rect">
+            <a:avLst/>
+          </a:prstGeom>
+          <a:ln w="0">
+            <a:noFill/>
+          </a:ln>
+        </p:spPr>
+      </p:pic>
     </p:spTree>
   </p:cSld>
   <mc:AlternateContent>

--- a/React 101.pptx
+++ b/React 101.pptx
@@ -39,6 +39,9 @@
     <p:sldId id="286" r:id="rId34"/>
     <p:sldId id="287" r:id="rId35"/>
     <p:sldId id="288" r:id="rId36"/>
+    <p:sldId id="289" r:id="rId37"/>
+    <p:sldId id="290" r:id="rId38"/>
+    <p:sldId id="291" r:id="rId39"/>
   </p:sldIdLst>
   <p:sldSz cx="10080625" cy="5670550"/>
   <p:notesSz cx="7772400" cy="10058400"/>
@@ -3075,7 +3078,7 @@
         <p:spPr>
           <a:xfrm>
             <a:off x="504000" y="226080"/>
-            <a:ext cx="9070920" cy="945720"/>
+            <a:ext cx="9072000" cy="946440"/>
           </a:xfrm>
           <a:prstGeom prst="rect">
             <a:avLst/>
@@ -3090,13 +3093,14 @@
             <a:noAutofit/>
           </a:bodyPr>
           <a:p>
-            <a:r>
-              <a:rPr b="0" lang="en-US" sz="1800" spc="-1" strike="noStrike">
+            <a:pPr algn="ctr"/>
+            <a:r>
+              <a:rPr b="0" lang="en-US" sz="4400" spc="-1" strike="noStrike">
                 <a:latin typeface="Arial"/>
               </a:rPr>
               <a:t>Click to edit the title text format</a:t>
             </a:r>
-            <a:endParaRPr b="0" lang="en-US" sz="1800" spc="-1" strike="noStrike">
+            <a:endParaRPr b="0" lang="en-US" sz="4400" spc="-1" strike="noStrike">
               <a:latin typeface="Arial"/>
             </a:endParaRPr>
           </a:p>
@@ -3115,7 +3119,7 @@
         <p:spPr>
           <a:xfrm>
             <a:off x="504000" y="1326600"/>
-            <a:ext cx="9070920" cy="3287520"/>
+            <a:ext cx="9072000" cy="3288600"/>
           </a:xfrm>
           <a:prstGeom prst="rect">
             <a:avLst/>
@@ -3142,12 +3146,12 @@
               <a:buChar char=""/>
             </a:pPr>
             <a:r>
-              <a:rPr b="0" lang="en-US" sz="1800" spc="-1" strike="noStrike">
+              <a:rPr b="0" lang="en-US" sz="3200" spc="-1" strike="noStrike">
                 <a:latin typeface="Arial"/>
               </a:rPr>
               <a:t>Click to edit the outline text format</a:t>
             </a:r>
-            <a:endParaRPr b="0" lang="en-US" sz="1800" spc="-1" strike="noStrike">
+            <a:endParaRPr b="0" lang="en-US" sz="3200" spc="-1" strike="noStrike">
               <a:latin typeface="Arial"/>
             </a:endParaRPr>
           </a:p>
@@ -3164,12 +3168,12 @@
               <a:buChar char=""/>
             </a:pPr>
             <a:r>
-              <a:rPr b="0" lang="en-US" sz="1800" spc="-1" strike="noStrike">
+              <a:rPr b="0" lang="en-US" sz="2800" spc="-1" strike="noStrike">
                 <a:latin typeface="Arial"/>
               </a:rPr>
               <a:t>Second Outline Level</a:t>
             </a:r>
-            <a:endParaRPr b="0" lang="en-US" sz="1800" spc="-1" strike="noStrike">
+            <a:endParaRPr b="0" lang="en-US" sz="2800" spc="-1" strike="noStrike">
               <a:latin typeface="Arial"/>
             </a:endParaRPr>
           </a:p>
@@ -3186,12 +3190,12 @@
               <a:buChar char=""/>
             </a:pPr>
             <a:r>
-              <a:rPr b="0" lang="en-US" sz="1800" spc="-1" strike="noStrike">
+              <a:rPr b="0" lang="en-US" sz="2400" spc="-1" strike="noStrike">
                 <a:latin typeface="Arial"/>
               </a:rPr>
               <a:t>Third Outline Level</a:t>
             </a:r>
-            <a:endParaRPr b="0" lang="en-US" sz="1800" spc="-1" strike="noStrike">
+            <a:endParaRPr b="0" lang="en-US" sz="2400" spc="-1" strike="noStrike">
               <a:latin typeface="Arial"/>
             </a:endParaRPr>
           </a:p>
@@ -3208,12 +3212,12 @@
               <a:buChar char=""/>
             </a:pPr>
             <a:r>
-              <a:rPr b="0" lang="en-US" sz="1800" spc="-1" strike="noStrike">
+              <a:rPr b="0" lang="en-US" sz="2000" spc="-1" strike="noStrike">
                 <a:latin typeface="Arial"/>
               </a:rPr>
               <a:t>Fourth Outline Level</a:t>
             </a:r>
-            <a:endParaRPr b="0" lang="en-US" sz="1800" spc="-1" strike="noStrike">
+            <a:endParaRPr b="0" lang="en-US" sz="2000" spc="-1" strike="noStrike">
               <a:latin typeface="Arial"/>
             </a:endParaRPr>
           </a:p>
@@ -3230,12 +3234,12 @@
               <a:buChar char=""/>
             </a:pPr>
             <a:r>
-              <a:rPr b="0" lang="en-US" sz="1800" spc="-1" strike="noStrike">
+              <a:rPr b="0" lang="en-US" sz="2000" spc="-1" strike="noStrike">
                 <a:latin typeface="Arial"/>
               </a:rPr>
               <a:t>Fifth Outline Level</a:t>
             </a:r>
-            <a:endParaRPr b="0" lang="en-US" sz="1800" spc="-1" strike="noStrike">
+            <a:endParaRPr b="0" lang="en-US" sz="2000" spc="-1" strike="noStrike">
               <a:latin typeface="Arial"/>
             </a:endParaRPr>
           </a:p>
@@ -3252,12 +3256,12 @@
               <a:buChar char=""/>
             </a:pPr>
             <a:r>
-              <a:rPr b="0" lang="en-US" sz="1800" spc="-1" strike="noStrike">
+              <a:rPr b="0" lang="en-US" sz="2000" spc="-1" strike="noStrike">
                 <a:latin typeface="Arial"/>
               </a:rPr>
               <a:t>Sixth Outline Level</a:t>
             </a:r>
-            <a:endParaRPr b="0" lang="en-US" sz="1800" spc="-1" strike="noStrike">
+            <a:endParaRPr b="0" lang="en-US" sz="2000" spc="-1" strike="noStrike">
               <a:latin typeface="Arial"/>
             </a:endParaRPr>
           </a:p>
@@ -3274,12 +3278,12 @@
               <a:buChar char=""/>
             </a:pPr>
             <a:r>
-              <a:rPr b="0" lang="en-US" sz="1800" spc="-1" strike="noStrike">
+              <a:rPr b="0" lang="en-US" sz="2000" spc="-1" strike="noStrike">
                 <a:latin typeface="Arial"/>
               </a:rPr>
               <a:t>Seventh Outline Level</a:t>
             </a:r>
-            <a:endParaRPr b="0" lang="en-US" sz="1800" spc="-1" strike="noStrike">
+            <a:endParaRPr b="0" lang="en-US" sz="2000" spc="-1" strike="noStrike">
               <a:latin typeface="Arial"/>
             </a:endParaRPr>
           </a:p>
@@ -3596,7 +3600,7 @@
         <p:spPr>
           <a:xfrm>
             <a:off x="576000" y="1990080"/>
-            <a:ext cx="9070920" cy="945720"/>
+            <a:ext cx="9070560" cy="945360"/>
           </a:xfrm>
           <a:prstGeom prst="rect">
             <a:avLst/>
@@ -3641,7 +3645,7 @@
         <p:spPr>
           <a:xfrm>
             <a:off x="504000" y="2040120"/>
-            <a:ext cx="9070920" cy="3287520"/>
+            <a:ext cx="9070560" cy="3287160"/>
           </a:xfrm>
           <a:prstGeom prst="rect">
             <a:avLst/>
@@ -3686,7 +3690,7 @@
         <p:spPr>
           <a:xfrm>
             <a:off x="1143000" y="1818000"/>
-            <a:ext cx="2033640" cy="1344240"/>
+            <a:ext cx="2033280" cy="1343880"/>
           </a:xfrm>
           <a:prstGeom prst="rect">
             <a:avLst/>
@@ -3709,7 +3713,7 @@
         <p:spPr>
           <a:xfrm>
             <a:off x="6631200" y="1711800"/>
-            <a:ext cx="2591640" cy="1560240"/>
+            <a:ext cx="2591280" cy="1559880"/>
           </a:xfrm>
           <a:prstGeom prst="rect">
             <a:avLst/>
@@ -3751,7 +3755,7 @@
       </p:grpSpPr>
       <p:sp>
         <p:nvSpPr>
-          <p:cNvPr id="102" name="PlaceHolder 1"/>
+          <p:cNvPr id="104" name="PlaceHolder 1"/>
           <p:cNvSpPr>
             <a:spLocks noGrp="1"/>
           </p:cNvSpPr>
@@ -3762,7 +3766,7 @@
         <p:spPr>
           <a:xfrm>
             <a:off x="504000" y="226080"/>
-            <a:ext cx="9070920" cy="945720"/>
+            <a:ext cx="9070560" cy="945360"/>
           </a:xfrm>
           <a:prstGeom prst="rect">
             <a:avLst/>
@@ -3785,9 +3789,8 @@
             <a:r>
               <a:rPr b="0" lang="en-US" sz="4400" spc="-1" strike="noStrike">
                 <a:latin typeface="Arial"/>
-                <a:ea typeface="PingFang SC"/>
-              </a:rPr>
-              <a:t>React 101 - Components</a:t>
+              </a:rPr>
+              <a:t>JavaScript (TS) refresher</a:t>
             </a:r>
             <a:endParaRPr b="0" lang="en-US" sz="4400" spc="-1" strike="noStrike">
               <a:latin typeface="Arial"/>
@@ -3797,192 +3800,56 @@
       </p:sp>
       <p:sp>
         <p:nvSpPr>
-          <p:cNvPr id="103" name=""/>
-          <p:cNvSpPr/>
-          <p:nvPr/>
-        </p:nvSpPr>
-        <p:spPr>
-          <a:xfrm>
-            <a:off x="914400" y="1172520"/>
-            <a:ext cx="8228880" cy="1369440"/>
-          </a:xfrm>
-          <a:prstGeom prst="rect">
-            <a:avLst/>
-          </a:prstGeom>
-          <a:noFill/>
-          <a:ln w="0">
-            <a:noFill/>
-          </a:ln>
-        </p:spPr>
-        <p:style>
-          <a:lnRef idx="0"/>
-          <a:fillRef idx="0"/>
-          <a:effectRef idx="0"/>
-          <a:fontRef idx="minor"/>
-        </p:style>
-        <p:txBody>
-          <a:bodyPr lIns="90000" rIns="90000" tIns="45000" bIns="45000" anchor="t">
-            <a:noAutofit/>
-          </a:bodyPr>
-          <a:p>
-            <a:pPr>
-              <a:lnSpc>
-                <a:spcPct val="100000"/>
-              </a:lnSpc>
+          <p:cNvPr id="105" name="PlaceHolder 2"/>
+          <p:cNvSpPr>
+            <a:spLocks noGrp="1"/>
+          </p:cNvSpPr>
+          <p:nvPr>
+            <p:ph/>
+          </p:nvPr>
+        </p:nvSpPr>
+        <p:spPr>
+          <a:xfrm>
+            <a:off x="457200" y="1284840"/>
+            <a:ext cx="9070560" cy="3287160"/>
+          </a:xfrm>
+          <a:prstGeom prst="rect">
+            <a:avLst/>
+          </a:prstGeom>
+          <a:noFill/>
+          <a:ln w="0">
+            <a:noFill/>
+          </a:ln>
+        </p:spPr>
+        <p:txBody>
+          <a:bodyPr lIns="0" rIns="0" tIns="0" bIns="0" anchor="t">
+            <a:normAutofit/>
+          </a:bodyPr>
+          <a:p>
+            <a:pPr marL="432000" indent="-324000">
+              <a:lnSpc>
+                <a:spcPct val="100000"/>
+              </a:lnSpc>
+              <a:spcBef>
+                <a:spcPts val="615"/>
+              </a:spcBef>
+              <a:buClr>
+                <a:srgbClr val="000000"/>
+              </a:buClr>
+              <a:buSzPct val="45000"/>
+              <a:buFont typeface="Wingdings" charset="2"/>
+              <a:buChar char=""/>
+              <a:tabLst>
+                <a:tab algn="l" pos="408240"/>
+              </a:tabLst>
             </a:pPr>
             <a:r>
               <a:rPr b="0" lang="en-US" sz="1400" spc="-1" strike="noStrike">
-                <a:solidFill>
-                  <a:srgbClr val="000000"/>
-                </a:solidFill>
-                <a:latin typeface="Arial"/>
-                <a:ea typeface="DejaVu Sans"/>
-              </a:rPr>
-              <a:t>In React, a </a:t>
-            </a:r>
-            <a:r>
-              <a:rPr b="1" lang="en-US" sz="1400" spc="-1" strike="noStrike">
-                <a:solidFill>
-                  <a:srgbClr val="000000"/>
-                </a:solidFill>
-                <a:latin typeface="Arial"/>
-                <a:ea typeface="DejaVu Sans"/>
-              </a:rPr>
-              <a:t>component</a:t>
-            </a:r>
-            <a:r>
-              <a:rPr b="0" lang="en-US" sz="1400" spc="-1" strike="noStrike">
-                <a:solidFill>
-                  <a:srgbClr val="000000"/>
-                </a:solidFill>
-                <a:latin typeface="Arial"/>
-                <a:ea typeface="DejaVu Sans"/>
-              </a:rPr>
-              <a:t> is a piece of reusable code that represents a part of a user interface. Components are used to </a:t>
-            </a:r>
-            <a:r>
-              <a:rPr b="0" lang="en-US" sz="1400" spc="-1" strike="noStrike" u="sng">
-                <a:solidFill>
-                  <a:srgbClr val="000000"/>
-                </a:solidFill>
-                <a:uFillTx/>
-                <a:latin typeface="Arial"/>
-                <a:ea typeface="DejaVu Sans"/>
-              </a:rPr>
-              <a:t>render, manage, and update the UI elements</a:t>
-            </a:r>
-            <a:r>
-              <a:rPr b="0" lang="en-US" sz="1400" spc="-1" strike="noStrike">
-                <a:solidFill>
-                  <a:srgbClr val="000000"/>
-                </a:solidFill>
-                <a:latin typeface="Arial"/>
-                <a:ea typeface="DejaVu Sans"/>
-              </a:rPr>
-              <a:t> in your application. Let’s look at the component line by line to see what’s going on:</a:t>
+                <a:latin typeface="Arial"/>
+              </a:rPr>
+              <a:t>Reduce</a:t>
             </a:r>
             <a:endParaRPr b="0" lang="en-US" sz="1400" spc="-1" strike="noStrike">
-              <a:latin typeface="Arial"/>
-            </a:endParaRPr>
-          </a:p>
-        </p:txBody>
-      </p:sp>
-      <p:sp>
-        <p:nvSpPr>
-          <p:cNvPr id="104" name=""/>
-          <p:cNvSpPr/>
-          <p:nvPr/>
-        </p:nvSpPr>
-        <p:spPr>
-          <a:xfrm>
-            <a:off x="2286000" y="2838960"/>
-            <a:ext cx="3885480" cy="959400"/>
-          </a:xfrm>
-          <a:prstGeom prst="rect">
-            <a:avLst/>
-          </a:prstGeom>
-          <a:noFill/>
-          <a:ln w="0">
-            <a:noFill/>
-          </a:ln>
-        </p:spPr>
-        <p:style>
-          <a:lnRef idx="0"/>
-          <a:fillRef idx="0"/>
-          <a:effectRef idx="0"/>
-          <a:fontRef idx="minor"/>
-        </p:style>
-        <p:txBody>
-          <a:bodyPr lIns="90000" rIns="90000" tIns="45000" bIns="45000" anchor="t">
-            <a:noAutofit/>
-          </a:bodyPr>
-          <a:p>
-            <a:pPr>
-              <a:lnSpc>
-                <a:spcPct val="100000"/>
-              </a:lnSpc>
-            </a:pPr>
-            <a:r>
-              <a:rPr b="0" lang="en-US" sz="1000" spc="-1" strike="noStrike">
-                <a:solidFill>
-                  <a:srgbClr val="000000"/>
-                </a:solidFill>
-                <a:latin typeface="Arial"/>
-                <a:ea typeface="DejaVu Sans"/>
-              </a:rPr>
-              <a:t>export default function Square() {</a:t>
-            </a:r>
-            <a:endParaRPr b="0" lang="en-US" sz="1000" spc="-1" strike="noStrike">
-              <a:latin typeface="Arial"/>
-            </a:endParaRPr>
-          </a:p>
-          <a:p>
-            <a:pPr>
-              <a:lnSpc>
-                <a:spcPct val="100000"/>
-              </a:lnSpc>
-            </a:pPr>
-            <a:r>
-              <a:rPr b="0" lang="en-US" sz="1000" spc="-1" strike="noStrike">
-                <a:solidFill>
-                  <a:srgbClr val="000000"/>
-                </a:solidFill>
-                <a:latin typeface="Arial"/>
-                <a:ea typeface="DejaVu Sans"/>
-              </a:rPr>
-              <a:t>  </a:t>
-            </a:r>
-            <a:r>
-              <a:rPr b="0" lang="en-US" sz="1000" spc="-1" strike="noStrike">
-                <a:solidFill>
-                  <a:srgbClr val="000000"/>
-                </a:solidFill>
-                <a:latin typeface="Arial"/>
-                <a:ea typeface="DejaVu Sans"/>
-              </a:rPr>
-              <a:t>return &lt;button className="square"&gt;X&lt;/button&gt;;</a:t>
-            </a:r>
-            <a:endParaRPr b="0" lang="en-US" sz="1000" spc="-1" strike="noStrike">
-              <a:latin typeface="Arial"/>
-            </a:endParaRPr>
-          </a:p>
-          <a:p>
-            <a:pPr>
-              <a:lnSpc>
-                <a:spcPct val="100000"/>
-              </a:lnSpc>
-            </a:pPr>
-            <a:r>
-              <a:rPr b="0" lang="en-US" sz="1000" spc="-1" strike="noStrike">
-                <a:solidFill>
-                  <a:srgbClr val="000000"/>
-                </a:solidFill>
-                <a:latin typeface="Arial"/>
-                <a:ea typeface="DejaVu Sans"/>
-              </a:rPr>
-              <a:t>}</a:t>
-            </a:r>
-            <a:endParaRPr b="0" lang="en-US" sz="1000" spc="-1" strike="noStrike">
               <a:latin typeface="Arial"/>
             </a:endParaRPr>
           </a:p>
@@ -3990,7 +3857,7 @@
       </p:sp>
       <p:pic>
         <p:nvPicPr>
-          <p:cNvPr id="105" name="" descr=""/>
+          <p:cNvPr id="106" name="" descr=""/>
           <p:cNvPicPr/>
           <p:nvPr/>
         </p:nvPicPr>
@@ -4000,8 +3867,8 @@
         </p:blipFill>
         <p:spPr>
           <a:xfrm>
-            <a:off x="7088400" y="2851200"/>
-            <a:ext cx="1037520" cy="1037520"/>
+            <a:off x="264600" y="1769400"/>
+            <a:ext cx="9601200" cy="3327120"/>
           </a:xfrm>
           <a:prstGeom prst="rect">
             <a:avLst/>
@@ -4043,7 +3910,7 @@
       </p:grpSpPr>
       <p:sp>
         <p:nvSpPr>
-          <p:cNvPr id="106" name="PlaceHolder 1"/>
+          <p:cNvPr id="107" name="PlaceHolder 1"/>
           <p:cNvSpPr>
             <a:spLocks noGrp="1"/>
           </p:cNvSpPr>
@@ -4054,7 +3921,7 @@
         <p:spPr>
           <a:xfrm>
             <a:off x="504000" y="226080"/>
-            <a:ext cx="9070920" cy="945720"/>
+            <a:ext cx="9070560" cy="945360"/>
           </a:xfrm>
           <a:prstGeom prst="rect">
             <a:avLst/>
@@ -4078,7 +3945,7 @@
               <a:rPr b="0" lang="en-US" sz="4400" spc="-1" strike="noStrike">
                 <a:latin typeface="Arial"/>
               </a:rPr>
-              <a:t>React 101 - Components</a:t>
+              <a:t>React 101</a:t>
             </a:r>
             <a:endParaRPr b="0" lang="en-US" sz="4400" spc="-1" strike="noStrike">
               <a:latin typeface="Arial"/>
@@ -4088,261 +3955,145 @@
       </p:sp>
       <p:sp>
         <p:nvSpPr>
-          <p:cNvPr id="107" name=""/>
-          <p:cNvSpPr/>
-          <p:nvPr/>
-        </p:nvSpPr>
-        <p:spPr>
-          <a:xfrm>
-            <a:off x="914400" y="1172520"/>
-            <a:ext cx="8228880" cy="1369440"/>
-          </a:xfrm>
-          <a:prstGeom prst="rect">
-            <a:avLst/>
-          </a:prstGeom>
-          <a:noFill/>
-          <a:ln w="0">
-            <a:noFill/>
-          </a:ln>
-        </p:spPr>
-        <p:style>
-          <a:lnRef idx="0"/>
-          <a:fillRef idx="0"/>
-          <a:effectRef idx="0"/>
-          <a:fontRef idx="minor"/>
-        </p:style>
-        <p:txBody>
-          <a:bodyPr lIns="90000" rIns="90000" tIns="45000" bIns="45000" anchor="t">
-            <a:noAutofit/>
-          </a:bodyPr>
-          <a:p>
-            <a:pPr>
-              <a:lnSpc>
-                <a:spcPct val="100000"/>
-              </a:lnSpc>
+          <p:cNvPr id="108" name="PlaceHolder 2"/>
+          <p:cNvSpPr>
+            <a:spLocks noGrp="1"/>
+          </p:cNvSpPr>
+          <p:nvPr>
+            <p:ph/>
+          </p:nvPr>
+        </p:nvSpPr>
+        <p:spPr>
+          <a:xfrm>
+            <a:off x="504000" y="1326600"/>
+            <a:ext cx="9070560" cy="3287160"/>
+          </a:xfrm>
+          <a:prstGeom prst="rect">
+            <a:avLst/>
+          </a:prstGeom>
+          <a:noFill/>
+          <a:ln w="0">
+            <a:noFill/>
+          </a:ln>
+        </p:spPr>
+        <p:txBody>
+          <a:bodyPr lIns="0" rIns="0" tIns="0" bIns="0" anchor="t">
+            <a:normAutofit/>
+          </a:bodyPr>
+          <a:p>
+            <a:pPr marL="432000" indent="-324000">
+              <a:lnSpc>
+                <a:spcPct val="100000"/>
+              </a:lnSpc>
+              <a:spcBef>
+                <a:spcPts val="615"/>
+              </a:spcBef>
+              <a:buClr>
+                <a:srgbClr val="000000"/>
+              </a:buClr>
+              <a:buSzPct val="45000"/>
+              <a:buFont typeface="Wingdings" charset="2"/>
+              <a:buChar char=""/>
+              <a:tabLst>
+                <a:tab algn="l" pos="408240"/>
+              </a:tabLst>
             </a:pPr>
             <a:r>
               <a:rPr b="0" lang="en-US" sz="1400" spc="-1" strike="noStrike">
-                <a:solidFill>
-                  <a:srgbClr val="000000"/>
-                </a:solidFill>
-                <a:latin typeface="Arial"/>
-                <a:ea typeface="DejaVu Sans"/>
-              </a:rPr>
-              <a:t>In React, a </a:t>
-            </a:r>
-            <a:r>
-              <a:rPr b="1" lang="en-US" sz="1400" spc="-1" strike="noStrike">
-                <a:solidFill>
-                  <a:srgbClr val="000000"/>
-                </a:solidFill>
-                <a:latin typeface="Arial"/>
-                <a:ea typeface="DejaVu Sans"/>
-              </a:rPr>
-              <a:t>component</a:t>
-            </a:r>
+                <a:latin typeface="Arial"/>
+              </a:rPr>
+              <a:t>Setup </a:t>
+            </a:r>
+            <a:endParaRPr b="0" lang="en-US" sz="1400" spc="-1" strike="noStrike">
+              <a:latin typeface="Arial"/>
+            </a:endParaRPr>
+          </a:p>
+          <a:p>
+            <a:pPr marL="432000" indent="-324000">
+              <a:lnSpc>
+                <a:spcPct val="100000"/>
+              </a:lnSpc>
+              <a:spcBef>
+                <a:spcPts val="615"/>
+              </a:spcBef>
+              <a:buClr>
+                <a:srgbClr val="000000"/>
+              </a:buClr>
+              <a:buSzPct val="45000"/>
+              <a:buFont typeface="Wingdings" charset="2"/>
+              <a:buChar char=""/>
+              <a:tabLst>
+                <a:tab algn="l" pos="408240"/>
+              </a:tabLst>
+            </a:pPr>
             <a:r>
               <a:rPr b="0" lang="en-US" sz="1400" spc="-1" strike="noStrike">
-                <a:solidFill>
-                  <a:srgbClr val="000000"/>
-                </a:solidFill>
-                <a:latin typeface="Arial"/>
-                <a:ea typeface="DejaVu Sans"/>
-              </a:rPr>
-              <a:t> is a piece of reusable code that represents a part of a user interface. Components are used to </a:t>
-            </a:r>
-            <a:r>
-              <a:rPr b="0" lang="en-US" sz="1400" spc="-1" strike="noStrike" u="sng">
-                <a:solidFill>
-                  <a:srgbClr val="000000"/>
-                </a:solidFill>
-                <a:uFillTx/>
-                <a:latin typeface="Arial"/>
-                <a:ea typeface="DejaVu Sans"/>
-              </a:rPr>
-              <a:t>render, manage, and update the UI elements</a:t>
-            </a:r>
+                <a:latin typeface="Arial"/>
+              </a:rPr>
+              <a:t>Ensure you have installed and setup a proper JS runtime environment with node and npm</a:t>
+            </a:r>
+            <a:endParaRPr b="0" lang="en-US" sz="1400" spc="-1" strike="noStrike">
+              <a:latin typeface="Arial"/>
+            </a:endParaRPr>
+          </a:p>
+          <a:p>
+            <a:pPr marL="432000" indent="-324000">
+              <a:lnSpc>
+                <a:spcPct val="100000"/>
+              </a:lnSpc>
+              <a:spcBef>
+                <a:spcPts val="615"/>
+              </a:spcBef>
+              <a:buClr>
+                <a:srgbClr val="000000"/>
+              </a:buClr>
+              <a:buSzPct val="45000"/>
+              <a:buFont typeface="Wingdings" charset="2"/>
+              <a:buChar char=""/>
+              <a:tabLst>
+                <a:tab algn="l" pos="408240"/>
+              </a:tabLst>
+            </a:pPr>
             <a:r>
               <a:rPr b="0" lang="en-US" sz="1400" spc="-1" strike="noStrike">
-                <a:solidFill>
-                  <a:srgbClr val="000000"/>
-                </a:solidFill>
-                <a:latin typeface="Arial"/>
-                <a:ea typeface="DejaVu Sans"/>
-              </a:rPr>
-              <a:t> in your application. Let’s look at the component line by line to see what’s going on:</a:t>
+                <a:latin typeface="Arial"/>
+              </a:rPr>
+              <a:t>Copy the Github source code onto your machine: </a:t>
             </a:r>
             <a:endParaRPr b="0" lang="en-US" sz="1400" spc="-1" strike="noStrike">
               <a:latin typeface="Arial"/>
             </a:endParaRPr>
           </a:p>
-        </p:txBody>
-      </p:sp>
-      <p:sp>
-        <p:nvSpPr>
-          <p:cNvPr id="108" name=""/>
-          <p:cNvSpPr/>
-          <p:nvPr/>
-        </p:nvSpPr>
-        <p:spPr>
-          <a:xfrm>
-            <a:off x="2286000" y="2838960"/>
-            <a:ext cx="3885480" cy="959400"/>
-          </a:xfrm>
-          <a:prstGeom prst="rect">
-            <a:avLst/>
-          </a:prstGeom>
-          <a:noFill/>
-          <a:ln w="0">
-            <a:noFill/>
-          </a:ln>
-        </p:spPr>
-        <p:style>
-          <a:lnRef idx="0"/>
-          <a:fillRef idx="0"/>
-          <a:effectRef idx="0"/>
-          <a:fontRef idx="minor"/>
-        </p:style>
-        <p:txBody>
-          <a:bodyPr lIns="90000" rIns="90000" tIns="45000" bIns="45000" anchor="t">
-            <a:noAutofit/>
-          </a:bodyPr>
-          <a:p>
-            <a:pPr>
-              <a:lnSpc>
-                <a:spcPct val="100000"/>
-              </a:lnSpc>
-            </a:pPr>
-            <a:r>
-              <a:rPr b="0" lang="en-US" sz="1000" spc="-1" strike="noStrike">
-                <a:solidFill>
-                  <a:srgbClr val="000000"/>
-                </a:solidFill>
-                <a:latin typeface="Arial"/>
-                <a:ea typeface="DejaVu Sans"/>
-              </a:rPr>
-              <a:t>export default </a:t>
-            </a:r>
-            <a:r>
-              <a:rPr b="1" lang="en-US" sz="1000" spc="-1" strike="noStrike">
-                <a:solidFill>
-                  <a:srgbClr val="000000"/>
-                </a:solidFill>
-                <a:latin typeface="Arial"/>
-                <a:ea typeface="DejaVu Sans"/>
-              </a:rPr>
-              <a:t>function Square()</a:t>
-            </a:r>
-            <a:r>
-              <a:rPr b="0" lang="en-US" sz="1000" spc="-1" strike="noStrike">
-                <a:solidFill>
-                  <a:srgbClr val="000000"/>
-                </a:solidFill>
-                <a:latin typeface="Arial"/>
-                <a:ea typeface="DejaVu Sans"/>
-              </a:rPr>
-              <a:t> {</a:t>
-            </a:r>
-            <a:endParaRPr b="0" lang="en-US" sz="1000" spc="-1" strike="noStrike">
-              <a:latin typeface="Arial"/>
-            </a:endParaRPr>
-          </a:p>
-          <a:p>
-            <a:pPr>
-              <a:lnSpc>
-                <a:spcPct val="100000"/>
-              </a:lnSpc>
-            </a:pPr>
-            <a:r>
-              <a:rPr b="0" lang="en-US" sz="1000" spc="-1" strike="noStrike">
-                <a:solidFill>
-                  <a:srgbClr val="000000"/>
-                </a:solidFill>
-                <a:latin typeface="Arial"/>
-                <a:ea typeface="DejaVu Sans"/>
-              </a:rPr>
-              <a:t>  </a:t>
-            </a:r>
-            <a:r>
-              <a:rPr b="1" lang="en-US" sz="1000" spc="-1" strike="noStrike">
-                <a:solidFill>
-                  <a:srgbClr val="000000"/>
-                </a:solidFill>
-                <a:latin typeface="Arial"/>
-                <a:ea typeface="DejaVu Sans"/>
-              </a:rPr>
-              <a:t>return</a:t>
-            </a:r>
-            <a:r>
-              <a:rPr b="0" lang="en-US" sz="1000" spc="-1" strike="noStrike">
-                <a:solidFill>
-                  <a:srgbClr val="000000"/>
-                </a:solidFill>
-                <a:latin typeface="Arial"/>
-                <a:ea typeface="DejaVu Sans"/>
-              </a:rPr>
-              <a:t> </a:t>
-            </a:r>
-            <a:r>
-              <a:rPr b="0" lang="en-US" sz="1000" spc="-1" strike="noStrike" u="sng">
-                <a:solidFill>
-                  <a:srgbClr val="000000"/>
-                </a:solidFill>
-                <a:uFillTx/>
-                <a:latin typeface="Arial"/>
-                <a:ea typeface="DejaVu Sans"/>
-              </a:rPr>
-              <a:t>&lt;button className="square"&gt;X&lt;/button&gt;;</a:t>
-            </a:r>
-            <a:endParaRPr b="0" lang="en-US" sz="1000" spc="-1" strike="noStrike">
-              <a:latin typeface="Arial"/>
-            </a:endParaRPr>
-          </a:p>
-          <a:p>
-            <a:pPr>
-              <a:lnSpc>
-                <a:spcPct val="100000"/>
-              </a:lnSpc>
-            </a:pPr>
-            <a:r>
-              <a:rPr b="0" lang="en-US" sz="1000" spc="-1" strike="noStrike">
-                <a:solidFill>
-                  <a:srgbClr val="000000"/>
-                </a:solidFill>
-                <a:latin typeface="Arial"/>
-                <a:ea typeface="DejaVu Sans"/>
-              </a:rPr>
-              <a:t>}</a:t>
-            </a:r>
-            <a:endParaRPr b="0" lang="en-US" sz="1000" spc="-1" strike="noStrike">
-              <a:latin typeface="Arial"/>
-            </a:endParaRPr>
-          </a:p>
-        </p:txBody>
-      </p:sp>
-      <p:pic>
-        <p:nvPicPr>
-          <p:cNvPr id="109" name="" descr=""/>
-          <p:cNvPicPr/>
-          <p:nvPr/>
-        </p:nvPicPr>
-        <p:blipFill>
-          <a:blip r:embed="rId1"/>
-          <a:stretch/>
-        </p:blipFill>
-        <p:spPr>
-          <a:xfrm>
-            <a:off x="7086600" y="2847960"/>
-            <a:ext cx="1037520" cy="1037520"/>
-          </a:xfrm>
-          <a:prstGeom prst="rect">
-            <a:avLst/>
-          </a:prstGeom>
-          <a:ln w="0">
-            <a:noFill/>
-          </a:ln>
-        </p:spPr>
-      </p:pic>
+          <a:p>
+            <a:pPr marL="432000" indent="-324000">
+              <a:lnSpc>
+                <a:spcPct val="100000"/>
+              </a:lnSpc>
+              <a:spcBef>
+                <a:spcPts val="615"/>
+              </a:spcBef>
+              <a:buClr>
+                <a:srgbClr val="000000"/>
+              </a:buClr>
+              <a:buSzPct val="45000"/>
+              <a:buFont typeface="Wingdings" charset="2"/>
+              <a:buChar char=""/>
+              <a:tabLst>
+                <a:tab algn="l" pos="408240"/>
+              </a:tabLst>
+            </a:pPr>
+            <a:r>
+              <a:rPr b="0" lang="en-US" sz="1400" spc="-1" strike="noStrike">
+                <a:latin typeface="Arial"/>
+              </a:rPr>
+              <a:t>https://github.com/marcus-yeagle/react-tutorial</a:t>
+            </a:r>
+            <a:endParaRPr b="0" lang="en-US" sz="1400" spc="-1" strike="noStrike">
+              <a:latin typeface="Arial"/>
+            </a:endParaRPr>
+          </a:p>
+        </p:txBody>
+      </p:sp>
     </p:spTree>
   </p:cSld>
   <mc:AlternateContent>
@@ -4375,7 +4126,7 @@
       </p:grpSpPr>
       <p:sp>
         <p:nvSpPr>
-          <p:cNvPr id="110" name="PlaceHolder 1"/>
+          <p:cNvPr id="109" name="PlaceHolder 1"/>
           <p:cNvSpPr>
             <a:spLocks noGrp="1"/>
           </p:cNvSpPr>
@@ -4386,7 +4137,7 @@
         <p:spPr>
           <a:xfrm>
             <a:off x="504000" y="226080"/>
-            <a:ext cx="9070920" cy="945720"/>
+            <a:ext cx="9070560" cy="945360"/>
           </a:xfrm>
           <a:prstGeom prst="rect">
             <a:avLst/>
@@ -4410,7 +4161,7 @@
               <a:rPr b="0" lang="en-US" sz="4400" spc="-1" strike="noStrike">
                 <a:latin typeface="Arial"/>
               </a:rPr>
-              <a:t>React 101 - Components</a:t>
+              <a:t>Demo</a:t>
             </a:r>
             <a:endParaRPr b="0" lang="en-US" sz="4400" spc="-1" strike="noStrike">
               <a:latin typeface="Arial"/>
@@ -4420,268 +4171,38 @@
       </p:sp>
       <p:sp>
         <p:nvSpPr>
-          <p:cNvPr id="111" name=""/>
-          <p:cNvSpPr/>
-          <p:nvPr/>
-        </p:nvSpPr>
-        <p:spPr>
-          <a:xfrm>
-            <a:off x="1779840" y="2038680"/>
-            <a:ext cx="5111640" cy="2424600"/>
-          </a:xfrm>
-          <a:prstGeom prst="rect">
-            <a:avLst/>
-          </a:prstGeom>
-          <a:noFill/>
-          <a:ln w="0">
-            <a:noFill/>
-          </a:ln>
-        </p:spPr>
-        <p:style>
-          <a:lnRef idx="0"/>
-          <a:fillRef idx="0"/>
-          <a:effectRef idx="0"/>
-          <a:fontRef idx="minor"/>
-        </p:style>
-        <p:txBody>
-          <a:bodyPr lIns="90000" rIns="90000" tIns="45000" bIns="45000" anchor="t">
-            <a:noAutofit/>
-          </a:bodyPr>
-          <a:p>
-            <a:pPr>
-              <a:lnSpc>
-                <a:spcPct val="100000"/>
-              </a:lnSpc>
-            </a:pPr>
-            <a:r>
-              <a:rPr b="0" lang="en-US" sz="1000" spc="-1" strike="noStrike">
-                <a:solidFill>
-                  <a:srgbClr val="000000"/>
-                </a:solidFill>
-                <a:latin typeface="Arial"/>
-                <a:ea typeface="DejaVu Sans"/>
-              </a:rPr>
-              <a:t>export default function Square() {</a:t>
-            </a:r>
-            <a:endParaRPr b="0" lang="en-US" sz="1000" spc="-1" strike="noStrike">
-              <a:latin typeface="Arial"/>
-            </a:endParaRPr>
-          </a:p>
-          <a:p>
-            <a:pPr>
-              <a:lnSpc>
-                <a:spcPct val="100000"/>
-              </a:lnSpc>
-            </a:pPr>
-            <a:r>
-              <a:rPr b="0" lang="en-US" sz="1000" spc="-1" strike="noStrike">
-                <a:solidFill>
-                  <a:srgbClr val="000000"/>
-                </a:solidFill>
-                <a:latin typeface="Arial"/>
-                <a:ea typeface="DejaVu Sans"/>
-              </a:rPr>
-              <a:t>return (</a:t>
-            </a:r>
-            <a:endParaRPr b="0" lang="en-US" sz="1000" spc="-1" strike="noStrike">
-              <a:latin typeface="Arial"/>
-            </a:endParaRPr>
-          </a:p>
-          <a:p>
-            <a:pPr>
-              <a:lnSpc>
-                <a:spcPct val="100000"/>
-              </a:lnSpc>
-            </a:pPr>
-            <a:r>
-              <a:rPr b="0" lang="en-US" sz="1000" spc="-1" strike="noStrike">
-                <a:solidFill>
-                  <a:srgbClr val="000000"/>
-                </a:solidFill>
-                <a:latin typeface="Arial"/>
-                <a:ea typeface="DejaVu Sans"/>
-              </a:rPr>
-              <a:t>     </a:t>
-            </a:r>
-            <a:r>
-              <a:rPr b="0" lang="en-US" sz="1000" spc="-1" strike="noStrike">
-                <a:solidFill>
-                  <a:srgbClr val="000000"/>
-                </a:solidFill>
-                <a:latin typeface="Arial"/>
-                <a:ea typeface="DejaVu Sans"/>
-              </a:rPr>
-              <a:t>&lt;&gt;</a:t>
-            </a:r>
-            <a:endParaRPr b="0" lang="en-US" sz="1000" spc="-1" strike="noStrike">
-              <a:latin typeface="Arial"/>
-            </a:endParaRPr>
-          </a:p>
-          <a:p>
-            <a:pPr>
-              <a:lnSpc>
-                <a:spcPct val="100000"/>
-              </a:lnSpc>
-            </a:pPr>
-            <a:r>
-              <a:rPr b="0" lang="en-US" sz="1000" spc="-1" strike="noStrike">
-                <a:solidFill>
-                  <a:srgbClr val="000000"/>
-                </a:solidFill>
-                <a:latin typeface="Arial"/>
-                <a:ea typeface="DejaVu Sans"/>
-              </a:rPr>
-              <a:t>	</a:t>
-            </a:r>
-            <a:r>
-              <a:rPr b="0" lang="en-US" sz="1000" spc="-1" strike="noStrike">
-                <a:solidFill>
-                  <a:srgbClr val="000000"/>
-                </a:solidFill>
-                <a:latin typeface="Arial"/>
-                <a:ea typeface="DejaVu Sans"/>
-              </a:rPr>
-              <a:t>&lt;button className="square"&gt;X&lt;/button&gt;</a:t>
-            </a:r>
-            <a:endParaRPr b="0" lang="en-US" sz="1000" spc="-1" strike="noStrike">
-              <a:latin typeface="Arial"/>
-            </a:endParaRPr>
-          </a:p>
-          <a:p>
-            <a:pPr>
-              <a:lnSpc>
-                <a:spcPct val="100000"/>
-              </a:lnSpc>
-            </a:pPr>
-            <a:r>
-              <a:rPr b="0" lang="en-US" sz="1000" spc="-1" strike="noStrike">
-                <a:solidFill>
-                  <a:srgbClr val="000000"/>
-                </a:solidFill>
-                <a:latin typeface="Arial"/>
-                <a:ea typeface="DejaVu Sans"/>
-              </a:rPr>
-              <a:t>             </a:t>
-            </a:r>
-            <a:r>
-              <a:rPr b="0" lang="en-US" sz="1000" spc="-1" strike="noStrike">
-                <a:solidFill>
-                  <a:srgbClr val="000000"/>
-                </a:solidFill>
-                <a:latin typeface="Arial"/>
-                <a:ea typeface="DejaVu Sans"/>
-              </a:rPr>
-              <a:t>&lt;button className="square"&gt;X&lt;/button&gt;</a:t>
-            </a:r>
-            <a:endParaRPr b="0" lang="en-US" sz="1000" spc="-1" strike="noStrike">
-              <a:latin typeface="Arial"/>
-            </a:endParaRPr>
-          </a:p>
-          <a:p>
-            <a:pPr>
-              <a:lnSpc>
-                <a:spcPct val="100000"/>
-              </a:lnSpc>
-            </a:pPr>
-            <a:r>
-              <a:rPr b="0" lang="en-US" sz="1000" spc="-1" strike="noStrike">
-                <a:solidFill>
-                  <a:srgbClr val="000000"/>
-                </a:solidFill>
-                <a:latin typeface="Arial"/>
-                <a:ea typeface="DejaVu Sans"/>
-              </a:rPr>
-              <a:t>    </a:t>
-            </a:r>
-            <a:r>
-              <a:rPr b="0" lang="en-US" sz="1000" spc="-1" strike="noStrike">
-                <a:solidFill>
-                  <a:srgbClr val="000000"/>
-                </a:solidFill>
-                <a:latin typeface="Arial"/>
-                <a:ea typeface="DejaVu Sans"/>
-              </a:rPr>
-              <a:t>&lt;/&gt;</a:t>
-            </a:r>
-            <a:endParaRPr b="0" lang="en-US" sz="1000" spc="-1" strike="noStrike">
-              <a:latin typeface="Arial"/>
-            </a:endParaRPr>
-          </a:p>
-          <a:p>
-            <a:pPr>
-              <a:lnSpc>
-                <a:spcPct val="100000"/>
-              </a:lnSpc>
-            </a:pPr>
-            <a:r>
-              <a:rPr b="0" lang="en-US" sz="1000" spc="-1" strike="noStrike">
-                <a:solidFill>
-                  <a:srgbClr val="000000"/>
-                </a:solidFill>
-                <a:latin typeface="Arial"/>
-                <a:ea typeface="DejaVu Sans"/>
-              </a:rPr>
-              <a:t> </a:t>
-            </a:r>
-            <a:r>
-              <a:rPr b="0" lang="en-US" sz="1000" spc="-1" strike="noStrike">
-                <a:solidFill>
-                  <a:srgbClr val="000000"/>
-                </a:solidFill>
-                <a:latin typeface="Arial"/>
-                <a:ea typeface="DejaVu Sans"/>
-              </a:rPr>
-              <a:t>);</a:t>
-            </a:r>
-            <a:endParaRPr b="0" lang="en-US" sz="1000" spc="-1" strike="noStrike">
-              <a:latin typeface="Arial"/>
-            </a:endParaRPr>
-          </a:p>
-          <a:p>
-            <a:pPr>
-              <a:lnSpc>
-                <a:spcPct val="100000"/>
-              </a:lnSpc>
-            </a:pPr>
-            <a:r>
-              <a:rPr b="0" lang="en-US" sz="1000" spc="-1" strike="noStrike">
-                <a:solidFill>
-                  <a:srgbClr val="000000"/>
-                </a:solidFill>
-                <a:latin typeface="Arial"/>
-                <a:ea typeface="DejaVu Sans"/>
-              </a:rPr>
-              <a:t>}</a:t>
-            </a:r>
-            <a:endParaRPr b="0" lang="en-US" sz="1000" spc="-1" strike="noStrike">
-              <a:latin typeface="Arial"/>
-            </a:endParaRPr>
-          </a:p>
-        </p:txBody>
-      </p:sp>
-      <p:pic>
-        <p:nvPicPr>
-          <p:cNvPr id="112" name="" descr=""/>
-          <p:cNvPicPr/>
-          <p:nvPr/>
-        </p:nvPicPr>
-        <p:blipFill>
-          <a:blip r:embed="rId1"/>
-          <a:stretch/>
-        </p:blipFill>
-        <p:spPr>
-          <a:xfrm>
-            <a:off x="6400800" y="2514600"/>
-            <a:ext cx="1737360" cy="992520"/>
-          </a:xfrm>
-          <a:prstGeom prst="rect">
-            <a:avLst/>
-          </a:prstGeom>
-          <a:ln w="0">
-            <a:noFill/>
-          </a:ln>
-        </p:spPr>
-      </p:pic>
+          <p:cNvPr id="110" name="PlaceHolder 2"/>
+          <p:cNvSpPr>
+            <a:spLocks noGrp="1"/>
+          </p:cNvSpPr>
+          <p:nvPr>
+            <p:ph/>
+          </p:nvPr>
+        </p:nvSpPr>
+        <p:spPr>
+          <a:xfrm>
+            <a:off x="504000" y="1326600"/>
+            <a:ext cx="9070560" cy="3287160"/>
+          </a:xfrm>
+          <a:prstGeom prst="rect">
+            <a:avLst/>
+          </a:prstGeom>
+          <a:noFill/>
+          <a:ln w="0">
+            <a:noFill/>
+          </a:ln>
+        </p:spPr>
+        <p:txBody>
+          <a:bodyPr lIns="0" rIns="0" tIns="0" bIns="0" anchor="t">
+            <a:normAutofit/>
+          </a:bodyPr>
+          <a:p>
+            <a:endParaRPr b="0" lang="en-US" sz="3200" spc="-1" strike="noStrike">
+              <a:latin typeface="Arial"/>
+            </a:endParaRPr>
+          </a:p>
+        </p:txBody>
+      </p:sp>
     </p:spTree>
   </p:cSld>
   <mc:AlternateContent>
@@ -4714,7 +4235,7 @@
       </p:grpSpPr>
       <p:sp>
         <p:nvSpPr>
-          <p:cNvPr id="113" name="PlaceHolder 1"/>
+          <p:cNvPr id="111" name="PlaceHolder 1"/>
           <p:cNvSpPr>
             <a:spLocks noGrp="1"/>
           </p:cNvSpPr>
@@ -4725,7 +4246,7 @@
         <p:spPr>
           <a:xfrm>
             <a:off x="504000" y="226080"/>
-            <a:ext cx="9070920" cy="945720"/>
+            <a:ext cx="9070560" cy="945360"/>
           </a:xfrm>
           <a:prstGeom prst="rect">
             <a:avLst/>
@@ -4748,6 +4269,7 @@
             <a:r>
               <a:rPr b="0" lang="en-US" sz="4400" spc="-1" strike="noStrike">
                 <a:latin typeface="Arial"/>
+                <a:ea typeface="PingFang SC"/>
               </a:rPr>
               <a:t>React 101 - Components</a:t>
             </a:r>
@@ -4759,14 +4281,14 @@
       </p:sp>
       <p:sp>
         <p:nvSpPr>
-          <p:cNvPr id="114" name=""/>
+          <p:cNvPr id="112" name=""/>
           <p:cNvSpPr/>
           <p:nvPr/>
         </p:nvSpPr>
         <p:spPr>
           <a:xfrm>
-            <a:off x="1782000" y="1924560"/>
-            <a:ext cx="4114080" cy="959400"/>
+            <a:off x="914400" y="1172520"/>
+            <a:ext cx="8228520" cy="1369080"/>
           </a:xfrm>
           <a:prstGeom prst="rect">
             <a:avLst/>
@@ -4793,6 +4315,98 @@
               </a:lnSpc>
             </a:pPr>
             <a:r>
+              <a:rPr b="0" lang="en-US" sz="1400" spc="-1" strike="noStrike">
+                <a:solidFill>
+                  <a:srgbClr val="000000"/>
+                </a:solidFill>
+                <a:latin typeface="Arial"/>
+                <a:ea typeface="DejaVu Sans"/>
+              </a:rPr>
+              <a:t>In React, a </a:t>
+            </a:r>
+            <a:r>
+              <a:rPr b="1" lang="en-US" sz="1400" spc="-1" strike="noStrike">
+                <a:solidFill>
+                  <a:srgbClr val="000000"/>
+                </a:solidFill>
+                <a:latin typeface="Arial"/>
+                <a:ea typeface="DejaVu Sans"/>
+              </a:rPr>
+              <a:t>component</a:t>
+            </a:r>
+            <a:r>
+              <a:rPr b="0" lang="en-US" sz="1400" spc="-1" strike="noStrike">
+                <a:solidFill>
+                  <a:srgbClr val="000000"/>
+                </a:solidFill>
+                <a:latin typeface="Arial"/>
+                <a:ea typeface="DejaVu Sans"/>
+              </a:rPr>
+              <a:t> is a piece of reusable code that represents a part of a user interface. Components are used to </a:t>
+            </a:r>
+            <a:r>
+              <a:rPr b="0" lang="en-US" sz="1400" spc="-1" strike="noStrike" u="sng">
+                <a:solidFill>
+                  <a:srgbClr val="000000"/>
+                </a:solidFill>
+                <a:uFillTx/>
+                <a:latin typeface="Arial"/>
+                <a:ea typeface="DejaVu Sans"/>
+              </a:rPr>
+              <a:t>render, manage, and update the UI elements</a:t>
+            </a:r>
+            <a:r>
+              <a:rPr b="0" lang="en-US" sz="1400" spc="-1" strike="noStrike">
+                <a:solidFill>
+                  <a:srgbClr val="000000"/>
+                </a:solidFill>
+                <a:latin typeface="Arial"/>
+                <a:ea typeface="DejaVu Sans"/>
+              </a:rPr>
+              <a:t> in your application. Let’s look at the component line by line to see what’s going on:</a:t>
+            </a:r>
+            <a:endParaRPr b="0" lang="en-US" sz="1400" spc="-1" strike="noStrike">
+              <a:latin typeface="Arial"/>
+            </a:endParaRPr>
+          </a:p>
+        </p:txBody>
+      </p:sp>
+      <p:sp>
+        <p:nvSpPr>
+          <p:cNvPr id="113" name=""/>
+          <p:cNvSpPr/>
+          <p:nvPr/>
+        </p:nvSpPr>
+        <p:spPr>
+          <a:xfrm>
+            <a:off x="2286000" y="2838960"/>
+            <a:ext cx="3885120" cy="959040"/>
+          </a:xfrm>
+          <a:prstGeom prst="rect">
+            <a:avLst/>
+          </a:prstGeom>
+          <a:noFill/>
+          <a:ln w="0">
+            <a:noFill/>
+          </a:ln>
+        </p:spPr>
+        <p:style>
+          <a:lnRef idx="0"/>
+          <a:fillRef idx="0"/>
+          <a:effectRef idx="0"/>
+          <a:fontRef idx="minor"/>
+        </p:style>
+        <p:txBody>
+          <a:bodyPr lIns="90000" rIns="90000" tIns="45000" bIns="45000" anchor="t">
+            <a:noAutofit/>
+          </a:bodyPr>
+          <a:p>
+            <a:pPr>
+              <a:lnSpc>
+                <a:spcPct val="100000"/>
+              </a:lnSpc>
+            </a:pPr>
+            <a:r>
               <a:rPr b="0" lang="en-US" sz="1000" spc="-1" strike="noStrike">
                 <a:solidFill>
                   <a:srgbClr val="000000"/>
@@ -4800,19 +4414,18 @@
                 <a:latin typeface="Arial"/>
                 <a:ea typeface="DejaVu Sans"/>
               </a:rPr>
-              <a:t>function Square({ </a:t>
-            </a:r>
-            <a:r>
-              <a:rPr b="0" lang="en-US" sz="1000" spc="-1" strike="noStrike" u="sng">
-                <a:solidFill>
-                  <a:srgbClr val="000000"/>
-                </a:solidFill>
-                <a:uFillTx/>
-                <a:latin typeface="Arial"/>
-                <a:ea typeface="DejaVu Sans"/>
-              </a:rPr>
-              <a:t>value</a:t>
-            </a:r>
+              <a:t>export default function Square() {</a:t>
+            </a:r>
+            <a:endParaRPr b="0" lang="en-US" sz="1000" spc="-1" strike="noStrike">
+              <a:latin typeface="Arial"/>
+            </a:endParaRPr>
+          </a:p>
+          <a:p>
+            <a:pPr>
+              <a:lnSpc>
+                <a:spcPct val="100000"/>
+              </a:lnSpc>
+            </a:pPr>
             <a:r>
               <a:rPr b="0" lang="en-US" sz="1000" spc="-1" strike="noStrike">
                 <a:solidFill>
@@ -4821,18 +4434,8 @@
                 <a:latin typeface="Arial"/>
                 <a:ea typeface="DejaVu Sans"/>
               </a:rPr>
-              <a:t> }) {</a:t>
-            </a:r>
-            <a:endParaRPr b="0" lang="en-US" sz="1000" spc="-1" strike="noStrike">
-              <a:latin typeface="Arial"/>
-            </a:endParaRPr>
-          </a:p>
-          <a:p>
-            <a:pPr>
-              <a:lnSpc>
-                <a:spcPct val="100000"/>
-              </a:lnSpc>
-            </a:pPr>
+              <a:t>  </a:t>
+            </a:r>
             <a:r>
               <a:rPr b="0" lang="en-US" sz="1000" spc="-1" strike="noStrike">
                 <a:solidFill>
@@ -4841,8 +4444,18 @@
                 <a:latin typeface="Arial"/>
                 <a:ea typeface="DejaVu Sans"/>
               </a:rPr>
-              <a:t>   </a:t>
-            </a:r>
+              <a:t>return &lt;button className="square"&gt;X&lt;/button&gt;;</a:t>
+            </a:r>
+            <a:endParaRPr b="0" lang="en-US" sz="1000" spc="-1" strike="noStrike">
+              <a:latin typeface="Arial"/>
+            </a:endParaRPr>
+          </a:p>
+          <a:p>
+            <a:pPr>
+              <a:lnSpc>
+                <a:spcPct val="100000"/>
+              </a:lnSpc>
+            </a:pPr>
             <a:r>
               <a:rPr b="0" lang="en-US" sz="1000" spc="-1" strike="noStrike">
                 <a:solidFill>
@@ -4851,26 +4464,6 @@
                 <a:latin typeface="Arial"/>
                 <a:ea typeface="DejaVu Sans"/>
               </a:rPr>
-              <a:t>return &lt;button className="square"&gt;value&lt;/button&gt;;</a:t>
-            </a:r>
-            <a:endParaRPr b="0" lang="en-US" sz="1000" spc="-1" strike="noStrike">
-              <a:latin typeface="Arial"/>
-            </a:endParaRPr>
-          </a:p>
-          <a:p>
-            <a:pPr>
-              <a:lnSpc>
-                <a:spcPct val="100000"/>
-              </a:lnSpc>
-            </a:pPr>
-            <a:r>
-              <a:rPr b="0" lang="en-US" sz="1000" spc="-1" strike="noStrike">
-                <a:solidFill>
-                  <a:srgbClr val="000000"/>
-                </a:solidFill>
-                <a:latin typeface="Arial"/>
-                <a:ea typeface="DejaVu Sans"/>
-              </a:rPr>
               <a:t>}</a:t>
             </a:r>
             <a:endParaRPr b="0" lang="en-US" sz="1000" spc="-1" strike="noStrike">
@@ -4881,7 +4474,7 @@
       </p:sp>
       <p:pic>
         <p:nvPicPr>
-          <p:cNvPr id="115" name="" descr=""/>
+          <p:cNvPr id="114" name="" descr=""/>
           <p:cNvPicPr/>
           <p:nvPr/>
         </p:nvPicPr>
@@ -4891,8 +4484,8 @@
         </p:blipFill>
         <p:spPr>
           <a:xfrm>
-            <a:off x="6510960" y="2300760"/>
-            <a:ext cx="1946520" cy="1584720"/>
+            <a:off x="7088400" y="2851200"/>
+            <a:ext cx="1037160" cy="1037160"/>
           </a:xfrm>
           <a:prstGeom prst="rect">
             <a:avLst/>
@@ -4934,7 +4527,7 @@
       </p:grpSpPr>
       <p:sp>
         <p:nvSpPr>
-          <p:cNvPr id="116" name="PlaceHolder 1"/>
+          <p:cNvPr id="115" name="PlaceHolder 1"/>
           <p:cNvSpPr>
             <a:spLocks noGrp="1"/>
           </p:cNvSpPr>
@@ -4945,7 +4538,7 @@
         <p:spPr>
           <a:xfrm>
             <a:off x="504000" y="226080"/>
-            <a:ext cx="9070920" cy="945720"/>
+            <a:ext cx="9070560" cy="945360"/>
           </a:xfrm>
           <a:prstGeom prst="rect">
             <a:avLst/>
@@ -4979,14 +4572,14 @@
       </p:sp>
       <p:sp>
         <p:nvSpPr>
-          <p:cNvPr id="117" name=""/>
+          <p:cNvPr id="116" name=""/>
           <p:cNvSpPr/>
           <p:nvPr/>
         </p:nvSpPr>
         <p:spPr>
           <a:xfrm>
-            <a:off x="1821960" y="2309760"/>
-            <a:ext cx="4120920" cy="817920"/>
+            <a:off x="914400" y="1172520"/>
+            <a:ext cx="8228520" cy="1369080"/>
           </a:xfrm>
           <a:prstGeom prst="rect">
             <a:avLst/>
@@ -5013,6 +4606,98 @@
               </a:lnSpc>
             </a:pPr>
             <a:r>
+              <a:rPr b="0" lang="en-US" sz="1400" spc="-1" strike="noStrike">
+                <a:solidFill>
+                  <a:srgbClr val="000000"/>
+                </a:solidFill>
+                <a:latin typeface="Arial"/>
+                <a:ea typeface="DejaVu Sans"/>
+              </a:rPr>
+              <a:t>In React, a </a:t>
+            </a:r>
+            <a:r>
+              <a:rPr b="1" lang="en-US" sz="1400" spc="-1" strike="noStrike">
+                <a:solidFill>
+                  <a:srgbClr val="000000"/>
+                </a:solidFill>
+                <a:latin typeface="Arial"/>
+                <a:ea typeface="DejaVu Sans"/>
+              </a:rPr>
+              <a:t>component</a:t>
+            </a:r>
+            <a:r>
+              <a:rPr b="0" lang="en-US" sz="1400" spc="-1" strike="noStrike">
+                <a:solidFill>
+                  <a:srgbClr val="000000"/>
+                </a:solidFill>
+                <a:latin typeface="Arial"/>
+                <a:ea typeface="DejaVu Sans"/>
+              </a:rPr>
+              <a:t> is a piece of reusable code that represents a part of a user interface. Components are used to </a:t>
+            </a:r>
+            <a:r>
+              <a:rPr b="0" lang="en-US" sz="1400" spc="-1" strike="noStrike" u="sng">
+                <a:solidFill>
+                  <a:srgbClr val="000000"/>
+                </a:solidFill>
+                <a:uFillTx/>
+                <a:latin typeface="Arial"/>
+                <a:ea typeface="DejaVu Sans"/>
+              </a:rPr>
+              <a:t>render, manage, and update the UI elements</a:t>
+            </a:r>
+            <a:r>
+              <a:rPr b="0" lang="en-US" sz="1400" spc="-1" strike="noStrike">
+                <a:solidFill>
+                  <a:srgbClr val="000000"/>
+                </a:solidFill>
+                <a:latin typeface="Arial"/>
+                <a:ea typeface="DejaVu Sans"/>
+              </a:rPr>
+              <a:t> in your application. Let’s look at the component line by line to see what’s going on:</a:t>
+            </a:r>
+            <a:endParaRPr b="0" lang="en-US" sz="1400" spc="-1" strike="noStrike">
+              <a:latin typeface="Arial"/>
+            </a:endParaRPr>
+          </a:p>
+        </p:txBody>
+      </p:sp>
+      <p:sp>
+        <p:nvSpPr>
+          <p:cNvPr id="117" name=""/>
+          <p:cNvSpPr/>
+          <p:nvPr/>
+        </p:nvSpPr>
+        <p:spPr>
+          <a:xfrm>
+            <a:off x="2286000" y="2838960"/>
+            <a:ext cx="3885120" cy="959040"/>
+          </a:xfrm>
+          <a:prstGeom prst="rect">
+            <a:avLst/>
+          </a:prstGeom>
+          <a:noFill/>
+          <a:ln w="0">
+            <a:noFill/>
+          </a:ln>
+        </p:spPr>
+        <p:style>
+          <a:lnRef idx="0"/>
+          <a:fillRef idx="0"/>
+          <a:effectRef idx="0"/>
+          <a:fontRef idx="minor"/>
+        </p:style>
+        <p:txBody>
+          <a:bodyPr lIns="90000" rIns="90000" tIns="45000" bIns="45000" anchor="t">
+            <a:noAutofit/>
+          </a:bodyPr>
+          <a:p>
+            <a:pPr>
+              <a:lnSpc>
+                <a:spcPct val="100000"/>
+              </a:lnSpc>
+            </a:pPr>
+            <a:r>
               <a:rPr b="0" lang="en-US" sz="1000" spc="-1" strike="noStrike">
                 <a:solidFill>
                   <a:srgbClr val="000000"/>
@@ -5020,7 +4705,67 @@
                 <a:latin typeface="Arial"/>
                 <a:ea typeface="DejaVu Sans"/>
               </a:rPr>
-              <a:t>function Square({ </a:t>
+              <a:t>export default </a:t>
+            </a:r>
+            <a:r>
+              <a:rPr b="1" lang="en-US" sz="1000" spc="-1" strike="noStrike">
+                <a:solidFill>
+                  <a:srgbClr val="000000"/>
+                </a:solidFill>
+                <a:latin typeface="Arial"/>
+                <a:ea typeface="DejaVu Sans"/>
+              </a:rPr>
+              <a:t>function Square()</a:t>
+            </a:r>
+            <a:r>
+              <a:rPr b="0" lang="en-US" sz="1000" spc="-1" strike="noStrike">
+                <a:solidFill>
+                  <a:srgbClr val="000000"/>
+                </a:solidFill>
+                <a:latin typeface="Arial"/>
+                <a:ea typeface="DejaVu Sans"/>
+              </a:rPr>
+              <a:t> {</a:t>
+            </a:r>
+            <a:endParaRPr b="0" lang="en-US" sz="1000" spc="-1" strike="noStrike">
+              <a:latin typeface="Arial"/>
+            </a:endParaRPr>
+          </a:p>
+          <a:p>
+            <a:pPr>
+              <a:lnSpc>
+                <a:spcPct val="100000"/>
+              </a:lnSpc>
+            </a:pPr>
+            <a:r>
+              <a:rPr b="0" lang="en-US" sz="1000" spc="-1" strike="noStrike">
+                <a:solidFill>
+                  <a:srgbClr val="000000"/>
+                </a:solidFill>
+                <a:latin typeface="Arial"/>
+                <a:ea typeface="DejaVu Sans"/>
+              </a:rPr>
+              <a:t>  </a:t>
+            </a:r>
+            <a:r>
+              <a:rPr b="1" lang="en-US" sz="1000" spc="-1" strike="noStrike">
+                <a:solidFill>
+                  <a:srgbClr val="000000"/>
+                </a:solidFill>
+                <a:latin typeface="Arial"/>
+                <a:ea typeface="DejaVu Sans"/>
+              </a:rPr>
+              <a:t>return</a:t>
+            </a:r>
+            <a:r>
+              <a:rPr b="0" lang="en-US" sz="1000" spc="-1" strike="noStrike">
+                <a:solidFill>
+                  <a:srgbClr val="000000"/>
+                </a:solidFill>
+                <a:latin typeface="Arial"/>
+                <a:ea typeface="DejaVu Sans"/>
+              </a:rPr>
+              <a:t> </a:t>
             </a:r>
             <a:r>
               <a:rPr b="0" lang="en-US" sz="1000" spc="-1" strike="noStrike" u="sng">
@@ -5031,8 +4776,18 @@
                 <a:latin typeface="Arial"/>
                 <a:ea typeface="DejaVu Sans"/>
               </a:rPr>
-              <a:t>value</a:t>
-            </a:r>
+              <a:t>&lt;button className="square"&gt;X&lt;/button&gt;;</a:t>
+            </a:r>
+            <a:endParaRPr b="0" lang="en-US" sz="1000" spc="-1" strike="noStrike">
+              <a:latin typeface="Arial"/>
+            </a:endParaRPr>
+          </a:p>
+          <a:p>
+            <a:pPr>
+              <a:lnSpc>
+                <a:spcPct val="100000"/>
+              </a:lnSpc>
+            </a:pPr>
             <a:r>
               <a:rPr b="0" lang="en-US" sz="1000" spc="-1" strike="noStrike">
                 <a:solidFill>
@@ -5041,85 +4796,37 @@
                 <a:latin typeface="Arial"/>
                 <a:ea typeface="DejaVu Sans"/>
               </a:rPr>
-              <a:t> }) {</a:t>
+              <a:t>}</a:t>
             </a:r>
             <a:endParaRPr b="0" lang="en-US" sz="1000" spc="-1" strike="noStrike">
               <a:latin typeface="Arial"/>
             </a:endParaRPr>
           </a:p>
-          <a:p>
-            <a:pPr>
-              <a:lnSpc>
-                <a:spcPct val="100000"/>
-              </a:lnSpc>
-            </a:pPr>
-            <a:r>
-              <a:rPr b="0" lang="en-US" sz="1000" spc="-1" strike="noStrike">
-                <a:solidFill>
-                  <a:srgbClr val="000000"/>
-                </a:solidFill>
-                <a:latin typeface="Arial"/>
-                <a:ea typeface="DejaVu Sans"/>
-              </a:rPr>
-              <a:t>   </a:t>
-            </a:r>
-            <a:r>
-              <a:rPr b="0" lang="en-US" sz="1000" spc="-1" strike="noStrike">
-                <a:solidFill>
-                  <a:srgbClr val="000000"/>
-                </a:solidFill>
-                <a:latin typeface="Arial"/>
-                <a:ea typeface="DejaVu Sans"/>
-              </a:rPr>
-              <a:t>return &lt;button className="square"&gt;{</a:t>
-            </a:r>
-            <a:r>
-              <a:rPr b="0" lang="en-US" sz="1000" spc="-1" strike="noStrike" u="sng">
-                <a:solidFill>
-                  <a:srgbClr val="000000"/>
-                </a:solidFill>
-                <a:uFillTx/>
-                <a:latin typeface="Arial"/>
-                <a:ea typeface="DejaVu Sans"/>
-              </a:rPr>
-              <a:t>value</a:t>
-            </a:r>
-            <a:r>
-              <a:rPr b="0" lang="en-US" sz="1000" spc="-1" strike="noStrike">
-                <a:solidFill>
-                  <a:srgbClr val="000000"/>
-                </a:solidFill>
-                <a:latin typeface="Arial"/>
-                <a:ea typeface="DejaVu Sans"/>
-              </a:rPr>
-              <a:t>}&lt;/button&gt;;</a:t>
-            </a:r>
-            <a:endParaRPr b="0" lang="en-US" sz="1000" spc="-1" strike="noStrike">
-              <a:latin typeface="Arial"/>
-            </a:endParaRPr>
-          </a:p>
-          <a:p>
-            <a:pPr>
-              <a:lnSpc>
-                <a:spcPct val="100000"/>
-              </a:lnSpc>
-            </a:pPr>
-            <a:r>
-              <a:rPr b="0" lang="en-US" sz="1000" spc="-1" strike="noStrike">
-                <a:solidFill>
-                  <a:srgbClr val="000000"/>
-                </a:solidFill>
-                <a:latin typeface="Arial"/>
-                <a:ea typeface="DejaVu Sans"/>
-              </a:rPr>
-              <a:t>}</a:t>
-            </a:r>
-            <a:endParaRPr b="0" lang="en-US" sz="1000" spc="-1" strike="noStrike">
-              <a:latin typeface="Arial"/>
-            </a:endParaRPr>
-          </a:p>
-        </p:txBody>
-      </p:sp>
+        </p:txBody>
+      </p:sp>
+      <p:pic>
+        <p:nvPicPr>
+          <p:cNvPr id="118" name="" descr=""/>
+          <p:cNvPicPr/>
+          <p:nvPr/>
+        </p:nvPicPr>
+        <p:blipFill>
+          <a:blip r:embed="rId1"/>
+          <a:stretch/>
+        </p:blipFill>
+        <p:spPr>
+          <a:xfrm>
+            <a:off x="7086600" y="2847960"/>
+            <a:ext cx="1037160" cy="1037160"/>
+          </a:xfrm>
+          <a:prstGeom prst="rect">
+            <a:avLst/>
+          </a:prstGeom>
+          <a:ln w="0">
+            <a:noFill/>
+          </a:ln>
+        </p:spPr>
+      </p:pic>
     </p:spTree>
   </p:cSld>
   <mc:AlternateContent>
@@ -5152,7 +4859,7 @@
       </p:grpSpPr>
       <p:sp>
         <p:nvSpPr>
-          <p:cNvPr id="118" name="PlaceHolder 1"/>
+          <p:cNvPr id="119" name="PlaceHolder 1"/>
           <p:cNvSpPr>
             <a:spLocks noGrp="1"/>
           </p:cNvSpPr>
@@ -5163,7 +4870,7 @@
         <p:spPr>
           <a:xfrm>
             <a:off x="504000" y="226080"/>
-            <a:ext cx="9070920" cy="945720"/>
+            <a:ext cx="9070560" cy="945360"/>
           </a:xfrm>
           <a:prstGeom prst="rect">
             <a:avLst/>
@@ -5197,14 +4904,14 @@
       </p:sp>
       <p:sp>
         <p:nvSpPr>
-          <p:cNvPr id="119" name=""/>
+          <p:cNvPr id="120" name=""/>
           <p:cNvSpPr/>
           <p:nvPr/>
         </p:nvSpPr>
         <p:spPr>
           <a:xfrm>
-            <a:off x="1821960" y="2309760"/>
-            <a:ext cx="4120920" cy="817920"/>
+            <a:off x="1779840" y="2038680"/>
+            <a:ext cx="5111280" cy="2424240"/>
           </a:xfrm>
           <a:prstGeom prst="rect">
             <a:avLst/>
@@ -5238,19 +4945,18 @@
                 <a:latin typeface="Arial"/>
                 <a:ea typeface="DejaVu Sans"/>
               </a:rPr>
-              <a:t>function Square({ </a:t>
-            </a:r>
-            <a:r>
-              <a:rPr b="0" lang="en-US" sz="1000" spc="-1" strike="noStrike" u="sng">
-                <a:solidFill>
-                  <a:srgbClr val="000000"/>
-                </a:solidFill>
-                <a:uFillTx/>
-                <a:latin typeface="Arial"/>
-                <a:ea typeface="DejaVu Sans"/>
-              </a:rPr>
-              <a:t>value</a:t>
-            </a:r>
+              <a:t>export default function Square() {</a:t>
+            </a:r>
+            <a:endParaRPr b="0" lang="en-US" sz="1000" spc="-1" strike="noStrike">
+              <a:latin typeface="Arial"/>
+            </a:endParaRPr>
+          </a:p>
+          <a:p>
+            <a:pPr>
+              <a:lnSpc>
+                <a:spcPct val="100000"/>
+              </a:lnSpc>
+            </a:pPr>
             <a:r>
               <a:rPr b="0" lang="en-US" sz="1000" spc="-1" strike="noStrike">
                 <a:solidFill>
@@ -5259,7 +4965,7 @@
                 <a:latin typeface="Arial"/>
                 <a:ea typeface="DejaVu Sans"/>
               </a:rPr>
-              <a:t> }) {</a:t>
+              <a:t>return (</a:t>
             </a:r>
             <a:endParaRPr b="0" lang="en-US" sz="1000" spc="-1" strike="noStrike">
               <a:latin typeface="Arial"/>
@@ -5279,7 +4985,7 @@
                 <a:latin typeface="Arial"/>
                 <a:ea typeface="DejaVu Sans"/>
               </a:rPr>
-              <a:t>   </a:t>
+              <a:t>     </a:t>
             </a:r>
             <a:r>
               <a:rPr b="0" lang="en-US" sz="1000" spc="-1" strike="noStrike">
@@ -5289,19 +4995,18 @@
                 <a:latin typeface="Arial"/>
                 <a:ea typeface="DejaVu Sans"/>
               </a:rPr>
-              <a:t>return &lt;button className="square"&gt;{</a:t>
-            </a:r>
-            <a:r>
-              <a:rPr b="0" lang="en-US" sz="1000" spc="-1" strike="noStrike" u="sng">
-                <a:solidFill>
-                  <a:srgbClr val="000000"/>
-                </a:solidFill>
-                <a:uFillTx/>
-                <a:latin typeface="Arial"/>
-                <a:ea typeface="DejaVu Sans"/>
-              </a:rPr>
-              <a:t>value</a:t>
-            </a:r>
+              <a:t>&lt;&gt;</a:t>
+            </a:r>
+            <a:endParaRPr b="0" lang="en-US" sz="1000" spc="-1" strike="noStrike">
+              <a:latin typeface="Arial"/>
+            </a:endParaRPr>
+          </a:p>
+          <a:p>
+            <a:pPr>
+              <a:lnSpc>
+                <a:spcPct val="100000"/>
+              </a:lnSpc>
+            </a:pPr>
             <a:r>
               <a:rPr b="0" lang="en-US" sz="1000" spc="-1" strike="noStrike">
                 <a:solidFill>
@@ -5310,18 +5015,8 @@
                 <a:latin typeface="Arial"/>
                 <a:ea typeface="DejaVu Sans"/>
               </a:rPr>
-              <a:t>}&lt;/button&gt;;</a:t>
-            </a:r>
-            <a:endParaRPr b="0" lang="en-US" sz="1000" spc="-1" strike="noStrike">
-              <a:latin typeface="Arial"/>
-            </a:endParaRPr>
-          </a:p>
-          <a:p>
-            <a:pPr>
-              <a:lnSpc>
-                <a:spcPct val="100000"/>
-              </a:lnSpc>
-            </a:pPr>
+              <a:t>	</a:t>
+            </a:r>
             <a:r>
               <a:rPr b="0" lang="en-US" sz="1000" spc="-1" strike="noStrike">
                 <a:solidFill>
@@ -5330,6 +5025,116 @@
                 <a:latin typeface="Arial"/>
                 <a:ea typeface="DejaVu Sans"/>
               </a:rPr>
+              <a:t>&lt;button className="square"&gt;X&lt;/button&gt;</a:t>
+            </a:r>
+            <a:endParaRPr b="0" lang="en-US" sz="1000" spc="-1" strike="noStrike">
+              <a:latin typeface="Arial"/>
+            </a:endParaRPr>
+          </a:p>
+          <a:p>
+            <a:pPr>
+              <a:lnSpc>
+                <a:spcPct val="100000"/>
+              </a:lnSpc>
+            </a:pPr>
+            <a:r>
+              <a:rPr b="0" lang="en-US" sz="1000" spc="-1" strike="noStrike">
+                <a:solidFill>
+                  <a:srgbClr val="000000"/>
+                </a:solidFill>
+                <a:latin typeface="Arial"/>
+                <a:ea typeface="DejaVu Sans"/>
+              </a:rPr>
+              <a:t>             </a:t>
+            </a:r>
+            <a:r>
+              <a:rPr b="0" lang="en-US" sz="1000" spc="-1" strike="noStrike">
+                <a:solidFill>
+                  <a:srgbClr val="000000"/>
+                </a:solidFill>
+                <a:latin typeface="Arial"/>
+                <a:ea typeface="DejaVu Sans"/>
+              </a:rPr>
+              <a:t>&lt;button className="square"&gt;X&lt;/button&gt;</a:t>
+            </a:r>
+            <a:endParaRPr b="0" lang="en-US" sz="1000" spc="-1" strike="noStrike">
+              <a:latin typeface="Arial"/>
+            </a:endParaRPr>
+          </a:p>
+          <a:p>
+            <a:pPr>
+              <a:lnSpc>
+                <a:spcPct val="100000"/>
+              </a:lnSpc>
+            </a:pPr>
+            <a:r>
+              <a:rPr b="0" lang="en-US" sz="1000" spc="-1" strike="noStrike">
+                <a:solidFill>
+                  <a:srgbClr val="000000"/>
+                </a:solidFill>
+                <a:latin typeface="Arial"/>
+                <a:ea typeface="DejaVu Sans"/>
+              </a:rPr>
+              <a:t>    </a:t>
+            </a:r>
+            <a:r>
+              <a:rPr b="0" lang="en-US" sz="1000" spc="-1" strike="noStrike">
+                <a:solidFill>
+                  <a:srgbClr val="000000"/>
+                </a:solidFill>
+                <a:latin typeface="Arial"/>
+                <a:ea typeface="DejaVu Sans"/>
+              </a:rPr>
+              <a:t>&lt;/&gt;</a:t>
+            </a:r>
+            <a:endParaRPr b="0" lang="en-US" sz="1000" spc="-1" strike="noStrike">
+              <a:latin typeface="Arial"/>
+            </a:endParaRPr>
+          </a:p>
+          <a:p>
+            <a:pPr>
+              <a:lnSpc>
+                <a:spcPct val="100000"/>
+              </a:lnSpc>
+            </a:pPr>
+            <a:r>
+              <a:rPr b="0" lang="en-US" sz="1000" spc="-1" strike="noStrike">
+                <a:solidFill>
+                  <a:srgbClr val="000000"/>
+                </a:solidFill>
+                <a:latin typeface="Arial"/>
+                <a:ea typeface="DejaVu Sans"/>
+              </a:rPr>
+              <a:t> </a:t>
+            </a:r>
+            <a:r>
+              <a:rPr b="0" lang="en-US" sz="1000" spc="-1" strike="noStrike">
+                <a:solidFill>
+                  <a:srgbClr val="000000"/>
+                </a:solidFill>
+                <a:latin typeface="Arial"/>
+                <a:ea typeface="DejaVu Sans"/>
+              </a:rPr>
+              <a:t>);</a:t>
+            </a:r>
+            <a:endParaRPr b="0" lang="en-US" sz="1000" spc="-1" strike="noStrike">
+              <a:latin typeface="Arial"/>
+            </a:endParaRPr>
+          </a:p>
+          <a:p>
+            <a:pPr>
+              <a:lnSpc>
+                <a:spcPct val="100000"/>
+              </a:lnSpc>
+            </a:pPr>
+            <a:r>
+              <a:rPr b="0" lang="en-US" sz="1000" spc="-1" strike="noStrike">
+                <a:solidFill>
+                  <a:srgbClr val="000000"/>
+                </a:solidFill>
+                <a:latin typeface="Arial"/>
+                <a:ea typeface="DejaVu Sans"/>
+              </a:rPr>
               <a:t>}</a:t>
             </a:r>
             <a:endParaRPr b="0" lang="en-US" sz="1000" spc="-1" strike="noStrike">
@@ -5340,7 +5145,7 @@
       </p:sp>
       <p:pic>
         <p:nvPicPr>
-          <p:cNvPr id="120" name="" descr=""/>
+          <p:cNvPr id="121" name="" descr=""/>
           <p:cNvPicPr/>
           <p:nvPr/>
         </p:nvPicPr>
@@ -5351,7 +5156,7 @@
         <p:spPr>
           <a:xfrm>
             <a:off x="6400800" y="2514600"/>
-            <a:ext cx="1946520" cy="1953000"/>
+            <a:ext cx="1737000" cy="992160"/>
           </a:xfrm>
           <a:prstGeom prst="rect">
             <a:avLst/>
@@ -5393,7 +5198,7 @@
       </p:grpSpPr>
       <p:sp>
         <p:nvSpPr>
-          <p:cNvPr id="121" name="PlaceHolder 1"/>
+          <p:cNvPr id="122" name="PlaceHolder 1"/>
           <p:cNvSpPr>
             <a:spLocks noGrp="1"/>
           </p:cNvSpPr>
@@ -5404,7 +5209,7 @@
         <p:spPr>
           <a:xfrm>
             <a:off x="504000" y="226080"/>
-            <a:ext cx="9070920" cy="945720"/>
+            <a:ext cx="9070560" cy="945360"/>
           </a:xfrm>
           <a:prstGeom prst="rect">
             <a:avLst/>
@@ -5436,9 +5241,131 @@
           </a:p>
         </p:txBody>
       </p:sp>
+      <p:sp>
+        <p:nvSpPr>
+          <p:cNvPr id="123" name=""/>
+          <p:cNvSpPr/>
+          <p:nvPr/>
+        </p:nvSpPr>
+        <p:spPr>
+          <a:xfrm>
+            <a:off x="1782000" y="1924560"/>
+            <a:ext cx="4113720" cy="959040"/>
+          </a:xfrm>
+          <a:prstGeom prst="rect">
+            <a:avLst/>
+          </a:prstGeom>
+          <a:noFill/>
+          <a:ln w="0">
+            <a:noFill/>
+          </a:ln>
+        </p:spPr>
+        <p:style>
+          <a:lnRef idx="0"/>
+          <a:fillRef idx="0"/>
+          <a:effectRef idx="0"/>
+          <a:fontRef idx="minor"/>
+        </p:style>
+        <p:txBody>
+          <a:bodyPr lIns="90000" rIns="90000" tIns="45000" bIns="45000" anchor="t">
+            <a:noAutofit/>
+          </a:bodyPr>
+          <a:p>
+            <a:pPr>
+              <a:lnSpc>
+                <a:spcPct val="100000"/>
+              </a:lnSpc>
+            </a:pPr>
+            <a:r>
+              <a:rPr b="0" lang="en-US" sz="1000" spc="-1" strike="noStrike">
+                <a:solidFill>
+                  <a:srgbClr val="000000"/>
+                </a:solidFill>
+                <a:latin typeface="Arial"/>
+                <a:ea typeface="DejaVu Sans"/>
+              </a:rPr>
+              <a:t>function Square({ </a:t>
+            </a:r>
+            <a:r>
+              <a:rPr b="0" lang="en-US" sz="1000" spc="-1" strike="noStrike" u="sng">
+                <a:solidFill>
+                  <a:srgbClr val="000000"/>
+                </a:solidFill>
+                <a:uFillTx/>
+                <a:latin typeface="Arial"/>
+                <a:ea typeface="DejaVu Sans"/>
+              </a:rPr>
+              <a:t>value</a:t>
+            </a:r>
+            <a:r>
+              <a:rPr b="0" lang="en-US" sz="1000" spc="-1" strike="noStrike">
+                <a:solidFill>
+                  <a:srgbClr val="000000"/>
+                </a:solidFill>
+                <a:latin typeface="Arial"/>
+                <a:ea typeface="DejaVu Sans"/>
+              </a:rPr>
+              <a:t> }) {</a:t>
+            </a:r>
+            <a:endParaRPr b="0" lang="en-US" sz="1000" spc="-1" strike="noStrike">
+              <a:latin typeface="Arial"/>
+            </a:endParaRPr>
+          </a:p>
+          <a:p>
+            <a:pPr>
+              <a:lnSpc>
+                <a:spcPct val="100000"/>
+              </a:lnSpc>
+            </a:pPr>
+            <a:r>
+              <a:rPr b="0" lang="en-US" sz="1000" spc="-1" strike="noStrike">
+                <a:solidFill>
+                  <a:srgbClr val="000000"/>
+                </a:solidFill>
+                <a:latin typeface="Arial"/>
+                <a:ea typeface="DejaVu Sans"/>
+              </a:rPr>
+              <a:t>   </a:t>
+            </a:r>
+            <a:r>
+              <a:rPr b="0" lang="en-US" sz="1000" spc="-1" strike="noStrike">
+                <a:solidFill>
+                  <a:srgbClr val="000000"/>
+                </a:solidFill>
+                <a:latin typeface="Arial"/>
+                <a:ea typeface="DejaVu Sans"/>
+              </a:rPr>
+              <a:t>return &lt;button className="square"&gt;value&lt;/button&gt;;</a:t>
+            </a:r>
+            <a:endParaRPr b="0" lang="en-US" sz="1000" spc="-1" strike="noStrike">
+              <a:latin typeface="Arial"/>
+            </a:endParaRPr>
+          </a:p>
+          <a:p>
+            <a:pPr>
+              <a:lnSpc>
+                <a:spcPct val="100000"/>
+              </a:lnSpc>
+            </a:pPr>
+            <a:r>
+              <a:rPr b="0" lang="en-US" sz="1000" spc="-1" strike="noStrike">
+                <a:solidFill>
+                  <a:srgbClr val="000000"/>
+                </a:solidFill>
+                <a:latin typeface="Arial"/>
+                <a:ea typeface="DejaVu Sans"/>
+              </a:rPr>
+              <a:t>}</a:t>
+            </a:r>
+            <a:endParaRPr b="0" lang="en-US" sz="1000" spc="-1" strike="noStrike">
+              <a:latin typeface="Arial"/>
+            </a:endParaRPr>
+          </a:p>
+        </p:txBody>
+      </p:sp>
       <p:pic>
         <p:nvPicPr>
-          <p:cNvPr id="122" name="" descr=""/>
+          <p:cNvPr id="124" name="" descr=""/>
           <p:cNvPicPr/>
           <p:nvPr/>
         </p:nvPicPr>
@@ -5448,31 +5375,8 @@
         </p:blipFill>
         <p:spPr>
           <a:xfrm>
-            <a:off x="7228800" y="2298600"/>
-            <a:ext cx="1946520" cy="1953000"/>
-          </a:xfrm>
-          <a:prstGeom prst="rect">
-            <a:avLst/>
-          </a:prstGeom>
-          <a:ln w="0">
-            <a:noFill/>
-          </a:ln>
-        </p:spPr>
-      </p:pic>
-      <p:pic>
-        <p:nvPicPr>
-          <p:cNvPr id="123" name="" descr=""/>
-          <p:cNvPicPr/>
-          <p:nvPr/>
-        </p:nvPicPr>
-        <p:blipFill>
-          <a:blip r:embed="rId2"/>
-          <a:stretch/>
-        </p:blipFill>
-        <p:spPr>
-          <a:xfrm>
-            <a:off x="529200" y="1828800"/>
-            <a:ext cx="5942880" cy="2742480"/>
+            <a:off x="6510960" y="2300760"/>
+            <a:ext cx="1946160" cy="1584360"/>
           </a:xfrm>
           <a:prstGeom prst="rect">
             <a:avLst/>
@@ -5514,7 +5418,7 @@
       </p:grpSpPr>
       <p:sp>
         <p:nvSpPr>
-          <p:cNvPr id="124" name="PlaceHolder 1"/>
+          <p:cNvPr id="125" name="PlaceHolder 1"/>
           <p:cNvSpPr>
             <a:spLocks noGrp="1"/>
           </p:cNvSpPr>
@@ -5525,7 +5429,7 @@
         <p:spPr>
           <a:xfrm>
             <a:off x="504000" y="226080"/>
-            <a:ext cx="9070920" cy="945720"/>
+            <a:ext cx="9070560" cy="945360"/>
           </a:xfrm>
           <a:prstGeom prst="rect">
             <a:avLst/>
@@ -5557,29 +5461,6 @@
           </a:p>
         </p:txBody>
       </p:sp>
-      <p:pic>
-        <p:nvPicPr>
-          <p:cNvPr id="125" name="" descr=""/>
-          <p:cNvPicPr/>
-          <p:nvPr/>
-        </p:nvPicPr>
-        <p:blipFill>
-          <a:blip r:embed="rId1"/>
-          <a:stretch/>
-        </p:blipFill>
-        <p:spPr>
-          <a:xfrm>
-            <a:off x="6316560" y="2008800"/>
-            <a:ext cx="2572920" cy="2527560"/>
-          </a:xfrm>
-          <a:prstGeom prst="rect">
-            <a:avLst/>
-          </a:prstGeom>
-          <a:ln w="0">
-            <a:noFill/>
-          </a:ln>
-        </p:spPr>
-      </p:pic>
       <p:sp>
         <p:nvSpPr>
           <p:cNvPr id="126" name=""/>
@@ -5588,8 +5469,8 @@
         </p:nvSpPr>
         <p:spPr>
           <a:xfrm>
-            <a:off x="6448680" y="1596240"/>
-            <a:ext cx="2237400" cy="231840"/>
+            <a:off x="1821960" y="2309760"/>
+            <a:ext cx="4120560" cy="817560"/>
           </a:xfrm>
           <a:prstGeom prst="rect">
             <a:avLst/>
@@ -5623,37 +5504,106 @@
                 <a:latin typeface="Arial"/>
                 <a:ea typeface="DejaVu Sans"/>
               </a:rPr>
-              <a:t>['O', null, 'X', 'X', 'X', 'O', 'O', null, null]</a:t>
+              <a:t>function Square({ </a:t>
+            </a:r>
+            <a:r>
+              <a:rPr b="0" lang="en-US" sz="1000" spc="-1" strike="noStrike" u="sng">
+                <a:solidFill>
+                  <a:srgbClr val="000000"/>
+                </a:solidFill>
+                <a:uFillTx/>
+                <a:latin typeface="Arial"/>
+                <a:ea typeface="DejaVu Sans"/>
+              </a:rPr>
+              <a:t>value</a:t>
+            </a:r>
+            <a:r>
+              <a:rPr b="0" lang="en-US" sz="1000" spc="-1" strike="noStrike">
+                <a:solidFill>
+                  <a:srgbClr val="000000"/>
+                </a:solidFill>
+                <a:latin typeface="Arial"/>
+                <a:ea typeface="DejaVu Sans"/>
+              </a:rPr>
+              <a:t> }) {</a:t>
             </a:r>
             <a:endParaRPr b="0" lang="en-US" sz="1000" spc="-1" strike="noStrike">
               <a:latin typeface="Arial"/>
             </a:endParaRPr>
           </a:p>
-        </p:txBody>
-      </p:sp>
-      <p:pic>
-        <p:nvPicPr>
-          <p:cNvPr id="127" name="" descr=""/>
-          <p:cNvPicPr/>
-          <p:nvPr/>
-        </p:nvPicPr>
-        <p:blipFill>
-          <a:blip r:embed="rId2"/>
-          <a:stretch/>
-        </p:blipFill>
-        <p:spPr>
-          <a:xfrm>
-            <a:off x="444600" y="1280520"/>
-            <a:ext cx="5485680" cy="3885480"/>
-          </a:xfrm>
-          <a:prstGeom prst="rect">
-            <a:avLst/>
-          </a:prstGeom>
-          <a:ln w="0">
-            <a:noFill/>
-          </a:ln>
-        </p:spPr>
-      </p:pic>
+          <a:p>
+            <a:pPr>
+              <a:lnSpc>
+                <a:spcPct val="100000"/>
+              </a:lnSpc>
+            </a:pPr>
+            <a:r>
+              <a:rPr b="0" lang="en-US" sz="1000" spc="-1" strike="noStrike">
+                <a:solidFill>
+                  <a:srgbClr val="000000"/>
+                </a:solidFill>
+                <a:latin typeface="Arial"/>
+                <a:ea typeface="DejaVu Sans"/>
+              </a:rPr>
+              <a:t>   </a:t>
+            </a:r>
+            <a:r>
+              <a:rPr b="0" lang="en-US" sz="1000" spc="-1" strike="noStrike">
+                <a:solidFill>
+                  <a:srgbClr val="000000"/>
+                </a:solidFill>
+                <a:latin typeface="Arial"/>
+                <a:ea typeface="DejaVu Sans"/>
+              </a:rPr>
+              <a:t>return &lt;button className="square"&gt;{</a:t>
+            </a:r>
+            <a:r>
+              <a:rPr b="0" lang="en-US" sz="1000" spc="-1" strike="noStrike" u="sng">
+                <a:solidFill>
+                  <a:srgbClr val="000000"/>
+                </a:solidFill>
+                <a:uFillTx/>
+                <a:latin typeface="Arial"/>
+                <a:ea typeface="DejaVu Sans"/>
+              </a:rPr>
+              <a:t>value</a:t>
+            </a:r>
+            <a:r>
+              <a:rPr b="0" lang="en-US" sz="1000" spc="-1" strike="noStrike">
+                <a:solidFill>
+                  <a:srgbClr val="000000"/>
+                </a:solidFill>
+                <a:latin typeface="Arial"/>
+                <a:ea typeface="DejaVu Sans"/>
+              </a:rPr>
+              <a:t>}&lt;/button&gt;;</a:t>
+            </a:r>
+            <a:endParaRPr b="0" lang="en-US" sz="1000" spc="-1" strike="noStrike">
+              <a:latin typeface="Arial"/>
+            </a:endParaRPr>
+          </a:p>
+          <a:p>
+            <a:pPr>
+              <a:lnSpc>
+                <a:spcPct val="100000"/>
+              </a:lnSpc>
+            </a:pPr>
+            <a:r>
+              <a:rPr b="0" lang="en-US" sz="1000" spc="-1" strike="noStrike">
+                <a:solidFill>
+                  <a:srgbClr val="000000"/>
+                </a:solidFill>
+                <a:latin typeface="Arial"/>
+                <a:ea typeface="DejaVu Sans"/>
+              </a:rPr>
+              <a:t>}</a:t>
+            </a:r>
+            <a:endParaRPr b="0" lang="en-US" sz="1000" spc="-1" strike="noStrike">
+              <a:latin typeface="Arial"/>
+            </a:endParaRPr>
+          </a:p>
+        </p:txBody>
+      </p:sp>
     </p:spTree>
   </p:cSld>
   <mc:AlternateContent>
@@ -5686,7 +5636,7 @@
       </p:grpSpPr>
       <p:sp>
         <p:nvSpPr>
-          <p:cNvPr id="128" name="PlaceHolder 1"/>
+          <p:cNvPr id="127" name="PlaceHolder 1"/>
           <p:cNvSpPr>
             <a:spLocks noGrp="1"/>
           </p:cNvSpPr>
@@ -5697,7 +5647,7 @@
         <p:spPr>
           <a:xfrm>
             <a:off x="504000" y="226080"/>
-            <a:ext cx="9070920" cy="945720"/>
+            <a:ext cx="9070560" cy="945360"/>
           </a:xfrm>
           <a:prstGeom prst="rect">
             <a:avLst/>
@@ -5724,6 +5674,149 @@
               <a:t>React 101 - Components</a:t>
             </a:r>
             <a:endParaRPr b="0" lang="en-US" sz="4400" spc="-1" strike="noStrike">
+              <a:latin typeface="Arial"/>
+            </a:endParaRPr>
+          </a:p>
+        </p:txBody>
+      </p:sp>
+      <p:sp>
+        <p:nvSpPr>
+          <p:cNvPr id="128" name=""/>
+          <p:cNvSpPr/>
+          <p:nvPr/>
+        </p:nvSpPr>
+        <p:spPr>
+          <a:xfrm>
+            <a:off x="1821960" y="2309760"/>
+            <a:ext cx="4120560" cy="817560"/>
+          </a:xfrm>
+          <a:prstGeom prst="rect">
+            <a:avLst/>
+          </a:prstGeom>
+          <a:noFill/>
+          <a:ln w="0">
+            <a:noFill/>
+          </a:ln>
+        </p:spPr>
+        <p:style>
+          <a:lnRef idx="0"/>
+          <a:fillRef idx="0"/>
+          <a:effectRef idx="0"/>
+          <a:fontRef idx="minor"/>
+        </p:style>
+        <p:txBody>
+          <a:bodyPr lIns="90000" rIns="90000" tIns="45000" bIns="45000" anchor="t">
+            <a:noAutofit/>
+          </a:bodyPr>
+          <a:p>
+            <a:pPr>
+              <a:lnSpc>
+                <a:spcPct val="100000"/>
+              </a:lnSpc>
+            </a:pPr>
+            <a:r>
+              <a:rPr b="0" lang="en-US" sz="1000" spc="-1" strike="noStrike">
+                <a:solidFill>
+                  <a:srgbClr val="000000"/>
+                </a:solidFill>
+                <a:latin typeface="Arial"/>
+                <a:ea typeface="DejaVu Sans"/>
+              </a:rPr>
+              <a:t>function Square({ </a:t>
+            </a:r>
+            <a:r>
+              <a:rPr b="0" lang="en-US" sz="1000" spc="-1" strike="noStrike" u="sng">
+                <a:solidFill>
+                  <a:srgbClr val="000000"/>
+                </a:solidFill>
+                <a:uFillTx/>
+                <a:latin typeface="Arial"/>
+                <a:ea typeface="DejaVu Sans"/>
+              </a:rPr>
+              <a:t>value</a:t>
+            </a:r>
+            <a:r>
+              <a:rPr b="0" lang="en-US" sz="1000" spc="-1" strike="noStrike">
+                <a:solidFill>
+                  <a:srgbClr val="000000"/>
+                </a:solidFill>
+                <a:latin typeface="Arial"/>
+                <a:ea typeface="DejaVu Sans"/>
+              </a:rPr>
+              <a:t> }) {</a:t>
+            </a:r>
+            <a:endParaRPr b="0" lang="en-US" sz="1000" spc="-1" strike="noStrike">
+              <a:latin typeface="Arial"/>
+            </a:endParaRPr>
+          </a:p>
+          <a:p>
+            <a:pPr>
+              <a:lnSpc>
+                <a:spcPct val="100000"/>
+              </a:lnSpc>
+            </a:pPr>
+            <a:r>
+              <a:rPr b="0" lang="en-US" sz="1000" spc="-1" strike="noStrike">
+                <a:solidFill>
+                  <a:srgbClr val="000000"/>
+                </a:solidFill>
+                <a:latin typeface="Arial"/>
+                <a:ea typeface="DejaVu Sans"/>
+              </a:rPr>
+              <a:t>   </a:t>
+            </a:r>
+            <a:r>
+              <a:rPr b="0" lang="en-US" sz="1000" spc="-1" strike="noStrike">
+                <a:solidFill>
+                  <a:srgbClr val="000000"/>
+                </a:solidFill>
+                <a:latin typeface="Arial"/>
+                <a:ea typeface="DejaVu Sans"/>
+              </a:rPr>
+              <a:t>return &lt;button className="square"&gt;{</a:t>
+            </a:r>
+            <a:r>
+              <a:rPr b="0" lang="en-US" sz="1000" spc="-1" strike="noStrike" u="sng">
+                <a:solidFill>
+                  <a:srgbClr val="000000"/>
+                </a:solidFill>
+                <a:uFillTx/>
+                <a:latin typeface="Arial"/>
+                <a:ea typeface="DejaVu Sans"/>
+              </a:rPr>
+              <a:t>value</a:t>
+            </a:r>
+            <a:r>
+              <a:rPr b="0" lang="en-US" sz="1000" spc="-1" strike="noStrike">
+                <a:solidFill>
+                  <a:srgbClr val="000000"/>
+                </a:solidFill>
+                <a:latin typeface="Arial"/>
+                <a:ea typeface="DejaVu Sans"/>
+              </a:rPr>
+              <a:t>}&lt;/button&gt;;</a:t>
+            </a:r>
+            <a:endParaRPr b="0" lang="en-US" sz="1000" spc="-1" strike="noStrike">
+              <a:latin typeface="Arial"/>
+            </a:endParaRPr>
+          </a:p>
+          <a:p>
+            <a:pPr>
+              <a:lnSpc>
+                <a:spcPct val="100000"/>
+              </a:lnSpc>
+            </a:pPr>
+            <a:r>
+              <a:rPr b="0" lang="en-US" sz="1000" spc="-1" strike="noStrike">
+                <a:solidFill>
+                  <a:srgbClr val="000000"/>
+                </a:solidFill>
+                <a:latin typeface="Arial"/>
+                <a:ea typeface="DejaVu Sans"/>
+              </a:rPr>
+              <a:t>}</a:t>
+            </a:r>
+            <a:endParaRPr b="0" lang="en-US" sz="1000" spc="-1" strike="noStrike">
               <a:latin typeface="Arial"/>
             </a:endParaRPr>
           </a:p>
@@ -5741,8 +5834,8 @@
         </p:blipFill>
         <p:spPr>
           <a:xfrm>
-            <a:off x="1371600" y="1828800"/>
-            <a:ext cx="7275960" cy="939960"/>
+            <a:off x="6400800" y="2514600"/>
+            <a:ext cx="1946160" cy="1952640"/>
           </a:xfrm>
           <a:prstGeom prst="rect">
             <a:avLst/>
@@ -5795,7 +5888,7 @@
         <p:spPr>
           <a:xfrm>
             <a:off x="504000" y="226080"/>
-            <a:ext cx="9070920" cy="945720"/>
+            <a:ext cx="9070560" cy="945360"/>
           </a:xfrm>
           <a:prstGeom prst="rect">
             <a:avLst/>
@@ -5839,8 +5932,8 @@
         </p:blipFill>
         <p:spPr>
           <a:xfrm>
-            <a:off x="1403280" y="2990160"/>
-            <a:ext cx="7250760" cy="1948680"/>
+            <a:off x="7228800" y="2298600"/>
+            <a:ext cx="1946160" cy="1952640"/>
           </a:xfrm>
           <a:prstGeom prst="rect">
             <a:avLst/>
@@ -5862,8 +5955,8 @@
         </p:blipFill>
         <p:spPr>
           <a:xfrm>
-            <a:off x="1371600" y="1828800"/>
-            <a:ext cx="7275960" cy="939960"/>
+            <a:off x="529200" y="1828800"/>
+            <a:ext cx="5942520" cy="2742120"/>
           </a:xfrm>
           <a:prstGeom prst="rect">
             <a:avLst/>
@@ -5916,7 +6009,7 @@
         <p:spPr>
           <a:xfrm>
             <a:off x="504000" y="226080"/>
-            <a:ext cx="9070920" cy="945720"/>
+            <a:ext cx="9070560" cy="945360"/>
           </a:xfrm>
           <a:prstGeom prst="rect">
             <a:avLst/>
@@ -5961,7 +6054,7 @@
         <p:spPr>
           <a:xfrm>
             <a:off x="504000" y="2057400"/>
-            <a:ext cx="9070920" cy="2513880"/>
+            <a:ext cx="9070560" cy="2513520"/>
           </a:xfrm>
           <a:prstGeom prst="rect">
             <a:avLst/>
@@ -6106,7 +6199,7 @@
         <p:spPr>
           <a:xfrm>
             <a:off x="504000" y="226080"/>
-            <a:ext cx="9070920" cy="945720"/>
+            <a:ext cx="9070560" cy="945360"/>
           </a:xfrm>
           <a:prstGeom prst="rect">
             <a:avLst/>
@@ -6150,8 +6243,8 @@
         </p:blipFill>
         <p:spPr>
           <a:xfrm>
-            <a:off x="830880" y="1648800"/>
-            <a:ext cx="4919400" cy="3427560"/>
+            <a:off x="6316560" y="2008800"/>
+            <a:ext cx="2572560" cy="2527200"/>
           </a:xfrm>
           <a:prstGeom prst="rect">
             <a:avLst/>
@@ -6161,9 +6254,60 @@
           </a:ln>
         </p:spPr>
       </p:pic>
+      <p:sp>
+        <p:nvSpPr>
+          <p:cNvPr id="135" name=""/>
+          <p:cNvSpPr/>
+          <p:nvPr/>
+        </p:nvSpPr>
+        <p:spPr>
+          <a:xfrm>
+            <a:off x="6448680" y="1596240"/>
+            <a:ext cx="2237040" cy="231480"/>
+          </a:xfrm>
+          <a:prstGeom prst="rect">
+            <a:avLst/>
+          </a:prstGeom>
+          <a:noFill/>
+          <a:ln w="0">
+            <a:noFill/>
+          </a:ln>
+        </p:spPr>
+        <p:style>
+          <a:lnRef idx="0"/>
+          <a:fillRef idx="0"/>
+          <a:effectRef idx="0"/>
+          <a:fontRef idx="minor"/>
+        </p:style>
+        <p:txBody>
+          <a:bodyPr lIns="90000" rIns="90000" tIns="45000" bIns="45000" anchor="t">
+            <a:noAutofit/>
+          </a:bodyPr>
+          <a:p>
+            <a:pPr>
+              <a:lnSpc>
+                <a:spcPct val="100000"/>
+              </a:lnSpc>
+            </a:pPr>
+            <a:r>
+              <a:rPr b="0" lang="en-US" sz="1000" spc="-1" strike="noStrike">
+                <a:solidFill>
+                  <a:srgbClr val="000000"/>
+                </a:solidFill>
+                <a:latin typeface="Arial"/>
+                <a:ea typeface="DejaVu Sans"/>
+              </a:rPr>
+              <a:t>['O', null, 'X', 'X', 'X', 'O', 'O', null, null]</a:t>
+            </a:r>
+            <a:endParaRPr b="0" lang="en-US" sz="1000" spc="-1" strike="noStrike">
+              <a:latin typeface="Arial"/>
+            </a:endParaRPr>
+          </a:p>
+        </p:txBody>
+      </p:sp>
       <p:pic>
         <p:nvPicPr>
-          <p:cNvPr id="135" name="" descr=""/>
+          <p:cNvPr id="136" name="" descr=""/>
           <p:cNvPicPr/>
           <p:nvPr/>
         </p:nvPicPr>
@@ -6173,8 +6317,8 @@
         </p:blipFill>
         <p:spPr>
           <a:xfrm>
-            <a:off x="6629400" y="2057400"/>
-            <a:ext cx="2708280" cy="2775960"/>
+            <a:off x="444600" y="1280520"/>
+            <a:ext cx="5485320" cy="3885120"/>
           </a:xfrm>
           <a:prstGeom prst="rect">
             <a:avLst/>
@@ -6216,7 +6360,7 @@
       </p:grpSpPr>
       <p:sp>
         <p:nvSpPr>
-          <p:cNvPr id="136" name="PlaceHolder 1"/>
+          <p:cNvPr id="137" name="PlaceHolder 1"/>
           <p:cNvSpPr>
             <a:spLocks noGrp="1"/>
           </p:cNvSpPr>
@@ -6227,7 +6371,7 @@
         <p:spPr>
           <a:xfrm>
             <a:off x="504000" y="226080"/>
-            <a:ext cx="9070920" cy="945720"/>
+            <a:ext cx="9070560" cy="945360"/>
           </a:xfrm>
           <a:prstGeom prst="rect">
             <a:avLst/>
@@ -6261,7 +6405,7 @@
       </p:sp>
       <p:pic>
         <p:nvPicPr>
-          <p:cNvPr id="137" name="" descr=""/>
+          <p:cNvPr id="138" name="" descr=""/>
           <p:cNvPicPr/>
           <p:nvPr/>
         </p:nvPicPr>
@@ -6271,54 +6415,8 @@
         </p:blipFill>
         <p:spPr>
           <a:xfrm>
-            <a:off x="6629400" y="2057400"/>
-            <a:ext cx="2708280" cy="2775960"/>
-          </a:xfrm>
-          <a:prstGeom prst="rect">
-            <a:avLst/>
-          </a:prstGeom>
-          <a:ln w="0">
-            <a:noFill/>
-          </a:ln>
-        </p:spPr>
-      </p:pic>
-      <p:pic>
-        <p:nvPicPr>
-          <p:cNvPr id="138" name="" descr=""/>
-          <p:cNvPicPr/>
-          <p:nvPr/>
-        </p:nvPicPr>
-        <p:blipFill>
-          <a:blip r:embed="rId2"/>
-          <a:stretch/>
-        </p:blipFill>
-        <p:spPr>
-          <a:xfrm>
-            <a:off x="645480" y="1399320"/>
-            <a:ext cx="5983200" cy="1406160"/>
-          </a:xfrm>
-          <a:prstGeom prst="rect">
-            <a:avLst/>
-          </a:prstGeom>
-          <a:ln w="0">
-            <a:noFill/>
-          </a:ln>
-        </p:spPr>
-      </p:pic>
-      <p:pic>
-        <p:nvPicPr>
-          <p:cNvPr id="139" name="" descr=""/>
-          <p:cNvPicPr/>
-          <p:nvPr/>
-        </p:nvPicPr>
-        <p:blipFill>
-          <a:blip r:embed="rId3"/>
-          <a:stretch/>
-        </p:blipFill>
-        <p:spPr>
-          <a:xfrm>
-            <a:off x="457200" y="3200400"/>
-            <a:ext cx="6192720" cy="2056680"/>
+            <a:off x="1371600" y="1828800"/>
+            <a:ext cx="7275600" cy="939600"/>
           </a:xfrm>
           <a:prstGeom prst="rect">
             <a:avLst/>
@@ -6360,7 +6458,7 @@
       </p:grpSpPr>
       <p:sp>
         <p:nvSpPr>
-          <p:cNvPr id="140" name="PlaceHolder 1"/>
+          <p:cNvPr id="139" name="PlaceHolder 1"/>
           <p:cNvSpPr>
             <a:spLocks noGrp="1"/>
           </p:cNvSpPr>
@@ -6371,7 +6469,7 @@
         <p:spPr>
           <a:xfrm>
             <a:off x="504000" y="226080"/>
-            <a:ext cx="9070920" cy="945720"/>
+            <a:ext cx="9070560" cy="945360"/>
           </a:xfrm>
           <a:prstGeom prst="rect">
             <a:avLst/>
@@ -6395,120 +6493,9 @@
               <a:rPr b="0" lang="en-US" sz="4400" spc="-1" strike="noStrike">
                 <a:latin typeface="Arial"/>
               </a:rPr>
-              <a:t>React 101 – Component State</a:t>
+              <a:t>React 101 - Components</a:t>
             </a:r>
             <a:endParaRPr b="0" lang="en-US" sz="4400" spc="-1" strike="noStrike">
-              <a:latin typeface="Arial"/>
-            </a:endParaRPr>
-          </a:p>
-        </p:txBody>
-      </p:sp>
-      <p:sp>
-        <p:nvSpPr>
-          <p:cNvPr id="141" name="PlaceHolder 2"/>
-          <p:cNvSpPr>
-            <a:spLocks noGrp="1"/>
-          </p:cNvSpPr>
-          <p:nvPr>
-            <p:ph/>
-          </p:nvPr>
-        </p:nvSpPr>
-        <p:spPr>
-          <a:xfrm>
-            <a:off x="504000" y="1326600"/>
-            <a:ext cx="9070920" cy="3287520"/>
-          </a:xfrm>
-          <a:prstGeom prst="rect">
-            <a:avLst/>
-          </a:prstGeom>
-          <a:noFill/>
-          <a:ln w="0">
-            <a:noFill/>
-          </a:ln>
-        </p:spPr>
-        <p:txBody>
-          <a:bodyPr lIns="0" rIns="0" tIns="0" bIns="0" anchor="t">
-            <a:normAutofit/>
-          </a:bodyPr>
-          <a:p>
-            <a:pPr marL="432000" indent="-324000">
-              <a:lnSpc>
-                <a:spcPct val="100000"/>
-              </a:lnSpc>
-              <a:spcBef>
-                <a:spcPts val="615"/>
-              </a:spcBef>
-              <a:buClr>
-                <a:srgbClr val="000000"/>
-              </a:buClr>
-              <a:buSzPct val="45000"/>
-              <a:buFont typeface="Wingdings" charset="2"/>
-              <a:buChar char=""/>
-              <a:tabLst>
-                <a:tab algn="l" pos="408240"/>
-              </a:tabLst>
-            </a:pPr>
-            <a:r>
-              <a:rPr b="0" lang="en-US" sz="1400" spc="-1" strike="noStrike">
-                <a:latin typeface="Arial"/>
-              </a:rPr>
-              <a:t>The handleClick function creates a copy of the squares array (nextSquares) with the JavaScript slice() Array method. Then, handleClick updates the nextSquares array to add X to the first ([0] index) square.</a:t>
-            </a:r>
-            <a:endParaRPr b="0" lang="en-US" sz="1400" spc="-1" strike="noStrike">
-              <a:latin typeface="Arial"/>
-            </a:endParaRPr>
-          </a:p>
-          <a:p>
-            <a:pPr marL="432000" indent="-324000">
-              <a:lnSpc>
-                <a:spcPct val="100000"/>
-              </a:lnSpc>
-              <a:spcBef>
-                <a:spcPts val="615"/>
-              </a:spcBef>
-              <a:buClr>
-                <a:srgbClr val="000000"/>
-              </a:buClr>
-              <a:buSzPct val="45000"/>
-              <a:buFont typeface="Wingdings" charset="2"/>
-              <a:buChar char=""/>
-              <a:tabLst>
-                <a:tab algn="l" pos="408240"/>
-              </a:tabLst>
-            </a:pPr>
-            <a:r>
-              <a:rPr b="0" lang="en-US" sz="1400" spc="-1" strike="noStrike">
-                <a:latin typeface="Arial"/>
-              </a:rPr>
-              <a:t>Calling the setSquares function lets React know </a:t>
-            </a:r>
-            <a:r>
-              <a:rPr b="0" lang="en-US" sz="1400" spc="-1" strike="noStrike" u="sng">
-                <a:uFillTx/>
-                <a:latin typeface="Arial"/>
-              </a:rPr>
-              <a:t>the state of the component has changed</a:t>
-            </a:r>
-            <a:r>
-              <a:rPr b="0" lang="en-US" sz="1400" spc="-1" strike="noStrike">
-                <a:latin typeface="Arial"/>
-              </a:rPr>
-              <a:t>. This will trigger a </a:t>
-            </a:r>
-            <a:r>
-              <a:rPr b="1" lang="en-US" sz="1400" spc="-1" strike="noStrike" u="sng">
-                <a:uFillTx/>
-                <a:latin typeface="Arial"/>
-              </a:rPr>
-              <a:t>re-render of the components that use the squares state</a:t>
-            </a:r>
-            <a:r>
-              <a:rPr b="0" lang="en-US" sz="1400" spc="-1" strike="noStrike">
-                <a:latin typeface="Arial"/>
-              </a:rPr>
-              <a:t> (Board) as well as its child components (the Square components that make up the board).</a:t>
-            </a:r>
-            <a:endParaRPr b="0" lang="en-US" sz="1400" spc="-1" strike="noStrike">
               <a:latin typeface="Arial"/>
             </a:endParaRPr>
           </a:p>
@@ -6516,7 +6503,7 @@
       </p:sp>
       <p:pic>
         <p:nvPicPr>
-          <p:cNvPr id="142" name="" descr=""/>
+          <p:cNvPr id="140" name="" descr=""/>
           <p:cNvPicPr/>
           <p:nvPr/>
         </p:nvPicPr>
@@ -6526,8 +6513,31 @@
         </p:blipFill>
         <p:spPr>
           <a:xfrm>
-            <a:off x="1348200" y="2478600"/>
-            <a:ext cx="7771680" cy="2971080"/>
+            <a:off x="1403280" y="2990160"/>
+            <a:ext cx="7250400" cy="1948320"/>
+          </a:xfrm>
+          <a:prstGeom prst="rect">
+            <a:avLst/>
+          </a:prstGeom>
+          <a:ln w="0">
+            <a:noFill/>
+          </a:ln>
+        </p:spPr>
+      </p:pic>
+      <p:pic>
+        <p:nvPicPr>
+          <p:cNvPr id="141" name="" descr=""/>
+          <p:cNvPicPr/>
+          <p:nvPr/>
+        </p:nvPicPr>
+        <p:blipFill>
+          <a:blip r:embed="rId2"/>
+          <a:stretch/>
+        </p:blipFill>
+        <p:spPr>
+          <a:xfrm>
+            <a:off x="1371600" y="1828800"/>
+            <a:ext cx="7275600" cy="939600"/>
           </a:xfrm>
           <a:prstGeom prst="rect">
             <a:avLst/>
@@ -6569,7 +6579,7 @@
       </p:grpSpPr>
       <p:sp>
         <p:nvSpPr>
-          <p:cNvPr id="143" name="PlaceHolder 1"/>
+          <p:cNvPr id="142" name="PlaceHolder 1"/>
           <p:cNvSpPr>
             <a:spLocks noGrp="1"/>
           </p:cNvSpPr>
@@ -6580,7 +6590,7 @@
         <p:spPr>
           <a:xfrm>
             <a:off x="504000" y="226080"/>
-            <a:ext cx="9070920" cy="945720"/>
+            <a:ext cx="9070560" cy="945360"/>
           </a:xfrm>
           <a:prstGeom prst="rect">
             <a:avLst/>
@@ -6604,120 +6614,9 @@
               <a:rPr b="0" lang="en-US" sz="4400" spc="-1" strike="noStrike">
                 <a:latin typeface="Arial"/>
               </a:rPr>
-              <a:t>React 101 – Component State</a:t>
+              <a:t>React 101 - Components</a:t>
             </a:r>
             <a:endParaRPr b="0" lang="en-US" sz="4400" spc="-1" strike="noStrike">
-              <a:latin typeface="Arial"/>
-            </a:endParaRPr>
-          </a:p>
-        </p:txBody>
-      </p:sp>
-      <p:sp>
-        <p:nvSpPr>
-          <p:cNvPr id="144" name="PlaceHolder 2"/>
-          <p:cNvSpPr>
-            <a:spLocks noGrp="1"/>
-          </p:cNvSpPr>
-          <p:nvPr>
-            <p:ph/>
-          </p:nvPr>
-        </p:nvSpPr>
-        <p:spPr>
-          <a:xfrm>
-            <a:off x="504000" y="1326600"/>
-            <a:ext cx="9070920" cy="3287520"/>
-          </a:xfrm>
-          <a:prstGeom prst="rect">
-            <a:avLst/>
-          </a:prstGeom>
-          <a:noFill/>
-          <a:ln w="0">
-            <a:noFill/>
-          </a:ln>
-        </p:spPr>
-        <p:txBody>
-          <a:bodyPr lIns="0" rIns="0" tIns="0" bIns="0" anchor="t">
-            <a:normAutofit/>
-          </a:bodyPr>
-          <a:p>
-            <a:pPr marL="432000" indent="-324000">
-              <a:lnSpc>
-                <a:spcPct val="100000"/>
-              </a:lnSpc>
-              <a:spcBef>
-                <a:spcPts val="615"/>
-              </a:spcBef>
-              <a:buClr>
-                <a:srgbClr val="000000"/>
-              </a:buClr>
-              <a:buSzPct val="45000"/>
-              <a:buFont typeface="Wingdings" charset="2"/>
-              <a:buChar char=""/>
-              <a:tabLst>
-                <a:tab algn="l" pos="408240"/>
-              </a:tabLst>
-            </a:pPr>
-            <a:r>
-              <a:rPr b="0" lang="en-US" sz="1400" spc="-1" strike="noStrike">
-                <a:latin typeface="Arial"/>
-              </a:rPr>
-              <a:t>The handleClick function creates a copy of the squares array (nextSquares) with the JavaScript slice() Array method. Then, handleClick updates the nextSquares array to add X to the first ([0] index) square.</a:t>
-            </a:r>
-            <a:endParaRPr b="0" lang="en-US" sz="1400" spc="-1" strike="noStrike">
-              <a:latin typeface="Arial"/>
-            </a:endParaRPr>
-          </a:p>
-          <a:p>
-            <a:pPr marL="432000" indent="-324000">
-              <a:lnSpc>
-                <a:spcPct val="100000"/>
-              </a:lnSpc>
-              <a:spcBef>
-                <a:spcPts val="615"/>
-              </a:spcBef>
-              <a:buClr>
-                <a:srgbClr val="000000"/>
-              </a:buClr>
-              <a:buSzPct val="45000"/>
-              <a:buFont typeface="Wingdings" charset="2"/>
-              <a:buChar char=""/>
-              <a:tabLst>
-                <a:tab algn="l" pos="408240"/>
-              </a:tabLst>
-            </a:pPr>
-            <a:r>
-              <a:rPr b="0" lang="en-US" sz="1400" spc="-1" strike="noStrike">
-                <a:latin typeface="Arial"/>
-              </a:rPr>
-              <a:t>Calling the setSquares function lets React know </a:t>
-            </a:r>
-            <a:r>
-              <a:rPr b="0" lang="en-US" sz="1400" spc="-1" strike="noStrike" u="sng">
-                <a:uFillTx/>
-                <a:latin typeface="Arial"/>
-              </a:rPr>
-              <a:t>the state of the component has changed</a:t>
-            </a:r>
-            <a:r>
-              <a:rPr b="0" lang="en-US" sz="1400" spc="-1" strike="noStrike">
-                <a:latin typeface="Arial"/>
-              </a:rPr>
-              <a:t>. This will trigger a </a:t>
-            </a:r>
-            <a:r>
-              <a:rPr b="1" lang="en-US" sz="1400" spc="-1" strike="noStrike" u="sng">
-                <a:uFillTx/>
-                <a:latin typeface="Arial"/>
-              </a:rPr>
-              <a:t>re-render of the components that use the squares state</a:t>
-            </a:r>
-            <a:r>
-              <a:rPr b="0" lang="en-US" sz="1400" spc="-1" strike="noStrike">
-                <a:latin typeface="Arial"/>
-              </a:rPr>
-              <a:t> (Board) as well as its child components (the Square components that make up the board).</a:t>
-            </a:r>
-            <a:endParaRPr b="0" lang="en-US" sz="1400" spc="-1" strike="noStrike">
               <a:latin typeface="Arial"/>
             </a:endParaRPr>
           </a:p>
@@ -6725,7 +6624,7 @@
       </p:sp>
       <p:pic>
         <p:nvPicPr>
-          <p:cNvPr id="145" name="" descr=""/>
+          <p:cNvPr id="143" name="" descr=""/>
           <p:cNvPicPr/>
           <p:nvPr/>
         </p:nvPicPr>
@@ -6735,8 +6634,31 @@
         </p:blipFill>
         <p:spPr>
           <a:xfrm>
-            <a:off x="1348200" y="2478600"/>
-            <a:ext cx="7771680" cy="2971080"/>
+            <a:off x="830880" y="1648800"/>
+            <a:ext cx="4919040" cy="3427200"/>
+          </a:xfrm>
+          <a:prstGeom prst="rect">
+            <a:avLst/>
+          </a:prstGeom>
+          <a:ln w="0">
+            <a:noFill/>
+          </a:ln>
+        </p:spPr>
+      </p:pic>
+      <p:pic>
+        <p:nvPicPr>
+          <p:cNvPr id="144" name="" descr=""/>
+          <p:cNvPicPr/>
+          <p:nvPr/>
+        </p:nvPicPr>
+        <p:blipFill>
+          <a:blip r:embed="rId2"/>
+          <a:stretch/>
+        </p:blipFill>
+        <p:spPr>
+          <a:xfrm>
+            <a:off x="6629400" y="2057400"/>
+            <a:ext cx="2707920" cy="2775600"/>
           </a:xfrm>
           <a:prstGeom prst="rect">
             <a:avLst/>
@@ -6778,7 +6700,7 @@
       </p:grpSpPr>
       <p:sp>
         <p:nvSpPr>
-          <p:cNvPr id="146" name="PlaceHolder 1"/>
+          <p:cNvPr id="145" name="PlaceHolder 1"/>
           <p:cNvSpPr>
             <a:spLocks noGrp="1"/>
           </p:cNvSpPr>
@@ -6789,7 +6711,7 @@
         <p:spPr>
           <a:xfrm>
             <a:off x="504000" y="226080"/>
-            <a:ext cx="9070920" cy="945720"/>
+            <a:ext cx="9070560" cy="945360"/>
           </a:xfrm>
           <a:prstGeom prst="rect">
             <a:avLst/>
@@ -6813,7 +6735,7 @@
               <a:rPr b="0" lang="en-US" sz="4400" spc="-1" strike="noStrike">
                 <a:latin typeface="Arial"/>
               </a:rPr>
-              <a:t>React 101 – Component State</a:t>
+              <a:t>React 101 - Components</a:t>
             </a:r>
             <a:endParaRPr b="0" lang="en-US" sz="4400" spc="-1" strike="noStrike">
               <a:latin typeface="Arial"/>
@@ -6821,736 +6743,75 @@
           </a:p>
         </p:txBody>
       </p:sp>
-      <p:sp>
-        <p:nvSpPr>
-          <p:cNvPr id="147" name=""/>
-          <p:cNvSpPr/>
+      <p:pic>
+        <p:nvPicPr>
+          <p:cNvPr id="146" name="" descr=""/>
+          <p:cNvPicPr/>
           <p:nvPr/>
-        </p:nvSpPr>
-        <p:spPr>
-          <a:xfrm>
-            <a:off x="1143000" y="1371600"/>
-            <a:ext cx="5028480" cy="5918400"/>
-          </a:xfrm>
-          <a:prstGeom prst="rect">
-            <a:avLst/>
-          </a:prstGeom>
-          <a:noFill/>
-          <a:ln w="0">
-            <a:noFill/>
-          </a:ln>
-        </p:spPr>
-        <p:style>
-          <a:lnRef idx="0"/>
-          <a:fillRef idx="0"/>
-          <a:effectRef idx="0"/>
-          <a:fontRef idx="minor"/>
-        </p:style>
-        <p:txBody>
-          <a:bodyPr lIns="90000" rIns="90000" tIns="45000" bIns="45000" anchor="t">
-            <a:noAutofit/>
-          </a:bodyPr>
-          <a:p>
-            <a:pPr>
-              <a:lnSpc>
-                <a:spcPct val="100000"/>
-              </a:lnSpc>
-            </a:pPr>
-            <a:r>
-              <a:rPr b="0" lang="en-US" sz="1800" spc="-1" strike="noStrike">
-                <a:solidFill>
-                  <a:srgbClr val="000000"/>
-                </a:solidFill>
-                <a:latin typeface="Arial"/>
-                <a:ea typeface="DejaVu Sans"/>
-              </a:rPr>
-              <a:t>- Now that your state handling is in the Board component, the parent Board component passes props to the child Square components so that they can be displayed correctly. </a:t>
-            </a:r>
-            <a:endParaRPr b="0" lang="en-US" sz="1800" spc="-1" strike="noStrike">
-              <a:latin typeface="Arial"/>
-            </a:endParaRPr>
-          </a:p>
-          <a:p>
-            <a:pPr>
-              <a:lnSpc>
-                <a:spcPct val="100000"/>
-              </a:lnSpc>
-            </a:pPr>
-            <a:endParaRPr b="0" lang="en-US" sz="1800" spc="-1" strike="noStrike">
-              <a:latin typeface="Arial"/>
-            </a:endParaRPr>
-          </a:p>
-        </p:txBody>
-      </p:sp>
-      <p:sp>
-        <p:nvSpPr>
-          <p:cNvPr id="148" name=""/>
-          <p:cNvSpPr/>
+        </p:nvPicPr>
+        <p:blipFill>
+          <a:blip r:embed="rId1"/>
+          <a:stretch/>
+        </p:blipFill>
+        <p:spPr>
+          <a:xfrm>
+            <a:off x="6629400" y="2057400"/>
+            <a:ext cx="2707920" cy="2775600"/>
+          </a:xfrm>
+          <a:prstGeom prst="rect">
+            <a:avLst/>
+          </a:prstGeom>
+          <a:ln w="0">
+            <a:noFill/>
+          </a:ln>
+        </p:spPr>
+      </p:pic>
+      <p:pic>
+        <p:nvPicPr>
+          <p:cNvPr id="147" name="" descr=""/>
+          <p:cNvPicPr/>
           <p:nvPr/>
-        </p:nvSpPr>
-        <p:spPr>
-          <a:xfrm>
-            <a:off x="7880400" y="1864800"/>
-            <a:ext cx="685080" cy="685080"/>
-          </a:xfrm>
-          <a:prstGeom prst="ellipse">
-            <a:avLst/>
-          </a:prstGeom>
-          <a:solidFill>
-            <a:srgbClr val="729fcf"/>
-          </a:solidFill>
-          <a:ln w="0">
-            <a:solidFill>
-              <a:srgbClr val="3465a4"/>
-            </a:solidFill>
-          </a:ln>
-        </p:spPr>
-        <p:style>
-          <a:lnRef idx="0"/>
-          <a:fillRef idx="0"/>
-          <a:effectRef idx="0"/>
-          <a:fontRef idx="minor"/>
-        </p:style>
-      </p:sp>
-      <p:sp>
-        <p:nvSpPr>
-          <p:cNvPr id="149" name=""/>
-          <p:cNvSpPr/>
+        </p:nvPicPr>
+        <p:blipFill>
+          <a:blip r:embed="rId2"/>
+          <a:stretch/>
+        </p:blipFill>
+        <p:spPr>
+          <a:xfrm>
+            <a:off x="645480" y="1399320"/>
+            <a:ext cx="5982840" cy="1405800"/>
+          </a:xfrm>
+          <a:prstGeom prst="rect">
+            <a:avLst/>
+          </a:prstGeom>
+          <a:ln w="0">
+            <a:noFill/>
+          </a:ln>
+        </p:spPr>
+      </p:pic>
+      <p:pic>
+        <p:nvPicPr>
+          <p:cNvPr id="148" name="" descr=""/>
+          <p:cNvPicPr/>
           <p:nvPr/>
-        </p:nvSpPr>
-        <p:spPr>
-          <a:xfrm>
-            <a:off x="7086600" y="2971800"/>
-            <a:ext cx="685080" cy="685080"/>
-          </a:xfrm>
-          <a:prstGeom prst="ellipse">
-            <a:avLst/>
-          </a:prstGeom>
-          <a:solidFill>
-            <a:srgbClr val="729fcf"/>
-          </a:solidFill>
-          <a:ln w="0">
-            <a:solidFill>
-              <a:srgbClr val="3465a4"/>
-            </a:solidFill>
-          </a:ln>
-        </p:spPr>
-        <p:style>
-          <a:lnRef idx="0"/>
-          <a:fillRef idx="0"/>
-          <a:effectRef idx="0"/>
-          <a:fontRef idx="minor"/>
-        </p:style>
-      </p:sp>
-      <p:sp>
-        <p:nvSpPr>
-          <p:cNvPr id="150" name=""/>
-          <p:cNvSpPr/>
-          <p:nvPr/>
-        </p:nvSpPr>
-        <p:spPr>
-          <a:xfrm>
-            <a:off x="7914600" y="3007800"/>
-            <a:ext cx="685080" cy="685080"/>
-          </a:xfrm>
-          <a:prstGeom prst="ellipse">
-            <a:avLst/>
-          </a:prstGeom>
-          <a:solidFill>
-            <a:srgbClr val="729fcf"/>
-          </a:solidFill>
-          <a:ln w="0">
-            <a:solidFill>
-              <a:srgbClr val="3465a4"/>
-            </a:solidFill>
-          </a:ln>
-        </p:spPr>
-        <p:style>
-          <a:lnRef idx="0"/>
-          <a:fillRef idx="0"/>
-          <a:effectRef idx="0"/>
-          <a:fontRef idx="minor"/>
-        </p:style>
-      </p:sp>
-      <p:sp>
-        <p:nvSpPr>
-          <p:cNvPr id="151" name=""/>
-          <p:cNvSpPr/>
-          <p:nvPr/>
-        </p:nvSpPr>
-        <p:spPr>
-          <a:xfrm flipH="1">
-            <a:off x="7543800" y="2514600"/>
-            <a:ext cx="457200" cy="457200"/>
-          </a:xfrm>
-          <a:prstGeom prst="line">
-            <a:avLst/>
-          </a:prstGeom>
-          <a:ln w="0">
-            <a:solidFill>
-              <a:srgbClr val="3465a4"/>
-            </a:solidFill>
-          </a:ln>
-        </p:spPr>
-        <p:style>
-          <a:lnRef idx="0"/>
-          <a:fillRef idx="0"/>
-          <a:effectRef idx="0"/>
-          <a:fontRef idx="minor"/>
-        </p:style>
-      </p:sp>
-      <p:sp>
-        <p:nvSpPr>
-          <p:cNvPr id="152" name=""/>
-          <p:cNvSpPr/>
-          <p:nvPr/>
-        </p:nvSpPr>
-        <p:spPr>
-          <a:xfrm>
-            <a:off x="8229600" y="2550600"/>
-            <a:ext cx="360" cy="457200"/>
-          </a:xfrm>
-          <a:prstGeom prst="line">
-            <a:avLst/>
-          </a:prstGeom>
-          <a:ln w="0">
-            <a:solidFill>
-              <a:srgbClr val="3465a4"/>
-            </a:solidFill>
-          </a:ln>
-        </p:spPr>
-        <p:style>
-          <a:lnRef idx="0"/>
-          <a:fillRef idx="0"/>
-          <a:effectRef idx="0"/>
-          <a:fontRef idx="minor"/>
-        </p:style>
-      </p:sp>
-      <p:sp>
-        <p:nvSpPr>
-          <p:cNvPr id="153" name=""/>
-          <p:cNvSpPr/>
-          <p:nvPr/>
-        </p:nvSpPr>
-        <p:spPr>
-          <a:xfrm>
-            <a:off x="8915400" y="3200400"/>
-            <a:ext cx="1370880" cy="288000"/>
-          </a:xfrm>
-          <a:prstGeom prst="rect">
-            <a:avLst/>
-          </a:prstGeom>
-          <a:noFill/>
-          <a:ln w="0">
-            <a:noFill/>
-          </a:ln>
-        </p:spPr>
-        <p:style>
-          <a:lnRef idx="0"/>
-          <a:fillRef idx="0"/>
-          <a:effectRef idx="0"/>
-          <a:fontRef idx="minor"/>
-        </p:style>
-        <p:txBody>
-          <a:bodyPr lIns="90000" rIns="90000" tIns="45000" bIns="45000" anchor="t">
-            <a:noAutofit/>
-          </a:bodyPr>
-          <a:p>
-            <a:pPr>
-              <a:lnSpc>
-                <a:spcPct val="100000"/>
-              </a:lnSpc>
-            </a:pPr>
-            <a:r>
-              <a:rPr b="0" lang="en-US" sz="1400" spc="-1" strike="noStrike">
-                <a:solidFill>
-                  <a:srgbClr val="000000"/>
-                </a:solidFill>
-                <a:latin typeface="Arial"/>
-                <a:ea typeface="DejaVu Sans"/>
-              </a:rPr>
-              <a:t>...</a:t>
-            </a:r>
-            <a:endParaRPr b="0" lang="en-US" sz="1400" spc="-1" strike="noStrike">
-              <a:latin typeface="Arial"/>
-            </a:endParaRPr>
-          </a:p>
-        </p:txBody>
-      </p:sp>
-      <p:sp>
-        <p:nvSpPr>
-          <p:cNvPr id="154" name=""/>
-          <p:cNvSpPr/>
-          <p:nvPr/>
-        </p:nvSpPr>
-        <p:spPr>
-          <a:xfrm>
-            <a:off x="8458200" y="2514600"/>
-            <a:ext cx="457200" cy="685800"/>
-          </a:xfrm>
-          <a:prstGeom prst="line">
-            <a:avLst/>
-          </a:prstGeom>
-          <a:ln w="0">
-            <a:solidFill>
-              <a:srgbClr val="3465a4"/>
-            </a:solidFill>
-          </a:ln>
-        </p:spPr>
-        <p:style>
-          <a:lnRef idx="0"/>
-          <a:fillRef idx="0"/>
-          <a:effectRef idx="0"/>
-          <a:fontRef idx="minor"/>
-        </p:style>
-      </p:sp>
-      <p:sp>
-        <p:nvSpPr>
-          <p:cNvPr id="155" name=""/>
-          <p:cNvSpPr/>
-          <p:nvPr/>
-        </p:nvSpPr>
-        <p:spPr>
-          <a:xfrm>
-            <a:off x="8073000" y="2057400"/>
-            <a:ext cx="913680" cy="288000"/>
-          </a:xfrm>
-          <a:prstGeom prst="rect">
-            <a:avLst/>
-          </a:prstGeom>
-          <a:noFill/>
-          <a:ln w="0">
-            <a:noFill/>
-          </a:ln>
-        </p:spPr>
-        <p:style>
-          <a:lnRef idx="0"/>
-          <a:fillRef idx="0"/>
-          <a:effectRef idx="0"/>
-          <a:fontRef idx="minor"/>
-        </p:style>
-        <p:txBody>
-          <a:bodyPr lIns="90000" rIns="90000" tIns="45000" bIns="45000" anchor="t">
-            <a:noAutofit/>
-          </a:bodyPr>
-          <a:p>
-            <a:pPr>
-              <a:lnSpc>
-                <a:spcPct val="100000"/>
-              </a:lnSpc>
-            </a:pPr>
-            <a:r>
-              <a:rPr b="0" lang="en-US" sz="1400" spc="-1" strike="noStrike">
-                <a:solidFill>
-                  <a:srgbClr val="000000"/>
-                </a:solidFill>
-                <a:latin typeface="Arial"/>
-                <a:ea typeface="DejaVu Sans"/>
-              </a:rPr>
-              <a:t>B</a:t>
-            </a:r>
-            <a:endParaRPr b="0" lang="en-US" sz="1400" spc="-1" strike="noStrike">
-              <a:latin typeface="Arial"/>
-            </a:endParaRPr>
-          </a:p>
-        </p:txBody>
-      </p:sp>
-      <p:sp>
-        <p:nvSpPr>
-          <p:cNvPr id="156" name=""/>
-          <p:cNvSpPr/>
-          <p:nvPr/>
-        </p:nvSpPr>
-        <p:spPr>
-          <a:xfrm>
-            <a:off x="7243200" y="3176280"/>
-            <a:ext cx="913680" cy="288000"/>
-          </a:xfrm>
-          <a:prstGeom prst="rect">
-            <a:avLst/>
-          </a:prstGeom>
-          <a:noFill/>
-          <a:ln w="0">
-            <a:noFill/>
-          </a:ln>
-        </p:spPr>
-        <p:style>
-          <a:lnRef idx="0"/>
-          <a:fillRef idx="0"/>
-          <a:effectRef idx="0"/>
-          <a:fontRef idx="minor"/>
-        </p:style>
-        <p:txBody>
-          <a:bodyPr lIns="90000" rIns="90000" tIns="45000" bIns="45000" anchor="t">
-            <a:noAutofit/>
-          </a:bodyPr>
-          <a:p>
-            <a:pPr>
-              <a:lnSpc>
-                <a:spcPct val="100000"/>
-              </a:lnSpc>
-            </a:pPr>
-            <a:r>
-              <a:rPr b="0" lang="en-US" sz="1400" spc="-1" strike="noStrike">
-                <a:solidFill>
-                  <a:srgbClr val="000000"/>
-                </a:solidFill>
-                <a:latin typeface="Arial"/>
-                <a:ea typeface="DejaVu Sans"/>
-              </a:rPr>
-              <a:t>S1</a:t>
-            </a:r>
-            <a:endParaRPr b="0" lang="en-US" sz="1400" spc="-1" strike="noStrike">
-              <a:latin typeface="Arial"/>
-            </a:endParaRPr>
-          </a:p>
-        </p:txBody>
-      </p:sp>
-      <p:sp>
-        <p:nvSpPr>
-          <p:cNvPr id="157" name=""/>
-          <p:cNvSpPr/>
-          <p:nvPr/>
-        </p:nvSpPr>
-        <p:spPr>
-          <a:xfrm>
-            <a:off x="8071200" y="3176280"/>
-            <a:ext cx="913680" cy="288000"/>
-          </a:xfrm>
-          <a:prstGeom prst="rect">
-            <a:avLst/>
-          </a:prstGeom>
-          <a:noFill/>
-          <a:ln w="0">
-            <a:noFill/>
-          </a:ln>
-        </p:spPr>
-        <p:style>
-          <a:lnRef idx="0"/>
-          <a:fillRef idx="0"/>
-          <a:effectRef idx="0"/>
-          <a:fontRef idx="minor"/>
-        </p:style>
-        <p:txBody>
-          <a:bodyPr lIns="90000" rIns="90000" tIns="45000" bIns="45000" anchor="t">
-            <a:noAutofit/>
-          </a:bodyPr>
-          <a:p>
-            <a:pPr>
-              <a:lnSpc>
-                <a:spcPct val="100000"/>
-              </a:lnSpc>
-            </a:pPr>
-            <a:r>
-              <a:rPr b="0" lang="en-US" sz="1400" spc="-1" strike="noStrike">
-                <a:solidFill>
-                  <a:srgbClr val="000000"/>
-                </a:solidFill>
-                <a:latin typeface="Arial"/>
-                <a:ea typeface="DejaVu Sans"/>
-              </a:rPr>
-              <a:t>S2</a:t>
-            </a:r>
-            <a:endParaRPr b="0" lang="en-US" sz="1400" spc="-1" strike="noStrike">
-              <a:latin typeface="Arial"/>
-            </a:endParaRPr>
-          </a:p>
-        </p:txBody>
-      </p:sp>
-      <p:sp>
-        <p:nvSpPr>
-          <p:cNvPr id="158" name=""/>
-          <p:cNvSpPr/>
-          <p:nvPr/>
-        </p:nvSpPr>
-        <p:spPr>
-          <a:xfrm>
-            <a:off x="7315200" y="3814200"/>
-            <a:ext cx="1686240" cy="1686240"/>
-          </a:xfrm>
-          <a:prstGeom prst="ellipse">
-            <a:avLst/>
-          </a:prstGeom>
-          <a:solidFill>
-            <a:srgbClr val="729fcf"/>
-          </a:solidFill>
-          <a:ln w="0">
-            <a:solidFill>
-              <a:srgbClr val="3465a4"/>
-            </a:solidFill>
-          </a:ln>
-        </p:spPr>
-        <p:style>
-          <a:lnRef idx="0"/>
-          <a:fillRef idx="0"/>
-          <a:effectRef idx="0"/>
-          <a:fontRef idx="minor"/>
-        </p:style>
-      </p:sp>
-      <p:sp>
-        <p:nvSpPr>
-          <p:cNvPr id="159" name=""/>
-          <p:cNvSpPr/>
-          <p:nvPr/>
-        </p:nvSpPr>
-        <p:spPr>
-          <a:xfrm>
-            <a:off x="7459560" y="4187160"/>
-            <a:ext cx="685080" cy="685080"/>
-          </a:xfrm>
-          <a:prstGeom prst="ellipse">
-            <a:avLst/>
-          </a:prstGeom>
-          <a:solidFill>
-            <a:srgbClr val="729fcf"/>
-          </a:solidFill>
-          <a:ln w="0">
-            <a:solidFill>
-              <a:srgbClr val="3465a4"/>
-            </a:solidFill>
-          </a:ln>
-        </p:spPr>
-        <p:style>
-          <a:lnRef idx="0"/>
-          <a:fillRef idx="0"/>
-          <a:effectRef idx="0"/>
-          <a:fontRef idx="minor"/>
-        </p:style>
-      </p:sp>
-      <p:sp>
-        <p:nvSpPr>
-          <p:cNvPr id="160" name=""/>
-          <p:cNvSpPr/>
-          <p:nvPr/>
-        </p:nvSpPr>
-        <p:spPr>
-          <a:xfrm>
-            <a:off x="8157960" y="4536000"/>
-            <a:ext cx="685080" cy="685080"/>
-          </a:xfrm>
-          <a:prstGeom prst="ellipse">
-            <a:avLst/>
-          </a:prstGeom>
-          <a:solidFill>
-            <a:srgbClr val="729fcf"/>
-          </a:solidFill>
-          <a:ln w="0">
-            <a:solidFill>
-              <a:srgbClr val="3465a4"/>
-            </a:solidFill>
-          </a:ln>
-        </p:spPr>
-        <p:style>
-          <a:lnRef idx="0"/>
-          <a:fillRef idx="0"/>
-          <a:effectRef idx="0"/>
-          <a:fontRef idx="minor"/>
-        </p:style>
-      </p:sp>
-      <p:sp>
-        <p:nvSpPr>
-          <p:cNvPr id="161" name=""/>
-          <p:cNvSpPr/>
-          <p:nvPr/>
-        </p:nvSpPr>
-        <p:spPr>
-          <a:xfrm>
-            <a:off x="7616160" y="4379400"/>
-            <a:ext cx="913680" cy="288000"/>
-          </a:xfrm>
-          <a:prstGeom prst="rect">
-            <a:avLst/>
-          </a:prstGeom>
-          <a:noFill/>
-          <a:ln w="0">
-            <a:noFill/>
-          </a:ln>
-        </p:spPr>
-        <p:style>
-          <a:lnRef idx="0"/>
-          <a:fillRef idx="0"/>
-          <a:effectRef idx="0"/>
-          <a:fontRef idx="minor"/>
-        </p:style>
-        <p:txBody>
-          <a:bodyPr lIns="90000" rIns="90000" tIns="45000" bIns="45000" anchor="t">
-            <a:noAutofit/>
-          </a:bodyPr>
-          <a:p>
-            <a:pPr>
-              <a:lnSpc>
-                <a:spcPct val="100000"/>
-              </a:lnSpc>
-            </a:pPr>
-            <a:r>
-              <a:rPr b="0" lang="en-US" sz="1400" spc="-1" strike="noStrike">
-                <a:solidFill>
-                  <a:srgbClr val="000000"/>
-                </a:solidFill>
-                <a:latin typeface="Arial"/>
-                <a:ea typeface="DejaVu Sans"/>
-              </a:rPr>
-              <a:t>S1</a:t>
-            </a:r>
-            <a:endParaRPr b="0" lang="en-US" sz="1400" spc="-1" strike="noStrike">
-              <a:latin typeface="Arial"/>
-            </a:endParaRPr>
-          </a:p>
-        </p:txBody>
-      </p:sp>
-      <p:sp>
-        <p:nvSpPr>
-          <p:cNvPr id="162" name=""/>
-          <p:cNvSpPr/>
-          <p:nvPr/>
-        </p:nvSpPr>
-        <p:spPr>
-          <a:xfrm>
-            <a:off x="8071200" y="3176280"/>
-            <a:ext cx="913680" cy="288000"/>
-          </a:xfrm>
-          <a:prstGeom prst="rect">
-            <a:avLst/>
-          </a:prstGeom>
-          <a:noFill/>
-          <a:ln w="0">
-            <a:noFill/>
-          </a:ln>
-        </p:spPr>
-        <p:style>
-          <a:lnRef idx="0"/>
-          <a:fillRef idx="0"/>
-          <a:effectRef idx="0"/>
-          <a:fontRef idx="minor"/>
-        </p:style>
-        <p:txBody>
-          <a:bodyPr lIns="90000" rIns="90000" tIns="45000" bIns="45000" anchor="t">
-            <a:noAutofit/>
-          </a:bodyPr>
-          <a:p>
-            <a:pPr>
-              <a:lnSpc>
-                <a:spcPct val="100000"/>
-              </a:lnSpc>
-            </a:pPr>
-            <a:r>
-              <a:rPr b="0" lang="en-US" sz="1400" spc="-1" strike="noStrike">
-                <a:solidFill>
-                  <a:srgbClr val="000000"/>
-                </a:solidFill>
-                <a:latin typeface="Arial"/>
-                <a:ea typeface="DejaVu Sans"/>
-              </a:rPr>
-              <a:t>S2</a:t>
-            </a:r>
-            <a:endParaRPr b="0" lang="en-US" sz="1400" spc="-1" strike="noStrike">
-              <a:latin typeface="Arial"/>
-            </a:endParaRPr>
-          </a:p>
-        </p:txBody>
-      </p:sp>
-      <p:sp>
-        <p:nvSpPr>
-          <p:cNvPr id="163" name=""/>
-          <p:cNvSpPr/>
-          <p:nvPr/>
-        </p:nvSpPr>
-        <p:spPr>
-          <a:xfrm>
-            <a:off x="8323200" y="4724280"/>
-            <a:ext cx="913680" cy="288000"/>
-          </a:xfrm>
-          <a:prstGeom prst="rect">
-            <a:avLst/>
-          </a:prstGeom>
-          <a:noFill/>
-          <a:ln w="0">
-            <a:noFill/>
-          </a:ln>
-        </p:spPr>
-        <p:style>
-          <a:lnRef idx="0"/>
-          <a:fillRef idx="0"/>
-          <a:effectRef idx="0"/>
-          <a:fontRef idx="minor"/>
-        </p:style>
-        <p:txBody>
-          <a:bodyPr lIns="90000" rIns="90000" tIns="45000" bIns="45000" anchor="t">
-            <a:noAutofit/>
-          </a:bodyPr>
-          <a:p>
-            <a:pPr>
-              <a:lnSpc>
-                <a:spcPct val="100000"/>
-              </a:lnSpc>
-            </a:pPr>
-            <a:r>
-              <a:rPr b="0" lang="en-US" sz="1400" spc="-1" strike="noStrike">
-                <a:solidFill>
-                  <a:srgbClr val="000000"/>
-                </a:solidFill>
-                <a:latin typeface="Arial"/>
-                <a:ea typeface="DejaVu Sans"/>
-              </a:rPr>
-              <a:t>S2</a:t>
-            </a:r>
-            <a:endParaRPr b="0" lang="en-US" sz="1400" spc="-1" strike="noStrike">
-              <a:latin typeface="Arial"/>
-            </a:endParaRPr>
-          </a:p>
-        </p:txBody>
-      </p:sp>
-      <p:sp>
-        <p:nvSpPr>
-          <p:cNvPr id="164" name=""/>
-          <p:cNvSpPr/>
-          <p:nvPr/>
-        </p:nvSpPr>
-        <p:spPr>
-          <a:xfrm>
-            <a:off x="8289000" y="4001400"/>
-            <a:ext cx="913680" cy="288000"/>
-          </a:xfrm>
-          <a:prstGeom prst="rect">
-            <a:avLst/>
-          </a:prstGeom>
-          <a:noFill/>
-          <a:ln w="0">
-            <a:noFill/>
-          </a:ln>
-        </p:spPr>
-        <p:style>
-          <a:lnRef idx="0"/>
-          <a:fillRef idx="0"/>
-          <a:effectRef idx="0"/>
-          <a:fontRef idx="minor"/>
-        </p:style>
-        <p:txBody>
-          <a:bodyPr lIns="90000" rIns="90000" tIns="45000" bIns="45000" anchor="t">
-            <a:noAutofit/>
-          </a:bodyPr>
-          <a:p>
-            <a:pPr>
-              <a:lnSpc>
-                <a:spcPct val="100000"/>
-              </a:lnSpc>
-            </a:pPr>
-            <a:r>
-              <a:rPr b="0" lang="en-US" sz="1400" spc="-1" strike="noStrike">
-                <a:solidFill>
-                  <a:srgbClr val="000000"/>
-                </a:solidFill>
-                <a:latin typeface="Arial"/>
-                <a:ea typeface="DejaVu Sans"/>
-              </a:rPr>
-              <a:t>B</a:t>
-            </a:r>
-            <a:endParaRPr b="0" lang="en-US" sz="1400" spc="-1" strike="noStrike">
-              <a:latin typeface="Arial"/>
-            </a:endParaRPr>
-          </a:p>
-        </p:txBody>
-      </p:sp>
+        </p:nvPicPr>
+        <p:blipFill>
+          <a:blip r:embed="rId3"/>
+          <a:stretch/>
+        </p:blipFill>
+        <p:spPr>
+          <a:xfrm>
+            <a:off x="457200" y="3200400"/>
+            <a:ext cx="6192360" cy="2056320"/>
+          </a:xfrm>
+          <a:prstGeom prst="rect">
+            <a:avLst/>
+          </a:prstGeom>
+          <a:ln w="0">
+            <a:noFill/>
+          </a:ln>
+        </p:spPr>
+      </p:pic>
     </p:spTree>
   </p:cSld>
   <mc:AlternateContent>
@@ -7583,7 +6844,7 @@
       </p:grpSpPr>
       <p:sp>
         <p:nvSpPr>
-          <p:cNvPr id="165" name="PlaceHolder 1"/>
+          <p:cNvPr id="149" name="PlaceHolder 1"/>
           <p:cNvSpPr>
             <a:spLocks noGrp="1"/>
           </p:cNvSpPr>
@@ -7594,7 +6855,7 @@
         <p:spPr>
           <a:xfrm>
             <a:off x="504000" y="226080"/>
-            <a:ext cx="9070920" cy="945720"/>
+            <a:ext cx="9070560" cy="945360"/>
           </a:xfrm>
           <a:prstGeom prst="rect">
             <a:avLst/>
@@ -7628,704 +6889,138 @@
       </p:sp>
       <p:sp>
         <p:nvSpPr>
-          <p:cNvPr id="166" name=""/>
-          <p:cNvSpPr/>
+          <p:cNvPr id="150" name="PlaceHolder 2"/>
+          <p:cNvSpPr>
+            <a:spLocks noGrp="1"/>
+          </p:cNvSpPr>
+          <p:nvPr>
+            <p:ph/>
+          </p:nvPr>
+        </p:nvSpPr>
+        <p:spPr>
+          <a:xfrm>
+            <a:off x="504000" y="1326600"/>
+            <a:ext cx="9070560" cy="3287160"/>
+          </a:xfrm>
+          <a:prstGeom prst="rect">
+            <a:avLst/>
+          </a:prstGeom>
+          <a:noFill/>
+          <a:ln w="0">
+            <a:noFill/>
+          </a:ln>
+        </p:spPr>
+        <p:txBody>
+          <a:bodyPr lIns="0" rIns="0" tIns="0" bIns="0" anchor="t">
+            <a:normAutofit/>
+          </a:bodyPr>
+          <a:p>
+            <a:pPr marL="432000" indent="-324000">
+              <a:lnSpc>
+                <a:spcPct val="100000"/>
+              </a:lnSpc>
+              <a:spcBef>
+                <a:spcPts val="615"/>
+              </a:spcBef>
+              <a:buClr>
+                <a:srgbClr val="000000"/>
+              </a:buClr>
+              <a:buSzPct val="45000"/>
+              <a:buFont typeface="Wingdings" charset="2"/>
+              <a:buChar char=""/>
+              <a:tabLst>
+                <a:tab algn="l" pos="408240"/>
+              </a:tabLst>
+            </a:pPr>
+            <a:r>
+              <a:rPr b="0" lang="en-US" sz="1400" spc="-1" strike="noStrike">
+                <a:latin typeface="Arial"/>
+              </a:rPr>
+              <a:t>The handleClick function creates a copy of the squares array (nextSquares) with the JavaScript slice() Array method. Then, handleClick updates the nextSquares array to add X to the first ([0] index) square.</a:t>
+            </a:r>
+            <a:endParaRPr b="0" lang="en-US" sz="1400" spc="-1" strike="noStrike">
+              <a:latin typeface="Arial"/>
+            </a:endParaRPr>
+          </a:p>
+          <a:p>
+            <a:pPr marL="432000" indent="-324000">
+              <a:lnSpc>
+                <a:spcPct val="100000"/>
+              </a:lnSpc>
+              <a:spcBef>
+                <a:spcPts val="615"/>
+              </a:spcBef>
+              <a:buClr>
+                <a:srgbClr val="000000"/>
+              </a:buClr>
+              <a:buSzPct val="45000"/>
+              <a:buFont typeface="Wingdings" charset="2"/>
+              <a:buChar char=""/>
+              <a:tabLst>
+                <a:tab algn="l" pos="408240"/>
+              </a:tabLst>
+            </a:pPr>
+            <a:r>
+              <a:rPr b="0" lang="en-US" sz="1400" spc="-1" strike="noStrike">
+                <a:latin typeface="Arial"/>
+              </a:rPr>
+              <a:t>Calling the setSquares function lets React know </a:t>
+            </a:r>
+            <a:r>
+              <a:rPr b="0" lang="en-US" sz="1400" spc="-1" strike="noStrike" u="sng">
+                <a:uFillTx/>
+                <a:latin typeface="Arial"/>
+              </a:rPr>
+              <a:t>the state of the component has changed</a:t>
+            </a:r>
+            <a:r>
+              <a:rPr b="0" lang="en-US" sz="1400" spc="-1" strike="noStrike">
+                <a:latin typeface="Arial"/>
+              </a:rPr>
+              <a:t>. This will trigger a </a:t>
+            </a:r>
+            <a:r>
+              <a:rPr b="1" lang="en-US" sz="1400" spc="-1" strike="noStrike" u="sng">
+                <a:uFillTx/>
+                <a:latin typeface="Arial"/>
+              </a:rPr>
+              <a:t>re-render of the components that use the squares state</a:t>
+            </a:r>
+            <a:r>
+              <a:rPr b="0" lang="en-US" sz="1400" spc="-1" strike="noStrike">
+                <a:latin typeface="Arial"/>
+              </a:rPr>
+              <a:t> (Board) as well as its child components (the Square components that make up the board).</a:t>
+            </a:r>
+            <a:endParaRPr b="0" lang="en-US" sz="1400" spc="-1" strike="noStrike">
+              <a:latin typeface="Arial"/>
+            </a:endParaRPr>
+          </a:p>
+        </p:txBody>
+      </p:sp>
+      <p:pic>
+        <p:nvPicPr>
+          <p:cNvPr id="151" name="" descr=""/>
+          <p:cNvPicPr/>
           <p:nvPr/>
-        </p:nvSpPr>
-        <p:spPr>
-          <a:xfrm>
-            <a:off x="1143000" y="1371600"/>
-            <a:ext cx="5028480" cy="5918400"/>
-          </a:xfrm>
-          <a:prstGeom prst="rect">
-            <a:avLst/>
-          </a:prstGeom>
-          <a:noFill/>
-          <a:ln w="0">
-            <a:noFill/>
-          </a:ln>
-        </p:spPr>
-        <p:style>
-          <a:lnRef idx="0"/>
-          <a:fillRef idx="0"/>
-          <a:effectRef idx="0"/>
-          <a:fontRef idx="minor"/>
-        </p:style>
-        <p:txBody>
-          <a:bodyPr lIns="90000" rIns="90000" tIns="45000" bIns="45000" anchor="t">
-            <a:noAutofit/>
-          </a:bodyPr>
-          <a:p>
-            <a:pPr>
-              <a:lnSpc>
-                <a:spcPct val="100000"/>
-              </a:lnSpc>
-            </a:pPr>
-            <a:r>
-              <a:rPr b="0" lang="en-US" sz="1800" spc="-1" strike="noStrike">
-                <a:solidFill>
-                  <a:srgbClr val="000000"/>
-                </a:solidFill>
-                <a:latin typeface="Arial"/>
-                <a:ea typeface="DejaVu Sans"/>
-              </a:rPr>
-              <a:t>- Now that your state handling is in the Board component, the parent Board component passes props to the child Square components so that they can be displayed correctly. </a:t>
-            </a:r>
-            <a:endParaRPr b="0" lang="en-US" sz="1800" spc="-1" strike="noStrike">
-              <a:latin typeface="Arial"/>
-            </a:endParaRPr>
-          </a:p>
-          <a:p>
-            <a:pPr>
-              <a:lnSpc>
-                <a:spcPct val="100000"/>
-              </a:lnSpc>
-            </a:pPr>
-            <a:r>
-              <a:rPr b="0" lang="en-US" sz="1800" spc="-1" strike="noStrike">
-                <a:solidFill>
-                  <a:srgbClr val="000000"/>
-                </a:solidFill>
-                <a:latin typeface="Arial"/>
-                <a:ea typeface="DejaVu Sans"/>
-              </a:rPr>
-              <a:t>- When clicking on a Square, the child Square component now asks the parent Board component to update the state of the board. </a:t>
-            </a:r>
-            <a:endParaRPr b="0" lang="en-US" sz="1800" spc="-1" strike="noStrike">
-              <a:latin typeface="Arial"/>
-            </a:endParaRPr>
-          </a:p>
-          <a:p>
-            <a:pPr>
-              <a:lnSpc>
-                <a:spcPct val="100000"/>
-              </a:lnSpc>
-            </a:pPr>
-            <a:endParaRPr b="0" lang="en-US" sz="1800" spc="-1" strike="noStrike">
-              <a:latin typeface="Arial"/>
-            </a:endParaRPr>
-          </a:p>
-        </p:txBody>
-      </p:sp>
-      <p:sp>
-        <p:nvSpPr>
-          <p:cNvPr id="167" name=""/>
-          <p:cNvSpPr/>
-          <p:nvPr/>
-        </p:nvSpPr>
-        <p:spPr>
-          <a:xfrm>
-            <a:off x="7880400" y="1864800"/>
-            <a:ext cx="685080" cy="685080"/>
-          </a:xfrm>
-          <a:prstGeom prst="ellipse">
-            <a:avLst/>
-          </a:prstGeom>
-          <a:solidFill>
-            <a:srgbClr val="729fcf"/>
-          </a:solidFill>
-          <a:ln w="0">
-            <a:solidFill>
-              <a:srgbClr val="3465a4"/>
-            </a:solidFill>
-          </a:ln>
-        </p:spPr>
-        <p:style>
-          <a:lnRef idx="0"/>
-          <a:fillRef idx="0"/>
-          <a:effectRef idx="0"/>
-          <a:fontRef idx="minor"/>
-        </p:style>
-      </p:sp>
-      <p:sp>
-        <p:nvSpPr>
-          <p:cNvPr id="168" name=""/>
-          <p:cNvSpPr/>
-          <p:nvPr/>
-        </p:nvSpPr>
-        <p:spPr>
-          <a:xfrm>
-            <a:off x="7086600" y="2971800"/>
-            <a:ext cx="685080" cy="685080"/>
-          </a:xfrm>
-          <a:prstGeom prst="ellipse">
-            <a:avLst/>
-          </a:prstGeom>
-          <a:solidFill>
-            <a:srgbClr val="729fcf"/>
-          </a:solidFill>
-          <a:ln w="0">
-            <a:solidFill>
-              <a:srgbClr val="3465a4"/>
-            </a:solidFill>
-          </a:ln>
-        </p:spPr>
-        <p:style>
-          <a:lnRef idx="0"/>
-          <a:fillRef idx="0"/>
-          <a:effectRef idx="0"/>
-          <a:fontRef idx="minor"/>
-        </p:style>
-      </p:sp>
-      <p:sp>
-        <p:nvSpPr>
-          <p:cNvPr id="169" name=""/>
-          <p:cNvSpPr/>
-          <p:nvPr/>
-        </p:nvSpPr>
-        <p:spPr>
-          <a:xfrm>
-            <a:off x="7914600" y="3007800"/>
-            <a:ext cx="685080" cy="685080"/>
-          </a:xfrm>
-          <a:prstGeom prst="ellipse">
-            <a:avLst/>
-          </a:prstGeom>
-          <a:solidFill>
-            <a:srgbClr val="ff0000"/>
-          </a:solidFill>
-          <a:ln w="0">
-            <a:solidFill>
-              <a:srgbClr val="3465a4"/>
-            </a:solidFill>
-          </a:ln>
-        </p:spPr>
-        <p:style>
-          <a:lnRef idx="0"/>
-          <a:fillRef idx="0"/>
-          <a:effectRef idx="0"/>
-          <a:fontRef idx="minor"/>
-        </p:style>
-      </p:sp>
-      <p:sp>
-        <p:nvSpPr>
-          <p:cNvPr id="170" name=""/>
-          <p:cNvSpPr/>
-          <p:nvPr/>
-        </p:nvSpPr>
-        <p:spPr>
-          <a:xfrm flipH="1">
-            <a:off x="7543800" y="2514600"/>
-            <a:ext cx="457200" cy="457200"/>
-          </a:xfrm>
-          <a:prstGeom prst="line">
-            <a:avLst/>
-          </a:prstGeom>
-          <a:ln w="0">
-            <a:solidFill>
-              <a:srgbClr val="3465a4"/>
-            </a:solidFill>
-          </a:ln>
-        </p:spPr>
-        <p:style>
-          <a:lnRef idx="0"/>
-          <a:fillRef idx="0"/>
-          <a:effectRef idx="0"/>
-          <a:fontRef idx="minor"/>
-        </p:style>
-      </p:sp>
-      <p:sp>
-        <p:nvSpPr>
-          <p:cNvPr id="171" name=""/>
-          <p:cNvSpPr/>
-          <p:nvPr/>
-        </p:nvSpPr>
-        <p:spPr>
-          <a:xfrm>
-            <a:off x="8229600" y="2550600"/>
-            <a:ext cx="360" cy="457200"/>
-          </a:xfrm>
-          <a:prstGeom prst="line">
-            <a:avLst/>
-          </a:prstGeom>
-          <a:ln w="0">
-            <a:solidFill>
-              <a:srgbClr val="3465a4"/>
-            </a:solidFill>
-            <a:prstDash val="sysDash"/>
-          </a:ln>
-        </p:spPr>
-        <p:style>
-          <a:lnRef idx="0"/>
-          <a:fillRef idx="0"/>
-          <a:effectRef idx="0"/>
-          <a:fontRef idx="minor"/>
-        </p:style>
-      </p:sp>
-      <p:sp>
-        <p:nvSpPr>
-          <p:cNvPr id="172" name=""/>
-          <p:cNvSpPr/>
-          <p:nvPr/>
-        </p:nvSpPr>
-        <p:spPr>
-          <a:xfrm>
-            <a:off x="8915400" y="3200400"/>
-            <a:ext cx="1370880" cy="288000"/>
-          </a:xfrm>
-          <a:prstGeom prst="rect">
-            <a:avLst/>
-          </a:prstGeom>
-          <a:noFill/>
-          <a:ln w="0">
-            <a:noFill/>
-          </a:ln>
-        </p:spPr>
-        <p:style>
-          <a:lnRef idx="0"/>
-          <a:fillRef idx="0"/>
-          <a:effectRef idx="0"/>
-          <a:fontRef idx="minor"/>
-        </p:style>
-        <p:txBody>
-          <a:bodyPr lIns="90000" rIns="90000" tIns="45000" bIns="45000" anchor="t">
-            <a:noAutofit/>
-          </a:bodyPr>
-          <a:p>
-            <a:pPr>
-              <a:lnSpc>
-                <a:spcPct val="100000"/>
-              </a:lnSpc>
-            </a:pPr>
-            <a:r>
-              <a:rPr b="0" lang="en-US" sz="1400" spc="-1" strike="noStrike">
-                <a:solidFill>
-                  <a:srgbClr val="000000"/>
-                </a:solidFill>
-                <a:latin typeface="Arial"/>
-                <a:ea typeface="DejaVu Sans"/>
-              </a:rPr>
-              <a:t>...</a:t>
-            </a:r>
-            <a:endParaRPr b="0" lang="en-US" sz="1400" spc="-1" strike="noStrike">
-              <a:latin typeface="Arial"/>
-            </a:endParaRPr>
-          </a:p>
-        </p:txBody>
-      </p:sp>
-      <p:sp>
-        <p:nvSpPr>
-          <p:cNvPr id="173" name=""/>
-          <p:cNvSpPr/>
-          <p:nvPr/>
-        </p:nvSpPr>
-        <p:spPr>
-          <a:xfrm>
-            <a:off x="8458200" y="2514600"/>
-            <a:ext cx="457200" cy="685800"/>
-          </a:xfrm>
-          <a:prstGeom prst="line">
-            <a:avLst/>
-          </a:prstGeom>
-          <a:ln w="0">
-            <a:solidFill>
-              <a:srgbClr val="3465a4"/>
-            </a:solidFill>
-          </a:ln>
-        </p:spPr>
-        <p:style>
-          <a:lnRef idx="0"/>
-          <a:fillRef idx="0"/>
-          <a:effectRef idx="0"/>
-          <a:fontRef idx="minor"/>
-        </p:style>
-      </p:sp>
-      <p:sp>
-        <p:nvSpPr>
-          <p:cNvPr id="174" name=""/>
-          <p:cNvSpPr/>
-          <p:nvPr/>
-        </p:nvSpPr>
-        <p:spPr>
-          <a:xfrm>
-            <a:off x="8073000" y="2057400"/>
-            <a:ext cx="913680" cy="288000"/>
-          </a:xfrm>
-          <a:prstGeom prst="rect">
-            <a:avLst/>
-          </a:prstGeom>
-          <a:noFill/>
-          <a:ln w="0">
-            <a:noFill/>
-          </a:ln>
-        </p:spPr>
-        <p:style>
-          <a:lnRef idx="0"/>
-          <a:fillRef idx="0"/>
-          <a:effectRef idx="0"/>
-          <a:fontRef idx="minor"/>
-        </p:style>
-        <p:txBody>
-          <a:bodyPr lIns="90000" rIns="90000" tIns="45000" bIns="45000" anchor="t">
-            <a:noAutofit/>
-          </a:bodyPr>
-          <a:p>
-            <a:pPr>
-              <a:lnSpc>
-                <a:spcPct val="100000"/>
-              </a:lnSpc>
-            </a:pPr>
-            <a:r>
-              <a:rPr b="0" lang="en-US" sz="1400" spc="-1" strike="noStrike">
-                <a:solidFill>
-                  <a:srgbClr val="000000"/>
-                </a:solidFill>
-                <a:latin typeface="Arial"/>
-                <a:ea typeface="DejaVu Sans"/>
-              </a:rPr>
-              <a:t>B</a:t>
-            </a:r>
-            <a:endParaRPr b="0" lang="en-US" sz="1400" spc="-1" strike="noStrike">
-              <a:latin typeface="Arial"/>
-            </a:endParaRPr>
-          </a:p>
-        </p:txBody>
-      </p:sp>
-      <p:sp>
-        <p:nvSpPr>
-          <p:cNvPr id="175" name=""/>
-          <p:cNvSpPr/>
-          <p:nvPr/>
-        </p:nvSpPr>
-        <p:spPr>
-          <a:xfrm>
-            <a:off x="7243200" y="3176280"/>
-            <a:ext cx="913680" cy="288000"/>
-          </a:xfrm>
-          <a:prstGeom prst="rect">
-            <a:avLst/>
-          </a:prstGeom>
-          <a:noFill/>
-          <a:ln w="0">
-            <a:noFill/>
-          </a:ln>
-        </p:spPr>
-        <p:style>
-          <a:lnRef idx="0"/>
-          <a:fillRef idx="0"/>
-          <a:effectRef idx="0"/>
-          <a:fontRef idx="minor"/>
-        </p:style>
-        <p:txBody>
-          <a:bodyPr lIns="90000" rIns="90000" tIns="45000" bIns="45000" anchor="t">
-            <a:noAutofit/>
-          </a:bodyPr>
-          <a:p>
-            <a:pPr>
-              <a:lnSpc>
-                <a:spcPct val="100000"/>
-              </a:lnSpc>
-            </a:pPr>
-            <a:r>
-              <a:rPr b="0" lang="en-US" sz="1400" spc="-1" strike="noStrike">
-                <a:solidFill>
-                  <a:srgbClr val="000000"/>
-                </a:solidFill>
-                <a:latin typeface="Arial"/>
-                <a:ea typeface="DejaVu Sans"/>
-              </a:rPr>
-              <a:t>S1</a:t>
-            </a:r>
-            <a:endParaRPr b="0" lang="en-US" sz="1400" spc="-1" strike="noStrike">
-              <a:latin typeface="Arial"/>
-            </a:endParaRPr>
-          </a:p>
-        </p:txBody>
-      </p:sp>
-      <p:sp>
-        <p:nvSpPr>
-          <p:cNvPr id="176" name=""/>
-          <p:cNvSpPr/>
-          <p:nvPr/>
-        </p:nvSpPr>
-        <p:spPr>
-          <a:xfrm>
-            <a:off x="8071200" y="3176280"/>
-            <a:ext cx="913680" cy="288000"/>
-          </a:xfrm>
-          <a:prstGeom prst="rect">
-            <a:avLst/>
-          </a:prstGeom>
-          <a:noFill/>
-          <a:ln w="0">
-            <a:noFill/>
-          </a:ln>
-        </p:spPr>
-        <p:style>
-          <a:lnRef idx="0"/>
-          <a:fillRef idx="0"/>
-          <a:effectRef idx="0"/>
-          <a:fontRef idx="minor"/>
-        </p:style>
-        <p:txBody>
-          <a:bodyPr lIns="90000" rIns="90000" tIns="45000" bIns="45000" anchor="t">
-            <a:noAutofit/>
-          </a:bodyPr>
-          <a:p>
-            <a:pPr>
-              <a:lnSpc>
-                <a:spcPct val="100000"/>
-              </a:lnSpc>
-            </a:pPr>
-            <a:r>
-              <a:rPr b="0" lang="en-US" sz="1400" spc="-1" strike="noStrike">
-                <a:solidFill>
-                  <a:srgbClr val="000000"/>
-                </a:solidFill>
-                <a:latin typeface="Arial"/>
-                <a:ea typeface="DejaVu Sans"/>
-              </a:rPr>
-              <a:t>S2</a:t>
-            </a:r>
-            <a:endParaRPr b="0" lang="en-US" sz="1400" spc="-1" strike="noStrike">
-              <a:latin typeface="Arial"/>
-            </a:endParaRPr>
-          </a:p>
-        </p:txBody>
-      </p:sp>
-      <p:sp>
-        <p:nvSpPr>
-          <p:cNvPr id="177" name=""/>
-          <p:cNvSpPr/>
-          <p:nvPr/>
-        </p:nvSpPr>
-        <p:spPr>
-          <a:xfrm>
-            <a:off x="7314840" y="3814200"/>
-            <a:ext cx="1686240" cy="1686240"/>
-          </a:xfrm>
-          <a:prstGeom prst="ellipse">
-            <a:avLst/>
-          </a:prstGeom>
-          <a:solidFill>
-            <a:srgbClr val="729fcf"/>
-          </a:solidFill>
-          <a:ln w="0">
-            <a:solidFill>
-              <a:srgbClr val="3465a4"/>
-            </a:solidFill>
-          </a:ln>
-        </p:spPr>
-        <p:style>
-          <a:lnRef idx="0"/>
-          <a:fillRef idx="0"/>
-          <a:effectRef idx="0"/>
-          <a:fontRef idx="minor"/>
-        </p:style>
-      </p:sp>
-      <p:sp>
-        <p:nvSpPr>
-          <p:cNvPr id="178" name=""/>
-          <p:cNvSpPr/>
-          <p:nvPr/>
-        </p:nvSpPr>
-        <p:spPr>
-          <a:xfrm>
-            <a:off x="7459200" y="4187160"/>
-            <a:ext cx="685080" cy="685080"/>
-          </a:xfrm>
-          <a:prstGeom prst="ellipse">
-            <a:avLst/>
-          </a:prstGeom>
-          <a:solidFill>
-            <a:srgbClr val="729fcf"/>
-          </a:solidFill>
-          <a:ln w="0">
-            <a:solidFill>
-              <a:srgbClr val="3465a4"/>
-            </a:solidFill>
-          </a:ln>
-        </p:spPr>
-        <p:style>
-          <a:lnRef idx="0"/>
-          <a:fillRef idx="0"/>
-          <a:effectRef idx="0"/>
-          <a:fontRef idx="minor"/>
-        </p:style>
-      </p:sp>
-      <p:sp>
-        <p:nvSpPr>
-          <p:cNvPr id="179" name=""/>
-          <p:cNvSpPr/>
-          <p:nvPr/>
-        </p:nvSpPr>
-        <p:spPr>
-          <a:xfrm>
-            <a:off x="8157600" y="4536000"/>
-            <a:ext cx="685080" cy="685080"/>
-          </a:xfrm>
-          <a:prstGeom prst="ellipse">
-            <a:avLst/>
-          </a:prstGeom>
-          <a:solidFill>
-            <a:srgbClr val="ff0000"/>
-          </a:solidFill>
-          <a:ln w="0">
-            <a:solidFill>
-              <a:srgbClr val="3465a4"/>
-            </a:solidFill>
-          </a:ln>
-        </p:spPr>
-        <p:style>
-          <a:lnRef idx="0"/>
-          <a:fillRef idx="0"/>
-          <a:effectRef idx="0"/>
-          <a:fontRef idx="minor"/>
-        </p:style>
-      </p:sp>
-      <p:sp>
-        <p:nvSpPr>
-          <p:cNvPr id="180" name=""/>
-          <p:cNvSpPr/>
-          <p:nvPr/>
-        </p:nvSpPr>
-        <p:spPr>
-          <a:xfrm>
-            <a:off x="7615800" y="4379400"/>
-            <a:ext cx="913680" cy="288000"/>
-          </a:xfrm>
-          <a:prstGeom prst="rect">
-            <a:avLst/>
-          </a:prstGeom>
-          <a:noFill/>
-          <a:ln w="0">
-            <a:noFill/>
-          </a:ln>
-        </p:spPr>
-        <p:style>
-          <a:lnRef idx="0"/>
-          <a:fillRef idx="0"/>
-          <a:effectRef idx="0"/>
-          <a:fontRef idx="minor"/>
-        </p:style>
-        <p:txBody>
-          <a:bodyPr lIns="90000" rIns="90000" tIns="45000" bIns="45000" anchor="t">
-            <a:noAutofit/>
-          </a:bodyPr>
-          <a:p>
-            <a:pPr>
-              <a:lnSpc>
-                <a:spcPct val="100000"/>
-              </a:lnSpc>
-            </a:pPr>
-            <a:r>
-              <a:rPr b="0" lang="en-US" sz="1400" spc="-1" strike="noStrike">
-                <a:solidFill>
-                  <a:srgbClr val="000000"/>
-                </a:solidFill>
-                <a:latin typeface="Arial"/>
-                <a:ea typeface="DejaVu Sans"/>
-              </a:rPr>
-              <a:t>S1</a:t>
-            </a:r>
-            <a:endParaRPr b="0" lang="en-US" sz="1400" spc="-1" strike="noStrike">
-              <a:latin typeface="Arial"/>
-            </a:endParaRPr>
-          </a:p>
-        </p:txBody>
-      </p:sp>
-      <p:sp>
-        <p:nvSpPr>
-          <p:cNvPr id="181" name=""/>
-          <p:cNvSpPr/>
-          <p:nvPr/>
-        </p:nvSpPr>
-        <p:spPr>
-          <a:xfrm>
-            <a:off x="8322840" y="4724280"/>
-            <a:ext cx="913680" cy="288000"/>
-          </a:xfrm>
-          <a:prstGeom prst="rect">
-            <a:avLst/>
-          </a:prstGeom>
-          <a:noFill/>
-          <a:ln w="0">
-            <a:noFill/>
-          </a:ln>
-        </p:spPr>
-        <p:style>
-          <a:lnRef idx="0"/>
-          <a:fillRef idx="0"/>
-          <a:effectRef idx="0"/>
-          <a:fontRef idx="minor"/>
-        </p:style>
-        <p:txBody>
-          <a:bodyPr lIns="90000" rIns="90000" tIns="45000" bIns="45000" anchor="t">
-            <a:noAutofit/>
-          </a:bodyPr>
-          <a:p>
-            <a:pPr>
-              <a:lnSpc>
-                <a:spcPct val="100000"/>
-              </a:lnSpc>
-            </a:pPr>
-            <a:r>
-              <a:rPr b="0" lang="en-US" sz="1400" spc="-1" strike="noStrike">
-                <a:solidFill>
-                  <a:srgbClr val="000000"/>
-                </a:solidFill>
-                <a:latin typeface="Arial"/>
-                <a:ea typeface="DejaVu Sans"/>
-              </a:rPr>
-              <a:t>S2</a:t>
-            </a:r>
-            <a:endParaRPr b="0" lang="en-US" sz="1400" spc="-1" strike="noStrike">
-              <a:latin typeface="Arial"/>
-            </a:endParaRPr>
-          </a:p>
-        </p:txBody>
-      </p:sp>
-      <p:sp>
-        <p:nvSpPr>
-          <p:cNvPr id="182" name=""/>
-          <p:cNvSpPr/>
-          <p:nvPr/>
-        </p:nvSpPr>
-        <p:spPr>
-          <a:xfrm>
-            <a:off x="8288640" y="4001400"/>
-            <a:ext cx="913680" cy="288000"/>
-          </a:xfrm>
-          <a:prstGeom prst="rect">
-            <a:avLst/>
-          </a:prstGeom>
-          <a:noFill/>
-          <a:ln w="0">
-            <a:noFill/>
-          </a:ln>
-        </p:spPr>
-        <p:style>
-          <a:lnRef idx="0"/>
-          <a:fillRef idx="0"/>
-          <a:effectRef idx="0"/>
-          <a:fontRef idx="minor"/>
-        </p:style>
-        <p:txBody>
-          <a:bodyPr lIns="90000" rIns="90000" tIns="45000" bIns="45000" anchor="t">
-            <a:noAutofit/>
-          </a:bodyPr>
-          <a:p>
-            <a:pPr>
-              <a:lnSpc>
-                <a:spcPct val="100000"/>
-              </a:lnSpc>
-            </a:pPr>
-            <a:r>
-              <a:rPr b="0" lang="en-US" sz="1400" spc="-1" strike="noStrike">
-                <a:solidFill>
-                  <a:srgbClr val="000000"/>
-                </a:solidFill>
-                <a:latin typeface="Arial"/>
-                <a:ea typeface="DejaVu Sans"/>
-              </a:rPr>
-              <a:t>B</a:t>
-            </a:r>
-            <a:endParaRPr b="0" lang="en-US" sz="1400" spc="-1" strike="noStrike">
-              <a:latin typeface="Arial"/>
-            </a:endParaRPr>
-          </a:p>
-        </p:txBody>
-      </p:sp>
+        </p:nvPicPr>
+        <p:blipFill>
+          <a:blip r:embed="rId1"/>
+          <a:stretch/>
+        </p:blipFill>
+        <p:spPr>
+          <a:xfrm>
+            <a:off x="1348200" y="2478600"/>
+            <a:ext cx="7771320" cy="2970720"/>
+          </a:xfrm>
+          <a:prstGeom prst="rect">
+            <a:avLst/>
+          </a:prstGeom>
+          <a:ln w="0">
+            <a:noFill/>
+          </a:ln>
+        </p:spPr>
+      </p:pic>
     </p:spTree>
   </p:cSld>
   <mc:AlternateContent>
@@ -8358,7 +7053,7 @@
       </p:grpSpPr>
       <p:sp>
         <p:nvSpPr>
-          <p:cNvPr id="183" name="PlaceHolder 1"/>
+          <p:cNvPr id="152" name="PlaceHolder 1"/>
           <p:cNvSpPr>
             <a:spLocks noGrp="1"/>
           </p:cNvSpPr>
@@ -8369,7 +7064,7 @@
         <p:spPr>
           <a:xfrm>
             <a:off x="504000" y="226080"/>
-            <a:ext cx="9070920" cy="945720"/>
+            <a:ext cx="9070560" cy="945360"/>
           </a:xfrm>
           <a:prstGeom prst="rect">
             <a:avLst/>
@@ -8403,733 +7098,138 @@
       </p:sp>
       <p:sp>
         <p:nvSpPr>
-          <p:cNvPr id="184" name=""/>
-          <p:cNvSpPr/>
+          <p:cNvPr id="153" name="PlaceHolder 2"/>
+          <p:cNvSpPr>
+            <a:spLocks noGrp="1"/>
+          </p:cNvSpPr>
+          <p:nvPr>
+            <p:ph/>
+          </p:nvPr>
+        </p:nvSpPr>
+        <p:spPr>
+          <a:xfrm>
+            <a:off x="504000" y="1326600"/>
+            <a:ext cx="9070560" cy="3287160"/>
+          </a:xfrm>
+          <a:prstGeom prst="rect">
+            <a:avLst/>
+          </a:prstGeom>
+          <a:noFill/>
+          <a:ln w="0">
+            <a:noFill/>
+          </a:ln>
+        </p:spPr>
+        <p:txBody>
+          <a:bodyPr lIns="0" rIns="0" tIns="0" bIns="0" anchor="t">
+            <a:normAutofit/>
+          </a:bodyPr>
+          <a:p>
+            <a:pPr marL="432000" indent="-324000">
+              <a:lnSpc>
+                <a:spcPct val="100000"/>
+              </a:lnSpc>
+              <a:spcBef>
+                <a:spcPts val="615"/>
+              </a:spcBef>
+              <a:buClr>
+                <a:srgbClr val="000000"/>
+              </a:buClr>
+              <a:buSzPct val="45000"/>
+              <a:buFont typeface="Wingdings" charset="2"/>
+              <a:buChar char=""/>
+              <a:tabLst>
+                <a:tab algn="l" pos="408240"/>
+              </a:tabLst>
+            </a:pPr>
+            <a:r>
+              <a:rPr b="0" lang="en-US" sz="1400" spc="-1" strike="noStrike">
+                <a:latin typeface="Arial"/>
+              </a:rPr>
+              <a:t>The handleClick function creates a copy of the squares array (nextSquares) with the JavaScript slice() Array method. Then, handleClick updates the nextSquares array to add X to the first ([0] index) square.</a:t>
+            </a:r>
+            <a:endParaRPr b="0" lang="en-US" sz="1400" spc="-1" strike="noStrike">
+              <a:latin typeface="Arial"/>
+            </a:endParaRPr>
+          </a:p>
+          <a:p>
+            <a:pPr marL="432000" indent="-324000">
+              <a:lnSpc>
+                <a:spcPct val="100000"/>
+              </a:lnSpc>
+              <a:spcBef>
+                <a:spcPts val="615"/>
+              </a:spcBef>
+              <a:buClr>
+                <a:srgbClr val="000000"/>
+              </a:buClr>
+              <a:buSzPct val="45000"/>
+              <a:buFont typeface="Wingdings" charset="2"/>
+              <a:buChar char=""/>
+              <a:tabLst>
+                <a:tab algn="l" pos="408240"/>
+              </a:tabLst>
+            </a:pPr>
+            <a:r>
+              <a:rPr b="0" lang="en-US" sz="1400" spc="-1" strike="noStrike">
+                <a:latin typeface="Arial"/>
+              </a:rPr>
+              <a:t>Calling the setSquares function lets React know </a:t>
+            </a:r>
+            <a:r>
+              <a:rPr b="0" lang="en-US" sz="1400" spc="-1" strike="noStrike" u="sng">
+                <a:uFillTx/>
+                <a:latin typeface="Arial"/>
+              </a:rPr>
+              <a:t>the state of the component has changed</a:t>
+            </a:r>
+            <a:r>
+              <a:rPr b="0" lang="en-US" sz="1400" spc="-1" strike="noStrike">
+                <a:latin typeface="Arial"/>
+              </a:rPr>
+              <a:t>. This will trigger a </a:t>
+            </a:r>
+            <a:r>
+              <a:rPr b="1" lang="en-US" sz="1400" spc="-1" strike="noStrike" u="sng">
+                <a:uFillTx/>
+                <a:latin typeface="Arial"/>
+              </a:rPr>
+              <a:t>re-render of the components that use the squares state</a:t>
+            </a:r>
+            <a:r>
+              <a:rPr b="0" lang="en-US" sz="1400" spc="-1" strike="noStrike">
+                <a:latin typeface="Arial"/>
+              </a:rPr>
+              <a:t> (Board) as well as its child components (the Square components that make up the board).</a:t>
+            </a:r>
+            <a:endParaRPr b="0" lang="en-US" sz="1400" spc="-1" strike="noStrike">
+              <a:latin typeface="Arial"/>
+            </a:endParaRPr>
+          </a:p>
+        </p:txBody>
+      </p:sp>
+      <p:pic>
+        <p:nvPicPr>
+          <p:cNvPr id="154" name="" descr=""/>
+          <p:cNvPicPr/>
           <p:nvPr/>
-        </p:nvSpPr>
-        <p:spPr>
-          <a:xfrm>
-            <a:off x="1143000" y="1371600"/>
-            <a:ext cx="5028480" cy="5918400"/>
-          </a:xfrm>
-          <a:prstGeom prst="rect">
-            <a:avLst/>
-          </a:prstGeom>
-          <a:noFill/>
-          <a:ln w="0">
-            <a:noFill/>
-          </a:ln>
-        </p:spPr>
-        <p:style>
-          <a:lnRef idx="0"/>
-          <a:fillRef idx="0"/>
-          <a:effectRef idx="0"/>
-          <a:fontRef idx="minor"/>
-        </p:style>
-        <p:txBody>
-          <a:bodyPr lIns="90000" rIns="90000" tIns="45000" bIns="45000" anchor="t">
-            <a:noAutofit/>
-          </a:bodyPr>
-          <a:p>
-            <a:pPr>
-              <a:lnSpc>
-                <a:spcPct val="100000"/>
-              </a:lnSpc>
-            </a:pPr>
-            <a:r>
-              <a:rPr b="0" lang="en-US" sz="1800" spc="-1" strike="noStrike">
-                <a:solidFill>
-                  <a:srgbClr val="000000"/>
-                </a:solidFill>
-                <a:latin typeface="Arial"/>
-                <a:ea typeface="DejaVu Sans"/>
-              </a:rPr>
-              <a:t>- Now that your state handling is in the Board component, the parent Board component passes props to the child Square components so that they can be displayed correctly. </a:t>
-            </a:r>
-            <a:endParaRPr b="0" lang="en-US" sz="1800" spc="-1" strike="noStrike">
-              <a:latin typeface="Arial"/>
-            </a:endParaRPr>
-          </a:p>
-          <a:p>
-            <a:pPr>
-              <a:lnSpc>
-                <a:spcPct val="100000"/>
-              </a:lnSpc>
-            </a:pPr>
-            <a:r>
-              <a:rPr b="0" lang="en-US" sz="1800" spc="-1" strike="noStrike">
-                <a:solidFill>
-                  <a:srgbClr val="000000"/>
-                </a:solidFill>
-                <a:latin typeface="Arial"/>
-                <a:ea typeface="DejaVu Sans"/>
-              </a:rPr>
-              <a:t>- When clicking on a Square, the child Square component now asks the parent Board component to update the state of the board. </a:t>
-            </a:r>
-            <a:endParaRPr b="0" lang="en-US" sz="1800" spc="-1" strike="noStrike">
-              <a:latin typeface="Arial"/>
-            </a:endParaRPr>
-          </a:p>
-          <a:p>
-            <a:pPr>
-              <a:lnSpc>
-                <a:spcPct val="100000"/>
-              </a:lnSpc>
-            </a:pPr>
-            <a:r>
-              <a:rPr b="0" lang="en-US" sz="1800" spc="-1" strike="noStrike">
-                <a:solidFill>
-                  <a:srgbClr val="000000"/>
-                </a:solidFill>
-                <a:latin typeface="Arial"/>
-                <a:ea typeface="DejaVu Sans"/>
-              </a:rPr>
-              <a:t>- When the Board’s state changes, both the Board component and every child Square re-renders automatically. </a:t>
-            </a:r>
-            <a:endParaRPr b="0" lang="en-US" sz="1800" spc="-1" strike="noStrike">
-              <a:latin typeface="Arial"/>
-            </a:endParaRPr>
-          </a:p>
-          <a:p>
-            <a:pPr>
-              <a:lnSpc>
-                <a:spcPct val="100000"/>
-              </a:lnSpc>
-            </a:pPr>
-            <a:r>
-              <a:rPr b="0" lang="en-US" sz="1800" spc="-1" strike="noStrike">
-                <a:solidFill>
-                  <a:srgbClr val="000000"/>
-                </a:solidFill>
-                <a:latin typeface="Arial"/>
-                <a:ea typeface="DejaVu Sans"/>
-              </a:rPr>
-              <a:t>- Keeping the state of all squares in the Board component will allow it to determine the winner in the future.</a:t>
-            </a:r>
-            <a:endParaRPr b="0" lang="en-US" sz="1800" spc="-1" strike="noStrike">
-              <a:latin typeface="Arial"/>
-            </a:endParaRPr>
-          </a:p>
-        </p:txBody>
-      </p:sp>
-      <p:sp>
-        <p:nvSpPr>
-          <p:cNvPr id="185" name=""/>
-          <p:cNvSpPr/>
-          <p:nvPr/>
-        </p:nvSpPr>
-        <p:spPr>
-          <a:xfrm>
-            <a:off x="7880400" y="1864800"/>
-            <a:ext cx="685080" cy="685080"/>
-          </a:xfrm>
-          <a:prstGeom prst="ellipse">
-            <a:avLst/>
-          </a:prstGeom>
-          <a:solidFill>
-            <a:srgbClr val="ff0000"/>
-          </a:solidFill>
-          <a:ln w="0">
-            <a:solidFill>
-              <a:srgbClr val="3465a4"/>
-            </a:solidFill>
-          </a:ln>
-        </p:spPr>
-        <p:style>
-          <a:lnRef idx="0"/>
-          <a:fillRef idx="0"/>
-          <a:effectRef idx="0"/>
-          <a:fontRef idx="minor"/>
-        </p:style>
-      </p:sp>
-      <p:sp>
-        <p:nvSpPr>
-          <p:cNvPr id="186" name=""/>
-          <p:cNvSpPr/>
-          <p:nvPr/>
-        </p:nvSpPr>
-        <p:spPr>
-          <a:xfrm>
-            <a:off x="7086600" y="2971800"/>
-            <a:ext cx="685080" cy="685080"/>
-          </a:xfrm>
-          <a:prstGeom prst="ellipse">
-            <a:avLst/>
-          </a:prstGeom>
-          <a:solidFill>
-            <a:srgbClr val="ff0000"/>
-          </a:solidFill>
-          <a:ln w="0">
-            <a:solidFill>
-              <a:srgbClr val="3465a4"/>
-            </a:solidFill>
-          </a:ln>
-        </p:spPr>
-        <p:style>
-          <a:lnRef idx="0"/>
-          <a:fillRef idx="0"/>
-          <a:effectRef idx="0"/>
-          <a:fontRef idx="minor"/>
-        </p:style>
-      </p:sp>
-      <p:sp>
-        <p:nvSpPr>
-          <p:cNvPr id="187" name=""/>
-          <p:cNvSpPr/>
-          <p:nvPr/>
-        </p:nvSpPr>
-        <p:spPr>
-          <a:xfrm>
-            <a:off x="7914600" y="3007800"/>
-            <a:ext cx="685080" cy="685080"/>
-          </a:xfrm>
-          <a:prstGeom prst="ellipse">
-            <a:avLst/>
-          </a:prstGeom>
-          <a:solidFill>
-            <a:srgbClr val="ff0000"/>
-          </a:solidFill>
-          <a:ln w="0">
-            <a:solidFill>
-              <a:srgbClr val="3465a4"/>
-            </a:solidFill>
-          </a:ln>
-        </p:spPr>
-        <p:style>
-          <a:lnRef idx="0"/>
-          <a:fillRef idx="0"/>
-          <a:effectRef idx="0"/>
-          <a:fontRef idx="minor"/>
-        </p:style>
-      </p:sp>
-      <p:sp>
-        <p:nvSpPr>
-          <p:cNvPr id="188" name=""/>
-          <p:cNvSpPr/>
-          <p:nvPr/>
-        </p:nvSpPr>
-        <p:spPr>
-          <a:xfrm flipH="1">
-            <a:off x="7543800" y="2514600"/>
-            <a:ext cx="457200" cy="457200"/>
-          </a:xfrm>
-          <a:prstGeom prst="line">
-            <a:avLst/>
-          </a:prstGeom>
-          <a:ln w="0">
-            <a:solidFill>
-              <a:srgbClr val="3465a4"/>
-            </a:solidFill>
-          </a:ln>
-        </p:spPr>
-        <p:style>
-          <a:lnRef idx="0"/>
-          <a:fillRef idx="0"/>
-          <a:effectRef idx="0"/>
-          <a:fontRef idx="minor"/>
-        </p:style>
-      </p:sp>
-      <p:sp>
-        <p:nvSpPr>
-          <p:cNvPr id="189" name=""/>
-          <p:cNvSpPr/>
-          <p:nvPr/>
-        </p:nvSpPr>
-        <p:spPr>
-          <a:xfrm>
-            <a:off x="8229600" y="2550600"/>
-            <a:ext cx="360" cy="457200"/>
-          </a:xfrm>
-          <a:prstGeom prst="line">
-            <a:avLst/>
-          </a:prstGeom>
-          <a:ln w="0">
-            <a:solidFill>
-              <a:srgbClr val="3465a4"/>
-            </a:solidFill>
-          </a:ln>
-        </p:spPr>
-        <p:style>
-          <a:lnRef idx="0"/>
-          <a:fillRef idx="0"/>
-          <a:effectRef idx="0"/>
-          <a:fontRef idx="minor"/>
-        </p:style>
-      </p:sp>
-      <p:sp>
-        <p:nvSpPr>
-          <p:cNvPr id="190" name=""/>
-          <p:cNvSpPr/>
-          <p:nvPr/>
-        </p:nvSpPr>
-        <p:spPr>
-          <a:xfrm>
-            <a:off x="8915400" y="3200400"/>
-            <a:ext cx="1370880" cy="288000"/>
-          </a:xfrm>
-          <a:prstGeom prst="rect">
-            <a:avLst/>
-          </a:prstGeom>
-          <a:noFill/>
-          <a:ln w="0">
-            <a:noFill/>
-          </a:ln>
-        </p:spPr>
-        <p:style>
-          <a:lnRef idx="0"/>
-          <a:fillRef idx="0"/>
-          <a:effectRef idx="0"/>
-          <a:fontRef idx="minor"/>
-        </p:style>
-        <p:txBody>
-          <a:bodyPr lIns="90000" rIns="90000" tIns="45000" bIns="45000" anchor="t">
-            <a:noAutofit/>
-          </a:bodyPr>
-          <a:p>
-            <a:pPr>
-              <a:lnSpc>
-                <a:spcPct val="100000"/>
-              </a:lnSpc>
-            </a:pPr>
-            <a:r>
-              <a:rPr b="0" lang="en-US" sz="1400" spc="-1" strike="noStrike">
-                <a:solidFill>
-                  <a:srgbClr val="000000"/>
-                </a:solidFill>
-                <a:latin typeface="Arial"/>
-                <a:ea typeface="DejaVu Sans"/>
-              </a:rPr>
-              <a:t>...</a:t>
-            </a:r>
-            <a:endParaRPr b="0" lang="en-US" sz="1400" spc="-1" strike="noStrike">
-              <a:latin typeface="Arial"/>
-            </a:endParaRPr>
-          </a:p>
-        </p:txBody>
-      </p:sp>
-      <p:sp>
-        <p:nvSpPr>
-          <p:cNvPr id="191" name=""/>
-          <p:cNvSpPr/>
-          <p:nvPr/>
-        </p:nvSpPr>
-        <p:spPr>
-          <a:xfrm>
-            <a:off x="8458200" y="2514600"/>
-            <a:ext cx="457200" cy="685800"/>
-          </a:xfrm>
-          <a:prstGeom prst="line">
-            <a:avLst/>
-          </a:prstGeom>
-          <a:ln w="0">
-            <a:solidFill>
-              <a:srgbClr val="3465a4"/>
-            </a:solidFill>
-          </a:ln>
-        </p:spPr>
-        <p:style>
-          <a:lnRef idx="0"/>
-          <a:fillRef idx="0"/>
-          <a:effectRef idx="0"/>
-          <a:fontRef idx="minor"/>
-        </p:style>
-      </p:sp>
-      <p:sp>
-        <p:nvSpPr>
-          <p:cNvPr id="192" name=""/>
-          <p:cNvSpPr/>
-          <p:nvPr/>
-        </p:nvSpPr>
-        <p:spPr>
-          <a:xfrm>
-            <a:off x="8073000" y="2057400"/>
-            <a:ext cx="913680" cy="288000"/>
-          </a:xfrm>
-          <a:prstGeom prst="rect">
-            <a:avLst/>
-          </a:prstGeom>
-          <a:noFill/>
-          <a:ln w="0">
-            <a:noFill/>
-          </a:ln>
-        </p:spPr>
-        <p:style>
-          <a:lnRef idx="0"/>
-          <a:fillRef idx="0"/>
-          <a:effectRef idx="0"/>
-          <a:fontRef idx="minor"/>
-        </p:style>
-        <p:txBody>
-          <a:bodyPr lIns="90000" rIns="90000" tIns="45000" bIns="45000" anchor="t">
-            <a:noAutofit/>
-          </a:bodyPr>
-          <a:p>
-            <a:pPr>
-              <a:lnSpc>
-                <a:spcPct val="100000"/>
-              </a:lnSpc>
-            </a:pPr>
-            <a:r>
-              <a:rPr b="0" lang="en-US" sz="1400" spc="-1" strike="noStrike">
-                <a:solidFill>
-                  <a:srgbClr val="000000"/>
-                </a:solidFill>
-                <a:latin typeface="Arial"/>
-                <a:ea typeface="DejaVu Sans"/>
-              </a:rPr>
-              <a:t>B</a:t>
-            </a:r>
-            <a:endParaRPr b="0" lang="en-US" sz="1400" spc="-1" strike="noStrike">
-              <a:latin typeface="Arial"/>
-            </a:endParaRPr>
-          </a:p>
-        </p:txBody>
-      </p:sp>
-      <p:sp>
-        <p:nvSpPr>
-          <p:cNvPr id="193" name=""/>
-          <p:cNvSpPr/>
-          <p:nvPr/>
-        </p:nvSpPr>
-        <p:spPr>
-          <a:xfrm>
-            <a:off x="7243200" y="3176280"/>
-            <a:ext cx="913680" cy="288000"/>
-          </a:xfrm>
-          <a:prstGeom prst="rect">
-            <a:avLst/>
-          </a:prstGeom>
-          <a:noFill/>
-          <a:ln w="0">
-            <a:noFill/>
-          </a:ln>
-        </p:spPr>
-        <p:style>
-          <a:lnRef idx="0"/>
-          <a:fillRef idx="0"/>
-          <a:effectRef idx="0"/>
-          <a:fontRef idx="minor"/>
-        </p:style>
-        <p:txBody>
-          <a:bodyPr lIns="90000" rIns="90000" tIns="45000" bIns="45000" anchor="t">
-            <a:noAutofit/>
-          </a:bodyPr>
-          <a:p>
-            <a:pPr>
-              <a:lnSpc>
-                <a:spcPct val="100000"/>
-              </a:lnSpc>
-            </a:pPr>
-            <a:r>
-              <a:rPr b="0" lang="en-US" sz="1400" spc="-1" strike="noStrike">
-                <a:solidFill>
-                  <a:srgbClr val="000000"/>
-                </a:solidFill>
-                <a:latin typeface="Arial"/>
-                <a:ea typeface="DejaVu Sans"/>
-              </a:rPr>
-              <a:t>S1</a:t>
-            </a:r>
-            <a:endParaRPr b="0" lang="en-US" sz="1400" spc="-1" strike="noStrike">
-              <a:latin typeface="Arial"/>
-            </a:endParaRPr>
-          </a:p>
-        </p:txBody>
-      </p:sp>
-      <p:sp>
-        <p:nvSpPr>
-          <p:cNvPr id="194" name=""/>
-          <p:cNvSpPr/>
-          <p:nvPr/>
-        </p:nvSpPr>
-        <p:spPr>
-          <a:xfrm>
-            <a:off x="8071200" y="3176280"/>
-            <a:ext cx="913680" cy="288000"/>
-          </a:xfrm>
-          <a:prstGeom prst="rect">
-            <a:avLst/>
-          </a:prstGeom>
-          <a:noFill/>
-          <a:ln w="0">
-            <a:noFill/>
-          </a:ln>
-        </p:spPr>
-        <p:style>
-          <a:lnRef idx="0"/>
-          <a:fillRef idx="0"/>
-          <a:effectRef idx="0"/>
-          <a:fontRef idx="minor"/>
-        </p:style>
-        <p:txBody>
-          <a:bodyPr lIns="90000" rIns="90000" tIns="45000" bIns="45000" anchor="t">
-            <a:noAutofit/>
-          </a:bodyPr>
-          <a:p>
-            <a:pPr>
-              <a:lnSpc>
-                <a:spcPct val="100000"/>
-              </a:lnSpc>
-            </a:pPr>
-            <a:r>
-              <a:rPr b="0" lang="en-US" sz="1400" spc="-1" strike="noStrike">
-                <a:solidFill>
-                  <a:srgbClr val="000000"/>
-                </a:solidFill>
-                <a:latin typeface="Arial"/>
-                <a:ea typeface="DejaVu Sans"/>
-              </a:rPr>
-              <a:t>S2</a:t>
-            </a:r>
-            <a:endParaRPr b="0" lang="en-US" sz="1400" spc="-1" strike="noStrike">
-              <a:latin typeface="Arial"/>
-            </a:endParaRPr>
-          </a:p>
-        </p:txBody>
-      </p:sp>
-      <p:sp>
-        <p:nvSpPr>
-          <p:cNvPr id="195" name=""/>
-          <p:cNvSpPr/>
-          <p:nvPr/>
-        </p:nvSpPr>
-        <p:spPr>
-          <a:xfrm>
-            <a:off x="7314840" y="3814200"/>
-            <a:ext cx="1686240" cy="1686240"/>
-          </a:xfrm>
-          <a:prstGeom prst="ellipse">
-            <a:avLst/>
-          </a:prstGeom>
-          <a:solidFill>
-            <a:srgbClr val="ff0000"/>
-          </a:solidFill>
-          <a:ln w="0">
-            <a:solidFill>
-              <a:srgbClr val="3465a4"/>
-            </a:solidFill>
-          </a:ln>
-        </p:spPr>
-        <p:style>
-          <a:lnRef idx="0"/>
-          <a:fillRef idx="0"/>
-          <a:effectRef idx="0"/>
-          <a:fontRef idx="minor"/>
-        </p:style>
-      </p:sp>
-      <p:sp>
-        <p:nvSpPr>
-          <p:cNvPr id="196" name=""/>
-          <p:cNvSpPr/>
-          <p:nvPr/>
-        </p:nvSpPr>
-        <p:spPr>
-          <a:xfrm>
-            <a:off x="7459200" y="4187160"/>
-            <a:ext cx="685080" cy="685080"/>
-          </a:xfrm>
-          <a:prstGeom prst="ellipse">
-            <a:avLst/>
-          </a:prstGeom>
-          <a:solidFill>
-            <a:srgbClr val="ff0000"/>
-          </a:solidFill>
-          <a:ln w="0">
-            <a:solidFill>
-              <a:srgbClr val="3465a4"/>
-            </a:solidFill>
-          </a:ln>
-        </p:spPr>
-        <p:style>
-          <a:lnRef idx="0"/>
-          <a:fillRef idx="0"/>
-          <a:effectRef idx="0"/>
-          <a:fontRef idx="minor"/>
-        </p:style>
-      </p:sp>
-      <p:sp>
-        <p:nvSpPr>
-          <p:cNvPr id="197" name=""/>
-          <p:cNvSpPr/>
-          <p:nvPr/>
-        </p:nvSpPr>
-        <p:spPr>
-          <a:xfrm>
-            <a:off x="8157600" y="4536000"/>
-            <a:ext cx="685080" cy="685080"/>
-          </a:xfrm>
-          <a:prstGeom prst="ellipse">
-            <a:avLst/>
-          </a:prstGeom>
-          <a:solidFill>
-            <a:srgbClr val="ff0000"/>
-          </a:solidFill>
-          <a:ln w="0">
-            <a:solidFill>
-              <a:srgbClr val="3465a4"/>
-            </a:solidFill>
-          </a:ln>
-        </p:spPr>
-        <p:style>
-          <a:lnRef idx="0"/>
-          <a:fillRef idx="0"/>
-          <a:effectRef idx="0"/>
-          <a:fontRef idx="minor"/>
-        </p:style>
-      </p:sp>
-      <p:sp>
-        <p:nvSpPr>
-          <p:cNvPr id="198" name=""/>
-          <p:cNvSpPr/>
-          <p:nvPr/>
-        </p:nvSpPr>
-        <p:spPr>
-          <a:xfrm>
-            <a:off x="7615800" y="4379400"/>
-            <a:ext cx="913680" cy="288000"/>
-          </a:xfrm>
-          <a:prstGeom prst="rect">
-            <a:avLst/>
-          </a:prstGeom>
-          <a:noFill/>
-          <a:ln w="0">
-            <a:noFill/>
-          </a:ln>
-        </p:spPr>
-        <p:style>
-          <a:lnRef idx="0"/>
-          <a:fillRef idx="0"/>
-          <a:effectRef idx="0"/>
-          <a:fontRef idx="minor"/>
-        </p:style>
-        <p:txBody>
-          <a:bodyPr lIns="90000" rIns="90000" tIns="45000" bIns="45000" anchor="t">
-            <a:noAutofit/>
-          </a:bodyPr>
-          <a:p>
-            <a:pPr>
-              <a:lnSpc>
-                <a:spcPct val="100000"/>
-              </a:lnSpc>
-            </a:pPr>
-            <a:r>
-              <a:rPr b="0" lang="en-US" sz="1400" spc="-1" strike="noStrike">
-                <a:solidFill>
-                  <a:srgbClr val="000000"/>
-                </a:solidFill>
-                <a:latin typeface="Arial"/>
-                <a:ea typeface="DejaVu Sans"/>
-              </a:rPr>
-              <a:t>S1</a:t>
-            </a:r>
-            <a:endParaRPr b="0" lang="en-US" sz="1400" spc="-1" strike="noStrike">
-              <a:latin typeface="Arial"/>
-            </a:endParaRPr>
-          </a:p>
-        </p:txBody>
-      </p:sp>
-      <p:sp>
-        <p:nvSpPr>
-          <p:cNvPr id="199" name=""/>
-          <p:cNvSpPr/>
-          <p:nvPr/>
-        </p:nvSpPr>
-        <p:spPr>
-          <a:xfrm>
-            <a:off x="8322840" y="4724280"/>
-            <a:ext cx="913680" cy="288000"/>
-          </a:xfrm>
-          <a:prstGeom prst="rect">
-            <a:avLst/>
-          </a:prstGeom>
-          <a:noFill/>
-          <a:ln w="0">
-            <a:noFill/>
-          </a:ln>
-        </p:spPr>
-        <p:style>
-          <a:lnRef idx="0"/>
-          <a:fillRef idx="0"/>
-          <a:effectRef idx="0"/>
-          <a:fontRef idx="minor"/>
-        </p:style>
-        <p:txBody>
-          <a:bodyPr lIns="90000" rIns="90000" tIns="45000" bIns="45000" anchor="t">
-            <a:noAutofit/>
-          </a:bodyPr>
-          <a:p>
-            <a:pPr>
-              <a:lnSpc>
-                <a:spcPct val="100000"/>
-              </a:lnSpc>
-            </a:pPr>
-            <a:r>
-              <a:rPr b="0" lang="en-US" sz="1400" spc="-1" strike="noStrike">
-                <a:solidFill>
-                  <a:srgbClr val="000000"/>
-                </a:solidFill>
-                <a:latin typeface="Arial"/>
-                <a:ea typeface="DejaVu Sans"/>
-              </a:rPr>
-              <a:t>S2</a:t>
-            </a:r>
-            <a:endParaRPr b="0" lang="en-US" sz="1400" spc="-1" strike="noStrike">
-              <a:latin typeface="Arial"/>
-            </a:endParaRPr>
-          </a:p>
-        </p:txBody>
-      </p:sp>
-      <p:sp>
-        <p:nvSpPr>
-          <p:cNvPr id="200" name=""/>
-          <p:cNvSpPr/>
-          <p:nvPr/>
-        </p:nvSpPr>
-        <p:spPr>
-          <a:xfrm>
-            <a:off x="8288640" y="4001400"/>
-            <a:ext cx="913680" cy="288000"/>
-          </a:xfrm>
-          <a:prstGeom prst="rect">
-            <a:avLst/>
-          </a:prstGeom>
-          <a:noFill/>
-          <a:ln w="0">
-            <a:noFill/>
-          </a:ln>
-        </p:spPr>
-        <p:style>
-          <a:lnRef idx="0"/>
-          <a:fillRef idx="0"/>
-          <a:effectRef idx="0"/>
-          <a:fontRef idx="minor"/>
-        </p:style>
-        <p:txBody>
-          <a:bodyPr lIns="90000" rIns="90000" tIns="45000" bIns="45000" anchor="t">
-            <a:noAutofit/>
-          </a:bodyPr>
-          <a:p>
-            <a:pPr>
-              <a:lnSpc>
-                <a:spcPct val="100000"/>
-              </a:lnSpc>
-            </a:pPr>
-            <a:r>
-              <a:rPr b="0" lang="en-US" sz="1400" spc="-1" strike="noStrike">
-                <a:solidFill>
-                  <a:srgbClr val="000000"/>
-                </a:solidFill>
-                <a:latin typeface="Arial"/>
-                <a:ea typeface="DejaVu Sans"/>
-              </a:rPr>
-              <a:t>B</a:t>
-            </a:r>
-            <a:endParaRPr b="0" lang="en-US" sz="1400" spc="-1" strike="noStrike">
-              <a:latin typeface="Arial"/>
-            </a:endParaRPr>
-          </a:p>
-        </p:txBody>
-      </p:sp>
+        </p:nvPicPr>
+        <p:blipFill>
+          <a:blip r:embed="rId1"/>
+          <a:stretch/>
+        </p:blipFill>
+        <p:spPr>
+          <a:xfrm>
+            <a:off x="1348200" y="2478600"/>
+            <a:ext cx="7771320" cy="2970720"/>
+          </a:xfrm>
+          <a:prstGeom prst="rect">
+            <a:avLst/>
+          </a:prstGeom>
+          <a:ln w="0">
+            <a:noFill/>
+          </a:ln>
+        </p:spPr>
+      </p:pic>
     </p:spTree>
   </p:cSld>
   <mc:AlternateContent>
@@ -9162,7 +7262,7 @@
       </p:grpSpPr>
       <p:sp>
         <p:nvSpPr>
-          <p:cNvPr id="201" name="PlaceHolder 1"/>
+          <p:cNvPr id="155" name="PlaceHolder 1"/>
           <p:cNvSpPr>
             <a:spLocks noGrp="1"/>
           </p:cNvSpPr>
@@ -9173,7 +7273,7 @@
         <p:spPr>
           <a:xfrm>
             <a:off x="504000" y="226080"/>
-            <a:ext cx="9070920" cy="945720"/>
+            <a:ext cx="9070560" cy="945360"/>
           </a:xfrm>
           <a:prstGeom prst="rect">
             <a:avLst/>
@@ -9197,7 +7297,7 @@
               <a:rPr b="0" lang="en-US" sz="4400" spc="-1" strike="noStrike">
                 <a:latin typeface="Arial"/>
               </a:rPr>
-              <a:t>React 101 – Immutability</a:t>
+              <a:t>React 101 – Component State</a:t>
             </a:r>
             <a:endParaRPr b="0" lang="en-US" sz="4400" spc="-1" strike="noStrike">
               <a:latin typeface="Arial"/>
@@ -9207,346 +7307,727 @@
       </p:sp>
       <p:sp>
         <p:nvSpPr>
-          <p:cNvPr id="202" name="PlaceHolder 2"/>
-          <p:cNvSpPr>
-            <a:spLocks noGrp="1"/>
-          </p:cNvSpPr>
-          <p:nvPr>
-            <p:ph/>
-          </p:nvPr>
-        </p:nvSpPr>
-        <p:spPr>
-          <a:xfrm>
-            <a:off x="504000" y="1326600"/>
-            <a:ext cx="9325080" cy="3701880"/>
-          </a:xfrm>
-          <a:prstGeom prst="rect">
-            <a:avLst/>
-          </a:prstGeom>
-          <a:noFill/>
-          <a:ln w="0">
-            <a:noFill/>
-          </a:ln>
-        </p:spPr>
-        <p:txBody>
-          <a:bodyPr lIns="0" rIns="0" tIns="0" bIns="0" anchor="t">
-            <a:normAutofit fontScale="71000"/>
-          </a:bodyPr>
-          <a:p>
-            <a:pPr marL="432000" indent="-324000">
-              <a:lnSpc>
-                <a:spcPct val="100000"/>
-              </a:lnSpc>
-              <a:spcBef>
-                <a:spcPts val="615"/>
-              </a:spcBef>
-              <a:buClr>
-                <a:srgbClr val="000000"/>
-              </a:buClr>
-              <a:buSzPct val="45000"/>
-              <a:buFont typeface="Wingdings" charset="2"/>
-              <a:buChar char=""/>
-              <a:tabLst>
-                <a:tab algn="l" pos="408240"/>
-              </a:tabLst>
+          <p:cNvPr id="156" name=""/>
+          <p:cNvSpPr/>
+          <p:nvPr/>
+        </p:nvSpPr>
+        <p:spPr>
+          <a:xfrm>
+            <a:off x="1143000" y="1371600"/>
+            <a:ext cx="5028120" cy="5918040"/>
+          </a:xfrm>
+          <a:prstGeom prst="rect">
+            <a:avLst/>
+          </a:prstGeom>
+          <a:noFill/>
+          <a:ln w="0">
+            <a:noFill/>
+          </a:ln>
+        </p:spPr>
+        <p:style>
+          <a:lnRef idx="0"/>
+          <a:fillRef idx="0"/>
+          <a:effectRef idx="0"/>
+          <a:fontRef idx="minor"/>
+        </p:style>
+        <p:txBody>
+          <a:bodyPr lIns="90000" rIns="90000" tIns="45000" bIns="45000" anchor="t">
+            <a:noAutofit/>
+          </a:bodyPr>
+          <a:p>
+            <a:pPr>
+              <a:lnSpc>
+                <a:spcPct val="100000"/>
+              </a:lnSpc>
+            </a:pPr>
+            <a:r>
+              <a:rPr b="0" lang="en-US" sz="1800" spc="-1" strike="noStrike">
+                <a:solidFill>
+                  <a:srgbClr val="000000"/>
+                </a:solidFill>
+                <a:latin typeface="Arial"/>
+                <a:ea typeface="DejaVu Sans"/>
+              </a:rPr>
+              <a:t>- Now that your state handling is in the Board component, the parent Board component passes props to the child Square components so that they can be displayed correctly. </a:t>
+            </a:r>
+            <a:endParaRPr b="0" lang="en-US" sz="1800" spc="-1" strike="noStrike">
+              <a:latin typeface="Arial"/>
+            </a:endParaRPr>
+          </a:p>
+          <a:p>
+            <a:pPr>
+              <a:lnSpc>
+                <a:spcPct val="100000"/>
+              </a:lnSpc>
+            </a:pPr>
+            <a:endParaRPr b="0" lang="en-US" sz="1800" spc="-1" strike="noStrike">
+              <a:latin typeface="Arial"/>
+            </a:endParaRPr>
+          </a:p>
+        </p:txBody>
+      </p:sp>
+      <p:sp>
+        <p:nvSpPr>
+          <p:cNvPr id="157" name=""/>
+          <p:cNvSpPr/>
+          <p:nvPr/>
+        </p:nvSpPr>
+        <p:spPr>
+          <a:xfrm>
+            <a:off x="7880400" y="1864800"/>
+            <a:ext cx="684720" cy="684720"/>
+          </a:xfrm>
+          <a:prstGeom prst="ellipse">
+            <a:avLst/>
+          </a:prstGeom>
+          <a:solidFill>
+            <a:srgbClr val="729fcf"/>
+          </a:solidFill>
+          <a:ln w="0">
+            <a:solidFill>
+              <a:srgbClr val="3465a4"/>
+            </a:solidFill>
+          </a:ln>
+        </p:spPr>
+        <p:style>
+          <a:lnRef idx="0"/>
+          <a:fillRef idx="0"/>
+          <a:effectRef idx="0"/>
+          <a:fontRef idx="minor"/>
+        </p:style>
+      </p:sp>
+      <p:sp>
+        <p:nvSpPr>
+          <p:cNvPr id="158" name=""/>
+          <p:cNvSpPr/>
+          <p:nvPr/>
+        </p:nvSpPr>
+        <p:spPr>
+          <a:xfrm>
+            <a:off x="7086600" y="2971800"/>
+            <a:ext cx="684720" cy="684720"/>
+          </a:xfrm>
+          <a:prstGeom prst="ellipse">
+            <a:avLst/>
+          </a:prstGeom>
+          <a:solidFill>
+            <a:srgbClr val="729fcf"/>
+          </a:solidFill>
+          <a:ln w="0">
+            <a:solidFill>
+              <a:srgbClr val="3465a4"/>
+            </a:solidFill>
+          </a:ln>
+        </p:spPr>
+        <p:style>
+          <a:lnRef idx="0"/>
+          <a:fillRef idx="0"/>
+          <a:effectRef idx="0"/>
+          <a:fontRef idx="minor"/>
+        </p:style>
+      </p:sp>
+      <p:sp>
+        <p:nvSpPr>
+          <p:cNvPr id="159" name=""/>
+          <p:cNvSpPr/>
+          <p:nvPr/>
+        </p:nvSpPr>
+        <p:spPr>
+          <a:xfrm>
+            <a:off x="7914600" y="3007800"/>
+            <a:ext cx="684720" cy="684720"/>
+          </a:xfrm>
+          <a:prstGeom prst="ellipse">
+            <a:avLst/>
+          </a:prstGeom>
+          <a:solidFill>
+            <a:srgbClr val="729fcf"/>
+          </a:solidFill>
+          <a:ln w="0">
+            <a:solidFill>
+              <a:srgbClr val="3465a4"/>
+            </a:solidFill>
+          </a:ln>
+        </p:spPr>
+        <p:style>
+          <a:lnRef idx="0"/>
+          <a:fillRef idx="0"/>
+          <a:effectRef idx="0"/>
+          <a:fontRef idx="minor"/>
+        </p:style>
+      </p:sp>
+      <p:sp>
+        <p:nvSpPr>
+          <p:cNvPr id="160" name=""/>
+          <p:cNvSpPr/>
+          <p:nvPr/>
+        </p:nvSpPr>
+        <p:spPr>
+          <a:xfrm flipH="1">
+            <a:off x="7543800" y="2514600"/>
+            <a:ext cx="457200" cy="457200"/>
+          </a:xfrm>
+          <a:prstGeom prst="line">
+            <a:avLst/>
+          </a:prstGeom>
+          <a:ln w="0">
+            <a:solidFill>
+              <a:srgbClr val="3465a4"/>
+            </a:solidFill>
+          </a:ln>
+        </p:spPr>
+        <p:style>
+          <a:lnRef idx="0"/>
+          <a:fillRef idx="0"/>
+          <a:effectRef idx="0"/>
+          <a:fontRef idx="minor"/>
+        </p:style>
+      </p:sp>
+      <p:sp>
+        <p:nvSpPr>
+          <p:cNvPr id="161" name=""/>
+          <p:cNvSpPr/>
+          <p:nvPr/>
+        </p:nvSpPr>
+        <p:spPr>
+          <a:xfrm>
+            <a:off x="8229600" y="2550600"/>
+            <a:ext cx="360" cy="457200"/>
+          </a:xfrm>
+          <a:prstGeom prst="line">
+            <a:avLst/>
+          </a:prstGeom>
+          <a:ln w="0">
+            <a:solidFill>
+              <a:srgbClr val="3465a4"/>
+            </a:solidFill>
+          </a:ln>
+        </p:spPr>
+        <p:style>
+          <a:lnRef idx="0"/>
+          <a:fillRef idx="0"/>
+          <a:effectRef idx="0"/>
+          <a:fontRef idx="minor"/>
+        </p:style>
+      </p:sp>
+      <p:sp>
+        <p:nvSpPr>
+          <p:cNvPr id="162" name=""/>
+          <p:cNvSpPr/>
+          <p:nvPr/>
+        </p:nvSpPr>
+        <p:spPr>
+          <a:xfrm>
+            <a:off x="8915400" y="3200400"/>
+            <a:ext cx="1370520" cy="287640"/>
+          </a:xfrm>
+          <a:prstGeom prst="rect">
+            <a:avLst/>
+          </a:prstGeom>
+          <a:noFill/>
+          <a:ln w="0">
+            <a:noFill/>
+          </a:ln>
+        </p:spPr>
+        <p:style>
+          <a:lnRef idx="0"/>
+          <a:fillRef idx="0"/>
+          <a:effectRef idx="0"/>
+          <a:fontRef idx="minor"/>
+        </p:style>
+        <p:txBody>
+          <a:bodyPr lIns="90000" rIns="90000" tIns="45000" bIns="45000" anchor="t">
+            <a:noAutofit/>
+          </a:bodyPr>
+          <a:p>
+            <a:pPr>
+              <a:lnSpc>
+                <a:spcPct val="100000"/>
+              </a:lnSpc>
             </a:pPr>
             <a:r>
               <a:rPr b="0" lang="en-US" sz="1400" spc="-1" strike="noStrike">
-                <a:latin typeface="Arial"/>
-              </a:rPr>
-              <a:t>There are generally two approaches to changing data. </a:t>
+                <a:solidFill>
+                  <a:srgbClr val="000000"/>
+                </a:solidFill>
+                <a:latin typeface="Arial"/>
+                <a:ea typeface="DejaVu Sans"/>
+              </a:rPr>
+              <a:t>...</a:t>
             </a:r>
             <a:endParaRPr b="0" lang="en-US" sz="1400" spc="-1" strike="noStrike">
               <a:latin typeface="Arial"/>
             </a:endParaRPr>
           </a:p>
-          <a:p>
-            <a:pPr marL="432000" indent="-324000">
-              <a:lnSpc>
-                <a:spcPct val="100000"/>
-              </a:lnSpc>
-              <a:spcBef>
-                <a:spcPts val="615"/>
-              </a:spcBef>
-              <a:buClr>
-                <a:srgbClr val="000000"/>
-              </a:buClr>
-              <a:buSzPct val="45000"/>
-              <a:buFont typeface="Wingdings" charset="2"/>
-              <a:buChar char=""/>
-              <a:tabLst>
-                <a:tab algn="l" pos="408240"/>
-              </a:tabLst>
+        </p:txBody>
+      </p:sp>
+      <p:sp>
+        <p:nvSpPr>
+          <p:cNvPr id="163" name=""/>
+          <p:cNvSpPr/>
+          <p:nvPr/>
+        </p:nvSpPr>
+        <p:spPr>
+          <a:xfrm>
+            <a:off x="8458200" y="2514600"/>
+            <a:ext cx="457200" cy="685800"/>
+          </a:xfrm>
+          <a:prstGeom prst="line">
+            <a:avLst/>
+          </a:prstGeom>
+          <a:ln w="0">
+            <a:solidFill>
+              <a:srgbClr val="3465a4"/>
+            </a:solidFill>
+          </a:ln>
+        </p:spPr>
+        <p:style>
+          <a:lnRef idx="0"/>
+          <a:fillRef idx="0"/>
+          <a:effectRef idx="0"/>
+          <a:fontRef idx="minor"/>
+        </p:style>
+      </p:sp>
+      <p:sp>
+        <p:nvSpPr>
+          <p:cNvPr id="164" name=""/>
+          <p:cNvSpPr/>
+          <p:nvPr/>
+        </p:nvSpPr>
+        <p:spPr>
+          <a:xfrm>
+            <a:off x="8073000" y="2057400"/>
+            <a:ext cx="913320" cy="287640"/>
+          </a:xfrm>
+          <a:prstGeom prst="rect">
+            <a:avLst/>
+          </a:prstGeom>
+          <a:noFill/>
+          <a:ln w="0">
+            <a:noFill/>
+          </a:ln>
+        </p:spPr>
+        <p:style>
+          <a:lnRef idx="0"/>
+          <a:fillRef idx="0"/>
+          <a:effectRef idx="0"/>
+          <a:fontRef idx="minor"/>
+        </p:style>
+        <p:txBody>
+          <a:bodyPr lIns="90000" rIns="90000" tIns="45000" bIns="45000" anchor="t">
+            <a:noAutofit/>
+          </a:bodyPr>
+          <a:p>
+            <a:pPr>
+              <a:lnSpc>
+                <a:spcPct val="100000"/>
+              </a:lnSpc>
             </a:pPr>
             <a:r>
               <a:rPr b="0" lang="en-US" sz="1400" spc="-1" strike="noStrike">
-                <a:latin typeface="Arial"/>
-              </a:rPr>
-              <a:t>The first approach is to mutate the data by directly changing the data’s values. </a:t>
+                <a:solidFill>
+                  <a:srgbClr val="000000"/>
+                </a:solidFill>
+                <a:latin typeface="Arial"/>
+                <a:ea typeface="DejaVu Sans"/>
+              </a:rPr>
+              <a:t>B</a:t>
             </a:r>
             <a:endParaRPr b="0" lang="en-US" sz="1400" spc="-1" strike="noStrike">
               <a:latin typeface="Arial"/>
             </a:endParaRPr>
           </a:p>
-          <a:p>
-            <a:pPr lvl="1" marL="864000" indent="-324000">
-              <a:lnSpc>
-                <a:spcPct val="100000"/>
-              </a:lnSpc>
-              <a:spcBef>
-                <a:spcPts val="1134"/>
-              </a:spcBef>
-              <a:buClr>
-                <a:srgbClr val="000000"/>
-              </a:buClr>
-              <a:buSzPct val="75000"/>
-              <a:buFont typeface="Symbol"/>
-              <a:buChar char=""/>
-              <a:tabLst>
-                <a:tab algn="l" pos="408240"/>
-              </a:tabLst>
-            </a:pPr>
-            <a:r>
-              <a:rPr b="0" lang="en-US" sz="2800" spc="-1" strike="noStrike">
-                <a:latin typeface="Arial"/>
-                <a:ea typeface="PingFang SC"/>
-              </a:rPr>
-              <a:t>const squares = [null, null, null, null, null, null … ];</a:t>
-            </a:r>
-            <a:endParaRPr b="0" lang="en-US" sz="2800" spc="-1" strike="noStrike">
-              <a:latin typeface="Arial"/>
-            </a:endParaRPr>
-          </a:p>
-          <a:p>
-            <a:pPr lvl="1" marL="864000" indent="-324000">
-              <a:lnSpc>
-                <a:spcPct val="100000"/>
-              </a:lnSpc>
-              <a:spcBef>
-                <a:spcPts val="1134"/>
-              </a:spcBef>
-              <a:buClr>
-                <a:srgbClr val="000000"/>
-              </a:buClr>
-              <a:buSzPct val="75000"/>
-              <a:buFont typeface="Symbol"/>
-              <a:buChar char=""/>
-              <a:tabLst>
-                <a:tab algn="l" pos="408240"/>
-              </a:tabLst>
-            </a:pPr>
-            <a:r>
-              <a:rPr b="0" lang="en-US" sz="2800" spc="-1" strike="noStrike">
-                <a:latin typeface="Arial"/>
-                <a:ea typeface="PingFang SC"/>
-              </a:rPr>
-              <a:t>squares[0] = ‘X’; </a:t>
-            </a:r>
-            <a:endParaRPr b="0" lang="en-US" sz="2800" spc="-1" strike="noStrike">
-              <a:latin typeface="Arial"/>
-            </a:endParaRPr>
-          </a:p>
+        </p:txBody>
+      </p:sp>
+      <p:sp>
+        <p:nvSpPr>
+          <p:cNvPr id="165" name=""/>
+          <p:cNvSpPr/>
+          <p:nvPr/>
+        </p:nvSpPr>
+        <p:spPr>
+          <a:xfrm>
+            <a:off x="7243200" y="3176280"/>
+            <a:ext cx="913320" cy="287640"/>
+          </a:xfrm>
+          <a:prstGeom prst="rect">
+            <a:avLst/>
+          </a:prstGeom>
+          <a:noFill/>
+          <a:ln w="0">
+            <a:noFill/>
+          </a:ln>
+        </p:spPr>
+        <p:style>
+          <a:lnRef idx="0"/>
+          <a:fillRef idx="0"/>
+          <a:effectRef idx="0"/>
+          <a:fontRef idx="minor"/>
+        </p:style>
+        <p:txBody>
+          <a:bodyPr lIns="90000" rIns="90000" tIns="45000" bIns="45000" anchor="t">
+            <a:noAutofit/>
+          </a:bodyPr>
           <a:p>
             <a:pPr>
               <a:lnSpc>
                 <a:spcPct val="100000"/>
               </a:lnSpc>
-              <a:spcBef>
-                <a:spcPts val="615"/>
-              </a:spcBef>
-              <a:tabLst>
-                <a:tab algn="l" pos="408240"/>
-              </a:tabLst>
-            </a:pPr>
-            <a:endParaRPr b="0" lang="en-US" sz="2800" spc="-1" strike="noStrike">
-              <a:latin typeface="Arial"/>
-            </a:endParaRPr>
-          </a:p>
-          <a:p>
-            <a:pPr marL="432000" indent="-324000">
-              <a:lnSpc>
-                <a:spcPct val="100000"/>
-              </a:lnSpc>
-              <a:spcBef>
-                <a:spcPts val="615"/>
-              </a:spcBef>
-              <a:buClr>
-                <a:srgbClr val="000000"/>
-              </a:buClr>
-              <a:buSzPct val="45000"/>
-              <a:buFont typeface="Wingdings" charset="2"/>
-              <a:buChar char=""/>
-              <a:tabLst>
-                <a:tab algn="l" pos="408240"/>
-              </a:tabLst>
             </a:pPr>
             <a:r>
               <a:rPr b="0" lang="en-US" sz="1400" spc="-1" strike="noStrike">
-                <a:latin typeface="Arial"/>
-                <a:ea typeface="PingFang SC"/>
-              </a:rPr>
-              <a:t>The second approach is to replace the data with a new copy which has the desired changes. Here is what it would look like if you mutated the squares array:</a:t>
+                <a:solidFill>
+                  <a:srgbClr val="000000"/>
+                </a:solidFill>
+                <a:latin typeface="Arial"/>
+                <a:ea typeface="DejaVu Sans"/>
+              </a:rPr>
+              <a:t>S1</a:t>
             </a:r>
             <a:endParaRPr b="0" lang="en-US" sz="1400" spc="-1" strike="noStrike">
               <a:latin typeface="Arial"/>
             </a:endParaRPr>
           </a:p>
-          <a:p>
-            <a:pPr lvl="1" marL="864000" indent="-324000">
-              <a:lnSpc>
-                <a:spcPct val="100000"/>
-              </a:lnSpc>
-              <a:spcBef>
-                <a:spcPts val="1134"/>
-              </a:spcBef>
-              <a:buClr>
-                <a:srgbClr val="000000"/>
-              </a:buClr>
-              <a:buSzPct val="75000"/>
-              <a:buFont typeface="Symbol"/>
-              <a:buChar char=""/>
-              <a:tabLst>
-                <a:tab algn="l" pos="408240"/>
-              </a:tabLst>
-            </a:pPr>
-            <a:r>
-              <a:rPr b="0" lang="en-US" sz="2800" spc="-1" strike="noStrike">
-                <a:latin typeface="Arial"/>
-                <a:ea typeface="PingFang SC"/>
-              </a:rPr>
-              <a:t>const squares = [null, null, null, null, null, null … ];</a:t>
-            </a:r>
-            <a:endParaRPr b="0" lang="en-US" sz="2800" spc="-1" strike="noStrike">
-              <a:latin typeface="Arial"/>
-            </a:endParaRPr>
-          </a:p>
-          <a:p>
-            <a:pPr lvl="1" marL="864000" indent="-324000">
-              <a:lnSpc>
-                <a:spcPct val="100000"/>
-              </a:lnSpc>
-              <a:spcBef>
-                <a:spcPts val="1134"/>
-              </a:spcBef>
-              <a:buClr>
-                <a:srgbClr val="000000"/>
-              </a:buClr>
-              <a:buSzPct val="75000"/>
-              <a:buFont typeface="Symbol"/>
-              <a:buChar char=""/>
-              <a:tabLst>
-                <a:tab algn="l" pos="408240"/>
-              </a:tabLst>
-            </a:pPr>
-            <a:r>
-              <a:rPr b="0" lang="en-US" sz="2800" spc="-1" strike="noStrike">
-                <a:latin typeface="Arial"/>
-                <a:ea typeface="PingFang SC"/>
-              </a:rPr>
-              <a:t>const nextSquares = [‘X’, null, null, null, null, null … ]; </a:t>
-            </a:r>
-            <a:endParaRPr b="0" lang="en-US" sz="2800" spc="-1" strike="noStrike">
-              <a:latin typeface="Arial"/>
-            </a:endParaRPr>
-          </a:p>
+        </p:txBody>
+      </p:sp>
+      <p:sp>
+        <p:nvSpPr>
+          <p:cNvPr id="166" name=""/>
+          <p:cNvSpPr/>
+          <p:nvPr/>
+        </p:nvSpPr>
+        <p:spPr>
+          <a:xfrm>
+            <a:off x="8071200" y="3176280"/>
+            <a:ext cx="913320" cy="287640"/>
+          </a:xfrm>
+          <a:prstGeom prst="rect">
+            <a:avLst/>
+          </a:prstGeom>
+          <a:noFill/>
+          <a:ln w="0">
+            <a:noFill/>
+          </a:ln>
+        </p:spPr>
+        <p:style>
+          <a:lnRef idx="0"/>
+          <a:fillRef idx="0"/>
+          <a:effectRef idx="0"/>
+          <a:fontRef idx="minor"/>
+        </p:style>
+        <p:txBody>
+          <a:bodyPr lIns="90000" rIns="90000" tIns="45000" bIns="45000" anchor="t">
+            <a:noAutofit/>
+          </a:bodyPr>
           <a:p>
             <a:pPr>
               <a:lnSpc>
                 <a:spcPct val="100000"/>
               </a:lnSpc>
-              <a:spcBef>
-                <a:spcPts val="615"/>
-              </a:spcBef>
-              <a:tabLst>
-                <a:tab algn="l" pos="408240"/>
-              </a:tabLst>
-            </a:pPr>
-            <a:endParaRPr b="0" lang="en-US" sz="2800" spc="-1" strike="noStrike">
-              <a:latin typeface="Arial"/>
-            </a:endParaRPr>
-          </a:p>
-          <a:p>
-            <a:pPr marL="432000" indent="-324000">
-              <a:lnSpc>
-                <a:spcPct val="100000"/>
-              </a:lnSpc>
-              <a:spcBef>
-                <a:spcPts val="615"/>
-              </a:spcBef>
-              <a:buClr>
-                <a:srgbClr val="000000"/>
-              </a:buClr>
-              <a:buSzPct val="45000"/>
-              <a:buFont typeface="Wingdings" charset="2"/>
-              <a:buChar char=""/>
-              <a:tabLst>
-                <a:tab algn="l" pos="408240"/>
-              </a:tabLst>
             </a:pPr>
             <a:r>
               <a:rPr b="0" lang="en-US" sz="1400" spc="-1" strike="noStrike">
-                <a:latin typeface="Arial"/>
-                <a:ea typeface="PingFang SC"/>
-              </a:rPr>
-              <a:t>There is also another benefit of immutability: By default, all child components re-render automatically when the state of a parent component changes. </a:t>
+                <a:solidFill>
+                  <a:srgbClr val="000000"/>
+                </a:solidFill>
+                <a:latin typeface="Arial"/>
+                <a:ea typeface="DejaVu Sans"/>
+              </a:rPr>
+              <a:t>S2</a:t>
             </a:r>
             <a:endParaRPr b="0" lang="en-US" sz="1400" spc="-1" strike="noStrike">
               <a:latin typeface="Arial"/>
             </a:endParaRPr>
           </a:p>
-          <a:p>
-            <a:pPr marL="432000" indent="-324000">
-              <a:lnSpc>
-                <a:spcPct val="100000"/>
-              </a:lnSpc>
-              <a:spcBef>
-                <a:spcPts val="615"/>
-              </a:spcBef>
-              <a:buClr>
-                <a:srgbClr val="000000"/>
-              </a:buClr>
-              <a:buSzPct val="45000"/>
-              <a:buFont typeface="Wingdings" charset="2"/>
-              <a:buChar char=""/>
-              <a:tabLst>
-                <a:tab algn="l" pos="408240"/>
-              </a:tabLst>
+        </p:txBody>
+      </p:sp>
+      <p:sp>
+        <p:nvSpPr>
+          <p:cNvPr id="167" name=""/>
+          <p:cNvSpPr/>
+          <p:nvPr/>
+        </p:nvSpPr>
+        <p:spPr>
+          <a:xfrm>
+            <a:off x="7315200" y="3814200"/>
+            <a:ext cx="1685880" cy="1685880"/>
+          </a:xfrm>
+          <a:prstGeom prst="ellipse">
+            <a:avLst/>
+          </a:prstGeom>
+          <a:solidFill>
+            <a:srgbClr val="729fcf"/>
+          </a:solidFill>
+          <a:ln w="0">
+            <a:solidFill>
+              <a:srgbClr val="3465a4"/>
+            </a:solidFill>
+          </a:ln>
+        </p:spPr>
+        <p:style>
+          <a:lnRef idx="0"/>
+          <a:fillRef idx="0"/>
+          <a:effectRef idx="0"/>
+          <a:fontRef idx="minor"/>
+        </p:style>
+      </p:sp>
+      <p:sp>
+        <p:nvSpPr>
+          <p:cNvPr id="168" name=""/>
+          <p:cNvSpPr/>
+          <p:nvPr/>
+        </p:nvSpPr>
+        <p:spPr>
+          <a:xfrm>
+            <a:off x="7459560" y="4187160"/>
+            <a:ext cx="684720" cy="684720"/>
+          </a:xfrm>
+          <a:prstGeom prst="ellipse">
+            <a:avLst/>
+          </a:prstGeom>
+          <a:solidFill>
+            <a:srgbClr val="729fcf"/>
+          </a:solidFill>
+          <a:ln w="0">
+            <a:solidFill>
+              <a:srgbClr val="3465a4"/>
+            </a:solidFill>
+          </a:ln>
+        </p:spPr>
+        <p:style>
+          <a:lnRef idx="0"/>
+          <a:fillRef idx="0"/>
+          <a:effectRef idx="0"/>
+          <a:fontRef idx="minor"/>
+        </p:style>
+      </p:sp>
+      <p:sp>
+        <p:nvSpPr>
+          <p:cNvPr id="169" name=""/>
+          <p:cNvSpPr/>
+          <p:nvPr/>
+        </p:nvSpPr>
+        <p:spPr>
+          <a:xfrm>
+            <a:off x="8157960" y="4536000"/>
+            <a:ext cx="684720" cy="684720"/>
+          </a:xfrm>
+          <a:prstGeom prst="ellipse">
+            <a:avLst/>
+          </a:prstGeom>
+          <a:solidFill>
+            <a:srgbClr val="729fcf"/>
+          </a:solidFill>
+          <a:ln w="0">
+            <a:solidFill>
+              <a:srgbClr val="3465a4"/>
+            </a:solidFill>
+          </a:ln>
+        </p:spPr>
+        <p:style>
+          <a:lnRef idx="0"/>
+          <a:fillRef idx="0"/>
+          <a:effectRef idx="0"/>
+          <a:fontRef idx="minor"/>
+        </p:style>
+      </p:sp>
+      <p:sp>
+        <p:nvSpPr>
+          <p:cNvPr id="170" name=""/>
+          <p:cNvSpPr/>
+          <p:nvPr/>
+        </p:nvSpPr>
+        <p:spPr>
+          <a:xfrm>
+            <a:off x="7616160" y="4379400"/>
+            <a:ext cx="913320" cy="287640"/>
+          </a:xfrm>
+          <a:prstGeom prst="rect">
+            <a:avLst/>
+          </a:prstGeom>
+          <a:noFill/>
+          <a:ln w="0">
+            <a:noFill/>
+          </a:ln>
+        </p:spPr>
+        <p:style>
+          <a:lnRef idx="0"/>
+          <a:fillRef idx="0"/>
+          <a:effectRef idx="0"/>
+          <a:fontRef idx="minor"/>
+        </p:style>
+        <p:txBody>
+          <a:bodyPr lIns="90000" rIns="90000" tIns="45000" bIns="45000" anchor="t">
+            <a:noAutofit/>
+          </a:bodyPr>
+          <a:p>
+            <a:pPr>
+              <a:lnSpc>
+                <a:spcPct val="100000"/>
+              </a:lnSpc>
             </a:pPr>
             <a:r>
               <a:rPr b="0" lang="en-US" sz="1400" spc="-1" strike="noStrike">
-                <a:latin typeface="Arial"/>
-                <a:ea typeface="PingFang SC"/>
-              </a:rPr>
-              <a:t>This includes even the child components that weren’t affected by the change. Although re-rendering is not by itself noticeable to the user (you shouldn’t actively try to avoid it!), you might want to skip re-rendering a part of the tree that clearly wasn’t affected by it for performance reasons. </a:t>
+                <a:solidFill>
+                  <a:srgbClr val="000000"/>
+                </a:solidFill>
+                <a:latin typeface="Arial"/>
+                <a:ea typeface="DejaVu Sans"/>
+              </a:rPr>
+              <a:t>S1</a:t>
             </a:r>
             <a:endParaRPr b="0" lang="en-US" sz="1400" spc="-1" strike="noStrike">
               <a:latin typeface="Arial"/>
             </a:endParaRPr>
           </a:p>
-          <a:p>
-            <a:pPr marL="432000" indent="-324000">
-              <a:lnSpc>
-                <a:spcPct val="100000"/>
-              </a:lnSpc>
-              <a:spcBef>
-                <a:spcPts val="615"/>
-              </a:spcBef>
-              <a:buClr>
-                <a:srgbClr val="000000"/>
-              </a:buClr>
-              <a:buSzPct val="45000"/>
-              <a:buFont typeface="Wingdings" charset="2"/>
-              <a:buChar char=""/>
-              <a:tabLst>
-                <a:tab algn="l" pos="408240"/>
-              </a:tabLst>
+        </p:txBody>
+      </p:sp>
+      <p:sp>
+        <p:nvSpPr>
+          <p:cNvPr id="171" name=""/>
+          <p:cNvSpPr/>
+          <p:nvPr/>
+        </p:nvSpPr>
+        <p:spPr>
+          <a:xfrm>
+            <a:off x="8071200" y="3176280"/>
+            <a:ext cx="913320" cy="287640"/>
+          </a:xfrm>
+          <a:prstGeom prst="rect">
+            <a:avLst/>
+          </a:prstGeom>
+          <a:noFill/>
+          <a:ln w="0">
+            <a:noFill/>
+          </a:ln>
+        </p:spPr>
+        <p:style>
+          <a:lnRef idx="0"/>
+          <a:fillRef idx="0"/>
+          <a:effectRef idx="0"/>
+          <a:fontRef idx="minor"/>
+        </p:style>
+        <p:txBody>
+          <a:bodyPr lIns="90000" rIns="90000" tIns="45000" bIns="45000" anchor="t">
+            <a:noAutofit/>
+          </a:bodyPr>
+          <a:p>
+            <a:pPr>
+              <a:lnSpc>
+                <a:spcPct val="100000"/>
+              </a:lnSpc>
             </a:pPr>
             <a:r>
               <a:rPr b="0" lang="en-US" sz="1400" spc="-1" strike="noStrike">
-                <a:latin typeface="Arial"/>
-                <a:ea typeface="PingFang SC"/>
-              </a:rPr>
-              <a:t>Immutability makes it very cheap for components to compare whether their data has changed or not. </a:t>
+                <a:solidFill>
+                  <a:srgbClr val="000000"/>
+                </a:solidFill>
+                <a:latin typeface="Arial"/>
+                <a:ea typeface="DejaVu Sans"/>
+              </a:rPr>
+              <a:t>S2</a:t>
+            </a:r>
+            <a:endParaRPr b="0" lang="en-US" sz="1400" spc="-1" strike="noStrike">
+              <a:latin typeface="Arial"/>
+            </a:endParaRPr>
+          </a:p>
+        </p:txBody>
+      </p:sp>
+      <p:sp>
+        <p:nvSpPr>
+          <p:cNvPr id="172" name=""/>
+          <p:cNvSpPr/>
+          <p:nvPr/>
+        </p:nvSpPr>
+        <p:spPr>
+          <a:xfrm>
+            <a:off x="8323200" y="4724280"/>
+            <a:ext cx="913320" cy="287640"/>
+          </a:xfrm>
+          <a:prstGeom prst="rect">
+            <a:avLst/>
+          </a:prstGeom>
+          <a:noFill/>
+          <a:ln w="0">
+            <a:noFill/>
+          </a:ln>
+        </p:spPr>
+        <p:style>
+          <a:lnRef idx="0"/>
+          <a:fillRef idx="0"/>
+          <a:effectRef idx="0"/>
+          <a:fontRef idx="minor"/>
+        </p:style>
+        <p:txBody>
+          <a:bodyPr lIns="90000" rIns="90000" tIns="45000" bIns="45000" anchor="t">
+            <a:noAutofit/>
+          </a:bodyPr>
+          <a:p>
+            <a:pPr>
+              <a:lnSpc>
+                <a:spcPct val="100000"/>
+              </a:lnSpc>
+            </a:pPr>
+            <a:r>
+              <a:rPr b="0" lang="en-US" sz="1400" spc="-1" strike="noStrike">
+                <a:solidFill>
+                  <a:srgbClr val="000000"/>
+                </a:solidFill>
+                <a:latin typeface="Arial"/>
+                <a:ea typeface="DejaVu Sans"/>
+              </a:rPr>
+              <a:t>S2</a:t>
+            </a:r>
+            <a:endParaRPr b="0" lang="en-US" sz="1400" spc="-1" strike="noStrike">
+              <a:latin typeface="Arial"/>
+            </a:endParaRPr>
+          </a:p>
+        </p:txBody>
+      </p:sp>
+      <p:sp>
+        <p:nvSpPr>
+          <p:cNvPr id="173" name=""/>
+          <p:cNvSpPr/>
+          <p:nvPr/>
+        </p:nvSpPr>
+        <p:spPr>
+          <a:xfrm>
+            <a:off x="8289000" y="4001400"/>
+            <a:ext cx="913320" cy="287640"/>
+          </a:xfrm>
+          <a:prstGeom prst="rect">
+            <a:avLst/>
+          </a:prstGeom>
+          <a:noFill/>
+          <a:ln w="0">
+            <a:noFill/>
+          </a:ln>
+        </p:spPr>
+        <p:style>
+          <a:lnRef idx="0"/>
+          <a:fillRef idx="0"/>
+          <a:effectRef idx="0"/>
+          <a:fontRef idx="minor"/>
+        </p:style>
+        <p:txBody>
+          <a:bodyPr lIns="90000" rIns="90000" tIns="45000" bIns="45000" anchor="t">
+            <a:noAutofit/>
+          </a:bodyPr>
+          <a:p>
+            <a:pPr>
+              <a:lnSpc>
+                <a:spcPct val="100000"/>
+              </a:lnSpc>
+            </a:pPr>
+            <a:r>
+              <a:rPr b="0" lang="en-US" sz="1400" spc="-1" strike="noStrike">
+                <a:solidFill>
+                  <a:srgbClr val="000000"/>
+                </a:solidFill>
+                <a:latin typeface="Arial"/>
+                <a:ea typeface="DejaVu Sans"/>
+              </a:rPr>
+              <a:t>B</a:t>
             </a:r>
             <a:endParaRPr b="0" lang="en-US" sz="1400" spc="-1" strike="noStrike">
               <a:latin typeface="Arial"/>
@@ -9586,7 +8067,7 @@
       </p:grpSpPr>
       <p:sp>
         <p:nvSpPr>
-          <p:cNvPr id="203" name="PlaceHolder 1"/>
+          <p:cNvPr id="174" name="PlaceHolder 1"/>
           <p:cNvSpPr>
             <a:spLocks noGrp="1"/>
           </p:cNvSpPr>
@@ -9597,7 +8078,7 @@
         <p:spPr>
           <a:xfrm>
             <a:off x="504000" y="226080"/>
-            <a:ext cx="9070920" cy="945720"/>
+            <a:ext cx="9070560" cy="945360"/>
           </a:xfrm>
           <a:prstGeom prst="rect">
             <a:avLst/>
@@ -9621,7 +8102,7 @@
               <a:rPr b="0" lang="en-US" sz="4400" spc="-1" strike="noStrike">
                 <a:latin typeface="Arial"/>
               </a:rPr>
-              <a:t>React 101 – Component Logic</a:t>
+              <a:t>React 101 – Component State</a:t>
             </a:r>
             <a:endParaRPr b="0" lang="en-US" sz="4400" spc="-1" strike="noStrike">
               <a:latin typeface="Arial"/>
@@ -9629,29 +8110,706 @@
           </a:p>
         </p:txBody>
       </p:sp>
-      <p:pic>
-        <p:nvPicPr>
-          <p:cNvPr id="204" name="" descr=""/>
-          <p:cNvPicPr/>
+      <p:sp>
+        <p:nvSpPr>
+          <p:cNvPr id="175" name=""/>
+          <p:cNvSpPr/>
           <p:nvPr/>
-        </p:nvPicPr>
-        <p:blipFill>
-          <a:blip r:embed="rId1"/>
-          <a:stretch/>
-        </p:blipFill>
-        <p:spPr>
-          <a:xfrm>
-            <a:off x="1323000" y="1179000"/>
-            <a:ext cx="7314480" cy="4114080"/>
-          </a:xfrm>
-          <a:prstGeom prst="rect">
-            <a:avLst/>
-          </a:prstGeom>
-          <a:ln w="0">
-            <a:noFill/>
-          </a:ln>
-        </p:spPr>
-      </p:pic>
+        </p:nvSpPr>
+        <p:spPr>
+          <a:xfrm>
+            <a:off x="1143000" y="1371600"/>
+            <a:ext cx="5028120" cy="5918040"/>
+          </a:xfrm>
+          <a:prstGeom prst="rect">
+            <a:avLst/>
+          </a:prstGeom>
+          <a:noFill/>
+          <a:ln w="0">
+            <a:noFill/>
+          </a:ln>
+        </p:spPr>
+        <p:style>
+          <a:lnRef idx="0"/>
+          <a:fillRef idx="0"/>
+          <a:effectRef idx="0"/>
+          <a:fontRef idx="minor"/>
+        </p:style>
+        <p:txBody>
+          <a:bodyPr lIns="90000" rIns="90000" tIns="45000" bIns="45000" anchor="t">
+            <a:noAutofit/>
+          </a:bodyPr>
+          <a:p>
+            <a:pPr>
+              <a:lnSpc>
+                <a:spcPct val="100000"/>
+              </a:lnSpc>
+            </a:pPr>
+            <a:r>
+              <a:rPr b="0" lang="en-US" sz="1800" spc="-1" strike="noStrike">
+                <a:solidFill>
+                  <a:srgbClr val="000000"/>
+                </a:solidFill>
+                <a:latin typeface="Arial"/>
+                <a:ea typeface="DejaVu Sans"/>
+              </a:rPr>
+              <a:t>- Now that your state handling is in the Board component, the parent Board component passes props to the child Square components so that they can be displayed correctly. </a:t>
+            </a:r>
+            <a:endParaRPr b="0" lang="en-US" sz="1800" spc="-1" strike="noStrike">
+              <a:latin typeface="Arial"/>
+            </a:endParaRPr>
+          </a:p>
+          <a:p>
+            <a:pPr>
+              <a:lnSpc>
+                <a:spcPct val="100000"/>
+              </a:lnSpc>
+            </a:pPr>
+            <a:r>
+              <a:rPr b="0" lang="en-US" sz="1800" spc="-1" strike="noStrike">
+                <a:solidFill>
+                  <a:srgbClr val="000000"/>
+                </a:solidFill>
+                <a:latin typeface="Arial"/>
+                <a:ea typeface="DejaVu Sans"/>
+              </a:rPr>
+              <a:t>- When clicking on a Square, the child Square component now asks the parent Board component to update the state of the board. </a:t>
+            </a:r>
+            <a:endParaRPr b="0" lang="en-US" sz="1800" spc="-1" strike="noStrike">
+              <a:latin typeface="Arial"/>
+            </a:endParaRPr>
+          </a:p>
+          <a:p>
+            <a:pPr>
+              <a:lnSpc>
+                <a:spcPct val="100000"/>
+              </a:lnSpc>
+            </a:pPr>
+            <a:endParaRPr b="0" lang="en-US" sz="1800" spc="-1" strike="noStrike">
+              <a:latin typeface="Arial"/>
+            </a:endParaRPr>
+          </a:p>
+        </p:txBody>
+      </p:sp>
+      <p:sp>
+        <p:nvSpPr>
+          <p:cNvPr id="176" name=""/>
+          <p:cNvSpPr/>
+          <p:nvPr/>
+        </p:nvSpPr>
+        <p:spPr>
+          <a:xfrm>
+            <a:off x="7880400" y="1864800"/>
+            <a:ext cx="684720" cy="684720"/>
+          </a:xfrm>
+          <a:prstGeom prst="ellipse">
+            <a:avLst/>
+          </a:prstGeom>
+          <a:solidFill>
+            <a:srgbClr val="729fcf"/>
+          </a:solidFill>
+          <a:ln w="0">
+            <a:solidFill>
+              <a:srgbClr val="3465a4"/>
+            </a:solidFill>
+          </a:ln>
+        </p:spPr>
+        <p:style>
+          <a:lnRef idx="0"/>
+          <a:fillRef idx="0"/>
+          <a:effectRef idx="0"/>
+          <a:fontRef idx="minor"/>
+        </p:style>
+      </p:sp>
+      <p:sp>
+        <p:nvSpPr>
+          <p:cNvPr id="177" name=""/>
+          <p:cNvSpPr/>
+          <p:nvPr/>
+        </p:nvSpPr>
+        <p:spPr>
+          <a:xfrm>
+            <a:off x="7086600" y="2971800"/>
+            <a:ext cx="684720" cy="684720"/>
+          </a:xfrm>
+          <a:prstGeom prst="ellipse">
+            <a:avLst/>
+          </a:prstGeom>
+          <a:solidFill>
+            <a:srgbClr val="729fcf"/>
+          </a:solidFill>
+          <a:ln w="0">
+            <a:solidFill>
+              <a:srgbClr val="3465a4"/>
+            </a:solidFill>
+          </a:ln>
+        </p:spPr>
+        <p:style>
+          <a:lnRef idx="0"/>
+          <a:fillRef idx="0"/>
+          <a:effectRef idx="0"/>
+          <a:fontRef idx="minor"/>
+        </p:style>
+      </p:sp>
+      <p:sp>
+        <p:nvSpPr>
+          <p:cNvPr id="178" name=""/>
+          <p:cNvSpPr/>
+          <p:nvPr/>
+        </p:nvSpPr>
+        <p:spPr>
+          <a:xfrm>
+            <a:off x="7914600" y="3007800"/>
+            <a:ext cx="684720" cy="684720"/>
+          </a:xfrm>
+          <a:prstGeom prst="ellipse">
+            <a:avLst/>
+          </a:prstGeom>
+          <a:solidFill>
+            <a:srgbClr val="ff0000"/>
+          </a:solidFill>
+          <a:ln w="0">
+            <a:solidFill>
+              <a:srgbClr val="3465a4"/>
+            </a:solidFill>
+          </a:ln>
+        </p:spPr>
+        <p:style>
+          <a:lnRef idx="0"/>
+          <a:fillRef idx="0"/>
+          <a:effectRef idx="0"/>
+          <a:fontRef idx="minor"/>
+        </p:style>
+      </p:sp>
+      <p:sp>
+        <p:nvSpPr>
+          <p:cNvPr id="179" name=""/>
+          <p:cNvSpPr/>
+          <p:nvPr/>
+        </p:nvSpPr>
+        <p:spPr>
+          <a:xfrm flipH="1">
+            <a:off x="7543800" y="2514600"/>
+            <a:ext cx="457200" cy="457200"/>
+          </a:xfrm>
+          <a:prstGeom prst="line">
+            <a:avLst/>
+          </a:prstGeom>
+          <a:ln w="0">
+            <a:solidFill>
+              <a:srgbClr val="3465a4"/>
+            </a:solidFill>
+          </a:ln>
+        </p:spPr>
+        <p:style>
+          <a:lnRef idx="0"/>
+          <a:fillRef idx="0"/>
+          <a:effectRef idx="0"/>
+          <a:fontRef idx="minor"/>
+        </p:style>
+      </p:sp>
+      <p:sp>
+        <p:nvSpPr>
+          <p:cNvPr id="180" name=""/>
+          <p:cNvSpPr/>
+          <p:nvPr/>
+        </p:nvSpPr>
+        <p:spPr>
+          <a:xfrm>
+            <a:off x="8229600" y="2550600"/>
+            <a:ext cx="360" cy="457200"/>
+          </a:xfrm>
+          <a:prstGeom prst="line">
+            <a:avLst/>
+          </a:prstGeom>
+          <a:ln w="0">
+            <a:solidFill>
+              <a:srgbClr val="3465a4"/>
+            </a:solidFill>
+            <a:prstDash val="sysDash"/>
+          </a:ln>
+        </p:spPr>
+        <p:style>
+          <a:lnRef idx="0"/>
+          <a:fillRef idx="0"/>
+          <a:effectRef idx="0"/>
+          <a:fontRef idx="minor"/>
+        </p:style>
+      </p:sp>
+      <p:sp>
+        <p:nvSpPr>
+          <p:cNvPr id="181" name=""/>
+          <p:cNvSpPr/>
+          <p:nvPr/>
+        </p:nvSpPr>
+        <p:spPr>
+          <a:xfrm>
+            <a:off x="8915400" y="3200400"/>
+            <a:ext cx="1370520" cy="287640"/>
+          </a:xfrm>
+          <a:prstGeom prst="rect">
+            <a:avLst/>
+          </a:prstGeom>
+          <a:noFill/>
+          <a:ln w="0">
+            <a:noFill/>
+          </a:ln>
+        </p:spPr>
+        <p:style>
+          <a:lnRef idx="0"/>
+          <a:fillRef idx="0"/>
+          <a:effectRef idx="0"/>
+          <a:fontRef idx="minor"/>
+        </p:style>
+        <p:txBody>
+          <a:bodyPr lIns="90000" rIns="90000" tIns="45000" bIns="45000" anchor="t">
+            <a:noAutofit/>
+          </a:bodyPr>
+          <a:p>
+            <a:pPr>
+              <a:lnSpc>
+                <a:spcPct val="100000"/>
+              </a:lnSpc>
+            </a:pPr>
+            <a:r>
+              <a:rPr b="0" lang="en-US" sz="1400" spc="-1" strike="noStrike">
+                <a:solidFill>
+                  <a:srgbClr val="000000"/>
+                </a:solidFill>
+                <a:latin typeface="Arial"/>
+                <a:ea typeface="DejaVu Sans"/>
+              </a:rPr>
+              <a:t>...</a:t>
+            </a:r>
+            <a:endParaRPr b="0" lang="en-US" sz="1400" spc="-1" strike="noStrike">
+              <a:latin typeface="Arial"/>
+            </a:endParaRPr>
+          </a:p>
+        </p:txBody>
+      </p:sp>
+      <p:sp>
+        <p:nvSpPr>
+          <p:cNvPr id="182" name=""/>
+          <p:cNvSpPr/>
+          <p:nvPr/>
+        </p:nvSpPr>
+        <p:spPr>
+          <a:xfrm>
+            <a:off x="8458200" y="2514600"/>
+            <a:ext cx="457200" cy="685800"/>
+          </a:xfrm>
+          <a:prstGeom prst="line">
+            <a:avLst/>
+          </a:prstGeom>
+          <a:ln w="0">
+            <a:solidFill>
+              <a:srgbClr val="3465a4"/>
+            </a:solidFill>
+          </a:ln>
+        </p:spPr>
+        <p:style>
+          <a:lnRef idx="0"/>
+          <a:fillRef idx="0"/>
+          <a:effectRef idx="0"/>
+          <a:fontRef idx="minor"/>
+        </p:style>
+      </p:sp>
+      <p:sp>
+        <p:nvSpPr>
+          <p:cNvPr id="183" name=""/>
+          <p:cNvSpPr/>
+          <p:nvPr/>
+        </p:nvSpPr>
+        <p:spPr>
+          <a:xfrm>
+            <a:off x="8073000" y="2057400"/>
+            <a:ext cx="913320" cy="287640"/>
+          </a:xfrm>
+          <a:prstGeom prst="rect">
+            <a:avLst/>
+          </a:prstGeom>
+          <a:noFill/>
+          <a:ln w="0">
+            <a:noFill/>
+          </a:ln>
+        </p:spPr>
+        <p:style>
+          <a:lnRef idx="0"/>
+          <a:fillRef idx="0"/>
+          <a:effectRef idx="0"/>
+          <a:fontRef idx="minor"/>
+        </p:style>
+        <p:txBody>
+          <a:bodyPr lIns="90000" rIns="90000" tIns="45000" bIns="45000" anchor="t">
+            <a:noAutofit/>
+          </a:bodyPr>
+          <a:p>
+            <a:pPr>
+              <a:lnSpc>
+                <a:spcPct val="100000"/>
+              </a:lnSpc>
+            </a:pPr>
+            <a:r>
+              <a:rPr b="0" lang="en-US" sz="1400" spc="-1" strike="noStrike">
+                <a:solidFill>
+                  <a:srgbClr val="000000"/>
+                </a:solidFill>
+                <a:latin typeface="Arial"/>
+                <a:ea typeface="DejaVu Sans"/>
+              </a:rPr>
+              <a:t>B</a:t>
+            </a:r>
+            <a:endParaRPr b="0" lang="en-US" sz="1400" spc="-1" strike="noStrike">
+              <a:latin typeface="Arial"/>
+            </a:endParaRPr>
+          </a:p>
+        </p:txBody>
+      </p:sp>
+      <p:sp>
+        <p:nvSpPr>
+          <p:cNvPr id="184" name=""/>
+          <p:cNvSpPr/>
+          <p:nvPr/>
+        </p:nvSpPr>
+        <p:spPr>
+          <a:xfrm>
+            <a:off x="7243200" y="3176280"/>
+            <a:ext cx="913320" cy="287640"/>
+          </a:xfrm>
+          <a:prstGeom prst="rect">
+            <a:avLst/>
+          </a:prstGeom>
+          <a:noFill/>
+          <a:ln w="0">
+            <a:noFill/>
+          </a:ln>
+        </p:spPr>
+        <p:style>
+          <a:lnRef idx="0"/>
+          <a:fillRef idx="0"/>
+          <a:effectRef idx="0"/>
+          <a:fontRef idx="minor"/>
+        </p:style>
+        <p:txBody>
+          <a:bodyPr lIns="90000" rIns="90000" tIns="45000" bIns="45000" anchor="t">
+            <a:noAutofit/>
+          </a:bodyPr>
+          <a:p>
+            <a:pPr>
+              <a:lnSpc>
+                <a:spcPct val="100000"/>
+              </a:lnSpc>
+            </a:pPr>
+            <a:r>
+              <a:rPr b="0" lang="en-US" sz="1400" spc="-1" strike="noStrike">
+                <a:solidFill>
+                  <a:srgbClr val="000000"/>
+                </a:solidFill>
+                <a:latin typeface="Arial"/>
+                <a:ea typeface="DejaVu Sans"/>
+              </a:rPr>
+              <a:t>S1</a:t>
+            </a:r>
+            <a:endParaRPr b="0" lang="en-US" sz="1400" spc="-1" strike="noStrike">
+              <a:latin typeface="Arial"/>
+            </a:endParaRPr>
+          </a:p>
+        </p:txBody>
+      </p:sp>
+      <p:sp>
+        <p:nvSpPr>
+          <p:cNvPr id="185" name=""/>
+          <p:cNvSpPr/>
+          <p:nvPr/>
+        </p:nvSpPr>
+        <p:spPr>
+          <a:xfrm>
+            <a:off x="8071200" y="3176280"/>
+            <a:ext cx="913320" cy="287640"/>
+          </a:xfrm>
+          <a:prstGeom prst="rect">
+            <a:avLst/>
+          </a:prstGeom>
+          <a:noFill/>
+          <a:ln w="0">
+            <a:noFill/>
+          </a:ln>
+        </p:spPr>
+        <p:style>
+          <a:lnRef idx="0"/>
+          <a:fillRef idx="0"/>
+          <a:effectRef idx="0"/>
+          <a:fontRef idx="minor"/>
+        </p:style>
+        <p:txBody>
+          <a:bodyPr lIns="90000" rIns="90000" tIns="45000" bIns="45000" anchor="t">
+            <a:noAutofit/>
+          </a:bodyPr>
+          <a:p>
+            <a:pPr>
+              <a:lnSpc>
+                <a:spcPct val="100000"/>
+              </a:lnSpc>
+            </a:pPr>
+            <a:r>
+              <a:rPr b="0" lang="en-US" sz="1400" spc="-1" strike="noStrike">
+                <a:solidFill>
+                  <a:srgbClr val="000000"/>
+                </a:solidFill>
+                <a:latin typeface="Arial"/>
+                <a:ea typeface="DejaVu Sans"/>
+              </a:rPr>
+              <a:t>S2</a:t>
+            </a:r>
+            <a:endParaRPr b="0" lang="en-US" sz="1400" spc="-1" strike="noStrike">
+              <a:latin typeface="Arial"/>
+            </a:endParaRPr>
+          </a:p>
+        </p:txBody>
+      </p:sp>
+      <p:sp>
+        <p:nvSpPr>
+          <p:cNvPr id="186" name=""/>
+          <p:cNvSpPr/>
+          <p:nvPr/>
+        </p:nvSpPr>
+        <p:spPr>
+          <a:xfrm>
+            <a:off x="7314840" y="3814200"/>
+            <a:ext cx="1685880" cy="1685880"/>
+          </a:xfrm>
+          <a:prstGeom prst="ellipse">
+            <a:avLst/>
+          </a:prstGeom>
+          <a:solidFill>
+            <a:srgbClr val="729fcf"/>
+          </a:solidFill>
+          <a:ln w="0">
+            <a:solidFill>
+              <a:srgbClr val="3465a4"/>
+            </a:solidFill>
+          </a:ln>
+        </p:spPr>
+        <p:style>
+          <a:lnRef idx="0"/>
+          <a:fillRef idx="0"/>
+          <a:effectRef idx="0"/>
+          <a:fontRef idx="minor"/>
+        </p:style>
+      </p:sp>
+      <p:sp>
+        <p:nvSpPr>
+          <p:cNvPr id="187" name=""/>
+          <p:cNvSpPr/>
+          <p:nvPr/>
+        </p:nvSpPr>
+        <p:spPr>
+          <a:xfrm>
+            <a:off x="7459200" y="4187160"/>
+            <a:ext cx="684720" cy="684720"/>
+          </a:xfrm>
+          <a:prstGeom prst="ellipse">
+            <a:avLst/>
+          </a:prstGeom>
+          <a:solidFill>
+            <a:srgbClr val="729fcf"/>
+          </a:solidFill>
+          <a:ln w="0">
+            <a:solidFill>
+              <a:srgbClr val="3465a4"/>
+            </a:solidFill>
+          </a:ln>
+        </p:spPr>
+        <p:style>
+          <a:lnRef idx="0"/>
+          <a:fillRef idx="0"/>
+          <a:effectRef idx="0"/>
+          <a:fontRef idx="minor"/>
+        </p:style>
+      </p:sp>
+      <p:sp>
+        <p:nvSpPr>
+          <p:cNvPr id="188" name=""/>
+          <p:cNvSpPr/>
+          <p:nvPr/>
+        </p:nvSpPr>
+        <p:spPr>
+          <a:xfrm>
+            <a:off x="8157600" y="4536000"/>
+            <a:ext cx="684720" cy="684720"/>
+          </a:xfrm>
+          <a:prstGeom prst="ellipse">
+            <a:avLst/>
+          </a:prstGeom>
+          <a:solidFill>
+            <a:srgbClr val="ff0000"/>
+          </a:solidFill>
+          <a:ln w="0">
+            <a:solidFill>
+              <a:srgbClr val="3465a4"/>
+            </a:solidFill>
+          </a:ln>
+        </p:spPr>
+        <p:style>
+          <a:lnRef idx="0"/>
+          <a:fillRef idx="0"/>
+          <a:effectRef idx="0"/>
+          <a:fontRef idx="minor"/>
+        </p:style>
+      </p:sp>
+      <p:sp>
+        <p:nvSpPr>
+          <p:cNvPr id="189" name=""/>
+          <p:cNvSpPr/>
+          <p:nvPr/>
+        </p:nvSpPr>
+        <p:spPr>
+          <a:xfrm>
+            <a:off x="7615800" y="4379400"/>
+            <a:ext cx="913320" cy="287640"/>
+          </a:xfrm>
+          <a:prstGeom prst="rect">
+            <a:avLst/>
+          </a:prstGeom>
+          <a:noFill/>
+          <a:ln w="0">
+            <a:noFill/>
+          </a:ln>
+        </p:spPr>
+        <p:style>
+          <a:lnRef idx="0"/>
+          <a:fillRef idx="0"/>
+          <a:effectRef idx="0"/>
+          <a:fontRef idx="minor"/>
+        </p:style>
+        <p:txBody>
+          <a:bodyPr lIns="90000" rIns="90000" tIns="45000" bIns="45000" anchor="t">
+            <a:noAutofit/>
+          </a:bodyPr>
+          <a:p>
+            <a:pPr>
+              <a:lnSpc>
+                <a:spcPct val="100000"/>
+              </a:lnSpc>
+            </a:pPr>
+            <a:r>
+              <a:rPr b="0" lang="en-US" sz="1400" spc="-1" strike="noStrike">
+                <a:solidFill>
+                  <a:srgbClr val="000000"/>
+                </a:solidFill>
+                <a:latin typeface="Arial"/>
+                <a:ea typeface="DejaVu Sans"/>
+              </a:rPr>
+              <a:t>S1</a:t>
+            </a:r>
+            <a:endParaRPr b="0" lang="en-US" sz="1400" spc="-1" strike="noStrike">
+              <a:latin typeface="Arial"/>
+            </a:endParaRPr>
+          </a:p>
+        </p:txBody>
+      </p:sp>
+      <p:sp>
+        <p:nvSpPr>
+          <p:cNvPr id="190" name=""/>
+          <p:cNvSpPr/>
+          <p:nvPr/>
+        </p:nvSpPr>
+        <p:spPr>
+          <a:xfrm>
+            <a:off x="8322840" y="4724280"/>
+            <a:ext cx="913320" cy="287640"/>
+          </a:xfrm>
+          <a:prstGeom prst="rect">
+            <a:avLst/>
+          </a:prstGeom>
+          <a:noFill/>
+          <a:ln w="0">
+            <a:noFill/>
+          </a:ln>
+        </p:spPr>
+        <p:style>
+          <a:lnRef idx="0"/>
+          <a:fillRef idx="0"/>
+          <a:effectRef idx="0"/>
+          <a:fontRef idx="minor"/>
+        </p:style>
+        <p:txBody>
+          <a:bodyPr lIns="90000" rIns="90000" tIns="45000" bIns="45000" anchor="t">
+            <a:noAutofit/>
+          </a:bodyPr>
+          <a:p>
+            <a:pPr>
+              <a:lnSpc>
+                <a:spcPct val="100000"/>
+              </a:lnSpc>
+            </a:pPr>
+            <a:r>
+              <a:rPr b="0" lang="en-US" sz="1400" spc="-1" strike="noStrike">
+                <a:solidFill>
+                  <a:srgbClr val="000000"/>
+                </a:solidFill>
+                <a:latin typeface="Arial"/>
+                <a:ea typeface="DejaVu Sans"/>
+              </a:rPr>
+              <a:t>S2</a:t>
+            </a:r>
+            <a:endParaRPr b="0" lang="en-US" sz="1400" spc="-1" strike="noStrike">
+              <a:latin typeface="Arial"/>
+            </a:endParaRPr>
+          </a:p>
+        </p:txBody>
+      </p:sp>
+      <p:sp>
+        <p:nvSpPr>
+          <p:cNvPr id="191" name=""/>
+          <p:cNvSpPr/>
+          <p:nvPr/>
+        </p:nvSpPr>
+        <p:spPr>
+          <a:xfrm>
+            <a:off x="8288640" y="4001400"/>
+            <a:ext cx="913320" cy="287640"/>
+          </a:xfrm>
+          <a:prstGeom prst="rect">
+            <a:avLst/>
+          </a:prstGeom>
+          <a:noFill/>
+          <a:ln w="0">
+            <a:noFill/>
+          </a:ln>
+        </p:spPr>
+        <p:style>
+          <a:lnRef idx="0"/>
+          <a:fillRef idx="0"/>
+          <a:effectRef idx="0"/>
+          <a:fontRef idx="minor"/>
+        </p:style>
+        <p:txBody>
+          <a:bodyPr lIns="90000" rIns="90000" tIns="45000" bIns="45000" anchor="t">
+            <a:noAutofit/>
+          </a:bodyPr>
+          <a:p>
+            <a:pPr>
+              <a:lnSpc>
+                <a:spcPct val="100000"/>
+              </a:lnSpc>
+            </a:pPr>
+            <a:r>
+              <a:rPr b="0" lang="en-US" sz="1400" spc="-1" strike="noStrike">
+                <a:solidFill>
+                  <a:srgbClr val="000000"/>
+                </a:solidFill>
+                <a:latin typeface="Arial"/>
+                <a:ea typeface="DejaVu Sans"/>
+              </a:rPr>
+              <a:t>B</a:t>
+            </a:r>
+            <a:endParaRPr b="0" lang="en-US" sz="1400" spc="-1" strike="noStrike">
+              <a:latin typeface="Arial"/>
+            </a:endParaRPr>
+          </a:p>
+        </p:txBody>
+      </p:sp>
     </p:spTree>
   </p:cSld>
   <mc:AlternateContent>
@@ -9684,7 +8842,7 @@
       </p:grpSpPr>
       <p:sp>
         <p:nvSpPr>
-          <p:cNvPr id="205" name="PlaceHolder 1"/>
+          <p:cNvPr id="192" name="PlaceHolder 1"/>
           <p:cNvSpPr>
             <a:spLocks noGrp="1"/>
           </p:cNvSpPr>
@@ -9695,7 +8853,7 @@
         <p:spPr>
           <a:xfrm>
             <a:off x="504000" y="226080"/>
-            <a:ext cx="9070920" cy="945720"/>
+            <a:ext cx="9070560" cy="945360"/>
           </a:xfrm>
           <a:prstGeom prst="rect">
             <a:avLst/>
@@ -9719,7 +8877,7 @@
               <a:rPr b="0" lang="en-US" sz="4400" spc="-1" strike="noStrike">
                 <a:latin typeface="Arial"/>
               </a:rPr>
-              <a:t>React 101 – Component Logic</a:t>
+              <a:t>React 101 – Component State</a:t>
             </a:r>
             <a:endParaRPr b="0" lang="en-US" sz="4400" spc="-1" strike="noStrike">
               <a:latin typeface="Arial"/>
@@ -9727,29 +8885,735 @@
           </a:p>
         </p:txBody>
       </p:sp>
-      <p:pic>
-        <p:nvPicPr>
-          <p:cNvPr id="206" name="" descr=""/>
-          <p:cNvPicPr/>
+      <p:sp>
+        <p:nvSpPr>
+          <p:cNvPr id="193" name=""/>
+          <p:cNvSpPr/>
           <p:nvPr/>
-        </p:nvPicPr>
-        <p:blipFill>
-          <a:blip r:embed="rId1"/>
-          <a:stretch/>
-        </p:blipFill>
-        <p:spPr>
-          <a:xfrm>
-            <a:off x="1695600" y="1073880"/>
-            <a:ext cx="6539400" cy="4291200"/>
-          </a:xfrm>
-          <a:prstGeom prst="rect">
-            <a:avLst/>
-          </a:prstGeom>
-          <a:ln w="0">
-            <a:noFill/>
-          </a:ln>
-        </p:spPr>
-      </p:pic>
+        </p:nvSpPr>
+        <p:spPr>
+          <a:xfrm>
+            <a:off x="1143000" y="1371600"/>
+            <a:ext cx="5028120" cy="5918040"/>
+          </a:xfrm>
+          <a:prstGeom prst="rect">
+            <a:avLst/>
+          </a:prstGeom>
+          <a:noFill/>
+          <a:ln w="0">
+            <a:noFill/>
+          </a:ln>
+        </p:spPr>
+        <p:style>
+          <a:lnRef idx="0"/>
+          <a:fillRef idx="0"/>
+          <a:effectRef idx="0"/>
+          <a:fontRef idx="minor"/>
+        </p:style>
+        <p:txBody>
+          <a:bodyPr lIns="90000" rIns="90000" tIns="45000" bIns="45000" anchor="t">
+            <a:noAutofit/>
+          </a:bodyPr>
+          <a:p>
+            <a:pPr>
+              <a:lnSpc>
+                <a:spcPct val="100000"/>
+              </a:lnSpc>
+            </a:pPr>
+            <a:r>
+              <a:rPr b="0" lang="en-US" sz="1800" spc="-1" strike="noStrike">
+                <a:solidFill>
+                  <a:srgbClr val="000000"/>
+                </a:solidFill>
+                <a:latin typeface="Arial"/>
+                <a:ea typeface="DejaVu Sans"/>
+              </a:rPr>
+              <a:t>- Now that your state handling is in the Board component, the parent Board component passes props to the child Square components so that they can be displayed correctly. </a:t>
+            </a:r>
+            <a:endParaRPr b="0" lang="en-US" sz="1800" spc="-1" strike="noStrike">
+              <a:latin typeface="Arial"/>
+            </a:endParaRPr>
+          </a:p>
+          <a:p>
+            <a:pPr>
+              <a:lnSpc>
+                <a:spcPct val="100000"/>
+              </a:lnSpc>
+            </a:pPr>
+            <a:r>
+              <a:rPr b="0" lang="en-US" sz="1800" spc="-1" strike="noStrike">
+                <a:solidFill>
+                  <a:srgbClr val="000000"/>
+                </a:solidFill>
+                <a:latin typeface="Arial"/>
+                <a:ea typeface="DejaVu Sans"/>
+              </a:rPr>
+              <a:t>- When clicking on a Square, the child Square component now asks the parent Board component to update the state of the board. </a:t>
+            </a:r>
+            <a:endParaRPr b="0" lang="en-US" sz="1800" spc="-1" strike="noStrike">
+              <a:latin typeface="Arial"/>
+            </a:endParaRPr>
+          </a:p>
+          <a:p>
+            <a:pPr>
+              <a:lnSpc>
+                <a:spcPct val="100000"/>
+              </a:lnSpc>
+            </a:pPr>
+            <a:r>
+              <a:rPr b="0" lang="en-US" sz="1800" spc="-1" strike="noStrike">
+                <a:solidFill>
+                  <a:srgbClr val="000000"/>
+                </a:solidFill>
+                <a:latin typeface="Arial"/>
+                <a:ea typeface="DejaVu Sans"/>
+              </a:rPr>
+              <a:t>- When the Board’s state changes, both the Board component and every child Square re-renders automatically. </a:t>
+            </a:r>
+            <a:endParaRPr b="0" lang="en-US" sz="1800" spc="-1" strike="noStrike">
+              <a:latin typeface="Arial"/>
+            </a:endParaRPr>
+          </a:p>
+          <a:p>
+            <a:pPr>
+              <a:lnSpc>
+                <a:spcPct val="100000"/>
+              </a:lnSpc>
+            </a:pPr>
+            <a:r>
+              <a:rPr b="0" lang="en-US" sz="1800" spc="-1" strike="noStrike">
+                <a:solidFill>
+                  <a:srgbClr val="000000"/>
+                </a:solidFill>
+                <a:latin typeface="Arial"/>
+                <a:ea typeface="DejaVu Sans"/>
+              </a:rPr>
+              <a:t>- Keeping the state of all squares in the Board component will allow it to determine the winner in the future.</a:t>
+            </a:r>
+            <a:endParaRPr b="0" lang="en-US" sz="1800" spc="-1" strike="noStrike">
+              <a:latin typeface="Arial"/>
+            </a:endParaRPr>
+          </a:p>
+        </p:txBody>
+      </p:sp>
+      <p:sp>
+        <p:nvSpPr>
+          <p:cNvPr id="194" name=""/>
+          <p:cNvSpPr/>
+          <p:nvPr/>
+        </p:nvSpPr>
+        <p:spPr>
+          <a:xfrm>
+            <a:off x="7880400" y="1864800"/>
+            <a:ext cx="684720" cy="684720"/>
+          </a:xfrm>
+          <a:prstGeom prst="ellipse">
+            <a:avLst/>
+          </a:prstGeom>
+          <a:solidFill>
+            <a:srgbClr val="ff0000"/>
+          </a:solidFill>
+          <a:ln w="0">
+            <a:solidFill>
+              <a:srgbClr val="3465a4"/>
+            </a:solidFill>
+          </a:ln>
+        </p:spPr>
+        <p:style>
+          <a:lnRef idx="0"/>
+          <a:fillRef idx="0"/>
+          <a:effectRef idx="0"/>
+          <a:fontRef idx="minor"/>
+        </p:style>
+      </p:sp>
+      <p:sp>
+        <p:nvSpPr>
+          <p:cNvPr id="195" name=""/>
+          <p:cNvSpPr/>
+          <p:nvPr/>
+        </p:nvSpPr>
+        <p:spPr>
+          <a:xfrm>
+            <a:off x="7086600" y="2971800"/>
+            <a:ext cx="684720" cy="684720"/>
+          </a:xfrm>
+          <a:prstGeom prst="ellipse">
+            <a:avLst/>
+          </a:prstGeom>
+          <a:solidFill>
+            <a:srgbClr val="ff0000"/>
+          </a:solidFill>
+          <a:ln w="0">
+            <a:solidFill>
+              <a:srgbClr val="3465a4"/>
+            </a:solidFill>
+          </a:ln>
+        </p:spPr>
+        <p:style>
+          <a:lnRef idx="0"/>
+          <a:fillRef idx="0"/>
+          <a:effectRef idx="0"/>
+          <a:fontRef idx="minor"/>
+        </p:style>
+      </p:sp>
+      <p:sp>
+        <p:nvSpPr>
+          <p:cNvPr id="196" name=""/>
+          <p:cNvSpPr/>
+          <p:nvPr/>
+        </p:nvSpPr>
+        <p:spPr>
+          <a:xfrm>
+            <a:off x="7914600" y="3007800"/>
+            <a:ext cx="684720" cy="684720"/>
+          </a:xfrm>
+          <a:prstGeom prst="ellipse">
+            <a:avLst/>
+          </a:prstGeom>
+          <a:solidFill>
+            <a:srgbClr val="ff0000"/>
+          </a:solidFill>
+          <a:ln w="0">
+            <a:solidFill>
+              <a:srgbClr val="3465a4"/>
+            </a:solidFill>
+          </a:ln>
+        </p:spPr>
+        <p:style>
+          <a:lnRef idx="0"/>
+          <a:fillRef idx="0"/>
+          <a:effectRef idx="0"/>
+          <a:fontRef idx="minor"/>
+        </p:style>
+      </p:sp>
+      <p:sp>
+        <p:nvSpPr>
+          <p:cNvPr id="197" name=""/>
+          <p:cNvSpPr/>
+          <p:nvPr/>
+        </p:nvSpPr>
+        <p:spPr>
+          <a:xfrm flipH="1">
+            <a:off x="7543800" y="2514600"/>
+            <a:ext cx="457200" cy="457200"/>
+          </a:xfrm>
+          <a:prstGeom prst="line">
+            <a:avLst/>
+          </a:prstGeom>
+          <a:ln w="0">
+            <a:solidFill>
+              <a:srgbClr val="3465a4"/>
+            </a:solidFill>
+          </a:ln>
+        </p:spPr>
+        <p:style>
+          <a:lnRef idx="0"/>
+          <a:fillRef idx="0"/>
+          <a:effectRef idx="0"/>
+          <a:fontRef idx="minor"/>
+        </p:style>
+      </p:sp>
+      <p:sp>
+        <p:nvSpPr>
+          <p:cNvPr id="198" name=""/>
+          <p:cNvSpPr/>
+          <p:nvPr/>
+        </p:nvSpPr>
+        <p:spPr>
+          <a:xfrm>
+            <a:off x="8229600" y="2550600"/>
+            <a:ext cx="360" cy="457200"/>
+          </a:xfrm>
+          <a:prstGeom prst="line">
+            <a:avLst/>
+          </a:prstGeom>
+          <a:ln w="0">
+            <a:solidFill>
+              <a:srgbClr val="3465a4"/>
+            </a:solidFill>
+          </a:ln>
+        </p:spPr>
+        <p:style>
+          <a:lnRef idx="0"/>
+          <a:fillRef idx="0"/>
+          <a:effectRef idx="0"/>
+          <a:fontRef idx="minor"/>
+        </p:style>
+      </p:sp>
+      <p:sp>
+        <p:nvSpPr>
+          <p:cNvPr id="199" name=""/>
+          <p:cNvSpPr/>
+          <p:nvPr/>
+        </p:nvSpPr>
+        <p:spPr>
+          <a:xfrm>
+            <a:off x="8915400" y="3200400"/>
+            <a:ext cx="1370520" cy="287640"/>
+          </a:xfrm>
+          <a:prstGeom prst="rect">
+            <a:avLst/>
+          </a:prstGeom>
+          <a:noFill/>
+          <a:ln w="0">
+            <a:noFill/>
+          </a:ln>
+        </p:spPr>
+        <p:style>
+          <a:lnRef idx="0"/>
+          <a:fillRef idx="0"/>
+          <a:effectRef idx="0"/>
+          <a:fontRef idx="minor"/>
+        </p:style>
+        <p:txBody>
+          <a:bodyPr lIns="90000" rIns="90000" tIns="45000" bIns="45000" anchor="t">
+            <a:noAutofit/>
+          </a:bodyPr>
+          <a:p>
+            <a:pPr>
+              <a:lnSpc>
+                <a:spcPct val="100000"/>
+              </a:lnSpc>
+            </a:pPr>
+            <a:r>
+              <a:rPr b="0" lang="en-US" sz="1400" spc="-1" strike="noStrike">
+                <a:solidFill>
+                  <a:srgbClr val="000000"/>
+                </a:solidFill>
+                <a:latin typeface="Arial"/>
+                <a:ea typeface="DejaVu Sans"/>
+              </a:rPr>
+              <a:t>...</a:t>
+            </a:r>
+            <a:endParaRPr b="0" lang="en-US" sz="1400" spc="-1" strike="noStrike">
+              <a:latin typeface="Arial"/>
+            </a:endParaRPr>
+          </a:p>
+        </p:txBody>
+      </p:sp>
+      <p:sp>
+        <p:nvSpPr>
+          <p:cNvPr id="200" name=""/>
+          <p:cNvSpPr/>
+          <p:nvPr/>
+        </p:nvSpPr>
+        <p:spPr>
+          <a:xfrm>
+            <a:off x="8458200" y="2514600"/>
+            <a:ext cx="457200" cy="685800"/>
+          </a:xfrm>
+          <a:prstGeom prst="line">
+            <a:avLst/>
+          </a:prstGeom>
+          <a:ln w="0">
+            <a:solidFill>
+              <a:srgbClr val="3465a4"/>
+            </a:solidFill>
+          </a:ln>
+        </p:spPr>
+        <p:style>
+          <a:lnRef idx="0"/>
+          <a:fillRef idx="0"/>
+          <a:effectRef idx="0"/>
+          <a:fontRef idx="minor"/>
+        </p:style>
+      </p:sp>
+      <p:sp>
+        <p:nvSpPr>
+          <p:cNvPr id="201" name=""/>
+          <p:cNvSpPr/>
+          <p:nvPr/>
+        </p:nvSpPr>
+        <p:spPr>
+          <a:xfrm>
+            <a:off x="8073000" y="2057400"/>
+            <a:ext cx="913320" cy="287640"/>
+          </a:xfrm>
+          <a:prstGeom prst="rect">
+            <a:avLst/>
+          </a:prstGeom>
+          <a:noFill/>
+          <a:ln w="0">
+            <a:noFill/>
+          </a:ln>
+        </p:spPr>
+        <p:style>
+          <a:lnRef idx="0"/>
+          <a:fillRef idx="0"/>
+          <a:effectRef idx="0"/>
+          <a:fontRef idx="minor"/>
+        </p:style>
+        <p:txBody>
+          <a:bodyPr lIns="90000" rIns="90000" tIns="45000" bIns="45000" anchor="t">
+            <a:noAutofit/>
+          </a:bodyPr>
+          <a:p>
+            <a:pPr>
+              <a:lnSpc>
+                <a:spcPct val="100000"/>
+              </a:lnSpc>
+            </a:pPr>
+            <a:r>
+              <a:rPr b="0" lang="en-US" sz="1400" spc="-1" strike="noStrike">
+                <a:solidFill>
+                  <a:srgbClr val="000000"/>
+                </a:solidFill>
+                <a:latin typeface="Arial"/>
+                <a:ea typeface="DejaVu Sans"/>
+              </a:rPr>
+              <a:t>B</a:t>
+            </a:r>
+            <a:endParaRPr b="0" lang="en-US" sz="1400" spc="-1" strike="noStrike">
+              <a:latin typeface="Arial"/>
+            </a:endParaRPr>
+          </a:p>
+        </p:txBody>
+      </p:sp>
+      <p:sp>
+        <p:nvSpPr>
+          <p:cNvPr id="202" name=""/>
+          <p:cNvSpPr/>
+          <p:nvPr/>
+        </p:nvSpPr>
+        <p:spPr>
+          <a:xfrm>
+            <a:off x="7243200" y="3176280"/>
+            <a:ext cx="913320" cy="287640"/>
+          </a:xfrm>
+          <a:prstGeom prst="rect">
+            <a:avLst/>
+          </a:prstGeom>
+          <a:noFill/>
+          <a:ln w="0">
+            <a:noFill/>
+          </a:ln>
+        </p:spPr>
+        <p:style>
+          <a:lnRef idx="0"/>
+          <a:fillRef idx="0"/>
+          <a:effectRef idx="0"/>
+          <a:fontRef idx="minor"/>
+        </p:style>
+        <p:txBody>
+          <a:bodyPr lIns="90000" rIns="90000" tIns="45000" bIns="45000" anchor="t">
+            <a:noAutofit/>
+          </a:bodyPr>
+          <a:p>
+            <a:pPr>
+              <a:lnSpc>
+                <a:spcPct val="100000"/>
+              </a:lnSpc>
+            </a:pPr>
+            <a:r>
+              <a:rPr b="0" lang="en-US" sz="1400" spc="-1" strike="noStrike">
+                <a:solidFill>
+                  <a:srgbClr val="000000"/>
+                </a:solidFill>
+                <a:latin typeface="Arial"/>
+                <a:ea typeface="DejaVu Sans"/>
+              </a:rPr>
+              <a:t>S1</a:t>
+            </a:r>
+            <a:endParaRPr b="0" lang="en-US" sz="1400" spc="-1" strike="noStrike">
+              <a:latin typeface="Arial"/>
+            </a:endParaRPr>
+          </a:p>
+        </p:txBody>
+      </p:sp>
+      <p:sp>
+        <p:nvSpPr>
+          <p:cNvPr id="203" name=""/>
+          <p:cNvSpPr/>
+          <p:nvPr/>
+        </p:nvSpPr>
+        <p:spPr>
+          <a:xfrm>
+            <a:off x="8071200" y="3176280"/>
+            <a:ext cx="913320" cy="287640"/>
+          </a:xfrm>
+          <a:prstGeom prst="rect">
+            <a:avLst/>
+          </a:prstGeom>
+          <a:noFill/>
+          <a:ln w="0">
+            <a:noFill/>
+          </a:ln>
+        </p:spPr>
+        <p:style>
+          <a:lnRef idx="0"/>
+          <a:fillRef idx="0"/>
+          <a:effectRef idx="0"/>
+          <a:fontRef idx="minor"/>
+        </p:style>
+        <p:txBody>
+          <a:bodyPr lIns="90000" rIns="90000" tIns="45000" bIns="45000" anchor="t">
+            <a:noAutofit/>
+          </a:bodyPr>
+          <a:p>
+            <a:pPr>
+              <a:lnSpc>
+                <a:spcPct val="100000"/>
+              </a:lnSpc>
+            </a:pPr>
+            <a:r>
+              <a:rPr b="0" lang="en-US" sz="1400" spc="-1" strike="noStrike">
+                <a:solidFill>
+                  <a:srgbClr val="000000"/>
+                </a:solidFill>
+                <a:latin typeface="Arial"/>
+                <a:ea typeface="DejaVu Sans"/>
+              </a:rPr>
+              <a:t>S2</a:t>
+            </a:r>
+            <a:endParaRPr b="0" lang="en-US" sz="1400" spc="-1" strike="noStrike">
+              <a:latin typeface="Arial"/>
+            </a:endParaRPr>
+          </a:p>
+        </p:txBody>
+      </p:sp>
+      <p:sp>
+        <p:nvSpPr>
+          <p:cNvPr id="204" name=""/>
+          <p:cNvSpPr/>
+          <p:nvPr/>
+        </p:nvSpPr>
+        <p:spPr>
+          <a:xfrm>
+            <a:off x="7314840" y="3814200"/>
+            <a:ext cx="1685880" cy="1685880"/>
+          </a:xfrm>
+          <a:prstGeom prst="ellipse">
+            <a:avLst/>
+          </a:prstGeom>
+          <a:solidFill>
+            <a:srgbClr val="ff0000"/>
+          </a:solidFill>
+          <a:ln w="0">
+            <a:solidFill>
+              <a:srgbClr val="3465a4"/>
+            </a:solidFill>
+          </a:ln>
+        </p:spPr>
+        <p:style>
+          <a:lnRef idx="0"/>
+          <a:fillRef idx="0"/>
+          <a:effectRef idx="0"/>
+          <a:fontRef idx="minor"/>
+        </p:style>
+      </p:sp>
+      <p:sp>
+        <p:nvSpPr>
+          <p:cNvPr id="205" name=""/>
+          <p:cNvSpPr/>
+          <p:nvPr/>
+        </p:nvSpPr>
+        <p:spPr>
+          <a:xfrm>
+            <a:off x="7459200" y="4187160"/>
+            <a:ext cx="684720" cy="684720"/>
+          </a:xfrm>
+          <a:prstGeom prst="ellipse">
+            <a:avLst/>
+          </a:prstGeom>
+          <a:solidFill>
+            <a:srgbClr val="ff0000"/>
+          </a:solidFill>
+          <a:ln w="0">
+            <a:solidFill>
+              <a:srgbClr val="3465a4"/>
+            </a:solidFill>
+          </a:ln>
+        </p:spPr>
+        <p:style>
+          <a:lnRef idx="0"/>
+          <a:fillRef idx="0"/>
+          <a:effectRef idx="0"/>
+          <a:fontRef idx="minor"/>
+        </p:style>
+      </p:sp>
+      <p:sp>
+        <p:nvSpPr>
+          <p:cNvPr id="206" name=""/>
+          <p:cNvSpPr/>
+          <p:nvPr/>
+        </p:nvSpPr>
+        <p:spPr>
+          <a:xfrm>
+            <a:off x="8157600" y="4536000"/>
+            <a:ext cx="684720" cy="684720"/>
+          </a:xfrm>
+          <a:prstGeom prst="ellipse">
+            <a:avLst/>
+          </a:prstGeom>
+          <a:solidFill>
+            <a:srgbClr val="ff0000"/>
+          </a:solidFill>
+          <a:ln w="0">
+            <a:solidFill>
+              <a:srgbClr val="3465a4"/>
+            </a:solidFill>
+          </a:ln>
+        </p:spPr>
+        <p:style>
+          <a:lnRef idx="0"/>
+          <a:fillRef idx="0"/>
+          <a:effectRef idx="0"/>
+          <a:fontRef idx="minor"/>
+        </p:style>
+      </p:sp>
+      <p:sp>
+        <p:nvSpPr>
+          <p:cNvPr id="207" name=""/>
+          <p:cNvSpPr/>
+          <p:nvPr/>
+        </p:nvSpPr>
+        <p:spPr>
+          <a:xfrm>
+            <a:off x="7615800" y="4379400"/>
+            <a:ext cx="913320" cy="287640"/>
+          </a:xfrm>
+          <a:prstGeom prst="rect">
+            <a:avLst/>
+          </a:prstGeom>
+          <a:noFill/>
+          <a:ln w="0">
+            <a:noFill/>
+          </a:ln>
+        </p:spPr>
+        <p:style>
+          <a:lnRef idx="0"/>
+          <a:fillRef idx="0"/>
+          <a:effectRef idx="0"/>
+          <a:fontRef idx="minor"/>
+        </p:style>
+        <p:txBody>
+          <a:bodyPr lIns="90000" rIns="90000" tIns="45000" bIns="45000" anchor="t">
+            <a:noAutofit/>
+          </a:bodyPr>
+          <a:p>
+            <a:pPr>
+              <a:lnSpc>
+                <a:spcPct val="100000"/>
+              </a:lnSpc>
+            </a:pPr>
+            <a:r>
+              <a:rPr b="0" lang="en-US" sz="1400" spc="-1" strike="noStrike">
+                <a:solidFill>
+                  <a:srgbClr val="000000"/>
+                </a:solidFill>
+                <a:latin typeface="Arial"/>
+                <a:ea typeface="DejaVu Sans"/>
+              </a:rPr>
+              <a:t>S1</a:t>
+            </a:r>
+            <a:endParaRPr b="0" lang="en-US" sz="1400" spc="-1" strike="noStrike">
+              <a:latin typeface="Arial"/>
+            </a:endParaRPr>
+          </a:p>
+        </p:txBody>
+      </p:sp>
+      <p:sp>
+        <p:nvSpPr>
+          <p:cNvPr id="208" name=""/>
+          <p:cNvSpPr/>
+          <p:nvPr/>
+        </p:nvSpPr>
+        <p:spPr>
+          <a:xfrm>
+            <a:off x="8322840" y="4724280"/>
+            <a:ext cx="913320" cy="287640"/>
+          </a:xfrm>
+          <a:prstGeom prst="rect">
+            <a:avLst/>
+          </a:prstGeom>
+          <a:noFill/>
+          <a:ln w="0">
+            <a:noFill/>
+          </a:ln>
+        </p:spPr>
+        <p:style>
+          <a:lnRef idx="0"/>
+          <a:fillRef idx="0"/>
+          <a:effectRef idx="0"/>
+          <a:fontRef idx="minor"/>
+        </p:style>
+        <p:txBody>
+          <a:bodyPr lIns="90000" rIns="90000" tIns="45000" bIns="45000" anchor="t">
+            <a:noAutofit/>
+          </a:bodyPr>
+          <a:p>
+            <a:pPr>
+              <a:lnSpc>
+                <a:spcPct val="100000"/>
+              </a:lnSpc>
+            </a:pPr>
+            <a:r>
+              <a:rPr b="0" lang="en-US" sz="1400" spc="-1" strike="noStrike">
+                <a:solidFill>
+                  <a:srgbClr val="000000"/>
+                </a:solidFill>
+                <a:latin typeface="Arial"/>
+                <a:ea typeface="DejaVu Sans"/>
+              </a:rPr>
+              <a:t>S2</a:t>
+            </a:r>
+            <a:endParaRPr b="0" lang="en-US" sz="1400" spc="-1" strike="noStrike">
+              <a:latin typeface="Arial"/>
+            </a:endParaRPr>
+          </a:p>
+        </p:txBody>
+      </p:sp>
+      <p:sp>
+        <p:nvSpPr>
+          <p:cNvPr id="209" name=""/>
+          <p:cNvSpPr/>
+          <p:nvPr/>
+        </p:nvSpPr>
+        <p:spPr>
+          <a:xfrm>
+            <a:off x="8288640" y="4001400"/>
+            <a:ext cx="913320" cy="287640"/>
+          </a:xfrm>
+          <a:prstGeom prst="rect">
+            <a:avLst/>
+          </a:prstGeom>
+          <a:noFill/>
+          <a:ln w="0">
+            <a:noFill/>
+          </a:ln>
+        </p:spPr>
+        <p:style>
+          <a:lnRef idx="0"/>
+          <a:fillRef idx="0"/>
+          <a:effectRef idx="0"/>
+          <a:fontRef idx="minor"/>
+        </p:style>
+        <p:txBody>
+          <a:bodyPr lIns="90000" rIns="90000" tIns="45000" bIns="45000" anchor="t">
+            <a:noAutofit/>
+          </a:bodyPr>
+          <a:p>
+            <a:pPr>
+              <a:lnSpc>
+                <a:spcPct val="100000"/>
+              </a:lnSpc>
+            </a:pPr>
+            <a:r>
+              <a:rPr b="0" lang="en-US" sz="1400" spc="-1" strike="noStrike">
+                <a:solidFill>
+                  <a:srgbClr val="000000"/>
+                </a:solidFill>
+                <a:latin typeface="Arial"/>
+                <a:ea typeface="DejaVu Sans"/>
+              </a:rPr>
+              <a:t>B</a:t>
+            </a:r>
+            <a:endParaRPr b="0" lang="en-US" sz="1400" spc="-1" strike="noStrike">
+              <a:latin typeface="Arial"/>
+            </a:endParaRPr>
+          </a:p>
+        </p:txBody>
+      </p:sp>
     </p:spTree>
   </p:cSld>
   <mc:AlternateContent>
@@ -9793,7 +9657,7 @@
         <p:spPr>
           <a:xfrm>
             <a:off x="504000" y="226080"/>
-            <a:ext cx="9070920" cy="945720"/>
+            <a:ext cx="9070560" cy="945360"/>
           </a:xfrm>
           <a:prstGeom prst="rect">
             <a:avLst/>
@@ -9834,7 +9698,7 @@
         <p:spPr>
           <a:xfrm>
             <a:off x="2355480" y="1992240"/>
-            <a:ext cx="5398200" cy="1697040"/>
+            <a:ext cx="5397840" cy="1696680"/>
           </a:xfrm>
           <a:prstGeom prst="rect">
             <a:avLst/>
@@ -10043,7 +9907,7 @@
       </p:grpSpPr>
       <p:sp>
         <p:nvSpPr>
-          <p:cNvPr id="207" name="PlaceHolder 1"/>
+          <p:cNvPr id="210" name="PlaceHolder 1"/>
           <p:cNvSpPr>
             <a:spLocks noGrp="1"/>
           </p:cNvSpPr>
@@ -10054,7 +9918,7 @@
         <p:spPr>
           <a:xfrm>
             <a:off x="504000" y="226080"/>
-            <a:ext cx="9070920" cy="945720"/>
+            <a:ext cx="9070560" cy="945360"/>
           </a:xfrm>
           <a:prstGeom prst="rect">
             <a:avLst/>
@@ -10078,7 +9942,7 @@
               <a:rPr b="0" lang="en-US" sz="4400" spc="-1" strike="noStrike">
                 <a:latin typeface="Arial"/>
               </a:rPr>
-              <a:t>React 101 – Component Logic</a:t>
+              <a:t>React 101 – Immutability</a:t>
             </a:r>
             <a:endParaRPr b="0" lang="en-US" sz="4400" spc="-1" strike="noStrike">
               <a:latin typeface="Arial"/>
@@ -10086,29 +9950,355 @@
           </a:p>
         </p:txBody>
       </p:sp>
-      <p:pic>
-        <p:nvPicPr>
-          <p:cNvPr id="208" name="" descr=""/>
-          <p:cNvPicPr/>
-          <p:nvPr/>
-        </p:nvPicPr>
-        <p:blipFill>
-          <a:blip r:embed="rId1"/>
-          <a:stretch/>
-        </p:blipFill>
-        <p:spPr>
-          <a:xfrm>
-            <a:off x="1143000" y="1600200"/>
-            <a:ext cx="7792920" cy="3545280"/>
-          </a:xfrm>
-          <a:prstGeom prst="rect">
-            <a:avLst/>
-          </a:prstGeom>
-          <a:ln w="0">
-            <a:noFill/>
-          </a:ln>
-        </p:spPr>
-      </p:pic>
+      <p:sp>
+        <p:nvSpPr>
+          <p:cNvPr id="211" name="PlaceHolder 2"/>
+          <p:cNvSpPr>
+            <a:spLocks noGrp="1"/>
+          </p:cNvSpPr>
+          <p:nvPr>
+            <p:ph/>
+          </p:nvPr>
+        </p:nvSpPr>
+        <p:spPr>
+          <a:xfrm>
+            <a:off x="504000" y="1326600"/>
+            <a:ext cx="9324720" cy="3701520"/>
+          </a:xfrm>
+          <a:prstGeom prst="rect">
+            <a:avLst/>
+          </a:prstGeom>
+          <a:noFill/>
+          <a:ln w="0">
+            <a:noFill/>
+          </a:ln>
+        </p:spPr>
+        <p:txBody>
+          <a:bodyPr lIns="0" rIns="0" tIns="0" bIns="0" anchor="t">
+            <a:normAutofit fontScale="71000"/>
+          </a:bodyPr>
+          <a:p>
+            <a:pPr marL="432000" indent="-324000">
+              <a:lnSpc>
+                <a:spcPct val="100000"/>
+              </a:lnSpc>
+              <a:spcBef>
+                <a:spcPts val="615"/>
+              </a:spcBef>
+              <a:buClr>
+                <a:srgbClr val="000000"/>
+              </a:buClr>
+              <a:buSzPct val="45000"/>
+              <a:buFont typeface="Wingdings" charset="2"/>
+              <a:buChar char=""/>
+              <a:tabLst>
+                <a:tab algn="l" pos="408240"/>
+              </a:tabLst>
+            </a:pPr>
+            <a:r>
+              <a:rPr b="0" lang="en-US" sz="1400" spc="-1" strike="noStrike">
+                <a:latin typeface="Arial"/>
+              </a:rPr>
+              <a:t>There are generally two approaches to changing data. </a:t>
+            </a:r>
+            <a:endParaRPr b="0" lang="en-US" sz="1400" spc="-1" strike="noStrike">
+              <a:latin typeface="Arial"/>
+            </a:endParaRPr>
+          </a:p>
+          <a:p>
+            <a:pPr marL="432000" indent="-324000">
+              <a:lnSpc>
+                <a:spcPct val="100000"/>
+              </a:lnSpc>
+              <a:spcBef>
+                <a:spcPts val="615"/>
+              </a:spcBef>
+              <a:buClr>
+                <a:srgbClr val="000000"/>
+              </a:buClr>
+              <a:buSzPct val="45000"/>
+              <a:buFont typeface="Wingdings" charset="2"/>
+              <a:buChar char=""/>
+              <a:tabLst>
+                <a:tab algn="l" pos="408240"/>
+              </a:tabLst>
+            </a:pPr>
+            <a:r>
+              <a:rPr b="0" lang="en-US" sz="1400" spc="-1" strike="noStrike">
+                <a:latin typeface="Arial"/>
+              </a:rPr>
+              <a:t>The first approach is to mutate the data by directly changing the data’s values. </a:t>
+            </a:r>
+            <a:endParaRPr b="0" lang="en-US" sz="1400" spc="-1" strike="noStrike">
+              <a:latin typeface="Arial"/>
+            </a:endParaRPr>
+          </a:p>
+          <a:p>
+            <a:pPr lvl="1" marL="864000" indent="-324000">
+              <a:lnSpc>
+                <a:spcPct val="100000"/>
+              </a:lnSpc>
+              <a:spcBef>
+                <a:spcPts val="1134"/>
+              </a:spcBef>
+              <a:buClr>
+                <a:srgbClr val="000000"/>
+              </a:buClr>
+              <a:buSzPct val="75000"/>
+              <a:buFont typeface="Symbol"/>
+              <a:buChar char=""/>
+              <a:tabLst>
+                <a:tab algn="l" pos="408240"/>
+              </a:tabLst>
+            </a:pPr>
+            <a:r>
+              <a:rPr b="0" lang="en-US" sz="2800" spc="-1" strike="noStrike">
+                <a:latin typeface="Arial"/>
+                <a:ea typeface="PingFang SC"/>
+              </a:rPr>
+              <a:t>const squares = [null, null, null, null, null, null … ];</a:t>
+            </a:r>
+            <a:endParaRPr b="0" lang="en-US" sz="2800" spc="-1" strike="noStrike">
+              <a:latin typeface="Arial"/>
+            </a:endParaRPr>
+          </a:p>
+          <a:p>
+            <a:pPr lvl="1" marL="864000" indent="-324000">
+              <a:lnSpc>
+                <a:spcPct val="100000"/>
+              </a:lnSpc>
+              <a:spcBef>
+                <a:spcPts val="1134"/>
+              </a:spcBef>
+              <a:buClr>
+                <a:srgbClr val="000000"/>
+              </a:buClr>
+              <a:buSzPct val="75000"/>
+              <a:buFont typeface="Symbol"/>
+              <a:buChar char=""/>
+              <a:tabLst>
+                <a:tab algn="l" pos="408240"/>
+              </a:tabLst>
+            </a:pPr>
+            <a:r>
+              <a:rPr b="0" lang="en-US" sz="2800" spc="-1" strike="noStrike">
+                <a:latin typeface="Arial"/>
+                <a:ea typeface="PingFang SC"/>
+              </a:rPr>
+              <a:t>squares[0] = ‘X’; </a:t>
+            </a:r>
+            <a:endParaRPr b="0" lang="en-US" sz="2800" spc="-1" strike="noStrike">
+              <a:latin typeface="Arial"/>
+            </a:endParaRPr>
+          </a:p>
+          <a:p>
+            <a:pPr>
+              <a:lnSpc>
+                <a:spcPct val="100000"/>
+              </a:lnSpc>
+              <a:spcBef>
+                <a:spcPts val="615"/>
+              </a:spcBef>
+              <a:tabLst>
+                <a:tab algn="l" pos="408240"/>
+              </a:tabLst>
+            </a:pPr>
+            <a:endParaRPr b="0" lang="en-US" sz="2800" spc="-1" strike="noStrike">
+              <a:latin typeface="Arial"/>
+            </a:endParaRPr>
+          </a:p>
+          <a:p>
+            <a:pPr marL="432000" indent="-324000">
+              <a:lnSpc>
+                <a:spcPct val="100000"/>
+              </a:lnSpc>
+              <a:spcBef>
+                <a:spcPts val="615"/>
+              </a:spcBef>
+              <a:buClr>
+                <a:srgbClr val="000000"/>
+              </a:buClr>
+              <a:buSzPct val="45000"/>
+              <a:buFont typeface="Wingdings" charset="2"/>
+              <a:buChar char=""/>
+              <a:tabLst>
+                <a:tab algn="l" pos="408240"/>
+              </a:tabLst>
+            </a:pPr>
+            <a:r>
+              <a:rPr b="0" lang="en-US" sz="1400" spc="-1" strike="noStrike">
+                <a:latin typeface="Arial"/>
+                <a:ea typeface="PingFang SC"/>
+              </a:rPr>
+              <a:t>The second approach is to replace the data with a new copy which has the desired changes. Here is what it would look like if you mutated the squares array:</a:t>
+            </a:r>
+            <a:endParaRPr b="0" lang="en-US" sz="1400" spc="-1" strike="noStrike">
+              <a:latin typeface="Arial"/>
+            </a:endParaRPr>
+          </a:p>
+          <a:p>
+            <a:pPr lvl="1" marL="864000" indent="-324000">
+              <a:lnSpc>
+                <a:spcPct val="100000"/>
+              </a:lnSpc>
+              <a:spcBef>
+                <a:spcPts val="1134"/>
+              </a:spcBef>
+              <a:buClr>
+                <a:srgbClr val="000000"/>
+              </a:buClr>
+              <a:buSzPct val="75000"/>
+              <a:buFont typeface="Symbol"/>
+              <a:buChar char=""/>
+              <a:tabLst>
+                <a:tab algn="l" pos="408240"/>
+              </a:tabLst>
+            </a:pPr>
+            <a:r>
+              <a:rPr b="0" lang="en-US" sz="2800" spc="-1" strike="noStrike">
+                <a:latin typeface="Arial"/>
+                <a:ea typeface="PingFang SC"/>
+              </a:rPr>
+              <a:t>const squares = [null, null, null, null, null, null … ];</a:t>
+            </a:r>
+            <a:endParaRPr b="0" lang="en-US" sz="2800" spc="-1" strike="noStrike">
+              <a:latin typeface="Arial"/>
+            </a:endParaRPr>
+          </a:p>
+          <a:p>
+            <a:pPr lvl="1" marL="864000" indent="-324000">
+              <a:lnSpc>
+                <a:spcPct val="100000"/>
+              </a:lnSpc>
+              <a:spcBef>
+                <a:spcPts val="1134"/>
+              </a:spcBef>
+              <a:buClr>
+                <a:srgbClr val="000000"/>
+              </a:buClr>
+              <a:buSzPct val="75000"/>
+              <a:buFont typeface="Symbol"/>
+              <a:buChar char=""/>
+              <a:tabLst>
+                <a:tab algn="l" pos="408240"/>
+              </a:tabLst>
+            </a:pPr>
+            <a:r>
+              <a:rPr b="0" lang="en-US" sz="2800" spc="-1" strike="noStrike">
+                <a:latin typeface="Arial"/>
+                <a:ea typeface="PingFang SC"/>
+              </a:rPr>
+              <a:t>const nextSquares = [‘X’, null, null, null, null, null … ]; </a:t>
+            </a:r>
+            <a:endParaRPr b="0" lang="en-US" sz="2800" spc="-1" strike="noStrike">
+              <a:latin typeface="Arial"/>
+            </a:endParaRPr>
+          </a:p>
+          <a:p>
+            <a:pPr>
+              <a:lnSpc>
+                <a:spcPct val="100000"/>
+              </a:lnSpc>
+              <a:spcBef>
+                <a:spcPts val="615"/>
+              </a:spcBef>
+              <a:tabLst>
+                <a:tab algn="l" pos="408240"/>
+              </a:tabLst>
+            </a:pPr>
+            <a:endParaRPr b="0" lang="en-US" sz="2800" spc="-1" strike="noStrike">
+              <a:latin typeface="Arial"/>
+            </a:endParaRPr>
+          </a:p>
+          <a:p>
+            <a:pPr marL="432000" indent="-324000">
+              <a:lnSpc>
+                <a:spcPct val="100000"/>
+              </a:lnSpc>
+              <a:spcBef>
+                <a:spcPts val="615"/>
+              </a:spcBef>
+              <a:buClr>
+                <a:srgbClr val="000000"/>
+              </a:buClr>
+              <a:buSzPct val="45000"/>
+              <a:buFont typeface="Wingdings" charset="2"/>
+              <a:buChar char=""/>
+              <a:tabLst>
+                <a:tab algn="l" pos="408240"/>
+              </a:tabLst>
+            </a:pPr>
+            <a:r>
+              <a:rPr b="0" lang="en-US" sz="1400" spc="-1" strike="noStrike">
+                <a:latin typeface="Arial"/>
+                <a:ea typeface="PingFang SC"/>
+              </a:rPr>
+              <a:t>There is also another benefit of immutability: By default, all child components re-render automatically when the state of a parent component changes. </a:t>
+            </a:r>
+            <a:endParaRPr b="0" lang="en-US" sz="1400" spc="-1" strike="noStrike">
+              <a:latin typeface="Arial"/>
+            </a:endParaRPr>
+          </a:p>
+          <a:p>
+            <a:pPr marL="432000" indent="-324000">
+              <a:lnSpc>
+                <a:spcPct val="100000"/>
+              </a:lnSpc>
+              <a:spcBef>
+                <a:spcPts val="615"/>
+              </a:spcBef>
+              <a:buClr>
+                <a:srgbClr val="000000"/>
+              </a:buClr>
+              <a:buSzPct val="45000"/>
+              <a:buFont typeface="Wingdings" charset="2"/>
+              <a:buChar char=""/>
+              <a:tabLst>
+                <a:tab algn="l" pos="408240"/>
+              </a:tabLst>
+            </a:pPr>
+            <a:r>
+              <a:rPr b="0" lang="en-US" sz="1400" spc="-1" strike="noStrike">
+                <a:latin typeface="Arial"/>
+                <a:ea typeface="PingFang SC"/>
+              </a:rPr>
+              <a:t>This includes even the child components that weren’t affected by the change. Although re-rendering is not by itself noticeable to the user (you shouldn’t actively try to avoid it!), you might want to skip re-rendering a part of the tree that clearly wasn’t affected by it for performance reasons. </a:t>
+            </a:r>
+            <a:endParaRPr b="0" lang="en-US" sz="1400" spc="-1" strike="noStrike">
+              <a:latin typeface="Arial"/>
+            </a:endParaRPr>
+          </a:p>
+          <a:p>
+            <a:pPr marL="432000" indent="-324000">
+              <a:lnSpc>
+                <a:spcPct val="100000"/>
+              </a:lnSpc>
+              <a:spcBef>
+                <a:spcPts val="615"/>
+              </a:spcBef>
+              <a:buClr>
+                <a:srgbClr val="000000"/>
+              </a:buClr>
+              <a:buSzPct val="45000"/>
+              <a:buFont typeface="Wingdings" charset="2"/>
+              <a:buChar char=""/>
+              <a:tabLst>
+                <a:tab algn="l" pos="408240"/>
+              </a:tabLst>
+            </a:pPr>
+            <a:r>
+              <a:rPr b="0" lang="en-US" sz="1400" spc="-1" strike="noStrike">
+                <a:latin typeface="Arial"/>
+                <a:ea typeface="PingFang SC"/>
+              </a:rPr>
+              <a:t>Immutability makes it very cheap for components to compare whether their data has changed or not. </a:t>
+            </a:r>
+            <a:endParaRPr b="0" lang="en-US" sz="1400" spc="-1" strike="noStrike">
+              <a:latin typeface="Arial"/>
+            </a:endParaRPr>
+          </a:p>
+        </p:txBody>
+      </p:sp>
     </p:spTree>
   </p:cSld>
   <mc:AlternateContent>
@@ -10141,7 +10331,7 @@
       </p:grpSpPr>
       <p:sp>
         <p:nvSpPr>
-          <p:cNvPr id="209" name="PlaceHolder 1"/>
+          <p:cNvPr id="212" name="PlaceHolder 1"/>
           <p:cNvSpPr>
             <a:spLocks noGrp="1"/>
           </p:cNvSpPr>
@@ -10152,7 +10342,7 @@
         <p:spPr>
           <a:xfrm>
             <a:off x="504000" y="226080"/>
-            <a:ext cx="9070920" cy="945720"/>
+            <a:ext cx="9070560" cy="945360"/>
           </a:xfrm>
           <a:prstGeom prst="rect">
             <a:avLst/>
@@ -10176,7 +10366,7 @@
               <a:rPr b="0" lang="en-US" sz="4400" spc="-1" strike="noStrike">
                 <a:latin typeface="Arial"/>
               </a:rPr>
-              <a:t>A.I. Development – GPT</a:t>
+              <a:t>React 101 – Component Logic</a:t>
             </a:r>
             <a:endParaRPr b="0" lang="en-US" sz="4400" spc="-1" strike="noStrike">
               <a:latin typeface="Arial"/>
@@ -10184,6 +10374,29 @@
           </a:p>
         </p:txBody>
       </p:sp>
+      <p:pic>
+        <p:nvPicPr>
+          <p:cNvPr id="213" name="" descr=""/>
+          <p:cNvPicPr/>
+          <p:nvPr/>
+        </p:nvPicPr>
+        <p:blipFill>
+          <a:blip r:embed="rId1"/>
+          <a:stretch/>
+        </p:blipFill>
+        <p:spPr>
+          <a:xfrm>
+            <a:off x="1323000" y="1179000"/>
+            <a:ext cx="7314120" cy="4113720"/>
+          </a:xfrm>
+          <a:prstGeom prst="rect">
+            <a:avLst/>
+          </a:prstGeom>
+          <a:ln w="0">
+            <a:noFill/>
+          </a:ln>
+        </p:spPr>
+      </p:pic>
     </p:spTree>
   </p:cSld>
   <mc:AlternateContent>
@@ -10216,7 +10429,7 @@
       </p:grpSpPr>
       <p:sp>
         <p:nvSpPr>
-          <p:cNvPr id="210" name="PlaceHolder 1"/>
+          <p:cNvPr id="214" name="PlaceHolder 1"/>
           <p:cNvSpPr>
             <a:spLocks noGrp="1"/>
           </p:cNvSpPr>
@@ -10227,7 +10440,7 @@
         <p:spPr>
           <a:xfrm>
             <a:off x="504000" y="226080"/>
-            <a:ext cx="9070920" cy="945720"/>
+            <a:ext cx="9070560" cy="945360"/>
           </a:xfrm>
           <a:prstGeom prst="rect">
             <a:avLst/>
@@ -10251,130 +10464,9 @@
               <a:rPr b="0" lang="en-US" sz="4400" spc="-1" strike="noStrike">
                 <a:latin typeface="Arial"/>
               </a:rPr>
-              <a:t>Further Learning – Resources</a:t>
-            </a:r>
-            <a:r>
-              <a:rPr b="0" lang="en-US" sz="4400" spc="-1" strike="noStrike">
-                <a:latin typeface="Arial"/>
-              </a:rPr>
-              <a:t>	</a:t>
+              <a:t>React 101 – Component Logic</a:t>
             </a:r>
             <a:endParaRPr b="0" lang="en-US" sz="4400" spc="-1" strike="noStrike">
-              <a:latin typeface="Arial"/>
-            </a:endParaRPr>
-          </a:p>
-        </p:txBody>
-      </p:sp>
-      <p:sp>
-        <p:nvSpPr>
-          <p:cNvPr id="211" name=""/>
-          <p:cNvSpPr txBox="1"/>
-          <p:nvPr/>
-        </p:nvSpPr>
-        <p:spPr>
-          <a:xfrm>
-            <a:off x="1503000" y="1318320"/>
-            <a:ext cx="8458200" cy="2905920"/>
-          </a:xfrm>
-          <a:prstGeom prst="rect">
-            <a:avLst/>
-          </a:prstGeom>
-          <a:noFill/>
-          <a:ln w="0">
-            <a:noFill/>
-          </a:ln>
-        </p:spPr>
-        <p:txBody>
-          <a:bodyPr lIns="90000" rIns="90000" tIns="45000" bIns="45000" anchor="t">
-            <a:noAutofit/>
-          </a:bodyPr>
-          <a:p>
-            <a:r>
-              <a:rPr b="0" lang="en-US" sz="1800" spc="-1" strike="noStrike">
-                <a:latin typeface="Arial"/>
-              </a:rPr>
-              <a:t>Books </a:t>
-            </a:r>
-            <a:endParaRPr b="0" lang="en-US" sz="1800" spc="-1" strike="noStrike">
-              <a:latin typeface="Arial"/>
-            </a:endParaRPr>
-          </a:p>
-          <a:p>
-            <a:r>
-              <a:rPr b="0" lang="en-US" sz="1800" spc="-1" strike="noStrike">
-                <a:latin typeface="Arial"/>
-              </a:rPr>
-              <a:t>- Structure and Interpretation of Computer Programs (SICP) </a:t>
-            </a:r>
-            <a:endParaRPr b="0" lang="en-US" sz="1800" spc="-1" strike="noStrike">
-              <a:latin typeface="Arial"/>
-            </a:endParaRPr>
-          </a:p>
-          <a:p>
-            <a:br/>
-            <a:r>
-              <a:rPr b="0" lang="en-US" sz="1800" spc="-1" strike="noStrike">
-                <a:latin typeface="Arial"/>
-              </a:rPr>
-              <a:t>- Paradigms of Artificial Intelligence  Programming: Case studies in Common Lisp</a:t>
-            </a:r>
-            <a:endParaRPr b="0" lang="en-US" sz="1800" spc="-1" strike="noStrike">
-              <a:latin typeface="Arial"/>
-            </a:endParaRPr>
-          </a:p>
-          <a:p>
-            <a:r>
-              <a:rPr b="0" lang="en-US" sz="1800" spc="-1" strike="noStrike">
-                <a:latin typeface="Arial"/>
-              </a:rPr>
-              <a:t>  </a:t>
-            </a:r>
-            <a:r>
-              <a:rPr b="0" lang="en-US" sz="1800" spc="-1" strike="noStrike">
-                <a:latin typeface="Arial"/>
-              </a:rPr>
-              <a:t>(PAIP)</a:t>
-            </a:r>
-            <a:endParaRPr b="0" lang="en-US" sz="1800" spc="-1" strike="noStrike">
-              <a:latin typeface="Arial"/>
-            </a:endParaRPr>
-          </a:p>
-          <a:p>
-            <a:endParaRPr b="0" lang="en-US" sz="1800" spc="-1" strike="noStrike">
-              <a:latin typeface="Arial"/>
-            </a:endParaRPr>
-          </a:p>
-          <a:p>
-            <a:r>
-              <a:rPr b="0" lang="en-US" sz="1800" spc="-1" strike="noStrike">
-                <a:latin typeface="Arial"/>
-              </a:rPr>
-              <a:t>Videos</a:t>
-            </a:r>
-            <a:endParaRPr b="0" lang="en-US" sz="1800" spc="-1" strike="noStrike">
-              <a:latin typeface="Arial"/>
-            </a:endParaRPr>
-          </a:p>
-          <a:p>
-            <a:r>
-              <a:rPr b="0" lang="en-US" sz="1800" spc="-1" strike="noStrike">
-                <a:latin typeface="Arial"/>
-              </a:rPr>
-              <a:t>- Learning Functional Programming with JavaScript - Anjana Vakil - JSUnconf</a:t>
-            </a:r>
-            <a:endParaRPr b="0" lang="en-US" sz="1800" spc="-1" strike="noStrike">
-              <a:latin typeface="Arial"/>
-            </a:endParaRPr>
-          </a:p>
-          <a:p>
-            <a:br/>
-            <a:r>
-              <a:rPr b="0" lang="en-US" sz="1800" spc="-1" strike="noStrike">
-                <a:latin typeface="Arial"/>
-              </a:rPr>
-              <a:t>- A Flock of Functions: Lambda Calculus and Combinatory Logic in JavaScript | Gabriel Lebec @ DevTalks  </a:t>
-            </a:r>
-            <a:endParaRPr b="0" lang="en-US" sz="1800" spc="-1" strike="noStrike">
               <a:latin typeface="Arial"/>
             </a:endParaRPr>
           </a:p>
@@ -10382,7 +10474,7 @@
       </p:sp>
       <p:pic>
         <p:nvPicPr>
-          <p:cNvPr id="212" name="" descr=""/>
+          <p:cNvPr id="215" name="" descr=""/>
           <p:cNvPicPr/>
           <p:nvPr/>
         </p:nvPicPr>
@@ -10392,31 +10484,8 @@
         </p:blipFill>
         <p:spPr>
           <a:xfrm>
-            <a:off x="444600" y="1371600"/>
-            <a:ext cx="927000" cy="1335600"/>
-          </a:xfrm>
-          <a:prstGeom prst="rect">
-            <a:avLst/>
-          </a:prstGeom>
-          <a:ln w="0">
-            <a:noFill/>
-          </a:ln>
-        </p:spPr>
-      </p:pic>
-      <p:pic>
-        <p:nvPicPr>
-          <p:cNvPr id="213" name="" descr=""/>
-          <p:cNvPicPr/>
-          <p:nvPr/>
-        </p:nvPicPr>
-        <p:blipFill>
-          <a:blip r:embed="rId2"/>
-          <a:stretch/>
-        </p:blipFill>
-        <p:spPr>
-          <a:xfrm>
-            <a:off x="4644360" y="4237920"/>
-            <a:ext cx="1419840" cy="863280"/>
+            <a:off x="1695600" y="1073880"/>
+            <a:ext cx="6539040" cy="4290840"/>
           </a:xfrm>
           <a:prstGeom prst="rect">
             <a:avLst/>
@@ -10440,6 +10509,467 @@
 </file>
 
 <file path=ppt/slides/slide33.xml><?xml version="1.0" encoding="utf-8"?>
+<p:sld xmlns:a="http://schemas.openxmlformats.org/drawingml/2006/main" xmlns:p="http://schemas.openxmlformats.org/presentationml/2006/main" xmlns:r="http://schemas.openxmlformats.org/officeDocument/2006/relationships" xmlns:p14="http://schemas.microsoft.com/office/powerpoint/2010/main" xmlns:p15="http://schemas.microsoft.com/office/powerpoint/2012/main" xmlns:mc="http://schemas.openxmlformats.org/markup-compatibility/2006">
+  <p:cSld>
+    <p:spTree>
+      <p:nvGrpSpPr>
+        <p:cNvPr id="1" name=""/>
+        <p:cNvGrpSpPr/>
+        <p:nvPr/>
+      </p:nvGrpSpPr>
+      <p:grpSpPr>
+        <a:xfrm>
+          <a:off x="0" y="0"/>
+          <a:ext cx="0" cy="0"/>
+          <a:chOff x="0" y="0"/>
+          <a:chExt cx="0" cy="0"/>
+        </a:xfrm>
+      </p:grpSpPr>
+      <p:sp>
+        <p:nvSpPr>
+          <p:cNvPr id="216" name="PlaceHolder 1"/>
+          <p:cNvSpPr>
+            <a:spLocks noGrp="1"/>
+          </p:cNvSpPr>
+          <p:nvPr>
+            <p:ph type="title"/>
+          </p:nvPr>
+        </p:nvSpPr>
+        <p:spPr>
+          <a:xfrm>
+            <a:off x="504000" y="226080"/>
+            <a:ext cx="9070560" cy="945360"/>
+          </a:xfrm>
+          <a:prstGeom prst="rect">
+            <a:avLst/>
+          </a:prstGeom>
+          <a:noFill/>
+          <a:ln w="0">
+            <a:noFill/>
+          </a:ln>
+        </p:spPr>
+        <p:txBody>
+          <a:bodyPr lIns="0" rIns="0" tIns="0" bIns="0" anchor="ctr">
+            <a:noAutofit/>
+          </a:bodyPr>
+          <a:p>
+            <a:pPr algn="ctr">
+              <a:lnSpc>
+                <a:spcPct val="100000"/>
+              </a:lnSpc>
+            </a:pPr>
+            <a:r>
+              <a:rPr b="0" lang="en-US" sz="4400" spc="-1" strike="noStrike">
+                <a:latin typeface="Arial"/>
+              </a:rPr>
+              <a:t>React 101 – Component Logic</a:t>
+            </a:r>
+            <a:endParaRPr b="0" lang="en-US" sz="4400" spc="-1" strike="noStrike">
+              <a:latin typeface="Arial"/>
+            </a:endParaRPr>
+          </a:p>
+        </p:txBody>
+      </p:sp>
+      <p:pic>
+        <p:nvPicPr>
+          <p:cNvPr id="217" name="" descr=""/>
+          <p:cNvPicPr/>
+          <p:nvPr/>
+        </p:nvPicPr>
+        <p:blipFill>
+          <a:blip r:embed="rId1"/>
+          <a:stretch/>
+        </p:blipFill>
+        <p:spPr>
+          <a:xfrm>
+            <a:off x="1143000" y="1600200"/>
+            <a:ext cx="7792560" cy="3544920"/>
+          </a:xfrm>
+          <a:prstGeom prst="rect">
+            <a:avLst/>
+          </a:prstGeom>
+          <a:ln w="0">
+            <a:noFill/>
+          </a:ln>
+        </p:spPr>
+      </p:pic>
+    </p:spTree>
+  </p:cSld>
+  <mc:AlternateContent>
+    <mc:Choice Requires="p14">
+      <p:transition spd="slow" p14:dur="2000"/>
+    </mc:Choice>
+    <mc:Fallback>
+      <p:transition spd="slow"/>
+    </mc:Fallback>
+  </mc:AlternateContent>
+</p:sld>
+</file>
+
+<file path=ppt/slides/slide34.xml><?xml version="1.0" encoding="utf-8"?>
+<p:sld xmlns:a="http://schemas.openxmlformats.org/drawingml/2006/main" xmlns:p="http://schemas.openxmlformats.org/presentationml/2006/main" xmlns:r="http://schemas.openxmlformats.org/officeDocument/2006/relationships" xmlns:p14="http://schemas.microsoft.com/office/powerpoint/2010/main" xmlns:p15="http://schemas.microsoft.com/office/powerpoint/2012/main" xmlns:mc="http://schemas.openxmlformats.org/markup-compatibility/2006">
+  <p:cSld>
+    <p:spTree>
+      <p:nvGrpSpPr>
+        <p:cNvPr id="1" name=""/>
+        <p:cNvGrpSpPr/>
+        <p:nvPr/>
+      </p:nvGrpSpPr>
+      <p:grpSpPr>
+        <a:xfrm>
+          <a:off x="0" y="0"/>
+          <a:ext cx="0" cy="0"/>
+          <a:chOff x="0" y="0"/>
+          <a:chExt cx="0" cy="0"/>
+        </a:xfrm>
+      </p:grpSpPr>
+      <p:sp>
+        <p:nvSpPr>
+          <p:cNvPr id="218" name="PlaceHolder 1"/>
+          <p:cNvSpPr>
+            <a:spLocks noGrp="1"/>
+          </p:cNvSpPr>
+          <p:nvPr>
+            <p:ph type="title"/>
+          </p:nvPr>
+        </p:nvSpPr>
+        <p:spPr>
+          <a:xfrm>
+            <a:off x="504000" y="226080"/>
+            <a:ext cx="9070560" cy="945360"/>
+          </a:xfrm>
+          <a:prstGeom prst="rect">
+            <a:avLst/>
+          </a:prstGeom>
+          <a:noFill/>
+          <a:ln w="0">
+            <a:noFill/>
+          </a:ln>
+        </p:spPr>
+        <p:txBody>
+          <a:bodyPr lIns="0" rIns="0" tIns="0" bIns="0" anchor="ctr">
+            <a:noAutofit/>
+          </a:bodyPr>
+          <a:p>
+            <a:pPr algn="ctr">
+              <a:lnSpc>
+                <a:spcPct val="100000"/>
+              </a:lnSpc>
+            </a:pPr>
+            <a:r>
+              <a:rPr b="0" lang="en-US" sz="4400" spc="-1" strike="noStrike">
+                <a:latin typeface="Arial"/>
+              </a:rPr>
+              <a:t>A.I. Development – GPT</a:t>
+            </a:r>
+            <a:endParaRPr b="0" lang="en-US" sz="4400" spc="-1" strike="noStrike">
+              <a:latin typeface="Arial"/>
+            </a:endParaRPr>
+          </a:p>
+        </p:txBody>
+      </p:sp>
+    </p:spTree>
+  </p:cSld>
+  <mc:AlternateContent>
+    <mc:Choice Requires="p14">
+      <p:transition spd="slow" p14:dur="2000"/>
+    </mc:Choice>
+    <mc:Fallback>
+      <p:transition spd="slow"/>
+    </mc:Fallback>
+  </mc:AlternateContent>
+</p:sld>
+</file>
+
+<file path=ppt/slides/slide35.xml><?xml version="1.0" encoding="utf-8"?>
+<p:sld xmlns:a="http://schemas.openxmlformats.org/drawingml/2006/main" xmlns:p="http://schemas.openxmlformats.org/presentationml/2006/main" xmlns:r="http://schemas.openxmlformats.org/officeDocument/2006/relationships" xmlns:p14="http://schemas.microsoft.com/office/powerpoint/2010/main" xmlns:p15="http://schemas.microsoft.com/office/powerpoint/2012/main" xmlns:mc="http://schemas.openxmlformats.org/markup-compatibility/2006">
+  <p:cSld>
+    <p:spTree>
+      <p:nvGrpSpPr>
+        <p:cNvPr id="1" name=""/>
+        <p:cNvGrpSpPr/>
+        <p:nvPr/>
+      </p:nvGrpSpPr>
+      <p:grpSpPr>
+        <a:xfrm>
+          <a:off x="0" y="0"/>
+          <a:ext cx="0" cy="0"/>
+          <a:chOff x="0" y="0"/>
+          <a:chExt cx="0" cy="0"/>
+        </a:xfrm>
+      </p:grpSpPr>
+      <p:sp>
+        <p:nvSpPr>
+          <p:cNvPr id="219" name="PlaceHolder 1"/>
+          <p:cNvSpPr>
+            <a:spLocks noGrp="1"/>
+          </p:cNvSpPr>
+          <p:nvPr>
+            <p:ph type="title"/>
+          </p:nvPr>
+        </p:nvSpPr>
+        <p:spPr>
+          <a:xfrm>
+            <a:off x="504000" y="226080"/>
+            <a:ext cx="9070560" cy="945360"/>
+          </a:xfrm>
+          <a:prstGeom prst="rect">
+            <a:avLst/>
+          </a:prstGeom>
+          <a:noFill/>
+          <a:ln w="0">
+            <a:noFill/>
+          </a:ln>
+        </p:spPr>
+        <p:txBody>
+          <a:bodyPr lIns="0" rIns="0" tIns="0" bIns="0" anchor="ctr">
+            <a:noAutofit/>
+          </a:bodyPr>
+          <a:p>
+            <a:pPr algn="ctr">
+              <a:lnSpc>
+                <a:spcPct val="100000"/>
+              </a:lnSpc>
+            </a:pPr>
+            <a:r>
+              <a:rPr b="0" lang="en-US" sz="4400" spc="-1" strike="noStrike">
+                <a:latin typeface="Arial"/>
+              </a:rPr>
+              <a:t>Further Learning – Resources</a:t>
+            </a:r>
+            <a:r>
+              <a:rPr b="0" lang="en-US" sz="4400" spc="-1" strike="noStrike">
+                <a:latin typeface="Arial"/>
+              </a:rPr>
+              <a:t>	</a:t>
+            </a:r>
+            <a:endParaRPr b="0" lang="en-US" sz="4400" spc="-1" strike="noStrike">
+              <a:latin typeface="Arial"/>
+            </a:endParaRPr>
+          </a:p>
+        </p:txBody>
+      </p:sp>
+      <p:sp>
+        <p:nvSpPr>
+          <p:cNvPr id="220" name=""/>
+          <p:cNvSpPr/>
+          <p:nvPr/>
+        </p:nvSpPr>
+        <p:spPr>
+          <a:xfrm>
+            <a:off x="1503000" y="1318320"/>
+            <a:ext cx="8457840" cy="2905560"/>
+          </a:xfrm>
+          <a:prstGeom prst="rect">
+            <a:avLst/>
+          </a:prstGeom>
+          <a:noFill/>
+          <a:ln w="0">
+            <a:noFill/>
+          </a:ln>
+        </p:spPr>
+        <p:style>
+          <a:lnRef idx="0"/>
+          <a:fillRef idx="0"/>
+          <a:effectRef idx="0"/>
+          <a:fontRef idx="minor"/>
+        </p:style>
+        <p:txBody>
+          <a:bodyPr lIns="90000" rIns="90000" tIns="45000" bIns="45000" anchor="t">
+            <a:noAutofit/>
+          </a:bodyPr>
+          <a:p>
+            <a:pPr>
+              <a:lnSpc>
+                <a:spcPct val="100000"/>
+              </a:lnSpc>
+            </a:pPr>
+            <a:r>
+              <a:rPr b="0" lang="en-US" sz="1800" spc="-1" strike="noStrike">
+                <a:latin typeface="Arial"/>
+              </a:rPr>
+              <a:t>Books </a:t>
+            </a:r>
+            <a:endParaRPr b="0" lang="en-US" sz="1800" spc="-1" strike="noStrike">
+              <a:latin typeface="Arial"/>
+            </a:endParaRPr>
+          </a:p>
+          <a:p>
+            <a:pPr>
+              <a:lnSpc>
+                <a:spcPct val="100000"/>
+              </a:lnSpc>
+            </a:pPr>
+            <a:r>
+              <a:rPr b="0" lang="en-US" sz="1800" spc="-1" strike="noStrike">
+                <a:latin typeface="Arial"/>
+              </a:rPr>
+              <a:t>- Structure and Interpretation of Computer Programs (SICP) </a:t>
+            </a:r>
+            <a:endParaRPr b="0" lang="en-US" sz="1800" spc="-1" strike="noStrike">
+              <a:latin typeface="Arial"/>
+            </a:endParaRPr>
+          </a:p>
+          <a:p>
+            <a:pPr>
+              <a:lnSpc>
+                <a:spcPct val="100000"/>
+              </a:lnSpc>
+            </a:pPr>
+            <a:br/>
+            <a:r>
+              <a:rPr b="0" lang="en-US" sz="1800" spc="-1" strike="noStrike">
+                <a:latin typeface="Arial"/>
+              </a:rPr>
+              <a:t>- Paradigms of Artificial Intelligence  Programming: Case studies in Common Lisp</a:t>
+            </a:r>
+            <a:endParaRPr b="0" lang="en-US" sz="1800" spc="-1" strike="noStrike">
+              <a:latin typeface="Arial"/>
+            </a:endParaRPr>
+          </a:p>
+          <a:p>
+            <a:pPr>
+              <a:lnSpc>
+                <a:spcPct val="100000"/>
+              </a:lnSpc>
+            </a:pPr>
+            <a:r>
+              <a:rPr b="0" lang="en-US" sz="1800" spc="-1" strike="noStrike">
+                <a:latin typeface="Arial"/>
+              </a:rPr>
+              <a:t>  </a:t>
+            </a:r>
+            <a:r>
+              <a:rPr b="0" lang="en-US" sz="1800" spc="-1" strike="noStrike">
+                <a:latin typeface="Arial"/>
+              </a:rPr>
+              <a:t>(PAIP)</a:t>
+            </a:r>
+            <a:endParaRPr b="0" lang="en-US" sz="1800" spc="-1" strike="noStrike">
+              <a:latin typeface="Arial"/>
+            </a:endParaRPr>
+          </a:p>
+          <a:p>
+            <a:pPr>
+              <a:lnSpc>
+                <a:spcPct val="100000"/>
+              </a:lnSpc>
+            </a:pPr>
+            <a:endParaRPr b="0" lang="en-US" sz="1800" spc="-1" strike="noStrike">
+              <a:latin typeface="Arial"/>
+            </a:endParaRPr>
+          </a:p>
+          <a:p>
+            <a:pPr>
+              <a:lnSpc>
+                <a:spcPct val="100000"/>
+              </a:lnSpc>
+            </a:pPr>
+            <a:r>
+              <a:rPr b="0" lang="en-US" sz="1800" spc="-1" strike="noStrike">
+                <a:latin typeface="Arial"/>
+              </a:rPr>
+              <a:t>Videos</a:t>
+            </a:r>
+            <a:endParaRPr b="0" lang="en-US" sz="1800" spc="-1" strike="noStrike">
+              <a:latin typeface="Arial"/>
+            </a:endParaRPr>
+          </a:p>
+          <a:p>
+            <a:pPr>
+              <a:lnSpc>
+                <a:spcPct val="100000"/>
+              </a:lnSpc>
+            </a:pPr>
+            <a:r>
+              <a:rPr b="0" lang="en-US" sz="1800" spc="-1" strike="noStrike">
+                <a:latin typeface="Arial"/>
+              </a:rPr>
+              <a:t>- Learning Functional Programming with JavaScript - Anjana Vakil - JSUnconf</a:t>
+            </a:r>
+            <a:endParaRPr b="0" lang="en-US" sz="1800" spc="-1" strike="noStrike">
+              <a:latin typeface="Arial"/>
+            </a:endParaRPr>
+          </a:p>
+          <a:p>
+            <a:pPr>
+              <a:lnSpc>
+                <a:spcPct val="100000"/>
+              </a:lnSpc>
+            </a:pPr>
+            <a:br/>
+            <a:r>
+              <a:rPr b="0" lang="en-US" sz="1800" spc="-1" strike="noStrike">
+                <a:latin typeface="Arial"/>
+              </a:rPr>
+              <a:t>- A Flock of Functions: Lambda Calculus and Combinatory Logic in JavaScript | Gabriel Lebec @ DevTalks  </a:t>
+            </a:r>
+            <a:endParaRPr b="0" lang="en-US" sz="1800" spc="-1" strike="noStrike">
+              <a:latin typeface="Arial"/>
+            </a:endParaRPr>
+          </a:p>
+        </p:txBody>
+      </p:sp>
+      <p:pic>
+        <p:nvPicPr>
+          <p:cNvPr id="221" name="" descr=""/>
+          <p:cNvPicPr/>
+          <p:nvPr/>
+        </p:nvPicPr>
+        <p:blipFill>
+          <a:blip r:embed="rId1"/>
+          <a:stretch/>
+        </p:blipFill>
+        <p:spPr>
+          <a:xfrm>
+            <a:off x="444600" y="1371600"/>
+            <a:ext cx="926640" cy="1335240"/>
+          </a:xfrm>
+          <a:prstGeom prst="rect">
+            <a:avLst/>
+          </a:prstGeom>
+          <a:ln w="0">
+            <a:noFill/>
+          </a:ln>
+        </p:spPr>
+      </p:pic>
+      <p:pic>
+        <p:nvPicPr>
+          <p:cNvPr id="222" name="" descr=""/>
+          <p:cNvPicPr/>
+          <p:nvPr/>
+        </p:nvPicPr>
+        <p:blipFill>
+          <a:blip r:embed="rId2"/>
+          <a:stretch/>
+        </p:blipFill>
+        <p:spPr>
+          <a:xfrm>
+            <a:off x="4644360" y="4237920"/>
+            <a:ext cx="1419480" cy="862920"/>
+          </a:xfrm>
+          <a:prstGeom prst="rect">
+            <a:avLst/>
+          </a:prstGeom>
+          <a:ln w="0">
+            <a:noFill/>
+          </a:ln>
+        </p:spPr>
+      </p:pic>
+    </p:spTree>
+  </p:cSld>
+  <mc:AlternateContent>
+    <mc:Choice Requires="p14">
+      <p:transition spd="slow" p14:dur="2000"/>
+    </mc:Choice>
+    <mc:Fallback>
+      <p:transition spd="slow"/>
+    </mc:Fallback>
+  </mc:AlternateContent>
+</p:sld>
+</file>
+
+<file path=ppt/slides/slide36.xml><?xml version="1.0" encoding="utf-8"?>
 <p:sld xmlns:a="http://schemas.openxmlformats.org/drawingml/2006/main" xmlns:p="http://schemas.openxmlformats.org/presentationml/2006/main" xmlns:r="http://schemas.openxmlformats.org/officeDocument/2006/relationships" xmlns:p14="http://schemas.microsoft.com/office/powerpoint/2010/main" xmlns:p15="http://schemas.microsoft.com/office/powerpoint/2012/main" xmlns:mc="http://schemas.openxmlformats.org/markup-compatibility/2006">
   <p:cSld>
     <p:spTree>
@@ -10499,7 +11029,7 @@
         <p:spPr>
           <a:xfrm>
             <a:off x="504000" y="226080"/>
-            <a:ext cx="9070920" cy="945720"/>
+            <a:ext cx="9070560" cy="945360"/>
           </a:xfrm>
           <a:prstGeom prst="rect">
             <a:avLst/>
@@ -10540,7 +11070,7 @@
         <p:spPr>
           <a:xfrm>
             <a:off x="2355480" y="1992240"/>
-            <a:ext cx="5398200" cy="1697040"/>
+            <a:ext cx="5397840" cy="1696680"/>
           </a:xfrm>
           <a:prstGeom prst="rect">
             <a:avLst/>
@@ -10814,7 +11344,7 @@
         <p:spPr>
           <a:xfrm>
             <a:off x="504000" y="226080"/>
-            <a:ext cx="9070920" cy="945720"/>
+            <a:ext cx="9070560" cy="945360"/>
           </a:xfrm>
           <a:prstGeom prst="rect">
             <a:avLst/>
@@ -10859,7 +11389,7 @@
         <p:spPr>
           <a:xfrm>
             <a:off x="5943600" y="2102760"/>
-            <a:ext cx="3199680" cy="2697120"/>
+            <a:ext cx="3199320" cy="2696760"/>
           </a:xfrm>
           <a:prstGeom prst="rect">
             <a:avLst/>
@@ -10878,7 +11408,7 @@
         <p:spPr>
           <a:xfrm>
             <a:off x="1371600" y="2057400"/>
-            <a:ext cx="4343040" cy="1477800"/>
+            <a:ext cx="4342680" cy="1477440"/>
           </a:xfrm>
           <a:prstGeom prst="rect">
             <a:avLst/>
@@ -11044,7 +11574,7 @@
         <p:spPr>
           <a:xfrm>
             <a:off x="504000" y="226080"/>
-            <a:ext cx="9070920" cy="945720"/>
+            <a:ext cx="9070560" cy="945360"/>
           </a:xfrm>
           <a:prstGeom prst="rect">
             <a:avLst/>
@@ -11085,7 +11615,7 @@
         <p:spPr>
           <a:xfrm>
             <a:off x="1371600" y="1146240"/>
-            <a:ext cx="3885480" cy="1676520"/>
+            <a:ext cx="3885120" cy="1676160"/>
           </a:xfrm>
           <a:prstGeom prst="rect">
             <a:avLst/>
@@ -11231,7 +11761,7 @@
         <p:spPr>
           <a:xfrm>
             <a:off x="6629400" y="1617480"/>
-            <a:ext cx="2207880" cy="896400"/>
+            <a:ext cx="2207520" cy="896040"/>
           </a:xfrm>
           <a:prstGeom prst="rect">
             <a:avLst/>
@@ -11254,7 +11784,7 @@
         <p:spPr>
           <a:xfrm>
             <a:off x="6132600" y="3090600"/>
-            <a:ext cx="2513880" cy="1828080"/>
+            <a:ext cx="2513520" cy="1827720"/>
           </a:xfrm>
           <a:prstGeom prst="rect">
             <a:avLst/>
@@ -11277,7 +11807,7 @@
         <p:spPr>
           <a:xfrm>
             <a:off x="1828800" y="2971800"/>
-            <a:ext cx="2971080" cy="2357280"/>
+            <a:ext cx="2970720" cy="2356920"/>
           </a:xfrm>
           <a:prstGeom prst="rect">
             <a:avLst/>
@@ -11330,7 +11860,7 @@
         <p:spPr>
           <a:xfrm>
             <a:off x="504000" y="226080"/>
-            <a:ext cx="9070920" cy="945720"/>
+            <a:ext cx="9070560" cy="945360"/>
           </a:xfrm>
           <a:prstGeom prst="rect">
             <a:avLst/>
@@ -11375,7 +11905,7 @@
         <p:spPr>
           <a:xfrm>
             <a:off x="504000" y="1326600"/>
-            <a:ext cx="9070920" cy="3287520"/>
+            <a:ext cx="9070560" cy="3287160"/>
           </a:xfrm>
           <a:prstGeom prst="rect">
             <a:avLst/>
@@ -11658,7 +12188,7 @@
         <p:spPr>
           <a:xfrm>
             <a:off x="504000" y="226080"/>
-            <a:ext cx="9070920" cy="945720"/>
+            <a:ext cx="9070560" cy="945360"/>
           </a:xfrm>
           <a:prstGeom prst="rect">
             <a:avLst/>
@@ -11682,7 +12212,7 @@
               <a:rPr b="0" lang="en-US" sz="4400" spc="-1" strike="noStrike">
                 <a:latin typeface="Arial"/>
               </a:rPr>
-              <a:t>React 101</a:t>
+              <a:t>JavaScript (TS) refresher</a:t>
             </a:r>
             <a:endParaRPr b="0" lang="en-US" sz="4400" spc="-1" strike="noStrike">
               <a:latin typeface="Arial"/>
@@ -11702,8 +12232,8 @@
         </p:nvSpPr>
         <p:spPr>
           <a:xfrm>
-            <a:off x="504000" y="1326600"/>
-            <a:ext cx="9070920" cy="3287520"/>
+            <a:off x="457200" y="1284840"/>
+            <a:ext cx="9070560" cy="3287160"/>
           </a:xfrm>
           <a:prstGeom prst="rect">
             <a:avLst/>
@@ -11739,98 +12269,37 @@
               <a:rPr b="0" lang="en-US" sz="1400" spc="-1" strike="noStrike">
                 <a:latin typeface="Arial"/>
               </a:rPr>
-              <a:t>Setup </a:t>
+              <a:t>Map</a:t>
             </a:r>
             <a:endParaRPr b="0" lang="en-US" sz="1400" spc="-1" strike="noStrike">
               <a:latin typeface="Arial"/>
             </a:endParaRPr>
           </a:p>
-          <a:p>
-            <a:pPr marL="432000" indent="-324000">
-              <a:lnSpc>
-                <a:spcPct val="100000"/>
-              </a:lnSpc>
-              <a:spcBef>
-                <a:spcPts val="615"/>
-              </a:spcBef>
-              <a:buClr>
-                <a:srgbClr val="000000"/>
-              </a:buClr>
-              <a:buSzPct val="45000"/>
-              <a:buFont typeface="Wingdings" charset="2"/>
-              <a:buChar char=""/>
-              <a:tabLst>
-                <a:tab algn="l" pos="408240"/>
-              </a:tabLst>
-            </a:pPr>
-            <a:r>
-              <a:rPr b="0" lang="en-US" sz="1400" spc="-1" strike="noStrike">
-                <a:latin typeface="Arial"/>
-              </a:rPr>
-              <a:t>Ensure you have installed and setup a proper JS runtime environment with node and npm</a:t>
-            </a:r>
-            <a:endParaRPr b="0" lang="en-US" sz="1400" spc="-1" strike="noStrike">
-              <a:latin typeface="Arial"/>
-            </a:endParaRPr>
-          </a:p>
-          <a:p>
-            <a:pPr marL="432000" indent="-324000">
-              <a:lnSpc>
-                <a:spcPct val="100000"/>
-              </a:lnSpc>
-              <a:spcBef>
-                <a:spcPts val="615"/>
-              </a:spcBef>
-              <a:buClr>
-                <a:srgbClr val="000000"/>
-              </a:buClr>
-              <a:buSzPct val="45000"/>
-              <a:buFont typeface="Wingdings" charset="2"/>
-              <a:buChar char=""/>
-              <a:tabLst>
-                <a:tab algn="l" pos="408240"/>
-              </a:tabLst>
-            </a:pPr>
-            <a:r>
-              <a:rPr b="0" lang="en-US" sz="1400" spc="-1" strike="noStrike">
-                <a:latin typeface="Arial"/>
-              </a:rPr>
-              <a:t>Copy the Github source code onto your machine: </a:t>
-            </a:r>
-            <a:endParaRPr b="0" lang="en-US" sz="1400" spc="-1" strike="noStrike">
-              <a:latin typeface="Arial"/>
-            </a:endParaRPr>
-          </a:p>
-          <a:p>
-            <a:pPr marL="432000" indent="-324000">
-              <a:lnSpc>
-                <a:spcPct val="100000"/>
-              </a:lnSpc>
-              <a:spcBef>
-                <a:spcPts val="615"/>
-              </a:spcBef>
-              <a:buClr>
-                <a:srgbClr val="000000"/>
-              </a:buClr>
-              <a:buSzPct val="45000"/>
-              <a:buFont typeface="Wingdings" charset="2"/>
-              <a:buChar char=""/>
-              <a:tabLst>
-                <a:tab algn="l" pos="408240"/>
-              </a:tabLst>
-            </a:pPr>
-            <a:r>
-              <a:rPr b="0" lang="en-US" sz="1400" spc="-1" strike="noStrike">
-                <a:latin typeface="Arial"/>
-              </a:rPr>
-              <a:t>https://github.com/marcus-yeagle/react-tutorial</a:t>
-            </a:r>
-            <a:endParaRPr b="0" lang="en-US" sz="1400" spc="-1" strike="noStrike">
-              <a:latin typeface="Arial"/>
-            </a:endParaRPr>
-          </a:p>
-        </p:txBody>
-      </p:sp>
+        </p:txBody>
+      </p:sp>
+      <p:pic>
+        <p:nvPicPr>
+          <p:cNvPr id="100" name="" descr=""/>
+          <p:cNvPicPr/>
+          <p:nvPr/>
+        </p:nvPicPr>
+        <p:blipFill>
+          <a:blip r:embed="rId1"/>
+          <a:stretch/>
+        </p:blipFill>
+        <p:spPr>
+          <a:xfrm>
+            <a:off x="1781280" y="1847880"/>
+            <a:ext cx="6502320" cy="2247480"/>
+          </a:xfrm>
+          <a:prstGeom prst="rect">
+            <a:avLst/>
+          </a:prstGeom>
+          <a:ln w="0">
+            <a:noFill/>
+          </a:ln>
+        </p:spPr>
+      </p:pic>
     </p:spTree>
   </p:cSld>
   <mc:AlternateContent>
@@ -11863,7 +12332,7 @@
       </p:grpSpPr>
       <p:sp>
         <p:nvSpPr>
-          <p:cNvPr id="100" name="PlaceHolder 1"/>
+          <p:cNvPr id="101" name="PlaceHolder 1"/>
           <p:cNvSpPr>
             <a:spLocks noGrp="1"/>
           </p:cNvSpPr>
@@ -11874,7 +12343,7 @@
         <p:spPr>
           <a:xfrm>
             <a:off x="504000" y="226080"/>
-            <a:ext cx="9070920" cy="945720"/>
+            <a:ext cx="9070560" cy="945360"/>
           </a:xfrm>
           <a:prstGeom prst="rect">
             <a:avLst/>
@@ -11898,7 +12367,7 @@
               <a:rPr b="0" lang="en-US" sz="4400" spc="-1" strike="noStrike">
                 <a:latin typeface="Arial"/>
               </a:rPr>
-              <a:t>Demo</a:t>
+              <a:t>JavaScript (TS) refresher</a:t>
             </a:r>
             <a:endParaRPr b="0" lang="en-US" sz="4400" spc="-1" strike="noStrike">
               <a:latin typeface="Arial"/>
@@ -11908,7 +12377,7 @@
       </p:sp>
       <p:sp>
         <p:nvSpPr>
-          <p:cNvPr id="101" name="PlaceHolder 2"/>
+          <p:cNvPr id="102" name="PlaceHolder 2"/>
           <p:cNvSpPr>
             <a:spLocks noGrp="1"/>
           </p:cNvSpPr>
@@ -11918,8 +12387,8 @@
         </p:nvSpPr>
         <p:spPr>
           <a:xfrm>
-            <a:off x="504000" y="1326600"/>
-            <a:ext cx="9070920" cy="3287520"/>
+            <a:off x="457200" y="1284840"/>
+            <a:ext cx="9070560" cy="3287160"/>
           </a:xfrm>
           <a:prstGeom prst="rect">
             <a:avLst/>
@@ -11934,12 +12403,58 @@
             <a:normAutofit/>
           </a:bodyPr>
           <a:p>
-            <a:endParaRPr b="0" lang="en-US" sz="3200" spc="-1" strike="noStrike">
-              <a:latin typeface="Arial"/>
-            </a:endParaRPr>
-          </a:p>
-        </p:txBody>
-      </p:sp>
+            <a:pPr marL="432000" indent="-324000">
+              <a:lnSpc>
+                <a:spcPct val="100000"/>
+              </a:lnSpc>
+              <a:spcBef>
+                <a:spcPts val="615"/>
+              </a:spcBef>
+              <a:buClr>
+                <a:srgbClr val="000000"/>
+              </a:buClr>
+              <a:buSzPct val="45000"/>
+              <a:buFont typeface="Wingdings" charset="2"/>
+              <a:buChar char=""/>
+              <a:tabLst>
+                <a:tab algn="l" pos="408240"/>
+              </a:tabLst>
+            </a:pPr>
+            <a:r>
+              <a:rPr b="0" lang="en-US" sz="1400" spc="-1" strike="noStrike">
+                <a:latin typeface="Arial"/>
+              </a:rPr>
+              <a:t>Filter</a:t>
+            </a:r>
+            <a:endParaRPr b="0" lang="en-US" sz="1400" spc="-1" strike="noStrike">
+              <a:latin typeface="Arial"/>
+            </a:endParaRPr>
+          </a:p>
+        </p:txBody>
+      </p:sp>
+      <p:pic>
+        <p:nvPicPr>
+          <p:cNvPr id="103" name="" descr=""/>
+          <p:cNvPicPr/>
+          <p:nvPr/>
+        </p:nvPicPr>
+        <p:blipFill>
+          <a:blip r:embed="rId1"/>
+          <a:stretch/>
+        </p:blipFill>
+        <p:spPr>
+          <a:xfrm>
+            <a:off x="1089000" y="1930680"/>
+            <a:ext cx="7886520" cy="2082240"/>
+          </a:xfrm>
+          <a:prstGeom prst="rect">
+            <a:avLst/>
+          </a:prstGeom>
+          <a:ln w="0">
+            <a:noFill/>
+          </a:ln>
+        </p:spPr>
+      </p:pic>
     </p:spTree>
   </p:cSld>
   <mc:AlternateContent>

--- a/React 101.pptx
+++ b/React 101.pptx
@@ -41,7 +41,6 @@
     <p:sldId id="288" r:id="rId36"/>
     <p:sldId id="289" r:id="rId37"/>
     <p:sldId id="290" r:id="rId38"/>
-    <p:sldId id="291" r:id="rId39"/>
   </p:sldIdLst>
   <p:sldSz cx="10080625" cy="5670550"/>
   <p:notesSz cx="7772400" cy="10058400"/>
@@ -3600,7 +3599,7 @@
         <p:spPr>
           <a:xfrm>
             <a:off x="576000" y="1990080"/>
-            <a:ext cx="9070560" cy="945360"/>
+            <a:ext cx="9070200" cy="945000"/>
           </a:xfrm>
           <a:prstGeom prst="rect">
             <a:avLst/>
@@ -3645,7 +3644,7 @@
         <p:spPr>
           <a:xfrm>
             <a:off x="504000" y="2040120"/>
-            <a:ext cx="9070560" cy="3287160"/>
+            <a:ext cx="9070200" cy="3286800"/>
           </a:xfrm>
           <a:prstGeom prst="rect">
             <a:avLst/>
@@ -3690,7 +3689,7 @@
         <p:spPr>
           <a:xfrm>
             <a:off x="1143000" y="1818000"/>
-            <a:ext cx="2033280" cy="1343880"/>
+            <a:ext cx="2032920" cy="1343520"/>
           </a:xfrm>
           <a:prstGeom prst="rect">
             <a:avLst/>
@@ -3713,7 +3712,7 @@
         <p:spPr>
           <a:xfrm>
             <a:off x="6631200" y="1711800"/>
-            <a:ext cx="2591280" cy="1559880"/>
+            <a:ext cx="2590920" cy="1559520"/>
           </a:xfrm>
           <a:prstGeom prst="rect">
             <a:avLst/>
@@ -3766,7 +3765,7 @@
         <p:spPr>
           <a:xfrm>
             <a:off x="504000" y="226080"/>
-            <a:ext cx="9070560" cy="945360"/>
+            <a:ext cx="9070200" cy="945000"/>
           </a:xfrm>
           <a:prstGeom prst="rect">
             <a:avLst/>
@@ -3811,7 +3810,7 @@
         <p:spPr>
           <a:xfrm>
             <a:off x="457200" y="1284840"/>
-            <a:ext cx="9070560" cy="3287160"/>
+            <a:ext cx="9070200" cy="3286800"/>
           </a:xfrm>
           <a:prstGeom prst="rect">
             <a:avLst/>
@@ -3868,7 +3867,7 @@
         <p:spPr>
           <a:xfrm>
             <a:off x="264600" y="1769400"/>
-            <a:ext cx="9601200" cy="3327120"/>
+            <a:ext cx="9600840" cy="3326760"/>
           </a:xfrm>
           <a:prstGeom prst="rect">
             <a:avLst/>
@@ -3921,7 +3920,7 @@
         <p:spPr>
           <a:xfrm>
             <a:off x="504000" y="226080"/>
-            <a:ext cx="9070560" cy="945360"/>
+            <a:ext cx="9070200" cy="945000"/>
           </a:xfrm>
           <a:prstGeom prst="rect">
             <a:avLst/>
@@ -3966,7 +3965,7 @@
         <p:spPr>
           <a:xfrm>
             <a:off x="504000" y="1326600"/>
-            <a:ext cx="9070560" cy="3287160"/>
+            <a:ext cx="9070200" cy="3286800"/>
           </a:xfrm>
           <a:prstGeom prst="rect">
             <a:avLst/>
@@ -4137,7 +4136,7 @@
         <p:spPr>
           <a:xfrm>
             <a:off x="504000" y="226080"/>
-            <a:ext cx="9070560" cy="945360"/>
+            <a:ext cx="9070200" cy="945000"/>
           </a:xfrm>
           <a:prstGeom prst="rect">
             <a:avLst/>
@@ -4182,7 +4181,7 @@
         <p:spPr>
           <a:xfrm>
             <a:off x="504000" y="1326600"/>
-            <a:ext cx="9070560" cy="3287160"/>
+            <a:ext cx="9070200" cy="3286800"/>
           </a:xfrm>
           <a:prstGeom prst="rect">
             <a:avLst/>
@@ -4246,7 +4245,7 @@
         <p:spPr>
           <a:xfrm>
             <a:off x="504000" y="226080"/>
-            <a:ext cx="9070560" cy="945360"/>
+            <a:ext cx="9070200" cy="945000"/>
           </a:xfrm>
           <a:prstGeom prst="rect">
             <a:avLst/>
@@ -4288,7 +4287,7 @@
         <p:spPr>
           <a:xfrm>
             <a:off x="914400" y="1172520"/>
-            <a:ext cx="8228520" cy="1369080"/>
+            <a:ext cx="8228160" cy="1368720"/>
           </a:xfrm>
           <a:prstGeom prst="rect">
             <a:avLst/>
@@ -4380,7 +4379,7 @@
         <p:spPr>
           <a:xfrm>
             <a:off x="2286000" y="2838960"/>
-            <a:ext cx="3885120" cy="959040"/>
+            <a:ext cx="3884760" cy="958680"/>
           </a:xfrm>
           <a:prstGeom prst="rect">
             <a:avLst/>
@@ -4485,7 +4484,7 @@
         <p:spPr>
           <a:xfrm>
             <a:off x="7088400" y="2851200"/>
-            <a:ext cx="1037160" cy="1037160"/>
+            <a:ext cx="1036800" cy="1036800"/>
           </a:xfrm>
           <a:prstGeom prst="rect">
             <a:avLst/>
@@ -4538,7 +4537,7 @@
         <p:spPr>
           <a:xfrm>
             <a:off x="504000" y="226080"/>
-            <a:ext cx="9070560" cy="945360"/>
+            <a:ext cx="9070200" cy="945000"/>
           </a:xfrm>
           <a:prstGeom prst="rect">
             <a:avLst/>
@@ -4579,7 +4578,7 @@
         <p:spPr>
           <a:xfrm>
             <a:off x="914400" y="1172520"/>
-            <a:ext cx="8228520" cy="1369080"/>
+            <a:ext cx="8228160" cy="1368720"/>
           </a:xfrm>
           <a:prstGeom prst="rect">
             <a:avLst/>
@@ -4671,7 +4670,7 @@
         <p:spPr>
           <a:xfrm>
             <a:off x="2286000" y="2838960"/>
-            <a:ext cx="3885120" cy="959040"/>
+            <a:ext cx="3884760" cy="958680"/>
           </a:xfrm>
           <a:prstGeom prst="rect">
             <a:avLst/>
@@ -4817,7 +4816,7 @@
         <p:spPr>
           <a:xfrm>
             <a:off x="7086600" y="2847960"/>
-            <a:ext cx="1037160" cy="1037160"/>
+            <a:ext cx="1036800" cy="1036800"/>
           </a:xfrm>
           <a:prstGeom prst="rect">
             <a:avLst/>
@@ -4870,7 +4869,7 @@
         <p:spPr>
           <a:xfrm>
             <a:off x="504000" y="226080"/>
-            <a:ext cx="9070560" cy="945360"/>
+            <a:ext cx="9070200" cy="945000"/>
           </a:xfrm>
           <a:prstGeom prst="rect">
             <a:avLst/>
@@ -4911,7 +4910,7 @@
         <p:spPr>
           <a:xfrm>
             <a:off x="1779840" y="2038680"/>
-            <a:ext cx="5111280" cy="2424240"/>
+            <a:ext cx="5110920" cy="2423880"/>
           </a:xfrm>
           <a:prstGeom prst="rect">
             <a:avLst/>
@@ -5156,7 +5155,7 @@
         <p:spPr>
           <a:xfrm>
             <a:off x="6400800" y="2514600"/>
-            <a:ext cx="1737000" cy="992160"/>
+            <a:ext cx="1736640" cy="991800"/>
           </a:xfrm>
           <a:prstGeom prst="rect">
             <a:avLst/>
@@ -5209,7 +5208,7 @@
         <p:spPr>
           <a:xfrm>
             <a:off x="504000" y="226080"/>
-            <a:ext cx="9070560" cy="945360"/>
+            <a:ext cx="9070200" cy="945000"/>
           </a:xfrm>
           <a:prstGeom prst="rect">
             <a:avLst/>
@@ -5250,7 +5249,7 @@
         <p:spPr>
           <a:xfrm>
             <a:off x="1782000" y="1924560"/>
-            <a:ext cx="4113720" cy="959040"/>
+            <a:ext cx="4113360" cy="958680"/>
           </a:xfrm>
           <a:prstGeom prst="rect">
             <a:avLst/>
@@ -5376,7 +5375,7 @@
         <p:spPr>
           <a:xfrm>
             <a:off x="6510960" y="2300760"/>
-            <a:ext cx="1946160" cy="1584360"/>
+            <a:ext cx="1945800" cy="1584000"/>
           </a:xfrm>
           <a:prstGeom prst="rect">
             <a:avLst/>
@@ -5429,7 +5428,7 @@
         <p:spPr>
           <a:xfrm>
             <a:off x="504000" y="226080"/>
-            <a:ext cx="9070560" cy="945360"/>
+            <a:ext cx="9070200" cy="945000"/>
           </a:xfrm>
           <a:prstGeom prst="rect">
             <a:avLst/>
@@ -5470,7 +5469,7 @@
         <p:spPr>
           <a:xfrm>
             <a:off x="1821960" y="2309760"/>
-            <a:ext cx="4120560" cy="817560"/>
+            <a:ext cx="4120200" cy="817200"/>
           </a:xfrm>
           <a:prstGeom prst="rect">
             <a:avLst/>
@@ -5647,7 +5646,7 @@
         <p:spPr>
           <a:xfrm>
             <a:off x="504000" y="226080"/>
-            <a:ext cx="9070560" cy="945360"/>
+            <a:ext cx="9070200" cy="945000"/>
           </a:xfrm>
           <a:prstGeom prst="rect">
             <a:avLst/>
@@ -5688,7 +5687,7 @@
         <p:spPr>
           <a:xfrm>
             <a:off x="1821960" y="2309760"/>
-            <a:ext cx="4120560" cy="817560"/>
+            <a:ext cx="4120200" cy="817200"/>
           </a:xfrm>
           <a:prstGeom prst="rect">
             <a:avLst/>
@@ -5835,7 +5834,7 @@
         <p:spPr>
           <a:xfrm>
             <a:off x="6400800" y="2514600"/>
-            <a:ext cx="1946160" cy="1952640"/>
+            <a:ext cx="1945800" cy="1952280"/>
           </a:xfrm>
           <a:prstGeom prst="rect">
             <a:avLst/>
@@ -5888,7 +5887,7 @@
         <p:spPr>
           <a:xfrm>
             <a:off x="504000" y="226080"/>
-            <a:ext cx="9070560" cy="945360"/>
+            <a:ext cx="9070200" cy="945000"/>
           </a:xfrm>
           <a:prstGeom prst="rect">
             <a:avLst/>
@@ -5933,7 +5932,7 @@
         <p:spPr>
           <a:xfrm>
             <a:off x="7228800" y="2298600"/>
-            <a:ext cx="1946160" cy="1952640"/>
+            <a:ext cx="1945800" cy="1952280"/>
           </a:xfrm>
           <a:prstGeom prst="rect">
             <a:avLst/>
@@ -5956,7 +5955,7 @@
         <p:spPr>
           <a:xfrm>
             <a:off x="529200" y="1828800"/>
-            <a:ext cx="5942520" cy="2742120"/>
+            <a:ext cx="5942160" cy="2741760"/>
           </a:xfrm>
           <a:prstGeom prst="rect">
             <a:avLst/>
@@ -6009,7 +6008,7 @@
         <p:spPr>
           <a:xfrm>
             <a:off x="504000" y="226080"/>
-            <a:ext cx="9070560" cy="945360"/>
+            <a:ext cx="9070200" cy="945000"/>
           </a:xfrm>
           <a:prstGeom prst="rect">
             <a:avLst/>
@@ -6054,7 +6053,7 @@
         <p:spPr>
           <a:xfrm>
             <a:off x="504000" y="2057400"/>
-            <a:ext cx="9070560" cy="2513520"/>
+            <a:ext cx="9070200" cy="2513160"/>
           </a:xfrm>
           <a:prstGeom prst="rect">
             <a:avLst/>
@@ -6199,7 +6198,7 @@
         <p:spPr>
           <a:xfrm>
             <a:off x="504000" y="226080"/>
-            <a:ext cx="9070560" cy="945360"/>
+            <a:ext cx="9070200" cy="945000"/>
           </a:xfrm>
           <a:prstGeom prst="rect">
             <a:avLst/>
@@ -6244,7 +6243,7 @@
         <p:spPr>
           <a:xfrm>
             <a:off x="6316560" y="2008800"/>
-            <a:ext cx="2572560" cy="2527200"/>
+            <a:ext cx="2572200" cy="2526840"/>
           </a:xfrm>
           <a:prstGeom prst="rect">
             <a:avLst/>
@@ -6263,7 +6262,7 @@
         <p:spPr>
           <a:xfrm>
             <a:off x="6448680" y="1596240"/>
-            <a:ext cx="2237040" cy="231480"/>
+            <a:ext cx="2695320" cy="231120"/>
           </a:xfrm>
           <a:prstGeom prst="rect">
             <a:avLst/>
@@ -6318,7 +6317,7 @@
         <p:spPr>
           <a:xfrm>
             <a:off x="444600" y="1280520"/>
-            <a:ext cx="5485320" cy="3885120"/>
+            <a:ext cx="5484960" cy="3884760"/>
           </a:xfrm>
           <a:prstGeom prst="rect">
             <a:avLst/>
@@ -6371,7 +6370,7 @@
         <p:spPr>
           <a:xfrm>
             <a:off x="504000" y="226080"/>
-            <a:ext cx="9070560" cy="945360"/>
+            <a:ext cx="9070200" cy="945000"/>
           </a:xfrm>
           <a:prstGeom prst="rect">
             <a:avLst/>
@@ -6416,7 +6415,7 @@
         <p:spPr>
           <a:xfrm>
             <a:off x="1371600" y="1828800"/>
-            <a:ext cx="7275600" cy="939600"/>
+            <a:ext cx="7275240" cy="939240"/>
           </a:xfrm>
           <a:prstGeom prst="rect">
             <a:avLst/>
@@ -6469,7 +6468,7 @@
         <p:spPr>
           <a:xfrm>
             <a:off x="504000" y="226080"/>
-            <a:ext cx="9070560" cy="945360"/>
+            <a:ext cx="9070200" cy="945000"/>
           </a:xfrm>
           <a:prstGeom prst="rect">
             <a:avLst/>
@@ -6514,7 +6513,7 @@
         <p:spPr>
           <a:xfrm>
             <a:off x="1403280" y="2990160"/>
-            <a:ext cx="7250400" cy="1948320"/>
+            <a:ext cx="7250040" cy="1947960"/>
           </a:xfrm>
           <a:prstGeom prst="rect">
             <a:avLst/>
@@ -6537,7 +6536,7 @@
         <p:spPr>
           <a:xfrm>
             <a:off x="1371600" y="1828800"/>
-            <a:ext cx="7275600" cy="939600"/>
+            <a:ext cx="7275240" cy="939240"/>
           </a:xfrm>
           <a:prstGeom prst="rect">
             <a:avLst/>
@@ -6590,7 +6589,7 @@
         <p:spPr>
           <a:xfrm>
             <a:off x="504000" y="226080"/>
-            <a:ext cx="9070560" cy="945360"/>
+            <a:ext cx="9070200" cy="945000"/>
           </a:xfrm>
           <a:prstGeom prst="rect">
             <a:avLst/>
@@ -6635,7 +6634,7 @@
         <p:spPr>
           <a:xfrm>
             <a:off x="830880" y="1648800"/>
-            <a:ext cx="4919040" cy="3427200"/>
+            <a:ext cx="4918680" cy="3426840"/>
           </a:xfrm>
           <a:prstGeom prst="rect">
             <a:avLst/>
@@ -6658,7 +6657,7 @@
         <p:spPr>
           <a:xfrm>
             <a:off x="6629400" y="2057400"/>
-            <a:ext cx="2707920" cy="2775600"/>
+            <a:ext cx="2707560" cy="2775240"/>
           </a:xfrm>
           <a:prstGeom prst="rect">
             <a:avLst/>
@@ -6668,6 +6667,57 @@
           </a:ln>
         </p:spPr>
       </p:pic>
+      <p:sp>
+        <p:nvSpPr>
+          <p:cNvPr id="145" name=""/>
+          <p:cNvSpPr/>
+          <p:nvPr/>
+        </p:nvSpPr>
+        <p:spPr>
+          <a:xfrm>
+            <a:off x="6808680" y="1668240"/>
+            <a:ext cx="2695320" cy="231120"/>
+          </a:xfrm>
+          <a:prstGeom prst="rect">
+            <a:avLst/>
+          </a:prstGeom>
+          <a:noFill/>
+          <a:ln w="0">
+            <a:noFill/>
+          </a:ln>
+        </p:spPr>
+        <p:style>
+          <a:lnRef idx="0"/>
+          <a:fillRef idx="0"/>
+          <a:effectRef idx="0"/>
+          <a:fontRef idx="minor"/>
+        </p:style>
+        <p:txBody>
+          <a:bodyPr lIns="90000" rIns="90000" tIns="45000" bIns="45000" anchor="t">
+            <a:noAutofit/>
+          </a:bodyPr>
+          <a:p>
+            <a:pPr>
+              <a:lnSpc>
+                <a:spcPct val="100000"/>
+              </a:lnSpc>
+            </a:pPr>
+            <a:r>
+              <a:rPr b="0" lang="en-US" sz="1000" spc="-1" strike="noStrike">
+                <a:solidFill>
+                  <a:srgbClr val="000000"/>
+                </a:solidFill>
+                <a:latin typeface="Arial"/>
+                <a:ea typeface="DejaVu Sans"/>
+              </a:rPr>
+              <a:t>[null, null, null, null, null, null, null, null, ‘X’]</a:t>
+            </a:r>
+            <a:endParaRPr b="0" lang="en-US" sz="1000" spc="-1" strike="noStrike">
+              <a:latin typeface="Arial"/>
+            </a:endParaRPr>
+          </a:p>
+        </p:txBody>
+      </p:sp>
     </p:spTree>
   </p:cSld>
   <mc:AlternateContent>
@@ -6700,7 +6750,7 @@
       </p:grpSpPr>
       <p:sp>
         <p:nvSpPr>
-          <p:cNvPr id="145" name="PlaceHolder 1"/>
+          <p:cNvPr id="146" name="PlaceHolder 1"/>
           <p:cNvSpPr>
             <a:spLocks noGrp="1"/>
           </p:cNvSpPr>
@@ -6711,7 +6761,7 @@
         <p:spPr>
           <a:xfrm>
             <a:off x="504000" y="226080"/>
-            <a:ext cx="9070560" cy="945360"/>
+            <a:ext cx="9070200" cy="945000"/>
           </a:xfrm>
           <a:prstGeom prst="rect">
             <a:avLst/>
@@ -6745,7 +6795,7 @@
       </p:sp>
       <p:pic>
         <p:nvPicPr>
-          <p:cNvPr id="146" name="" descr=""/>
+          <p:cNvPr id="147" name="" descr=""/>
           <p:cNvPicPr/>
           <p:nvPr/>
         </p:nvPicPr>
@@ -6756,30 +6806,7 @@
         <p:spPr>
           <a:xfrm>
             <a:off x="6629400" y="2057400"/>
-            <a:ext cx="2707920" cy="2775600"/>
-          </a:xfrm>
-          <a:prstGeom prst="rect">
-            <a:avLst/>
-          </a:prstGeom>
-          <a:ln w="0">
-            <a:noFill/>
-          </a:ln>
-        </p:spPr>
-      </p:pic>
-      <p:pic>
-        <p:nvPicPr>
-          <p:cNvPr id="147" name="" descr=""/>
-          <p:cNvPicPr/>
-          <p:nvPr/>
-        </p:nvPicPr>
-        <p:blipFill>
-          <a:blip r:embed="rId2"/>
-          <a:stretch/>
-        </p:blipFill>
-        <p:spPr>
-          <a:xfrm>
-            <a:off x="645480" y="1399320"/>
-            <a:ext cx="5982840" cy="1405800"/>
+            <a:ext cx="2707560" cy="2775240"/>
           </a:xfrm>
           <a:prstGeom prst="rect">
             <a:avLst/>
@@ -6796,13 +6823,36 @@
           <p:nvPr/>
         </p:nvPicPr>
         <p:blipFill>
+          <a:blip r:embed="rId2"/>
+          <a:stretch/>
+        </p:blipFill>
+        <p:spPr>
+          <a:xfrm>
+            <a:off x="645480" y="1399320"/>
+            <a:ext cx="5982480" cy="1405440"/>
+          </a:xfrm>
+          <a:prstGeom prst="rect">
+            <a:avLst/>
+          </a:prstGeom>
+          <a:ln w="0">
+            <a:noFill/>
+          </a:ln>
+        </p:spPr>
+      </p:pic>
+      <p:pic>
+        <p:nvPicPr>
+          <p:cNvPr id="149" name="" descr=""/>
+          <p:cNvPicPr/>
+          <p:nvPr/>
+        </p:nvPicPr>
+        <p:blipFill>
           <a:blip r:embed="rId3"/>
           <a:stretch/>
         </p:blipFill>
         <p:spPr>
           <a:xfrm>
             <a:off x="457200" y="3200400"/>
-            <a:ext cx="6192360" cy="2056320"/>
+            <a:ext cx="6192000" cy="2055960"/>
           </a:xfrm>
           <a:prstGeom prst="rect">
             <a:avLst/>
@@ -6844,7 +6894,7 @@
       </p:grpSpPr>
       <p:sp>
         <p:nvSpPr>
-          <p:cNvPr id="149" name="PlaceHolder 1"/>
+          <p:cNvPr id="150" name="PlaceHolder 1"/>
           <p:cNvSpPr>
             <a:spLocks noGrp="1"/>
           </p:cNvSpPr>
@@ -6855,7 +6905,7 @@
         <p:spPr>
           <a:xfrm>
             <a:off x="504000" y="226080"/>
-            <a:ext cx="9070560" cy="945360"/>
+            <a:ext cx="9070200" cy="945000"/>
           </a:xfrm>
           <a:prstGeom prst="rect">
             <a:avLst/>
@@ -6889,7 +6939,7 @@
       </p:sp>
       <p:sp>
         <p:nvSpPr>
-          <p:cNvPr id="150" name="PlaceHolder 2"/>
+          <p:cNvPr id="151" name="PlaceHolder 2"/>
           <p:cNvSpPr>
             <a:spLocks noGrp="1"/>
           </p:cNvSpPr>
@@ -6900,7 +6950,7 @@
         <p:spPr>
           <a:xfrm>
             <a:off x="504000" y="1326600"/>
-            <a:ext cx="9070560" cy="3287160"/>
+            <a:ext cx="9070200" cy="3286800"/>
           </a:xfrm>
           <a:prstGeom prst="rect">
             <a:avLst/>
@@ -7000,7 +7050,7 @@
       </p:sp>
       <p:pic>
         <p:nvPicPr>
-          <p:cNvPr id="151" name="" descr=""/>
+          <p:cNvPr id="152" name="" descr=""/>
           <p:cNvPicPr/>
           <p:nvPr/>
         </p:nvPicPr>
@@ -7010,8 +7060,8 @@
         </p:blipFill>
         <p:spPr>
           <a:xfrm>
-            <a:off x="1348200" y="2478600"/>
-            <a:ext cx="7771320" cy="2970720"/>
+            <a:off x="628200" y="2823480"/>
+            <a:ext cx="5967000" cy="2280600"/>
           </a:xfrm>
           <a:prstGeom prst="rect">
             <a:avLst/>
@@ -7021,6 +7071,108 @@
           </a:ln>
         </p:spPr>
       </p:pic>
+      <p:sp>
+        <p:nvSpPr>
+          <p:cNvPr id="153" name=""/>
+          <p:cNvSpPr/>
+          <p:nvPr/>
+        </p:nvSpPr>
+        <p:spPr>
+          <a:xfrm>
+            <a:off x="6808680" y="3576240"/>
+            <a:ext cx="2695320" cy="231120"/>
+          </a:xfrm>
+          <a:prstGeom prst="rect">
+            <a:avLst/>
+          </a:prstGeom>
+          <a:noFill/>
+          <a:ln w="0">
+            <a:noFill/>
+          </a:ln>
+        </p:spPr>
+        <p:style>
+          <a:lnRef idx="0"/>
+          <a:fillRef idx="0"/>
+          <a:effectRef idx="0"/>
+          <a:fontRef idx="minor"/>
+        </p:style>
+        <p:txBody>
+          <a:bodyPr lIns="90000" rIns="90000" tIns="45000" bIns="45000" anchor="t">
+            <a:noAutofit/>
+          </a:bodyPr>
+          <a:p>
+            <a:pPr>
+              <a:lnSpc>
+                <a:spcPct val="100000"/>
+              </a:lnSpc>
+            </a:pPr>
+            <a:r>
+              <a:rPr b="0" lang="en-US" sz="1000" spc="-1" strike="noStrike">
+                <a:solidFill>
+                  <a:srgbClr val="000000"/>
+                </a:solidFill>
+                <a:latin typeface="Arial"/>
+                <a:ea typeface="DejaVu Sans"/>
+              </a:rPr>
+              <a:t>[null, null, null, null, null, null, null, null, ‘X’]</a:t>
+            </a:r>
+            <a:endParaRPr b="0" lang="en-US" sz="1000" spc="-1" strike="noStrike">
+              <a:latin typeface="Arial"/>
+            </a:endParaRPr>
+          </a:p>
+        </p:txBody>
+      </p:sp>
+      <p:sp>
+        <p:nvSpPr>
+          <p:cNvPr id="154" name=""/>
+          <p:cNvSpPr/>
+          <p:nvPr/>
+        </p:nvSpPr>
+        <p:spPr>
+          <a:xfrm>
+            <a:off x="6806880" y="3216240"/>
+            <a:ext cx="2695320" cy="231120"/>
+          </a:xfrm>
+          <a:prstGeom prst="rect">
+            <a:avLst/>
+          </a:prstGeom>
+          <a:noFill/>
+          <a:ln w="0">
+            <a:noFill/>
+          </a:ln>
+        </p:spPr>
+        <p:style>
+          <a:lnRef idx="0"/>
+          <a:fillRef idx="0"/>
+          <a:effectRef idx="0"/>
+          <a:fontRef idx="minor"/>
+        </p:style>
+        <p:txBody>
+          <a:bodyPr lIns="90000" rIns="90000" tIns="45000" bIns="45000" anchor="t">
+            <a:noAutofit/>
+          </a:bodyPr>
+          <a:p>
+            <a:pPr>
+              <a:lnSpc>
+                <a:spcPct val="100000"/>
+              </a:lnSpc>
+            </a:pPr>
+            <a:r>
+              <a:rPr b="0" lang="en-US" sz="1000" spc="-1" strike="noStrike">
+                <a:solidFill>
+                  <a:srgbClr val="000000"/>
+                </a:solidFill>
+                <a:latin typeface="Arial"/>
+                <a:ea typeface="DejaVu Sans"/>
+              </a:rPr>
+              <a:t>[null, null, null, null, null, null, null, null, null]</a:t>
+            </a:r>
+            <a:endParaRPr b="0" lang="en-US" sz="1000" spc="-1" strike="noStrike">
+              <a:latin typeface="Arial"/>
+            </a:endParaRPr>
+          </a:p>
+        </p:txBody>
+      </p:sp>
     </p:spTree>
   </p:cSld>
   <mc:AlternateContent>
@@ -7053,7 +7205,7 @@
       </p:grpSpPr>
       <p:sp>
         <p:nvSpPr>
-          <p:cNvPr id="152" name="PlaceHolder 1"/>
+          <p:cNvPr id="155" name="PlaceHolder 1"/>
           <p:cNvSpPr>
             <a:spLocks noGrp="1"/>
           </p:cNvSpPr>
@@ -7064,7 +7216,7 @@
         <p:spPr>
           <a:xfrm>
             <a:off x="504000" y="226080"/>
-            <a:ext cx="9070560" cy="945360"/>
+            <a:ext cx="9070200" cy="945000"/>
           </a:xfrm>
           <a:prstGeom prst="rect">
             <a:avLst/>
@@ -7098,108 +7250,433 @@
       </p:sp>
       <p:sp>
         <p:nvSpPr>
-          <p:cNvPr id="153" name="PlaceHolder 2"/>
-          <p:cNvSpPr>
-            <a:spLocks noGrp="1"/>
-          </p:cNvSpPr>
-          <p:nvPr>
-            <p:ph/>
-          </p:nvPr>
-        </p:nvSpPr>
-        <p:spPr>
-          <a:xfrm>
-            <a:off x="504000" y="1326600"/>
-            <a:ext cx="9070560" cy="3287160"/>
-          </a:xfrm>
-          <a:prstGeom prst="rect">
-            <a:avLst/>
-          </a:prstGeom>
-          <a:noFill/>
-          <a:ln w="0">
-            <a:noFill/>
-          </a:ln>
-        </p:spPr>
-        <p:txBody>
-          <a:bodyPr lIns="0" rIns="0" tIns="0" bIns="0" anchor="t">
-            <a:normAutofit/>
-          </a:bodyPr>
-          <a:p>
-            <a:pPr marL="432000" indent="-324000">
-              <a:lnSpc>
-                <a:spcPct val="100000"/>
-              </a:lnSpc>
-              <a:spcBef>
-                <a:spcPts val="615"/>
-              </a:spcBef>
-              <a:buClr>
-                <a:srgbClr val="000000"/>
-              </a:buClr>
-              <a:buSzPct val="45000"/>
-              <a:buFont typeface="Wingdings" charset="2"/>
-              <a:buChar char=""/>
-              <a:tabLst>
-                <a:tab algn="l" pos="408240"/>
-              </a:tabLst>
+          <p:cNvPr id="156" name=""/>
+          <p:cNvSpPr/>
+          <p:nvPr/>
+        </p:nvSpPr>
+        <p:spPr>
+          <a:xfrm>
+            <a:off x="1143000" y="1371600"/>
+            <a:ext cx="5027760" cy="5917680"/>
+          </a:xfrm>
+          <a:prstGeom prst="rect">
+            <a:avLst/>
+          </a:prstGeom>
+          <a:noFill/>
+          <a:ln w="0">
+            <a:noFill/>
+          </a:ln>
+        </p:spPr>
+        <p:style>
+          <a:lnRef idx="0"/>
+          <a:fillRef idx="0"/>
+          <a:effectRef idx="0"/>
+          <a:fontRef idx="minor"/>
+        </p:style>
+        <p:txBody>
+          <a:bodyPr lIns="90000" rIns="90000" tIns="45000" bIns="45000" anchor="t">
+            <a:noAutofit/>
+          </a:bodyPr>
+          <a:p>
+            <a:pPr>
+              <a:lnSpc>
+                <a:spcPct val="100000"/>
+              </a:lnSpc>
+            </a:pPr>
+            <a:r>
+              <a:rPr b="0" lang="en-US" sz="1800" spc="-1" strike="noStrike">
+                <a:solidFill>
+                  <a:srgbClr val="000000"/>
+                </a:solidFill>
+                <a:latin typeface="Arial"/>
+                <a:ea typeface="DejaVu Sans"/>
+              </a:rPr>
+              <a:t>- Now that your state handling is in the Board component, the parent Board component passes props to the child Square components so that they can be displayed correctly. </a:t>
+            </a:r>
+            <a:endParaRPr b="0" lang="en-US" sz="1800" spc="-1" strike="noStrike">
+              <a:latin typeface="Arial"/>
+            </a:endParaRPr>
+          </a:p>
+          <a:p>
+            <a:pPr>
+              <a:lnSpc>
+                <a:spcPct val="100000"/>
+              </a:lnSpc>
+            </a:pPr>
+            <a:endParaRPr b="0" lang="en-US" sz="1800" spc="-1" strike="noStrike">
+              <a:latin typeface="Arial"/>
+            </a:endParaRPr>
+          </a:p>
+        </p:txBody>
+      </p:sp>
+      <p:sp>
+        <p:nvSpPr>
+          <p:cNvPr id="157" name=""/>
+          <p:cNvSpPr/>
+          <p:nvPr/>
+        </p:nvSpPr>
+        <p:spPr>
+          <a:xfrm>
+            <a:off x="7880400" y="1864800"/>
+            <a:ext cx="684360" cy="684360"/>
+          </a:xfrm>
+          <a:prstGeom prst="ellipse">
+            <a:avLst/>
+          </a:prstGeom>
+          <a:solidFill>
+            <a:srgbClr val="729fcf"/>
+          </a:solidFill>
+          <a:ln w="0">
+            <a:solidFill>
+              <a:srgbClr val="3465a4"/>
+            </a:solidFill>
+          </a:ln>
+        </p:spPr>
+        <p:style>
+          <a:lnRef idx="0"/>
+          <a:fillRef idx="0"/>
+          <a:effectRef idx="0"/>
+          <a:fontRef idx="minor"/>
+        </p:style>
+      </p:sp>
+      <p:sp>
+        <p:nvSpPr>
+          <p:cNvPr id="158" name=""/>
+          <p:cNvSpPr/>
+          <p:nvPr/>
+        </p:nvSpPr>
+        <p:spPr>
+          <a:xfrm>
+            <a:off x="7086600" y="2971800"/>
+            <a:ext cx="684360" cy="684360"/>
+          </a:xfrm>
+          <a:prstGeom prst="ellipse">
+            <a:avLst/>
+          </a:prstGeom>
+          <a:solidFill>
+            <a:srgbClr val="729fcf"/>
+          </a:solidFill>
+          <a:ln w="0">
+            <a:solidFill>
+              <a:srgbClr val="3465a4"/>
+            </a:solidFill>
+          </a:ln>
+        </p:spPr>
+        <p:style>
+          <a:lnRef idx="0"/>
+          <a:fillRef idx="0"/>
+          <a:effectRef idx="0"/>
+          <a:fontRef idx="minor"/>
+        </p:style>
+      </p:sp>
+      <p:sp>
+        <p:nvSpPr>
+          <p:cNvPr id="159" name=""/>
+          <p:cNvSpPr/>
+          <p:nvPr/>
+        </p:nvSpPr>
+        <p:spPr>
+          <a:xfrm>
+            <a:off x="7914600" y="3007800"/>
+            <a:ext cx="684360" cy="684360"/>
+          </a:xfrm>
+          <a:prstGeom prst="ellipse">
+            <a:avLst/>
+          </a:prstGeom>
+          <a:solidFill>
+            <a:srgbClr val="729fcf"/>
+          </a:solidFill>
+          <a:ln w="0">
+            <a:solidFill>
+              <a:srgbClr val="3465a4"/>
+            </a:solidFill>
+          </a:ln>
+        </p:spPr>
+        <p:style>
+          <a:lnRef idx="0"/>
+          <a:fillRef idx="0"/>
+          <a:effectRef idx="0"/>
+          <a:fontRef idx="minor"/>
+        </p:style>
+      </p:sp>
+      <p:sp>
+        <p:nvSpPr>
+          <p:cNvPr id="160" name=""/>
+          <p:cNvSpPr/>
+          <p:nvPr/>
+        </p:nvSpPr>
+        <p:spPr>
+          <a:xfrm flipH="1">
+            <a:off x="7543800" y="2514600"/>
+            <a:ext cx="457200" cy="457200"/>
+          </a:xfrm>
+          <a:prstGeom prst="line">
+            <a:avLst/>
+          </a:prstGeom>
+          <a:ln w="0">
+            <a:solidFill>
+              <a:srgbClr val="3465a4"/>
+            </a:solidFill>
+          </a:ln>
+        </p:spPr>
+        <p:style>
+          <a:lnRef idx="0"/>
+          <a:fillRef idx="0"/>
+          <a:effectRef idx="0"/>
+          <a:fontRef idx="minor"/>
+        </p:style>
+      </p:sp>
+      <p:sp>
+        <p:nvSpPr>
+          <p:cNvPr id="161" name=""/>
+          <p:cNvSpPr/>
+          <p:nvPr/>
+        </p:nvSpPr>
+        <p:spPr>
+          <a:xfrm>
+            <a:off x="8229600" y="2550600"/>
+            <a:ext cx="360" cy="457200"/>
+          </a:xfrm>
+          <a:prstGeom prst="line">
+            <a:avLst/>
+          </a:prstGeom>
+          <a:ln w="0">
+            <a:solidFill>
+              <a:srgbClr val="3465a4"/>
+            </a:solidFill>
+          </a:ln>
+        </p:spPr>
+        <p:style>
+          <a:lnRef idx="0"/>
+          <a:fillRef idx="0"/>
+          <a:effectRef idx="0"/>
+          <a:fontRef idx="minor"/>
+        </p:style>
+      </p:sp>
+      <p:sp>
+        <p:nvSpPr>
+          <p:cNvPr id="162" name=""/>
+          <p:cNvSpPr/>
+          <p:nvPr/>
+        </p:nvSpPr>
+        <p:spPr>
+          <a:xfrm>
+            <a:off x="8915400" y="3200400"/>
+            <a:ext cx="1370160" cy="287280"/>
+          </a:xfrm>
+          <a:prstGeom prst="rect">
+            <a:avLst/>
+          </a:prstGeom>
+          <a:noFill/>
+          <a:ln w="0">
+            <a:noFill/>
+          </a:ln>
+        </p:spPr>
+        <p:style>
+          <a:lnRef idx="0"/>
+          <a:fillRef idx="0"/>
+          <a:effectRef idx="0"/>
+          <a:fontRef idx="minor"/>
+        </p:style>
+        <p:txBody>
+          <a:bodyPr lIns="90000" rIns="90000" tIns="45000" bIns="45000" anchor="t">
+            <a:noAutofit/>
+          </a:bodyPr>
+          <a:p>
+            <a:pPr>
+              <a:lnSpc>
+                <a:spcPct val="100000"/>
+              </a:lnSpc>
             </a:pPr>
             <a:r>
               <a:rPr b="0" lang="en-US" sz="1400" spc="-1" strike="noStrike">
-                <a:latin typeface="Arial"/>
-              </a:rPr>
-              <a:t>The handleClick function creates a copy of the squares array (nextSquares) with the JavaScript slice() Array method. Then, handleClick updates the nextSquares array to add X to the first ([0] index) square.</a:t>
+                <a:solidFill>
+                  <a:srgbClr val="000000"/>
+                </a:solidFill>
+                <a:latin typeface="Arial"/>
+                <a:ea typeface="DejaVu Sans"/>
+              </a:rPr>
+              <a:t>...</a:t>
             </a:r>
             <a:endParaRPr b="0" lang="en-US" sz="1400" spc="-1" strike="noStrike">
               <a:latin typeface="Arial"/>
             </a:endParaRPr>
           </a:p>
-          <a:p>
-            <a:pPr marL="432000" indent="-324000">
-              <a:lnSpc>
-                <a:spcPct val="100000"/>
-              </a:lnSpc>
-              <a:spcBef>
-                <a:spcPts val="615"/>
-              </a:spcBef>
-              <a:buClr>
-                <a:srgbClr val="000000"/>
-              </a:buClr>
-              <a:buSzPct val="45000"/>
-              <a:buFont typeface="Wingdings" charset="2"/>
-              <a:buChar char=""/>
-              <a:tabLst>
-                <a:tab algn="l" pos="408240"/>
-              </a:tabLst>
+        </p:txBody>
+      </p:sp>
+      <p:sp>
+        <p:nvSpPr>
+          <p:cNvPr id="163" name=""/>
+          <p:cNvSpPr/>
+          <p:nvPr/>
+        </p:nvSpPr>
+        <p:spPr>
+          <a:xfrm>
+            <a:off x="8458200" y="2514600"/>
+            <a:ext cx="457200" cy="685800"/>
+          </a:xfrm>
+          <a:prstGeom prst="line">
+            <a:avLst/>
+          </a:prstGeom>
+          <a:ln w="0">
+            <a:solidFill>
+              <a:srgbClr val="3465a4"/>
+            </a:solidFill>
+          </a:ln>
+        </p:spPr>
+        <p:style>
+          <a:lnRef idx="0"/>
+          <a:fillRef idx="0"/>
+          <a:effectRef idx="0"/>
+          <a:fontRef idx="minor"/>
+        </p:style>
+      </p:sp>
+      <p:sp>
+        <p:nvSpPr>
+          <p:cNvPr id="164" name=""/>
+          <p:cNvSpPr/>
+          <p:nvPr/>
+        </p:nvSpPr>
+        <p:spPr>
+          <a:xfrm>
+            <a:off x="8073000" y="2057400"/>
+            <a:ext cx="912960" cy="287280"/>
+          </a:xfrm>
+          <a:prstGeom prst="rect">
+            <a:avLst/>
+          </a:prstGeom>
+          <a:noFill/>
+          <a:ln w="0">
+            <a:noFill/>
+          </a:ln>
+        </p:spPr>
+        <p:style>
+          <a:lnRef idx="0"/>
+          <a:fillRef idx="0"/>
+          <a:effectRef idx="0"/>
+          <a:fontRef idx="minor"/>
+        </p:style>
+        <p:txBody>
+          <a:bodyPr lIns="90000" rIns="90000" tIns="45000" bIns="45000" anchor="t">
+            <a:noAutofit/>
+          </a:bodyPr>
+          <a:p>
+            <a:pPr>
+              <a:lnSpc>
+                <a:spcPct val="100000"/>
+              </a:lnSpc>
             </a:pPr>
             <a:r>
               <a:rPr b="0" lang="en-US" sz="1400" spc="-1" strike="noStrike">
-                <a:latin typeface="Arial"/>
-              </a:rPr>
-              <a:t>Calling the setSquares function lets React know </a:t>
-            </a:r>
-            <a:r>
-              <a:rPr b="0" lang="en-US" sz="1400" spc="-1" strike="noStrike" u="sng">
-                <a:uFillTx/>
-                <a:latin typeface="Arial"/>
-              </a:rPr>
-              <a:t>the state of the component has changed</a:t>
-            </a:r>
+                <a:solidFill>
+                  <a:srgbClr val="000000"/>
+                </a:solidFill>
+                <a:latin typeface="Arial"/>
+                <a:ea typeface="DejaVu Sans"/>
+              </a:rPr>
+              <a:t>B</a:t>
+            </a:r>
+            <a:endParaRPr b="0" lang="en-US" sz="1400" spc="-1" strike="noStrike">
+              <a:latin typeface="Arial"/>
+            </a:endParaRPr>
+          </a:p>
+        </p:txBody>
+      </p:sp>
+      <p:sp>
+        <p:nvSpPr>
+          <p:cNvPr id="165" name=""/>
+          <p:cNvSpPr/>
+          <p:nvPr/>
+        </p:nvSpPr>
+        <p:spPr>
+          <a:xfrm>
+            <a:off x="7243200" y="3176280"/>
+            <a:ext cx="912960" cy="287280"/>
+          </a:xfrm>
+          <a:prstGeom prst="rect">
+            <a:avLst/>
+          </a:prstGeom>
+          <a:noFill/>
+          <a:ln w="0">
+            <a:noFill/>
+          </a:ln>
+        </p:spPr>
+        <p:style>
+          <a:lnRef idx="0"/>
+          <a:fillRef idx="0"/>
+          <a:effectRef idx="0"/>
+          <a:fontRef idx="minor"/>
+        </p:style>
+        <p:txBody>
+          <a:bodyPr lIns="90000" rIns="90000" tIns="45000" bIns="45000" anchor="t">
+            <a:noAutofit/>
+          </a:bodyPr>
+          <a:p>
+            <a:pPr>
+              <a:lnSpc>
+                <a:spcPct val="100000"/>
+              </a:lnSpc>
+            </a:pPr>
             <a:r>
               <a:rPr b="0" lang="en-US" sz="1400" spc="-1" strike="noStrike">
-                <a:latin typeface="Arial"/>
-              </a:rPr>
-              <a:t>. This will trigger a </a:t>
-            </a:r>
-            <a:r>
-              <a:rPr b="1" lang="en-US" sz="1400" spc="-1" strike="noStrike" u="sng">
-                <a:uFillTx/>
-                <a:latin typeface="Arial"/>
-              </a:rPr>
-              <a:t>re-render of the components that use the squares state</a:t>
-            </a:r>
+                <a:solidFill>
+                  <a:srgbClr val="000000"/>
+                </a:solidFill>
+                <a:latin typeface="Arial"/>
+                <a:ea typeface="DejaVu Sans"/>
+              </a:rPr>
+              <a:t>S1</a:t>
+            </a:r>
+            <a:endParaRPr b="0" lang="en-US" sz="1400" spc="-1" strike="noStrike">
+              <a:latin typeface="Arial"/>
+            </a:endParaRPr>
+          </a:p>
+        </p:txBody>
+      </p:sp>
+      <p:sp>
+        <p:nvSpPr>
+          <p:cNvPr id="166" name=""/>
+          <p:cNvSpPr/>
+          <p:nvPr/>
+        </p:nvSpPr>
+        <p:spPr>
+          <a:xfrm>
+            <a:off x="8071200" y="3176280"/>
+            <a:ext cx="912960" cy="287280"/>
+          </a:xfrm>
+          <a:prstGeom prst="rect">
+            <a:avLst/>
+          </a:prstGeom>
+          <a:noFill/>
+          <a:ln w="0">
+            <a:noFill/>
+          </a:ln>
+        </p:spPr>
+        <p:style>
+          <a:lnRef idx="0"/>
+          <a:fillRef idx="0"/>
+          <a:effectRef idx="0"/>
+          <a:fontRef idx="minor"/>
+        </p:style>
+        <p:txBody>
+          <a:bodyPr lIns="90000" rIns="90000" tIns="45000" bIns="45000" anchor="t">
+            <a:noAutofit/>
+          </a:bodyPr>
+          <a:p>
+            <a:pPr>
+              <a:lnSpc>
+                <a:spcPct val="100000"/>
+              </a:lnSpc>
+            </a:pPr>
             <a:r>
               <a:rPr b="0" lang="en-US" sz="1400" spc="-1" strike="noStrike">
-                <a:latin typeface="Arial"/>
-              </a:rPr>
-              <a:t> (Board) as well as its child components (the Square components that make up the board).</a:t>
+                <a:solidFill>
+                  <a:srgbClr val="000000"/>
+                </a:solidFill>
+                <a:latin typeface="Arial"/>
+                <a:ea typeface="DejaVu Sans"/>
+              </a:rPr>
+              <a:t>S2</a:t>
             </a:r>
             <a:endParaRPr b="0" lang="en-US" sz="1400" spc="-1" strike="noStrike">
               <a:latin typeface="Arial"/>
@@ -7207,29 +7684,300 @@
           </a:p>
         </p:txBody>
       </p:sp>
-      <p:pic>
-        <p:nvPicPr>
-          <p:cNvPr id="154" name="" descr=""/>
-          <p:cNvPicPr/>
+      <p:sp>
+        <p:nvSpPr>
+          <p:cNvPr id="167" name=""/>
+          <p:cNvSpPr/>
           <p:nvPr/>
-        </p:nvPicPr>
-        <p:blipFill>
-          <a:blip r:embed="rId1"/>
-          <a:stretch/>
-        </p:blipFill>
-        <p:spPr>
-          <a:xfrm>
-            <a:off x="1348200" y="2478600"/>
-            <a:ext cx="7771320" cy="2970720"/>
-          </a:xfrm>
-          <a:prstGeom prst="rect">
-            <a:avLst/>
-          </a:prstGeom>
-          <a:ln w="0">
-            <a:noFill/>
-          </a:ln>
-        </p:spPr>
-      </p:pic>
+        </p:nvSpPr>
+        <p:spPr>
+          <a:xfrm>
+            <a:off x="7315200" y="3814200"/>
+            <a:ext cx="1685520" cy="1685520"/>
+          </a:xfrm>
+          <a:prstGeom prst="ellipse">
+            <a:avLst/>
+          </a:prstGeom>
+          <a:solidFill>
+            <a:srgbClr val="729fcf"/>
+          </a:solidFill>
+          <a:ln w="0">
+            <a:solidFill>
+              <a:srgbClr val="3465a4"/>
+            </a:solidFill>
+          </a:ln>
+        </p:spPr>
+        <p:style>
+          <a:lnRef idx="0"/>
+          <a:fillRef idx="0"/>
+          <a:effectRef idx="0"/>
+          <a:fontRef idx="minor"/>
+        </p:style>
+      </p:sp>
+      <p:sp>
+        <p:nvSpPr>
+          <p:cNvPr id="168" name=""/>
+          <p:cNvSpPr/>
+          <p:nvPr/>
+        </p:nvSpPr>
+        <p:spPr>
+          <a:xfrm>
+            <a:off x="7459560" y="4187160"/>
+            <a:ext cx="684360" cy="684360"/>
+          </a:xfrm>
+          <a:prstGeom prst="ellipse">
+            <a:avLst/>
+          </a:prstGeom>
+          <a:solidFill>
+            <a:srgbClr val="729fcf"/>
+          </a:solidFill>
+          <a:ln w="0">
+            <a:solidFill>
+              <a:srgbClr val="3465a4"/>
+            </a:solidFill>
+          </a:ln>
+        </p:spPr>
+        <p:style>
+          <a:lnRef idx="0"/>
+          <a:fillRef idx="0"/>
+          <a:effectRef idx="0"/>
+          <a:fontRef idx="minor"/>
+        </p:style>
+      </p:sp>
+      <p:sp>
+        <p:nvSpPr>
+          <p:cNvPr id="169" name=""/>
+          <p:cNvSpPr/>
+          <p:nvPr/>
+        </p:nvSpPr>
+        <p:spPr>
+          <a:xfrm>
+            <a:off x="8157960" y="4536000"/>
+            <a:ext cx="684360" cy="684360"/>
+          </a:xfrm>
+          <a:prstGeom prst="ellipse">
+            <a:avLst/>
+          </a:prstGeom>
+          <a:solidFill>
+            <a:srgbClr val="729fcf"/>
+          </a:solidFill>
+          <a:ln w="0">
+            <a:solidFill>
+              <a:srgbClr val="3465a4"/>
+            </a:solidFill>
+          </a:ln>
+        </p:spPr>
+        <p:style>
+          <a:lnRef idx="0"/>
+          <a:fillRef idx="0"/>
+          <a:effectRef idx="0"/>
+          <a:fontRef idx="minor"/>
+        </p:style>
+      </p:sp>
+      <p:sp>
+        <p:nvSpPr>
+          <p:cNvPr id="170" name=""/>
+          <p:cNvSpPr/>
+          <p:nvPr/>
+        </p:nvSpPr>
+        <p:spPr>
+          <a:xfrm>
+            <a:off x="7616160" y="4379400"/>
+            <a:ext cx="912960" cy="287280"/>
+          </a:xfrm>
+          <a:prstGeom prst="rect">
+            <a:avLst/>
+          </a:prstGeom>
+          <a:noFill/>
+          <a:ln w="0">
+            <a:noFill/>
+          </a:ln>
+        </p:spPr>
+        <p:style>
+          <a:lnRef idx="0"/>
+          <a:fillRef idx="0"/>
+          <a:effectRef idx="0"/>
+          <a:fontRef idx="minor"/>
+        </p:style>
+        <p:txBody>
+          <a:bodyPr lIns="90000" rIns="90000" tIns="45000" bIns="45000" anchor="t">
+            <a:noAutofit/>
+          </a:bodyPr>
+          <a:p>
+            <a:pPr>
+              <a:lnSpc>
+                <a:spcPct val="100000"/>
+              </a:lnSpc>
+            </a:pPr>
+            <a:r>
+              <a:rPr b="0" lang="en-US" sz="1400" spc="-1" strike="noStrike">
+                <a:solidFill>
+                  <a:srgbClr val="000000"/>
+                </a:solidFill>
+                <a:latin typeface="Arial"/>
+                <a:ea typeface="DejaVu Sans"/>
+              </a:rPr>
+              <a:t>S1</a:t>
+            </a:r>
+            <a:endParaRPr b="0" lang="en-US" sz="1400" spc="-1" strike="noStrike">
+              <a:latin typeface="Arial"/>
+            </a:endParaRPr>
+          </a:p>
+        </p:txBody>
+      </p:sp>
+      <p:sp>
+        <p:nvSpPr>
+          <p:cNvPr id="171" name=""/>
+          <p:cNvSpPr/>
+          <p:nvPr/>
+        </p:nvSpPr>
+        <p:spPr>
+          <a:xfrm>
+            <a:off x="8071200" y="3176280"/>
+            <a:ext cx="912960" cy="287280"/>
+          </a:xfrm>
+          <a:prstGeom prst="rect">
+            <a:avLst/>
+          </a:prstGeom>
+          <a:noFill/>
+          <a:ln w="0">
+            <a:noFill/>
+          </a:ln>
+        </p:spPr>
+        <p:style>
+          <a:lnRef idx="0"/>
+          <a:fillRef idx="0"/>
+          <a:effectRef idx="0"/>
+          <a:fontRef idx="minor"/>
+        </p:style>
+        <p:txBody>
+          <a:bodyPr lIns="90000" rIns="90000" tIns="45000" bIns="45000" anchor="t">
+            <a:noAutofit/>
+          </a:bodyPr>
+          <a:p>
+            <a:pPr>
+              <a:lnSpc>
+                <a:spcPct val="100000"/>
+              </a:lnSpc>
+            </a:pPr>
+            <a:r>
+              <a:rPr b="0" lang="en-US" sz="1400" spc="-1" strike="noStrike">
+                <a:solidFill>
+                  <a:srgbClr val="000000"/>
+                </a:solidFill>
+                <a:latin typeface="Arial"/>
+                <a:ea typeface="DejaVu Sans"/>
+              </a:rPr>
+              <a:t>S2</a:t>
+            </a:r>
+            <a:endParaRPr b="0" lang="en-US" sz="1400" spc="-1" strike="noStrike">
+              <a:latin typeface="Arial"/>
+            </a:endParaRPr>
+          </a:p>
+        </p:txBody>
+      </p:sp>
+      <p:sp>
+        <p:nvSpPr>
+          <p:cNvPr id="172" name=""/>
+          <p:cNvSpPr/>
+          <p:nvPr/>
+        </p:nvSpPr>
+        <p:spPr>
+          <a:xfrm>
+            <a:off x="8323200" y="4724280"/>
+            <a:ext cx="912960" cy="287280"/>
+          </a:xfrm>
+          <a:prstGeom prst="rect">
+            <a:avLst/>
+          </a:prstGeom>
+          <a:noFill/>
+          <a:ln w="0">
+            <a:noFill/>
+          </a:ln>
+        </p:spPr>
+        <p:style>
+          <a:lnRef idx="0"/>
+          <a:fillRef idx="0"/>
+          <a:effectRef idx="0"/>
+          <a:fontRef idx="minor"/>
+        </p:style>
+        <p:txBody>
+          <a:bodyPr lIns="90000" rIns="90000" tIns="45000" bIns="45000" anchor="t">
+            <a:noAutofit/>
+          </a:bodyPr>
+          <a:p>
+            <a:pPr>
+              <a:lnSpc>
+                <a:spcPct val="100000"/>
+              </a:lnSpc>
+            </a:pPr>
+            <a:r>
+              <a:rPr b="0" lang="en-US" sz="1400" spc="-1" strike="noStrike">
+                <a:solidFill>
+                  <a:srgbClr val="000000"/>
+                </a:solidFill>
+                <a:latin typeface="Arial"/>
+                <a:ea typeface="DejaVu Sans"/>
+              </a:rPr>
+              <a:t>S2</a:t>
+            </a:r>
+            <a:endParaRPr b="0" lang="en-US" sz="1400" spc="-1" strike="noStrike">
+              <a:latin typeface="Arial"/>
+            </a:endParaRPr>
+          </a:p>
+        </p:txBody>
+      </p:sp>
+      <p:sp>
+        <p:nvSpPr>
+          <p:cNvPr id="173" name=""/>
+          <p:cNvSpPr/>
+          <p:nvPr/>
+        </p:nvSpPr>
+        <p:spPr>
+          <a:xfrm>
+            <a:off x="8289000" y="4001400"/>
+            <a:ext cx="912960" cy="287280"/>
+          </a:xfrm>
+          <a:prstGeom prst="rect">
+            <a:avLst/>
+          </a:prstGeom>
+          <a:noFill/>
+          <a:ln w="0">
+            <a:noFill/>
+          </a:ln>
+        </p:spPr>
+        <p:style>
+          <a:lnRef idx="0"/>
+          <a:fillRef idx="0"/>
+          <a:effectRef idx="0"/>
+          <a:fontRef idx="minor"/>
+        </p:style>
+        <p:txBody>
+          <a:bodyPr lIns="90000" rIns="90000" tIns="45000" bIns="45000" anchor="t">
+            <a:noAutofit/>
+          </a:bodyPr>
+          <a:p>
+            <a:pPr>
+              <a:lnSpc>
+                <a:spcPct val="100000"/>
+              </a:lnSpc>
+            </a:pPr>
+            <a:r>
+              <a:rPr b="0" lang="en-US" sz="1400" spc="-1" strike="noStrike">
+                <a:solidFill>
+                  <a:srgbClr val="000000"/>
+                </a:solidFill>
+                <a:latin typeface="Arial"/>
+                <a:ea typeface="DejaVu Sans"/>
+              </a:rPr>
+              <a:t>B</a:t>
+            </a:r>
+            <a:endParaRPr b="0" lang="en-US" sz="1400" spc="-1" strike="noStrike">
+              <a:latin typeface="Arial"/>
+            </a:endParaRPr>
+          </a:p>
+        </p:txBody>
+      </p:sp>
     </p:spTree>
   </p:cSld>
   <mc:AlternateContent>
@@ -7262,7 +8010,7 @@
       </p:grpSpPr>
       <p:sp>
         <p:nvSpPr>
-          <p:cNvPr id="155" name="PlaceHolder 1"/>
+          <p:cNvPr id="174" name="PlaceHolder 1"/>
           <p:cNvSpPr>
             <a:spLocks noGrp="1"/>
           </p:cNvSpPr>
@@ -7273,7 +8021,7 @@
         <p:spPr>
           <a:xfrm>
             <a:off x="504000" y="226080"/>
-            <a:ext cx="9070560" cy="945360"/>
+            <a:ext cx="9070200" cy="945000"/>
           </a:xfrm>
           <a:prstGeom prst="rect">
             <a:avLst/>
@@ -7307,14 +8055,14 @@
       </p:sp>
       <p:sp>
         <p:nvSpPr>
-          <p:cNvPr id="156" name=""/>
+          <p:cNvPr id="175" name=""/>
           <p:cNvSpPr/>
           <p:nvPr/>
         </p:nvSpPr>
         <p:spPr>
           <a:xfrm>
             <a:off x="1143000" y="1371600"/>
-            <a:ext cx="5028120" cy="5918040"/>
+            <a:ext cx="5027760" cy="5917680"/>
           </a:xfrm>
           <a:prstGeom prst="rect">
             <a:avLst/>
@@ -7360,22 +8108,42 @@
                 <a:spcPct val="100000"/>
               </a:lnSpc>
             </a:pPr>
+            <a:r>
+              <a:rPr b="0" lang="en-US" sz="1800" spc="-1" strike="noStrike">
+                <a:solidFill>
+                  <a:srgbClr val="000000"/>
+                </a:solidFill>
+                <a:latin typeface="Arial"/>
+                <a:ea typeface="DejaVu Sans"/>
+              </a:rPr>
+              <a:t>- When clicking on a Square, the child Square component now asks the parent Board component to update the state of the board. </a:t>
+            </a:r>
             <a:endParaRPr b="0" lang="en-US" sz="1800" spc="-1" strike="noStrike">
               <a:latin typeface="Arial"/>
             </a:endParaRPr>
           </a:p>
-        </p:txBody>
-      </p:sp>
-      <p:sp>
-        <p:nvSpPr>
-          <p:cNvPr id="157" name=""/>
+          <a:p>
+            <a:pPr>
+              <a:lnSpc>
+                <a:spcPct val="100000"/>
+              </a:lnSpc>
+            </a:pPr>
+            <a:endParaRPr b="0" lang="en-US" sz="1800" spc="-1" strike="noStrike">
+              <a:latin typeface="Arial"/>
+            </a:endParaRPr>
+          </a:p>
+        </p:txBody>
+      </p:sp>
+      <p:sp>
+        <p:nvSpPr>
+          <p:cNvPr id="176" name=""/>
           <p:cNvSpPr/>
           <p:nvPr/>
         </p:nvSpPr>
         <p:spPr>
           <a:xfrm>
             <a:off x="7880400" y="1864800"/>
-            <a:ext cx="684720" cy="684720"/>
+            <a:ext cx="684360" cy="684360"/>
           </a:xfrm>
           <a:prstGeom prst="ellipse">
             <a:avLst/>
@@ -7398,14 +8166,14 @@
       </p:sp>
       <p:sp>
         <p:nvSpPr>
-          <p:cNvPr id="158" name=""/>
+          <p:cNvPr id="177" name=""/>
           <p:cNvSpPr/>
           <p:nvPr/>
         </p:nvSpPr>
         <p:spPr>
           <a:xfrm>
             <a:off x="7086600" y="2971800"/>
-            <a:ext cx="684720" cy="684720"/>
+            <a:ext cx="684360" cy="684360"/>
           </a:xfrm>
           <a:prstGeom prst="ellipse">
             <a:avLst/>
@@ -7428,20 +8196,20 @@
       </p:sp>
       <p:sp>
         <p:nvSpPr>
-          <p:cNvPr id="159" name=""/>
+          <p:cNvPr id="178" name=""/>
           <p:cNvSpPr/>
           <p:nvPr/>
         </p:nvSpPr>
         <p:spPr>
           <a:xfrm>
             <a:off x="7914600" y="3007800"/>
-            <a:ext cx="684720" cy="684720"/>
+            <a:ext cx="684360" cy="684360"/>
           </a:xfrm>
           <a:prstGeom prst="ellipse">
             <a:avLst/>
           </a:prstGeom>
           <a:solidFill>
-            <a:srgbClr val="729fcf"/>
+            <a:srgbClr val="ff0000"/>
           </a:solidFill>
           <a:ln w="0">
             <a:solidFill>
@@ -7458,7 +8226,7 @@
       </p:sp>
       <p:sp>
         <p:nvSpPr>
-          <p:cNvPr id="160" name=""/>
+          <p:cNvPr id="179" name=""/>
           <p:cNvSpPr/>
           <p:nvPr/>
         </p:nvSpPr>
@@ -7485,22 +8253,21 @@
       </p:sp>
       <p:sp>
         <p:nvSpPr>
-          <p:cNvPr id="161" name=""/>
+          <p:cNvPr id="180" name=""/>
           <p:cNvSpPr/>
           <p:nvPr/>
         </p:nvSpPr>
         <p:spPr>
           <a:xfrm>
-            <a:off x="8229600" y="2550600"/>
-            <a:ext cx="360" cy="457200"/>
-          </a:xfrm>
-          <a:prstGeom prst="line">
-            <a:avLst/>
-          </a:prstGeom>
-          <a:ln w="0">
-            <a:solidFill>
-              <a:srgbClr val="3465a4"/>
-            </a:solidFill>
+            <a:off x="8915400" y="3200400"/>
+            <a:ext cx="1370160" cy="287280"/>
+          </a:xfrm>
+          <a:prstGeom prst="rect">
+            <a:avLst/>
+          </a:prstGeom>
+          <a:noFill/>
+          <a:ln w="0">
+            <a:noFill/>
           </a:ln>
         </p:spPr>
         <p:style>
@@ -7509,24 +8276,50 @@
           <a:effectRef idx="0"/>
           <a:fontRef idx="minor"/>
         </p:style>
-      </p:sp>
-      <p:sp>
-        <p:nvSpPr>
-          <p:cNvPr id="162" name=""/>
+        <p:txBody>
+          <a:bodyPr lIns="90000" rIns="90000" tIns="45000" bIns="45000" anchor="t">
+            <a:noAutofit/>
+          </a:bodyPr>
+          <a:p>
+            <a:pPr>
+              <a:lnSpc>
+                <a:spcPct val="100000"/>
+              </a:lnSpc>
+            </a:pPr>
+            <a:r>
+              <a:rPr b="0" lang="en-US" sz="1400" spc="-1" strike="noStrike">
+                <a:solidFill>
+                  <a:srgbClr val="000000"/>
+                </a:solidFill>
+                <a:latin typeface="Arial"/>
+                <a:ea typeface="DejaVu Sans"/>
+              </a:rPr>
+              <a:t>...</a:t>
+            </a:r>
+            <a:endParaRPr b="0" lang="en-US" sz="1400" spc="-1" strike="noStrike">
+              <a:latin typeface="Arial"/>
+            </a:endParaRPr>
+          </a:p>
+        </p:txBody>
+      </p:sp>
+      <p:sp>
+        <p:nvSpPr>
+          <p:cNvPr id="181" name=""/>
           <p:cNvSpPr/>
           <p:nvPr/>
         </p:nvSpPr>
         <p:spPr>
           <a:xfrm>
-            <a:off x="8915400" y="3200400"/>
-            <a:ext cx="1370520" cy="287640"/>
-          </a:xfrm>
-          <a:prstGeom prst="rect">
-            <a:avLst/>
-          </a:prstGeom>
-          <a:noFill/>
-          <a:ln w="0">
-            <a:noFill/>
+            <a:off x="8458200" y="2514600"/>
+            <a:ext cx="457200" cy="685800"/>
+          </a:xfrm>
+          <a:prstGeom prst="line">
+            <a:avLst/>
+          </a:prstGeom>
+          <a:ln w="0">
+            <a:solidFill>
+              <a:srgbClr val="3465a4"/>
+            </a:solidFill>
           </a:ln>
         </p:spPr>
         <p:style>
@@ -7535,50 +8328,24 @@
           <a:effectRef idx="0"/>
           <a:fontRef idx="minor"/>
         </p:style>
-        <p:txBody>
-          <a:bodyPr lIns="90000" rIns="90000" tIns="45000" bIns="45000" anchor="t">
-            <a:noAutofit/>
-          </a:bodyPr>
-          <a:p>
-            <a:pPr>
-              <a:lnSpc>
-                <a:spcPct val="100000"/>
-              </a:lnSpc>
-            </a:pPr>
-            <a:r>
-              <a:rPr b="0" lang="en-US" sz="1400" spc="-1" strike="noStrike">
-                <a:solidFill>
-                  <a:srgbClr val="000000"/>
-                </a:solidFill>
-                <a:latin typeface="Arial"/>
-                <a:ea typeface="DejaVu Sans"/>
-              </a:rPr>
-              <a:t>...</a:t>
-            </a:r>
-            <a:endParaRPr b="0" lang="en-US" sz="1400" spc="-1" strike="noStrike">
-              <a:latin typeface="Arial"/>
-            </a:endParaRPr>
-          </a:p>
-        </p:txBody>
-      </p:sp>
-      <p:sp>
-        <p:nvSpPr>
-          <p:cNvPr id="163" name=""/>
+      </p:sp>
+      <p:sp>
+        <p:nvSpPr>
+          <p:cNvPr id="182" name=""/>
           <p:cNvSpPr/>
           <p:nvPr/>
         </p:nvSpPr>
         <p:spPr>
           <a:xfrm>
-            <a:off x="8458200" y="2514600"/>
-            <a:ext cx="457200" cy="685800"/>
-          </a:xfrm>
-          <a:prstGeom prst="line">
-            <a:avLst/>
-          </a:prstGeom>
-          <a:ln w="0">
-            <a:solidFill>
-              <a:srgbClr val="3465a4"/>
-            </a:solidFill>
+            <a:off x="8073000" y="2057400"/>
+            <a:ext cx="912960" cy="287280"/>
+          </a:xfrm>
+          <a:prstGeom prst="rect">
+            <a:avLst/>
+          </a:prstGeom>
+          <a:noFill/>
+          <a:ln w="0">
+            <a:noFill/>
           </a:ln>
         </p:spPr>
         <p:style>
@@ -7587,17 +8354,42 @@
           <a:effectRef idx="0"/>
           <a:fontRef idx="minor"/>
         </p:style>
-      </p:sp>
-      <p:sp>
-        <p:nvSpPr>
-          <p:cNvPr id="164" name=""/>
+        <p:txBody>
+          <a:bodyPr lIns="90000" rIns="90000" tIns="45000" bIns="45000" anchor="t">
+            <a:noAutofit/>
+          </a:bodyPr>
+          <a:p>
+            <a:pPr>
+              <a:lnSpc>
+                <a:spcPct val="100000"/>
+              </a:lnSpc>
+            </a:pPr>
+            <a:r>
+              <a:rPr b="0" lang="en-US" sz="1400" spc="-1" strike="noStrike">
+                <a:solidFill>
+                  <a:srgbClr val="000000"/>
+                </a:solidFill>
+                <a:latin typeface="Arial"/>
+                <a:ea typeface="DejaVu Sans"/>
+              </a:rPr>
+              <a:t>B</a:t>
+            </a:r>
+            <a:endParaRPr b="0" lang="en-US" sz="1400" spc="-1" strike="noStrike">
+              <a:latin typeface="Arial"/>
+            </a:endParaRPr>
+          </a:p>
+        </p:txBody>
+      </p:sp>
+      <p:sp>
+        <p:nvSpPr>
+          <p:cNvPr id="183" name=""/>
           <p:cNvSpPr/>
           <p:nvPr/>
         </p:nvSpPr>
         <p:spPr>
           <a:xfrm>
-            <a:off x="8073000" y="2057400"/>
-            <a:ext cx="913320" cy="287640"/>
+            <a:off x="7243200" y="3176280"/>
+            <a:ext cx="912960" cy="287280"/>
           </a:xfrm>
           <a:prstGeom prst="rect">
             <a:avLst/>
@@ -7631,7 +8423,7 @@
                 <a:latin typeface="Arial"/>
                 <a:ea typeface="DejaVu Sans"/>
               </a:rPr>
-              <a:t>B</a:t>
+              <a:t>S1</a:t>
             </a:r>
             <a:endParaRPr b="0" lang="en-US" sz="1400" spc="-1" strike="noStrike">
               <a:latin typeface="Arial"/>
@@ -7641,14 +8433,14 @@
       </p:sp>
       <p:sp>
         <p:nvSpPr>
-          <p:cNvPr id="165" name=""/>
+          <p:cNvPr id="184" name=""/>
           <p:cNvSpPr/>
           <p:nvPr/>
         </p:nvSpPr>
         <p:spPr>
           <a:xfrm>
-            <a:off x="7243200" y="3176280"/>
-            <a:ext cx="913320" cy="287640"/>
+            <a:off x="8071200" y="3176280"/>
+            <a:ext cx="912960" cy="287280"/>
           </a:xfrm>
           <a:prstGeom prst="rect">
             <a:avLst/>
@@ -7682,7 +8474,7 @@
                 <a:latin typeface="Arial"/>
                 <a:ea typeface="DejaVu Sans"/>
               </a:rPr>
-              <a:t>S1</a:t>
+              <a:t>S2</a:t>
             </a:r>
             <a:endParaRPr b="0" lang="en-US" sz="1400" spc="-1" strike="noStrike">
               <a:latin typeface="Arial"/>
@@ -7692,21 +8484,25 @@
       </p:sp>
       <p:sp>
         <p:nvSpPr>
-          <p:cNvPr id="166" name=""/>
+          <p:cNvPr id="185" name=""/>
           <p:cNvSpPr/>
           <p:nvPr/>
         </p:nvSpPr>
         <p:spPr>
           <a:xfrm>
-            <a:off x="8071200" y="3176280"/>
-            <a:ext cx="913320" cy="287640"/>
-          </a:xfrm>
-          <a:prstGeom prst="rect">
-            <a:avLst/>
-          </a:prstGeom>
-          <a:noFill/>
-          <a:ln w="0">
-            <a:noFill/>
+            <a:off x="7314840" y="3814200"/>
+            <a:ext cx="1685520" cy="1685520"/>
+          </a:xfrm>
+          <a:prstGeom prst="ellipse">
+            <a:avLst/>
+          </a:prstGeom>
+          <a:solidFill>
+            <a:srgbClr val="729fcf"/>
+          </a:solidFill>
+          <a:ln w="0">
+            <a:solidFill>
+              <a:srgbClr val="3465a4"/>
+            </a:solidFill>
           </a:ln>
         </p:spPr>
         <p:style>
@@ -7715,42 +8511,17 @@
           <a:effectRef idx="0"/>
           <a:fontRef idx="minor"/>
         </p:style>
-        <p:txBody>
-          <a:bodyPr lIns="90000" rIns="90000" tIns="45000" bIns="45000" anchor="t">
-            <a:noAutofit/>
-          </a:bodyPr>
-          <a:p>
-            <a:pPr>
-              <a:lnSpc>
-                <a:spcPct val="100000"/>
-              </a:lnSpc>
-            </a:pPr>
-            <a:r>
-              <a:rPr b="0" lang="en-US" sz="1400" spc="-1" strike="noStrike">
-                <a:solidFill>
-                  <a:srgbClr val="000000"/>
-                </a:solidFill>
-                <a:latin typeface="Arial"/>
-                <a:ea typeface="DejaVu Sans"/>
-              </a:rPr>
-              <a:t>S2</a:t>
-            </a:r>
-            <a:endParaRPr b="0" lang="en-US" sz="1400" spc="-1" strike="noStrike">
-              <a:latin typeface="Arial"/>
-            </a:endParaRPr>
-          </a:p>
-        </p:txBody>
-      </p:sp>
-      <p:sp>
-        <p:nvSpPr>
-          <p:cNvPr id="167" name=""/>
+      </p:sp>
+      <p:sp>
+        <p:nvSpPr>
+          <p:cNvPr id="186" name=""/>
           <p:cNvSpPr/>
           <p:nvPr/>
         </p:nvSpPr>
         <p:spPr>
           <a:xfrm>
-            <a:off x="7315200" y="3814200"/>
-            <a:ext cx="1685880" cy="1685880"/>
+            <a:off x="7459200" y="4187160"/>
+            <a:ext cx="684360" cy="684360"/>
           </a:xfrm>
           <a:prstGeom prst="ellipse">
             <a:avLst/>
@@ -7773,20 +8544,20 @@
       </p:sp>
       <p:sp>
         <p:nvSpPr>
-          <p:cNvPr id="168" name=""/>
+          <p:cNvPr id="187" name=""/>
           <p:cNvSpPr/>
           <p:nvPr/>
         </p:nvSpPr>
         <p:spPr>
           <a:xfrm>
-            <a:off x="7459560" y="4187160"/>
-            <a:ext cx="684720" cy="684720"/>
+            <a:off x="8157600" y="4536000"/>
+            <a:ext cx="684360" cy="684360"/>
           </a:xfrm>
           <a:prstGeom prst="ellipse">
             <a:avLst/>
           </a:prstGeom>
           <a:solidFill>
-            <a:srgbClr val="729fcf"/>
+            <a:srgbClr val="ff0000"/>
           </a:solidFill>
           <a:ln w="0">
             <a:solidFill>
@@ -7803,25 +8574,21 @@
       </p:sp>
       <p:sp>
         <p:nvSpPr>
-          <p:cNvPr id="169" name=""/>
+          <p:cNvPr id="188" name=""/>
           <p:cNvSpPr/>
           <p:nvPr/>
         </p:nvSpPr>
         <p:spPr>
           <a:xfrm>
-            <a:off x="8157960" y="4536000"/>
-            <a:ext cx="684720" cy="684720"/>
-          </a:xfrm>
-          <a:prstGeom prst="ellipse">
-            <a:avLst/>
-          </a:prstGeom>
-          <a:solidFill>
-            <a:srgbClr val="729fcf"/>
-          </a:solidFill>
-          <a:ln w="0">
-            <a:solidFill>
-              <a:srgbClr val="3465a4"/>
-            </a:solidFill>
+            <a:off x="7615800" y="4379400"/>
+            <a:ext cx="912960" cy="287280"/>
+          </a:xfrm>
+          <a:prstGeom prst="rect">
+            <a:avLst/>
+          </a:prstGeom>
+          <a:noFill/>
+          <a:ln w="0">
+            <a:noFill/>
           </a:ln>
         </p:spPr>
         <p:style>
@@ -7830,17 +8597,42 @@
           <a:effectRef idx="0"/>
           <a:fontRef idx="minor"/>
         </p:style>
-      </p:sp>
-      <p:sp>
-        <p:nvSpPr>
-          <p:cNvPr id="170" name=""/>
+        <p:txBody>
+          <a:bodyPr lIns="90000" rIns="90000" tIns="45000" bIns="45000" anchor="t">
+            <a:noAutofit/>
+          </a:bodyPr>
+          <a:p>
+            <a:pPr>
+              <a:lnSpc>
+                <a:spcPct val="100000"/>
+              </a:lnSpc>
+            </a:pPr>
+            <a:r>
+              <a:rPr b="0" lang="en-US" sz="1400" spc="-1" strike="noStrike">
+                <a:solidFill>
+                  <a:srgbClr val="000000"/>
+                </a:solidFill>
+                <a:latin typeface="Arial"/>
+                <a:ea typeface="DejaVu Sans"/>
+              </a:rPr>
+              <a:t>S1</a:t>
+            </a:r>
+            <a:endParaRPr b="0" lang="en-US" sz="1400" spc="-1" strike="noStrike">
+              <a:latin typeface="Arial"/>
+            </a:endParaRPr>
+          </a:p>
+        </p:txBody>
+      </p:sp>
+      <p:sp>
+        <p:nvSpPr>
+          <p:cNvPr id="189" name=""/>
           <p:cNvSpPr/>
           <p:nvPr/>
         </p:nvSpPr>
         <p:spPr>
           <a:xfrm>
-            <a:off x="7616160" y="4379400"/>
-            <a:ext cx="913320" cy="287640"/>
+            <a:off x="8322840" y="4724280"/>
+            <a:ext cx="912960" cy="287280"/>
           </a:xfrm>
           <a:prstGeom prst="rect">
             <a:avLst/>
@@ -7874,7 +8666,7 @@
                 <a:latin typeface="Arial"/>
                 <a:ea typeface="DejaVu Sans"/>
               </a:rPr>
-              <a:t>S1</a:t>
+              <a:t>S2</a:t>
             </a:r>
             <a:endParaRPr b="0" lang="en-US" sz="1400" spc="-1" strike="noStrike">
               <a:latin typeface="Arial"/>
@@ -7884,14 +8676,14 @@
       </p:sp>
       <p:sp>
         <p:nvSpPr>
-          <p:cNvPr id="171" name=""/>
+          <p:cNvPr id="190" name=""/>
           <p:cNvSpPr/>
           <p:nvPr/>
         </p:nvSpPr>
         <p:spPr>
           <a:xfrm>
-            <a:off x="8071200" y="3176280"/>
-            <a:ext cx="913320" cy="287640"/>
+            <a:off x="8288640" y="4001400"/>
+            <a:ext cx="912960" cy="287280"/>
           </a:xfrm>
           <a:prstGeom prst="rect">
             <a:avLst/>
@@ -7925,7 +8717,7 @@
                 <a:latin typeface="Arial"/>
                 <a:ea typeface="DejaVu Sans"/>
               </a:rPr>
-              <a:t>S2</a:t>
+              <a:t>B</a:t>
             </a:r>
             <a:endParaRPr b="0" lang="en-US" sz="1400" spc="-1" strike="noStrike">
               <a:latin typeface="Arial"/>
@@ -7935,21 +8727,23 @@
       </p:sp>
       <p:sp>
         <p:nvSpPr>
-          <p:cNvPr id="172" name=""/>
+          <p:cNvPr id="191" name=""/>
           <p:cNvSpPr/>
           <p:nvPr/>
         </p:nvSpPr>
         <p:spPr>
-          <a:xfrm>
-            <a:off x="8323200" y="4724280"/>
-            <a:ext cx="913320" cy="287640"/>
-          </a:xfrm>
-          <a:prstGeom prst="rect">
-            <a:avLst/>
-          </a:prstGeom>
-          <a:noFill/>
-          <a:ln w="0">
-            <a:noFill/>
+          <a:xfrm flipV="1">
+            <a:off x="8229600" y="2549160"/>
+            <a:ext cx="0" cy="458640"/>
+          </a:xfrm>
+          <a:prstGeom prst="line">
+            <a:avLst/>
+          </a:prstGeom>
+          <a:ln w="0">
+            <a:solidFill>
+              <a:srgbClr val="3465a4"/>
+            </a:solidFill>
+            <a:tailEnd len="med" type="triangle" w="med"/>
           </a:ln>
         </p:spPr>
         <p:style>
@@ -7958,49 +8752,26 @@
           <a:effectRef idx="0"/>
           <a:fontRef idx="minor"/>
         </p:style>
-        <p:txBody>
-          <a:bodyPr lIns="90000" rIns="90000" tIns="45000" bIns="45000" anchor="t">
-            <a:noAutofit/>
-          </a:bodyPr>
-          <a:p>
-            <a:pPr>
-              <a:lnSpc>
-                <a:spcPct val="100000"/>
-              </a:lnSpc>
-            </a:pPr>
-            <a:r>
-              <a:rPr b="0" lang="en-US" sz="1400" spc="-1" strike="noStrike">
-                <a:solidFill>
-                  <a:srgbClr val="000000"/>
-                </a:solidFill>
-                <a:latin typeface="Arial"/>
-                <a:ea typeface="DejaVu Sans"/>
-              </a:rPr>
-              <a:t>S2</a:t>
-            </a:r>
-            <a:endParaRPr b="0" lang="en-US" sz="1400" spc="-1" strike="noStrike">
-              <a:latin typeface="Arial"/>
-            </a:endParaRPr>
-          </a:p>
-        </p:txBody>
-      </p:sp>
-      <p:sp>
-        <p:nvSpPr>
-          <p:cNvPr id="173" name=""/>
+      </p:sp>
+      <p:sp>
+        <p:nvSpPr>
+          <p:cNvPr id="192" name=""/>
           <p:cNvSpPr/>
           <p:nvPr/>
         </p:nvSpPr>
         <p:spPr>
-          <a:xfrm>
-            <a:off x="8289000" y="4001400"/>
-            <a:ext cx="913320" cy="287640"/>
-          </a:xfrm>
-          <a:prstGeom prst="rect">
-            <a:avLst/>
-          </a:prstGeom>
-          <a:noFill/>
-          <a:ln w="0">
-            <a:noFill/>
+          <a:xfrm flipV="1">
+            <a:off x="8229600" y="2549520"/>
+            <a:ext cx="0" cy="458640"/>
+          </a:xfrm>
+          <a:prstGeom prst="line">
+            <a:avLst/>
+          </a:prstGeom>
+          <a:ln w="0">
+            <a:solidFill>
+              <a:srgbClr val="3465a4"/>
+            </a:solidFill>
+            <a:tailEnd len="med" type="triangle" w="med"/>
           </a:ln>
         </p:spPr>
         <p:style>
@@ -8009,31 +8780,6 @@
           <a:effectRef idx="0"/>
           <a:fontRef idx="minor"/>
         </p:style>
-        <p:txBody>
-          <a:bodyPr lIns="90000" rIns="90000" tIns="45000" bIns="45000" anchor="t">
-            <a:noAutofit/>
-          </a:bodyPr>
-          <a:p>
-            <a:pPr>
-              <a:lnSpc>
-                <a:spcPct val="100000"/>
-              </a:lnSpc>
-            </a:pPr>
-            <a:r>
-              <a:rPr b="0" lang="en-US" sz="1400" spc="-1" strike="noStrike">
-                <a:solidFill>
-                  <a:srgbClr val="000000"/>
-                </a:solidFill>
-                <a:latin typeface="Arial"/>
-                <a:ea typeface="DejaVu Sans"/>
-              </a:rPr>
-              <a:t>B</a:t>
-            </a:r>
-            <a:endParaRPr b="0" lang="en-US" sz="1400" spc="-1" strike="noStrike">
-              <a:latin typeface="Arial"/>
-            </a:endParaRPr>
-          </a:p>
-        </p:txBody>
       </p:sp>
     </p:spTree>
   </p:cSld>
@@ -8067,7 +8813,7 @@
       </p:grpSpPr>
       <p:sp>
         <p:nvSpPr>
-          <p:cNvPr id="174" name="PlaceHolder 1"/>
+          <p:cNvPr id="193" name="PlaceHolder 1"/>
           <p:cNvSpPr>
             <a:spLocks noGrp="1"/>
           </p:cNvSpPr>
@@ -8078,7 +8824,7 @@
         <p:spPr>
           <a:xfrm>
             <a:off x="504000" y="226080"/>
-            <a:ext cx="9070560" cy="945360"/>
+            <a:ext cx="9070200" cy="945000"/>
           </a:xfrm>
           <a:prstGeom prst="rect">
             <a:avLst/>
@@ -8112,14 +8858,14 @@
       </p:sp>
       <p:sp>
         <p:nvSpPr>
-          <p:cNvPr id="175" name=""/>
+          <p:cNvPr id="194" name=""/>
           <p:cNvSpPr/>
           <p:nvPr/>
         </p:nvSpPr>
         <p:spPr>
           <a:xfrm>
             <a:off x="1143000" y="1371600"/>
-            <a:ext cx="5028120" cy="5918040"/>
+            <a:ext cx="5027760" cy="5917680"/>
           </a:xfrm>
           <a:prstGeom prst="rect">
             <a:avLst/>
@@ -8185,28 +8931,58 @@
                 <a:spcPct val="100000"/>
               </a:lnSpc>
             </a:pPr>
+            <a:r>
+              <a:rPr b="0" lang="en-US" sz="1800" spc="-1" strike="noStrike">
+                <a:solidFill>
+                  <a:srgbClr val="000000"/>
+                </a:solidFill>
+                <a:latin typeface="Arial"/>
+                <a:ea typeface="DejaVu Sans"/>
+              </a:rPr>
+              <a:t>- When the Board’s state changes, both the Board component and every child Square re-renders automatically. </a:t>
+            </a:r>
             <a:endParaRPr b="0" lang="en-US" sz="1800" spc="-1" strike="noStrike">
               <a:latin typeface="Arial"/>
             </a:endParaRPr>
           </a:p>
-        </p:txBody>
-      </p:sp>
-      <p:sp>
-        <p:nvSpPr>
-          <p:cNvPr id="176" name=""/>
+          <a:p>
+            <a:pPr>
+              <a:lnSpc>
+                <a:spcPct val="100000"/>
+              </a:lnSpc>
+            </a:pPr>
+            <a:r>
+              <a:rPr b="0" lang="en-US" sz="1800" spc="-1" strike="noStrike">
+                <a:solidFill>
+                  <a:srgbClr val="000000"/>
+                </a:solidFill>
+                <a:latin typeface="Arial"/>
+                <a:ea typeface="DejaVu Sans"/>
+              </a:rPr>
+              <a:t>- Keeping the state of all squares in the Board component will allow it to determine the winner in the future.</a:t>
+            </a:r>
+            <a:endParaRPr b="0" lang="en-US" sz="1800" spc="-1" strike="noStrike">
+              <a:latin typeface="Arial"/>
+            </a:endParaRPr>
+          </a:p>
+        </p:txBody>
+      </p:sp>
+      <p:sp>
+        <p:nvSpPr>
+          <p:cNvPr id="195" name=""/>
           <p:cNvSpPr/>
           <p:nvPr/>
         </p:nvSpPr>
         <p:spPr>
           <a:xfrm>
             <a:off x="7880400" y="1864800"/>
-            <a:ext cx="684720" cy="684720"/>
+            <a:ext cx="684360" cy="684360"/>
           </a:xfrm>
           <a:prstGeom prst="ellipse">
             <a:avLst/>
           </a:prstGeom>
           <a:solidFill>
-            <a:srgbClr val="729fcf"/>
+            <a:srgbClr val="ff0000"/>
           </a:solidFill>
           <a:ln w="0">
             <a:solidFill>
@@ -8223,20 +8999,20 @@
       </p:sp>
       <p:sp>
         <p:nvSpPr>
-          <p:cNvPr id="177" name=""/>
+          <p:cNvPr id="196" name=""/>
           <p:cNvSpPr/>
           <p:nvPr/>
         </p:nvSpPr>
         <p:spPr>
           <a:xfrm>
             <a:off x="7086600" y="2971800"/>
-            <a:ext cx="684720" cy="684720"/>
+            <a:ext cx="684360" cy="684360"/>
           </a:xfrm>
           <a:prstGeom prst="ellipse">
             <a:avLst/>
           </a:prstGeom>
           <a:solidFill>
-            <a:srgbClr val="729fcf"/>
+            <a:srgbClr val="ff0000"/>
           </a:solidFill>
           <a:ln w="0">
             <a:solidFill>
@@ -8253,14 +9029,14 @@
       </p:sp>
       <p:sp>
         <p:nvSpPr>
-          <p:cNvPr id="178" name=""/>
+          <p:cNvPr id="197" name=""/>
           <p:cNvSpPr/>
           <p:nvPr/>
         </p:nvSpPr>
         <p:spPr>
           <a:xfrm>
             <a:off x="7914600" y="3007800"/>
-            <a:ext cx="684720" cy="684720"/>
+            <a:ext cx="684360" cy="684360"/>
           </a:xfrm>
           <a:prstGeom prst="ellipse">
             <a:avLst/>
@@ -8283,7 +9059,7 @@
       </p:sp>
       <p:sp>
         <p:nvSpPr>
-          <p:cNvPr id="179" name=""/>
+          <p:cNvPr id="198" name=""/>
           <p:cNvSpPr/>
           <p:nvPr/>
         </p:nvSpPr>
@@ -8310,7 +9086,7 @@
       </p:sp>
       <p:sp>
         <p:nvSpPr>
-          <p:cNvPr id="180" name=""/>
+          <p:cNvPr id="199" name=""/>
           <p:cNvSpPr/>
           <p:nvPr/>
         </p:nvSpPr>
@@ -8326,7 +9102,6 @@
             <a:solidFill>
               <a:srgbClr val="3465a4"/>
             </a:solidFill>
-            <a:prstDash val="sysDash"/>
           </a:ln>
         </p:spPr>
         <p:style>
@@ -8338,14 +9113,14 @@
       </p:sp>
       <p:sp>
         <p:nvSpPr>
-          <p:cNvPr id="181" name=""/>
+          <p:cNvPr id="200" name=""/>
           <p:cNvSpPr/>
           <p:nvPr/>
         </p:nvSpPr>
         <p:spPr>
           <a:xfrm>
             <a:off x="8915400" y="3200400"/>
-            <a:ext cx="1370520" cy="287640"/>
+            <a:ext cx="1370160" cy="287280"/>
           </a:xfrm>
           <a:prstGeom prst="rect">
             <a:avLst/>
@@ -8389,7 +9164,7 @@
       </p:sp>
       <p:sp>
         <p:nvSpPr>
-          <p:cNvPr id="182" name=""/>
+          <p:cNvPr id="201" name=""/>
           <p:cNvSpPr/>
           <p:nvPr/>
         </p:nvSpPr>
@@ -8416,14 +9191,14 @@
       </p:sp>
       <p:sp>
         <p:nvSpPr>
-          <p:cNvPr id="183" name=""/>
+          <p:cNvPr id="202" name=""/>
           <p:cNvSpPr/>
           <p:nvPr/>
         </p:nvSpPr>
         <p:spPr>
           <a:xfrm>
             <a:off x="8073000" y="2057400"/>
-            <a:ext cx="913320" cy="287640"/>
+            <a:ext cx="912960" cy="287280"/>
           </a:xfrm>
           <a:prstGeom prst="rect">
             <a:avLst/>
@@ -8467,14 +9242,14 @@
       </p:sp>
       <p:sp>
         <p:nvSpPr>
-          <p:cNvPr id="184" name=""/>
+          <p:cNvPr id="203" name=""/>
           <p:cNvSpPr/>
           <p:nvPr/>
         </p:nvSpPr>
         <p:spPr>
           <a:xfrm>
             <a:off x="7243200" y="3176280"/>
-            <a:ext cx="913320" cy="287640"/>
+            <a:ext cx="912960" cy="287280"/>
           </a:xfrm>
           <a:prstGeom prst="rect">
             <a:avLst/>
@@ -8518,14 +9293,14 @@
       </p:sp>
       <p:sp>
         <p:nvSpPr>
-          <p:cNvPr id="185" name=""/>
+          <p:cNvPr id="204" name=""/>
           <p:cNvSpPr/>
           <p:nvPr/>
         </p:nvSpPr>
         <p:spPr>
           <a:xfrm>
             <a:off x="8071200" y="3176280"/>
-            <a:ext cx="913320" cy="287640"/>
+            <a:ext cx="912960" cy="287280"/>
           </a:xfrm>
           <a:prstGeom prst="rect">
             <a:avLst/>
@@ -8569,20 +9344,20 @@
       </p:sp>
       <p:sp>
         <p:nvSpPr>
-          <p:cNvPr id="186" name=""/>
+          <p:cNvPr id="205" name=""/>
           <p:cNvSpPr/>
           <p:nvPr/>
         </p:nvSpPr>
         <p:spPr>
           <a:xfrm>
             <a:off x="7314840" y="3814200"/>
-            <a:ext cx="1685880" cy="1685880"/>
+            <a:ext cx="1685520" cy="1685520"/>
           </a:xfrm>
           <a:prstGeom prst="ellipse">
             <a:avLst/>
           </a:prstGeom>
           <a:solidFill>
-            <a:srgbClr val="729fcf"/>
+            <a:srgbClr val="ff0000"/>
           </a:solidFill>
           <a:ln w="0">
             <a:solidFill>
@@ -8599,20 +9374,20 @@
       </p:sp>
       <p:sp>
         <p:nvSpPr>
-          <p:cNvPr id="187" name=""/>
+          <p:cNvPr id="206" name=""/>
           <p:cNvSpPr/>
           <p:nvPr/>
         </p:nvSpPr>
         <p:spPr>
           <a:xfrm>
             <a:off x="7459200" y="4187160"/>
-            <a:ext cx="684720" cy="684720"/>
+            <a:ext cx="684360" cy="684360"/>
           </a:xfrm>
           <a:prstGeom prst="ellipse">
             <a:avLst/>
           </a:prstGeom>
           <a:solidFill>
-            <a:srgbClr val="729fcf"/>
+            <a:srgbClr val="ff0000"/>
           </a:solidFill>
           <a:ln w="0">
             <a:solidFill>
@@ -8629,14 +9404,14 @@
       </p:sp>
       <p:sp>
         <p:nvSpPr>
-          <p:cNvPr id="188" name=""/>
+          <p:cNvPr id="207" name=""/>
           <p:cNvSpPr/>
           <p:nvPr/>
         </p:nvSpPr>
         <p:spPr>
           <a:xfrm>
             <a:off x="8157600" y="4536000"/>
-            <a:ext cx="684720" cy="684720"/>
+            <a:ext cx="684360" cy="684360"/>
           </a:xfrm>
           <a:prstGeom prst="ellipse">
             <a:avLst/>
@@ -8659,14 +9434,14 @@
       </p:sp>
       <p:sp>
         <p:nvSpPr>
-          <p:cNvPr id="189" name=""/>
+          <p:cNvPr id="208" name=""/>
           <p:cNvSpPr/>
           <p:nvPr/>
         </p:nvSpPr>
         <p:spPr>
           <a:xfrm>
             <a:off x="7615800" y="4379400"/>
-            <a:ext cx="913320" cy="287640"/>
+            <a:ext cx="912960" cy="287280"/>
           </a:xfrm>
           <a:prstGeom prst="rect">
             <a:avLst/>
@@ -8710,14 +9485,14 @@
       </p:sp>
       <p:sp>
         <p:nvSpPr>
-          <p:cNvPr id="190" name=""/>
+          <p:cNvPr id="209" name=""/>
           <p:cNvSpPr/>
           <p:nvPr/>
         </p:nvSpPr>
         <p:spPr>
           <a:xfrm>
             <a:off x="8322840" y="4724280"/>
-            <a:ext cx="913320" cy="287640"/>
+            <a:ext cx="912960" cy="287280"/>
           </a:xfrm>
           <a:prstGeom prst="rect">
             <a:avLst/>
@@ -8761,14 +9536,14 @@
       </p:sp>
       <p:sp>
         <p:nvSpPr>
-          <p:cNvPr id="191" name=""/>
+          <p:cNvPr id="210" name=""/>
           <p:cNvSpPr/>
           <p:nvPr/>
         </p:nvSpPr>
         <p:spPr>
           <a:xfrm>
             <a:off x="8288640" y="4001400"/>
-            <a:ext cx="913320" cy="287640"/>
+            <a:ext cx="912960" cy="287280"/>
           </a:xfrm>
           <a:prstGeom prst="rect">
             <a:avLst/>
@@ -8842,7 +9617,7 @@
       </p:grpSpPr>
       <p:sp>
         <p:nvSpPr>
-          <p:cNvPr id="192" name="PlaceHolder 1"/>
+          <p:cNvPr id="211" name="PlaceHolder 1"/>
           <p:cNvSpPr>
             <a:spLocks noGrp="1"/>
           </p:cNvSpPr>
@@ -8853,7 +9628,7 @@
         <p:spPr>
           <a:xfrm>
             <a:off x="504000" y="226080"/>
-            <a:ext cx="9070560" cy="945360"/>
+            <a:ext cx="9070200" cy="945000"/>
           </a:xfrm>
           <a:prstGeom prst="rect">
             <a:avLst/>
@@ -8877,7 +9652,7 @@
               <a:rPr b="0" lang="en-US" sz="4400" spc="-1" strike="noStrike">
                 <a:latin typeface="Arial"/>
               </a:rPr>
-              <a:t>React 101 – Component State</a:t>
+              <a:t>React 101 – Immutability</a:t>
             </a:r>
             <a:endParaRPr b="0" lang="en-US" sz="4400" spc="-1" strike="noStrike">
               <a:latin typeface="Arial"/>
@@ -8887,50 +9662,245 @@
       </p:sp>
       <p:sp>
         <p:nvSpPr>
-          <p:cNvPr id="193" name=""/>
-          <p:cNvSpPr/>
-          <p:nvPr/>
-        </p:nvSpPr>
-        <p:spPr>
-          <a:xfrm>
-            <a:off x="1143000" y="1371600"/>
-            <a:ext cx="5028120" cy="5918040"/>
-          </a:xfrm>
-          <a:prstGeom prst="rect">
-            <a:avLst/>
-          </a:prstGeom>
-          <a:noFill/>
-          <a:ln w="0">
-            <a:noFill/>
-          </a:ln>
-        </p:spPr>
-        <p:style>
-          <a:lnRef idx="0"/>
-          <a:fillRef idx="0"/>
-          <a:effectRef idx="0"/>
-          <a:fontRef idx="minor"/>
-        </p:style>
-        <p:txBody>
-          <a:bodyPr lIns="90000" rIns="90000" tIns="45000" bIns="45000" anchor="t">
-            <a:noAutofit/>
-          </a:bodyPr>
+          <p:cNvPr id="212" name="PlaceHolder 2"/>
+          <p:cNvSpPr>
+            <a:spLocks noGrp="1"/>
+          </p:cNvSpPr>
+          <p:nvPr>
+            <p:ph/>
+          </p:nvPr>
+        </p:nvSpPr>
+        <p:spPr>
+          <a:xfrm>
+            <a:off x="504000" y="1326600"/>
+            <a:ext cx="9324360" cy="3701160"/>
+          </a:xfrm>
+          <a:prstGeom prst="rect">
+            <a:avLst/>
+          </a:prstGeom>
+          <a:noFill/>
+          <a:ln w="0">
+            <a:noFill/>
+          </a:ln>
+        </p:spPr>
+        <p:txBody>
+          <a:bodyPr lIns="0" rIns="0" tIns="0" bIns="0" anchor="t">
+            <a:normAutofit fontScale="71000"/>
+          </a:bodyPr>
+          <a:p>
+            <a:pPr marL="432000" indent="-324000">
+              <a:lnSpc>
+                <a:spcPct val="100000"/>
+              </a:lnSpc>
+              <a:spcBef>
+                <a:spcPts val="615"/>
+              </a:spcBef>
+              <a:buClr>
+                <a:srgbClr val="000000"/>
+              </a:buClr>
+              <a:buSzPct val="45000"/>
+              <a:buFont typeface="Wingdings" charset="2"/>
+              <a:buChar char=""/>
+              <a:tabLst>
+                <a:tab algn="l" pos="408240"/>
+              </a:tabLst>
+            </a:pPr>
+            <a:r>
+              <a:rPr b="0" lang="en-US" sz="1400" spc="-1" strike="noStrike">
+                <a:latin typeface="Arial"/>
+              </a:rPr>
+              <a:t>There are generally two approaches to changing data. </a:t>
+            </a:r>
+            <a:endParaRPr b="0" lang="en-US" sz="1400" spc="-1" strike="noStrike">
+              <a:latin typeface="Arial"/>
+            </a:endParaRPr>
+          </a:p>
+          <a:p>
+            <a:pPr marL="432000" indent="-324000">
+              <a:lnSpc>
+                <a:spcPct val="100000"/>
+              </a:lnSpc>
+              <a:spcBef>
+                <a:spcPts val="615"/>
+              </a:spcBef>
+              <a:buClr>
+                <a:srgbClr val="000000"/>
+              </a:buClr>
+              <a:buSzPct val="45000"/>
+              <a:buFont typeface="Wingdings" charset="2"/>
+              <a:buChar char=""/>
+              <a:tabLst>
+                <a:tab algn="l" pos="408240"/>
+              </a:tabLst>
+            </a:pPr>
+            <a:r>
+              <a:rPr b="0" lang="en-US" sz="1400" spc="-1" strike="noStrike">
+                <a:latin typeface="Arial"/>
+              </a:rPr>
+              <a:t>The first approach is to mutate the data by directly changing the data’s values. </a:t>
+            </a:r>
+            <a:endParaRPr b="0" lang="en-US" sz="1400" spc="-1" strike="noStrike">
+              <a:latin typeface="Arial"/>
+            </a:endParaRPr>
+          </a:p>
+          <a:p>
+            <a:pPr lvl="1" marL="864000" indent="-324000">
+              <a:lnSpc>
+                <a:spcPct val="100000"/>
+              </a:lnSpc>
+              <a:spcBef>
+                <a:spcPts val="1134"/>
+              </a:spcBef>
+              <a:buClr>
+                <a:srgbClr val="000000"/>
+              </a:buClr>
+              <a:buSzPct val="75000"/>
+              <a:buFont typeface="Symbol"/>
+              <a:buChar char=""/>
+              <a:tabLst>
+                <a:tab algn="l" pos="408240"/>
+              </a:tabLst>
+            </a:pPr>
+            <a:r>
+              <a:rPr b="0" lang="en-US" sz="2800" spc="-1" strike="noStrike">
+                <a:latin typeface="Arial"/>
+                <a:ea typeface="PingFang SC"/>
+              </a:rPr>
+              <a:t>const squares = [null, null, null, null, null, null … ];</a:t>
+            </a:r>
+            <a:endParaRPr b="0" lang="en-US" sz="2800" spc="-1" strike="noStrike">
+              <a:latin typeface="Arial"/>
+            </a:endParaRPr>
+          </a:p>
+          <a:p>
+            <a:pPr lvl="1" marL="864000" indent="-324000">
+              <a:lnSpc>
+                <a:spcPct val="100000"/>
+              </a:lnSpc>
+              <a:spcBef>
+                <a:spcPts val="1134"/>
+              </a:spcBef>
+              <a:buClr>
+                <a:srgbClr val="000000"/>
+              </a:buClr>
+              <a:buSzPct val="75000"/>
+              <a:buFont typeface="Symbol"/>
+              <a:buChar char=""/>
+              <a:tabLst>
+                <a:tab algn="l" pos="408240"/>
+              </a:tabLst>
+            </a:pPr>
+            <a:r>
+              <a:rPr b="0" lang="en-US" sz="2800" spc="-1" strike="noStrike">
+                <a:latin typeface="Arial"/>
+                <a:ea typeface="PingFang SC"/>
+              </a:rPr>
+              <a:t>squares[0] = ‘X’; </a:t>
+            </a:r>
+            <a:endParaRPr b="0" lang="en-US" sz="2800" spc="-1" strike="noStrike">
+              <a:latin typeface="Arial"/>
+            </a:endParaRPr>
+          </a:p>
           <a:p>
             <a:pPr>
               <a:lnSpc>
                 <a:spcPct val="100000"/>
               </a:lnSpc>
-            </a:pPr>
-            <a:r>
-              <a:rPr b="0" lang="en-US" sz="1800" spc="-1" strike="noStrike">
-                <a:solidFill>
-                  <a:srgbClr val="000000"/>
-                </a:solidFill>
-                <a:latin typeface="Arial"/>
-                <a:ea typeface="DejaVu Sans"/>
-              </a:rPr>
-              <a:t>- Now that your state handling is in the Board component, the parent Board component passes props to the child Square components so that they can be displayed correctly. </a:t>
-            </a:r>
-            <a:endParaRPr b="0" lang="en-US" sz="1800" spc="-1" strike="noStrike">
+              <a:spcBef>
+                <a:spcPts val="615"/>
+              </a:spcBef>
+              <a:tabLst>
+                <a:tab algn="l" pos="408240"/>
+              </a:tabLst>
+            </a:pPr>
+            <a:endParaRPr b="0" lang="en-US" sz="2800" spc="-1" strike="noStrike">
+              <a:latin typeface="Arial"/>
+            </a:endParaRPr>
+          </a:p>
+          <a:p>
+            <a:pPr marL="432000" indent="-324000">
+              <a:lnSpc>
+                <a:spcPct val="100000"/>
+              </a:lnSpc>
+              <a:spcBef>
+                <a:spcPts val="615"/>
+              </a:spcBef>
+              <a:buClr>
+                <a:srgbClr val="000000"/>
+              </a:buClr>
+              <a:buSzPct val="45000"/>
+              <a:buFont typeface="Wingdings" charset="2"/>
+              <a:buChar char=""/>
+              <a:tabLst>
+                <a:tab algn="l" pos="408240"/>
+              </a:tabLst>
+            </a:pPr>
+            <a:r>
+              <a:rPr b="0" lang="en-US" sz="1400" spc="-1" strike="noStrike">
+                <a:latin typeface="Arial"/>
+                <a:ea typeface="PingFang SC"/>
+              </a:rPr>
+              <a:t>The second approach is to replace the data with a new copy which has the desired changes. Here is what it would look like if you mutated the squares array:</a:t>
+            </a:r>
+            <a:endParaRPr b="0" lang="en-US" sz="1400" spc="-1" strike="noStrike">
+              <a:latin typeface="Arial"/>
+            </a:endParaRPr>
+          </a:p>
+          <a:p>
+            <a:pPr lvl="1" marL="864000" indent="-324000">
+              <a:lnSpc>
+                <a:spcPct val="100000"/>
+              </a:lnSpc>
+              <a:spcBef>
+                <a:spcPts val="1134"/>
+              </a:spcBef>
+              <a:buClr>
+                <a:srgbClr val="000000"/>
+              </a:buClr>
+              <a:buSzPct val="75000"/>
+              <a:buFont typeface="Symbol"/>
+              <a:buChar char=""/>
+              <a:tabLst>
+                <a:tab algn="l" pos="408240"/>
+              </a:tabLst>
+            </a:pPr>
+            <a:r>
+              <a:rPr b="0" lang="en-US" sz="2800" spc="-1" strike="noStrike">
+                <a:latin typeface="Arial"/>
+                <a:ea typeface="PingFang SC"/>
+              </a:rPr>
+              <a:t>const squares = [null, null, null, null, null, null … ];</a:t>
+            </a:r>
+            <a:endParaRPr b="0" lang="en-US" sz="2800" spc="-1" strike="noStrike">
+              <a:latin typeface="Arial"/>
+            </a:endParaRPr>
+          </a:p>
+          <a:p>
+            <a:pPr lvl="1" marL="864000" indent="-324000">
+              <a:lnSpc>
+                <a:spcPct val="100000"/>
+              </a:lnSpc>
+              <a:spcBef>
+                <a:spcPts val="1134"/>
+              </a:spcBef>
+              <a:buClr>
+                <a:srgbClr val="000000"/>
+              </a:buClr>
+              <a:buSzPct val="75000"/>
+              <a:buFont typeface="Symbol"/>
+              <a:buChar char=""/>
+              <a:tabLst>
+                <a:tab algn="l" pos="408240"/>
+              </a:tabLst>
+            </a:pPr>
+            <a:r>
+              <a:rPr b="0" lang="en-US" sz="2800" spc="-1" strike="noStrike">
+                <a:latin typeface="Arial"/>
+                <a:ea typeface="PingFang SC"/>
+              </a:rPr>
+              <a:t>const nextSquares = [‘X’, null, null, null, null, null … ]; </a:t>
+            </a:r>
+            <a:endParaRPr b="0" lang="en-US" sz="2800" spc="-1" strike="noStrike">
               <a:latin typeface="Arial"/>
             </a:endParaRPr>
           </a:p>
@@ -8939,674 +9909,99 @@
               <a:lnSpc>
                 <a:spcPct val="100000"/>
               </a:lnSpc>
-            </a:pPr>
-            <a:r>
-              <a:rPr b="0" lang="en-US" sz="1800" spc="-1" strike="noStrike">
-                <a:solidFill>
-                  <a:srgbClr val="000000"/>
-                </a:solidFill>
-                <a:latin typeface="Arial"/>
-                <a:ea typeface="DejaVu Sans"/>
-              </a:rPr>
-              <a:t>- When clicking on a Square, the child Square component now asks the parent Board component to update the state of the board. </a:t>
-            </a:r>
-            <a:endParaRPr b="0" lang="en-US" sz="1800" spc="-1" strike="noStrike">
-              <a:latin typeface="Arial"/>
-            </a:endParaRPr>
-          </a:p>
-          <a:p>
-            <a:pPr>
-              <a:lnSpc>
-                <a:spcPct val="100000"/>
-              </a:lnSpc>
-            </a:pPr>
-            <a:r>
-              <a:rPr b="0" lang="en-US" sz="1800" spc="-1" strike="noStrike">
-                <a:solidFill>
-                  <a:srgbClr val="000000"/>
-                </a:solidFill>
-                <a:latin typeface="Arial"/>
-                <a:ea typeface="DejaVu Sans"/>
-              </a:rPr>
-              <a:t>- When the Board’s state changes, both the Board component and every child Square re-renders automatically. </a:t>
-            </a:r>
-            <a:endParaRPr b="0" lang="en-US" sz="1800" spc="-1" strike="noStrike">
-              <a:latin typeface="Arial"/>
-            </a:endParaRPr>
-          </a:p>
-          <a:p>
-            <a:pPr>
-              <a:lnSpc>
-                <a:spcPct val="100000"/>
-              </a:lnSpc>
-            </a:pPr>
-            <a:r>
-              <a:rPr b="0" lang="en-US" sz="1800" spc="-1" strike="noStrike">
-                <a:solidFill>
-                  <a:srgbClr val="000000"/>
-                </a:solidFill>
-                <a:latin typeface="Arial"/>
-                <a:ea typeface="DejaVu Sans"/>
-              </a:rPr>
-              <a:t>- Keeping the state of all squares in the Board component will allow it to determine the winner in the future.</a:t>
-            </a:r>
-            <a:endParaRPr b="0" lang="en-US" sz="1800" spc="-1" strike="noStrike">
-              <a:latin typeface="Arial"/>
-            </a:endParaRPr>
-          </a:p>
-        </p:txBody>
-      </p:sp>
-      <p:sp>
-        <p:nvSpPr>
-          <p:cNvPr id="194" name=""/>
-          <p:cNvSpPr/>
-          <p:nvPr/>
-        </p:nvSpPr>
-        <p:spPr>
-          <a:xfrm>
-            <a:off x="7880400" y="1864800"/>
-            <a:ext cx="684720" cy="684720"/>
-          </a:xfrm>
-          <a:prstGeom prst="ellipse">
-            <a:avLst/>
-          </a:prstGeom>
-          <a:solidFill>
-            <a:srgbClr val="ff0000"/>
-          </a:solidFill>
-          <a:ln w="0">
-            <a:solidFill>
-              <a:srgbClr val="3465a4"/>
-            </a:solidFill>
-          </a:ln>
-        </p:spPr>
-        <p:style>
-          <a:lnRef idx="0"/>
-          <a:fillRef idx="0"/>
-          <a:effectRef idx="0"/>
-          <a:fontRef idx="minor"/>
-        </p:style>
-      </p:sp>
-      <p:sp>
-        <p:nvSpPr>
-          <p:cNvPr id="195" name=""/>
-          <p:cNvSpPr/>
-          <p:nvPr/>
-        </p:nvSpPr>
-        <p:spPr>
-          <a:xfrm>
-            <a:off x="7086600" y="2971800"/>
-            <a:ext cx="684720" cy="684720"/>
-          </a:xfrm>
-          <a:prstGeom prst="ellipse">
-            <a:avLst/>
-          </a:prstGeom>
-          <a:solidFill>
-            <a:srgbClr val="ff0000"/>
-          </a:solidFill>
-          <a:ln w="0">
-            <a:solidFill>
-              <a:srgbClr val="3465a4"/>
-            </a:solidFill>
-          </a:ln>
-        </p:spPr>
-        <p:style>
-          <a:lnRef idx="0"/>
-          <a:fillRef idx="0"/>
-          <a:effectRef idx="0"/>
-          <a:fontRef idx="minor"/>
-        </p:style>
-      </p:sp>
-      <p:sp>
-        <p:nvSpPr>
-          <p:cNvPr id="196" name=""/>
-          <p:cNvSpPr/>
-          <p:nvPr/>
-        </p:nvSpPr>
-        <p:spPr>
-          <a:xfrm>
-            <a:off x="7914600" y="3007800"/>
-            <a:ext cx="684720" cy="684720"/>
-          </a:xfrm>
-          <a:prstGeom prst="ellipse">
-            <a:avLst/>
-          </a:prstGeom>
-          <a:solidFill>
-            <a:srgbClr val="ff0000"/>
-          </a:solidFill>
-          <a:ln w="0">
-            <a:solidFill>
-              <a:srgbClr val="3465a4"/>
-            </a:solidFill>
-          </a:ln>
-        </p:spPr>
-        <p:style>
-          <a:lnRef idx="0"/>
-          <a:fillRef idx="0"/>
-          <a:effectRef idx="0"/>
-          <a:fontRef idx="minor"/>
-        </p:style>
-      </p:sp>
-      <p:sp>
-        <p:nvSpPr>
-          <p:cNvPr id="197" name=""/>
-          <p:cNvSpPr/>
-          <p:nvPr/>
-        </p:nvSpPr>
-        <p:spPr>
-          <a:xfrm flipH="1">
-            <a:off x="7543800" y="2514600"/>
-            <a:ext cx="457200" cy="457200"/>
-          </a:xfrm>
-          <a:prstGeom prst="line">
-            <a:avLst/>
-          </a:prstGeom>
-          <a:ln w="0">
-            <a:solidFill>
-              <a:srgbClr val="3465a4"/>
-            </a:solidFill>
-          </a:ln>
-        </p:spPr>
-        <p:style>
-          <a:lnRef idx="0"/>
-          <a:fillRef idx="0"/>
-          <a:effectRef idx="0"/>
-          <a:fontRef idx="minor"/>
-        </p:style>
-      </p:sp>
-      <p:sp>
-        <p:nvSpPr>
-          <p:cNvPr id="198" name=""/>
-          <p:cNvSpPr/>
-          <p:nvPr/>
-        </p:nvSpPr>
-        <p:spPr>
-          <a:xfrm>
-            <a:off x="8229600" y="2550600"/>
-            <a:ext cx="360" cy="457200"/>
-          </a:xfrm>
-          <a:prstGeom prst="line">
-            <a:avLst/>
-          </a:prstGeom>
-          <a:ln w="0">
-            <a:solidFill>
-              <a:srgbClr val="3465a4"/>
-            </a:solidFill>
-          </a:ln>
-        </p:spPr>
-        <p:style>
-          <a:lnRef idx="0"/>
-          <a:fillRef idx="0"/>
-          <a:effectRef idx="0"/>
-          <a:fontRef idx="minor"/>
-        </p:style>
-      </p:sp>
-      <p:sp>
-        <p:nvSpPr>
-          <p:cNvPr id="199" name=""/>
-          <p:cNvSpPr/>
-          <p:nvPr/>
-        </p:nvSpPr>
-        <p:spPr>
-          <a:xfrm>
-            <a:off x="8915400" y="3200400"/>
-            <a:ext cx="1370520" cy="287640"/>
-          </a:xfrm>
-          <a:prstGeom prst="rect">
-            <a:avLst/>
-          </a:prstGeom>
-          <a:noFill/>
-          <a:ln w="0">
-            <a:noFill/>
-          </a:ln>
-        </p:spPr>
-        <p:style>
-          <a:lnRef idx="0"/>
-          <a:fillRef idx="0"/>
-          <a:effectRef idx="0"/>
-          <a:fontRef idx="minor"/>
-        </p:style>
-        <p:txBody>
-          <a:bodyPr lIns="90000" rIns="90000" tIns="45000" bIns="45000" anchor="t">
-            <a:noAutofit/>
-          </a:bodyPr>
-          <a:p>
-            <a:pPr>
-              <a:lnSpc>
-                <a:spcPct val="100000"/>
-              </a:lnSpc>
+              <a:spcBef>
+                <a:spcPts val="615"/>
+              </a:spcBef>
+              <a:tabLst>
+                <a:tab algn="l" pos="408240"/>
+              </a:tabLst>
+            </a:pPr>
+            <a:endParaRPr b="0" lang="en-US" sz="2800" spc="-1" strike="noStrike">
+              <a:latin typeface="Arial"/>
+            </a:endParaRPr>
+          </a:p>
+          <a:p>
+            <a:pPr marL="432000" indent="-324000">
+              <a:lnSpc>
+                <a:spcPct val="100000"/>
+              </a:lnSpc>
+              <a:spcBef>
+                <a:spcPts val="615"/>
+              </a:spcBef>
+              <a:buClr>
+                <a:srgbClr val="000000"/>
+              </a:buClr>
+              <a:buSzPct val="45000"/>
+              <a:buFont typeface="Wingdings" charset="2"/>
+              <a:buChar char=""/>
+              <a:tabLst>
+                <a:tab algn="l" pos="408240"/>
+              </a:tabLst>
             </a:pPr>
             <a:r>
               <a:rPr b="0" lang="en-US" sz="1400" spc="-1" strike="noStrike">
-                <a:solidFill>
-                  <a:srgbClr val="000000"/>
-                </a:solidFill>
-                <a:latin typeface="Arial"/>
-                <a:ea typeface="DejaVu Sans"/>
-              </a:rPr>
-              <a:t>...</a:t>
+                <a:latin typeface="Arial"/>
+                <a:ea typeface="PingFang SC"/>
+              </a:rPr>
+              <a:t>There is also another benefit of immutability: By default, all child components re-render automatically when the state of a parent component changes. </a:t>
             </a:r>
             <a:endParaRPr b="0" lang="en-US" sz="1400" spc="-1" strike="noStrike">
               <a:latin typeface="Arial"/>
             </a:endParaRPr>
           </a:p>
-        </p:txBody>
-      </p:sp>
-      <p:sp>
-        <p:nvSpPr>
-          <p:cNvPr id="200" name=""/>
-          <p:cNvSpPr/>
-          <p:nvPr/>
-        </p:nvSpPr>
-        <p:spPr>
-          <a:xfrm>
-            <a:off x="8458200" y="2514600"/>
-            <a:ext cx="457200" cy="685800"/>
-          </a:xfrm>
-          <a:prstGeom prst="line">
-            <a:avLst/>
-          </a:prstGeom>
-          <a:ln w="0">
-            <a:solidFill>
-              <a:srgbClr val="3465a4"/>
-            </a:solidFill>
-          </a:ln>
-        </p:spPr>
-        <p:style>
-          <a:lnRef idx="0"/>
-          <a:fillRef idx="0"/>
-          <a:effectRef idx="0"/>
-          <a:fontRef idx="minor"/>
-        </p:style>
-      </p:sp>
-      <p:sp>
-        <p:nvSpPr>
-          <p:cNvPr id="201" name=""/>
-          <p:cNvSpPr/>
-          <p:nvPr/>
-        </p:nvSpPr>
-        <p:spPr>
-          <a:xfrm>
-            <a:off x="8073000" y="2057400"/>
-            <a:ext cx="913320" cy="287640"/>
-          </a:xfrm>
-          <a:prstGeom prst="rect">
-            <a:avLst/>
-          </a:prstGeom>
-          <a:noFill/>
-          <a:ln w="0">
-            <a:noFill/>
-          </a:ln>
-        </p:spPr>
-        <p:style>
-          <a:lnRef idx="0"/>
-          <a:fillRef idx="0"/>
-          <a:effectRef idx="0"/>
-          <a:fontRef idx="minor"/>
-        </p:style>
-        <p:txBody>
-          <a:bodyPr lIns="90000" rIns="90000" tIns="45000" bIns="45000" anchor="t">
-            <a:noAutofit/>
-          </a:bodyPr>
-          <a:p>
-            <a:pPr>
-              <a:lnSpc>
-                <a:spcPct val="100000"/>
-              </a:lnSpc>
+          <a:p>
+            <a:pPr marL="432000" indent="-324000">
+              <a:lnSpc>
+                <a:spcPct val="100000"/>
+              </a:lnSpc>
+              <a:spcBef>
+                <a:spcPts val="615"/>
+              </a:spcBef>
+              <a:buClr>
+                <a:srgbClr val="000000"/>
+              </a:buClr>
+              <a:buSzPct val="45000"/>
+              <a:buFont typeface="Wingdings" charset="2"/>
+              <a:buChar char=""/>
+              <a:tabLst>
+                <a:tab algn="l" pos="408240"/>
+              </a:tabLst>
             </a:pPr>
             <a:r>
               <a:rPr b="0" lang="en-US" sz="1400" spc="-1" strike="noStrike">
-                <a:solidFill>
-                  <a:srgbClr val="000000"/>
-                </a:solidFill>
-                <a:latin typeface="Arial"/>
-                <a:ea typeface="DejaVu Sans"/>
-              </a:rPr>
-              <a:t>B</a:t>
+                <a:latin typeface="Arial"/>
+                <a:ea typeface="PingFang SC"/>
+              </a:rPr>
+              <a:t>This includes even the child components that weren’t affected by the change. Although re-rendering is not by itself noticeable to the user (you shouldn’t actively try to avoid it!), you might want to skip re-rendering a part of the tree that clearly wasn’t affected by it for performance reasons. </a:t>
             </a:r>
             <a:endParaRPr b="0" lang="en-US" sz="1400" spc="-1" strike="noStrike">
               <a:latin typeface="Arial"/>
             </a:endParaRPr>
           </a:p>
-        </p:txBody>
-      </p:sp>
-      <p:sp>
-        <p:nvSpPr>
-          <p:cNvPr id="202" name=""/>
-          <p:cNvSpPr/>
-          <p:nvPr/>
-        </p:nvSpPr>
-        <p:spPr>
-          <a:xfrm>
-            <a:off x="7243200" y="3176280"/>
-            <a:ext cx="913320" cy="287640"/>
-          </a:xfrm>
-          <a:prstGeom prst="rect">
-            <a:avLst/>
-          </a:prstGeom>
-          <a:noFill/>
-          <a:ln w="0">
-            <a:noFill/>
-          </a:ln>
-        </p:spPr>
-        <p:style>
-          <a:lnRef idx="0"/>
-          <a:fillRef idx="0"/>
-          <a:effectRef idx="0"/>
-          <a:fontRef idx="minor"/>
-        </p:style>
-        <p:txBody>
-          <a:bodyPr lIns="90000" rIns="90000" tIns="45000" bIns="45000" anchor="t">
-            <a:noAutofit/>
-          </a:bodyPr>
-          <a:p>
-            <a:pPr>
-              <a:lnSpc>
-                <a:spcPct val="100000"/>
-              </a:lnSpc>
+          <a:p>
+            <a:pPr marL="432000" indent="-324000">
+              <a:lnSpc>
+                <a:spcPct val="100000"/>
+              </a:lnSpc>
+              <a:spcBef>
+                <a:spcPts val="615"/>
+              </a:spcBef>
+              <a:buClr>
+                <a:srgbClr val="000000"/>
+              </a:buClr>
+              <a:buSzPct val="45000"/>
+              <a:buFont typeface="Wingdings" charset="2"/>
+              <a:buChar char=""/>
+              <a:tabLst>
+                <a:tab algn="l" pos="408240"/>
+              </a:tabLst>
             </a:pPr>
             <a:r>
               <a:rPr b="0" lang="en-US" sz="1400" spc="-1" strike="noStrike">
-                <a:solidFill>
-                  <a:srgbClr val="000000"/>
-                </a:solidFill>
-                <a:latin typeface="Arial"/>
-                <a:ea typeface="DejaVu Sans"/>
-              </a:rPr>
-              <a:t>S1</a:t>
-            </a:r>
-            <a:endParaRPr b="0" lang="en-US" sz="1400" spc="-1" strike="noStrike">
-              <a:latin typeface="Arial"/>
-            </a:endParaRPr>
-          </a:p>
-        </p:txBody>
-      </p:sp>
-      <p:sp>
-        <p:nvSpPr>
-          <p:cNvPr id="203" name=""/>
-          <p:cNvSpPr/>
-          <p:nvPr/>
-        </p:nvSpPr>
-        <p:spPr>
-          <a:xfrm>
-            <a:off x="8071200" y="3176280"/>
-            <a:ext cx="913320" cy="287640"/>
-          </a:xfrm>
-          <a:prstGeom prst="rect">
-            <a:avLst/>
-          </a:prstGeom>
-          <a:noFill/>
-          <a:ln w="0">
-            <a:noFill/>
-          </a:ln>
-        </p:spPr>
-        <p:style>
-          <a:lnRef idx="0"/>
-          <a:fillRef idx="0"/>
-          <a:effectRef idx="0"/>
-          <a:fontRef idx="minor"/>
-        </p:style>
-        <p:txBody>
-          <a:bodyPr lIns="90000" rIns="90000" tIns="45000" bIns="45000" anchor="t">
-            <a:noAutofit/>
-          </a:bodyPr>
-          <a:p>
-            <a:pPr>
-              <a:lnSpc>
-                <a:spcPct val="100000"/>
-              </a:lnSpc>
-            </a:pPr>
-            <a:r>
-              <a:rPr b="0" lang="en-US" sz="1400" spc="-1" strike="noStrike">
-                <a:solidFill>
-                  <a:srgbClr val="000000"/>
-                </a:solidFill>
-                <a:latin typeface="Arial"/>
-                <a:ea typeface="DejaVu Sans"/>
-              </a:rPr>
-              <a:t>S2</a:t>
-            </a:r>
-            <a:endParaRPr b="0" lang="en-US" sz="1400" spc="-1" strike="noStrike">
-              <a:latin typeface="Arial"/>
-            </a:endParaRPr>
-          </a:p>
-        </p:txBody>
-      </p:sp>
-      <p:sp>
-        <p:nvSpPr>
-          <p:cNvPr id="204" name=""/>
-          <p:cNvSpPr/>
-          <p:nvPr/>
-        </p:nvSpPr>
-        <p:spPr>
-          <a:xfrm>
-            <a:off x="7314840" y="3814200"/>
-            <a:ext cx="1685880" cy="1685880"/>
-          </a:xfrm>
-          <a:prstGeom prst="ellipse">
-            <a:avLst/>
-          </a:prstGeom>
-          <a:solidFill>
-            <a:srgbClr val="ff0000"/>
-          </a:solidFill>
-          <a:ln w="0">
-            <a:solidFill>
-              <a:srgbClr val="3465a4"/>
-            </a:solidFill>
-          </a:ln>
-        </p:spPr>
-        <p:style>
-          <a:lnRef idx="0"/>
-          <a:fillRef idx="0"/>
-          <a:effectRef idx="0"/>
-          <a:fontRef idx="minor"/>
-        </p:style>
-      </p:sp>
-      <p:sp>
-        <p:nvSpPr>
-          <p:cNvPr id="205" name=""/>
-          <p:cNvSpPr/>
-          <p:nvPr/>
-        </p:nvSpPr>
-        <p:spPr>
-          <a:xfrm>
-            <a:off x="7459200" y="4187160"/>
-            <a:ext cx="684720" cy="684720"/>
-          </a:xfrm>
-          <a:prstGeom prst="ellipse">
-            <a:avLst/>
-          </a:prstGeom>
-          <a:solidFill>
-            <a:srgbClr val="ff0000"/>
-          </a:solidFill>
-          <a:ln w="0">
-            <a:solidFill>
-              <a:srgbClr val="3465a4"/>
-            </a:solidFill>
-          </a:ln>
-        </p:spPr>
-        <p:style>
-          <a:lnRef idx="0"/>
-          <a:fillRef idx="0"/>
-          <a:effectRef idx="0"/>
-          <a:fontRef idx="minor"/>
-        </p:style>
-      </p:sp>
-      <p:sp>
-        <p:nvSpPr>
-          <p:cNvPr id="206" name=""/>
-          <p:cNvSpPr/>
-          <p:nvPr/>
-        </p:nvSpPr>
-        <p:spPr>
-          <a:xfrm>
-            <a:off x="8157600" y="4536000"/>
-            <a:ext cx="684720" cy="684720"/>
-          </a:xfrm>
-          <a:prstGeom prst="ellipse">
-            <a:avLst/>
-          </a:prstGeom>
-          <a:solidFill>
-            <a:srgbClr val="ff0000"/>
-          </a:solidFill>
-          <a:ln w="0">
-            <a:solidFill>
-              <a:srgbClr val="3465a4"/>
-            </a:solidFill>
-          </a:ln>
-        </p:spPr>
-        <p:style>
-          <a:lnRef idx="0"/>
-          <a:fillRef idx="0"/>
-          <a:effectRef idx="0"/>
-          <a:fontRef idx="minor"/>
-        </p:style>
-      </p:sp>
-      <p:sp>
-        <p:nvSpPr>
-          <p:cNvPr id="207" name=""/>
-          <p:cNvSpPr/>
-          <p:nvPr/>
-        </p:nvSpPr>
-        <p:spPr>
-          <a:xfrm>
-            <a:off x="7615800" y="4379400"/>
-            <a:ext cx="913320" cy="287640"/>
-          </a:xfrm>
-          <a:prstGeom prst="rect">
-            <a:avLst/>
-          </a:prstGeom>
-          <a:noFill/>
-          <a:ln w="0">
-            <a:noFill/>
-          </a:ln>
-        </p:spPr>
-        <p:style>
-          <a:lnRef idx="0"/>
-          <a:fillRef idx="0"/>
-          <a:effectRef idx="0"/>
-          <a:fontRef idx="minor"/>
-        </p:style>
-        <p:txBody>
-          <a:bodyPr lIns="90000" rIns="90000" tIns="45000" bIns="45000" anchor="t">
-            <a:noAutofit/>
-          </a:bodyPr>
-          <a:p>
-            <a:pPr>
-              <a:lnSpc>
-                <a:spcPct val="100000"/>
-              </a:lnSpc>
-            </a:pPr>
-            <a:r>
-              <a:rPr b="0" lang="en-US" sz="1400" spc="-1" strike="noStrike">
-                <a:solidFill>
-                  <a:srgbClr val="000000"/>
-                </a:solidFill>
-                <a:latin typeface="Arial"/>
-                <a:ea typeface="DejaVu Sans"/>
-              </a:rPr>
-              <a:t>S1</a:t>
-            </a:r>
-            <a:endParaRPr b="0" lang="en-US" sz="1400" spc="-1" strike="noStrike">
-              <a:latin typeface="Arial"/>
-            </a:endParaRPr>
-          </a:p>
-        </p:txBody>
-      </p:sp>
-      <p:sp>
-        <p:nvSpPr>
-          <p:cNvPr id="208" name=""/>
-          <p:cNvSpPr/>
-          <p:nvPr/>
-        </p:nvSpPr>
-        <p:spPr>
-          <a:xfrm>
-            <a:off x="8322840" y="4724280"/>
-            <a:ext cx="913320" cy="287640"/>
-          </a:xfrm>
-          <a:prstGeom prst="rect">
-            <a:avLst/>
-          </a:prstGeom>
-          <a:noFill/>
-          <a:ln w="0">
-            <a:noFill/>
-          </a:ln>
-        </p:spPr>
-        <p:style>
-          <a:lnRef idx="0"/>
-          <a:fillRef idx="0"/>
-          <a:effectRef idx="0"/>
-          <a:fontRef idx="minor"/>
-        </p:style>
-        <p:txBody>
-          <a:bodyPr lIns="90000" rIns="90000" tIns="45000" bIns="45000" anchor="t">
-            <a:noAutofit/>
-          </a:bodyPr>
-          <a:p>
-            <a:pPr>
-              <a:lnSpc>
-                <a:spcPct val="100000"/>
-              </a:lnSpc>
-            </a:pPr>
-            <a:r>
-              <a:rPr b="0" lang="en-US" sz="1400" spc="-1" strike="noStrike">
-                <a:solidFill>
-                  <a:srgbClr val="000000"/>
-                </a:solidFill>
-                <a:latin typeface="Arial"/>
-                <a:ea typeface="DejaVu Sans"/>
-              </a:rPr>
-              <a:t>S2</a:t>
-            </a:r>
-            <a:endParaRPr b="0" lang="en-US" sz="1400" spc="-1" strike="noStrike">
-              <a:latin typeface="Arial"/>
-            </a:endParaRPr>
-          </a:p>
-        </p:txBody>
-      </p:sp>
-      <p:sp>
-        <p:nvSpPr>
-          <p:cNvPr id="209" name=""/>
-          <p:cNvSpPr/>
-          <p:nvPr/>
-        </p:nvSpPr>
-        <p:spPr>
-          <a:xfrm>
-            <a:off x="8288640" y="4001400"/>
-            <a:ext cx="913320" cy="287640"/>
-          </a:xfrm>
-          <a:prstGeom prst="rect">
-            <a:avLst/>
-          </a:prstGeom>
-          <a:noFill/>
-          <a:ln w="0">
-            <a:noFill/>
-          </a:ln>
-        </p:spPr>
-        <p:style>
-          <a:lnRef idx="0"/>
-          <a:fillRef idx="0"/>
-          <a:effectRef idx="0"/>
-          <a:fontRef idx="minor"/>
-        </p:style>
-        <p:txBody>
-          <a:bodyPr lIns="90000" rIns="90000" tIns="45000" bIns="45000" anchor="t">
-            <a:noAutofit/>
-          </a:bodyPr>
-          <a:p>
-            <a:pPr>
-              <a:lnSpc>
-                <a:spcPct val="100000"/>
-              </a:lnSpc>
-            </a:pPr>
-            <a:r>
-              <a:rPr b="0" lang="en-US" sz="1400" spc="-1" strike="noStrike">
-                <a:solidFill>
-                  <a:srgbClr val="000000"/>
-                </a:solidFill>
-                <a:latin typeface="Arial"/>
-                <a:ea typeface="DejaVu Sans"/>
-              </a:rPr>
-              <a:t>B</a:t>
+                <a:latin typeface="Arial"/>
+                <a:ea typeface="PingFang SC"/>
+              </a:rPr>
+              <a:t>Immutability makes it very cheap for components to compare whether their data has changed or not. </a:t>
             </a:r>
             <a:endParaRPr b="0" lang="en-US" sz="1400" spc="-1" strike="noStrike">
               <a:latin typeface="Arial"/>
@@ -9657,7 +10052,7 @@
         <p:spPr>
           <a:xfrm>
             <a:off x="504000" y="226080"/>
-            <a:ext cx="9070560" cy="945360"/>
+            <a:ext cx="9070200" cy="945000"/>
           </a:xfrm>
           <a:prstGeom prst="rect">
             <a:avLst/>
@@ -9698,7 +10093,7 @@
         <p:spPr>
           <a:xfrm>
             <a:off x="2355480" y="1992240"/>
-            <a:ext cx="5397840" cy="1696680"/>
+            <a:ext cx="5397480" cy="1696320"/>
           </a:xfrm>
           <a:prstGeom prst="rect">
             <a:avLst/>
@@ -9907,7 +10302,7 @@
       </p:grpSpPr>
       <p:sp>
         <p:nvSpPr>
-          <p:cNvPr id="210" name="PlaceHolder 1"/>
+          <p:cNvPr id="213" name="PlaceHolder 1"/>
           <p:cNvSpPr>
             <a:spLocks noGrp="1"/>
           </p:cNvSpPr>
@@ -9918,7 +10313,7 @@
         <p:spPr>
           <a:xfrm>
             <a:off x="504000" y="226080"/>
-            <a:ext cx="9070560" cy="945360"/>
+            <a:ext cx="9070200" cy="945000"/>
           </a:xfrm>
           <a:prstGeom prst="rect">
             <a:avLst/>
@@ -9942,7 +10337,7 @@
               <a:rPr b="0" lang="en-US" sz="4400" spc="-1" strike="noStrike">
                 <a:latin typeface="Arial"/>
               </a:rPr>
-              <a:t>React 101 – Immutability</a:t>
+              <a:t>React 101 – Component Logic</a:t>
             </a:r>
             <a:endParaRPr b="0" lang="en-US" sz="4400" spc="-1" strike="noStrike">
               <a:latin typeface="Arial"/>
@@ -9950,355 +10345,29 @@
           </a:p>
         </p:txBody>
       </p:sp>
-      <p:sp>
-        <p:nvSpPr>
-          <p:cNvPr id="211" name="PlaceHolder 2"/>
-          <p:cNvSpPr>
-            <a:spLocks noGrp="1"/>
-          </p:cNvSpPr>
-          <p:nvPr>
-            <p:ph/>
-          </p:nvPr>
-        </p:nvSpPr>
-        <p:spPr>
-          <a:xfrm>
-            <a:off x="504000" y="1326600"/>
-            <a:ext cx="9324720" cy="3701520"/>
-          </a:xfrm>
-          <a:prstGeom prst="rect">
-            <a:avLst/>
-          </a:prstGeom>
-          <a:noFill/>
-          <a:ln w="0">
-            <a:noFill/>
-          </a:ln>
-        </p:spPr>
-        <p:txBody>
-          <a:bodyPr lIns="0" rIns="0" tIns="0" bIns="0" anchor="t">
-            <a:normAutofit fontScale="71000"/>
-          </a:bodyPr>
-          <a:p>
-            <a:pPr marL="432000" indent="-324000">
-              <a:lnSpc>
-                <a:spcPct val="100000"/>
-              </a:lnSpc>
-              <a:spcBef>
-                <a:spcPts val="615"/>
-              </a:spcBef>
-              <a:buClr>
-                <a:srgbClr val="000000"/>
-              </a:buClr>
-              <a:buSzPct val="45000"/>
-              <a:buFont typeface="Wingdings" charset="2"/>
-              <a:buChar char=""/>
-              <a:tabLst>
-                <a:tab algn="l" pos="408240"/>
-              </a:tabLst>
-            </a:pPr>
-            <a:r>
-              <a:rPr b="0" lang="en-US" sz="1400" spc="-1" strike="noStrike">
-                <a:latin typeface="Arial"/>
-              </a:rPr>
-              <a:t>There are generally two approaches to changing data. </a:t>
-            </a:r>
-            <a:endParaRPr b="0" lang="en-US" sz="1400" spc="-1" strike="noStrike">
-              <a:latin typeface="Arial"/>
-            </a:endParaRPr>
-          </a:p>
-          <a:p>
-            <a:pPr marL="432000" indent="-324000">
-              <a:lnSpc>
-                <a:spcPct val="100000"/>
-              </a:lnSpc>
-              <a:spcBef>
-                <a:spcPts val="615"/>
-              </a:spcBef>
-              <a:buClr>
-                <a:srgbClr val="000000"/>
-              </a:buClr>
-              <a:buSzPct val="45000"/>
-              <a:buFont typeface="Wingdings" charset="2"/>
-              <a:buChar char=""/>
-              <a:tabLst>
-                <a:tab algn="l" pos="408240"/>
-              </a:tabLst>
-            </a:pPr>
-            <a:r>
-              <a:rPr b="0" lang="en-US" sz="1400" spc="-1" strike="noStrike">
-                <a:latin typeface="Arial"/>
-              </a:rPr>
-              <a:t>The first approach is to mutate the data by directly changing the data’s values. </a:t>
-            </a:r>
-            <a:endParaRPr b="0" lang="en-US" sz="1400" spc="-1" strike="noStrike">
-              <a:latin typeface="Arial"/>
-            </a:endParaRPr>
-          </a:p>
-          <a:p>
-            <a:pPr lvl="1" marL="864000" indent="-324000">
-              <a:lnSpc>
-                <a:spcPct val="100000"/>
-              </a:lnSpc>
-              <a:spcBef>
-                <a:spcPts val="1134"/>
-              </a:spcBef>
-              <a:buClr>
-                <a:srgbClr val="000000"/>
-              </a:buClr>
-              <a:buSzPct val="75000"/>
-              <a:buFont typeface="Symbol"/>
-              <a:buChar char=""/>
-              <a:tabLst>
-                <a:tab algn="l" pos="408240"/>
-              </a:tabLst>
-            </a:pPr>
-            <a:r>
-              <a:rPr b="0" lang="en-US" sz="2800" spc="-1" strike="noStrike">
-                <a:latin typeface="Arial"/>
-                <a:ea typeface="PingFang SC"/>
-              </a:rPr>
-              <a:t>const squares = [null, null, null, null, null, null … ];</a:t>
-            </a:r>
-            <a:endParaRPr b="0" lang="en-US" sz="2800" spc="-1" strike="noStrike">
-              <a:latin typeface="Arial"/>
-            </a:endParaRPr>
-          </a:p>
-          <a:p>
-            <a:pPr lvl="1" marL="864000" indent="-324000">
-              <a:lnSpc>
-                <a:spcPct val="100000"/>
-              </a:lnSpc>
-              <a:spcBef>
-                <a:spcPts val="1134"/>
-              </a:spcBef>
-              <a:buClr>
-                <a:srgbClr val="000000"/>
-              </a:buClr>
-              <a:buSzPct val="75000"/>
-              <a:buFont typeface="Symbol"/>
-              <a:buChar char=""/>
-              <a:tabLst>
-                <a:tab algn="l" pos="408240"/>
-              </a:tabLst>
-            </a:pPr>
-            <a:r>
-              <a:rPr b="0" lang="en-US" sz="2800" spc="-1" strike="noStrike">
-                <a:latin typeface="Arial"/>
-                <a:ea typeface="PingFang SC"/>
-              </a:rPr>
-              <a:t>squares[0] = ‘X’; </a:t>
-            </a:r>
-            <a:endParaRPr b="0" lang="en-US" sz="2800" spc="-1" strike="noStrike">
-              <a:latin typeface="Arial"/>
-            </a:endParaRPr>
-          </a:p>
-          <a:p>
-            <a:pPr>
-              <a:lnSpc>
-                <a:spcPct val="100000"/>
-              </a:lnSpc>
-              <a:spcBef>
-                <a:spcPts val="615"/>
-              </a:spcBef>
-              <a:tabLst>
-                <a:tab algn="l" pos="408240"/>
-              </a:tabLst>
-            </a:pPr>
-            <a:endParaRPr b="0" lang="en-US" sz="2800" spc="-1" strike="noStrike">
-              <a:latin typeface="Arial"/>
-            </a:endParaRPr>
-          </a:p>
-          <a:p>
-            <a:pPr marL="432000" indent="-324000">
-              <a:lnSpc>
-                <a:spcPct val="100000"/>
-              </a:lnSpc>
-              <a:spcBef>
-                <a:spcPts val="615"/>
-              </a:spcBef>
-              <a:buClr>
-                <a:srgbClr val="000000"/>
-              </a:buClr>
-              <a:buSzPct val="45000"/>
-              <a:buFont typeface="Wingdings" charset="2"/>
-              <a:buChar char=""/>
-              <a:tabLst>
-                <a:tab algn="l" pos="408240"/>
-              </a:tabLst>
-            </a:pPr>
-            <a:r>
-              <a:rPr b="0" lang="en-US" sz="1400" spc="-1" strike="noStrike">
-                <a:latin typeface="Arial"/>
-                <a:ea typeface="PingFang SC"/>
-              </a:rPr>
-              <a:t>The second approach is to replace the data with a new copy which has the desired changes. Here is what it would look like if you mutated the squares array:</a:t>
-            </a:r>
-            <a:endParaRPr b="0" lang="en-US" sz="1400" spc="-1" strike="noStrike">
-              <a:latin typeface="Arial"/>
-            </a:endParaRPr>
-          </a:p>
-          <a:p>
-            <a:pPr lvl="1" marL="864000" indent="-324000">
-              <a:lnSpc>
-                <a:spcPct val="100000"/>
-              </a:lnSpc>
-              <a:spcBef>
-                <a:spcPts val="1134"/>
-              </a:spcBef>
-              <a:buClr>
-                <a:srgbClr val="000000"/>
-              </a:buClr>
-              <a:buSzPct val="75000"/>
-              <a:buFont typeface="Symbol"/>
-              <a:buChar char=""/>
-              <a:tabLst>
-                <a:tab algn="l" pos="408240"/>
-              </a:tabLst>
-            </a:pPr>
-            <a:r>
-              <a:rPr b="0" lang="en-US" sz="2800" spc="-1" strike="noStrike">
-                <a:latin typeface="Arial"/>
-                <a:ea typeface="PingFang SC"/>
-              </a:rPr>
-              <a:t>const squares = [null, null, null, null, null, null … ];</a:t>
-            </a:r>
-            <a:endParaRPr b="0" lang="en-US" sz="2800" spc="-1" strike="noStrike">
-              <a:latin typeface="Arial"/>
-            </a:endParaRPr>
-          </a:p>
-          <a:p>
-            <a:pPr lvl="1" marL="864000" indent="-324000">
-              <a:lnSpc>
-                <a:spcPct val="100000"/>
-              </a:lnSpc>
-              <a:spcBef>
-                <a:spcPts val="1134"/>
-              </a:spcBef>
-              <a:buClr>
-                <a:srgbClr val="000000"/>
-              </a:buClr>
-              <a:buSzPct val="75000"/>
-              <a:buFont typeface="Symbol"/>
-              <a:buChar char=""/>
-              <a:tabLst>
-                <a:tab algn="l" pos="408240"/>
-              </a:tabLst>
-            </a:pPr>
-            <a:r>
-              <a:rPr b="0" lang="en-US" sz="2800" spc="-1" strike="noStrike">
-                <a:latin typeface="Arial"/>
-                <a:ea typeface="PingFang SC"/>
-              </a:rPr>
-              <a:t>const nextSquares = [‘X’, null, null, null, null, null … ]; </a:t>
-            </a:r>
-            <a:endParaRPr b="0" lang="en-US" sz="2800" spc="-1" strike="noStrike">
-              <a:latin typeface="Arial"/>
-            </a:endParaRPr>
-          </a:p>
-          <a:p>
-            <a:pPr>
-              <a:lnSpc>
-                <a:spcPct val="100000"/>
-              </a:lnSpc>
-              <a:spcBef>
-                <a:spcPts val="615"/>
-              </a:spcBef>
-              <a:tabLst>
-                <a:tab algn="l" pos="408240"/>
-              </a:tabLst>
-            </a:pPr>
-            <a:endParaRPr b="0" lang="en-US" sz="2800" spc="-1" strike="noStrike">
-              <a:latin typeface="Arial"/>
-            </a:endParaRPr>
-          </a:p>
-          <a:p>
-            <a:pPr marL="432000" indent="-324000">
-              <a:lnSpc>
-                <a:spcPct val="100000"/>
-              </a:lnSpc>
-              <a:spcBef>
-                <a:spcPts val="615"/>
-              </a:spcBef>
-              <a:buClr>
-                <a:srgbClr val="000000"/>
-              </a:buClr>
-              <a:buSzPct val="45000"/>
-              <a:buFont typeface="Wingdings" charset="2"/>
-              <a:buChar char=""/>
-              <a:tabLst>
-                <a:tab algn="l" pos="408240"/>
-              </a:tabLst>
-            </a:pPr>
-            <a:r>
-              <a:rPr b="0" lang="en-US" sz="1400" spc="-1" strike="noStrike">
-                <a:latin typeface="Arial"/>
-                <a:ea typeface="PingFang SC"/>
-              </a:rPr>
-              <a:t>There is also another benefit of immutability: By default, all child components re-render automatically when the state of a parent component changes. </a:t>
-            </a:r>
-            <a:endParaRPr b="0" lang="en-US" sz="1400" spc="-1" strike="noStrike">
-              <a:latin typeface="Arial"/>
-            </a:endParaRPr>
-          </a:p>
-          <a:p>
-            <a:pPr marL="432000" indent="-324000">
-              <a:lnSpc>
-                <a:spcPct val="100000"/>
-              </a:lnSpc>
-              <a:spcBef>
-                <a:spcPts val="615"/>
-              </a:spcBef>
-              <a:buClr>
-                <a:srgbClr val="000000"/>
-              </a:buClr>
-              <a:buSzPct val="45000"/>
-              <a:buFont typeface="Wingdings" charset="2"/>
-              <a:buChar char=""/>
-              <a:tabLst>
-                <a:tab algn="l" pos="408240"/>
-              </a:tabLst>
-            </a:pPr>
-            <a:r>
-              <a:rPr b="0" lang="en-US" sz="1400" spc="-1" strike="noStrike">
-                <a:latin typeface="Arial"/>
-                <a:ea typeface="PingFang SC"/>
-              </a:rPr>
-              <a:t>This includes even the child components that weren’t affected by the change. Although re-rendering is not by itself noticeable to the user (you shouldn’t actively try to avoid it!), you might want to skip re-rendering a part of the tree that clearly wasn’t affected by it for performance reasons. </a:t>
-            </a:r>
-            <a:endParaRPr b="0" lang="en-US" sz="1400" spc="-1" strike="noStrike">
-              <a:latin typeface="Arial"/>
-            </a:endParaRPr>
-          </a:p>
-          <a:p>
-            <a:pPr marL="432000" indent="-324000">
-              <a:lnSpc>
-                <a:spcPct val="100000"/>
-              </a:lnSpc>
-              <a:spcBef>
-                <a:spcPts val="615"/>
-              </a:spcBef>
-              <a:buClr>
-                <a:srgbClr val="000000"/>
-              </a:buClr>
-              <a:buSzPct val="45000"/>
-              <a:buFont typeface="Wingdings" charset="2"/>
-              <a:buChar char=""/>
-              <a:tabLst>
-                <a:tab algn="l" pos="408240"/>
-              </a:tabLst>
-            </a:pPr>
-            <a:r>
-              <a:rPr b="0" lang="en-US" sz="1400" spc="-1" strike="noStrike">
-                <a:latin typeface="Arial"/>
-                <a:ea typeface="PingFang SC"/>
-              </a:rPr>
-              <a:t>Immutability makes it very cheap for components to compare whether their data has changed or not. </a:t>
-            </a:r>
-            <a:endParaRPr b="0" lang="en-US" sz="1400" spc="-1" strike="noStrike">
-              <a:latin typeface="Arial"/>
-            </a:endParaRPr>
-          </a:p>
-        </p:txBody>
-      </p:sp>
+      <p:pic>
+        <p:nvPicPr>
+          <p:cNvPr id="214" name="" descr=""/>
+          <p:cNvPicPr/>
+          <p:nvPr/>
+        </p:nvPicPr>
+        <p:blipFill>
+          <a:blip r:embed="rId1"/>
+          <a:stretch/>
+        </p:blipFill>
+        <p:spPr>
+          <a:xfrm>
+            <a:off x="1323000" y="1179000"/>
+            <a:ext cx="7313760" cy="4113360"/>
+          </a:xfrm>
+          <a:prstGeom prst="rect">
+            <a:avLst/>
+          </a:prstGeom>
+          <a:ln w="0">
+            <a:noFill/>
+          </a:ln>
+        </p:spPr>
+      </p:pic>
     </p:spTree>
   </p:cSld>
   <mc:AlternateContent>
@@ -10331,7 +10400,7 @@
       </p:grpSpPr>
       <p:sp>
         <p:nvSpPr>
-          <p:cNvPr id="212" name="PlaceHolder 1"/>
+          <p:cNvPr id="215" name="PlaceHolder 1"/>
           <p:cNvSpPr>
             <a:spLocks noGrp="1"/>
           </p:cNvSpPr>
@@ -10342,7 +10411,7 @@
         <p:spPr>
           <a:xfrm>
             <a:off x="504000" y="226080"/>
-            <a:ext cx="9070560" cy="945360"/>
+            <a:ext cx="9070200" cy="945000"/>
           </a:xfrm>
           <a:prstGeom prst="rect">
             <a:avLst/>
@@ -10376,7 +10445,7 @@
       </p:sp>
       <p:pic>
         <p:nvPicPr>
-          <p:cNvPr id="213" name="" descr=""/>
+          <p:cNvPr id="216" name="" descr=""/>
           <p:cNvPicPr/>
           <p:nvPr/>
         </p:nvPicPr>
@@ -10386,8 +10455,8 @@
         </p:blipFill>
         <p:spPr>
           <a:xfrm>
-            <a:off x="1323000" y="1179000"/>
-            <a:ext cx="7314120" cy="4113720"/>
+            <a:off x="1695600" y="1073880"/>
+            <a:ext cx="6538680" cy="4290480"/>
           </a:xfrm>
           <a:prstGeom prst="rect">
             <a:avLst/>
@@ -10429,7 +10498,7 @@
       </p:grpSpPr>
       <p:sp>
         <p:nvSpPr>
-          <p:cNvPr id="214" name="PlaceHolder 1"/>
+          <p:cNvPr id="217" name="PlaceHolder 1"/>
           <p:cNvSpPr>
             <a:spLocks noGrp="1"/>
           </p:cNvSpPr>
@@ -10440,7 +10509,7 @@
         <p:spPr>
           <a:xfrm>
             <a:off x="504000" y="226080"/>
-            <a:ext cx="9070560" cy="945360"/>
+            <a:ext cx="9070200" cy="945000"/>
           </a:xfrm>
           <a:prstGeom prst="rect">
             <a:avLst/>
@@ -10474,7 +10543,7 @@
       </p:sp>
       <p:pic>
         <p:nvPicPr>
-          <p:cNvPr id="215" name="" descr=""/>
+          <p:cNvPr id="218" name="" descr=""/>
           <p:cNvPicPr/>
           <p:nvPr/>
         </p:nvPicPr>
@@ -10484,8 +10553,8 @@
         </p:blipFill>
         <p:spPr>
           <a:xfrm>
-            <a:off x="1695600" y="1073880"/>
-            <a:ext cx="6539040" cy="4290840"/>
+            <a:off x="1143000" y="1600200"/>
+            <a:ext cx="7792200" cy="3544560"/>
           </a:xfrm>
           <a:prstGeom prst="rect">
             <a:avLst/>
@@ -10527,7 +10596,7 @@
       </p:grpSpPr>
       <p:sp>
         <p:nvSpPr>
-          <p:cNvPr id="216" name="PlaceHolder 1"/>
+          <p:cNvPr id="219" name="PlaceHolder 1"/>
           <p:cNvSpPr>
             <a:spLocks noGrp="1"/>
           </p:cNvSpPr>
@@ -10538,7 +10607,7 @@
         <p:spPr>
           <a:xfrm>
             <a:off x="504000" y="226080"/>
-            <a:ext cx="9070560" cy="945360"/>
+            <a:ext cx="9070200" cy="945000"/>
           </a:xfrm>
           <a:prstGeom prst="rect">
             <a:avLst/>
@@ -10562,7 +10631,7 @@
               <a:rPr b="0" lang="en-US" sz="4400" spc="-1" strike="noStrike">
                 <a:latin typeface="Arial"/>
               </a:rPr>
-              <a:t>React 101 – Component Logic</a:t>
+              <a:t>A.I. Development – GPT</a:t>
             </a:r>
             <a:endParaRPr b="0" lang="en-US" sz="4400" spc="-1" strike="noStrike">
               <a:latin typeface="Arial"/>
@@ -10570,29 +10639,6 @@
           </a:p>
         </p:txBody>
       </p:sp>
-      <p:pic>
-        <p:nvPicPr>
-          <p:cNvPr id="217" name="" descr=""/>
-          <p:cNvPicPr/>
-          <p:nvPr/>
-        </p:nvPicPr>
-        <p:blipFill>
-          <a:blip r:embed="rId1"/>
-          <a:stretch/>
-        </p:blipFill>
-        <p:spPr>
-          <a:xfrm>
-            <a:off x="1143000" y="1600200"/>
-            <a:ext cx="7792560" cy="3544920"/>
-          </a:xfrm>
-          <a:prstGeom prst="rect">
-            <a:avLst/>
-          </a:prstGeom>
-          <a:ln w="0">
-            <a:noFill/>
-          </a:ln>
-        </p:spPr>
-      </p:pic>
     </p:spTree>
   </p:cSld>
   <mc:AlternateContent>
@@ -10625,7 +10671,7 @@
       </p:grpSpPr>
       <p:sp>
         <p:nvSpPr>
-          <p:cNvPr id="218" name="PlaceHolder 1"/>
+          <p:cNvPr id="220" name="PlaceHolder 1"/>
           <p:cNvSpPr>
             <a:spLocks noGrp="1"/>
           </p:cNvSpPr>
@@ -10636,7 +10682,7 @@
         <p:spPr>
           <a:xfrm>
             <a:off x="504000" y="226080"/>
-            <a:ext cx="9070560" cy="945360"/>
+            <a:ext cx="9070200" cy="945000"/>
           </a:xfrm>
           <a:prstGeom prst="rect">
             <a:avLst/>
@@ -10660,7 +10706,13 @@
               <a:rPr b="0" lang="en-US" sz="4400" spc="-1" strike="noStrike">
                 <a:latin typeface="Arial"/>
               </a:rPr>
-              <a:t>A.I. Development – GPT</a:t>
+              <a:t>Further Learning – Resources</a:t>
+            </a:r>
+            <a:r>
+              <a:rPr b="0" lang="en-US" sz="4400" spc="-1" strike="noStrike">
+                <a:latin typeface="Arial"/>
+              </a:rPr>
+              <a:t>	</a:t>
             </a:r>
             <a:endParaRPr b="0" lang="en-US" sz="4400" spc="-1" strike="noStrike">
               <a:latin typeface="Arial"/>
@@ -10668,6 +10720,245 @@
           </a:p>
         </p:txBody>
       </p:sp>
+      <p:sp>
+        <p:nvSpPr>
+          <p:cNvPr id="221" name=""/>
+          <p:cNvSpPr/>
+          <p:nvPr/>
+        </p:nvSpPr>
+        <p:spPr>
+          <a:xfrm>
+            <a:off x="1503000" y="1318320"/>
+            <a:ext cx="8457480" cy="2905200"/>
+          </a:xfrm>
+          <a:prstGeom prst="rect">
+            <a:avLst/>
+          </a:prstGeom>
+          <a:noFill/>
+          <a:ln w="0">
+            <a:noFill/>
+          </a:ln>
+        </p:spPr>
+        <p:style>
+          <a:lnRef idx="0"/>
+          <a:fillRef idx="0"/>
+          <a:effectRef idx="0"/>
+          <a:fontRef idx="minor"/>
+        </p:style>
+        <p:txBody>
+          <a:bodyPr lIns="90000" rIns="90000" tIns="45000" bIns="45000" anchor="t">
+            <a:noAutofit/>
+          </a:bodyPr>
+          <a:p>
+            <a:pPr>
+              <a:lnSpc>
+                <a:spcPct val="100000"/>
+              </a:lnSpc>
+            </a:pPr>
+            <a:r>
+              <a:rPr b="0" lang="en-US" sz="1800" spc="-1" strike="noStrike">
+                <a:solidFill>
+                  <a:srgbClr val="000000"/>
+                </a:solidFill>
+                <a:latin typeface="Arial"/>
+                <a:ea typeface="DejaVu Sans"/>
+              </a:rPr>
+              <a:t>Books </a:t>
+            </a:r>
+            <a:endParaRPr b="0" lang="en-US" sz="1800" spc="-1" strike="noStrike">
+              <a:latin typeface="Arial"/>
+            </a:endParaRPr>
+          </a:p>
+          <a:p>
+            <a:pPr>
+              <a:lnSpc>
+                <a:spcPct val="100000"/>
+              </a:lnSpc>
+            </a:pPr>
+            <a:r>
+              <a:rPr b="0" lang="en-US" sz="1800" spc="-1" strike="noStrike">
+                <a:solidFill>
+                  <a:srgbClr val="000000"/>
+                </a:solidFill>
+                <a:latin typeface="Arial"/>
+                <a:ea typeface="DejaVu Sans"/>
+              </a:rPr>
+              <a:t>- Structure and Interpretation of Computer Programs (SICP) </a:t>
+            </a:r>
+            <a:endParaRPr b="0" lang="en-US" sz="1800" spc="-1" strike="noStrike">
+              <a:latin typeface="Arial"/>
+            </a:endParaRPr>
+          </a:p>
+          <a:p>
+            <a:pPr>
+              <a:lnSpc>
+                <a:spcPct val="100000"/>
+              </a:lnSpc>
+            </a:pPr>
+            <a:br/>
+            <a:r>
+              <a:rPr b="0" lang="en-US" sz="1800" spc="-1" strike="noStrike">
+                <a:solidFill>
+                  <a:srgbClr val="000000"/>
+                </a:solidFill>
+                <a:latin typeface="Arial"/>
+                <a:ea typeface="DejaVu Sans"/>
+              </a:rPr>
+              <a:t>- Paradigms of Artificial Intelligence  Programming: Case studies in Common Lisp</a:t>
+            </a:r>
+            <a:endParaRPr b="0" lang="en-US" sz="1800" spc="-1" strike="noStrike">
+              <a:latin typeface="Arial"/>
+            </a:endParaRPr>
+          </a:p>
+          <a:p>
+            <a:pPr>
+              <a:lnSpc>
+                <a:spcPct val="100000"/>
+              </a:lnSpc>
+            </a:pPr>
+            <a:r>
+              <a:rPr b="0" lang="en-US" sz="1800" spc="-1" strike="noStrike">
+                <a:solidFill>
+                  <a:srgbClr val="000000"/>
+                </a:solidFill>
+                <a:latin typeface="Arial"/>
+                <a:ea typeface="DejaVu Sans"/>
+              </a:rPr>
+              <a:t>  </a:t>
+            </a:r>
+            <a:r>
+              <a:rPr b="0" lang="en-US" sz="1800" spc="-1" strike="noStrike">
+                <a:solidFill>
+                  <a:srgbClr val="000000"/>
+                </a:solidFill>
+                <a:latin typeface="Arial"/>
+                <a:ea typeface="DejaVu Sans"/>
+              </a:rPr>
+              <a:t>(PAIP)</a:t>
+            </a:r>
+            <a:endParaRPr b="0" lang="en-US" sz="1800" spc="-1" strike="noStrike">
+              <a:latin typeface="Arial"/>
+            </a:endParaRPr>
+          </a:p>
+          <a:p>
+            <a:pPr>
+              <a:lnSpc>
+                <a:spcPct val="100000"/>
+              </a:lnSpc>
+            </a:pPr>
+            <a:endParaRPr b="0" lang="en-US" sz="1800" spc="-1" strike="noStrike">
+              <a:latin typeface="Arial"/>
+            </a:endParaRPr>
+          </a:p>
+          <a:p>
+            <a:pPr>
+              <a:lnSpc>
+                <a:spcPct val="100000"/>
+              </a:lnSpc>
+            </a:pPr>
+            <a:r>
+              <a:rPr b="0" lang="en-US" sz="1800" spc="-1" strike="noStrike">
+                <a:solidFill>
+                  <a:srgbClr val="000000"/>
+                </a:solidFill>
+                <a:latin typeface="Arial"/>
+                <a:ea typeface="DejaVu Sans"/>
+              </a:rPr>
+              <a:t>Videos</a:t>
+            </a:r>
+            <a:endParaRPr b="0" lang="en-US" sz="1800" spc="-1" strike="noStrike">
+              <a:latin typeface="Arial"/>
+            </a:endParaRPr>
+          </a:p>
+          <a:p>
+            <a:pPr>
+              <a:lnSpc>
+                <a:spcPct val="100000"/>
+              </a:lnSpc>
+            </a:pPr>
+            <a:r>
+              <a:rPr b="0" lang="en-US" sz="1800" spc="-1" strike="noStrike">
+                <a:solidFill>
+                  <a:srgbClr val="000000"/>
+                </a:solidFill>
+                <a:latin typeface="Arial"/>
+                <a:ea typeface="DejaVu Sans"/>
+              </a:rPr>
+              <a:t>- Learning Functional Programming with JavaScript - Anjana Vakil - JSUnconf</a:t>
+            </a:r>
+            <a:endParaRPr b="0" lang="en-US" sz="1800" spc="-1" strike="noStrike">
+              <a:latin typeface="Arial"/>
+            </a:endParaRPr>
+          </a:p>
+          <a:p>
+            <a:pPr>
+              <a:lnSpc>
+                <a:spcPct val="100000"/>
+              </a:lnSpc>
+            </a:pPr>
+            <a:br/>
+            <a:r>
+              <a:rPr b="0" lang="en-US" sz="1800" spc="-1" strike="noStrike">
+                <a:solidFill>
+                  <a:srgbClr val="000000"/>
+                </a:solidFill>
+                <a:latin typeface="Arial"/>
+                <a:ea typeface="DejaVu Sans"/>
+              </a:rPr>
+              <a:t>- A Flock of Functions: Lambda Calculus and Combinatory Logic in JavaScript | Gabriel Lebec @ DevTalks  </a:t>
+            </a:r>
+            <a:endParaRPr b="0" lang="en-US" sz="1800" spc="-1" strike="noStrike">
+              <a:latin typeface="Arial"/>
+            </a:endParaRPr>
+          </a:p>
+        </p:txBody>
+      </p:sp>
+      <p:pic>
+        <p:nvPicPr>
+          <p:cNvPr id="222" name="" descr=""/>
+          <p:cNvPicPr/>
+          <p:nvPr/>
+        </p:nvPicPr>
+        <p:blipFill>
+          <a:blip r:embed="rId1"/>
+          <a:stretch/>
+        </p:blipFill>
+        <p:spPr>
+          <a:xfrm>
+            <a:off x="444600" y="1371600"/>
+            <a:ext cx="926280" cy="1334880"/>
+          </a:xfrm>
+          <a:prstGeom prst="rect">
+            <a:avLst/>
+          </a:prstGeom>
+          <a:ln w="0">
+            <a:noFill/>
+          </a:ln>
+        </p:spPr>
+      </p:pic>
+      <p:pic>
+        <p:nvPicPr>
+          <p:cNvPr id="223" name="" descr=""/>
+          <p:cNvPicPr/>
+          <p:nvPr/>
+        </p:nvPicPr>
+        <p:blipFill>
+          <a:blip r:embed="rId2"/>
+          <a:stretch/>
+        </p:blipFill>
+        <p:spPr>
+          <a:xfrm>
+            <a:off x="4644360" y="4237920"/>
+            <a:ext cx="1419120" cy="862560"/>
+          </a:xfrm>
+          <a:prstGeom prst="rect">
+            <a:avLst/>
+          </a:prstGeom>
+          <a:ln w="0">
+            <a:noFill/>
+          </a:ln>
+        </p:spPr>
+      </p:pic>
     </p:spTree>
   </p:cSld>
   <mc:AlternateContent>
@@ -10682,294 +10973,6 @@
 </file>
 
 <file path=ppt/slides/slide35.xml><?xml version="1.0" encoding="utf-8"?>
-<p:sld xmlns:a="http://schemas.openxmlformats.org/drawingml/2006/main" xmlns:p="http://schemas.openxmlformats.org/presentationml/2006/main" xmlns:r="http://schemas.openxmlformats.org/officeDocument/2006/relationships" xmlns:p14="http://schemas.microsoft.com/office/powerpoint/2010/main" xmlns:p15="http://schemas.microsoft.com/office/powerpoint/2012/main" xmlns:mc="http://schemas.openxmlformats.org/markup-compatibility/2006">
-  <p:cSld>
-    <p:spTree>
-      <p:nvGrpSpPr>
-        <p:cNvPr id="1" name=""/>
-        <p:cNvGrpSpPr/>
-        <p:nvPr/>
-      </p:nvGrpSpPr>
-      <p:grpSpPr>
-        <a:xfrm>
-          <a:off x="0" y="0"/>
-          <a:ext cx="0" cy="0"/>
-          <a:chOff x="0" y="0"/>
-          <a:chExt cx="0" cy="0"/>
-        </a:xfrm>
-      </p:grpSpPr>
-      <p:sp>
-        <p:nvSpPr>
-          <p:cNvPr id="219" name="PlaceHolder 1"/>
-          <p:cNvSpPr>
-            <a:spLocks noGrp="1"/>
-          </p:cNvSpPr>
-          <p:nvPr>
-            <p:ph type="title"/>
-          </p:nvPr>
-        </p:nvSpPr>
-        <p:spPr>
-          <a:xfrm>
-            <a:off x="504000" y="226080"/>
-            <a:ext cx="9070560" cy="945360"/>
-          </a:xfrm>
-          <a:prstGeom prst="rect">
-            <a:avLst/>
-          </a:prstGeom>
-          <a:noFill/>
-          <a:ln w="0">
-            <a:noFill/>
-          </a:ln>
-        </p:spPr>
-        <p:txBody>
-          <a:bodyPr lIns="0" rIns="0" tIns="0" bIns="0" anchor="ctr">
-            <a:noAutofit/>
-          </a:bodyPr>
-          <a:p>
-            <a:pPr algn="ctr">
-              <a:lnSpc>
-                <a:spcPct val="100000"/>
-              </a:lnSpc>
-            </a:pPr>
-            <a:r>
-              <a:rPr b="0" lang="en-US" sz="4400" spc="-1" strike="noStrike">
-                <a:latin typeface="Arial"/>
-              </a:rPr>
-              <a:t>Further Learning – Resources</a:t>
-            </a:r>
-            <a:r>
-              <a:rPr b="0" lang="en-US" sz="4400" spc="-1" strike="noStrike">
-                <a:latin typeface="Arial"/>
-              </a:rPr>
-              <a:t>	</a:t>
-            </a:r>
-            <a:endParaRPr b="0" lang="en-US" sz="4400" spc="-1" strike="noStrike">
-              <a:latin typeface="Arial"/>
-            </a:endParaRPr>
-          </a:p>
-        </p:txBody>
-      </p:sp>
-      <p:sp>
-        <p:nvSpPr>
-          <p:cNvPr id="220" name=""/>
-          <p:cNvSpPr/>
-          <p:nvPr/>
-        </p:nvSpPr>
-        <p:spPr>
-          <a:xfrm>
-            <a:off x="1503000" y="1318320"/>
-            <a:ext cx="8457840" cy="2905560"/>
-          </a:xfrm>
-          <a:prstGeom prst="rect">
-            <a:avLst/>
-          </a:prstGeom>
-          <a:noFill/>
-          <a:ln w="0">
-            <a:noFill/>
-          </a:ln>
-        </p:spPr>
-        <p:style>
-          <a:lnRef idx="0"/>
-          <a:fillRef idx="0"/>
-          <a:effectRef idx="0"/>
-          <a:fontRef idx="minor"/>
-        </p:style>
-        <p:txBody>
-          <a:bodyPr lIns="90000" rIns="90000" tIns="45000" bIns="45000" anchor="t">
-            <a:noAutofit/>
-          </a:bodyPr>
-          <a:p>
-            <a:pPr>
-              <a:lnSpc>
-                <a:spcPct val="100000"/>
-              </a:lnSpc>
-            </a:pPr>
-            <a:r>
-              <a:rPr b="0" lang="en-US" sz="1800" spc="-1" strike="noStrike">
-                <a:latin typeface="Arial"/>
-              </a:rPr>
-              <a:t>Books </a:t>
-            </a:r>
-            <a:endParaRPr b="0" lang="en-US" sz="1800" spc="-1" strike="noStrike">
-              <a:latin typeface="Arial"/>
-            </a:endParaRPr>
-          </a:p>
-          <a:p>
-            <a:pPr>
-              <a:lnSpc>
-                <a:spcPct val="100000"/>
-              </a:lnSpc>
-            </a:pPr>
-            <a:r>
-              <a:rPr b="0" lang="en-US" sz="1800" spc="-1" strike="noStrike">
-                <a:latin typeface="Arial"/>
-              </a:rPr>
-              <a:t>- Structure and Interpretation of Computer Programs (SICP) </a:t>
-            </a:r>
-            <a:endParaRPr b="0" lang="en-US" sz="1800" spc="-1" strike="noStrike">
-              <a:latin typeface="Arial"/>
-            </a:endParaRPr>
-          </a:p>
-          <a:p>
-            <a:pPr>
-              <a:lnSpc>
-                <a:spcPct val="100000"/>
-              </a:lnSpc>
-            </a:pPr>
-            <a:br/>
-            <a:r>
-              <a:rPr b="0" lang="en-US" sz="1800" spc="-1" strike="noStrike">
-                <a:latin typeface="Arial"/>
-              </a:rPr>
-              <a:t>- Paradigms of Artificial Intelligence  Programming: Case studies in Common Lisp</a:t>
-            </a:r>
-            <a:endParaRPr b="0" lang="en-US" sz="1800" spc="-1" strike="noStrike">
-              <a:latin typeface="Arial"/>
-            </a:endParaRPr>
-          </a:p>
-          <a:p>
-            <a:pPr>
-              <a:lnSpc>
-                <a:spcPct val="100000"/>
-              </a:lnSpc>
-            </a:pPr>
-            <a:r>
-              <a:rPr b="0" lang="en-US" sz="1800" spc="-1" strike="noStrike">
-                <a:latin typeface="Arial"/>
-              </a:rPr>
-              <a:t>  </a:t>
-            </a:r>
-            <a:r>
-              <a:rPr b="0" lang="en-US" sz="1800" spc="-1" strike="noStrike">
-                <a:latin typeface="Arial"/>
-              </a:rPr>
-              <a:t>(PAIP)</a:t>
-            </a:r>
-            <a:endParaRPr b="0" lang="en-US" sz="1800" spc="-1" strike="noStrike">
-              <a:latin typeface="Arial"/>
-            </a:endParaRPr>
-          </a:p>
-          <a:p>
-            <a:pPr>
-              <a:lnSpc>
-                <a:spcPct val="100000"/>
-              </a:lnSpc>
-            </a:pPr>
-            <a:endParaRPr b="0" lang="en-US" sz="1800" spc="-1" strike="noStrike">
-              <a:latin typeface="Arial"/>
-            </a:endParaRPr>
-          </a:p>
-          <a:p>
-            <a:pPr>
-              <a:lnSpc>
-                <a:spcPct val="100000"/>
-              </a:lnSpc>
-            </a:pPr>
-            <a:r>
-              <a:rPr b="0" lang="en-US" sz="1800" spc="-1" strike="noStrike">
-                <a:latin typeface="Arial"/>
-              </a:rPr>
-              <a:t>Videos</a:t>
-            </a:r>
-            <a:endParaRPr b="0" lang="en-US" sz="1800" spc="-1" strike="noStrike">
-              <a:latin typeface="Arial"/>
-            </a:endParaRPr>
-          </a:p>
-          <a:p>
-            <a:pPr>
-              <a:lnSpc>
-                <a:spcPct val="100000"/>
-              </a:lnSpc>
-            </a:pPr>
-            <a:r>
-              <a:rPr b="0" lang="en-US" sz="1800" spc="-1" strike="noStrike">
-                <a:latin typeface="Arial"/>
-              </a:rPr>
-              <a:t>- Learning Functional Programming with JavaScript - Anjana Vakil - JSUnconf</a:t>
-            </a:r>
-            <a:endParaRPr b="0" lang="en-US" sz="1800" spc="-1" strike="noStrike">
-              <a:latin typeface="Arial"/>
-            </a:endParaRPr>
-          </a:p>
-          <a:p>
-            <a:pPr>
-              <a:lnSpc>
-                <a:spcPct val="100000"/>
-              </a:lnSpc>
-            </a:pPr>
-            <a:br/>
-            <a:r>
-              <a:rPr b="0" lang="en-US" sz="1800" spc="-1" strike="noStrike">
-                <a:latin typeface="Arial"/>
-              </a:rPr>
-              <a:t>- A Flock of Functions: Lambda Calculus and Combinatory Logic in JavaScript | Gabriel Lebec @ DevTalks  </a:t>
-            </a:r>
-            <a:endParaRPr b="0" lang="en-US" sz="1800" spc="-1" strike="noStrike">
-              <a:latin typeface="Arial"/>
-            </a:endParaRPr>
-          </a:p>
-        </p:txBody>
-      </p:sp>
-      <p:pic>
-        <p:nvPicPr>
-          <p:cNvPr id="221" name="" descr=""/>
-          <p:cNvPicPr/>
-          <p:nvPr/>
-        </p:nvPicPr>
-        <p:blipFill>
-          <a:blip r:embed="rId1"/>
-          <a:stretch/>
-        </p:blipFill>
-        <p:spPr>
-          <a:xfrm>
-            <a:off x="444600" y="1371600"/>
-            <a:ext cx="926640" cy="1335240"/>
-          </a:xfrm>
-          <a:prstGeom prst="rect">
-            <a:avLst/>
-          </a:prstGeom>
-          <a:ln w="0">
-            <a:noFill/>
-          </a:ln>
-        </p:spPr>
-      </p:pic>
-      <p:pic>
-        <p:nvPicPr>
-          <p:cNvPr id="222" name="" descr=""/>
-          <p:cNvPicPr/>
-          <p:nvPr/>
-        </p:nvPicPr>
-        <p:blipFill>
-          <a:blip r:embed="rId2"/>
-          <a:stretch/>
-        </p:blipFill>
-        <p:spPr>
-          <a:xfrm>
-            <a:off x="4644360" y="4237920"/>
-            <a:ext cx="1419480" cy="862920"/>
-          </a:xfrm>
-          <a:prstGeom prst="rect">
-            <a:avLst/>
-          </a:prstGeom>
-          <a:ln w="0">
-            <a:noFill/>
-          </a:ln>
-        </p:spPr>
-      </p:pic>
-    </p:spTree>
-  </p:cSld>
-  <mc:AlternateContent>
-    <mc:Choice Requires="p14">
-      <p:transition spd="slow" p14:dur="2000"/>
-    </mc:Choice>
-    <mc:Fallback>
-      <p:transition spd="slow"/>
-    </mc:Fallback>
-  </mc:AlternateContent>
-</p:sld>
-</file>
-
-<file path=ppt/slides/slide36.xml><?xml version="1.0" encoding="utf-8"?>
 <p:sld xmlns:a="http://schemas.openxmlformats.org/drawingml/2006/main" xmlns:p="http://schemas.openxmlformats.org/presentationml/2006/main" xmlns:r="http://schemas.openxmlformats.org/officeDocument/2006/relationships" xmlns:p14="http://schemas.microsoft.com/office/powerpoint/2010/main" xmlns:p15="http://schemas.microsoft.com/office/powerpoint/2012/main" xmlns:mc="http://schemas.openxmlformats.org/markup-compatibility/2006">
   <p:cSld>
     <p:spTree>
@@ -11029,7 +11032,7 @@
         <p:spPr>
           <a:xfrm>
             <a:off x="504000" y="226080"/>
-            <a:ext cx="9070560" cy="945360"/>
+            <a:ext cx="9070200" cy="945000"/>
           </a:xfrm>
           <a:prstGeom prst="rect">
             <a:avLst/>
@@ -11070,7 +11073,7 @@
         <p:spPr>
           <a:xfrm>
             <a:off x="2355480" y="1992240"/>
-            <a:ext cx="5397840" cy="1696680"/>
+            <a:ext cx="5397480" cy="1696320"/>
           </a:xfrm>
           <a:prstGeom prst="rect">
             <a:avLst/>
@@ -11261,10 +11264,11 @@
           <a:prstGeom prst="line">
             <a:avLst/>
           </a:prstGeom>
-          <a:ln w="0">
+          <a:ln w="18360">
             <a:solidFill>
-              <a:srgbClr val="3465a4"/>
+              <a:srgbClr val="000000"/>
             </a:solidFill>
+            <a:round/>
           </a:ln>
         </p:spPr>
         <p:style>
@@ -11282,16 +11286,17 @@
         </p:nvSpPr>
         <p:spPr>
           <a:xfrm>
-            <a:off x="2286000" y="3569400"/>
+            <a:off x="2286000" y="3569760"/>
             <a:ext cx="5257800" cy="360"/>
           </a:xfrm>
           <a:prstGeom prst="line">
             <a:avLst/>
           </a:prstGeom>
-          <a:ln w="0">
+          <a:ln w="18360">
             <a:solidFill>
-              <a:srgbClr val="3465a4"/>
+              <a:srgbClr val="000000"/>
             </a:solidFill>
+            <a:round/>
           </a:ln>
         </p:spPr>
         <p:style>
@@ -11344,7 +11349,7 @@
         <p:spPr>
           <a:xfrm>
             <a:off x="504000" y="226080"/>
-            <a:ext cx="9070560" cy="945360"/>
+            <a:ext cx="9070200" cy="945000"/>
           </a:xfrm>
           <a:prstGeom prst="rect">
             <a:avLst/>
@@ -11389,7 +11394,7 @@
         <p:spPr>
           <a:xfrm>
             <a:off x="5943600" y="2102760"/>
-            <a:ext cx="3199320" cy="2696760"/>
+            <a:ext cx="3198960" cy="2696400"/>
           </a:xfrm>
           <a:prstGeom prst="rect">
             <a:avLst/>
@@ -11408,7 +11413,7 @@
         <p:spPr>
           <a:xfrm>
             <a:off x="1371600" y="2057400"/>
-            <a:ext cx="4342680" cy="1477440"/>
+            <a:ext cx="4342320" cy="1477080"/>
           </a:xfrm>
           <a:prstGeom prst="rect">
             <a:avLst/>
@@ -11574,7 +11579,7 @@
         <p:spPr>
           <a:xfrm>
             <a:off x="504000" y="226080"/>
-            <a:ext cx="9070560" cy="945360"/>
+            <a:ext cx="9070200" cy="945000"/>
           </a:xfrm>
           <a:prstGeom prst="rect">
             <a:avLst/>
@@ -11615,7 +11620,7 @@
         <p:spPr>
           <a:xfrm>
             <a:off x="1371600" y="1146240"/>
-            <a:ext cx="3885120" cy="1676160"/>
+            <a:ext cx="3884760" cy="1675800"/>
           </a:xfrm>
           <a:prstGeom prst="rect">
             <a:avLst/>
@@ -11761,7 +11766,7 @@
         <p:spPr>
           <a:xfrm>
             <a:off x="6629400" y="1617480"/>
-            <a:ext cx="2207520" cy="896040"/>
+            <a:ext cx="2207160" cy="895680"/>
           </a:xfrm>
           <a:prstGeom prst="rect">
             <a:avLst/>
@@ -11784,7 +11789,7 @@
         <p:spPr>
           <a:xfrm>
             <a:off x="6132600" y="3090600"/>
-            <a:ext cx="2513520" cy="1827720"/>
+            <a:ext cx="2513160" cy="1827360"/>
           </a:xfrm>
           <a:prstGeom prst="rect">
             <a:avLst/>
@@ -11807,7 +11812,7 @@
         <p:spPr>
           <a:xfrm>
             <a:off x="1828800" y="2971800"/>
-            <a:ext cx="2970720" cy="2356920"/>
+            <a:ext cx="2970360" cy="2356560"/>
           </a:xfrm>
           <a:prstGeom prst="rect">
             <a:avLst/>
@@ -11860,7 +11865,7 @@
         <p:spPr>
           <a:xfrm>
             <a:off x="504000" y="226080"/>
-            <a:ext cx="9070560" cy="945360"/>
+            <a:ext cx="9070200" cy="945000"/>
           </a:xfrm>
           <a:prstGeom prst="rect">
             <a:avLst/>
@@ -11905,7 +11910,7 @@
         <p:spPr>
           <a:xfrm>
             <a:off x="504000" y="1326600"/>
-            <a:ext cx="9070560" cy="3287160"/>
+            <a:ext cx="9070200" cy="3286800"/>
           </a:xfrm>
           <a:prstGeom prst="rect">
             <a:avLst/>
@@ -12188,7 +12193,7 @@
         <p:spPr>
           <a:xfrm>
             <a:off x="504000" y="226080"/>
-            <a:ext cx="9070560" cy="945360"/>
+            <a:ext cx="9070200" cy="945000"/>
           </a:xfrm>
           <a:prstGeom prst="rect">
             <a:avLst/>
@@ -12233,7 +12238,7 @@
         <p:spPr>
           <a:xfrm>
             <a:off x="457200" y="1284840"/>
-            <a:ext cx="9070560" cy="3287160"/>
+            <a:ext cx="9070200" cy="3286800"/>
           </a:xfrm>
           <a:prstGeom prst="rect">
             <a:avLst/>
@@ -12290,7 +12295,7 @@
         <p:spPr>
           <a:xfrm>
             <a:off x="1781280" y="1847880"/>
-            <a:ext cx="6502320" cy="2247480"/>
+            <a:ext cx="6501960" cy="2247120"/>
           </a:xfrm>
           <a:prstGeom prst="rect">
             <a:avLst/>
@@ -12343,7 +12348,7 @@
         <p:spPr>
           <a:xfrm>
             <a:off x="504000" y="226080"/>
-            <a:ext cx="9070560" cy="945360"/>
+            <a:ext cx="9070200" cy="945000"/>
           </a:xfrm>
           <a:prstGeom prst="rect">
             <a:avLst/>
@@ -12388,7 +12393,7 @@
         <p:spPr>
           <a:xfrm>
             <a:off x="457200" y="1284840"/>
-            <a:ext cx="9070560" cy="3287160"/>
+            <a:ext cx="9070200" cy="3286800"/>
           </a:xfrm>
           <a:prstGeom prst="rect">
             <a:avLst/>
@@ -12445,7 +12450,7 @@
         <p:spPr>
           <a:xfrm>
             <a:off x="1089000" y="1930680"/>
-            <a:ext cx="7886520" cy="2082240"/>
+            <a:ext cx="7886160" cy="2081880"/>
           </a:xfrm>
           <a:prstGeom prst="rect">
             <a:avLst/>

--- a/React 101.pptx
+++ b/React 101.pptx
@@ -7256,15 +7256,19 @@
         </p:nvSpPr>
         <p:spPr>
           <a:xfrm>
-            <a:off x="1143000" y="1371600"/>
-            <a:ext cx="5027760" cy="5917680"/>
-          </a:xfrm>
-          <a:prstGeom prst="rect">
-            <a:avLst/>
-          </a:prstGeom>
-          <a:noFill/>
-          <a:ln w="0">
-            <a:noFill/>
+            <a:off x="7880400" y="1864800"/>
+            <a:ext cx="684360" cy="684360"/>
+          </a:xfrm>
+          <a:prstGeom prst="ellipse">
+            <a:avLst/>
+          </a:prstGeom>
+          <a:solidFill>
+            <a:srgbClr val="729fcf"/>
+          </a:solidFill>
+          <a:ln w="0">
+            <a:solidFill>
+              <a:srgbClr val="3465a4"/>
+            </a:solidFill>
           </a:ln>
         </p:spPr>
         <p:style>
@@ -7273,41 +7277,6 @@
           <a:effectRef idx="0"/>
           <a:fontRef idx="minor"/>
         </p:style>
-        <p:txBody>
-          <a:bodyPr lIns="90000" rIns="90000" tIns="45000" bIns="45000" anchor="t">
-            <a:noAutofit/>
-          </a:bodyPr>
-          <a:p>
-            <a:pPr>
-              <a:lnSpc>
-                <a:spcPct val="100000"/>
-              </a:lnSpc>
-            </a:pPr>
-            <a:r>
-              <a:rPr b="0" lang="en-US" sz="1800" spc="-1" strike="noStrike">
-                <a:solidFill>
-                  <a:srgbClr val="000000"/>
-                </a:solidFill>
-                <a:latin typeface="Arial"/>
-                <a:ea typeface="DejaVu Sans"/>
-              </a:rPr>
-              <a:t>- Now that your state handling is in the Board component, the parent Board component passes props to the child Square components so that they can be displayed correctly. </a:t>
-            </a:r>
-            <a:endParaRPr b="0" lang="en-US" sz="1800" spc="-1" strike="noStrike">
-              <a:latin typeface="Arial"/>
-            </a:endParaRPr>
-          </a:p>
-          <a:p>
-            <a:pPr>
-              <a:lnSpc>
-                <a:spcPct val="100000"/>
-              </a:lnSpc>
-            </a:pPr>
-            <a:endParaRPr b="0" lang="en-US" sz="1800" spc="-1" strike="noStrike">
-              <a:latin typeface="Arial"/>
-            </a:endParaRPr>
-          </a:p>
-        </p:txBody>
       </p:sp>
       <p:sp>
         <p:nvSpPr>
@@ -7317,7 +7286,7 @@
         </p:nvSpPr>
         <p:spPr>
           <a:xfrm>
-            <a:off x="7880400" y="1864800"/>
+            <a:off x="7086600" y="2971800"/>
             <a:ext cx="684360" cy="684360"/>
           </a:xfrm>
           <a:prstGeom prst="ellipse">
@@ -7347,7 +7316,7 @@
         </p:nvSpPr>
         <p:spPr>
           <a:xfrm>
-            <a:off x="7086600" y="2971800"/>
+            <a:off x="7914600" y="3007800"/>
             <a:ext cx="684360" cy="684360"/>
           </a:xfrm>
           <a:prstGeom prst="ellipse">
@@ -7376,16 +7345,13 @@
           <p:nvPr/>
         </p:nvSpPr>
         <p:spPr>
-          <a:xfrm>
-            <a:off x="7914600" y="3007800"/>
-            <a:ext cx="684360" cy="684360"/>
-          </a:xfrm>
-          <a:prstGeom prst="ellipse">
-            <a:avLst/>
-          </a:prstGeom>
-          <a:solidFill>
-            <a:srgbClr val="729fcf"/>
-          </a:solidFill>
+          <a:xfrm flipH="1">
+            <a:off x="7543800" y="2514600"/>
+            <a:ext cx="457200" cy="457200"/>
+          </a:xfrm>
+          <a:prstGeom prst="line">
+            <a:avLst/>
+          </a:prstGeom>
           <a:ln w="0">
             <a:solidFill>
               <a:srgbClr val="3465a4"/>
@@ -7406,9 +7372,9 @@
           <p:nvPr/>
         </p:nvSpPr>
         <p:spPr>
-          <a:xfrm flipH="1">
-            <a:off x="7543800" y="2514600"/>
-            <a:ext cx="457200" cy="457200"/>
+          <a:xfrm>
+            <a:off x="8229600" y="2550600"/>
+            <a:ext cx="360" cy="457200"/>
           </a:xfrm>
           <a:prstGeom prst="line">
             <a:avLst/>
@@ -7434,16 +7400,15 @@
         </p:nvSpPr>
         <p:spPr>
           <a:xfrm>
-            <a:off x="8229600" y="2550600"/>
-            <a:ext cx="360" cy="457200"/>
-          </a:xfrm>
-          <a:prstGeom prst="line">
-            <a:avLst/>
-          </a:prstGeom>
-          <a:ln w="0">
-            <a:solidFill>
-              <a:srgbClr val="3465a4"/>
-            </a:solidFill>
+            <a:off x="8915400" y="3200400"/>
+            <a:ext cx="1370160" cy="287280"/>
+          </a:xfrm>
+          <a:prstGeom prst="rect">
+            <a:avLst/>
+          </a:prstGeom>
+          <a:noFill/>
+          <a:ln w="0">
+            <a:noFill/>
           </a:ln>
         </p:spPr>
         <p:style>
@@ -7452,6 +7417,31 @@
           <a:effectRef idx="0"/>
           <a:fontRef idx="minor"/>
         </p:style>
+        <p:txBody>
+          <a:bodyPr lIns="90000" rIns="90000" tIns="45000" bIns="45000" anchor="t">
+            <a:noAutofit/>
+          </a:bodyPr>
+          <a:p>
+            <a:pPr>
+              <a:lnSpc>
+                <a:spcPct val="100000"/>
+              </a:lnSpc>
+            </a:pPr>
+            <a:r>
+              <a:rPr b="0" lang="en-US" sz="1400" spc="-1" strike="noStrike">
+                <a:solidFill>
+                  <a:srgbClr val="000000"/>
+                </a:solidFill>
+                <a:latin typeface="Arial"/>
+                <a:ea typeface="DejaVu Sans"/>
+              </a:rPr>
+              <a:t>...</a:t>
+            </a:r>
+            <a:endParaRPr b="0" lang="en-US" sz="1400" spc="-1" strike="noStrike">
+              <a:latin typeface="Arial"/>
+            </a:endParaRPr>
+          </a:p>
+        </p:txBody>
       </p:sp>
       <p:sp>
         <p:nvSpPr>
@@ -7461,15 +7451,16 @@
         </p:nvSpPr>
         <p:spPr>
           <a:xfrm>
-            <a:off x="8915400" y="3200400"/>
-            <a:ext cx="1370160" cy="287280"/>
-          </a:xfrm>
-          <a:prstGeom prst="rect">
-            <a:avLst/>
-          </a:prstGeom>
-          <a:noFill/>
-          <a:ln w="0">
-            <a:noFill/>
+            <a:off x="8458200" y="2514600"/>
+            <a:ext cx="457200" cy="685800"/>
+          </a:xfrm>
+          <a:prstGeom prst="line">
+            <a:avLst/>
+          </a:prstGeom>
+          <a:ln w="0">
+            <a:solidFill>
+              <a:srgbClr val="3465a4"/>
+            </a:solidFill>
           </a:ln>
         </p:spPr>
         <p:style>
@@ -7478,31 +7469,6 @@
           <a:effectRef idx="0"/>
           <a:fontRef idx="minor"/>
         </p:style>
-        <p:txBody>
-          <a:bodyPr lIns="90000" rIns="90000" tIns="45000" bIns="45000" anchor="t">
-            <a:noAutofit/>
-          </a:bodyPr>
-          <a:p>
-            <a:pPr>
-              <a:lnSpc>
-                <a:spcPct val="100000"/>
-              </a:lnSpc>
-            </a:pPr>
-            <a:r>
-              <a:rPr b="0" lang="en-US" sz="1400" spc="-1" strike="noStrike">
-                <a:solidFill>
-                  <a:srgbClr val="000000"/>
-                </a:solidFill>
-                <a:latin typeface="Arial"/>
-                <a:ea typeface="DejaVu Sans"/>
-              </a:rPr>
-              <a:t>...</a:t>
-            </a:r>
-            <a:endParaRPr b="0" lang="en-US" sz="1400" spc="-1" strike="noStrike">
-              <a:latin typeface="Arial"/>
-            </a:endParaRPr>
-          </a:p>
-        </p:txBody>
       </p:sp>
       <p:sp>
         <p:nvSpPr>
@@ -7512,16 +7478,15 @@
         </p:nvSpPr>
         <p:spPr>
           <a:xfrm>
-            <a:off x="8458200" y="2514600"/>
-            <a:ext cx="457200" cy="685800"/>
-          </a:xfrm>
-          <a:prstGeom prst="line">
-            <a:avLst/>
-          </a:prstGeom>
-          <a:ln w="0">
-            <a:solidFill>
-              <a:srgbClr val="3465a4"/>
-            </a:solidFill>
+            <a:off x="8073000" y="2057400"/>
+            <a:ext cx="912960" cy="287280"/>
+          </a:xfrm>
+          <a:prstGeom prst="rect">
+            <a:avLst/>
+          </a:prstGeom>
+          <a:noFill/>
+          <a:ln w="0">
+            <a:noFill/>
           </a:ln>
         </p:spPr>
         <p:style>
@@ -7530,6 +7495,31 @@
           <a:effectRef idx="0"/>
           <a:fontRef idx="minor"/>
         </p:style>
+        <p:txBody>
+          <a:bodyPr lIns="90000" rIns="90000" tIns="45000" bIns="45000" anchor="t">
+            <a:noAutofit/>
+          </a:bodyPr>
+          <a:p>
+            <a:pPr>
+              <a:lnSpc>
+                <a:spcPct val="100000"/>
+              </a:lnSpc>
+            </a:pPr>
+            <a:r>
+              <a:rPr b="0" lang="en-US" sz="1400" spc="-1" strike="noStrike">
+                <a:solidFill>
+                  <a:srgbClr val="000000"/>
+                </a:solidFill>
+                <a:latin typeface="Arial"/>
+                <a:ea typeface="DejaVu Sans"/>
+              </a:rPr>
+              <a:t>B</a:t>
+            </a:r>
+            <a:endParaRPr b="0" lang="en-US" sz="1400" spc="-1" strike="noStrike">
+              <a:latin typeface="Arial"/>
+            </a:endParaRPr>
+          </a:p>
+        </p:txBody>
       </p:sp>
       <p:sp>
         <p:nvSpPr>
@@ -7539,7 +7529,7 @@
         </p:nvSpPr>
         <p:spPr>
           <a:xfrm>
-            <a:off x="8073000" y="2057400"/>
+            <a:off x="7243200" y="3176280"/>
             <a:ext cx="912960" cy="287280"/>
           </a:xfrm>
           <a:prstGeom prst="rect">
@@ -7574,7 +7564,7 @@
                 <a:latin typeface="Arial"/>
                 <a:ea typeface="DejaVu Sans"/>
               </a:rPr>
-              <a:t>B</a:t>
+              <a:t>S1</a:t>
             </a:r>
             <a:endParaRPr b="0" lang="en-US" sz="1400" spc="-1" strike="noStrike">
               <a:latin typeface="Arial"/>
@@ -7590,7 +7580,7 @@
         </p:nvSpPr>
         <p:spPr>
           <a:xfrm>
-            <a:off x="7243200" y="3176280"/>
+            <a:off x="8071200" y="3176280"/>
             <a:ext cx="912960" cy="287280"/>
           </a:xfrm>
           <a:prstGeom prst="rect">
@@ -7625,7 +7615,7 @@
                 <a:latin typeface="Arial"/>
                 <a:ea typeface="DejaVu Sans"/>
               </a:rPr>
-              <a:t>S1</a:t>
+              <a:t>S2</a:t>
             </a:r>
             <a:endParaRPr b="0" lang="en-US" sz="1400" spc="-1" strike="noStrike">
               <a:latin typeface="Arial"/>
@@ -7641,15 +7631,19 @@
         </p:nvSpPr>
         <p:spPr>
           <a:xfrm>
-            <a:off x="8071200" y="3176280"/>
-            <a:ext cx="912960" cy="287280"/>
-          </a:xfrm>
-          <a:prstGeom prst="rect">
-            <a:avLst/>
-          </a:prstGeom>
-          <a:noFill/>
-          <a:ln w="0">
-            <a:noFill/>
+            <a:off x="7315200" y="3814200"/>
+            <a:ext cx="1685520" cy="1685520"/>
+          </a:xfrm>
+          <a:prstGeom prst="ellipse">
+            <a:avLst/>
+          </a:prstGeom>
+          <a:solidFill>
+            <a:srgbClr val="729fcf"/>
+          </a:solidFill>
+          <a:ln w="0">
+            <a:solidFill>
+              <a:srgbClr val="3465a4"/>
+            </a:solidFill>
           </a:ln>
         </p:spPr>
         <p:style>
@@ -7658,31 +7652,6 @@
           <a:effectRef idx="0"/>
           <a:fontRef idx="minor"/>
         </p:style>
-        <p:txBody>
-          <a:bodyPr lIns="90000" rIns="90000" tIns="45000" bIns="45000" anchor="t">
-            <a:noAutofit/>
-          </a:bodyPr>
-          <a:p>
-            <a:pPr>
-              <a:lnSpc>
-                <a:spcPct val="100000"/>
-              </a:lnSpc>
-            </a:pPr>
-            <a:r>
-              <a:rPr b="0" lang="en-US" sz="1400" spc="-1" strike="noStrike">
-                <a:solidFill>
-                  <a:srgbClr val="000000"/>
-                </a:solidFill>
-                <a:latin typeface="Arial"/>
-                <a:ea typeface="DejaVu Sans"/>
-              </a:rPr>
-              <a:t>S2</a:t>
-            </a:r>
-            <a:endParaRPr b="0" lang="en-US" sz="1400" spc="-1" strike="noStrike">
-              <a:latin typeface="Arial"/>
-            </a:endParaRPr>
-          </a:p>
-        </p:txBody>
       </p:sp>
       <p:sp>
         <p:nvSpPr>
@@ -7692,8 +7661,8 @@
         </p:nvSpPr>
         <p:spPr>
           <a:xfrm>
-            <a:off x="7315200" y="3814200"/>
-            <a:ext cx="1685520" cy="1685520"/>
+            <a:off x="7459560" y="4187160"/>
+            <a:ext cx="684360" cy="684360"/>
           </a:xfrm>
           <a:prstGeom prst="ellipse">
             <a:avLst/>
@@ -7722,7 +7691,7 @@
         </p:nvSpPr>
         <p:spPr>
           <a:xfrm>
-            <a:off x="7459560" y="4187160"/>
+            <a:off x="8157960" y="4536000"/>
             <a:ext cx="684360" cy="684360"/>
           </a:xfrm>
           <a:prstGeom prst="ellipse">
@@ -7752,19 +7721,15 @@
         </p:nvSpPr>
         <p:spPr>
           <a:xfrm>
-            <a:off x="8157960" y="4536000"/>
-            <a:ext cx="684360" cy="684360"/>
-          </a:xfrm>
-          <a:prstGeom prst="ellipse">
-            <a:avLst/>
-          </a:prstGeom>
-          <a:solidFill>
-            <a:srgbClr val="729fcf"/>
-          </a:solidFill>
-          <a:ln w="0">
-            <a:solidFill>
-              <a:srgbClr val="3465a4"/>
-            </a:solidFill>
+            <a:off x="7616160" y="4379400"/>
+            <a:ext cx="912960" cy="287280"/>
+          </a:xfrm>
+          <a:prstGeom prst="rect">
+            <a:avLst/>
+          </a:prstGeom>
+          <a:noFill/>
+          <a:ln w="0">
+            <a:noFill/>
           </a:ln>
         </p:spPr>
         <p:style>
@@ -7773,6 +7738,31 @@
           <a:effectRef idx="0"/>
           <a:fontRef idx="minor"/>
         </p:style>
+        <p:txBody>
+          <a:bodyPr lIns="90000" rIns="90000" tIns="45000" bIns="45000" anchor="t">
+            <a:noAutofit/>
+          </a:bodyPr>
+          <a:p>
+            <a:pPr>
+              <a:lnSpc>
+                <a:spcPct val="100000"/>
+              </a:lnSpc>
+            </a:pPr>
+            <a:r>
+              <a:rPr b="0" lang="en-US" sz="1400" spc="-1" strike="noStrike">
+                <a:solidFill>
+                  <a:srgbClr val="000000"/>
+                </a:solidFill>
+                <a:latin typeface="Arial"/>
+                <a:ea typeface="DejaVu Sans"/>
+              </a:rPr>
+              <a:t>S1</a:t>
+            </a:r>
+            <a:endParaRPr b="0" lang="en-US" sz="1400" spc="-1" strike="noStrike">
+              <a:latin typeface="Arial"/>
+            </a:endParaRPr>
+          </a:p>
+        </p:txBody>
       </p:sp>
       <p:sp>
         <p:nvSpPr>
@@ -7782,7 +7772,7 @@
         </p:nvSpPr>
         <p:spPr>
           <a:xfrm>
-            <a:off x="7616160" y="4379400"/>
+            <a:off x="8071200" y="3176280"/>
             <a:ext cx="912960" cy="287280"/>
           </a:xfrm>
           <a:prstGeom prst="rect">
@@ -7817,7 +7807,7 @@
                 <a:latin typeface="Arial"/>
                 <a:ea typeface="DejaVu Sans"/>
               </a:rPr>
-              <a:t>S1</a:t>
+              <a:t>S2</a:t>
             </a:r>
             <a:endParaRPr b="0" lang="en-US" sz="1400" spc="-1" strike="noStrike">
               <a:latin typeface="Arial"/>
@@ -7833,7 +7823,7 @@
         </p:nvSpPr>
         <p:spPr>
           <a:xfrm>
-            <a:off x="8071200" y="3176280"/>
+            <a:off x="8323200" y="4724280"/>
             <a:ext cx="912960" cy="287280"/>
           </a:xfrm>
           <a:prstGeom prst="rect">
@@ -7884,7 +7874,7 @@
         </p:nvSpPr>
         <p:spPr>
           <a:xfrm>
-            <a:off x="8323200" y="4724280"/>
+            <a:off x="8289000" y="4001400"/>
             <a:ext cx="912960" cy="287280"/>
           </a:xfrm>
           <a:prstGeom prst="rect">
@@ -7919,7 +7909,7 @@
                 <a:latin typeface="Arial"/>
                 <a:ea typeface="DejaVu Sans"/>
               </a:rPr>
-              <a:t>S2</a:t>
+              <a:t>B</a:t>
             </a:r>
             <a:endParaRPr b="0" lang="en-US" sz="1400" spc="-1" strike="noStrike">
               <a:latin typeface="Arial"/>
@@ -7935,8 +7925,8 @@
         </p:nvSpPr>
         <p:spPr>
           <a:xfrm>
-            <a:off x="8289000" y="4001400"/>
-            <a:ext cx="912960" cy="287280"/>
+            <a:off x="1143000" y="1371600"/>
+            <a:ext cx="5486400" cy="3886200"/>
           </a:xfrm>
           <a:prstGeom prst="rect">
             <a:avLst/>
@@ -7963,16 +7953,26 @@
               </a:lnSpc>
             </a:pPr>
             <a:r>
-              <a:rPr b="0" lang="en-US" sz="1400" spc="-1" strike="noStrike">
+              <a:rPr b="0" lang="en-US" sz="1600" spc="-1" strike="noStrike">
                 <a:solidFill>
                   <a:srgbClr val="000000"/>
                 </a:solidFill>
                 <a:latin typeface="Arial"/>
                 <a:ea typeface="DejaVu Sans"/>
               </a:rPr>
-              <a:t>B</a:t>
-            </a:r>
-            <a:endParaRPr b="0" lang="en-US" sz="1400" spc="-1" strike="noStrike">
+              <a:t>- Now that your state handling is in the Board component, the parent Board component passes props to the child Square components so that they can be displayed correctly. </a:t>
+            </a:r>
+            <a:endParaRPr b="0" lang="en-US" sz="1600" spc="-1" strike="noStrike">
+              <a:latin typeface="Arial"/>
+            </a:endParaRPr>
+          </a:p>
+          <a:p>
+            <a:pPr>
+              <a:lnSpc>
+                <a:spcPct val="100000"/>
+              </a:lnSpc>
+            </a:pPr>
+            <a:endParaRPr b="0" lang="en-US" sz="1600" spc="-1" strike="noStrike">
               <a:latin typeface="Arial"/>
             </a:endParaRPr>
           </a:p>
@@ -8061,15 +8061,19 @@
         </p:nvSpPr>
         <p:spPr>
           <a:xfrm>
-            <a:off x="1143000" y="1371600"/>
-            <a:ext cx="5027760" cy="5917680"/>
-          </a:xfrm>
-          <a:prstGeom prst="rect">
-            <a:avLst/>
-          </a:prstGeom>
-          <a:noFill/>
-          <a:ln w="0">
-            <a:noFill/>
+            <a:off x="7880400" y="1864800"/>
+            <a:ext cx="684360" cy="684360"/>
+          </a:xfrm>
+          <a:prstGeom prst="ellipse">
+            <a:avLst/>
+          </a:prstGeom>
+          <a:solidFill>
+            <a:srgbClr val="729fcf"/>
+          </a:solidFill>
+          <a:ln w="0">
+            <a:solidFill>
+              <a:srgbClr val="3465a4"/>
+            </a:solidFill>
           </a:ln>
         </p:spPr>
         <p:style>
@@ -8078,61 +8082,6 @@
           <a:effectRef idx="0"/>
           <a:fontRef idx="minor"/>
         </p:style>
-        <p:txBody>
-          <a:bodyPr lIns="90000" rIns="90000" tIns="45000" bIns="45000" anchor="t">
-            <a:noAutofit/>
-          </a:bodyPr>
-          <a:p>
-            <a:pPr>
-              <a:lnSpc>
-                <a:spcPct val="100000"/>
-              </a:lnSpc>
-            </a:pPr>
-            <a:r>
-              <a:rPr b="0" lang="en-US" sz="1800" spc="-1" strike="noStrike">
-                <a:solidFill>
-                  <a:srgbClr val="000000"/>
-                </a:solidFill>
-                <a:latin typeface="Arial"/>
-                <a:ea typeface="DejaVu Sans"/>
-              </a:rPr>
-              <a:t>- Now that your state handling is in the Board component, the parent Board component passes props to the child Square components so that they can be displayed correctly. </a:t>
-            </a:r>
-            <a:endParaRPr b="0" lang="en-US" sz="1800" spc="-1" strike="noStrike">
-              <a:latin typeface="Arial"/>
-            </a:endParaRPr>
-          </a:p>
-          <a:p>
-            <a:pPr>
-              <a:lnSpc>
-                <a:spcPct val="100000"/>
-              </a:lnSpc>
-            </a:pPr>
-            <a:r>
-              <a:rPr b="0" lang="en-US" sz="1800" spc="-1" strike="noStrike">
-                <a:solidFill>
-                  <a:srgbClr val="000000"/>
-                </a:solidFill>
-                <a:latin typeface="Arial"/>
-                <a:ea typeface="DejaVu Sans"/>
-              </a:rPr>
-              <a:t>- When clicking on a Square, the child Square component now asks the parent Board component to update the state of the board. </a:t>
-            </a:r>
-            <a:endParaRPr b="0" lang="en-US" sz="1800" spc="-1" strike="noStrike">
-              <a:latin typeface="Arial"/>
-            </a:endParaRPr>
-          </a:p>
-          <a:p>
-            <a:pPr>
-              <a:lnSpc>
-                <a:spcPct val="100000"/>
-              </a:lnSpc>
-            </a:pPr>
-            <a:endParaRPr b="0" lang="en-US" sz="1800" spc="-1" strike="noStrike">
-              <a:latin typeface="Arial"/>
-            </a:endParaRPr>
-          </a:p>
-        </p:txBody>
       </p:sp>
       <p:sp>
         <p:nvSpPr>
@@ -8142,7 +8091,7 @@
         </p:nvSpPr>
         <p:spPr>
           <a:xfrm>
-            <a:off x="7880400" y="1864800"/>
+            <a:off x="7086600" y="2971800"/>
             <a:ext cx="684360" cy="684360"/>
           </a:xfrm>
           <a:prstGeom prst="ellipse">
@@ -8172,14 +8121,14 @@
         </p:nvSpPr>
         <p:spPr>
           <a:xfrm>
-            <a:off x="7086600" y="2971800"/>
+            <a:off x="7914600" y="3007800"/>
             <a:ext cx="684360" cy="684360"/>
           </a:xfrm>
           <a:prstGeom prst="ellipse">
             <a:avLst/>
           </a:prstGeom>
           <a:solidFill>
-            <a:srgbClr val="729fcf"/>
+            <a:srgbClr val="ff0000"/>
           </a:solidFill>
           <a:ln w="0">
             <a:solidFill>
@@ -8201,16 +8150,13 @@
           <p:nvPr/>
         </p:nvSpPr>
         <p:spPr>
-          <a:xfrm>
-            <a:off x="7914600" y="3007800"/>
-            <a:ext cx="684360" cy="684360"/>
-          </a:xfrm>
-          <a:prstGeom prst="ellipse">
-            <a:avLst/>
-          </a:prstGeom>
-          <a:solidFill>
-            <a:srgbClr val="ff0000"/>
-          </a:solidFill>
+          <a:xfrm flipH="1">
+            <a:off x="7543800" y="2514600"/>
+            <a:ext cx="457200" cy="457200"/>
+          </a:xfrm>
+          <a:prstGeom prst="line">
+            <a:avLst/>
+          </a:prstGeom>
           <a:ln w="0">
             <a:solidFill>
               <a:srgbClr val="3465a4"/>
@@ -8231,17 +8177,16 @@
           <p:nvPr/>
         </p:nvSpPr>
         <p:spPr>
-          <a:xfrm flipH="1">
-            <a:off x="7543800" y="2514600"/>
-            <a:ext cx="457200" cy="457200"/>
-          </a:xfrm>
-          <a:prstGeom prst="line">
-            <a:avLst/>
-          </a:prstGeom>
-          <a:ln w="0">
-            <a:solidFill>
-              <a:srgbClr val="3465a4"/>
-            </a:solidFill>
+          <a:xfrm>
+            <a:off x="8915400" y="3200400"/>
+            <a:ext cx="1370160" cy="287280"/>
+          </a:xfrm>
+          <a:prstGeom prst="rect">
+            <a:avLst/>
+          </a:prstGeom>
+          <a:noFill/>
+          <a:ln w="0">
+            <a:noFill/>
           </a:ln>
         </p:spPr>
         <p:style>
@@ -8250,6 +8195,31 @@
           <a:effectRef idx="0"/>
           <a:fontRef idx="minor"/>
         </p:style>
+        <p:txBody>
+          <a:bodyPr lIns="90000" rIns="90000" tIns="45000" bIns="45000" anchor="t">
+            <a:noAutofit/>
+          </a:bodyPr>
+          <a:p>
+            <a:pPr>
+              <a:lnSpc>
+                <a:spcPct val="100000"/>
+              </a:lnSpc>
+            </a:pPr>
+            <a:r>
+              <a:rPr b="0" lang="en-US" sz="1400" spc="-1" strike="noStrike">
+                <a:solidFill>
+                  <a:srgbClr val="000000"/>
+                </a:solidFill>
+                <a:latin typeface="Arial"/>
+                <a:ea typeface="DejaVu Sans"/>
+              </a:rPr>
+              <a:t>...</a:t>
+            </a:r>
+            <a:endParaRPr b="0" lang="en-US" sz="1400" spc="-1" strike="noStrike">
+              <a:latin typeface="Arial"/>
+            </a:endParaRPr>
+          </a:p>
+        </p:txBody>
       </p:sp>
       <p:sp>
         <p:nvSpPr>
@@ -8259,15 +8229,16 @@
         </p:nvSpPr>
         <p:spPr>
           <a:xfrm>
-            <a:off x="8915400" y="3200400"/>
-            <a:ext cx="1370160" cy="287280"/>
-          </a:xfrm>
-          <a:prstGeom prst="rect">
-            <a:avLst/>
-          </a:prstGeom>
-          <a:noFill/>
-          <a:ln w="0">
-            <a:noFill/>
+            <a:off x="8458200" y="2514600"/>
+            <a:ext cx="457200" cy="685800"/>
+          </a:xfrm>
+          <a:prstGeom prst="line">
+            <a:avLst/>
+          </a:prstGeom>
+          <a:ln w="0">
+            <a:solidFill>
+              <a:srgbClr val="3465a4"/>
+            </a:solidFill>
           </a:ln>
         </p:spPr>
         <p:style>
@@ -8276,31 +8247,6 @@
           <a:effectRef idx="0"/>
           <a:fontRef idx="minor"/>
         </p:style>
-        <p:txBody>
-          <a:bodyPr lIns="90000" rIns="90000" tIns="45000" bIns="45000" anchor="t">
-            <a:noAutofit/>
-          </a:bodyPr>
-          <a:p>
-            <a:pPr>
-              <a:lnSpc>
-                <a:spcPct val="100000"/>
-              </a:lnSpc>
-            </a:pPr>
-            <a:r>
-              <a:rPr b="0" lang="en-US" sz="1400" spc="-1" strike="noStrike">
-                <a:solidFill>
-                  <a:srgbClr val="000000"/>
-                </a:solidFill>
-                <a:latin typeface="Arial"/>
-                <a:ea typeface="DejaVu Sans"/>
-              </a:rPr>
-              <a:t>...</a:t>
-            </a:r>
-            <a:endParaRPr b="0" lang="en-US" sz="1400" spc="-1" strike="noStrike">
-              <a:latin typeface="Arial"/>
-            </a:endParaRPr>
-          </a:p>
-        </p:txBody>
       </p:sp>
       <p:sp>
         <p:nvSpPr>
@@ -8310,16 +8256,15 @@
         </p:nvSpPr>
         <p:spPr>
           <a:xfrm>
-            <a:off x="8458200" y="2514600"/>
-            <a:ext cx="457200" cy="685800"/>
-          </a:xfrm>
-          <a:prstGeom prst="line">
-            <a:avLst/>
-          </a:prstGeom>
-          <a:ln w="0">
-            <a:solidFill>
-              <a:srgbClr val="3465a4"/>
-            </a:solidFill>
+            <a:off x="8073000" y="2057400"/>
+            <a:ext cx="912960" cy="287280"/>
+          </a:xfrm>
+          <a:prstGeom prst="rect">
+            <a:avLst/>
+          </a:prstGeom>
+          <a:noFill/>
+          <a:ln w="0">
+            <a:noFill/>
           </a:ln>
         </p:spPr>
         <p:style>
@@ -8328,6 +8273,31 @@
           <a:effectRef idx="0"/>
           <a:fontRef idx="minor"/>
         </p:style>
+        <p:txBody>
+          <a:bodyPr lIns="90000" rIns="90000" tIns="45000" bIns="45000" anchor="t">
+            <a:noAutofit/>
+          </a:bodyPr>
+          <a:p>
+            <a:pPr>
+              <a:lnSpc>
+                <a:spcPct val="100000"/>
+              </a:lnSpc>
+            </a:pPr>
+            <a:r>
+              <a:rPr b="0" lang="en-US" sz="1400" spc="-1" strike="noStrike">
+                <a:solidFill>
+                  <a:srgbClr val="000000"/>
+                </a:solidFill>
+                <a:latin typeface="Arial"/>
+                <a:ea typeface="DejaVu Sans"/>
+              </a:rPr>
+              <a:t>B</a:t>
+            </a:r>
+            <a:endParaRPr b="0" lang="en-US" sz="1400" spc="-1" strike="noStrike">
+              <a:latin typeface="Arial"/>
+            </a:endParaRPr>
+          </a:p>
+        </p:txBody>
       </p:sp>
       <p:sp>
         <p:nvSpPr>
@@ -8337,7 +8307,7 @@
         </p:nvSpPr>
         <p:spPr>
           <a:xfrm>
-            <a:off x="8073000" y="2057400"/>
+            <a:off x="7243200" y="3176280"/>
             <a:ext cx="912960" cy="287280"/>
           </a:xfrm>
           <a:prstGeom prst="rect">
@@ -8372,7 +8342,7 @@
                 <a:latin typeface="Arial"/>
                 <a:ea typeface="DejaVu Sans"/>
               </a:rPr>
-              <a:t>B</a:t>
+              <a:t>S1</a:t>
             </a:r>
             <a:endParaRPr b="0" lang="en-US" sz="1400" spc="-1" strike="noStrike">
               <a:latin typeface="Arial"/>
@@ -8388,7 +8358,7 @@
         </p:nvSpPr>
         <p:spPr>
           <a:xfrm>
-            <a:off x="7243200" y="3176280"/>
+            <a:off x="8071200" y="3176280"/>
             <a:ext cx="912960" cy="287280"/>
           </a:xfrm>
           <a:prstGeom prst="rect">
@@ -8423,7 +8393,7 @@
                 <a:latin typeface="Arial"/>
                 <a:ea typeface="DejaVu Sans"/>
               </a:rPr>
-              <a:t>S1</a:t>
+              <a:t>S2</a:t>
             </a:r>
             <a:endParaRPr b="0" lang="en-US" sz="1400" spc="-1" strike="noStrike">
               <a:latin typeface="Arial"/>
@@ -8439,15 +8409,19 @@
         </p:nvSpPr>
         <p:spPr>
           <a:xfrm>
-            <a:off x="8071200" y="3176280"/>
-            <a:ext cx="912960" cy="287280"/>
-          </a:xfrm>
-          <a:prstGeom prst="rect">
-            <a:avLst/>
-          </a:prstGeom>
-          <a:noFill/>
-          <a:ln w="0">
-            <a:noFill/>
+            <a:off x="7314840" y="3814200"/>
+            <a:ext cx="1685520" cy="1685520"/>
+          </a:xfrm>
+          <a:prstGeom prst="ellipse">
+            <a:avLst/>
+          </a:prstGeom>
+          <a:solidFill>
+            <a:srgbClr val="729fcf"/>
+          </a:solidFill>
+          <a:ln w="0">
+            <a:solidFill>
+              <a:srgbClr val="3465a4"/>
+            </a:solidFill>
           </a:ln>
         </p:spPr>
         <p:style>
@@ -8456,31 +8430,6 @@
           <a:effectRef idx="0"/>
           <a:fontRef idx="minor"/>
         </p:style>
-        <p:txBody>
-          <a:bodyPr lIns="90000" rIns="90000" tIns="45000" bIns="45000" anchor="t">
-            <a:noAutofit/>
-          </a:bodyPr>
-          <a:p>
-            <a:pPr>
-              <a:lnSpc>
-                <a:spcPct val="100000"/>
-              </a:lnSpc>
-            </a:pPr>
-            <a:r>
-              <a:rPr b="0" lang="en-US" sz="1400" spc="-1" strike="noStrike">
-                <a:solidFill>
-                  <a:srgbClr val="000000"/>
-                </a:solidFill>
-                <a:latin typeface="Arial"/>
-                <a:ea typeface="DejaVu Sans"/>
-              </a:rPr>
-              <a:t>S2</a:t>
-            </a:r>
-            <a:endParaRPr b="0" lang="en-US" sz="1400" spc="-1" strike="noStrike">
-              <a:latin typeface="Arial"/>
-            </a:endParaRPr>
-          </a:p>
-        </p:txBody>
       </p:sp>
       <p:sp>
         <p:nvSpPr>
@@ -8490,8 +8439,8 @@
         </p:nvSpPr>
         <p:spPr>
           <a:xfrm>
-            <a:off x="7314840" y="3814200"/>
-            <a:ext cx="1685520" cy="1685520"/>
+            <a:off x="7459200" y="4187160"/>
+            <a:ext cx="684360" cy="684360"/>
           </a:xfrm>
           <a:prstGeom prst="ellipse">
             <a:avLst/>
@@ -8520,14 +8469,14 @@
         </p:nvSpPr>
         <p:spPr>
           <a:xfrm>
-            <a:off x="7459200" y="4187160"/>
+            <a:off x="8157600" y="4536000"/>
             <a:ext cx="684360" cy="684360"/>
           </a:xfrm>
           <a:prstGeom prst="ellipse">
             <a:avLst/>
           </a:prstGeom>
           <a:solidFill>
-            <a:srgbClr val="729fcf"/>
+            <a:srgbClr val="ff0000"/>
           </a:solidFill>
           <a:ln w="0">
             <a:solidFill>
@@ -8550,19 +8499,15 @@
         </p:nvSpPr>
         <p:spPr>
           <a:xfrm>
-            <a:off x="8157600" y="4536000"/>
-            <a:ext cx="684360" cy="684360"/>
-          </a:xfrm>
-          <a:prstGeom prst="ellipse">
-            <a:avLst/>
-          </a:prstGeom>
-          <a:solidFill>
-            <a:srgbClr val="ff0000"/>
-          </a:solidFill>
-          <a:ln w="0">
-            <a:solidFill>
-              <a:srgbClr val="3465a4"/>
-            </a:solidFill>
+            <a:off x="7615800" y="4379400"/>
+            <a:ext cx="912960" cy="287280"/>
+          </a:xfrm>
+          <a:prstGeom prst="rect">
+            <a:avLst/>
+          </a:prstGeom>
+          <a:noFill/>
+          <a:ln w="0">
+            <a:noFill/>
           </a:ln>
         </p:spPr>
         <p:style>
@@ -8571,6 +8516,31 @@
           <a:effectRef idx="0"/>
           <a:fontRef idx="minor"/>
         </p:style>
+        <p:txBody>
+          <a:bodyPr lIns="90000" rIns="90000" tIns="45000" bIns="45000" anchor="t">
+            <a:noAutofit/>
+          </a:bodyPr>
+          <a:p>
+            <a:pPr>
+              <a:lnSpc>
+                <a:spcPct val="100000"/>
+              </a:lnSpc>
+            </a:pPr>
+            <a:r>
+              <a:rPr b="0" lang="en-US" sz="1400" spc="-1" strike="noStrike">
+                <a:solidFill>
+                  <a:srgbClr val="000000"/>
+                </a:solidFill>
+                <a:latin typeface="Arial"/>
+                <a:ea typeface="DejaVu Sans"/>
+              </a:rPr>
+              <a:t>S1</a:t>
+            </a:r>
+            <a:endParaRPr b="0" lang="en-US" sz="1400" spc="-1" strike="noStrike">
+              <a:latin typeface="Arial"/>
+            </a:endParaRPr>
+          </a:p>
+        </p:txBody>
       </p:sp>
       <p:sp>
         <p:nvSpPr>
@@ -8580,7 +8550,7 @@
         </p:nvSpPr>
         <p:spPr>
           <a:xfrm>
-            <a:off x="7615800" y="4379400"/>
+            <a:off x="8322840" y="4724280"/>
             <a:ext cx="912960" cy="287280"/>
           </a:xfrm>
           <a:prstGeom prst="rect">
@@ -8615,7 +8585,7 @@
                 <a:latin typeface="Arial"/>
                 <a:ea typeface="DejaVu Sans"/>
               </a:rPr>
-              <a:t>S1</a:t>
+              <a:t>S2</a:t>
             </a:r>
             <a:endParaRPr b="0" lang="en-US" sz="1400" spc="-1" strike="noStrike">
               <a:latin typeface="Arial"/>
@@ -8631,7 +8601,7 @@
         </p:nvSpPr>
         <p:spPr>
           <a:xfrm>
-            <a:off x="8322840" y="4724280"/>
+            <a:off x="8288640" y="4001400"/>
             <a:ext cx="912960" cy="287280"/>
           </a:xfrm>
           <a:prstGeom prst="rect">
@@ -8666,7 +8636,7 @@
                 <a:latin typeface="Arial"/>
                 <a:ea typeface="DejaVu Sans"/>
               </a:rPr>
-              <a:t>S2</a:t>
+              <a:t>B</a:t>
             </a:r>
             <a:endParaRPr b="0" lang="en-US" sz="1400" spc="-1" strike="noStrike">
               <a:latin typeface="Arial"/>
@@ -8681,16 +8651,18 @@
           <p:nvPr/>
         </p:nvSpPr>
         <p:spPr>
-          <a:xfrm>
-            <a:off x="8288640" y="4001400"/>
-            <a:ext cx="912960" cy="287280"/>
-          </a:xfrm>
-          <a:prstGeom prst="rect">
-            <a:avLst/>
-          </a:prstGeom>
-          <a:noFill/>
-          <a:ln w="0">
-            <a:noFill/>
+          <a:xfrm flipV="1">
+            <a:off x="8229600" y="2549160"/>
+            <a:ext cx="0" cy="458640"/>
+          </a:xfrm>
+          <a:prstGeom prst="line">
+            <a:avLst/>
+          </a:prstGeom>
+          <a:ln w="0">
+            <a:solidFill>
+              <a:srgbClr val="3465a4"/>
+            </a:solidFill>
+            <a:tailEnd len="med" type="triangle" w="med"/>
           </a:ln>
         </p:spPr>
         <p:style>
@@ -8699,31 +8671,6 @@
           <a:effectRef idx="0"/>
           <a:fontRef idx="minor"/>
         </p:style>
-        <p:txBody>
-          <a:bodyPr lIns="90000" rIns="90000" tIns="45000" bIns="45000" anchor="t">
-            <a:noAutofit/>
-          </a:bodyPr>
-          <a:p>
-            <a:pPr>
-              <a:lnSpc>
-                <a:spcPct val="100000"/>
-              </a:lnSpc>
-            </a:pPr>
-            <a:r>
-              <a:rPr b="0" lang="en-US" sz="1400" spc="-1" strike="noStrike">
-                <a:solidFill>
-                  <a:srgbClr val="000000"/>
-                </a:solidFill>
-                <a:latin typeface="Arial"/>
-                <a:ea typeface="DejaVu Sans"/>
-              </a:rPr>
-              <a:t>B</a:t>
-            </a:r>
-            <a:endParaRPr b="0" lang="en-US" sz="1400" spc="-1" strike="noStrike">
-              <a:latin typeface="Arial"/>
-            </a:endParaRPr>
-          </a:p>
-        </p:txBody>
       </p:sp>
       <p:sp>
         <p:nvSpPr>
@@ -8733,7 +8680,7 @@
         </p:nvSpPr>
         <p:spPr>
           <a:xfrm flipV="1">
-            <a:off x="8229600" y="2549160"/>
+            <a:off x="8229600" y="2549520"/>
             <a:ext cx="0" cy="458640"/>
           </a:xfrm>
           <a:prstGeom prst="line">
@@ -8760,18 +8707,16 @@
           <p:nvPr/>
         </p:nvSpPr>
         <p:spPr>
-          <a:xfrm flipV="1">
-            <a:off x="8229600" y="2549520"/>
-            <a:ext cx="0" cy="458640"/>
-          </a:xfrm>
-          <a:prstGeom prst="line">
-            <a:avLst/>
-          </a:prstGeom>
-          <a:ln w="0">
-            <a:solidFill>
-              <a:srgbClr val="3465a4"/>
-            </a:solidFill>
-            <a:tailEnd len="med" type="triangle" w="med"/>
+          <a:xfrm>
+            <a:off x="1143000" y="1371600"/>
+            <a:ext cx="5486400" cy="3886200"/>
+          </a:xfrm>
+          <a:prstGeom prst="rect">
+            <a:avLst/>
+          </a:prstGeom>
+          <a:noFill/>
+          <a:ln w="0">
+            <a:noFill/>
           </a:ln>
         </p:spPr>
         <p:style>
@@ -8780,6 +8725,52 @@
           <a:effectRef idx="0"/>
           <a:fontRef idx="minor"/>
         </p:style>
+        <p:txBody>
+          <a:bodyPr lIns="90000" rIns="90000" tIns="45000" bIns="45000" anchor="t">
+            <a:noAutofit/>
+          </a:bodyPr>
+          <a:p>
+            <a:pPr>
+              <a:lnSpc>
+                <a:spcPct val="100000"/>
+              </a:lnSpc>
+            </a:pPr>
+            <a:r>
+              <a:rPr b="0" lang="en-US" sz="1600" spc="-1" strike="noStrike">
+                <a:solidFill>
+                  <a:srgbClr val="000000"/>
+                </a:solidFill>
+                <a:latin typeface="Arial"/>
+                <a:ea typeface="DejaVu Sans"/>
+              </a:rPr>
+              <a:t>- Now that your state handling is in the Board component, the parent Board component passes props to the child Square components so that they can be displayed correctly. </a:t>
+            </a:r>
+            <a:endParaRPr b="0" lang="en-US" sz="1600" spc="-1" strike="noStrike">
+              <a:latin typeface="Arial"/>
+            </a:endParaRPr>
+          </a:p>
+          <a:p>
+            <a:pPr>
+              <a:lnSpc>
+                <a:spcPct val="100000"/>
+              </a:lnSpc>
+            </a:pPr>
+            <a:br/>
+            <a:r>
+              <a:rPr b="0" lang="en-US" sz="1600" spc="-1" strike="noStrike">
+                <a:solidFill>
+                  <a:srgbClr val="000000"/>
+                </a:solidFill>
+                <a:latin typeface="Arial"/>
+                <a:ea typeface="DejaVu Sans"/>
+              </a:rPr>
+              <a:t>- When clicking on a Square, the child Square component now asks the parent Board component to update the state of the board. </a:t>
+            </a:r>
+            <a:endParaRPr b="0" lang="en-US" sz="1600" spc="-1" strike="noStrike">
+              <a:latin typeface="Arial"/>
+            </a:endParaRPr>
+          </a:p>
+        </p:txBody>
       </p:sp>
     </p:spTree>
   </p:cSld>
@@ -8865,7 +8856,7 @@
         <p:spPr>
           <a:xfrm>
             <a:off x="1143000" y="1371600"/>
-            <a:ext cx="5027760" cy="5917680"/>
+            <a:ext cx="5486400" cy="3886200"/>
           </a:xfrm>
           <a:prstGeom prst="rect">
             <a:avLst/>
@@ -8892,7 +8883,7 @@
               </a:lnSpc>
             </a:pPr>
             <a:r>
-              <a:rPr b="0" lang="en-US" sz="1800" spc="-1" strike="noStrike">
+              <a:rPr b="0" lang="en-US" sz="1600" spc="-1" strike="noStrike">
                 <a:solidFill>
                   <a:srgbClr val="000000"/>
                 </a:solidFill>
@@ -8901,7 +8892,7 @@
               </a:rPr>
               <a:t>- Now that your state handling is in the Board component, the parent Board component passes props to the child Square components so that they can be displayed correctly. </a:t>
             </a:r>
-            <a:endParaRPr b="0" lang="en-US" sz="1800" spc="-1" strike="noStrike">
+            <a:endParaRPr b="0" lang="en-US" sz="1600" spc="-1" strike="noStrike">
               <a:latin typeface="Arial"/>
             </a:endParaRPr>
           </a:p>
@@ -8911,8 +8902,9 @@
                 <a:spcPct val="100000"/>
               </a:lnSpc>
             </a:pPr>
-            <a:r>
-              <a:rPr b="0" lang="en-US" sz="1800" spc="-1" strike="noStrike">
+            <a:br/>
+            <a:r>
+              <a:rPr b="0" lang="en-US" sz="1600" spc="-1" strike="noStrike">
                 <a:solidFill>
                   <a:srgbClr val="000000"/>
                 </a:solidFill>
@@ -8921,7 +8913,7 @@
               </a:rPr>
               <a:t>- When clicking on a Square, the child Square component now asks the parent Board component to update the state of the board. </a:t>
             </a:r>
-            <a:endParaRPr b="0" lang="en-US" sz="1800" spc="-1" strike="noStrike">
+            <a:endParaRPr b="0" lang="en-US" sz="1600" spc="-1" strike="noStrike">
               <a:latin typeface="Arial"/>
             </a:endParaRPr>
           </a:p>
@@ -8931,8 +8923,9 @@
                 <a:spcPct val="100000"/>
               </a:lnSpc>
             </a:pPr>
-            <a:r>
-              <a:rPr b="0" lang="en-US" sz="1800" spc="-1" strike="noStrike">
+            <a:br/>
+            <a:r>
+              <a:rPr b="0" lang="en-US" sz="1600" spc="-1" strike="noStrike">
                 <a:solidFill>
                   <a:srgbClr val="000000"/>
                 </a:solidFill>
@@ -8941,7 +8934,7 @@
               </a:rPr>
               <a:t>- When the Board’s state changes, both the Board component and every child Square re-renders automatically. </a:t>
             </a:r>
-            <a:endParaRPr b="0" lang="en-US" sz="1800" spc="-1" strike="noStrike">
+            <a:endParaRPr b="0" lang="en-US" sz="1600" spc="-1" strike="noStrike">
               <a:latin typeface="Arial"/>
             </a:endParaRPr>
           </a:p>
@@ -8951,8 +8944,9 @@
                 <a:spcPct val="100000"/>
               </a:lnSpc>
             </a:pPr>
-            <a:r>
-              <a:rPr b="0" lang="en-US" sz="1800" spc="-1" strike="noStrike">
+            <a:br/>
+            <a:r>
+              <a:rPr b="0" lang="en-US" sz="1600" spc="-1" strike="noStrike">
                 <a:solidFill>
                   <a:srgbClr val="000000"/>
                 </a:solidFill>
@@ -8961,7 +8955,7 @@
               </a:rPr>
               <a:t>- Keeping the state of all squares in the Board component will allow it to determine the winner in the future.</a:t>
             </a:r>
-            <a:endParaRPr b="0" lang="en-US" sz="1800" spc="-1" strike="noStrike">
+            <a:endParaRPr b="0" lang="en-US" sz="1600" spc="-1" strike="noStrike">
               <a:latin typeface="Arial"/>
             </a:endParaRPr>
           </a:p>

--- a/React 101.pptx
+++ b/React 101.pptx
@@ -10722,7 +10722,7 @@
         </p:nvSpPr>
         <p:spPr>
           <a:xfrm>
-            <a:off x="1503000" y="1318320"/>
+            <a:off x="1683000" y="1318320"/>
             <a:ext cx="8457480" cy="2905200"/>
           </a:xfrm>
           <a:prstGeom prst="rect">
@@ -10750,6 +10750,17 @@
               </a:lnSpc>
             </a:pPr>
             <a:r>
+              <a:rPr b="0" lang="en-US" sz="1800" spc="-1" strike="noStrike" u="sng">
+                <a:solidFill>
+                  <a:srgbClr val="000000"/>
+                </a:solidFill>
+                <a:uFillTx/>
+                <a:latin typeface="Arial"/>
+                <a:ea typeface="DejaVu Sans"/>
+              </a:rPr>
+              <a:t>Books</a:t>
+            </a:r>
+            <a:r>
               <a:rPr b="0" lang="en-US" sz="1800" spc="-1" strike="noStrike">
                 <a:solidFill>
                   <a:srgbClr val="000000"/>
@@ -10757,7 +10768,7 @@
                 <a:latin typeface="Arial"/>
                 <a:ea typeface="DejaVu Sans"/>
               </a:rPr>
-              <a:t>Books </a:t>
+              <a:t> </a:t>
             </a:r>
             <a:endParaRPr b="0" lang="en-US" sz="1800" spc="-1" strike="noStrike">
               <a:latin typeface="Arial"/>
@@ -10851,10 +10862,11 @@
               </a:lnSpc>
             </a:pPr>
             <a:r>
-              <a:rPr b="0" lang="en-US" sz="1800" spc="-1" strike="noStrike">
+              <a:rPr b="0" lang="en-US" sz="1800" spc="-1" strike="noStrike" u="sng">
                 <a:solidFill>
                   <a:srgbClr val="000000"/>
                 </a:solidFill>
+                <a:uFillTx/>
                 <a:latin typeface="Arial"/>
                 <a:ea typeface="DejaVu Sans"/>
               </a:rPr>
@@ -10919,8 +10931,8 @@
         </p:blipFill>
         <p:spPr>
           <a:xfrm>
-            <a:off x="444600" y="1371600"/>
-            <a:ext cx="926280" cy="1334880"/>
+            <a:off x="372600" y="1335600"/>
+            <a:ext cx="1119600" cy="1600200"/>
           </a:xfrm>
           <a:prstGeom prst="rect">
             <a:avLst/>
@@ -10942,7 +10954,7 @@
         </p:blipFill>
         <p:spPr>
           <a:xfrm>
-            <a:off x="4644360" y="4237920"/>
+            <a:off x="191880" y="3288960"/>
             <a:ext cx="1419120" cy="862560"/>
           </a:xfrm>
           <a:prstGeom prst="rect">

--- a/React 101.pptx
+++ b/React 101.pptx
@@ -9679,7 +9679,7 @@
         </p:spPr>
         <p:txBody>
           <a:bodyPr lIns="0" rIns="0" tIns="0" bIns="0" anchor="t">
-            <a:normAutofit fontScale="71000"/>
+            <a:normAutofit fontScale="75000"/>
           </a:bodyPr>
           <a:p>
             <a:pPr marL="432000" indent="-324000">
@@ -9938,35 +9938,6 @@
                 <a:ea typeface="PingFang SC"/>
               </a:rPr>
               <a:t>There is also another benefit of immutability: By default, all child components re-render automatically when the state of a parent component changes. </a:t>
-            </a:r>
-            <a:endParaRPr b="0" lang="en-US" sz="1400" spc="-1" strike="noStrike">
-              <a:latin typeface="Arial"/>
-            </a:endParaRPr>
-          </a:p>
-          <a:p>
-            <a:pPr marL="432000" indent="-324000">
-              <a:lnSpc>
-                <a:spcPct val="100000"/>
-              </a:lnSpc>
-              <a:spcBef>
-                <a:spcPts val="615"/>
-              </a:spcBef>
-              <a:buClr>
-                <a:srgbClr val="000000"/>
-              </a:buClr>
-              <a:buSzPct val="45000"/>
-              <a:buFont typeface="Wingdings" charset="2"/>
-              <a:buChar char=""/>
-              <a:tabLst>
-                <a:tab algn="l" pos="408240"/>
-              </a:tabLst>
-            </a:pPr>
-            <a:r>
-              <a:rPr b="0" lang="en-US" sz="1400" spc="-1" strike="noStrike">
-                <a:latin typeface="Arial"/>
-                <a:ea typeface="PingFang SC"/>
-              </a:rPr>
-              <a:t>This includes even the child components that weren’t affected by the change. Although re-rendering is not by itself noticeable to the user (you shouldn’t actively try to avoid it!), you might want to skip re-rendering a part of the tree that clearly wasn’t affected by it for performance reasons. </a:t>
             </a:r>
             <a:endParaRPr b="0" lang="en-US" sz="1400" spc="-1" strike="noStrike">
               <a:latin typeface="Arial"/>

--- a/React 101.pptx
+++ b/React 101.pptx
@@ -9666,7 +9666,7 @@
         </p:nvSpPr>
         <p:spPr>
           <a:xfrm>
-            <a:off x="504000" y="1326600"/>
+            <a:off x="505440" y="1328040"/>
             <a:ext cx="9324360" cy="3701160"/>
           </a:xfrm>
           <a:prstGeom prst="rect">
@@ -9679,7 +9679,7 @@
         </p:spPr>
         <p:txBody>
           <a:bodyPr lIns="0" rIns="0" tIns="0" bIns="0" anchor="t">
-            <a:normAutofit fontScale="75000"/>
+            <a:normAutofit fontScale="74000"/>
           </a:bodyPr>
           <a:p>
             <a:pPr marL="432000" indent="-324000">
@@ -9731,7 +9731,7 @@
               <a:rPr b="0" lang="en-US" sz="1400" spc="-1" strike="noStrike">
                 <a:latin typeface="Arial"/>
               </a:rPr>
-              <a:t>The first approach is to mutate the data by directly changing the data’s values. </a:t>
+              <a:t>The first approach is to mutate the data by directly changing the data’s values: </a:t>
             </a:r>
             <a:endParaRPr b="0" lang="en-US" sz="1400" spc="-1" strike="noStrike">
               <a:latin typeface="Arial"/>
@@ -9904,7 +9904,7 @@
                 <a:spcPct val="100000"/>
               </a:lnSpc>
               <a:spcBef>
-                <a:spcPts val="615"/>
+                <a:spcPts val="1417"/>
               </a:spcBef>
               <a:tabLst>
                 <a:tab algn="l" pos="408240"/>
